--- a/ppt/SplunkFundamentals2v1_3.pptx
+++ b/ppt/SplunkFundamentals2v1_3.pptx
@@ -5,10 +5,10 @@
     <p:sldMasterId id="2147483660" r:id="rId4"/>
   </p:sldMasterIdLst>
   <p:notesMasterIdLst>
-    <p:notesMasterId r:id="rId105"/>
+    <p:notesMasterId r:id="rId106"/>
   </p:notesMasterIdLst>
   <p:handoutMasterIdLst>
-    <p:handoutMasterId r:id="rId106"/>
+    <p:handoutMasterId r:id="rId107"/>
   </p:handoutMasterIdLst>
   <p:sldIdLst>
     <p:sldId id="323" r:id="rId5"/>
@@ -31,86 +31,87 @@
     <p:sldId id="397" r:id="rId22"/>
     <p:sldId id="400" r:id="rId23"/>
     <p:sldId id="399" r:id="rId24"/>
-    <p:sldId id="341" r:id="rId25"/>
-    <p:sldId id="401" r:id="rId26"/>
-    <p:sldId id="402" r:id="rId27"/>
-    <p:sldId id="403" r:id="rId28"/>
-    <p:sldId id="404" r:id="rId29"/>
-    <p:sldId id="405" r:id="rId30"/>
-    <p:sldId id="406" r:id="rId31"/>
-    <p:sldId id="407" r:id="rId32"/>
-    <p:sldId id="408" r:id="rId33"/>
-    <p:sldId id="409" r:id="rId34"/>
-    <p:sldId id="342" r:id="rId35"/>
-    <p:sldId id="410" r:id="rId36"/>
-    <p:sldId id="411" r:id="rId37"/>
-    <p:sldId id="420" r:id="rId38"/>
-    <p:sldId id="421" r:id="rId39"/>
-    <p:sldId id="416" r:id="rId40"/>
-    <p:sldId id="417" r:id="rId41"/>
-    <p:sldId id="413" r:id="rId42"/>
-    <p:sldId id="412" r:id="rId43"/>
-    <p:sldId id="414" r:id="rId44"/>
-    <p:sldId id="345" r:id="rId45"/>
-    <p:sldId id="346" r:id="rId46"/>
-    <p:sldId id="347" r:id="rId47"/>
-    <p:sldId id="348" r:id="rId48"/>
-    <p:sldId id="349" r:id="rId49"/>
-    <p:sldId id="419" r:id="rId50"/>
-    <p:sldId id="350" r:id="rId51"/>
-    <p:sldId id="351" r:id="rId52"/>
-    <p:sldId id="352" r:id="rId53"/>
-    <p:sldId id="353" r:id="rId54"/>
-    <p:sldId id="354" r:id="rId55"/>
-    <p:sldId id="356" r:id="rId56"/>
-    <p:sldId id="357" r:id="rId57"/>
-    <p:sldId id="355" r:id="rId58"/>
-    <p:sldId id="358" r:id="rId59"/>
-    <p:sldId id="359" r:id="rId60"/>
-    <p:sldId id="418" r:id="rId61"/>
-    <p:sldId id="372" r:id="rId62"/>
-    <p:sldId id="380" r:id="rId63"/>
-    <p:sldId id="379" r:id="rId64"/>
-    <p:sldId id="377" r:id="rId65"/>
-    <p:sldId id="378" r:id="rId66"/>
-    <p:sldId id="381" r:id="rId67"/>
-    <p:sldId id="360" r:id="rId68"/>
-    <p:sldId id="362" r:id="rId69"/>
-    <p:sldId id="361" r:id="rId70"/>
-    <p:sldId id="365" r:id="rId71"/>
-    <p:sldId id="366" r:id="rId72"/>
-    <p:sldId id="375" r:id="rId73"/>
-    <p:sldId id="367" r:id="rId74"/>
-    <p:sldId id="374" r:id="rId75"/>
-    <p:sldId id="423" r:id="rId76"/>
-    <p:sldId id="415" r:id="rId77"/>
-    <p:sldId id="368" r:id="rId78"/>
-    <p:sldId id="369" r:id="rId79"/>
-    <p:sldId id="370" r:id="rId80"/>
-    <p:sldId id="364" r:id="rId81"/>
-    <p:sldId id="371" r:id="rId82"/>
-    <p:sldId id="373" r:id="rId83"/>
-    <p:sldId id="384" r:id="rId84"/>
-    <p:sldId id="383" r:id="rId85"/>
-    <p:sldId id="386" r:id="rId86"/>
-    <p:sldId id="388" r:id="rId87"/>
-    <p:sldId id="387" r:id="rId88"/>
-    <p:sldId id="389" r:id="rId89"/>
-    <p:sldId id="431" r:id="rId90"/>
-    <p:sldId id="424" r:id="rId91"/>
-    <p:sldId id="385" r:id="rId92"/>
-    <p:sldId id="425" r:id="rId93"/>
-    <p:sldId id="427" r:id="rId94"/>
-    <p:sldId id="428" r:id="rId95"/>
-    <p:sldId id="429" r:id="rId96"/>
-    <p:sldId id="430" r:id="rId97"/>
-    <p:sldId id="426" r:id="rId98"/>
-    <p:sldId id="432" r:id="rId99"/>
-    <p:sldId id="433" r:id="rId100"/>
-    <p:sldId id="434" r:id="rId101"/>
-    <p:sldId id="435" r:id="rId102"/>
-    <p:sldId id="436" r:id="rId103"/>
-    <p:sldId id="340" r:id="rId104"/>
+    <p:sldId id="437" r:id="rId25"/>
+    <p:sldId id="341" r:id="rId26"/>
+    <p:sldId id="401" r:id="rId27"/>
+    <p:sldId id="402" r:id="rId28"/>
+    <p:sldId id="403" r:id="rId29"/>
+    <p:sldId id="404" r:id="rId30"/>
+    <p:sldId id="405" r:id="rId31"/>
+    <p:sldId id="406" r:id="rId32"/>
+    <p:sldId id="407" r:id="rId33"/>
+    <p:sldId id="408" r:id="rId34"/>
+    <p:sldId id="409" r:id="rId35"/>
+    <p:sldId id="342" r:id="rId36"/>
+    <p:sldId id="410" r:id="rId37"/>
+    <p:sldId id="411" r:id="rId38"/>
+    <p:sldId id="420" r:id="rId39"/>
+    <p:sldId id="421" r:id="rId40"/>
+    <p:sldId id="416" r:id="rId41"/>
+    <p:sldId id="417" r:id="rId42"/>
+    <p:sldId id="413" r:id="rId43"/>
+    <p:sldId id="412" r:id="rId44"/>
+    <p:sldId id="414" r:id="rId45"/>
+    <p:sldId id="345" r:id="rId46"/>
+    <p:sldId id="346" r:id="rId47"/>
+    <p:sldId id="347" r:id="rId48"/>
+    <p:sldId id="348" r:id="rId49"/>
+    <p:sldId id="349" r:id="rId50"/>
+    <p:sldId id="419" r:id="rId51"/>
+    <p:sldId id="350" r:id="rId52"/>
+    <p:sldId id="351" r:id="rId53"/>
+    <p:sldId id="352" r:id="rId54"/>
+    <p:sldId id="353" r:id="rId55"/>
+    <p:sldId id="354" r:id="rId56"/>
+    <p:sldId id="356" r:id="rId57"/>
+    <p:sldId id="357" r:id="rId58"/>
+    <p:sldId id="355" r:id="rId59"/>
+    <p:sldId id="358" r:id="rId60"/>
+    <p:sldId id="359" r:id="rId61"/>
+    <p:sldId id="418" r:id="rId62"/>
+    <p:sldId id="372" r:id="rId63"/>
+    <p:sldId id="380" r:id="rId64"/>
+    <p:sldId id="379" r:id="rId65"/>
+    <p:sldId id="377" r:id="rId66"/>
+    <p:sldId id="378" r:id="rId67"/>
+    <p:sldId id="381" r:id="rId68"/>
+    <p:sldId id="360" r:id="rId69"/>
+    <p:sldId id="362" r:id="rId70"/>
+    <p:sldId id="361" r:id="rId71"/>
+    <p:sldId id="365" r:id="rId72"/>
+    <p:sldId id="366" r:id="rId73"/>
+    <p:sldId id="375" r:id="rId74"/>
+    <p:sldId id="367" r:id="rId75"/>
+    <p:sldId id="374" r:id="rId76"/>
+    <p:sldId id="423" r:id="rId77"/>
+    <p:sldId id="415" r:id="rId78"/>
+    <p:sldId id="368" r:id="rId79"/>
+    <p:sldId id="369" r:id="rId80"/>
+    <p:sldId id="370" r:id="rId81"/>
+    <p:sldId id="364" r:id="rId82"/>
+    <p:sldId id="371" r:id="rId83"/>
+    <p:sldId id="373" r:id="rId84"/>
+    <p:sldId id="384" r:id="rId85"/>
+    <p:sldId id="383" r:id="rId86"/>
+    <p:sldId id="386" r:id="rId87"/>
+    <p:sldId id="388" r:id="rId88"/>
+    <p:sldId id="387" r:id="rId89"/>
+    <p:sldId id="389" r:id="rId90"/>
+    <p:sldId id="431" r:id="rId91"/>
+    <p:sldId id="424" r:id="rId92"/>
+    <p:sldId id="385" r:id="rId93"/>
+    <p:sldId id="425" r:id="rId94"/>
+    <p:sldId id="427" r:id="rId95"/>
+    <p:sldId id="428" r:id="rId96"/>
+    <p:sldId id="429" r:id="rId97"/>
+    <p:sldId id="430" r:id="rId98"/>
+    <p:sldId id="426" r:id="rId99"/>
+    <p:sldId id="432" r:id="rId100"/>
+    <p:sldId id="433" r:id="rId101"/>
+    <p:sldId id="434" r:id="rId102"/>
+    <p:sldId id="435" r:id="rId103"/>
+    <p:sldId id="436" r:id="rId104"/>
+    <p:sldId id="340" r:id="rId105"/>
   </p:sldIdLst>
   <p:sldSz cx="12192000" cy="6858000"/>
   <p:notesSz cx="9309100" cy="7053263"/>
@@ -272,6 +273,7 @@
         </p14:section>
         <p14:section name="Module 2: Getting Data Into Splunk" id="{434F00C6-D8EE-4E65-8EC1-FF4B740BE73A}">
           <p14:sldIdLst>
+            <p14:sldId id="437"/>
             <p14:sldId id="341"/>
             <p14:sldId id="401"/>
             <p14:sldId id="402"/>
@@ -1713,7 +1715,7 @@
               <a:pPr>
                 <a:defRPr/>
               </a:pPr>
-              <a:t>85</a:t>
+              <a:t>86</a:t>
             </a:fld>
             <a:endParaRPr lang="en-US"/>
           </a:p>
@@ -4807,10 +4809,97 @@
   <p:clrMapOvr>
     <a:masterClrMapping/>
   </p:clrMapOvr>
+  <p:timing>
+    <p:tnLst>
+      <p:par>
+        <p:cTn id="1" dur="indefinite" restart="never" nodeType="tmRoot"/>
+      </p:par>
+    </p:tnLst>
+  </p:timing>
 </p:sld>
 </file>
 
 <file path=ppt/slides/slide100.xml><?xml version="1.0" encoding="utf-8"?>
+<p:sld xmlns:a="http://schemas.openxmlformats.org/drawingml/2006/main" xmlns:r="http://schemas.openxmlformats.org/officeDocument/2006/relationships" xmlns:p="http://schemas.openxmlformats.org/presentationml/2006/main">
+  <p:cSld>
+    <p:spTree>
+      <p:nvGrpSpPr>
+        <p:cNvPr id="1" name=""/>
+        <p:cNvGrpSpPr/>
+        <p:nvPr/>
+      </p:nvGrpSpPr>
+      <p:grpSpPr>
+        <a:xfrm>
+          <a:off x="0" y="0"/>
+          <a:ext cx="0" cy="0"/>
+          <a:chOff x="0" y="0"/>
+          <a:chExt cx="0" cy="0"/>
+        </a:xfrm>
+      </p:grpSpPr>
+      <p:sp>
+        <p:nvSpPr>
+          <p:cNvPr id="2" name="Title 1">
+            <a:extLst>
+              <a:ext uri="{FF2B5EF4-FFF2-40B4-BE49-F238E27FC236}">
+                <a16:creationId xmlns:a16="http://schemas.microsoft.com/office/drawing/2014/main" id="{8F6DC836-B50B-4D37-9245-B653C11EA01D}"/>
+              </a:ext>
+            </a:extLst>
+          </p:cNvPr>
+          <p:cNvSpPr>
+            <a:spLocks noGrp="1"/>
+          </p:cNvSpPr>
+          <p:nvPr>
+            <p:ph type="title"/>
+          </p:nvPr>
+        </p:nvSpPr>
+        <p:spPr/>
+        <p:txBody>
+          <a:bodyPr/>
+          <a:lstStyle/>
+          <a:p>
+            <a:endParaRPr lang="en-US"/>
+          </a:p>
+        </p:txBody>
+      </p:sp>
+      <p:sp>
+        <p:nvSpPr>
+          <p:cNvPr id="3" name="Text Placeholder 2">
+            <a:extLst>
+              <a:ext uri="{FF2B5EF4-FFF2-40B4-BE49-F238E27FC236}">
+                <a16:creationId xmlns:a16="http://schemas.microsoft.com/office/drawing/2014/main" id="{CD65E2F7-F9C9-43A6-8111-33A7D49FB867}"/>
+              </a:ext>
+            </a:extLst>
+          </p:cNvPr>
+          <p:cNvSpPr>
+            <a:spLocks noGrp="1"/>
+          </p:cNvSpPr>
+          <p:nvPr>
+            <p:ph type="body" sz="quarter" idx="10"/>
+          </p:nvPr>
+        </p:nvSpPr>
+        <p:spPr/>
+        <p:txBody>
+          <a:bodyPr/>
+          <a:lstStyle/>
+          <a:p>
+            <a:endParaRPr lang="en-US"/>
+          </a:p>
+        </p:txBody>
+      </p:sp>
+    </p:spTree>
+    <p:extLst>
+      <p:ext uri="{BB962C8B-B14F-4D97-AF65-F5344CB8AC3E}">
+        <p14:creationId xmlns:p14="http://schemas.microsoft.com/office/powerpoint/2010/main" val="4017342681"/>
+      </p:ext>
+    </p:extLst>
+  </p:cSld>
+  <p:clrMapOvr>
+    <a:masterClrMapping/>
+  </p:clrMapOvr>
+</p:sld>
+</file>
+
+<file path=ppt/slides/slide101.xml><?xml version="1.0" encoding="utf-8"?>
 <p:sld xmlns:a="http://schemas.openxmlformats.org/drawingml/2006/main" xmlns:r="http://schemas.openxmlformats.org/officeDocument/2006/relationships" xmlns:p="http://schemas.openxmlformats.org/presentationml/2006/main">
   <p:cSld>
     <p:spTree>
@@ -4986,6 +5075,13 @@
   <p:clrMapOvr>
     <a:masterClrMapping/>
   </p:clrMapOvr>
+  <p:timing>
+    <p:tnLst>
+      <p:par>
+        <p:cTn id="1" dur="indefinite" restart="never" nodeType="tmRoot"/>
+      </p:par>
+    </p:tnLst>
+  </p:timing>
 </p:sld>
 </file>
 
@@ -5094,6 +5190,13 @@
   <p:clrMapOvr>
     <a:masterClrMapping/>
   </p:clrMapOvr>
+  <p:timing>
+    <p:tnLst>
+      <p:par>
+        <p:cTn id="1" dur="indefinite" restart="never" nodeType="tmRoot"/>
+      </p:par>
+    </p:tnLst>
+  </p:timing>
 </p:sld>
 </file>
 
@@ -5200,6 +5303,13 @@
   <p:clrMapOvr>
     <a:masterClrMapping/>
   </p:clrMapOvr>
+  <p:timing>
+    <p:tnLst>
+      <p:par>
+        <p:cTn id="1" dur="indefinite" restart="never" nodeType="tmRoot"/>
+      </p:par>
+    </p:tnLst>
+  </p:timing>
 </p:sld>
 </file>
 
@@ -5310,6 +5420,13 @@
   <p:clrMapOvr>
     <a:masterClrMapping/>
   </p:clrMapOvr>
+  <p:timing>
+    <p:tnLst>
+      <p:par>
+        <p:cTn id="1" dur="indefinite" restart="never" nodeType="tmRoot"/>
+      </p:par>
+    </p:tnLst>
+  </p:timing>
 </p:sld>
 </file>
 
@@ -5410,6 +5527,13 @@
   <p:clrMapOvr>
     <a:masterClrMapping/>
   </p:clrMapOvr>
+  <p:timing>
+    <p:tnLst>
+      <p:par>
+        <p:cTn id="1" dur="indefinite" restart="never" nodeType="tmRoot"/>
+      </p:par>
+    </p:tnLst>
+  </p:timing>
 </p:sld>
 </file>
 
@@ -5538,6 +5662,13 @@
   <p:clrMapOvr>
     <a:masterClrMapping/>
   </p:clrMapOvr>
+  <p:timing>
+    <p:tnLst>
+      <p:par>
+        <p:cTn id="1" dur="indefinite" restart="never" nodeType="tmRoot"/>
+      </p:par>
+    </p:tnLst>
+  </p:timing>
 </p:sld>
 </file>
 
@@ -5639,6 +5770,13 @@
   <p:clrMapOvr>
     <a:masterClrMapping/>
   </p:clrMapOvr>
+  <p:timing>
+    <p:tnLst>
+      <p:par>
+        <p:cTn id="1" dur="indefinite" restart="never" nodeType="tmRoot"/>
+      </p:par>
+    </p:tnLst>
+  </p:timing>
 </p:sld>
 </file>
 
@@ -5764,6 +5902,13 @@
   <p:clrMapOvr>
     <a:masterClrMapping/>
   </p:clrMapOvr>
+  <p:timing>
+    <p:tnLst>
+      <p:par>
+        <p:cTn id="1" dur="indefinite" restart="never" nodeType="tmRoot"/>
+      </p:par>
+    </p:tnLst>
+  </p:timing>
 </p:sld>
 </file>
 
@@ -5910,6 +6055,13 @@
   <p:clrMapOvr>
     <a:masterClrMapping/>
   </p:clrMapOvr>
+  <p:timing>
+    <p:tnLst>
+      <p:par>
+        <p:cTn id="1" dur="indefinite" restart="never" nodeType="tmRoot"/>
+      </p:par>
+    </p:tnLst>
+  </p:timing>
 </p:sld>
 </file>
 
@@ -6110,6 +6262,13 @@
   <p:clrMapOvr>
     <a:masterClrMapping/>
   </p:clrMapOvr>
+  <p:timing>
+    <p:tnLst>
+      <p:par>
+        <p:cTn id="1" dur="indefinite" restart="never" nodeType="tmRoot"/>
+      </p:par>
+    </p:tnLst>
+  </p:timing>
 </p:sld>
 </file>
 
@@ -6158,6 +6317,557 @@
           </a:p>
         </p:txBody>
       </p:sp>
+      <p:sp>
+        <p:nvSpPr>
+          <p:cNvPr id="3" name="Rectangle 5"/>
+          <p:cNvSpPr>
+            <a:spLocks noChangeArrowheads="1"/>
+          </p:cNvSpPr>
+          <p:nvPr/>
+        </p:nvSpPr>
+        <p:spPr bwMode="auto">
+          <a:xfrm>
+            <a:off x="0" y="0"/>
+            <a:ext cx="12192000" cy="6858000"/>
+          </a:xfrm>
+          <a:prstGeom prst="rect">
+            <a:avLst/>
+          </a:prstGeom>
+          <a:solidFill>
+            <a:srgbClr val="FFFFFF">
+              <a:alpha val="50195"/>
+            </a:srgbClr>
+          </a:solidFill>
+          <a:ln>
+            <a:noFill/>
+          </a:ln>
+          <a:effectLst>
+            <a:outerShdw dist="53882" dir="2700000" algn="ctr" rotWithShape="0">
+              <a:srgbClr val="919191">
+                <a:alpha val="50000"/>
+              </a:srgbClr>
+            </a:outerShdw>
+          </a:effectLst>
+          <a:extLst>
+            <a:ext uri="{91240B29-F687-4F45-9708-019B960494DF}">
+              <a14:hiddenLine xmlns:a14="http://schemas.microsoft.com/office/drawing/2010/main" w="9525" algn="ctr">
+                <a:solidFill>
+                  <a:srgbClr val="000000"/>
+                </a:solidFill>
+                <a:miter lim="800000"/>
+                <a:headEnd/>
+                <a:tailEnd/>
+              </a14:hiddenLine>
+            </a:ext>
+          </a:extLst>
+        </p:spPr>
+        <p:txBody>
+          <a:bodyPr wrap="none" anchor="ctr"/>
+          <a:lstStyle>
+            <a:lvl1pPr>
+              <a:defRPr b="1">
+                <a:solidFill>
+                  <a:schemeClr val="tx1"/>
+                </a:solidFill>
+                <a:latin typeface="Verdana" panose="020B0604030504040204" pitchFamily="34" charset="0"/>
+              </a:defRPr>
+            </a:lvl1pPr>
+            <a:lvl2pPr marL="742950" indent="-285750">
+              <a:defRPr b="1">
+                <a:solidFill>
+                  <a:schemeClr val="tx1"/>
+                </a:solidFill>
+                <a:latin typeface="Verdana" panose="020B0604030504040204" pitchFamily="34" charset="0"/>
+              </a:defRPr>
+            </a:lvl2pPr>
+            <a:lvl3pPr marL="1143000" indent="-228600">
+              <a:defRPr b="1">
+                <a:solidFill>
+                  <a:schemeClr val="tx1"/>
+                </a:solidFill>
+                <a:latin typeface="Verdana" panose="020B0604030504040204" pitchFamily="34" charset="0"/>
+              </a:defRPr>
+            </a:lvl3pPr>
+            <a:lvl4pPr marL="1600200" indent="-228600">
+              <a:defRPr b="1">
+                <a:solidFill>
+                  <a:schemeClr val="tx1"/>
+                </a:solidFill>
+                <a:latin typeface="Verdana" panose="020B0604030504040204" pitchFamily="34" charset="0"/>
+              </a:defRPr>
+            </a:lvl4pPr>
+            <a:lvl5pPr marL="2057400" indent="-228600">
+              <a:defRPr b="1">
+                <a:solidFill>
+                  <a:schemeClr val="tx1"/>
+                </a:solidFill>
+                <a:latin typeface="Verdana" panose="020B0604030504040204" pitchFamily="34" charset="0"/>
+              </a:defRPr>
+            </a:lvl5pPr>
+            <a:lvl6pPr marL="2514600" indent="-228600" eaLnBrk="0" fontAlgn="base" hangingPunct="0">
+              <a:spcBef>
+                <a:spcPct val="0"/>
+              </a:spcBef>
+              <a:spcAft>
+                <a:spcPct val="0"/>
+              </a:spcAft>
+              <a:defRPr b="1">
+                <a:solidFill>
+                  <a:schemeClr val="tx1"/>
+                </a:solidFill>
+                <a:latin typeface="Verdana" panose="020B0604030504040204" pitchFamily="34" charset="0"/>
+              </a:defRPr>
+            </a:lvl6pPr>
+            <a:lvl7pPr marL="2971800" indent="-228600" eaLnBrk="0" fontAlgn="base" hangingPunct="0">
+              <a:spcBef>
+                <a:spcPct val="0"/>
+              </a:spcBef>
+              <a:spcAft>
+                <a:spcPct val="0"/>
+              </a:spcAft>
+              <a:defRPr b="1">
+                <a:solidFill>
+                  <a:schemeClr val="tx1"/>
+                </a:solidFill>
+                <a:latin typeface="Verdana" panose="020B0604030504040204" pitchFamily="34" charset="0"/>
+              </a:defRPr>
+            </a:lvl7pPr>
+            <a:lvl8pPr marL="3429000" indent="-228600" eaLnBrk="0" fontAlgn="base" hangingPunct="0">
+              <a:spcBef>
+                <a:spcPct val="0"/>
+              </a:spcBef>
+              <a:spcAft>
+                <a:spcPct val="0"/>
+              </a:spcAft>
+              <a:defRPr b="1">
+                <a:solidFill>
+                  <a:schemeClr val="tx1"/>
+                </a:solidFill>
+                <a:latin typeface="Verdana" panose="020B0604030504040204" pitchFamily="34" charset="0"/>
+              </a:defRPr>
+            </a:lvl8pPr>
+            <a:lvl9pPr marL="3886200" indent="-228600" eaLnBrk="0" fontAlgn="base" hangingPunct="0">
+              <a:spcBef>
+                <a:spcPct val="0"/>
+              </a:spcBef>
+              <a:spcAft>
+                <a:spcPct val="0"/>
+              </a:spcAft>
+              <a:defRPr b="1">
+                <a:solidFill>
+                  <a:schemeClr val="tx1"/>
+                </a:solidFill>
+                <a:latin typeface="Verdana" panose="020B0604030504040204" pitchFamily="34" charset="0"/>
+              </a:defRPr>
+            </a:lvl9pPr>
+          </a:lstStyle>
+          <a:p>
+            <a:pPr algn="ctr"/>
+            <a:endParaRPr lang="en-US" altLang="en-US"/>
+          </a:p>
+        </p:txBody>
+      </p:sp>
+      <p:sp>
+        <p:nvSpPr>
+          <p:cNvPr id="4" name="WordArt 4"/>
+          <p:cNvSpPr>
+            <a:spLocks noChangeArrowheads="1" noChangeShapeType="1" noTextEdit="1"/>
+          </p:cNvSpPr>
+          <p:nvPr/>
+        </p:nvSpPr>
+        <p:spPr bwMode="auto">
+          <a:xfrm>
+            <a:off x="1454150" y="977900"/>
+            <a:ext cx="2170113" cy="2439988"/>
+          </a:xfrm>
+          <a:prstGeom prst="rect">
+            <a:avLst/>
+          </a:prstGeom>
+        </p:spPr>
+        <p:txBody>
+          <a:bodyPr wrap="none" fromWordArt="1">
+            <a:prstTxWarp prst="textSlantUp">
+              <a:avLst>
+                <a:gd name="adj" fmla="val 9014"/>
+              </a:avLst>
+            </a:prstTxWarp>
+          </a:bodyPr>
+          <a:lstStyle/>
+          <a:p>
+            <a:pPr algn="ctr"/>
+            <a:r>
+              <a:rPr lang="en-US" sz="3600" kern="10">
+                <a:ln w="9525">
+                  <a:solidFill>
+                    <a:srgbClr val="CC99FF"/>
+                  </a:solidFill>
+                  <a:round/>
+                  <a:headEnd/>
+                  <a:tailEnd/>
+                </a:ln>
+                <a:gradFill rotWithShape="1">
+                  <a:gsLst>
+                    <a:gs pos="0">
+                      <a:srgbClr val="6600CC"/>
+                    </a:gs>
+                    <a:gs pos="100000">
+                      <a:srgbClr val="CC00CC"/>
+                    </a:gs>
+                  </a:gsLst>
+                  <a:lin ang="5400000" scaled="1"/>
+                </a:gradFill>
+                <a:effectLst>
+                  <a:outerShdw dist="53882" dir="2700000" algn="ctr" rotWithShape="0">
+                    <a:srgbClr val="9999FF">
+                      <a:alpha val="79999"/>
+                    </a:srgbClr>
+                  </a:outerShdw>
+                </a:effectLst>
+                <a:latin typeface="Impact" panose="020B0806030902050204" pitchFamily="34" charset="0"/>
+              </a:rPr>
+              <a:t>A.M. Break:</a:t>
+            </a:r>
+          </a:p>
+          <a:p>
+            <a:pPr algn="ctr"/>
+            <a:r>
+              <a:rPr lang="en-US" sz="3600" kern="10">
+                <a:ln w="9525">
+                  <a:solidFill>
+                    <a:srgbClr val="CC99FF"/>
+                  </a:solidFill>
+                  <a:round/>
+                  <a:headEnd/>
+                  <a:tailEnd/>
+                </a:ln>
+                <a:gradFill rotWithShape="1">
+                  <a:gsLst>
+                    <a:gs pos="0">
+                      <a:srgbClr val="6600CC"/>
+                    </a:gs>
+                    <a:gs pos="100000">
+                      <a:srgbClr val="CC00CC"/>
+                    </a:gs>
+                  </a:gsLst>
+                  <a:lin ang="5400000" scaled="1"/>
+                </a:gradFill>
+                <a:effectLst>
+                  <a:outerShdw dist="53882" dir="2700000" algn="ctr" rotWithShape="0">
+                    <a:srgbClr val="9999FF">
+                      <a:alpha val="79999"/>
+                    </a:srgbClr>
+                  </a:outerShdw>
+                </a:effectLst>
+                <a:latin typeface="Impact" panose="020B0806030902050204" pitchFamily="34" charset="0"/>
+              </a:rPr>
+              <a:t>11:00-11:15 EST</a:t>
+            </a:r>
+          </a:p>
+        </p:txBody>
+      </p:sp>
+      <p:sp>
+        <p:nvSpPr>
+          <p:cNvPr id="5" name="Rectangle 6"/>
+          <p:cNvSpPr>
+            <a:spLocks noChangeArrowheads="1"/>
+          </p:cNvSpPr>
+          <p:nvPr/>
+        </p:nvSpPr>
+        <p:spPr bwMode="auto">
+          <a:xfrm>
+            <a:off x="492125" y="5038725"/>
+            <a:ext cx="4094163" cy="1589088"/>
+          </a:xfrm>
+          <a:prstGeom prst="rect">
+            <a:avLst/>
+          </a:prstGeom>
+          <a:solidFill>
+            <a:srgbClr val="FFFFFF"/>
+          </a:solidFill>
+          <a:ln w="9525" algn="ctr">
+            <a:solidFill>
+              <a:schemeClr val="bg2"/>
+            </a:solidFill>
+            <a:miter lim="800000"/>
+            <a:headEnd/>
+            <a:tailEnd/>
+          </a:ln>
+          <a:effectLst>
+            <a:outerShdw dist="53882" dir="2700000" algn="ctr" rotWithShape="0">
+              <a:srgbClr val="919191">
+                <a:alpha val="50000"/>
+              </a:srgbClr>
+            </a:outerShdw>
+          </a:effectLst>
+        </p:spPr>
+        <p:txBody>
+          <a:bodyPr anchor="ctr"/>
+          <a:lstStyle>
+            <a:lvl1pPr>
+              <a:defRPr b="1">
+                <a:solidFill>
+                  <a:schemeClr val="tx1"/>
+                </a:solidFill>
+                <a:latin typeface="Verdana" panose="020B0604030504040204" pitchFamily="34" charset="0"/>
+              </a:defRPr>
+            </a:lvl1pPr>
+            <a:lvl2pPr marL="742950" indent="-285750">
+              <a:defRPr b="1">
+                <a:solidFill>
+                  <a:schemeClr val="tx1"/>
+                </a:solidFill>
+                <a:latin typeface="Verdana" panose="020B0604030504040204" pitchFamily="34" charset="0"/>
+              </a:defRPr>
+            </a:lvl2pPr>
+            <a:lvl3pPr marL="1143000" indent="-228600">
+              <a:defRPr b="1">
+                <a:solidFill>
+                  <a:schemeClr val="tx1"/>
+                </a:solidFill>
+                <a:latin typeface="Verdana" panose="020B0604030504040204" pitchFamily="34" charset="0"/>
+              </a:defRPr>
+            </a:lvl3pPr>
+            <a:lvl4pPr marL="1600200" indent="-228600">
+              <a:defRPr b="1">
+                <a:solidFill>
+                  <a:schemeClr val="tx1"/>
+                </a:solidFill>
+                <a:latin typeface="Verdana" panose="020B0604030504040204" pitchFamily="34" charset="0"/>
+              </a:defRPr>
+            </a:lvl4pPr>
+            <a:lvl5pPr marL="2057400" indent="-228600">
+              <a:defRPr b="1">
+                <a:solidFill>
+                  <a:schemeClr val="tx1"/>
+                </a:solidFill>
+                <a:latin typeface="Verdana" panose="020B0604030504040204" pitchFamily="34" charset="0"/>
+              </a:defRPr>
+            </a:lvl5pPr>
+            <a:lvl6pPr marL="2514600" indent="-228600" eaLnBrk="0" fontAlgn="base" hangingPunct="0">
+              <a:spcBef>
+                <a:spcPct val="0"/>
+              </a:spcBef>
+              <a:spcAft>
+                <a:spcPct val="0"/>
+              </a:spcAft>
+              <a:defRPr b="1">
+                <a:solidFill>
+                  <a:schemeClr val="tx1"/>
+                </a:solidFill>
+                <a:latin typeface="Verdana" panose="020B0604030504040204" pitchFamily="34" charset="0"/>
+              </a:defRPr>
+            </a:lvl6pPr>
+            <a:lvl7pPr marL="2971800" indent="-228600" eaLnBrk="0" fontAlgn="base" hangingPunct="0">
+              <a:spcBef>
+                <a:spcPct val="0"/>
+              </a:spcBef>
+              <a:spcAft>
+                <a:spcPct val="0"/>
+              </a:spcAft>
+              <a:defRPr b="1">
+                <a:solidFill>
+                  <a:schemeClr val="tx1"/>
+                </a:solidFill>
+                <a:latin typeface="Verdana" panose="020B0604030504040204" pitchFamily="34" charset="0"/>
+              </a:defRPr>
+            </a:lvl7pPr>
+            <a:lvl8pPr marL="3429000" indent="-228600" eaLnBrk="0" fontAlgn="base" hangingPunct="0">
+              <a:spcBef>
+                <a:spcPct val="0"/>
+              </a:spcBef>
+              <a:spcAft>
+                <a:spcPct val="0"/>
+              </a:spcAft>
+              <a:defRPr b="1">
+                <a:solidFill>
+                  <a:schemeClr val="tx1"/>
+                </a:solidFill>
+                <a:latin typeface="Verdana" panose="020B0604030504040204" pitchFamily="34" charset="0"/>
+              </a:defRPr>
+            </a:lvl8pPr>
+            <a:lvl9pPr marL="3886200" indent="-228600" eaLnBrk="0" fontAlgn="base" hangingPunct="0">
+              <a:spcBef>
+                <a:spcPct val="0"/>
+              </a:spcBef>
+              <a:spcAft>
+                <a:spcPct val="0"/>
+              </a:spcAft>
+              <a:defRPr b="1">
+                <a:solidFill>
+                  <a:schemeClr val="tx1"/>
+                </a:solidFill>
+                <a:latin typeface="Verdana" panose="020B0604030504040204" pitchFamily="34" charset="0"/>
+              </a:defRPr>
+            </a:lvl9pPr>
+          </a:lstStyle>
+          <a:p>
+            <a:pPr algn="ctr"/>
+            <a:r>
+              <a:rPr lang="en-US" altLang="en-US">
+                <a:solidFill>
+                  <a:srgbClr val="000000"/>
+                </a:solidFill>
+              </a:rPr>
+              <a:t>Questions? Comments?</a:t>
+            </a:r>
+          </a:p>
+          <a:p>
+            <a:pPr algn="ctr"/>
+            <a:r>
+              <a:rPr lang="en-US" altLang="en-US">
+                <a:solidFill>
+                  <a:srgbClr val="000000"/>
+                </a:solidFill>
+              </a:rPr>
+              <a:t>Dan’s e-mail: </a:t>
+            </a:r>
+            <a:r>
+              <a:rPr lang="en-US" altLang="en-US">
+                <a:solidFill>
+                  <a:srgbClr val="000000"/>
+                </a:solidFill>
+                <a:hlinkClick r:id="rId2"/>
+              </a:rPr>
+              <a:t>danc@onlc.com</a:t>
+            </a:r>
+            <a:endParaRPr lang="en-US" altLang="en-US">
+              <a:solidFill>
+                <a:srgbClr val="000000"/>
+              </a:solidFill>
+            </a:endParaRPr>
+          </a:p>
+          <a:p>
+            <a:pPr algn="ctr"/>
+            <a:r>
+              <a:rPr lang="en-US" altLang="en-US">
+                <a:solidFill>
+                  <a:srgbClr val="000000"/>
+                </a:solidFill>
+              </a:rPr>
+              <a:t>Dan’s cell #: (413) 455-0856</a:t>
+            </a:r>
+          </a:p>
+        </p:txBody>
+      </p:sp>
+      <p:pic>
+        <p:nvPicPr>
+          <p:cNvPr id="6" name="Picture 7" descr="MCj04315630000[1]"/>
+          <p:cNvPicPr>
+            <a:picLocks noChangeAspect="1" noChangeArrowheads="1"/>
+          </p:cNvPicPr>
+          <p:nvPr/>
+        </p:nvPicPr>
+        <p:blipFill>
+          <a:blip r:embed="rId3">
+            <a:extLst>
+              <a:ext uri="{28A0092B-C50C-407E-A947-70E740481C1C}">
+                <a14:useLocalDpi xmlns:a14="http://schemas.microsoft.com/office/drawing/2010/main" val="0"/>
+              </a:ext>
+            </a:extLst>
+          </a:blip>
+          <a:srcRect/>
+          <a:stretch>
+            <a:fillRect/>
+          </a:stretch>
+        </p:blipFill>
+        <p:spPr bwMode="auto">
+          <a:xfrm>
+            <a:off x="9178925" y="1787525"/>
+            <a:ext cx="2697163" cy="2714625"/>
+          </a:xfrm>
+          <a:prstGeom prst="rect">
+            <a:avLst/>
+          </a:prstGeom>
+          <a:noFill/>
+          <a:ln>
+            <a:noFill/>
+          </a:ln>
+          <a:extLst>
+            <a:ext uri="{909E8E84-426E-40DD-AFC4-6F175D3DCCD1}">
+              <a14:hiddenFill xmlns:a14="http://schemas.microsoft.com/office/drawing/2010/main">
+                <a:solidFill>
+                  <a:srgbClr val="FFFFFF"/>
+                </a:solidFill>
+              </a14:hiddenFill>
+            </a:ext>
+            <a:ext uri="{91240B29-F687-4F45-9708-019B960494DF}">
+              <a14:hiddenLine xmlns:a14="http://schemas.microsoft.com/office/drawing/2010/main" w="9525">
+                <a:solidFill>
+                  <a:srgbClr val="000000"/>
+                </a:solidFill>
+                <a:miter lim="800000"/>
+                <a:headEnd/>
+                <a:tailEnd/>
+              </a14:hiddenLine>
+            </a:ext>
+          </a:extLst>
+        </p:spPr>
+      </p:pic>
+    </p:spTree>
+    <p:extLst>
+      <p:ext uri="{BB962C8B-B14F-4D97-AF65-F5344CB8AC3E}">
+        <p14:creationId xmlns:p14="http://schemas.microsoft.com/office/powerpoint/2010/main" val="2418684068"/>
+      </p:ext>
+    </p:extLst>
+  </p:cSld>
+  <p:clrMapOvr>
+    <a:masterClrMapping/>
+  </p:clrMapOvr>
+  <p:timing>
+    <p:tnLst>
+      <p:par>
+        <p:cTn id="1" dur="indefinite" restart="never" nodeType="tmRoot"/>
+      </p:par>
+    </p:tnLst>
+  </p:timing>
+</p:sld>
+</file>
+
+<file path=ppt/slides/slide22.xml><?xml version="1.0" encoding="utf-8"?>
+<p:sld xmlns:a="http://schemas.openxmlformats.org/drawingml/2006/main" xmlns:r="http://schemas.openxmlformats.org/officeDocument/2006/relationships" xmlns:p="http://schemas.openxmlformats.org/presentationml/2006/main">
+  <p:cSld>
+    <p:spTree>
+      <p:nvGrpSpPr>
+        <p:cNvPr id="1" name=""/>
+        <p:cNvGrpSpPr/>
+        <p:nvPr/>
+      </p:nvGrpSpPr>
+      <p:grpSpPr>
+        <a:xfrm>
+          <a:off x="0" y="0"/>
+          <a:ext cx="0" cy="0"/>
+          <a:chOff x="0" y="0"/>
+          <a:chExt cx="0" cy="0"/>
+        </a:xfrm>
+      </p:grpSpPr>
+      <p:sp>
+        <p:nvSpPr>
+          <p:cNvPr id="2" name="Title 1">
+            <a:extLst>
+              <a:ext uri="{FF2B5EF4-FFF2-40B4-BE49-F238E27FC236}">
+                <a16:creationId xmlns:a16="http://schemas.microsoft.com/office/drawing/2014/main" id="{6203CC76-BC99-EC49-B9A1-EF6138898A8D}"/>
+              </a:ext>
+            </a:extLst>
+          </p:cNvPr>
+          <p:cNvSpPr>
+            <a:spLocks noGrp="1"/>
+          </p:cNvSpPr>
+          <p:nvPr>
+            <p:ph type="title"/>
+          </p:nvPr>
+        </p:nvSpPr>
+        <p:spPr/>
+        <p:txBody>
+          <a:bodyPr/>
+          <a:lstStyle/>
+          <a:p>
+            <a:r>
+              <a:rPr lang="en-US" dirty="0"/>
+              <a:t>Module 2: Getting Data Into Splunk</a:t>
+            </a:r>
+          </a:p>
+        </p:txBody>
+      </p:sp>
     </p:spTree>
     <p:extLst>
       <p:ext uri="{BB962C8B-B14F-4D97-AF65-F5344CB8AC3E}">
@@ -6168,10 +6878,17 @@
   <p:clrMapOvr>
     <a:masterClrMapping/>
   </p:clrMapOvr>
+  <p:timing>
+    <p:tnLst>
+      <p:par>
+        <p:cTn id="1" dur="indefinite" restart="never" nodeType="tmRoot"/>
+      </p:par>
+    </p:tnLst>
+  </p:timing>
 </p:sld>
 </file>
 
-<file path=ppt/slides/slide22.xml><?xml version="1.0" encoding="utf-8"?>
+<file path=ppt/slides/slide23.xml><?xml version="1.0" encoding="utf-8"?>
 <p:sld xmlns:a="http://schemas.openxmlformats.org/drawingml/2006/main" xmlns:r="http://schemas.openxmlformats.org/officeDocument/2006/relationships" xmlns:p="http://schemas.openxmlformats.org/presentationml/2006/main">
   <p:cSld>
     <p:spTree>
@@ -6277,10 +6994,17 @@
   <p:clrMapOvr>
     <a:masterClrMapping/>
   </p:clrMapOvr>
+  <p:timing>
+    <p:tnLst>
+      <p:par>
+        <p:cTn id="1" dur="indefinite" restart="never" nodeType="tmRoot"/>
+      </p:par>
+    </p:tnLst>
+  </p:timing>
 </p:sld>
 </file>
 
-<file path=ppt/slides/slide23.xml><?xml version="1.0" encoding="utf-8"?>
+<file path=ppt/slides/slide24.xml><?xml version="1.0" encoding="utf-8"?>
 <p:sld xmlns:a="http://schemas.openxmlformats.org/drawingml/2006/main" xmlns:r="http://schemas.openxmlformats.org/officeDocument/2006/relationships" xmlns:p="http://schemas.openxmlformats.org/presentationml/2006/main">
   <p:cSld>
     <p:spTree>
@@ -6417,10 +7141,17 @@
   <p:clrMapOvr>
     <a:masterClrMapping/>
   </p:clrMapOvr>
+  <p:timing>
+    <p:tnLst>
+      <p:par>
+        <p:cTn id="1" dur="indefinite" restart="never" nodeType="tmRoot"/>
+      </p:par>
+    </p:tnLst>
+  </p:timing>
 </p:sld>
 </file>
 
-<file path=ppt/slides/slide24.xml><?xml version="1.0" encoding="utf-8"?>
+<file path=ppt/slides/slide25.xml><?xml version="1.0" encoding="utf-8"?>
 <p:sld xmlns:a="http://schemas.openxmlformats.org/drawingml/2006/main" xmlns:r="http://schemas.openxmlformats.org/officeDocument/2006/relationships" xmlns:p="http://schemas.openxmlformats.org/presentationml/2006/main">
   <p:cSld>
     <p:spTree>
@@ -6591,10 +7322,17 @@
   <p:clrMapOvr>
     <a:masterClrMapping/>
   </p:clrMapOvr>
+  <p:timing>
+    <p:tnLst>
+      <p:par>
+        <p:cTn id="1" dur="indefinite" restart="never" nodeType="tmRoot"/>
+      </p:par>
+    </p:tnLst>
+  </p:timing>
 </p:sld>
 </file>
 
-<file path=ppt/slides/slide25.xml><?xml version="1.0" encoding="utf-8"?>
+<file path=ppt/slides/slide26.xml><?xml version="1.0" encoding="utf-8"?>
 <p:sld xmlns:a="http://schemas.openxmlformats.org/drawingml/2006/main" xmlns:r="http://schemas.openxmlformats.org/officeDocument/2006/relationships" xmlns:p="http://schemas.openxmlformats.org/presentationml/2006/main">
   <p:cSld>
     <p:spTree>
@@ -6704,10 +7442,17 @@
   <p:clrMapOvr>
     <a:masterClrMapping/>
   </p:clrMapOvr>
+  <p:timing>
+    <p:tnLst>
+      <p:par>
+        <p:cTn id="1" dur="indefinite" restart="never" nodeType="tmRoot"/>
+      </p:par>
+    </p:tnLst>
+  </p:timing>
 </p:sld>
 </file>
 
-<file path=ppt/slides/slide26.xml><?xml version="1.0" encoding="utf-8"?>
+<file path=ppt/slides/slide27.xml><?xml version="1.0" encoding="utf-8"?>
 <p:sld xmlns:a="http://schemas.openxmlformats.org/drawingml/2006/main" xmlns:r="http://schemas.openxmlformats.org/officeDocument/2006/relationships" xmlns:p="http://schemas.openxmlformats.org/presentationml/2006/main">
   <p:cSld>
     <p:spTree>
@@ -6843,10 +7588,17 @@
   <p:clrMapOvr>
     <a:masterClrMapping/>
   </p:clrMapOvr>
+  <p:timing>
+    <p:tnLst>
+      <p:par>
+        <p:cTn id="1" dur="indefinite" restart="never" nodeType="tmRoot"/>
+      </p:par>
+    </p:tnLst>
+  </p:timing>
 </p:sld>
 </file>
 
-<file path=ppt/slides/slide27.xml><?xml version="1.0" encoding="utf-8"?>
+<file path=ppt/slides/slide28.xml><?xml version="1.0" encoding="utf-8"?>
 <p:sld xmlns:a="http://schemas.openxmlformats.org/drawingml/2006/main" xmlns:r="http://schemas.openxmlformats.org/officeDocument/2006/relationships" xmlns:p="http://schemas.openxmlformats.org/presentationml/2006/main">
   <p:cSld>
     <p:spTree>
@@ -6953,10 +7705,17 @@
   <p:clrMapOvr>
     <a:masterClrMapping/>
   </p:clrMapOvr>
+  <p:timing>
+    <p:tnLst>
+      <p:par>
+        <p:cTn id="1" dur="indefinite" restart="never" nodeType="tmRoot"/>
+      </p:par>
+    </p:tnLst>
+  </p:timing>
 </p:sld>
 </file>
 
-<file path=ppt/slides/slide28.xml><?xml version="1.0" encoding="utf-8"?>
+<file path=ppt/slides/slide29.xml><?xml version="1.0" encoding="utf-8"?>
 <p:sld xmlns:a="http://schemas.openxmlformats.org/drawingml/2006/main" xmlns:r="http://schemas.openxmlformats.org/officeDocument/2006/relationships" xmlns:p="http://schemas.openxmlformats.org/presentationml/2006/main">
   <p:cSld>
     <p:spTree>
@@ -7101,10 +7860,142 @@
   <p:clrMapOvr>
     <a:masterClrMapping/>
   </p:clrMapOvr>
+  <p:timing>
+    <p:tnLst>
+      <p:par>
+        <p:cTn id="1" dur="indefinite" restart="never" nodeType="tmRoot"/>
+      </p:par>
+    </p:tnLst>
+  </p:timing>
 </p:sld>
 </file>
 
-<file path=ppt/slides/slide29.xml><?xml version="1.0" encoding="utf-8"?>
+<file path=ppt/slides/slide3.xml><?xml version="1.0" encoding="utf-8"?>
+<p:sld xmlns:a="http://schemas.openxmlformats.org/drawingml/2006/main" xmlns:r="http://schemas.openxmlformats.org/officeDocument/2006/relationships" xmlns:p="http://schemas.openxmlformats.org/presentationml/2006/main">
+  <p:cSld>
+    <p:spTree>
+      <p:nvGrpSpPr>
+        <p:cNvPr id="1" name=""/>
+        <p:cNvGrpSpPr/>
+        <p:nvPr/>
+      </p:nvGrpSpPr>
+      <p:grpSpPr>
+        <a:xfrm>
+          <a:off x="0" y="0"/>
+          <a:ext cx="0" cy="0"/>
+          <a:chOff x="0" y="0"/>
+          <a:chExt cx="0" cy="0"/>
+        </a:xfrm>
+      </p:grpSpPr>
+      <p:sp>
+        <p:nvSpPr>
+          <p:cNvPr id="2" name="Title 1"/>
+          <p:cNvSpPr>
+            <a:spLocks noGrp="1"/>
+          </p:cNvSpPr>
+          <p:nvPr>
+            <p:ph type="title"/>
+          </p:nvPr>
+        </p:nvSpPr>
+        <p:spPr>
+          <a:xfrm>
+            <a:off x="1133707" y="0"/>
+            <a:ext cx="9077093" cy="740664"/>
+          </a:xfrm>
+        </p:spPr>
+        <p:txBody>
+          <a:bodyPr/>
+          <a:lstStyle/>
+          <a:p>
+            <a:r>
+              <a:rPr lang="en-US"/>
+              <a:t>Student </a:t>
+            </a:r>
+            <a:r>
+              <a:rPr lang="en-US" dirty="0"/>
+              <a:t>introductions</a:t>
+            </a:r>
+          </a:p>
+        </p:txBody>
+      </p:sp>
+      <p:sp>
+        <p:nvSpPr>
+          <p:cNvPr id="3" name="Text Placeholder 2"/>
+          <p:cNvSpPr>
+            <a:spLocks noGrp="1"/>
+          </p:cNvSpPr>
+          <p:nvPr>
+            <p:ph type="body" sz="quarter" idx="13"/>
+          </p:nvPr>
+        </p:nvSpPr>
+        <p:spPr>
+          <a:xfrm>
+            <a:off x="1133707" y="1081668"/>
+            <a:ext cx="10972800" cy="5776332"/>
+          </a:xfrm>
+        </p:spPr>
+        <p:txBody>
+          <a:bodyPr/>
+          <a:lstStyle/>
+          <a:p>
+            <a:r>
+              <a:rPr lang="en-US" sz="2400" dirty="0"/>
+              <a:t>Your name</a:t>
+            </a:r>
+          </a:p>
+          <a:p>
+            <a:r>
+              <a:rPr lang="en-US" sz="2400" dirty="0"/>
+              <a:t>Company affiliation</a:t>
+            </a:r>
+          </a:p>
+          <a:p>
+            <a:r>
+              <a:rPr lang="en-US" sz="2400" dirty="0"/>
+              <a:t>Title/function</a:t>
+            </a:r>
+          </a:p>
+          <a:p>
+            <a:r>
+              <a:rPr lang="en-US" sz="2400" dirty="0"/>
+              <a:t>Splunk experience</a:t>
+            </a:r>
+          </a:p>
+          <a:p>
+            <a:r>
+              <a:rPr lang="en-US" sz="2400" dirty="0"/>
+              <a:t>Your expectations for the course</a:t>
+            </a:r>
+          </a:p>
+          <a:p>
+            <a:endParaRPr lang="en-CA" sz="2400" dirty="0"/>
+          </a:p>
+          <a:p>
+            <a:endParaRPr lang="en-US" sz="2400" dirty="0"/>
+          </a:p>
+        </p:txBody>
+      </p:sp>
+    </p:spTree>
+    <p:extLst>
+      <p:ext uri="{BB962C8B-B14F-4D97-AF65-F5344CB8AC3E}">
+        <p14:creationId xmlns:p14="http://schemas.microsoft.com/office/powerpoint/2010/main" val="1236649840"/>
+      </p:ext>
+    </p:extLst>
+  </p:cSld>
+  <p:clrMapOvr>
+    <a:masterClrMapping/>
+  </p:clrMapOvr>
+  <p:timing>
+    <p:tnLst>
+      <p:par>
+        <p:cTn id="1" dur="indefinite" restart="never" nodeType="tmRoot"/>
+      </p:par>
+    </p:tnLst>
+  </p:timing>
+</p:sld>
+</file>
+
+<file path=ppt/slides/slide30.xml><?xml version="1.0" encoding="utf-8"?>
 <p:sld xmlns:a="http://schemas.openxmlformats.org/drawingml/2006/main" xmlns:r="http://schemas.openxmlformats.org/officeDocument/2006/relationships" xmlns:p="http://schemas.openxmlformats.org/presentationml/2006/main">
   <p:cSld>
     <p:spTree>
@@ -7273,128 +8164,17 @@
   <p:clrMapOvr>
     <a:masterClrMapping/>
   </p:clrMapOvr>
+  <p:timing>
+    <p:tnLst>
+      <p:par>
+        <p:cTn id="1" dur="indefinite" restart="never" nodeType="tmRoot"/>
+      </p:par>
+    </p:tnLst>
+  </p:timing>
 </p:sld>
 </file>
 
-<file path=ppt/slides/slide3.xml><?xml version="1.0" encoding="utf-8"?>
-<p:sld xmlns:a="http://schemas.openxmlformats.org/drawingml/2006/main" xmlns:r="http://schemas.openxmlformats.org/officeDocument/2006/relationships" xmlns:p="http://schemas.openxmlformats.org/presentationml/2006/main">
-  <p:cSld>
-    <p:spTree>
-      <p:nvGrpSpPr>
-        <p:cNvPr id="1" name=""/>
-        <p:cNvGrpSpPr/>
-        <p:nvPr/>
-      </p:nvGrpSpPr>
-      <p:grpSpPr>
-        <a:xfrm>
-          <a:off x="0" y="0"/>
-          <a:ext cx="0" cy="0"/>
-          <a:chOff x="0" y="0"/>
-          <a:chExt cx="0" cy="0"/>
-        </a:xfrm>
-      </p:grpSpPr>
-      <p:sp>
-        <p:nvSpPr>
-          <p:cNvPr id="2" name="Title 1"/>
-          <p:cNvSpPr>
-            <a:spLocks noGrp="1"/>
-          </p:cNvSpPr>
-          <p:nvPr>
-            <p:ph type="title"/>
-          </p:nvPr>
-        </p:nvSpPr>
-        <p:spPr>
-          <a:xfrm>
-            <a:off x="1133707" y="0"/>
-            <a:ext cx="9077093" cy="740664"/>
-          </a:xfrm>
-        </p:spPr>
-        <p:txBody>
-          <a:bodyPr/>
-          <a:lstStyle/>
-          <a:p>
-            <a:r>
-              <a:rPr lang="en-US"/>
-              <a:t>Student </a:t>
-            </a:r>
-            <a:r>
-              <a:rPr lang="en-US" dirty="0"/>
-              <a:t>introductions</a:t>
-            </a:r>
-          </a:p>
-        </p:txBody>
-      </p:sp>
-      <p:sp>
-        <p:nvSpPr>
-          <p:cNvPr id="3" name="Text Placeholder 2"/>
-          <p:cNvSpPr>
-            <a:spLocks noGrp="1"/>
-          </p:cNvSpPr>
-          <p:nvPr>
-            <p:ph type="body" sz="quarter" idx="13"/>
-          </p:nvPr>
-        </p:nvSpPr>
-        <p:spPr>
-          <a:xfrm>
-            <a:off x="1133707" y="1081668"/>
-            <a:ext cx="10972800" cy="5776332"/>
-          </a:xfrm>
-        </p:spPr>
-        <p:txBody>
-          <a:bodyPr/>
-          <a:lstStyle/>
-          <a:p>
-            <a:r>
-              <a:rPr lang="en-US" sz="2400" dirty="0"/>
-              <a:t>Your name</a:t>
-            </a:r>
-          </a:p>
-          <a:p>
-            <a:r>
-              <a:rPr lang="en-US" sz="2400" dirty="0"/>
-              <a:t>Company affiliation</a:t>
-            </a:r>
-          </a:p>
-          <a:p>
-            <a:r>
-              <a:rPr lang="en-US" sz="2400" dirty="0"/>
-              <a:t>Title/function</a:t>
-            </a:r>
-          </a:p>
-          <a:p>
-            <a:r>
-              <a:rPr lang="en-US" sz="2400" dirty="0"/>
-              <a:t>Splunk experience</a:t>
-            </a:r>
-          </a:p>
-          <a:p>
-            <a:r>
-              <a:rPr lang="en-US" sz="2400" dirty="0"/>
-              <a:t>Your expectations for the course</a:t>
-            </a:r>
-          </a:p>
-          <a:p>
-            <a:endParaRPr lang="en-CA" sz="2400" dirty="0"/>
-          </a:p>
-          <a:p>
-            <a:endParaRPr lang="en-US" sz="2400" dirty="0"/>
-          </a:p>
-        </p:txBody>
-      </p:sp>
-    </p:spTree>
-    <p:extLst>
-      <p:ext uri="{BB962C8B-B14F-4D97-AF65-F5344CB8AC3E}">
-        <p14:creationId xmlns:p14="http://schemas.microsoft.com/office/powerpoint/2010/main" val="1236649840"/>
-      </p:ext>
-    </p:extLst>
-  </p:cSld>
-  <p:clrMapOvr>
-    <a:masterClrMapping/>
-  </p:clrMapOvr>
-</p:sld>
-</file>
-
-<file path=ppt/slides/slide30.xml><?xml version="1.0" encoding="utf-8"?>
+<file path=ppt/slides/slide31.xml><?xml version="1.0" encoding="utf-8"?>
 <p:sld xmlns:a="http://schemas.openxmlformats.org/drawingml/2006/main" xmlns:r="http://schemas.openxmlformats.org/officeDocument/2006/relationships" xmlns:p="http://schemas.openxmlformats.org/presentationml/2006/main">
   <p:cSld>
     <p:spTree>
@@ -7522,108 +8302,13 @@
   <p:clrMapOvr>
     <a:masterClrMapping/>
   </p:clrMapOvr>
-</p:sld>
-</file>
-
-<file path=ppt/slides/slide31.xml><?xml version="1.0" encoding="utf-8"?>
-<p:sld xmlns:a="http://schemas.openxmlformats.org/drawingml/2006/main" xmlns:r="http://schemas.openxmlformats.org/officeDocument/2006/relationships" xmlns:p="http://schemas.openxmlformats.org/presentationml/2006/main">
-  <p:cSld>
-    <p:spTree>
-      <p:nvGrpSpPr>
-        <p:cNvPr id="1" name=""/>
-        <p:cNvGrpSpPr/>
-        <p:nvPr/>
-      </p:nvGrpSpPr>
-      <p:grpSpPr>
-        <a:xfrm>
-          <a:off x="0" y="0"/>
-          <a:ext cx="0" cy="0"/>
-          <a:chOff x="0" y="0"/>
-          <a:chExt cx="0" cy="0"/>
-        </a:xfrm>
-      </p:grpSpPr>
-      <p:sp>
-        <p:nvSpPr>
-          <p:cNvPr id="2" name="Title 1">
-            <a:extLst>
-              <a:ext uri="{FF2B5EF4-FFF2-40B4-BE49-F238E27FC236}">
-                <a16:creationId xmlns:a16="http://schemas.microsoft.com/office/drawing/2014/main" id="{1E598CE7-EFD2-4141-A0DD-29E94DC23C00}"/>
-              </a:ext>
-            </a:extLst>
-          </p:cNvPr>
-          <p:cNvSpPr>
-            <a:spLocks noGrp="1"/>
-          </p:cNvSpPr>
-          <p:nvPr>
-            <p:ph type="title"/>
-          </p:nvPr>
-        </p:nvSpPr>
-        <p:spPr/>
-        <p:txBody>
-          <a:bodyPr/>
-          <a:lstStyle/>
-          <a:p>
-            <a:r>
-              <a:rPr lang="en-US"/>
-              <a:t>Configuring a Universal Forwarder</a:t>
-            </a:r>
-            <a:endParaRPr lang="en-US" dirty="0"/>
-          </a:p>
-        </p:txBody>
-      </p:sp>
-      <p:sp>
-        <p:nvSpPr>
-          <p:cNvPr id="3" name="Text Placeholder 2">
-            <a:extLst>
-              <a:ext uri="{FF2B5EF4-FFF2-40B4-BE49-F238E27FC236}">
-                <a16:creationId xmlns:a16="http://schemas.microsoft.com/office/drawing/2014/main" id="{3E38C169-4C3C-F140-8E75-9A6CB2BD5763}"/>
-              </a:ext>
-            </a:extLst>
-          </p:cNvPr>
-          <p:cNvSpPr>
-            <a:spLocks noGrp="1"/>
-          </p:cNvSpPr>
-          <p:nvPr>
-            <p:ph type="body" sz="quarter" idx="10"/>
-          </p:nvPr>
-        </p:nvSpPr>
-        <p:spPr/>
-        <p:txBody>
-          <a:bodyPr/>
-          <a:lstStyle/>
-          <a:p>
-            <a:r>
-              <a:rPr lang="en-US" dirty="0"/>
-              <a:t>The Splunk Universal Forwarder can be installed on remote machines to forward their data to one or more indexers</a:t>
-            </a:r>
-          </a:p>
-          <a:p>
-            <a:r>
-              <a:rPr lang="en-US" dirty="0">
-                <a:hlinkClick r:id="rId2"/>
-              </a:rPr>
-              <a:t>https://www.splunk.com/en_us/resources/videos/splunk-education-getting-data-in-with-forwarders.html</a:t>
-            </a:r>
-            <a:endParaRPr lang="en-US" dirty="0"/>
-          </a:p>
-          <a:p>
-            <a:endParaRPr lang="en-US" dirty="0"/>
-          </a:p>
-          <a:p>
-            <a:endParaRPr lang="en-US" dirty="0"/>
-          </a:p>
-        </p:txBody>
-      </p:sp>
-    </p:spTree>
-    <p:extLst>
-      <p:ext uri="{BB962C8B-B14F-4D97-AF65-F5344CB8AC3E}">
-        <p14:creationId xmlns:p14="http://schemas.microsoft.com/office/powerpoint/2010/main" val="2847149910"/>
-      </p:ext>
-    </p:extLst>
-  </p:cSld>
-  <p:clrMapOvr>
-    <a:masterClrMapping/>
-  </p:clrMapOvr>
+  <p:timing>
+    <p:tnLst>
+      <p:par>
+        <p:cTn id="1" dur="indefinite" restart="never" nodeType="tmRoot"/>
+      </p:par>
+    </p:tnLst>
+  </p:timing>
 </p:sld>
 </file>
 
@@ -7646,7 +8331,13 @@
       </p:grpSpPr>
       <p:sp>
         <p:nvSpPr>
-          <p:cNvPr id="2" name="Title 1"/>
+          <p:cNvPr id="2" name="Title 1">
+            <a:extLst>
+              <a:ext uri="{FF2B5EF4-FFF2-40B4-BE49-F238E27FC236}">
+                <a16:creationId xmlns:a16="http://schemas.microsoft.com/office/drawing/2014/main" id="{1E598CE7-EFD2-4141-A0DD-29E94DC23C00}"/>
+              </a:ext>
+            </a:extLst>
+          </p:cNvPr>
           <p:cNvSpPr>
             <a:spLocks noGrp="1"/>
           </p:cNvSpPr>
@@ -7660,15 +8351,22 @@
           <a:lstStyle/>
           <a:p>
             <a:r>
-              <a:rPr lang="en-US" dirty="0"/>
-              <a:t>Using the HTTP Event Collector (HEC)</a:t>
-            </a:r>
-          </a:p>
-        </p:txBody>
-      </p:sp>
-      <p:sp>
-        <p:nvSpPr>
-          <p:cNvPr id="3" name="Text Placeholder 2"/>
+              <a:rPr lang="en-US"/>
+              <a:t>Configuring a Universal Forwarder</a:t>
+            </a:r>
+            <a:endParaRPr lang="en-US" dirty="0"/>
+          </a:p>
+        </p:txBody>
+      </p:sp>
+      <p:sp>
+        <p:nvSpPr>
+          <p:cNvPr id="3" name="Text Placeholder 2">
+            <a:extLst>
+              <a:ext uri="{FF2B5EF4-FFF2-40B4-BE49-F238E27FC236}">
+                <a16:creationId xmlns:a16="http://schemas.microsoft.com/office/drawing/2014/main" id="{3E38C169-4C3C-F140-8E75-9A6CB2BD5763}"/>
+              </a:ext>
+            </a:extLst>
+          </p:cNvPr>
           <p:cNvSpPr>
             <a:spLocks noGrp="1"/>
           </p:cNvSpPr>
@@ -7683,69 +8381,22 @@
           <a:p>
             <a:r>
               <a:rPr lang="en-US" dirty="0"/>
-              <a:t>Creates an HTTP Endpoint</a:t>
-            </a:r>
-          </a:p>
-          <a:p>
-            <a:r>
-              <a:rPr lang="en-US" dirty="0" err="1"/>
-              <a:t>Settings</a:t>
-            </a:r>
-            <a:r>
-              <a:rPr lang="en-US" dirty="0" err="1">
-                <a:sym typeface="Wingdings" panose="05000000000000000000" pitchFamily="2" charset="2"/>
+              <a:t>The Splunk Universal Forwarder can be installed on remote machines to forward their data to one or more indexers</a:t>
+            </a:r>
+          </a:p>
+          <a:p>
+            <a:r>
+              <a:rPr lang="en-US" dirty="0">
+                <a:hlinkClick r:id="rId2"/>
               </a:rPr>
-              <a:t></a:t>
-            </a:r>
-            <a:r>
-              <a:rPr lang="en-US" dirty="0" err="1"/>
-              <a:t>Data</a:t>
-            </a:r>
-            <a:r>
-              <a:rPr lang="en-US" dirty="0"/>
-              <a:t> </a:t>
-            </a:r>
-            <a:r>
-              <a:rPr lang="en-US" dirty="0" err="1"/>
-              <a:t>inputs</a:t>
-            </a:r>
-            <a:r>
-              <a:rPr lang="en-US" dirty="0" err="1">
-                <a:sym typeface="Wingdings" panose="05000000000000000000" pitchFamily="2" charset="2"/>
-              </a:rPr>
-              <a:t>Http</a:t>
-            </a:r>
-            <a:r>
-              <a:rPr lang="en-US" dirty="0">
-                <a:sym typeface="Wingdings" panose="05000000000000000000" pitchFamily="2" charset="2"/>
-              </a:rPr>
-              <a:t> Event Collector+ Add New</a:t>
-            </a:r>
-          </a:p>
-          <a:p>
-            <a:r>
-              <a:rPr lang="en-US" dirty="0">
-                <a:sym typeface="Wingdings" panose="05000000000000000000" pitchFamily="2" charset="2"/>
-              </a:rPr>
-              <a:t>Configure global settings</a:t>
-            </a:r>
-          </a:p>
-          <a:p>
-            <a:r>
-              <a:rPr lang="en-US" dirty="0">
-                <a:sym typeface="Wingdings" panose="05000000000000000000" pitchFamily="2" charset="2"/>
-              </a:rPr>
-              <a:t>Create a new token</a:t>
-            </a:r>
-          </a:p>
-          <a:p>
-            <a:pPr lvl="1"/>
-            <a:r>
-              <a:rPr lang="en-US" dirty="0">
-                <a:sym typeface="Wingdings" panose="05000000000000000000" pitchFamily="2" charset="2"/>
-              </a:rPr>
-              <a:t>The token identifies the calling application</a:t>
-            </a:r>
+              <a:t>https://www.splunk.com/en_us/resources/videos/splunk-education-getting-data-in-with-forwarders.html</a:t>
+            </a:r>
+            <a:endParaRPr lang="en-US" dirty="0"/>
+          </a:p>
+          <a:p>
+            <a:endParaRPr lang="en-US" dirty="0"/>
+          </a:p>
+          <a:p>
             <a:endParaRPr lang="en-US" dirty="0"/>
           </a:p>
         </p:txBody>
@@ -7753,13 +8404,20 @@
     </p:spTree>
     <p:extLst>
       <p:ext uri="{BB962C8B-B14F-4D97-AF65-F5344CB8AC3E}">
-        <p14:creationId xmlns:p14="http://schemas.microsoft.com/office/powerpoint/2010/main" val="3971689393"/>
+        <p14:creationId xmlns:p14="http://schemas.microsoft.com/office/powerpoint/2010/main" val="2847149910"/>
       </p:ext>
     </p:extLst>
   </p:cSld>
   <p:clrMapOvr>
     <a:masterClrMapping/>
   </p:clrMapOvr>
+  <p:timing>
+    <p:tnLst>
+      <p:par>
+        <p:cTn id="1" dur="indefinite" restart="never" nodeType="tmRoot"/>
+      </p:par>
+    </p:tnLst>
+  </p:timing>
 </p:sld>
 </file>
 
@@ -7797,7 +8455,7 @@
           <a:p>
             <a:r>
               <a:rPr lang="en-US" dirty="0"/>
-              <a:t>Getting data from databases using DB Connect</a:t>
+              <a:t>Using the HTTP Event Collector (HEC)</a:t>
             </a:r>
           </a:p>
         </p:txBody>
@@ -7818,45 +8476,91 @@
           <a:lstStyle/>
           <a:p>
             <a:r>
-              <a:rPr lang="en-US" b="1" dirty="0"/>
-              <a:t>Splunk DB Connect</a:t>
-            </a:r>
-            <a:r>
-              <a:rPr lang="en-US" dirty="0"/>
-              <a:t> is available from the </a:t>
+              <a:rPr lang="en-US" dirty="0"/>
+              <a:t>Creates an HTTP Endpoint</a:t>
+            </a:r>
+          </a:p>
+          <a:p>
+            <a:r>
+              <a:rPr lang="en-US" dirty="0" err="1"/>
+              <a:t>Settings</a:t>
+            </a:r>
+            <a:r>
+              <a:rPr lang="en-US" dirty="0" err="1">
+                <a:sym typeface="Wingdings" panose="05000000000000000000" pitchFamily="2" charset="2"/>
+              </a:rPr>
+              <a:t></a:t>
+            </a:r>
+            <a:r>
+              <a:rPr lang="en-US" dirty="0" err="1"/>
+              <a:t>Data</a:t>
+            </a:r>
+            <a:r>
+              <a:rPr lang="en-US" dirty="0"/>
+              <a:t> </a:t>
+            </a:r>
+            <a:r>
+              <a:rPr lang="en-US" dirty="0" err="1"/>
+              <a:t>inputs</a:t>
+            </a:r>
+            <a:r>
+              <a:rPr lang="en-US" dirty="0" err="1">
+                <a:sym typeface="Wingdings" panose="05000000000000000000" pitchFamily="2" charset="2"/>
+              </a:rPr>
+              <a:t>Http</a:t>
             </a:r>
             <a:r>
               <a:rPr lang="en-US" dirty="0">
-                <a:hlinkClick r:id="rId2"/>
+                <a:sym typeface="Wingdings" panose="05000000000000000000" pitchFamily="2" charset="2"/>
               </a:rPr>
-              <a:t>Splunkbase</a:t>
+              <a:t> Event Collector+ Add New</a:t>
+            </a:r>
+          </a:p>
+          <a:p>
+            <a:r>
+              <a:rPr lang="en-US" dirty="0">
+                <a:sym typeface="Wingdings" panose="05000000000000000000" pitchFamily="2" charset="2"/>
+              </a:rPr>
+              <a:t>Configure global settings</a:t>
+            </a:r>
+          </a:p>
+          <a:p>
+            <a:r>
+              <a:rPr lang="en-US" dirty="0">
+                <a:sym typeface="Wingdings" panose="05000000000000000000" pitchFamily="2" charset="2"/>
+              </a:rPr>
+              <a:t>Create a new token</a:t>
+            </a:r>
+          </a:p>
+          <a:p>
+            <a:pPr lvl="1"/>
+            <a:r>
+              <a:rPr lang="en-US" dirty="0">
+                <a:sym typeface="Wingdings" panose="05000000000000000000" pitchFamily="2" charset="2"/>
+              </a:rPr>
+              <a:t>The token identifies the calling application</a:t>
             </a:r>
             <a:endParaRPr lang="en-US" dirty="0"/>
-          </a:p>
-          <a:p>
-            <a:r>
-              <a:rPr lang="en-US" dirty="0"/>
-              <a:t>Allows connection to popular RDBMSs via JDBC drivers</a:t>
-            </a:r>
-          </a:p>
-          <a:p>
-            <a:r>
-              <a:rPr lang="en-US" dirty="0"/>
-              <a:t>Requires install of JRE, necessary drivers</a:t>
-            </a:r>
           </a:p>
         </p:txBody>
       </p:sp>
     </p:spTree>
     <p:extLst>
       <p:ext uri="{BB962C8B-B14F-4D97-AF65-F5344CB8AC3E}">
-        <p14:creationId xmlns:p14="http://schemas.microsoft.com/office/powerpoint/2010/main" val="4035583883"/>
+        <p14:creationId xmlns:p14="http://schemas.microsoft.com/office/powerpoint/2010/main" val="3971689393"/>
       </p:ext>
     </p:extLst>
   </p:cSld>
   <p:clrMapOvr>
     <a:masterClrMapping/>
   </p:clrMapOvr>
+  <p:timing>
+    <p:tnLst>
+      <p:par>
+        <p:cTn id="1" dur="indefinite" restart="never" nodeType="tmRoot"/>
+      </p:par>
+    </p:tnLst>
+  </p:timing>
 </p:sld>
 </file>
 
@@ -7879,13 +8583,7 @@
       </p:grpSpPr>
       <p:sp>
         <p:nvSpPr>
-          <p:cNvPr id="2" name="Title 1">
-            <a:extLst>
-              <a:ext uri="{FF2B5EF4-FFF2-40B4-BE49-F238E27FC236}">
-                <a16:creationId xmlns:a16="http://schemas.microsoft.com/office/drawing/2014/main" id="{86BAAFE6-03A8-4140-B16B-6AC57D3B97F0}"/>
-              </a:ext>
-            </a:extLst>
-          </p:cNvPr>
+          <p:cNvPr id="2" name="Title 1"/>
           <p:cNvSpPr>
             <a:spLocks noGrp="1"/>
           </p:cNvSpPr>
@@ -7900,20 +8598,14 @@
           <a:p>
             <a:r>
               <a:rPr lang="en-US" dirty="0"/>
-              <a:t>Adding Custom Field Extractions</a:t>
-            </a:r>
-          </a:p>
-        </p:txBody>
-      </p:sp>
-      <p:sp>
-        <p:nvSpPr>
-          <p:cNvPr id="3" name="Text Placeholder 2">
-            <a:extLst>
-              <a:ext uri="{FF2B5EF4-FFF2-40B4-BE49-F238E27FC236}">
-                <a16:creationId xmlns:a16="http://schemas.microsoft.com/office/drawing/2014/main" id="{356D3187-92C3-0443-9012-9F3A8F844FF4}"/>
-              </a:ext>
-            </a:extLst>
-          </p:cNvPr>
+              <a:t>Getting data from databases using DB Connect</a:t>
+            </a:r>
+          </a:p>
+        </p:txBody>
+      </p:sp>
+      <p:sp>
+        <p:nvSpPr>
+          <p:cNvPr id="3" name="Text Placeholder 2"/>
           <p:cNvSpPr>
             <a:spLocks noGrp="1"/>
           </p:cNvSpPr>
@@ -7927,50 +8619,31 @@
           <a:lstStyle/>
           <a:p>
             <a:r>
-              <a:rPr lang="en-US" dirty="0"/>
-              <a:t>Some fields pre-defined</a:t>
-            </a:r>
-          </a:p>
-          <a:p>
-            <a:pPr lvl="1"/>
-            <a:r>
-              <a:rPr lang="en-US" dirty="0"/>
-              <a:t>Built-in </a:t>
-            </a:r>
-            <a:r>
-              <a:rPr lang="en-US" dirty="0" err="1"/>
-              <a:t>sourcetypes</a:t>
-            </a:r>
-            <a:r>
-              <a:rPr lang="en-US" dirty="0"/>
-              <a:t>, e.g. timestamp, hostname</a:t>
-            </a:r>
-          </a:p>
-          <a:p>
-            <a:pPr lvl="1"/>
-            <a:r>
-              <a:rPr lang="en-US" dirty="0"/>
-              <a:t>Extraction of key-value pairs from JSON-formatted logs</a:t>
-            </a:r>
-          </a:p>
-          <a:p>
-            <a:r>
-              <a:rPr lang="en-US" dirty="0"/>
-              <a:t>Some must be user-defined</a:t>
-            </a:r>
-          </a:p>
-          <a:p>
-            <a:pPr lvl="1"/>
-            <a:r>
-              <a:rPr lang="en-US" dirty="0"/>
-              <a:t>Delimited</a:t>
-            </a:r>
-          </a:p>
-          <a:p>
-            <a:pPr lvl="1"/>
-            <a:r>
-              <a:rPr lang="en-US" dirty="0"/>
-              <a:t>Regex</a:t>
+              <a:rPr lang="en-US" b="1" dirty="0"/>
+              <a:t>Splunk DB Connect</a:t>
+            </a:r>
+            <a:r>
+              <a:rPr lang="en-US" dirty="0"/>
+              <a:t> is available from the </a:t>
+            </a:r>
+            <a:r>
+              <a:rPr lang="en-US" dirty="0">
+                <a:hlinkClick r:id="rId2"/>
+              </a:rPr>
+              <a:t>Splunkbase</a:t>
+            </a:r>
+            <a:endParaRPr lang="en-US" dirty="0"/>
+          </a:p>
+          <a:p>
+            <a:r>
+              <a:rPr lang="en-US" dirty="0"/>
+              <a:t>Allows connection to popular RDBMSs via JDBC drivers</a:t>
+            </a:r>
+          </a:p>
+          <a:p>
+            <a:r>
+              <a:rPr lang="en-US" dirty="0"/>
+              <a:t>Requires install of JRE, necessary drivers</a:t>
             </a:r>
           </a:p>
         </p:txBody>
@@ -7978,13 +8651,20 @@
     </p:spTree>
     <p:extLst>
       <p:ext uri="{BB962C8B-B14F-4D97-AF65-F5344CB8AC3E}">
-        <p14:creationId xmlns:p14="http://schemas.microsoft.com/office/powerpoint/2010/main" val="2381762080"/>
+        <p14:creationId xmlns:p14="http://schemas.microsoft.com/office/powerpoint/2010/main" val="4035583883"/>
       </p:ext>
     </p:extLst>
   </p:cSld>
   <p:clrMapOvr>
     <a:masterClrMapping/>
   </p:clrMapOvr>
+  <p:timing>
+    <p:tnLst>
+      <p:par>
+        <p:cTn id="1" dur="indefinite" restart="never" nodeType="tmRoot"/>
+      </p:par>
+    </p:tnLst>
+  </p:timing>
 </p:sld>
 </file>
 
@@ -8010,6 +8690,141 @@
           <p:cNvPr id="2" name="Title 1">
             <a:extLst>
               <a:ext uri="{FF2B5EF4-FFF2-40B4-BE49-F238E27FC236}">
+                <a16:creationId xmlns:a16="http://schemas.microsoft.com/office/drawing/2014/main" id="{86BAAFE6-03A8-4140-B16B-6AC57D3B97F0}"/>
+              </a:ext>
+            </a:extLst>
+          </p:cNvPr>
+          <p:cNvSpPr>
+            <a:spLocks noGrp="1"/>
+          </p:cNvSpPr>
+          <p:nvPr>
+            <p:ph type="title"/>
+          </p:nvPr>
+        </p:nvSpPr>
+        <p:spPr/>
+        <p:txBody>
+          <a:bodyPr/>
+          <a:lstStyle/>
+          <a:p>
+            <a:r>
+              <a:rPr lang="en-US" dirty="0"/>
+              <a:t>Adding Custom Field Extractions</a:t>
+            </a:r>
+          </a:p>
+        </p:txBody>
+      </p:sp>
+      <p:sp>
+        <p:nvSpPr>
+          <p:cNvPr id="3" name="Text Placeholder 2">
+            <a:extLst>
+              <a:ext uri="{FF2B5EF4-FFF2-40B4-BE49-F238E27FC236}">
+                <a16:creationId xmlns:a16="http://schemas.microsoft.com/office/drawing/2014/main" id="{356D3187-92C3-0443-9012-9F3A8F844FF4}"/>
+              </a:ext>
+            </a:extLst>
+          </p:cNvPr>
+          <p:cNvSpPr>
+            <a:spLocks noGrp="1"/>
+          </p:cNvSpPr>
+          <p:nvPr>
+            <p:ph type="body" sz="quarter" idx="10"/>
+          </p:nvPr>
+        </p:nvSpPr>
+        <p:spPr/>
+        <p:txBody>
+          <a:bodyPr/>
+          <a:lstStyle/>
+          <a:p>
+            <a:r>
+              <a:rPr lang="en-US" dirty="0"/>
+              <a:t>Some fields pre-defined</a:t>
+            </a:r>
+          </a:p>
+          <a:p>
+            <a:pPr lvl="1"/>
+            <a:r>
+              <a:rPr lang="en-US" dirty="0"/>
+              <a:t>Built-in </a:t>
+            </a:r>
+            <a:r>
+              <a:rPr lang="en-US" dirty="0" err="1"/>
+              <a:t>sourcetypes</a:t>
+            </a:r>
+            <a:r>
+              <a:rPr lang="en-US" dirty="0"/>
+              <a:t>, e.g. timestamp, hostname</a:t>
+            </a:r>
+          </a:p>
+          <a:p>
+            <a:pPr lvl="1"/>
+            <a:r>
+              <a:rPr lang="en-US" dirty="0"/>
+              <a:t>Extraction of key-value pairs from JSON-formatted logs</a:t>
+            </a:r>
+          </a:p>
+          <a:p>
+            <a:r>
+              <a:rPr lang="en-US" dirty="0"/>
+              <a:t>Some must be user-defined</a:t>
+            </a:r>
+          </a:p>
+          <a:p>
+            <a:pPr lvl="1"/>
+            <a:r>
+              <a:rPr lang="en-US" dirty="0"/>
+              <a:t>Delimited</a:t>
+            </a:r>
+          </a:p>
+          <a:p>
+            <a:pPr lvl="1"/>
+            <a:r>
+              <a:rPr lang="en-US" dirty="0"/>
+              <a:t>Regex</a:t>
+            </a:r>
+          </a:p>
+        </p:txBody>
+      </p:sp>
+    </p:spTree>
+    <p:extLst>
+      <p:ext uri="{BB962C8B-B14F-4D97-AF65-F5344CB8AC3E}">
+        <p14:creationId xmlns:p14="http://schemas.microsoft.com/office/powerpoint/2010/main" val="2381762080"/>
+      </p:ext>
+    </p:extLst>
+  </p:cSld>
+  <p:clrMapOvr>
+    <a:masterClrMapping/>
+  </p:clrMapOvr>
+  <p:timing>
+    <p:tnLst>
+      <p:par>
+        <p:cTn id="1" dur="indefinite" restart="never" nodeType="tmRoot"/>
+      </p:par>
+    </p:tnLst>
+  </p:timing>
+</p:sld>
+</file>
+
+<file path=ppt/slides/slide36.xml><?xml version="1.0" encoding="utf-8"?>
+<p:sld xmlns:a="http://schemas.openxmlformats.org/drawingml/2006/main" xmlns:r="http://schemas.openxmlformats.org/officeDocument/2006/relationships" xmlns:p="http://schemas.openxmlformats.org/presentationml/2006/main">
+  <p:cSld>
+    <p:spTree>
+      <p:nvGrpSpPr>
+        <p:cNvPr id="1" name=""/>
+        <p:cNvGrpSpPr/>
+        <p:nvPr/>
+      </p:nvGrpSpPr>
+      <p:grpSpPr>
+        <a:xfrm>
+          <a:off x="0" y="0"/>
+          <a:ext cx="0" cy="0"/>
+          <a:chOff x="0" y="0"/>
+          <a:chExt cx="0" cy="0"/>
+        </a:xfrm>
+      </p:grpSpPr>
+      <p:sp>
+        <p:nvSpPr>
+          <p:cNvPr id="2" name="Title 1">
+            <a:extLst>
+              <a:ext uri="{FF2B5EF4-FFF2-40B4-BE49-F238E27FC236}">
                 <a16:creationId xmlns:a16="http://schemas.microsoft.com/office/drawing/2014/main" id="{3D0AAE91-6F6D-6941-8097-844FBC111D5A}"/>
               </a:ext>
             </a:extLst>
@@ -8265,10 +9080,17 @@
   <p:clrMapOvr>
     <a:masterClrMapping/>
   </p:clrMapOvr>
+  <p:timing>
+    <p:tnLst>
+      <p:par>
+        <p:cTn id="1" dur="indefinite" restart="never" nodeType="tmRoot"/>
+      </p:par>
+    </p:tnLst>
+  </p:timing>
 </p:sld>
 </file>
 
-<file path=ppt/slides/slide36.xml><?xml version="1.0" encoding="utf-8"?>
+<file path=ppt/slides/slide37.xml><?xml version="1.0" encoding="utf-8"?>
 <p:sld xmlns:a="http://schemas.openxmlformats.org/drawingml/2006/main" xmlns:r="http://schemas.openxmlformats.org/officeDocument/2006/relationships" xmlns:p="http://schemas.openxmlformats.org/presentationml/2006/main">
   <p:cSld>
     <p:spTree>
@@ -8379,10 +9201,17 @@
   <p:clrMapOvr>
     <a:masterClrMapping/>
   </p:clrMapOvr>
+  <p:timing>
+    <p:tnLst>
+      <p:par>
+        <p:cTn id="1" dur="indefinite" restart="never" nodeType="tmRoot"/>
+      </p:par>
+    </p:tnLst>
+  </p:timing>
 </p:sld>
 </file>
 
-<file path=ppt/slides/slide37.xml><?xml version="1.0" encoding="utf-8"?>
+<file path=ppt/slides/slide38.xml><?xml version="1.0" encoding="utf-8"?>
 <p:sld xmlns:a="http://schemas.openxmlformats.org/drawingml/2006/main" xmlns:r="http://schemas.openxmlformats.org/officeDocument/2006/relationships" xmlns:p="http://schemas.openxmlformats.org/presentationml/2006/main">
   <p:cSld>
     <p:spTree>
@@ -8529,109 +9358,13 @@
   <p:clrMapOvr>
     <a:masterClrMapping/>
   </p:clrMapOvr>
-</p:sld>
-</file>
-
-<file path=ppt/slides/slide38.xml><?xml version="1.0" encoding="utf-8"?>
-<p:sld xmlns:a="http://schemas.openxmlformats.org/drawingml/2006/main" xmlns:r="http://schemas.openxmlformats.org/officeDocument/2006/relationships" xmlns:p="http://schemas.openxmlformats.org/presentationml/2006/main">
-  <p:cSld>
-    <p:spTree>
-      <p:nvGrpSpPr>
-        <p:cNvPr id="1" name=""/>
-        <p:cNvGrpSpPr/>
-        <p:nvPr/>
-      </p:nvGrpSpPr>
-      <p:grpSpPr>
-        <a:xfrm>
-          <a:off x="0" y="0"/>
-          <a:ext cx="0" cy="0"/>
-          <a:chOff x="0" y="0"/>
-          <a:chExt cx="0" cy="0"/>
-        </a:xfrm>
-      </p:grpSpPr>
-      <p:sp>
-        <p:nvSpPr>
-          <p:cNvPr id="2" name="Title 1"/>
-          <p:cNvSpPr>
-            <a:spLocks noGrp="1"/>
-          </p:cNvSpPr>
-          <p:nvPr>
-            <p:ph type="title"/>
-          </p:nvPr>
-        </p:nvSpPr>
-        <p:spPr/>
-        <p:txBody>
-          <a:bodyPr/>
-          <a:lstStyle/>
-          <a:p>
-            <a:r>
-              <a:rPr lang="en-US" dirty="0"/>
-              <a:t>Adding meaning to data with tags</a:t>
-            </a:r>
-          </a:p>
-        </p:txBody>
-      </p:sp>
-      <p:sp>
-        <p:nvSpPr>
-          <p:cNvPr id="3" name="Text Placeholder 2"/>
-          <p:cNvSpPr>
-            <a:spLocks noGrp="1"/>
-          </p:cNvSpPr>
-          <p:nvPr>
-            <p:ph type="body" sz="quarter" idx="10"/>
-          </p:nvPr>
-        </p:nvSpPr>
-        <p:spPr/>
-        <p:txBody>
-          <a:bodyPr/>
-          <a:lstStyle/>
-          <a:p>
-            <a:r>
-              <a:rPr lang="en-US" dirty="0"/>
-              <a:t>Tags allow grouping of other criteria with a label</a:t>
-            </a:r>
-          </a:p>
-          <a:p>
-            <a:r>
-              <a:rPr lang="en-US" dirty="0"/>
-              <a:t>Assigned to </a:t>
-            </a:r>
-            <a:r>
-              <a:rPr lang="en-US" dirty="0">
-                <a:latin typeface="Courier"/>
-              </a:rPr>
-              <a:t>field=value</a:t>
-            </a:r>
-            <a:r>
-              <a:rPr lang="en-US" dirty="0"/>
-              <a:t> pairs</a:t>
-            </a:r>
-          </a:p>
-          <a:p>
-            <a:r>
-              <a:rPr lang="en-US" dirty="0"/>
-              <a:t>Create on </a:t>
-            </a:r>
-            <a:r>
-              <a:rPr lang="en-US" dirty="0">
-                <a:hlinkClick r:id="rId2"/>
-              </a:rPr>
-              <a:t>tags page</a:t>
-            </a:r>
-            <a:endParaRPr lang="en-US" dirty="0"/>
-          </a:p>
-        </p:txBody>
-      </p:sp>
-    </p:spTree>
-    <p:extLst>
-      <p:ext uri="{BB962C8B-B14F-4D97-AF65-F5344CB8AC3E}">
-        <p14:creationId xmlns:p14="http://schemas.microsoft.com/office/powerpoint/2010/main" val="1481287944"/>
-      </p:ext>
-    </p:extLst>
-  </p:cSld>
-  <p:clrMapOvr>
-    <a:masterClrMapping/>
-  </p:clrMapOvr>
+  <p:timing>
+    <p:tnLst>
+      <p:par>
+        <p:cTn id="1" dur="indefinite" restart="never" nodeType="tmRoot"/>
+      </p:par>
+    </p:tnLst>
+  </p:timing>
 </p:sld>
 </file>
 
@@ -8669,7 +9402,7 @@
           <a:p>
             <a:r>
               <a:rPr lang="en-US" dirty="0"/>
-              <a:t>Sample Data for this class</a:t>
+              <a:t>Adding meaning to data with tags</a:t>
             </a:r>
           </a:p>
         </p:txBody>
@@ -8691,87 +9424,57 @@
           <a:p>
             <a:r>
               <a:rPr lang="en-US" dirty="0"/>
-              <a:t>Meant to mimic N-tier e-commerce web application</a:t>
-            </a:r>
-          </a:p>
-          <a:p>
+              <a:t>Tags allow grouping of other criteria with a label</a:t>
+            </a:r>
+          </a:p>
+          <a:p>
+            <a:r>
+              <a:rPr lang="en-US" dirty="0"/>
+              <a:t>Assigned to </a:t>
+            </a:r>
             <a:r>
               <a:rPr lang="en-US" dirty="0">
-                <a:hlinkClick r:id="rId2" action="ppaction://hlinkfile"/>
+                <a:latin typeface="Courier"/>
               </a:rPr>
-              <a:t>C:\Splunk\etc\apps\OpsDataGen\data</a:t>
+              <a:t>field=value</a:t>
+            </a:r>
+            <a:r>
+              <a:rPr lang="en-US" dirty="0"/>
+              <a:t> pairs</a:t>
+            </a:r>
+          </a:p>
+          <a:p>
+            <a:r>
+              <a:rPr lang="en-US" dirty="0"/>
+              <a:t>Create on </a:t>
+            </a:r>
+            <a:r>
+              <a:rPr lang="en-US" dirty="0">
+                <a:hlinkClick r:id="rId2"/>
+              </a:rPr>
+              <a:t>tags page</a:t>
             </a:r>
             <a:endParaRPr lang="en-US" dirty="0"/>
-          </a:p>
-          <a:p>
-            <a:pPr lvl="1"/>
-            <a:r>
-              <a:rPr lang="en-US" dirty="0" err="1"/>
-              <a:t>access_log</a:t>
-            </a:r>
-            <a:r>
-              <a:rPr lang="en-US" dirty="0"/>
-              <a:t>: web access log, </a:t>
-            </a:r>
-            <a:r>
-              <a:rPr lang="en-US" i="1" dirty="0" err="1"/>
-              <a:t>access_combined</a:t>
-            </a:r>
-            <a:r>
-              <a:rPr lang="en-US" dirty="0"/>
-              <a:t> source type</a:t>
-            </a:r>
-          </a:p>
-          <a:p>
-            <a:pPr lvl="1"/>
-            <a:r>
-              <a:rPr lang="en-US" dirty="0" err="1"/>
-              <a:t>app_log</a:t>
-            </a:r>
-            <a:r>
-              <a:rPr lang="en-US" dirty="0"/>
-              <a:t>: application log, </a:t>
-            </a:r>
-            <a:r>
-              <a:rPr lang="en-US" i="1" dirty="0"/>
-              <a:t>log4j</a:t>
-            </a:r>
-            <a:r>
-              <a:rPr lang="en-US" dirty="0"/>
-              <a:t> source type</a:t>
-            </a:r>
-          </a:p>
-          <a:p>
-            <a:pPr lvl="1"/>
-            <a:r>
-              <a:rPr lang="en-US" dirty="0" err="1"/>
-              <a:t>hvac_log</a:t>
-            </a:r>
-            <a:r>
-              <a:rPr lang="en-US" dirty="0"/>
-              <a:t>: csv sensor data, </a:t>
-            </a:r>
-            <a:r>
-              <a:rPr lang="en-US" i="1" dirty="0" err="1"/>
-              <a:t>metrics_csv</a:t>
-            </a:r>
-            <a:r>
-              <a:rPr lang="en-US" dirty="0"/>
-              <a:t> source type</a:t>
-            </a:r>
           </a:p>
         </p:txBody>
       </p:sp>
     </p:spTree>
     <p:extLst>
       <p:ext uri="{BB962C8B-B14F-4D97-AF65-F5344CB8AC3E}">
-        <p14:creationId xmlns:p14="http://schemas.microsoft.com/office/powerpoint/2010/main" val="1841560818"/>
+        <p14:creationId xmlns:p14="http://schemas.microsoft.com/office/powerpoint/2010/main" val="1481287944"/>
       </p:ext>
     </p:extLst>
   </p:cSld>
   <p:clrMapOvr>
     <a:masterClrMapping/>
   </p:clrMapOvr>
+  <p:timing>
+    <p:tnLst>
+      <p:par>
+        <p:cTn id="1" dur="indefinite" restart="never" nodeType="tmRoot"/>
+      </p:par>
+    </p:tnLst>
+  </p:timing>
 </p:sld>
 </file>
 
@@ -9371,6 +10074,13 @@
   <p:clrMapOvr>
     <a:masterClrMapping/>
   </p:clrMapOvr>
+  <p:timing>
+    <p:tnLst>
+      <p:par>
+        <p:cTn id="1" dur="indefinite" restart="never" nodeType="tmRoot"/>
+      </p:par>
+    </p:tnLst>
+  </p:timing>
 </p:sld>
 </file>
 
@@ -9408,19 +10118,19 @@
           <a:p>
             <a:r>
               <a:rPr lang="en-US" dirty="0"/>
-              <a:t>Lab 2: Getting Data In</a:t>
-            </a:r>
-          </a:p>
-        </p:txBody>
-      </p:sp>
-      <p:sp>
-        <p:nvSpPr>
-          <p:cNvPr id="7" name="Content Placeholder 6"/>
-          <p:cNvSpPr>
-            <a:spLocks noGrp="1"/>
-          </p:cNvSpPr>
-          <p:nvPr>
-            <p:ph idx="1"/>
+              <a:t>Sample Data for this class</a:t>
+            </a:r>
+          </a:p>
+        </p:txBody>
+      </p:sp>
+      <p:sp>
+        <p:nvSpPr>
+          <p:cNvPr id="3" name="Text Placeholder 2"/>
+          <p:cNvSpPr>
+            <a:spLocks noGrp="1"/>
+          </p:cNvSpPr>
+          <p:nvPr>
+            <p:ph type="body" sz="quarter" idx="10"/>
           </p:nvPr>
         </p:nvSpPr>
         <p:spPr/>
@@ -9429,110 +10139,74 @@
           <a:lstStyle/>
           <a:p>
             <a:r>
-              <a:rPr lang="en-US" sz="2000" dirty="0"/>
-              <a:t>Indexing files and directories p 386</a:t>
-            </a:r>
-          </a:p>
-          <a:p>
-            <a:r>
-              <a:rPr lang="en-US" sz="2000" dirty="0"/>
-              <a:t>Getting data through network ports p 394</a:t>
-            </a:r>
-          </a:p>
-          <a:p>
-            <a:r>
-              <a:rPr lang="en-US" sz="2000" dirty="0"/>
-              <a:t>Using scripted inputs p 398</a:t>
-            </a:r>
-          </a:p>
-          <a:p>
-            <a:r>
-              <a:rPr lang="en-US" sz="2000" dirty="0"/>
-              <a:t>Receiving data using the HTTP Event Collector p 410</a:t>
-            </a:r>
-          </a:p>
-          <a:p>
-            <a:r>
-              <a:rPr lang="en-US" sz="2000" dirty="0"/>
-              <a:t>Loading the sample data for this book p 421</a:t>
-            </a:r>
-          </a:p>
-          <a:p>
-            <a:r>
-              <a:rPr lang="en-US" sz="2000" dirty="0"/>
-              <a:t>Defining field extractions p 426</a:t>
-            </a:r>
-          </a:p>
-          <a:p>
-            <a:r>
-              <a:rPr lang="en-US" sz="2000" dirty="0"/>
-              <a:t>Defining event types and tags p 429</a:t>
-            </a:r>
-          </a:p>
-          <a:p>
-            <a:r>
-              <a:rPr lang="en-US" sz="2000" dirty="0"/>
-              <a:t>Installing the Machine Learning Toolkit p 432</a:t>
-            </a:r>
-          </a:p>
-        </p:txBody>
-      </p:sp>
-      <p:sp>
-        <p:nvSpPr>
-          <p:cNvPr id="4" name="Slide Number Placeholder 3"/>
-          <p:cNvSpPr>
-            <a:spLocks noGrp="1"/>
-          </p:cNvSpPr>
-          <p:nvPr>
-            <p:ph type="sldNum" sz="quarter" idx="4294967295"/>
-          </p:nvPr>
-        </p:nvSpPr>
-        <p:spPr>
-          <a:xfrm>
-            <a:off x="9900458" y="6459785"/>
-            <a:ext cx="1312025" cy="365125"/>
-          </a:xfrm>
-          <a:prstGeom prst="rect">
-            <a:avLst/>
-          </a:prstGeom>
-        </p:spPr>
-        <p:txBody>
-          <a:bodyPr/>
-          <a:lstStyle/>
-          <a:p>
-            <a:fld id="{6113E31D-E2AB-40D1-8B51-AFA5AFEF393A}" type="slidenum">
-              <a:rPr lang="en-US" smtClean="0"/>
-              <a:t>40</a:t>
-            </a:fld>
+              <a:rPr lang="en-US" dirty="0"/>
+              <a:t>Meant to mimic N-tier e-commerce web application</a:t>
+            </a:r>
+          </a:p>
+          <a:p>
+            <a:r>
+              <a:rPr lang="en-US" dirty="0">
+                <a:hlinkClick r:id="rId2" action="ppaction://hlinkfile"/>
+              </a:rPr>
+              <a:t>C:\Splunk\etc\apps\OpsDataGen\data</a:t>
+            </a:r>
             <a:endParaRPr lang="en-US" dirty="0"/>
           </a:p>
-        </p:txBody>
-      </p:sp>
-      <p:sp>
-        <p:nvSpPr>
-          <p:cNvPr id="8" name="TextBox 7"/>
-          <p:cNvSpPr txBox="1"/>
-          <p:nvPr/>
-        </p:nvSpPr>
-        <p:spPr>
-          <a:xfrm>
-            <a:off x="1097280" y="1308100"/>
-            <a:ext cx="6096000" cy="381000"/>
-          </a:xfrm>
-          <a:prstGeom prst="rect">
-            <a:avLst/>
-          </a:prstGeom>
-          <a:noFill/>
-        </p:spPr>
-        <p:txBody>
-          <a:bodyPr wrap="square" rtlCol="0">
-            <a:spAutoFit/>
-          </a:bodyPr>
-          <a:lstStyle/>
-          <a:p>
-            <a:r>
-              <a:rPr lang="en-US" dirty="0"/>
-              <a:t>Duration: 75 minutes</a:t>
+          <a:p>
+            <a:pPr lvl="1"/>
+            <a:r>
+              <a:rPr lang="en-US" dirty="0" err="1"/>
+              <a:t>access_log</a:t>
+            </a:r>
+            <a:r>
+              <a:rPr lang="en-US" dirty="0"/>
+              <a:t>: web access log, </a:t>
+            </a:r>
+            <a:r>
+              <a:rPr lang="en-US" i="1" dirty="0" err="1"/>
+              <a:t>access_combined</a:t>
+            </a:r>
+            <a:r>
+              <a:rPr lang="en-US" dirty="0"/>
+              <a:t> source type</a:t>
+            </a:r>
+          </a:p>
+          <a:p>
+            <a:pPr lvl="1"/>
+            <a:r>
+              <a:rPr lang="en-US" dirty="0" err="1"/>
+              <a:t>app_log</a:t>
+            </a:r>
+            <a:r>
+              <a:rPr lang="en-US" dirty="0"/>
+              <a:t>: application log, </a:t>
+            </a:r>
+            <a:r>
+              <a:rPr lang="en-US" i="1" dirty="0"/>
+              <a:t>log4j</a:t>
+            </a:r>
+            <a:r>
+              <a:rPr lang="en-US" dirty="0"/>
+              <a:t> source type</a:t>
+            </a:r>
+          </a:p>
+          <a:p>
+            <a:pPr lvl="1"/>
+            <a:r>
+              <a:rPr lang="en-US" dirty="0" err="1"/>
+              <a:t>hvac_log</a:t>
+            </a:r>
+            <a:r>
+              <a:rPr lang="en-US" dirty="0"/>
+              <a:t>: csv sensor data, </a:t>
+            </a:r>
+            <a:r>
+              <a:rPr lang="en-US" i="1" dirty="0" err="1"/>
+              <a:t>metrics_csv</a:t>
+            </a:r>
+            <a:r>
+              <a:rPr lang="en-US" dirty="0"/>
+              <a:t> source type</a:t>
             </a:r>
           </a:p>
         </p:txBody>
@@ -9540,13 +10214,20 @@
     </p:spTree>
     <p:extLst>
       <p:ext uri="{BB962C8B-B14F-4D97-AF65-F5344CB8AC3E}">
-        <p14:creationId xmlns:p14="http://schemas.microsoft.com/office/powerpoint/2010/main" val="2325238875"/>
+        <p14:creationId xmlns:p14="http://schemas.microsoft.com/office/powerpoint/2010/main" val="1841560818"/>
       </p:ext>
     </p:extLst>
   </p:cSld>
   <p:clrMapOvr>
     <a:masterClrMapping/>
   </p:clrMapOvr>
+  <p:timing>
+    <p:tnLst>
+      <p:par>
+        <p:cTn id="1" dur="indefinite" restart="never" nodeType="tmRoot"/>
+      </p:par>
+    </p:tnLst>
+  </p:timing>
 </p:sld>
 </file>
 
@@ -9569,7 +10250,7 @@
       </p:grpSpPr>
       <p:sp>
         <p:nvSpPr>
-          <p:cNvPr id="4" name="Title 3"/>
+          <p:cNvPr id="2" name="Title 1"/>
           <p:cNvSpPr>
             <a:spLocks noGrp="1"/>
           </p:cNvSpPr>
@@ -9584,21 +10265,810 @@
           <a:p>
             <a:r>
               <a:rPr lang="en-US" dirty="0"/>
-              <a:t>Module 3: Building an Application</a:t>
-            </a:r>
-          </a:p>
-        </p:txBody>
-      </p:sp>
+              <a:t>Lab 2: Getting Data In</a:t>
+            </a:r>
+          </a:p>
+        </p:txBody>
+      </p:sp>
+      <p:sp>
+        <p:nvSpPr>
+          <p:cNvPr id="7" name="Content Placeholder 6"/>
+          <p:cNvSpPr>
+            <a:spLocks noGrp="1"/>
+          </p:cNvSpPr>
+          <p:nvPr>
+            <p:ph idx="1"/>
+          </p:nvPr>
+        </p:nvSpPr>
+        <p:spPr/>
+        <p:txBody>
+          <a:bodyPr/>
+          <a:lstStyle/>
+          <a:p>
+            <a:r>
+              <a:rPr lang="en-US" sz="2000" dirty="0"/>
+              <a:t>Indexing files and directories p 386</a:t>
+            </a:r>
+          </a:p>
+          <a:p>
+            <a:r>
+              <a:rPr lang="en-US" sz="2000" dirty="0"/>
+              <a:t>Getting data through network ports p 394</a:t>
+            </a:r>
+          </a:p>
+          <a:p>
+            <a:r>
+              <a:rPr lang="en-US" sz="2000" dirty="0"/>
+              <a:t>Using scripted inputs p 398</a:t>
+            </a:r>
+          </a:p>
+          <a:p>
+            <a:r>
+              <a:rPr lang="en-US" sz="2000" dirty="0"/>
+              <a:t>Receiving data using the HTTP Event Collector p 410</a:t>
+            </a:r>
+          </a:p>
+          <a:p>
+            <a:r>
+              <a:rPr lang="en-US" sz="2000" dirty="0"/>
+              <a:t>Loading the sample data for this book p 421</a:t>
+            </a:r>
+          </a:p>
+          <a:p>
+            <a:r>
+              <a:rPr lang="en-US" sz="2000" dirty="0"/>
+              <a:t>Defining field extractions p 426</a:t>
+            </a:r>
+          </a:p>
+          <a:p>
+            <a:r>
+              <a:rPr lang="en-US" sz="2000" dirty="0"/>
+              <a:t>Defining event types and tags p 429</a:t>
+            </a:r>
+          </a:p>
+          <a:p>
+            <a:r>
+              <a:rPr lang="en-US" sz="2000" dirty="0"/>
+              <a:t>Installing the Machine Learning Toolkit p 432</a:t>
+            </a:r>
+          </a:p>
+        </p:txBody>
+      </p:sp>
+      <p:sp>
+        <p:nvSpPr>
+          <p:cNvPr id="4" name="Slide Number Placeholder 3"/>
+          <p:cNvSpPr>
+            <a:spLocks noGrp="1"/>
+          </p:cNvSpPr>
+          <p:nvPr>
+            <p:ph type="sldNum" sz="quarter" idx="4294967295"/>
+          </p:nvPr>
+        </p:nvSpPr>
+        <p:spPr>
+          <a:xfrm>
+            <a:off x="9900458" y="6459785"/>
+            <a:ext cx="1312025" cy="365125"/>
+          </a:xfrm>
+          <a:prstGeom prst="rect">
+            <a:avLst/>
+          </a:prstGeom>
+        </p:spPr>
+        <p:txBody>
+          <a:bodyPr/>
+          <a:lstStyle/>
+          <a:p>
+            <a:fld id="{6113E31D-E2AB-40D1-8B51-AFA5AFEF393A}" type="slidenum">
+              <a:rPr lang="en-US" smtClean="0"/>
+              <a:t>41</a:t>
+            </a:fld>
+            <a:endParaRPr lang="en-US" dirty="0"/>
+          </a:p>
+        </p:txBody>
+      </p:sp>
+      <p:sp>
+        <p:nvSpPr>
+          <p:cNvPr id="8" name="TextBox 7"/>
+          <p:cNvSpPr txBox="1"/>
+          <p:nvPr/>
+        </p:nvSpPr>
+        <p:spPr>
+          <a:xfrm>
+            <a:off x="1097280" y="1308100"/>
+            <a:ext cx="6096000" cy="381000"/>
+          </a:xfrm>
+          <a:prstGeom prst="rect">
+            <a:avLst/>
+          </a:prstGeom>
+          <a:noFill/>
+        </p:spPr>
+        <p:txBody>
+          <a:bodyPr wrap="square" rtlCol="0">
+            <a:spAutoFit/>
+          </a:bodyPr>
+          <a:lstStyle/>
+          <a:p>
+            <a:r>
+              <a:rPr lang="en-US" dirty="0"/>
+              <a:t>Duration: 75 minutes</a:t>
+            </a:r>
+          </a:p>
+        </p:txBody>
+      </p:sp>
+      <p:sp>
+        <p:nvSpPr>
+          <p:cNvPr id="6" name="Rectangle 5"/>
+          <p:cNvSpPr>
+            <a:spLocks noChangeArrowheads="1"/>
+          </p:cNvSpPr>
+          <p:nvPr/>
+        </p:nvSpPr>
+        <p:spPr bwMode="auto">
+          <a:xfrm>
+            <a:off x="0" y="0"/>
+            <a:ext cx="12192000" cy="6858000"/>
+          </a:xfrm>
+          <a:prstGeom prst="rect">
+            <a:avLst/>
+          </a:prstGeom>
+          <a:solidFill>
+            <a:srgbClr val="FFFFFF">
+              <a:alpha val="50195"/>
+            </a:srgbClr>
+          </a:solidFill>
+          <a:ln>
+            <a:noFill/>
+          </a:ln>
+          <a:effectLst>
+            <a:outerShdw dist="53882" dir="2700000" algn="ctr" rotWithShape="0">
+              <a:srgbClr val="919191">
+                <a:alpha val="50000"/>
+              </a:srgbClr>
+            </a:outerShdw>
+          </a:effectLst>
+          <a:extLst>
+            <a:ext uri="{91240B29-F687-4F45-9708-019B960494DF}">
+              <a14:hiddenLine xmlns:a14="http://schemas.microsoft.com/office/drawing/2010/main" w="9525" algn="ctr">
+                <a:solidFill>
+                  <a:srgbClr val="000000"/>
+                </a:solidFill>
+                <a:miter lim="800000"/>
+                <a:headEnd/>
+                <a:tailEnd/>
+              </a14:hiddenLine>
+            </a:ext>
+          </a:extLst>
+        </p:spPr>
+        <p:txBody>
+          <a:bodyPr wrap="none" anchor="ctr"/>
+          <a:lstStyle>
+            <a:lvl1pPr>
+              <a:defRPr b="1">
+                <a:solidFill>
+                  <a:schemeClr val="tx1"/>
+                </a:solidFill>
+                <a:latin typeface="Verdana" panose="020B0604030504040204" pitchFamily="34" charset="0"/>
+              </a:defRPr>
+            </a:lvl1pPr>
+            <a:lvl2pPr marL="742950" indent="-285750">
+              <a:defRPr b="1">
+                <a:solidFill>
+                  <a:schemeClr val="tx1"/>
+                </a:solidFill>
+                <a:latin typeface="Verdana" panose="020B0604030504040204" pitchFamily="34" charset="0"/>
+              </a:defRPr>
+            </a:lvl2pPr>
+            <a:lvl3pPr marL="1143000" indent="-228600">
+              <a:defRPr b="1">
+                <a:solidFill>
+                  <a:schemeClr val="tx1"/>
+                </a:solidFill>
+                <a:latin typeface="Verdana" panose="020B0604030504040204" pitchFamily="34" charset="0"/>
+              </a:defRPr>
+            </a:lvl3pPr>
+            <a:lvl4pPr marL="1600200" indent="-228600">
+              <a:defRPr b="1">
+                <a:solidFill>
+                  <a:schemeClr val="tx1"/>
+                </a:solidFill>
+                <a:latin typeface="Verdana" panose="020B0604030504040204" pitchFamily="34" charset="0"/>
+              </a:defRPr>
+            </a:lvl4pPr>
+            <a:lvl5pPr marL="2057400" indent="-228600">
+              <a:defRPr b="1">
+                <a:solidFill>
+                  <a:schemeClr val="tx1"/>
+                </a:solidFill>
+                <a:latin typeface="Verdana" panose="020B0604030504040204" pitchFamily="34" charset="0"/>
+              </a:defRPr>
+            </a:lvl5pPr>
+            <a:lvl6pPr marL="2514600" indent="-228600" eaLnBrk="0" fontAlgn="base" hangingPunct="0">
+              <a:spcBef>
+                <a:spcPct val="0"/>
+              </a:spcBef>
+              <a:spcAft>
+                <a:spcPct val="0"/>
+              </a:spcAft>
+              <a:defRPr b="1">
+                <a:solidFill>
+                  <a:schemeClr val="tx1"/>
+                </a:solidFill>
+                <a:latin typeface="Verdana" panose="020B0604030504040204" pitchFamily="34" charset="0"/>
+              </a:defRPr>
+            </a:lvl6pPr>
+            <a:lvl7pPr marL="2971800" indent="-228600" eaLnBrk="0" fontAlgn="base" hangingPunct="0">
+              <a:spcBef>
+                <a:spcPct val="0"/>
+              </a:spcBef>
+              <a:spcAft>
+                <a:spcPct val="0"/>
+              </a:spcAft>
+              <a:defRPr b="1">
+                <a:solidFill>
+                  <a:schemeClr val="tx1"/>
+                </a:solidFill>
+                <a:latin typeface="Verdana" panose="020B0604030504040204" pitchFamily="34" charset="0"/>
+              </a:defRPr>
+            </a:lvl7pPr>
+            <a:lvl8pPr marL="3429000" indent="-228600" eaLnBrk="0" fontAlgn="base" hangingPunct="0">
+              <a:spcBef>
+                <a:spcPct val="0"/>
+              </a:spcBef>
+              <a:spcAft>
+                <a:spcPct val="0"/>
+              </a:spcAft>
+              <a:defRPr b="1">
+                <a:solidFill>
+                  <a:schemeClr val="tx1"/>
+                </a:solidFill>
+                <a:latin typeface="Verdana" panose="020B0604030504040204" pitchFamily="34" charset="0"/>
+              </a:defRPr>
+            </a:lvl8pPr>
+            <a:lvl9pPr marL="3886200" indent="-228600" eaLnBrk="0" fontAlgn="base" hangingPunct="0">
+              <a:spcBef>
+                <a:spcPct val="0"/>
+              </a:spcBef>
+              <a:spcAft>
+                <a:spcPct val="0"/>
+              </a:spcAft>
+              <a:defRPr b="1">
+                <a:solidFill>
+                  <a:schemeClr val="tx1"/>
+                </a:solidFill>
+                <a:latin typeface="Verdana" panose="020B0604030504040204" pitchFamily="34" charset="0"/>
+              </a:defRPr>
+            </a:lvl9pPr>
+          </a:lstStyle>
+          <a:p>
+            <a:pPr algn="ctr"/>
+            <a:endParaRPr lang="en-US" altLang="en-US"/>
+          </a:p>
+        </p:txBody>
+      </p:sp>
+      <p:sp>
+        <p:nvSpPr>
+          <p:cNvPr id="9" name="Rectangle 6"/>
+          <p:cNvSpPr>
+            <a:spLocks noChangeArrowheads="1"/>
+          </p:cNvSpPr>
+          <p:nvPr/>
+        </p:nvSpPr>
+        <p:spPr bwMode="auto">
+          <a:xfrm>
+            <a:off x="492125" y="5038725"/>
+            <a:ext cx="4094163" cy="1589088"/>
+          </a:xfrm>
+          <a:prstGeom prst="rect">
+            <a:avLst/>
+          </a:prstGeom>
+          <a:solidFill>
+            <a:srgbClr val="FFFFFF"/>
+          </a:solidFill>
+          <a:ln w="9525" algn="ctr">
+            <a:solidFill>
+              <a:schemeClr val="bg2"/>
+            </a:solidFill>
+            <a:miter lim="800000"/>
+            <a:headEnd/>
+            <a:tailEnd/>
+          </a:ln>
+          <a:effectLst>
+            <a:outerShdw dist="53882" dir="2700000" algn="ctr" rotWithShape="0">
+              <a:srgbClr val="919191">
+                <a:alpha val="50000"/>
+              </a:srgbClr>
+            </a:outerShdw>
+          </a:effectLst>
+        </p:spPr>
+        <p:txBody>
+          <a:bodyPr anchor="ctr"/>
+          <a:lstStyle>
+            <a:lvl1pPr>
+              <a:defRPr b="1">
+                <a:solidFill>
+                  <a:schemeClr val="tx1"/>
+                </a:solidFill>
+                <a:latin typeface="Verdana" panose="020B0604030504040204" pitchFamily="34" charset="0"/>
+              </a:defRPr>
+            </a:lvl1pPr>
+            <a:lvl2pPr marL="742950" indent="-285750">
+              <a:defRPr b="1">
+                <a:solidFill>
+                  <a:schemeClr val="tx1"/>
+                </a:solidFill>
+                <a:latin typeface="Verdana" panose="020B0604030504040204" pitchFamily="34" charset="0"/>
+              </a:defRPr>
+            </a:lvl2pPr>
+            <a:lvl3pPr marL="1143000" indent="-228600">
+              <a:defRPr b="1">
+                <a:solidFill>
+                  <a:schemeClr val="tx1"/>
+                </a:solidFill>
+                <a:latin typeface="Verdana" panose="020B0604030504040204" pitchFamily="34" charset="0"/>
+              </a:defRPr>
+            </a:lvl3pPr>
+            <a:lvl4pPr marL="1600200" indent="-228600">
+              <a:defRPr b="1">
+                <a:solidFill>
+                  <a:schemeClr val="tx1"/>
+                </a:solidFill>
+                <a:latin typeface="Verdana" panose="020B0604030504040204" pitchFamily="34" charset="0"/>
+              </a:defRPr>
+            </a:lvl4pPr>
+            <a:lvl5pPr marL="2057400" indent="-228600">
+              <a:defRPr b="1">
+                <a:solidFill>
+                  <a:schemeClr val="tx1"/>
+                </a:solidFill>
+                <a:latin typeface="Verdana" panose="020B0604030504040204" pitchFamily="34" charset="0"/>
+              </a:defRPr>
+            </a:lvl5pPr>
+            <a:lvl6pPr marL="2514600" indent="-228600" eaLnBrk="0" fontAlgn="base" hangingPunct="0">
+              <a:spcBef>
+                <a:spcPct val="0"/>
+              </a:spcBef>
+              <a:spcAft>
+                <a:spcPct val="0"/>
+              </a:spcAft>
+              <a:defRPr b="1">
+                <a:solidFill>
+                  <a:schemeClr val="tx1"/>
+                </a:solidFill>
+                <a:latin typeface="Verdana" panose="020B0604030504040204" pitchFamily="34" charset="0"/>
+              </a:defRPr>
+            </a:lvl6pPr>
+            <a:lvl7pPr marL="2971800" indent="-228600" eaLnBrk="0" fontAlgn="base" hangingPunct="0">
+              <a:spcBef>
+                <a:spcPct val="0"/>
+              </a:spcBef>
+              <a:spcAft>
+                <a:spcPct val="0"/>
+              </a:spcAft>
+              <a:defRPr b="1">
+                <a:solidFill>
+                  <a:schemeClr val="tx1"/>
+                </a:solidFill>
+                <a:latin typeface="Verdana" panose="020B0604030504040204" pitchFamily="34" charset="0"/>
+              </a:defRPr>
+            </a:lvl7pPr>
+            <a:lvl8pPr marL="3429000" indent="-228600" eaLnBrk="0" fontAlgn="base" hangingPunct="0">
+              <a:spcBef>
+                <a:spcPct val="0"/>
+              </a:spcBef>
+              <a:spcAft>
+                <a:spcPct val="0"/>
+              </a:spcAft>
+              <a:defRPr b="1">
+                <a:solidFill>
+                  <a:schemeClr val="tx1"/>
+                </a:solidFill>
+                <a:latin typeface="Verdana" panose="020B0604030504040204" pitchFamily="34" charset="0"/>
+              </a:defRPr>
+            </a:lvl8pPr>
+            <a:lvl9pPr marL="3886200" indent="-228600" eaLnBrk="0" fontAlgn="base" hangingPunct="0">
+              <a:spcBef>
+                <a:spcPct val="0"/>
+              </a:spcBef>
+              <a:spcAft>
+                <a:spcPct val="0"/>
+              </a:spcAft>
+              <a:defRPr b="1">
+                <a:solidFill>
+                  <a:schemeClr val="tx1"/>
+                </a:solidFill>
+                <a:latin typeface="Verdana" panose="020B0604030504040204" pitchFamily="34" charset="0"/>
+              </a:defRPr>
+            </a:lvl9pPr>
+          </a:lstStyle>
+          <a:p>
+            <a:pPr algn="ctr"/>
+            <a:r>
+              <a:rPr lang="en-US" altLang="en-US">
+                <a:solidFill>
+                  <a:srgbClr val="000000"/>
+                </a:solidFill>
+              </a:rPr>
+              <a:t>Questions? Comments?</a:t>
+            </a:r>
+          </a:p>
+          <a:p>
+            <a:pPr algn="ctr"/>
+            <a:r>
+              <a:rPr lang="en-US" altLang="en-US">
+                <a:solidFill>
+                  <a:srgbClr val="000000"/>
+                </a:solidFill>
+              </a:rPr>
+              <a:t>Dan’s e-mail: </a:t>
+            </a:r>
+            <a:r>
+              <a:rPr lang="en-US" altLang="en-US">
+                <a:solidFill>
+                  <a:srgbClr val="000000"/>
+                </a:solidFill>
+                <a:hlinkClick r:id="rId2"/>
+              </a:rPr>
+              <a:t>danc@onlc.com</a:t>
+            </a:r>
+            <a:endParaRPr lang="en-US" altLang="en-US">
+              <a:solidFill>
+                <a:srgbClr val="000000"/>
+              </a:solidFill>
+            </a:endParaRPr>
+          </a:p>
+          <a:p>
+            <a:pPr algn="ctr"/>
+            <a:r>
+              <a:rPr lang="en-US" altLang="en-US">
+                <a:solidFill>
+                  <a:srgbClr val="000000"/>
+                </a:solidFill>
+              </a:rPr>
+              <a:t>Dan’s cell #: (413) 455-0856</a:t>
+            </a:r>
+          </a:p>
+        </p:txBody>
+      </p:sp>
+      <p:sp>
+        <p:nvSpPr>
+          <p:cNvPr id="10" name="WordArt 3"/>
+          <p:cNvSpPr>
+            <a:spLocks noChangeArrowheads="1" noChangeShapeType="1" noTextEdit="1"/>
+          </p:cNvSpPr>
+          <p:nvPr/>
+        </p:nvSpPr>
+        <p:spPr bwMode="auto">
+          <a:xfrm>
+            <a:off x="955675" y="977900"/>
+            <a:ext cx="3167063" cy="2616200"/>
+          </a:xfrm>
+          <a:prstGeom prst="rect">
+            <a:avLst/>
+          </a:prstGeom>
+        </p:spPr>
+        <p:txBody>
+          <a:bodyPr wrap="none" fromWordArt="1">
+            <a:prstTxWarp prst="textSlantUp">
+              <a:avLst>
+                <a:gd name="adj" fmla="val 9014"/>
+              </a:avLst>
+            </a:prstTxWarp>
+          </a:bodyPr>
+          <a:lstStyle/>
+          <a:p>
+            <a:pPr algn="ctr"/>
+            <a:r>
+              <a:rPr lang="en-US" sz="3600" kern="10" dirty="0" smtClean="0">
+                <a:ln w="9525">
+                  <a:solidFill>
+                    <a:srgbClr val="CC99FF"/>
+                  </a:solidFill>
+                  <a:round/>
+                  <a:headEnd/>
+                  <a:tailEnd/>
+                </a:ln>
+                <a:gradFill rotWithShape="1">
+                  <a:gsLst>
+                    <a:gs pos="0">
+                      <a:srgbClr val="6600CC"/>
+                    </a:gs>
+                    <a:gs pos="100000">
+                      <a:srgbClr val="CC00CC"/>
+                    </a:gs>
+                  </a:gsLst>
+                  <a:lin ang="5400000" scaled="1"/>
+                </a:gradFill>
+                <a:effectLst>
+                  <a:outerShdw dist="53882" dir="2700000" algn="ctr" rotWithShape="0">
+                    <a:srgbClr val="9999FF">
+                      <a:alpha val="79999"/>
+                    </a:srgbClr>
+                  </a:outerShdw>
+                </a:effectLst>
+                <a:latin typeface="Impact" panose="020B0806030902050204" pitchFamily="34" charset="0"/>
+              </a:rPr>
+              <a:t>Lunch: 12:25-13:25</a:t>
+            </a:r>
+          </a:p>
+          <a:p>
+            <a:pPr algn="ctr"/>
+            <a:r>
+              <a:rPr lang="en-US" sz="3600" kern="10" dirty="0" smtClean="0">
+                <a:ln w="9525">
+                  <a:solidFill>
+                    <a:srgbClr val="CC99FF"/>
+                  </a:solidFill>
+                  <a:round/>
+                  <a:headEnd/>
+                  <a:tailEnd/>
+                </a:ln>
+                <a:gradFill rotWithShape="1">
+                  <a:gsLst>
+                    <a:gs pos="0">
+                      <a:srgbClr val="6600CC"/>
+                    </a:gs>
+                    <a:gs pos="100000">
+                      <a:srgbClr val="CC00CC"/>
+                    </a:gs>
+                  </a:gsLst>
+                  <a:lin ang="5400000" scaled="1"/>
+                </a:gradFill>
+                <a:effectLst>
+                  <a:outerShdw dist="53882" dir="2700000" algn="ctr" rotWithShape="0">
+                    <a:srgbClr val="9999FF">
+                      <a:alpha val="79999"/>
+                    </a:srgbClr>
+                  </a:outerShdw>
+                </a:effectLst>
+                <a:latin typeface="Impact" panose="020B0806030902050204" pitchFamily="34" charset="0"/>
+              </a:rPr>
+              <a:t>Lab: 13:25-14:40</a:t>
+            </a:r>
+          </a:p>
+          <a:p>
+            <a:pPr algn="ctr"/>
+            <a:r>
+              <a:rPr lang="en-US" sz="3600" kern="10" dirty="0" smtClean="0">
+                <a:ln w="9525">
+                  <a:solidFill>
+                    <a:srgbClr val="CC99FF"/>
+                  </a:solidFill>
+                  <a:round/>
+                  <a:headEnd/>
+                  <a:tailEnd/>
+                </a:ln>
+                <a:gradFill rotWithShape="1">
+                  <a:gsLst>
+                    <a:gs pos="0">
+                      <a:srgbClr val="6600CC"/>
+                    </a:gs>
+                    <a:gs pos="100000">
+                      <a:srgbClr val="CC00CC"/>
+                    </a:gs>
+                  </a:gsLst>
+                  <a:lin ang="5400000" scaled="1"/>
+                </a:gradFill>
+                <a:effectLst>
+                  <a:outerShdw dist="53882" dir="2700000" algn="ctr" rotWithShape="0">
+                    <a:srgbClr val="9999FF">
+                      <a:alpha val="79999"/>
+                    </a:srgbClr>
+                  </a:outerShdw>
+                </a:effectLst>
+                <a:latin typeface="Impact" panose="020B0806030902050204" pitchFamily="34" charset="0"/>
+              </a:rPr>
+              <a:t>P.M. Break: 14:40-14:55</a:t>
+            </a:r>
+            <a:endParaRPr lang="en-US" sz="3600" kern="10" dirty="0">
+              <a:ln w="9525">
+                <a:solidFill>
+                  <a:srgbClr val="CC99FF"/>
+                </a:solidFill>
+                <a:round/>
+                <a:headEnd/>
+                <a:tailEnd/>
+              </a:ln>
+              <a:gradFill rotWithShape="1">
+                <a:gsLst>
+                  <a:gs pos="0">
+                    <a:srgbClr val="6600CC"/>
+                  </a:gs>
+                  <a:gs pos="100000">
+                    <a:srgbClr val="CC00CC"/>
+                  </a:gs>
+                </a:gsLst>
+                <a:lin ang="5400000" scaled="1"/>
+              </a:gradFill>
+              <a:effectLst>
+                <a:outerShdw dist="53882" dir="2700000" algn="ctr" rotWithShape="0">
+                  <a:srgbClr val="9999FF">
+                    <a:alpha val="79999"/>
+                  </a:srgbClr>
+                </a:outerShdw>
+              </a:effectLst>
+              <a:latin typeface="Impact" panose="020B0806030902050204" pitchFamily="34" charset="0"/>
+            </a:endParaRPr>
+          </a:p>
+        </p:txBody>
+      </p:sp>
+      <p:pic>
+        <p:nvPicPr>
+          <p:cNvPr id="11" name="Picture 5" descr="j0305257"/>
+          <p:cNvPicPr>
+            <a:picLocks noChangeAspect="1" noChangeArrowheads="1"/>
+          </p:cNvPicPr>
+          <p:nvPr/>
+        </p:nvPicPr>
+        <p:blipFill>
+          <a:blip r:embed="rId3">
+            <a:extLst>
+              <a:ext uri="{28A0092B-C50C-407E-A947-70E740481C1C}">
+                <a14:useLocalDpi xmlns:a14="http://schemas.microsoft.com/office/drawing/2010/main" val="0"/>
+              </a:ext>
+            </a:extLst>
+          </a:blip>
+          <a:srcRect/>
+          <a:stretch>
+            <a:fillRect/>
+          </a:stretch>
+        </p:blipFill>
+        <p:spPr bwMode="auto">
+          <a:xfrm>
+            <a:off x="10058400" y="2127250"/>
+            <a:ext cx="1568450" cy="2520950"/>
+          </a:xfrm>
+          <a:prstGeom prst="rect">
+            <a:avLst/>
+          </a:prstGeom>
+          <a:noFill/>
+          <a:ln>
+            <a:noFill/>
+          </a:ln>
+          <a:extLst>
+            <a:ext uri="{909E8E84-426E-40DD-AFC4-6F175D3DCCD1}">
+              <a14:hiddenFill xmlns:a14="http://schemas.microsoft.com/office/drawing/2010/main">
+                <a:solidFill>
+                  <a:srgbClr val="FFFFFF"/>
+                </a:solidFill>
+              </a14:hiddenFill>
+            </a:ext>
+            <a:ext uri="{91240B29-F687-4F45-9708-019B960494DF}">
+              <a14:hiddenLine xmlns:a14="http://schemas.microsoft.com/office/drawing/2010/main" w="9525">
+                <a:solidFill>
+                  <a:srgbClr val="000000"/>
+                </a:solidFill>
+                <a:miter lim="800000"/>
+                <a:headEnd/>
+                <a:tailEnd/>
+              </a14:hiddenLine>
+            </a:ext>
+          </a:extLst>
+        </p:spPr>
+      </p:pic>
+      <p:pic>
+        <p:nvPicPr>
+          <p:cNvPr id="12" name="Picture 6" descr="MCj02320440000[1]"/>
+          <p:cNvPicPr>
+            <a:picLocks noChangeAspect="1" noChangeArrowheads="1"/>
+          </p:cNvPicPr>
+          <p:nvPr/>
+        </p:nvPicPr>
+        <p:blipFill>
+          <a:blip r:embed="rId4">
+            <a:extLst>
+              <a:ext uri="{28A0092B-C50C-407E-A947-70E740481C1C}">
+                <a14:useLocalDpi xmlns:a14="http://schemas.microsoft.com/office/drawing/2010/main" val="0"/>
+              </a:ext>
+            </a:extLst>
+          </a:blip>
+          <a:srcRect/>
+          <a:stretch>
+            <a:fillRect/>
+          </a:stretch>
+        </p:blipFill>
+        <p:spPr bwMode="auto">
+          <a:xfrm>
+            <a:off x="9828213" y="217488"/>
+            <a:ext cx="1951037" cy="1936750"/>
+          </a:xfrm>
+          <a:prstGeom prst="rect">
+            <a:avLst/>
+          </a:prstGeom>
+          <a:noFill/>
+          <a:ln>
+            <a:noFill/>
+          </a:ln>
+          <a:extLst>
+            <a:ext uri="{909E8E84-426E-40DD-AFC4-6F175D3DCCD1}">
+              <a14:hiddenFill xmlns:a14="http://schemas.microsoft.com/office/drawing/2010/main">
+                <a:solidFill>
+                  <a:srgbClr val="FFFFFF"/>
+                </a:solidFill>
+              </a14:hiddenFill>
+            </a:ext>
+            <a:ext uri="{91240B29-F687-4F45-9708-019B960494DF}">
+              <a14:hiddenLine xmlns:a14="http://schemas.microsoft.com/office/drawing/2010/main" w="9525">
+                <a:solidFill>
+                  <a:srgbClr val="000000"/>
+                </a:solidFill>
+                <a:miter lim="800000"/>
+                <a:headEnd/>
+                <a:tailEnd/>
+              </a14:hiddenLine>
+            </a:ext>
+          </a:extLst>
+        </p:spPr>
+      </p:pic>
+      <p:pic>
+        <p:nvPicPr>
+          <p:cNvPr id="13" name="Picture 7" descr="MCj04315630000[1]"/>
+          <p:cNvPicPr>
+            <a:picLocks noChangeAspect="1" noChangeArrowheads="1"/>
+          </p:cNvPicPr>
+          <p:nvPr/>
+        </p:nvPicPr>
+        <p:blipFill>
+          <a:blip r:embed="rId5">
+            <a:extLst>
+              <a:ext uri="{28A0092B-C50C-407E-A947-70E740481C1C}">
+                <a14:useLocalDpi xmlns:a14="http://schemas.microsoft.com/office/drawing/2010/main" val="0"/>
+              </a:ext>
+            </a:extLst>
+          </a:blip>
+          <a:srcRect/>
+          <a:stretch>
+            <a:fillRect/>
+          </a:stretch>
+        </p:blipFill>
+        <p:spPr bwMode="auto">
+          <a:xfrm>
+            <a:off x="9593263" y="4478557"/>
+            <a:ext cx="2124075" cy="2138362"/>
+          </a:xfrm>
+          <a:prstGeom prst="rect">
+            <a:avLst/>
+          </a:prstGeom>
+          <a:noFill/>
+          <a:ln>
+            <a:noFill/>
+          </a:ln>
+          <a:extLst>
+            <a:ext uri="{909E8E84-426E-40DD-AFC4-6F175D3DCCD1}">
+              <a14:hiddenFill xmlns:a14="http://schemas.microsoft.com/office/drawing/2010/main">
+                <a:solidFill>
+                  <a:srgbClr val="FFFFFF"/>
+                </a:solidFill>
+              </a14:hiddenFill>
+            </a:ext>
+            <a:ext uri="{91240B29-F687-4F45-9708-019B960494DF}">
+              <a14:hiddenLine xmlns:a14="http://schemas.microsoft.com/office/drawing/2010/main" w="9525">
+                <a:solidFill>
+                  <a:srgbClr val="000000"/>
+                </a:solidFill>
+                <a:miter lim="800000"/>
+                <a:headEnd/>
+                <a:tailEnd/>
+              </a14:hiddenLine>
+            </a:ext>
+          </a:extLst>
+        </p:spPr>
+      </p:pic>
     </p:spTree>
     <p:extLst>
       <p:ext uri="{BB962C8B-B14F-4D97-AF65-F5344CB8AC3E}">
-        <p14:creationId xmlns:p14="http://schemas.microsoft.com/office/powerpoint/2010/main" val="949284739"/>
+        <p14:creationId xmlns:p14="http://schemas.microsoft.com/office/powerpoint/2010/main" val="2325238875"/>
       </p:ext>
     </p:extLst>
   </p:cSld>
   <p:clrMapOvr>
     <a:masterClrMapping/>
   </p:clrMapOvr>
+  <p:timing>
+    <p:tnLst>
+      <p:par>
+        <p:cTn id="1" dur="indefinite" restart="never" nodeType="tmRoot"/>
+      </p:par>
+    </p:tnLst>
+  </p:timing>
 </p:sld>
 </file>
 
@@ -9621,6 +11091,65 @@
       </p:grpSpPr>
       <p:sp>
         <p:nvSpPr>
+          <p:cNvPr id="4" name="Title 3"/>
+          <p:cNvSpPr>
+            <a:spLocks noGrp="1"/>
+          </p:cNvSpPr>
+          <p:nvPr>
+            <p:ph type="title"/>
+          </p:nvPr>
+        </p:nvSpPr>
+        <p:spPr/>
+        <p:txBody>
+          <a:bodyPr/>
+          <a:lstStyle/>
+          <a:p>
+            <a:r>
+              <a:rPr lang="en-US" dirty="0"/>
+              <a:t>Module 3: Building an Application</a:t>
+            </a:r>
+          </a:p>
+        </p:txBody>
+      </p:sp>
+    </p:spTree>
+    <p:extLst>
+      <p:ext uri="{BB962C8B-B14F-4D97-AF65-F5344CB8AC3E}">
+        <p14:creationId xmlns:p14="http://schemas.microsoft.com/office/powerpoint/2010/main" val="949284739"/>
+      </p:ext>
+    </p:extLst>
+  </p:cSld>
+  <p:clrMapOvr>
+    <a:masterClrMapping/>
+  </p:clrMapOvr>
+  <p:timing>
+    <p:tnLst>
+      <p:par>
+        <p:cTn id="1" dur="indefinite" restart="never" nodeType="tmRoot"/>
+      </p:par>
+    </p:tnLst>
+  </p:timing>
+</p:sld>
+</file>
+
+<file path=ppt/slides/slide43.xml><?xml version="1.0" encoding="utf-8"?>
+<p:sld xmlns:a="http://schemas.openxmlformats.org/drawingml/2006/main" xmlns:r="http://schemas.openxmlformats.org/officeDocument/2006/relationships" xmlns:p="http://schemas.openxmlformats.org/presentationml/2006/main">
+  <p:cSld>
+    <p:spTree>
+      <p:nvGrpSpPr>
+        <p:cNvPr id="1" name=""/>
+        <p:cNvGrpSpPr/>
+        <p:nvPr/>
+      </p:nvGrpSpPr>
+      <p:grpSpPr>
+        <a:xfrm>
+          <a:off x="0" y="0"/>
+          <a:ext cx="0" cy="0"/>
+          <a:chOff x="0" y="0"/>
+          <a:chExt cx="0" cy="0"/>
+        </a:xfrm>
+      </p:grpSpPr>
+      <p:sp>
+        <p:nvSpPr>
           <p:cNvPr id="3" name="Title 2"/>
           <p:cNvSpPr>
             <a:spLocks noGrp="1"/>
@@ -9727,10 +11256,17 @@
   <p:clrMapOvr>
     <a:masterClrMapping/>
   </p:clrMapOvr>
+  <p:timing>
+    <p:tnLst>
+      <p:par>
+        <p:cTn id="1" dur="indefinite" restart="never" nodeType="tmRoot"/>
+      </p:par>
+    </p:tnLst>
+  </p:timing>
 </p:sld>
 </file>
 
-<file path=ppt/slides/slide43.xml><?xml version="1.0" encoding="utf-8"?>
+<file path=ppt/slides/slide44.xml><?xml version="1.0" encoding="utf-8"?>
 <p:sld xmlns:a="http://schemas.openxmlformats.org/drawingml/2006/main" xmlns:r="http://schemas.openxmlformats.org/officeDocument/2006/relationships" xmlns:p="http://schemas.openxmlformats.org/presentationml/2006/main">
   <p:cSld>
     <p:spTree>
@@ -9855,10 +11391,17 @@
   <p:clrMapOvr>
     <a:masterClrMapping/>
   </p:clrMapOvr>
+  <p:timing>
+    <p:tnLst>
+      <p:par>
+        <p:cTn id="1" dur="indefinite" restart="never" nodeType="tmRoot"/>
+      </p:par>
+    </p:tnLst>
+  </p:timing>
 </p:sld>
 </file>
 
-<file path=ppt/slides/slide44.xml><?xml version="1.0" encoding="utf-8"?>
+<file path=ppt/slides/slide45.xml><?xml version="1.0" encoding="utf-8"?>
 <p:sld xmlns:a="http://schemas.openxmlformats.org/drawingml/2006/main" xmlns:r="http://schemas.openxmlformats.org/officeDocument/2006/relationships" xmlns:p="http://schemas.openxmlformats.org/presentationml/2006/main">
   <p:cSld>
     <p:spTree>
@@ -10068,10 +11611,17 @@
   <p:clrMapOvr>
     <a:masterClrMapping/>
   </p:clrMapOvr>
+  <p:timing>
+    <p:tnLst>
+      <p:par>
+        <p:cTn id="1" dur="indefinite" restart="never" nodeType="tmRoot"/>
+      </p:par>
+    </p:tnLst>
+  </p:timing>
 </p:sld>
 </file>
 
-<file path=ppt/slides/slide45.xml><?xml version="1.0" encoding="utf-8"?>
+<file path=ppt/slides/slide46.xml><?xml version="1.0" encoding="utf-8"?>
 <p:sld xmlns:a="http://schemas.openxmlformats.org/drawingml/2006/main" xmlns:r="http://schemas.openxmlformats.org/officeDocument/2006/relationships" xmlns:p="http://schemas.openxmlformats.org/presentationml/2006/main">
   <p:cSld>
     <p:spTree>
@@ -10243,10 +11793,17 @@
   <p:clrMapOvr>
     <a:masterClrMapping/>
   </p:clrMapOvr>
+  <p:timing>
+    <p:tnLst>
+      <p:par>
+        <p:cTn id="1" dur="indefinite" restart="never" nodeType="tmRoot"/>
+      </p:par>
+    </p:tnLst>
+  </p:timing>
 </p:sld>
 </file>
 
-<file path=ppt/slides/slide46.xml><?xml version="1.0" encoding="utf-8"?>
+<file path=ppt/slides/slide47.xml><?xml version="1.0" encoding="utf-8"?>
 <p:sld xmlns:a="http://schemas.openxmlformats.org/drawingml/2006/main" xmlns:r="http://schemas.openxmlformats.org/officeDocument/2006/relationships" xmlns:p="http://schemas.openxmlformats.org/presentationml/2006/main">
   <p:cSld>
     <p:spTree>
@@ -10331,10 +11888,17 @@
   <p:clrMapOvr>
     <a:masterClrMapping/>
   </p:clrMapOvr>
+  <p:timing>
+    <p:tnLst>
+      <p:par>
+        <p:cTn id="1" dur="indefinite" restart="never" nodeType="tmRoot"/>
+      </p:par>
+    </p:tnLst>
+  </p:timing>
 </p:sld>
 </file>
 
-<file path=ppt/slides/slide47.xml><?xml version="1.0" encoding="utf-8"?>
+<file path=ppt/slides/slide48.xml><?xml version="1.0" encoding="utf-8"?>
 <p:sld xmlns:a="http://schemas.openxmlformats.org/drawingml/2006/main" xmlns:r="http://schemas.openxmlformats.org/officeDocument/2006/relationships" xmlns:p="http://schemas.openxmlformats.org/presentationml/2006/main">
   <p:cSld>
     <p:spTree>
@@ -10483,10 +12047,17 @@
   <p:clrMapOvr>
     <a:masterClrMapping/>
   </p:clrMapOvr>
+  <p:timing>
+    <p:tnLst>
+      <p:par>
+        <p:cTn id="1" dur="indefinite" restart="never" nodeType="tmRoot"/>
+      </p:par>
+    </p:tnLst>
+  </p:timing>
 </p:sld>
 </file>
 
-<file path=ppt/slides/slide48.xml><?xml version="1.0" encoding="utf-8"?>
+<file path=ppt/slides/slide49.xml><?xml version="1.0" encoding="utf-8"?>
 <p:sld xmlns:a="http://schemas.openxmlformats.org/drawingml/2006/main" xmlns:r="http://schemas.openxmlformats.org/officeDocument/2006/relationships" xmlns:p="http://schemas.openxmlformats.org/presentationml/2006/main">
   <p:cSld>
     <p:spTree>
@@ -10780,110 +12351,13 @@
   <p:clrMapOvr>
     <a:masterClrMapping/>
   </p:clrMapOvr>
-</p:sld>
-</file>
-
-<file path=ppt/slides/slide49.xml><?xml version="1.0" encoding="utf-8"?>
-<p:sld xmlns:a="http://schemas.openxmlformats.org/drawingml/2006/main" xmlns:r="http://schemas.openxmlformats.org/officeDocument/2006/relationships" xmlns:p="http://schemas.openxmlformats.org/presentationml/2006/main">
-  <p:cSld>
-    <p:spTree>
-      <p:nvGrpSpPr>
-        <p:cNvPr id="1" name=""/>
-        <p:cNvGrpSpPr/>
-        <p:nvPr/>
-      </p:nvGrpSpPr>
-      <p:grpSpPr>
-        <a:xfrm>
-          <a:off x="0" y="0"/>
-          <a:ext cx="0" cy="0"/>
-          <a:chOff x="0" y="0"/>
-          <a:chExt cx="0" cy="0"/>
-        </a:xfrm>
-      </p:grpSpPr>
-      <p:sp>
-        <p:nvSpPr>
-          <p:cNvPr id="2" name="Title 1"/>
-          <p:cNvSpPr>
-            <a:spLocks noGrp="1"/>
-          </p:cNvSpPr>
-          <p:nvPr>
-            <p:ph type="title"/>
-          </p:nvPr>
-        </p:nvSpPr>
-        <p:spPr/>
-        <p:txBody>
-          <a:bodyPr/>
-          <a:lstStyle/>
-          <a:p>
-            <a:r>
-              <a:rPr lang="en-US" dirty="0"/>
-              <a:t>Customizing Dashboards</a:t>
-            </a:r>
-          </a:p>
-        </p:txBody>
-      </p:sp>
-      <p:sp>
-        <p:nvSpPr>
-          <p:cNvPr id="3" name="Text Placeholder 2"/>
-          <p:cNvSpPr>
-            <a:spLocks noGrp="1"/>
-          </p:cNvSpPr>
-          <p:nvPr>
-            <p:ph type="body" sz="quarter" idx="10"/>
-          </p:nvPr>
-        </p:nvSpPr>
-        <p:spPr/>
-        <p:txBody>
-          <a:bodyPr/>
-          <a:lstStyle/>
-          <a:p>
-            <a:r>
-              <a:rPr lang="en-US" dirty="0"/>
-              <a:t>In the UI using the integrated editor</a:t>
-            </a:r>
-          </a:p>
-          <a:p>
-            <a:r>
-              <a:rPr lang="en-US" dirty="0"/>
-              <a:t>By directly modifying the Simple XML</a:t>
-            </a:r>
-          </a:p>
-        </p:txBody>
-      </p:sp>
-      <p:pic>
-        <p:nvPicPr>
-          <p:cNvPr id="4" name="Picture 3"/>
-          <p:cNvPicPr>
-            <a:picLocks noChangeAspect="1"/>
-          </p:cNvPicPr>
-          <p:nvPr/>
-        </p:nvPicPr>
-        <p:blipFill>
-          <a:blip r:embed="rId2"/>
-          <a:stretch>
-            <a:fillRect/>
-          </a:stretch>
-        </p:blipFill>
-        <p:spPr>
-          <a:xfrm>
-            <a:off x="4572000" y="3352800"/>
-            <a:ext cx="3810000" cy="2421971"/>
-          </a:xfrm>
-          <a:prstGeom prst="rect">
-            <a:avLst/>
-          </a:prstGeom>
-        </p:spPr>
-      </p:pic>
-    </p:spTree>
-    <p:extLst>
-      <p:ext uri="{BB962C8B-B14F-4D97-AF65-F5344CB8AC3E}">
-        <p14:creationId xmlns:p14="http://schemas.microsoft.com/office/powerpoint/2010/main" val="1155479146"/>
-      </p:ext>
-    </p:extLst>
-  </p:cSld>
-  <p:clrMapOvr>
-    <a:masterClrMapping/>
-  </p:clrMapOvr>
+  <p:timing>
+    <p:tnLst>
+      <p:par>
+        <p:cTn id="1" dur="indefinite" restart="never" nodeType="tmRoot"/>
+      </p:par>
+    </p:tnLst>
+  </p:timing>
 </p:sld>
 </file>
 
@@ -11086,10 +12560,128 @@
   <p:clrMapOvr>
     <a:masterClrMapping/>
   </p:clrMapOvr>
+  <p:timing>
+    <p:tnLst>
+      <p:par>
+        <p:cTn id="1" dur="indefinite" restart="never" nodeType="tmRoot"/>
+      </p:par>
+    </p:tnLst>
+  </p:timing>
 </p:sld>
 </file>
 
 <file path=ppt/slides/slide50.xml><?xml version="1.0" encoding="utf-8"?>
+<p:sld xmlns:a="http://schemas.openxmlformats.org/drawingml/2006/main" xmlns:r="http://schemas.openxmlformats.org/officeDocument/2006/relationships" xmlns:p="http://schemas.openxmlformats.org/presentationml/2006/main">
+  <p:cSld>
+    <p:spTree>
+      <p:nvGrpSpPr>
+        <p:cNvPr id="1" name=""/>
+        <p:cNvGrpSpPr/>
+        <p:nvPr/>
+      </p:nvGrpSpPr>
+      <p:grpSpPr>
+        <a:xfrm>
+          <a:off x="0" y="0"/>
+          <a:ext cx="0" cy="0"/>
+          <a:chOff x="0" y="0"/>
+          <a:chExt cx="0" cy="0"/>
+        </a:xfrm>
+      </p:grpSpPr>
+      <p:sp>
+        <p:nvSpPr>
+          <p:cNvPr id="2" name="Title 1"/>
+          <p:cNvSpPr>
+            <a:spLocks noGrp="1"/>
+          </p:cNvSpPr>
+          <p:nvPr>
+            <p:ph type="title"/>
+          </p:nvPr>
+        </p:nvSpPr>
+        <p:spPr/>
+        <p:txBody>
+          <a:bodyPr/>
+          <a:lstStyle/>
+          <a:p>
+            <a:r>
+              <a:rPr lang="en-US" dirty="0"/>
+              <a:t>Customizing Dashboards</a:t>
+            </a:r>
+          </a:p>
+        </p:txBody>
+      </p:sp>
+      <p:sp>
+        <p:nvSpPr>
+          <p:cNvPr id="3" name="Text Placeholder 2"/>
+          <p:cNvSpPr>
+            <a:spLocks noGrp="1"/>
+          </p:cNvSpPr>
+          <p:nvPr>
+            <p:ph type="body" sz="quarter" idx="10"/>
+          </p:nvPr>
+        </p:nvSpPr>
+        <p:spPr/>
+        <p:txBody>
+          <a:bodyPr/>
+          <a:lstStyle/>
+          <a:p>
+            <a:r>
+              <a:rPr lang="en-US" dirty="0"/>
+              <a:t>In the UI using the integrated editor</a:t>
+            </a:r>
+          </a:p>
+          <a:p>
+            <a:r>
+              <a:rPr lang="en-US" dirty="0"/>
+              <a:t>By directly modifying the Simple XML</a:t>
+            </a:r>
+          </a:p>
+        </p:txBody>
+      </p:sp>
+      <p:pic>
+        <p:nvPicPr>
+          <p:cNvPr id="4" name="Picture 3"/>
+          <p:cNvPicPr>
+            <a:picLocks noChangeAspect="1"/>
+          </p:cNvPicPr>
+          <p:nvPr/>
+        </p:nvPicPr>
+        <p:blipFill>
+          <a:blip r:embed="rId2"/>
+          <a:stretch>
+            <a:fillRect/>
+          </a:stretch>
+        </p:blipFill>
+        <p:spPr>
+          <a:xfrm>
+            <a:off x="4572000" y="3352800"/>
+            <a:ext cx="3810000" cy="2421971"/>
+          </a:xfrm>
+          <a:prstGeom prst="rect">
+            <a:avLst/>
+          </a:prstGeom>
+        </p:spPr>
+      </p:pic>
+    </p:spTree>
+    <p:extLst>
+      <p:ext uri="{BB962C8B-B14F-4D97-AF65-F5344CB8AC3E}">
+        <p14:creationId xmlns:p14="http://schemas.microsoft.com/office/powerpoint/2010/main" val="1155479146"/>
+      </p:ext>
+    </p:extLst>
+  </p:cSld>
+  <p:clrMapOvr>
+    <a:masterClrMapping/>
+  </p:clrMapOvr>
+  <p:timing>
+    <p:tnLst>
+      <p:par>
+        <p:cTn id="1" dur="indefinite" restart="never" nodeType="tmRoot"/>
+      </p:par>
+    </p:tnLst>
+  </p:timing>
+</p:sld>
+</file>
+
+<file path=ppt/slides/slide51.xml><?xml version="1.0" encoding="utf-8"?>
 <p:sld xmlns:a="http://schemas.openxmlformats.org/drawingml/2006/main" xmlns:r="http://schemas.openxmlformats.org/officeDocument/2006/relationships" xmlns:p="http://schemas.openxmlformats.org/presentationml/2006/main">
   <p:cSld>
     <p:spTree>
@@ -11275,10 +12867,17 @@
   <p:clrMapOvr>
     <a:masterClrMapping/>
   </p:clrMapOvr>
+  <p:timing>
+    <p:tnLst>
+      <p:par>
+        <p:cTn id="1" dur="indefinite" restart="never" nodeType="tmRoot"/>
+      </p:par>
+    </p:tnLst>
+  </p:timing>
 </p:sld>
 </file>
 
-<file path=ppt/slides/slide51.xml><?xml version="1.0" encoding="utf-8"?>
+<file path=ppt/slides/slide52.xml><?xml version="1.0" encoding="utf-8"?>
 <p:sld xmlns:a="http://schemas.openxmlformats.org/drawingml/2006/main" xmlns:r="http://schemas.openxmlformats.org/officeDocument/2006/relationships" xmlns:p="http://schemas.openxmlformats.org/presentationml/2006/main">
   <p:cSld>
     <p:spTree>
@@ -11408,10 +13007,17 @@
   <p:clrMapOvr>
     <a:masterClrMapping/>
   </p:clrMapOvr>
+  <p:timing>
+    <p:tnLst>
+      <p:par>
+        <p:cTn id="1" dur="indefinite" restart="never" nodeType="tmRoot"/>
+      </p:par>
+    </p:tnLst>
+  </p:timing>
 </p:sld>
 </file>
 
-<file path=ppt/slides/slide52.xml><?xml version="1.0" encoding="utf-8"?>
+<file path=ppt/slides/slide53.xml><?xml version="1.0" encoding="utf-8"?>
 <p:sld xmlns:a="http://schemas.openxmlformats.org/drawingml/2006/main" xmlns:r="http://schemas.openxmlformats.org/officeDocument/2006/relationships" xmlns:p="http://schemas.openxmlformats.org/presentationml/2006/main">
   <p:cSld>
     <p:spTree>
@@ -11503,10 +13109,17 @@
   <p:clrMapOvr>
     <a:masterClrMapping/>
   </p:clrMapOvr>
+  <p:timing>
+    <p:tnLst>
+      <p:par>
+        <p:cTn id="1" dur="indefinite" restart="never" nodeType="tmRoot"/>
+      </p:par>
+    </p:tnLst>
+  </p:timing>
 </p:sld>
 </file>
 
-<file path=ppt/slides/slide53.xml><?xml version="1.0" encoding="utf-8"?>
+<file path=ppt/slides/slide54.xml><?xml version="1.0" encoding="utf-8"?>
 <p:sld xmlns:a="http://schemas.openxmlformats.org/drawingml/2006/main" xmlns:r="http://schemas.openxmlformats.org/officeDocument/2006/relationships" xmlns:p="http://schemas.openxmlformats.org/presentationml/2006/main">
   <p:cSld>
     <p:spTree>
@@ -11665,10 +13278,17 @@
       </p:transition>
     </mc:Fallback>
   </mc:AlternateContent>
+  <p:timing>
+    <p:tnLst>
+      <p:par>
+        <p:cTn id="1" dur="indefinite" restart="never" nodeType="tmRoot"/>
+      </p:par>
+    </p:tnLst>
+  </p:timing>
 </p:sld>
 </file>
 
-<file path=ppt/slides/slide54.xml><?xml version="1.0" encoding="utf-8"?>
+<file path=ppt/slides/slide55.xml><?xml version="1.0" encoding="utf-8"?>
 <p:sld xmlns:a="http://schemas.openxmlformats.org/drawingml/2006/main" xmlns:r="http://schemas.openxmlformats.org/officeDocument/2006/relationships" xmlns:p="http://schemas.openxmlformats.org/presentationml/2006/main">
   <p:cSld>
     <p:spTree>
@@ -11847,10 +13467,17 @@
       </p:transition>
     </mc:Fallback>
   </mc:AlternateContent>
+  <p:timing>
+    <p:tnLst>
+      <p:par>
+        <p:cTn id="1" dur="indefinite" restart="never" nodeType="tmRoot"/>
+      </p:par>
+    </p:tnLst>
+  </p:timing>
 </p:sld>
 </file>
 
-<file path=ppt/slides/slide55.xml><?xml version="1.0" encoding="utf-8"?>
+<file path=ppt/slides/slide56.xml><?xml version="1.0" encoding="utf-8"?>
 <p:sld xmlns:a="http://schemas.openxmlformats.org/drawingml/2006/main" xmlns:r="http://schemas.openxmlformats.org/officeDocument/2006/relationships" xmlns:p="http://schemas.openxmlformats.org/presentationml/2006/main">
   <p:cSld>
     <p:spTree>
@@ -11971,10 +13598,17 @@
   <p:clrMapOvr>
     <a:masterClrMapping/>
   </p:clrMapOvr>
+  <p:timing>
+    <p:tnLst>
+      <p:par>
+        <p:cTn id="1" dur="indefinite" restart="never" nodeType="tmRoot"/>
+      </p:par>
+    </p:tnLst>
+  </p:timing>
 </p:sld>
 </file>
 
-<file path=ppt/slides/slide56.xml><?xml version="1.0" encoding="utf-8"?>
+<file path=ppt/slides/slide57.xml><?xml version="1.0" encoding="utf-8"?>
 <p:sld xmlns:a="http://schemas.openxmlformats.org/drawingml/2006/main" xmlns:r="http://schemas.openxmlformats.org/officeDocument/2006/relationships" xmlns:p="http://schemas.openxmlformats.org/presentationml/2006/main">
   <p:cSld>
     <p:spTree>
@@ -12121,231 +13755,13 @@
   <p:clrMapOvr>
     <a:masterClrMapping/>
   </p:clrMapOvr>
-</p:sld>
-</file>
-
-<file path=ppt/slides/slide57.xml><?xml version="1.0" encoding="utf-8"?>
-<p:sld xmlns:a="http://schemas.openxmlformats.org/drawingml/2006/main" xmlns:r="http://schemas.openxmlformats.org/officeDocument/2006/relationships" xmlns:p="http://schemas.openxmlformats.org/presentationml/2006/main">
-  <p:cSld>
-    <p:spTree>
-      <p:nvGrpSpPr>
-        <p:cNvPr id="1" name=""/>
-        <p:cNvGrpSpPr/>
-        <p:nvPr/>
-      </p:nvGrpSpPr>
-      <p:grpSpPr>
-        <a:xfrm>
-          <a:off x="0" y="0"/>
-          <a:ext cx="0" cy="0"/>
-          <a:chOff x="0" y="0"/>
-          <a:chExt cx="0" cy="0"/>
-        </a:xfrm>
-      </p:grpSpPr>
-      <p:sp>
-        <p:nvSpPr>
-          <p:cNvPr id="2" name="Title 1"/>
-          <p:cNvSpPr>
-            <a:spLocks noGrp="1"/>
-          </p:cNvSpPr>
-          <p:nvPr>
-            <p:ph type="title"/>
-          </p:nvPr>
-        </p:nvSpPr>
-        <p:spPr>
-          <a:xfrm>
-            <a:off x="1097280" y="286603"/>
-            <a:ext cx="10058400" cy="1084997"/>
-          </a:xfrm>
-        </p:spPr>
-        <p:txBody>
-          <a:bodyPr/>
-          <a:lstStyle/>
-          <a:p>
-            <a:r>
-              <a:rPr lang="en-US" dirty="0"/>
-              <a:t>Lab 3: Building an Operational Intelligence Application</a:t>
-            </a:r>
-          </a:p>
-        </p:txBody>
-      </p:sp>
-      <p:sp>
-        <p:nvSpPr>
-          <p:cNvPr id="3" name="Content Placeholder 2"/>
-          <p:cNvSpPr>
-            <a:spLocks noGrp="1"/>
-          </p:cNvSpPr>
-          <p:nvPr>
-            <p:ph idx="1"/>
-          </p:nvPr>
-        </p:nvSpPr>
-        <p:spPr/>
-        <p:txBody>
-          <a:bodyPr/>
-          <a:lstStyle/>
-          <a:p>
-            <a:r>
-              <a:rPr lang="en-US" sz="1800" dirty="0"/>
-              <a:t>Creating an Operational Intelligence application p 437</a:t>
-            </a:r>
-          </a:p>
-          <a:p>
-            <a:r>
-              <a:rPr lang="en-US" sz="1800" dirty="0"/>
-              <a:t>Adding dashboards and reports p 441</a:t>
-            </a:r>
-          </a:p>
-          <a:p>
-            <a:r>
-              <a:rPr lang="en-US" sz="1800" dirty="0"/>
-              <a:t>Organizing the dashboards more efficiently p 448</a:t>
-            </a:r>
-          </a:p>
-          <a:p>
-            <a:r>
-              <a:rPr lang="en-US" sz="1800" dirty="0"/>
-              <a:t>Dynamically drilling down on activity reports p 454</a:t>
-            </a:r>
-          </a:p>
-          <a:p>
-            <a:r>
-              <a:rPr lang="en-US" sz="1800" dirty="0"/>
-              <a:t>Creating a form to search web activities p 459</a:t>
-            </a:r>
-          </a:p>
-          <a:p>
-            <a:r>
-              <a:rPr lang="en-US" sz="1800" dirty="0"/>
-              <a:t>Linking web page activity reports to the form p 466</a:t>
-            </a:r>
-          </a:p>
-          <a:p>
-            <a:r>
-              <a:rPr lang="en-US" sz="1800" dirty="0"/>
-              <a:t>Displaying a geographical map of visitors p 471</a:t>
-            </a:r>
-          </a:p>
-          <a:p>
-            <a:r>
-              <a:rPr lang="en-US" sz="1800" dirty="0"/>
-              <a:t>Highlighting Average Product Price p 477</a:t>
-            </a:r>
-          </a:p>
-          <a:p>
-            <a:r>
-              <a:rPr lang="en-US" sz="1800" dirty="0"/>
-              <a:t>Scheduling the PDF delivery of a dashboard p 482</a:t>
-            </a:r>
-          </a:p>
-        </p:txBody>
-      </p:sp>
-      <p:sp>
-        <p:nvSpPr>
-          <p:cNvPr id="5" name="TextBox 4"/>
-          <p:cNvSpPr txBox="1"/>
-          <p:nvPr/>
-        </p:nvSpPr>
-        <p:spPr>
-          <a:xfrm>
-            <a:off x="1097280" y="1308100"/>
-            <a:ext cx="6096000" cy="381000"/>
-          </a:xfrm>
-          <a:prstGeom prst="rect">
-            <a:avLst/>
-          </a:prstGeom>
-          <a:noFill/>
-        </p:spPr>
-        <p:txBody>
-          <a:bodyPr wrap="square" rtlCol="0">
-            <a:spAutoFit/>
-          </a:bodyPr>
-          <a:lstStyle/>
-          <a:p>
-            <a:r>
-              <a:rPr lang="en-US" dirty="0"/>
-              <a:t>Duration: 75 minutes</a:t>
-            </a:r>
-          </a:p>
-        </p:txBody>
-      </p:sp>
-      <p:sp>
-        <p:nvSpPr>
-          <p:cNvPr id="6" name="Rectangle 5"/>
-          <p:cNvSpPr/>
-          <p:nvPr/>
-        </p:nvSpPr>
-        <p:spPr>
-          <a:xfrm>
-            <a:off x="8300258" y="2233943"/>
-            <a:ext cx="3200400" cy="2031325"/>
-          </a:xfrm>
-          <a:prstGeom prst="rect">
-            <a:avLst/>
-          </a:prstGeom>
-          <a:solidFill>
-            <a:schemeClr val="bg1"/>
-          </a:solidFill>
-          <a:ln>
-            <a:solidFill>
-              <a:schemeClr val="accent1"/>
-            </a:solidFill>
-          </a:ln>
-        </p:spPr>
-        <p:txBody>
-          <a:bodyPr wrap="square">
-            <a:spAutoFit/>
-          </a:bodyPr>
-          <a:lstStyle/>
-          <a:p>
-            <a:r>
-              <a:rPr lang="en-US" b="1" dirty="0">
-                <a:latin typeface="Calibri" panose="020F0502020204030204" pitchFamily="34" charset="0"/>
-              </a:rPr>
-              <a:t>NOTE:</a:t>
-            </a:r>
-            <a:r>
-              <a:rPr lang="en-US" dirty="0">
-                <a:latin typeface="Calibri" panose="020F0502020204030204" pitchFamily="34" charset="0"/>
-              </a:rPr>
-              <a:t> The lab instructions assume that the assets you will move into your application are located in the default </a:t>
-            </a:r>
-            <a:r>
-              <a:rPr lang="en-US" i="1" dirty="0">
-                <a:latin typeface="Calibri" panose="020F0502020204030204" pitchFamily="34" charset="0"/>
-              </a:rPr>
-              <a:t>Search</a:t>
-            </a:r>
-            <a:r>
-              <a:rPr lang="en-US" dirty="0">
-                <a:latin typeface="Calibri" panose="020F0502020204030204" pitchFamily="34" charset="0"/>
-              </a:rPr>
-              <a:t> app, but in our environment they are located in the </a:t>
-            </a:r>
-            <a:r>
-              <a:rPr lang="en-US" i="1" dirty="0">
-                <a:latin typeface="Calibri" panose="020F0502020204030204" pitchFamily="34" charset="0"/>
-              </a:rPr>
-              <a:t>ONLC Splunk Fundamentals 2</a:t>
-            </a:r>
-            <a:r>
-              <a:rPr lang="en-US" dirty="0">
-                <a:latin typeface="Calibri" panose="020F0502020204030204" pitchFamily="34" charset="0"/>
-              </a:rPr>
-              <a:t> app.</a:t>
-            </a:r>
-            <a:endParaRPr lang="en-US" dirty="0"/>
-          </a:p>
-        </p:txBody>
-      </p:sp>
-    </p:spTree>
-    <p:extLst>
-      <p:ext uri="{BB962C8B-B14F-4D97-AF65-F5344CB8AC3E}">
-        <p14:creationId xmlns:p14="http://schemas.microsoft.com/office/powerpoint/2010/main" val="903356305"/>
-      </p:ext>
-    </p:extLst>
-  </p:cSld>
-  <p:clrMapOvr>
-    <a:masterClrMapping/>
-  </p:clrMapOvr>
+  <p:timing>
+    <p:tnLst>
+      <p:par>
+        <p:cTn id="1" dur="indefinite" restart="never" nodeType="tmRoot"/>
+      </p:par>
+    </p:tnLst>
+  </p:timing>
 </p:sld>
 </file>
 
@@ -12376,28 +13792,883 @@
             <p:ph type="title"/>
           </p:nvPr>
         </p:nvSpPr>
+        <p:spPr>
+          <a:xfrm>
+            <a:off x="1097280" y="286603"/>
+            <a:ext cx="10058400" cy="1084997"/>
+          </a:xfrm>
+        </p:spPr>
+        <p:txBody>
+          <a:bodyPr/>
+          <a:lstStyle/>
+          <a:p>
+            <a:r>
+              <a:rPr lang="en-US" dirty="0"/>
+              <a:t>Lab 3: Building an Operational Intelligence Application</a:t>
+            </a:r>
+          </a:p>
+        </p:txBody>
+      </p:sp>
+      <p:sp>
+        <p:nvSpPr>
+          <p:cNvPr id="3" name="Content Placeholder 2"/>
+          <p:cNvSpPr>
+            <a:spLocks noGrp="1"/>
+          </p:cNvSpPr>
+          <p:nvPr>
+            <p:ph idx="1"/>
+          </p:nvPr>
+        </p:nvSpPr>
         <p:spPr/>
         <p:txBody>
           <a:bodyPr/>
           <a:lstStyle/>
           <a:p>
             <a:r>
-              <a:rPr lang="en-US" dirty="0"/>
-              <a:t>Module 4: Advanced Search</a:t>
-            </a:r>
-          </a:p>
-        </p:txBody>
-      </p:sp>
+              <a:rPr lang="en-US" sz="1800" dirty="0"/>
+              <a:t>Creating an Operational Intelligence application p 437</a:t>
+            </a:r>
+          </a:p>
+          <a:p>
+            <a:r>
+              <a:rPr lang="en-US" sz="1800" dirty="0"/>
+              <a:t>Adding dashboards and reports p 441</a:t>
+            </a:r>
+          </a:p>
+          <a:p>
+            <a:r>
+              <a:rPr lang="en-US" sz="1800" dirty="0"/>
+              <a:t>Organizing the dashboards more efficiently p 448</a:t>
+            </a:r>
+          </a:p>
+          <a:p>
+            <a:r>
+              <a:rPr lang="en-US" sz="1800" dirty="0"/>
+              <a:t>Dynamically drilling down on activity reports p 454</a:t>
+            </a:r>
+          </a:p>
+          <a:p>
+            <a:r>
+              <a:rPr lang="en-US" sz="1800" dirty="0"/>
+              <a:t>Creating a form to search web activities p 459</a:t>
+            </a:r>
+          </a:p>
+          <a:p>
+            <a:r>
+              <a:rPr lang="en-US" sz="1800" dirty="0"/>
+              <a:t>Linking web page activity reports to the form p 466</a:t>
+            </a:r>
+          </a:p>
+          <a:p>
+            <a:r>
+              <a:rPr lang="en-US" sz="1800" dirty="0"/>
+              <a:t>Displaying a geographical map of visitors p 471</a:t>
+            </a:r>
+          </a:p>
+          <a:p>
+            <a:r>
+              <a:rPr lang="en-US" sz="1800" dirty="0"/>
+              <a:t>Highlighting Average Product Price p 477</a:t>
+            </a:r>
+          </a:p>
+          <a:p>
+            <a:r>
+              <a:rPr lang="en-US" sz="1800" dirty="0"/>
+              <a:t>Scheduling the PDF delivery of a dashboard p 482</a:t>
+            </a:r>
+          </a:p>
+        </p:txBody>
+      </p:sp>
+      <p:sp>
+        <p:nvSpPr>
+          <p:cNvPr id="5" name="TextBox 4"/>
+          <p:cNvSpPr txBox="1"/>
+          <p:nvPr/>
+        </p:nvSpPr>
+        <p:spPr>
+          <a:xfrm>
+            <a:off x="1097280" y="1308100"/>
+            <a:ext cx="6096000" cy="381000"/>
+          </a:xfrm>
+          <a:prstGeom prst="rect">
+            <a:avLst/>
+          </a:prstGeom>
+          <a:noFill/>
+        </p:spPr>
+        <p:txBody>
+          <a:bodyPr wrap="square" rtlCol="0">
+            <a:spAutoFit/>
+          </a:bodyPr>
+          <a:lstStyle/>
+          <a:p>
+            <a:r>
+              <a:rPr lang="en-US" dirty="0"/>
+              <a:t>Duration: 75 minutes</a:t>
+            </a:r>
+          </a:p>
+        </p:txBody>
+      </p:sp>
+      <p:sp>
+        <p:nvSpPr>
+          <p:cNvPr id="6" name="Rectangle 5"/>
+          <p:cNvSpPr/>
+          <p:nvPr/>
+        </p:nvSpPr>
+        <p:spPr>
+          <a:xfrm>
+            <a:off x="8300258" y="2233943"/>
+            <a:ext cx="3200400" cy="2031325"/>
+          </a:xfrm>
+          <a:prstGeom prst="rect">
+            <a:avLst/>
+          </a:prstGeom>
+          <a:solidFill>
+            <a:schemeClr val="bg1"/>
+          </a:solidFill>
+          <a:ln>
+            <a:solidFill>
+              <a:schemeClr val="accent1"/>
+            </a:solidFill>
+          </a:ln>
+        </p:spPr>
+        <p:txBody>
+          <a:bodyPr wrap="square">
+            <a:spAutoFit/>
+          </a:bodyPr>
+          <a:lstStyle/>
+          <a:p>
+            <a:r>
+              <a:rPr lang="en-US" b="1" dirty="0">
+                <a:latin typeface="Calibri" panose="020F0502020204030204" pitchFamily="34" charset="0"/>
+              </a:rPr>
+              <a:t>NOTE:</a:t>
+            </a:r>
+            <a:r>
+              <a:rPr lang="en-US" dirty="0">
+                <a:latin typeface="Calibri" panose="020F0502020204030204" pitchFamily="34" charset="0"/>
+              </a:rPr>
+              <a:t> The lab instructions assume that the assets you will move into your application are located in the default </a:t>
+            </a:r>
+            <a:r>
+              <a:rPr lang="en-US" i="1" dirty="0">
+                <a:latin typeface="Calibri" panose="020F0502020204030204" pitchFamily="34" charset="0"/>
+              </a:rPr>
+              <a:t>Search</a:t>
+            </a:r>
+            <a:r>
+              <a:rPr lang="en-US" dirty="0">
+                <a:latin typeface="Calibri" panose="020F0502020204030204" pitchFamily="34" charset="0"/>
+              </a:rPr>
+              <a:t> app, but in our environment they are located in the </a:t>
+            </a:r>
+            <a:r>
+              <a:rPr lang="en-US" i="1" dirty="0">
+                <a:latin typeface="Calibri" panose="020F0502020204030204" pitchFamily="34" charset="0"/>
+              </a:rPr>
+              <a:t>ONLC Splunk Fundamentals 2</a:t>
+            </a:r>
+            <a:r>
+              <a:rPr lang="en-US" dirty="0">
+                <a:latin typeface="Calibri" panose="020F0502020204030204" pitchFamily="34" charset="0"/>
+              </a:rPr>
+              <a:t> app.</a:t>
+            </a:r>
+            <a:endParaRPr lang="en-US" dirty="0"/>
+          </a:p>
+        </p:txBody>
+      </p:sp>
+      <p:sp>
+        <p:nvSpPr>
+          <p:cNvPr id="13" name="Rectangle 5"/>
+          <p:cNvSpPr>
+            <a:spLocks noChangeArrowheads="1"/>
+          </p:cNvSpPr>
+          <p:nvPr/>
+        </p:nvSpPr>
+        <p:spPr bwMode="auto">
+          <a:xfrm>
+            <a:off x="0" y="0"/>
+            <a:ext cx="12192000" cy="6858000"/>
+          </a:xfrm>
+          <a:prstGeom prst="rect">
+            <a:avLst/>
+          </a:prstGeom>
+          <a:solidFill>
+            <a:srgbClr val="FFFFFF">
+              <a:alpha val="50195"/>
+            </a:srgbClr>
+          </a:solidFill>
+          <a:ln>
+            <a:noFill/>
+          </a:ln>
+          <a:effectLst>
+            <a:outerShdw dist="53882" dir="2700000" algn="ctr" rotWithShape="0">
+              <a:srgbClr val="919191">
+                <a:alpha val="50000"/>
+              </a:srgbClr>
+            </a:outerShdw>
+          </a:effectLst>
+          <a:extLst>
+            <a:ext uri="{91240B29-F687-4F45-9708-019B960494DF}">
+              <a14:hiddenLine xmlns:a14="http://schemas.microsoft.com/office/drawing/2010/main" w="9525" algn="ctr">
+                <a:solidFill>
+                  <a:srgbClr val="000000"/>
+                </a:solidFill>
+                <a:miter lim="800000"/>
+                <a:headEnd/>
+                <a:tailEnd/>
+              </a14:hiddenLine>
+            </a:ext>
+          </a:extLst>
+        </p:spPr>
+        <p:txBody>
+          <a:bodyPr wrap="none" anchor="ctr"/>
+          <a:lstStyle>
+            <a:lvl1pPr>
+              <a:defRPr b="1">
+                <a:solidFill>
+                  <a:schemeClr val="tx1"/>
+                </a:solidFill>
+                <a:latin typeface="Verdana" panose="020B0604030504040204" pitchFamily="34" charset="0"/>
+              </a:defRPr>
+            </a:lvl1pPr>
+            <a:lvl2pPr marL="742950" indent="-285750">
+              <a:defRPr b="1">
+                <a:solidFill>
+                  <a:schemeClr val="tx1"/>
+                </a:solidFill>
+                <a:latin typeface="Verdana" panose="020B0604030504040204" pitchFamily="34" charset="0"/>
+              </a:defRPr>
+            </a:lvl2pPr>
+            <a:lvl3pPr marL="1143000" indent="-228600">
+              <a:defRPr b="1">
+                <a:solidFill>
+                  <a:schemeClr val="tx1"/>
+                </a:solidFill>
+                <a:latin typeface="Verdana" panose="020B0604030504040204" pitchFamily="34" charset="0"/>
+              </a:defRPr>
+            </a:lvl3pPr>
+            <a:lvl4pPr marL="1600200" indent="-228600">
+              <a:defRPr b="1">
+                <a:solidFill>
+                  <a:schemeClr val="tx1"/>
+                </a:solidFill>
+                <a:latin typeface="Verdana" panose="020B0604030504040204" pitchFamily="34" charset="0"/>
+              </a:defRPr>
+            </a:lvl4pPr>
+            <a:lvl5pPr marL="2057400" indent="-228600">
+              <a:defRPr b="1">
+                <a:solidFill>
+                  <a:schemeClr val="tx1"/>
+                </a:solidFill>
+                <a:latin typeface="Verdana" panose="020B0604030504040204" pitchFamily="34" charset="0"/>
+              </a:defRPr>
+            </a:lvl5pPr>
+            <a:lvl6pPr marL="2514600" indent="-228600" eaLnBrk="0" fontAlgn="base" hangingPunct="0">
+              <a:spcBef>
+                <a:spcPct val="0"/>
+              </a:spcBef>
+              <a:spcAft>
+                <a:spcPct val="0"/>
+              </a:spcAft>
+              <a:defRPr b="1">
+                <a:solidFill>
+                  <a:schemeClr val="tx1"/>
+                </a:solidFill>
+                <a:latin typeface="Verdana" panose="020B0604030504040204" pitchFamily="34" charset="0"/>
+              </a:defRPr>
+            </a:lvl6pPr>
+            <a:lvl7pPr marL="2971800" indent="-228600" eaLnBrk="0" fontAlgn="base" hangingPunct="0">
+              <a:spcBef>
+                <a:spcPct val="0"/>
+              </a:spcBef>
+              <a:spcAft>
+                <a:spcPct val="0"/>
+              </a:spcAft>
+              <a:defRPr b="1">
+                <a:solidFill>
+                  <a:schemeClr val="tx1"/>
+                </a:solidFill>
+                <a:latin typeface="Verdana" panose="020B0604030504040204" pitchFamily="34" charset="0"/>
+              </a:defRPr>
+            </a:lvl7pPr>
+            <a:lvl8pPr marL="3429000" indent="-228600" eaLnBrk="0" fontAlgn="base" hangingPunct="0">
+              <a:spcBef>
+                <a:spcPct val="0"/>
+              </a:spcBef>
+              <a:spcAft>
+                <a:spcPct val="0"/>
+              </a:spcAft>
+              <a:defRPr b="1">
+                <a:solidFill>
+                  <a:schemeClr val="tx1"/>
+                </a:solidFill>
+                <a:latin typeface="Verdana" panose="020B0604030504040204" pitchFamily="34" charset="0"/>
+              </a:defRPr>
+            </a:lvl8pPr>
+            <a:lvl9pPr marL="3886200" indent="-228600" eaLnBrk="0" fontAlgn="base" hangingPunct="0">
+              <a:spcBef>
+                <a:spcPct val="0"/>
+              </a:spcBef>
+              <a:spcAft>
+                <a:spcPct val="0"/>
+              </a:spcAft>
+              <a:defRPr b="1">
+                <a:solidFill>
+                  <a:schemeClr val="tx1"/>
+                </a:solidFill>
+                <a:latin typeface="Verdana" panose="020B0604030504040204" pitchFamily="34" charset="0"/>
+              </a:defRPr>
+            </a:lvl9pPr>
+          </a:lstStyle>
+          <a:p>
+            <a:pPr algn="ctr"/>
+            <a:endParaRPr lang="en-US" altLang="en-US"/>
+          </a:p>
+        </p:txBody>
+      </p:sp>
+      <p:sp>
+        <p:nvSpPr>
+          <p:cNvPr id="14" name="Rectangle 6"/>
+          <p:cNvSpPr>
+            <a:spLocks noChangeArrowheads="1"/>
+          </p:cNvSpPr>
+          <p:nvPr/>
+        </p:nvSpPr>
+        <p:spPr bwMode="auto">
+          <a:xfrm>
+            <a:off x="492125" y="5038725"/>
+            <a:ext cx="4094163" cy="1589088"/>
+          </a:xfrm>
+          <a:prstGeom prst="rect">
+            <a:avLst/>
+          </a:prstGeom>
+          <a:solidFill>
+            <a:srgbClr val="FFFFFF"/>
+          </a:solidFill>
+          <a:ln w="9525" algn="ctr">
+            <a:solidFill>
+              <a:schemeClr val="bg2"/>
+            </a:solidFill>
+            <a:miter lim="800000"/>
+            <a:headEnd/>
+            <a:tailEnd/>
+          </a:ln>
+          <a:effectLst>
+            <a:outerShdw dist="53882" dir="2700000" algn="ctr" rotWithShape="0">
+              <a:srgbClr val="919191">
+                <a:alpha val="50000"/>
+              </a:srgbClr>
+            </a:outerShdw>
+          </a:effectLst>
+        </p:spPr>
+        <p:txBody>
+          <a:bodyPr anchor="ctr"/>
+          <a:lstStyle>
+            <a:lvl1pPr>
+              <a:defRPr b="1">
+                <a:solidFill>
+                  <a:schemeClr val="tx1"/>
+                </a:solidFill>
+                <a:latin typeface="Verdana" panose="020B0604030504040204" pitchFamily="34" charset="0"/>
+              </a:defRPr>
+            </a:lvl1pPr>
+            <a:lvl2pPr marL="742950" indent="-285750">
+              <a:defRPr b="1">
+                <a:solidFill>
+                  <a:schemeClr val="tx1"/>
+                </a:solidFill>
+                <a:latin typeface="Verdana" panose="020B0604030504040204" pitchFamily="34" charset="0"/>
+              </a:defRPr>
+            </a:lvl2pPr>
+            <a:lvl3pPr marL="1143000" indent="-228600">
+              <a:defRPr b="1">
+                <a:solidFill>
+                  <a:schemeClr val="tx1"/>
+                </a:solidFill>
+                <a:latin typeface="Verdana" panose="020B0604030504040204" pitchFamily="34" charset="0"/>
+              </a:defRPr>
+            </a:lvl3pPr>
+            <a:lvl4pPr marL="1600200" indent="-228600">
+              <a:defRPr b="1">
+                <a:solidFill>
+                  <a:schemeClr val="tx1"/>
+                </a:solidFill>
+                <a:latin typeface="Verdana" panose="020B0604030504040204" pitchFamily="34" charset="0"/>
+              </a:defRPr>
+            </a:lvl4pPr>
+            <a:lvl5pPr marL="2057400" indent="-228600">
+              <a:defRPr b="1">
+                <a:solidFill>
+                  <a:schemeClr val="tx1"/>
+                </a:solidFill>
+                <a:latin typeface="Verdana" panose="020B0604030504040204" pitchFamily="34" charset="0"/>
+              </a:defRPr>
+            </a:lvl5pPr>
+            <a:lvl6pPr marL="2514600" indent="-228600" eaLnBrk="0" fontAlgn="base" hangingPunct="0">
+              <a:spcBef>
+                <a:spcPct val="0"/>
+              </a:spcBef>
+              <a:spcAft>
+                <a:spcPct val="0"/>
+              </a:spcAft>
+              <a:defRPr b="1">
+                <a:solidFill>
+                  <a:schemeClr val="tx1"/>
+                </a:solidFill>
+                <a:latin typeface="Verdana" panose="020B0604030504040204" pitchFamily="34" charset="0"/>
+              </a:defRPr>
+            </a:lvl6pPr>
+            <a:lvl7pPr marL="2971800" indent="-228600" eaLnBrk="0" fontAlgn="base" hangingPunct="0">
+              <a:spcBef>
+                <a:spcPct val="0"/>
+              </a:spcBef>
+              <a:spcAft>
+                <a:spcPct val="0"/>
+              </a:spcAft>
+              <a:defRPr b="1">
+                <a:solidFill>
+                  <a:schemeClr val="tx1"/>
+                </a:solidFill>
+                <a:latin typeface="Verdana" panose="020B0604030504040204" pitchFamily="34" charset="0"/>
+              </a:defRPr>
+            </a:lvl7pPr>
+            <a:lvl8pPr marL="3429000" indent="-228600" eaLnBrk="0" fontAlgn="base" hangingPunct="0">
+              <a:spcBef>
+                <a:spcPct val="0"/>
+              </a:spcBef>
+              <a:spcAft>
+                <a:spcPct val="0"/>
+              </a:spcAft>
+              <a:defRPr b="1">
+                <a:solidFill>
+                  <a:schemeClr val="tx1"/>
+                </a:solidFill>
+                <a:latin typeface="Verdana" panose="020B0604030504040204" pitchFamily="34" charset="0"/>
+              </a:defRPr>
+            </a:lvl8pPr>
+            <a:lvl9pPr marL="3886200" indent="-228600" eaLnBrk="0" fontAlgn="base" hangingPunct="0">
+              <a:spcBef>
+                <a:spcPct val="0"/>
+              </a:spcBef>
+              <a:spcAft>
+                <a:spcPct val="0"/>
+              </a:spcAft>
+              <a:defRPr b="1">
+                <a:solidFill>
+                  <a:schemeClr val="tx1"/>
+                </a:solidFill>
+                <a:latin typeface="Verdana" panose="020B0604030504040204" pitchFamily="34" charset="0"/>
+              </a:defRPr>
+            </a:lvl9pPr>
+          </a:lstStyle>
+          <a:p>
+            <a:pPr algn="ctr"/>
+            <a:r>
+              <a:rPr lang="en-US" altLang="en-US">
+                <a:solidFill>
+                  <a:srgbClr val="000000"/>
+                </a:solidFill>
+              </a:rPr>
+              <a:t>Questions? Comments?</a:t>
+            </a:r>
+          </a:p>
+          <a:p>
+            <a:pPr algn="ctr"/>
+            <a:r>
+              <a:rPr lang="en-US" altLang="en-US">
+                <a:solidFill>
+                  <a:srgbClr val="000000"/>
+                </a:solidFill>
+              </a:rPr>
+              <a:t>Dan’s e-mail: </a:t>
+            </a:r>
+            <a:r>
+              <a:rPr lang="en-US" altLang="en-US">
+                <a:solidFill>
+                  <a:srgbClr val="000000"/>
+                </a:solidFill>
+                <a:hlinkClick r:id="rId2"/>
+              </a:rPr>
+              <a:t>danc@onlc.com</a:t>
+            </a:r>
+            <a:endParaRPr lang="en-US" altLang="en-US">
+              <a:solidFill>
+                <a:srgbClr val="000000"/>
+              </a:solidFill>
+            </a:endParaRPr>
+          </a:p>
+          <a:p>
+            <a:pPr algn="ctr"/>
+            <a:r>
+              <a:rPr lang="en-US" altLang="en-US">
+                <a:solidFill>
+                  <a:srgbClr val="000000"/>
+                </a:solidFill>
+              </a:rPr>
+              <a:t>Dan’s cell #: (413) 455-0856</a:t>
+            </a:r>
+          </a:p>
+        </p:txBody>
+      </p:sp>
+      <p:sp>
+        <p:nvSpPr>
+          <p:cNvPr id="15" name="WordArt 3"/>
+          <p:cNvSpPr>
+            <a:spLocks noChangeArrowheads="1" noChangeShapeType="1" noTextEdit="1"/>
+          </p:cNvSpPr>
+          <p:nvPr/>
+        </p:nvSpPr>
+        <p:spPr bwMode="auto">
+          <a:xfrm>
+            <a:off x="0" y="203200"/>
+            <a:ext cx="7237413" cy="2432050"/>
+          </a:xfrm>
+          <a:prstGeom prst="rect">
+            <a:avLst/>
+          </a:prstGeom>
+        </p:spPr>
+        <p:txBody>
+          <a:bodyPr wrap="none" fromWordArt="1">
+            <a:prstTxWarp prst="textCascadeUp">
+              <a:avLst>
+                <a:gd name="adj" fmla="val 44444"/>
+              </a:avLst>
+            </a:prstTxWarp>
+            <a:scene3d>
+              <a:camera prst="legacyPerspectiveFront">
+                <a:rot lat="20519989" lon="1080000" rev="0"/>
+              </a:camera>
+              <a:lightRig rig="legacyHarsh2" dir="b"/>
+            </a:scene3d>
+            <a:sp3d extrusionH="430200" prstMaterial="legacyMatte">
+              <a:extrusionClr>
+                <a:srgbClr val="FF6600"/>
+              </a:extrusionClr>
+              <a:contourClr>
+                <a:srgbClr val="FFE701"/>
+              </a:contourClr>
+            </a:sp3d>
+          </a:bodyPr>
+          <a:lstStyle/>
+          <a:p>
+            <a:pPr algn="ctr"/>
+            <a:r>
+              <a:rPr lang="en-US" sz="3600" kern="10">
+                <a:ln w="9525">
+                  <a:round/>
+                  <a:headEnd/>
+                  <a:tailEnd/>
+                </a:ln>
+                <a:gradFill rotWithShape="1">
+                  <a:gsLst>
+                    <a:gs pos="0">
+                      <a:srgbClr val="FFE701"/>
+                    </a:gs>
+                    <a:gs pos="100000">
+                      <a:srgbClr val="FE3E02"/>
+                    </a:gs>
+                  </a:gsLst>
+                  <a:lin ang="5400000" scaled="1"/>
+                </a:gradFill>
+                <a:latin typeface="Impact" panose="020B0806030902050204" pitchFamily="34" charset="0"/>
+              </a:rPr>
+              <a:t>Good Morning</a:t>
+            </a:r>
+          </a:p>
+        </p:txBody>
+      </p:sp>
+      <p:sp>
+        <p:nvSpPr>
+          <p:cNvPr id="16" name="WordArt 4"/>
+          <p:cNvSpPr>
+            <a:spLocks noChangeArrowheads="1" noChangeShapeType="1" noTextEdit="1"/>
+          </p:cNvSpPr>
+          <p:nvPr/>
+        </p:nvSpPr>
+        <p:spPr bwMode="auto">
+          <a:xfrm>
+            <a:off x="9901238" y="1143000"/>
+            <a:ext cx="1543050" cy="2439988"/>
+          </a:xfrm>
+          <a:prstGeom prst="rect">
+            <a:avLst/>
+          </a:prstGeom>
+        </p:spPr>
+        <p:txBody>
+          <a:bodyPr wrap="none" fromWordArt="1">
+            <a:prstTxWarp prst="textSlantUp">
+              <a:avLst>
+                <a:gd name="adj" fmla="val 9014"/>
+              </a:avLst>
+            </a:prstTxWarp>
+          </a:bodyPr>
+          <a:lstStyle/>
+          <a:p>
+            <a:pPr algn="ctr"/>
+            <a:r>
+              <a:rPr lang="en-US" sz="3600" kern="10" dirty="0" smtClean="0">
+                <a:ln w="9525">
+                  <a:solidFill>
+                    <a:srgbClr val="CC99FF"/>
+                  </a:solidFill>
+                  <a:round/>
+                  <a:headEnd/>
+                  <a:tailEnd/>
+                </a:ln>
+                <a:gradFill rotWithShape="1">
+                  <a:gsLst>
+                    <a:gs pos="0">
+                      <a:srgbClr val="6600CC"/>
+                    </a:gs>
+                    <a:gs pos="100000">
+                      <a:srgbClr val="CC00CC"/>
+                    </a:gs>
+                  </a:gsLst>
+                  <a:lin ang="5400000" scaled="1"/>
+                </a:gradFill>
+                <a:effectLst>
+                  <a:outerShdw dist="53882" dir="2700000" algn="ctr" rotWithShape="0">
+                    <a:srgbClr val="9999FF">
+                      <a:alpha val="79999"/>
+                    </a:srgbClr>
+                  </a:outerShdw>
+                </a:effectLst>
+                <a:latin typeface="Impact" panose="020B0806030902050204" pitchFamily="34" charset="0"/>
+              </a:rPr>
+              <a:t>Lab(</a:t>
+            </a:r>
+            <a:r>
+              <a:rPr lang="en-US" sz="3600" kern="10" dirty="0" err="1" smtClean="0">
+                <a:ln w="9525">
+                  <a:solidFill>
+                    <a:srgbClr val="CC99FF"/>
+                  </a:solidFill>
+                  <a:round/>
+                  <a:headEnd/>
+                  <a:tailEnd/>
+                </a:ln>
+                <a:gradFill rotWithShape="1">
+                  <a:gsLst>
+                    <a:gs pos="0">
+                      <a:srgbClr val="6600CC"/>
+                    </a:gs>
+                    <a:gs pos="100000">
+                      <a:srgbClr val="CC00CC"/>
+                    </a:gs>
+                  </a:gsLst>
+                  <a:lin ang="5400000" scaled="1"/>
+                </a:gradFill>
+                <a:effectLst>
+                  <a:outerShdw dist="53882" dir="2700000" algn="ctr" rotWithShape="0">
+                    <a:srgbClr val="9999FF">
+                      <a:alpha val="79999"/>
+                    </a:srgbClr>
+                  </a:outerShdw>
+                </a:effectLst>
+                <a:latin typeface="Impact" panose="020B0806030902050204" pitchFamily="34" charset="0"/>
+              </a:rPr>
+              <a:t>c’t’d</a:t>
+            </a:r>
+            <a:r>
+              <a:rPr lang="en-US" sz="3600" kern="10" dirty="0" smtClean="0">
+                <a:ln w="9525">
+                  <a:solidFill>
+                    <a:srgbClr val="CC99FF"/>
+                  </a:solidFill>
+                  <a:round/>
+                  <a:headEnd/>
+                  <a:tailEnd/>
+                </a:ln>
+                <a:gradFill rotWithShape="1">
+                  <a:gsLst>
+                    <a:gs pos="0">
+                      <a:srgbClr val="6600CC"/>
+                    </a:gs>
+                    <a:gs pos="100000">
+                      <a:srgbClr val="CC00CC"/>
+                    </a:gs>
+                  </a:gsLst>
+                  <a:lin ang="5400000" scaled="1"/>
+                </a:gradFill>
+                <a:effectLst>
+                  <a:outerShdw dist="53882" dir="2700000" algn="ctr" rotWithShape="0">
+                    <a:srgbClr val="9999FF">
+                      <a:alpha val="79999"/>
+                    </a:srgbClr>
+                  </a:outerShdw>
+                </a:effectLst>
+                <a:latin typeface="Impact" panose="020B0806030902050204" pitchFamily="34" charset="0"/>
+              </a:rPr>
+              <a:t>):</a:t>
+            </a:r>
+            <a:endParaRPr lang="en-US" sz="3600" kern="10" dirty="0">
+              <a:ln w="9525">
+                <a:solidFill>
+                  <a:srgbClr val="CC99FF"/>
+                </a:solidFill>
+                <a:round/>
+                <a:headEnd/>
+                <a:tailEnd/>
+              </a:ln>
+              <a:gradFill rotWithShape="1">
+                <a:gsLst>
+                  <a:gs pos="0">
+                    <a:srgbClr val="6600CC"/>
+                  </a:gs>
+                  <a:gs pos="100000">
+                    <a:srgbClr val="CC00CC"/>
+                  </a:gs>
+                </a:gsLst>
+                <a:lin ang="5400000" scaled="1"/>
+              </a:gradFill>
+              <a:effectLst>
+                <a:outerShdw dist="53882" dir="2700000" algn="ctr" rotWithShape="0">
+                  <a:srgbClr val="9999FF">
+                    <a:alpha val="79999"/>
+                  </a:srgbClr>
+                </a:outerShdw>
+              </a:effectLst>
+              <a:latin typeface="Impact" panose="020B0806030902050204" pitchFamily="34" charset="0"/>
+            </a:endParaRPr>
+          </a:p>
+          <a:p>
+            <a:pPr algn="ctr"/>
+            <a:r>
+              <a:rPr lang="en-US" sz="3600" kern="10" dirty="0" smtClean="0">
+                <a:ln w="9525">
+                  <a:solidFill>
+                    <a:srgbClr val="CC99FF"/>
+                  </a:solidFill>
+                  <a:round/>
+                  <a:headEnd/>
+                  <a:tailEnd/>
+                </a:ln>
+                <a:gradFill rotWithShape="1">
+                  <a:gsLst>
+                    <a:gs pos="0">
+                      <a:srgbClr val="6600CC"/>
+                    </a:gs>
+                    <a:gs pos="100000">
+                      <a:srgbClr val="CC00CC"/>
+                    </a:gs>
+                  </a:gsLst>
+                  <a:lin ang="5400000" scaled="1"/>
+                </a:gradFill>
+                <a:effectLst>
+                  <a:outerShdw dist="53882" dir="2700000" algn="ctr" rotWithShape="0">
+                    <a:srgbClr val="9999FF">
+                      <a:alpha val="79999"/>
+                    </a:srgbClr>
+                  </a:outerShdw>
+                </a:effectLst>
+                <a:latin typeface="Impact" panose="020B0806030902050204" pitchFamily="34" charset="0"/>
+              </a:rPr>
+              <a:t>10:00-~10:15</a:t>
+            </a:r>
+            <a:endParaRPr lang="en-US" sz="3600" kern="10" dirty="0">
+              <a:ln w="9525">
+                <a:solidFill>
+                  <a:srgbClr val="CC99FF"/>
+                </a:solidFill>
+                <a:round/>
+                <a:headEnd/>
+                <a:tailEnd/>
+              </a:ln>
+              <a:gradFill rotWithShape="1">
+                <a:gsLst>
+                  <a:gs pos="0">
+                    <a:srgbClr val="6600CC"/>
+                  </a:gs>
+                  <a:gs pos="100000">
+                    <a:srgbClr val="CC00CC"/>
+                  </a:gs>
+                </a:gsLst>
+                <a:lin ang="5400000" scaled="1"/>
+              </a:gradFill>
+              <a:effectLst>
+                <a:outerShdw dist="53882" dir="2700000" algn="ctr" rotWithShape="0">
+                  <a:srgbClr val="9999FF">
+                    <a:alpha val="79999"/>
+                  </a:srgbClr>
+                </a:outerShdw>
+              </a:effectLst>
+              <a:latin typeface="Impact" panose="020B0806030902050204" pitchFamily="34" charset="0"/>
+            </a:endParaRPr>
+          </a:p>
+        </p:txBody>
+      </p:sp>
+      <p:pic>
+        <p:nvPicPr>
+          <p:cNvPr id="17" name="Picture 7" descr="j0305257"/>
+          <p:cNvPicPr>
+            <a:picLocks noChangeAspect="1" noChangeArrowheads="1"/>
+          </p:cNvPicPr>
+          <p:nvPr/>
+        </p:nvPicPr>
+        <p:blipFill>
+          <a:blip r:embed="rId3">
+            <a:extLst>
+              <a:ext uri="{28A0092B-C50C-407E-A947-70E740481C1C}">
+                <a14:useLocalDpi xmlns:a14="http://schemas.microsoft.com/office/drawing/2010/main" val="0"/>
+              </a:ext>
+            </a:extLst>
+          </a:blip>
+          <a:srcRect/>
+          <a:stretch>
+            <a:fillRect/>
+          </a:stretch>
+        </p:blipFill>
+        <p:spPr bwMode="auto">
+          <a:xfrm>
+            <a:off x="7985125" y="3405188"/>
+            <a:ext cx="1874838" cy="3013075"/>
+          </a:xfrm>
+          <a:prstGeom prst="rect">
+            <a:avLst/>
+          </a:prstGeom>
+          <a:noFill/>
+          <a:ln>
+            <a:noFill/>
+          </a:ln>
+          <a:extLst>
+            <a:ext uri="{909E8E84-426E-40DD-AFC4-6F175D3DCCD1}">
+              <a14:hiddenFill xmlns:a14="http://schemas.microsoft.com/office/drawing/2010/main">
+                <a:solidFill>
+                  <a:srgbClr val="FFFFFF"/>
+                </a:solidFill>
+              </a14:hiddenFill>
+            </a:ext>
+            <a:ext uri="{91240B29-F687-4F45-9708-019B960494DF}">
+              <a14:hiddenLine xmlns:a14="http://schemas.microsoft.com/office/drawing/2010/main" w="9525">
+                <a:solidFill>
+                  <a:srgbClr val="000000"/>
+                </a:solidFill>
+                <a:miter lim="800000"/>
+                <a:headEnd/>
+                <a:tailEnd/>
+              </a14:hiddenLine>
+            </a:ext>
+          </a:extLst>
+        </p:spPr>
+      </p:pic>
     </p:spTree>
     <p:extLst>
       <p:ext uri="{BB962C8B-B14F-4D97-AF65-F5344CB8AC3E}">
-        <p14:creationId xmlns:p14="http://schemas.microsoft.com/office/powerpoint/2010/main" val="3741443236"/>
+        <p14:creationId xmlns:p14="http://schemas.microsoft.com/office/powerpoint/2010/main" val="903356305"/>
       </p:ext>
     </p:extLst>
   </p:cSld>
   <p:clrMapOvr>
     <a:masterClrMapping/>
   </p:clrMapOvr>
+  <p:timing>
+    <p:tnLst>
+      <p:par>
+        <p:cTn id="1" dur="indefinite" restart="never" nodeType="tmRoot"/>
+      </p:par>
+    </p:tnLst>
+  </p:timing>
 </p:sld>
 </file>
 
@@ -12435,6 +14706,250 @@
           <a:p>
             <a:r>
               <a:rPr lang="en-US" dirty="0"/>
+              <a:t>Module 4: Advanced Search</a:t>
+            </a:r>
+          </a:p>
+        </p:txBody>
+      </p:sp>
+    </p:spTree>
+    <p:extLst>
+      <p:ext uri="{BB962C8B-B14F-4D97-AF65-F5344CB8AC3E}">
+        <p14:creationId xmlns:p14="http://schemas.microsoft.com/office/powerpoint/2010/main" val="3741443236"/>
+      </p:ext>
+    </p:extLst>
+  </p:cSld>
+  <p:clrMapOvr>
+    <a:masterClrMapping/>
+  </p:clrMapOvr>
+  <p:timing>
+    <p:tnLst>
+      <p:par>
+        <p:cTn id="1" dur="indefinite" restart="never" nodeType="tmRoot"/>
+      </p:par>
+    </p:tnLst>
+  </p:timing>
+</p:sld>
+</file>
+
+<file path=ppt/slides/slide6.xml><?xml version="1.0" encoding="utf-8"?>
+<p:sld xmlns:a="http://schemas.openxmlformats.org/drawingml/2006/main" xmlns:r="http://schemas.openxmlformats.org/officeDocument/2006/relationships" xmlns:p="http://schemas.openxmlformats.org/presentationml/2006/main">
+  <p:cSld>
+    <p:spTree>
+      <p:nvGrpSpPr>
+        <p:cNvPr id="1" name=""/>
+        <p:cNvGrpSpPr/>
+        <p:nvPr/>
+      </p:nvGrpSpPr>
+      <p:grpSpPr>
+        <a:xfrm>
+          <a:off x="0" y="0"/>
+          <a:ext cx="0" cy="0"/>
+          <a:chOff x="0" y="0"/>
+          <a:chExt cx="0" cy="0"/>
+        </a:xfrm>
+      </p:grpSpPr>
+      <p:sp>
+        <p:nvSpPr>
+          <p:cNvPr id="2" name="Title 1"/>
+          <p:cNvSpPr>
+            <a:spLocks noGrp="1"/>
+          </p:cNvSpPr>
+          <p:nvPr>
+            <p:ph type="title"/>
+          </p:nvPr>
+        </p:nvSpPr>
+        <p:spPr/>
+        <p:txBody>
+          <a:bodyPr/>
+          <a:lstStyle/>
+          <a:p>
+            <a:r>
+              <a:rPr lang="en-US" dirty="0"/>
+              <a:t>Classroom Setup</a:t>
+            </a:r>
+          </a:p>
+        </p:txBody>
+      </p:sp>
+      <p:sp>
+        <p:nvSpPr>
+          <p:cNvPr id="3" name="Slide Number Placeholder 2"/>
+          <p:cNvSpPr>
+            <a:spLocks noGrp="1"/>
+          </p:cNvSpPr>
+          <p:nvPr>
+            <p:ph type="sldNum" sz="quarter" idx="12"/>
+          </p:nvPr>
+        </p:nvSpPr>
+        <p:spPr/>
+        <p:txBody>
+          <a:bodyPr/>
+          <a:lstStyle/>
+          <a:p>
+            <a:fld id="{D814DA60-3BEE-4BCE-BEDB-E433FD970963}" type="slidenum">
+              <a:rPr lang="en-US" smtClean="0"/>
+              <a:pPr/>
+              <a:t>6</a:t>
+            </a:fld>
+            <a:endParaRPr lang="en-US" dirty="0"/>
+          </a:p>
+        </p:txBody>
+      </p:sp>
+      <p:sp>
+        <p:nvSpPr>
+          <p:cNvPr id="4" name="Text Placeholder 3"/>
+          <p:cNvSpPr>
+            <a:spLocks noGrp="1"/>
+          </p:cNvSpPr>
+          <p:nvPr>
+            <p:ph type="body" sz="quarter" idx="13"/>
+          </p:nvPr>
+        </p:nvSpPr>
+        <p:spPr/>
+        <p:txBody>
+          <a:bodyPr/>
+          <a:lstStyle/>
+          <a:p>
+            <a:r>
+              <a:rPr lang="en-US" dirty="0"/>
+              <a:t>Windows 10</a:t>
+            </a:r>
+          </a:p>
+          <a:p>
+            <a:pPr lvl="1"/>
+            <a:r>
+              <a:rPr lang="en-US" dirty="0"/>
+              <a:t>Machine username: </a:t>
+            </a:r>
+            <a:r>
+              <a:rPr lang="en-US" dirty="0">
+                <a:latin typeface="Courier"/>
+              </a:rPr>
+              <a:t>student</a:t>
+            </a:r>
+          </a:p>
+          <a:p>
+            <a:pPr lvl="1"/>
+            <a:r>
+              <a:rPr lang="en-US" dirty="0"/>
+              <a:t>Machine password: </a:t>
+            </a:r>
+            <a:r>
+              <a:rPr lang="en-US" dirty="0">
+                <a:latin typeface="Courier"/>
+              </a:rPr>
+              <a:t>Pa55w.rd</a:t>
+            </a:r>
+          </a:p>
+          <a:p>
+            <a:pPr lvl="1"/>
+            <a:r>
+              <a:rPr lang="en-US" dirty="0"/>
+              <a:t>Splunk 8.01, Python 2 (for compatibility w/book files)</a:t>
+            </a:r>
+          </a:p>
+          <a:p>
+            <a:pPr lvl="2"/>
+            <a:r>
+              <a:rPr lang="en-US" dirty="0"/>
+              <a:t>Splunk username: </a:t>
+            </a:r>
+            <a:r>
+              <a:rPr lang="en-US" dirty="0">
+                <a:latin typeface="Courier"/>
+              </a:rPr>
+              <a:t>admin</a:t>
+            </a:r>
+          </a:p>
+          <a:p>
+            <a:pPr lvl="2"/>
+            <a:r>
+              <a:rPr lang="en-US" dirty="0"/>
+              <a:t>Splunk password: </a:t>
+            </a:r>
+            <a:r>
+              <a:rPr lang="en-US" dirty="0">
+                <a:latin typeface="Courier"/>
+              </a:rPr>
+              <a:t>password</a:t>
+            </a:r>
+            <a:endParaRPr lang="en-US" dirty="0"/>
+          </a:p>
+          <a:p>
+            <a:r>
+              <a:rPr lang="en-US" dirty="0"/>
+              <a:t>Course Files:</a:t>
+            </a:r>
+          </a:p>
+          <a:p>
+            <a:pPr lvl="1"/>
+            <a:r>
+              <a:rPr lang="en-US" dirty="0"/>
+              <a:t>C:\Improving-your-Splunk-skills-master</a:t>
+            </a:r>
+          </a:p>
+          <a:p>
+            <a:pPr lvl="1"/>
+            <a:r>
+              <a:rPr lang="en-US" dirty="0"/>
+              <a:t>C:\XSPLK2ClassFiles</a:t>
+            </a:r>
+          </a:p>
+        </p:txBody>
+      </p:sp>
+    </p:spTree>
+    <p:extLst>
+      <p:ext uri="{BB962C8B-B14F-4D97-AF65-F5344CB8AC3E}">
+        <p14:creationId xmlns:p14="http://schemas.microsoft.com/office/powerpoint/2010/main" val="2470414402"/>
+      </p:ext>
+    </p:extLst>
+  </p:cSld>
+  <p:clrMapOvr>
+    <a:masterClrMapping/>
+  </p:clrMapOvr>
+  <p:timing>
+    <p:tnLst>
+      <p:par>
+        <p:cTn id="1" dur="indefinite" restart="never" nodeType="tmRoot"/>
+      </p:par>
+    </p:tnLst>
+  </p:timing>
+</p:sld>
+</file>
+
+<file path=ppt/slides/slide60.xml><?xml version="1.0" encoding="utf-8"?>
+<p:sld xmlns:a="http://schemas.openxmlformats.org/drawingml/2006/main" xmlns:r="http://schemas.openxmlformats.org/officeDocument/2006/relationships" xmlns:p="http://schemas.openxmlformats.org/presentationml/2006/main">
+  <p:cSld>
+    <p:spTree>
+      <p:nvGrpSpPr>
+        <p:cNvPr id="1" name=""/>
+        <p:cNvGrpSpPr/>
+        <p:nvPr/>
+      </p:nvGrpSpPr>
+      <p:grpSpPr>
+        <a:xfrm>
+          <a:off x="0" y="0"/>
+          <a:ext cx="0" cy="0"/>
+          <a:chOff x="0" y="0"/>
+          <a:chExt cx="0" cy="0"/>
+        </a:xfrm>
+      </p:grpSpPr>
+      <p:sp>
+        <p:nvSpPr>
+          <p:cNvPr id="2" name="Title 1"/>
+          <p:cNvSpPr>
+            <a:spLocks noGrp="1"/>
+          </p:cNvSpPr>
+          <p:nvPr>
+            <p:ph type="title"/>
+          </p:nvPr>
+        </p:nvSpPr>
+        <p:spPr/>
+        <p:txBody>
+          <a:bodyPr/>
+          <a:lstStyle/>
+          <a:p>
+            <a:r>
+              <a:rPr lang="en-US" dirty="0"/>
               <a:t>The </a:t>
             </a:r>
             <a:r>
@@ -12499,14 +15014,16 @@
       </p:sp>
       <p:pic>
         <p:nvPicPr>
-          <p:cNvPr id="4" name="Picture 3"/>
+          <p:cNvPr id="4" name="Picture 3">
+            <a:hlinkClick r:id="rId2"/>
+          </p:cNvPr>
           <p:cNvPicPr>
             <a:picLocks noChangeAspect="1"/>
           </p:cNvPicPr>
           <p:nvPr/>
         </p:nvPicPr>
         <p:blipFill>
-          <a:blip r:embed="rId2"/>
+          <a:blip r:embed="rId3"/>
           <a:stretch>
             <a:fillRect/>
           </a:stretch>
@@ -12531,188 +15048,17 @@
   <p:clrMapOvr>
     <a:masterClrMapping/>
   </p:clrMapOvr>
+  <p:timing>
+    <p:tnLst>
+      <p:par>
+        <p:cTn id="1" dur="indefinite" restart="never" nodeType="tmRoot"/>
+      </p:par>
+    </p:tnLst>
+  </p:timing>
 </p:sld>
 </file>
 
-<file path=ppt/slides/slide6.xml><?xml version="1.0" encoding="utf-8"?>
-<p:sld xmlns:a="http://schemas.openxmlformats.org/drawingml/2006/main" xmlns:r="http://schemas.openxmlformats.org/officeDocument/2006/relationships" xmlns:p="http://schemas.openxmlformats.org/presentationml/2006/main">
-  <p:cSld>
-    <p:spTree>
-      <p:nvGrpSpPr>
-        <p:cNvPr id="1" name=""/>
-        <p:cNvGrpSpPr/>
-        <p:nvPr/>
-      </p:nvGrpSpPr>
-      <p:grpSpPr>
-        <a:xfrm>
-          <a:off x="0" y="0"/>
-          <a:ext cx="0" cy="0"/>
-          <a:chOff x="0" y="0"/>
-          <a:chExt cx="0" cy="0"/>
-        </a:xfrm>
-      </p:grpSpPr>
-      <p:sp>
-        <p:nvSpPr>
-          <p:cNvPr id="2" name="Title 1"/>
-          <p:cNvSpPr>
-            <a:spLocks noGrp="1"/>
-          </p:cNvSpPr>
-          <p:nvPr>
-            <p:ph type="title"/>
-          </p:nvPr>
-        </p:nvSpPr>
-        <p:spPr/>
-        <p:txBody>
-          <a:bodyPr/>
-          <a:lstStyle/>
-          <a:p>
-            <a:r>
-              <a:rPr lang="en-US" dirty="0"/>
-              <a:t>Classroom Setup</a:t>
-            </a:r>
-          </a:p>
-        </p:txBody>
-      </p:sp>
-      <p:sp>
-        <p:nvSpPr>
-          <p:cNvPr id="3" name="Slide Number Placeholder 2"/>
-          <p:cNvSpPr>
-            <a:spLocks noGrp="1"/>
-          </p:cNvSpPr>
-          <p:nvPr>
-            <p:ph type="sldNum" sz="quarter" idx="12"/>
-          </p:nvPr>
-        </p:nvSpPr>
-        <p:spPr/>
-        <p:txBody>
-          <a:bodyPr/>
-          <a:lstStyle/>
-          <a:p>
-            <a:fld id="{D814DA60-3BEE-4BCE-BEDB-E433FD970963}" type="slidenum">
-              <a:rPr lang="en-US" smtClean="0"/>
-              <a:pPr/>
-              <a:t>6</a:t>
-            </a:fld>
-            <a:endParaRPr lang="en-US" dirty="0"/>
-          </a:p>
-        </p:txBody>
-      </p:sp>
-      <p:sp>
-        <p:nvSpPr>
-          <p:cNvPr id="4" name="Text Placeholder 3"/>
-          <p:cNvSpPr>
-            <a:spLocks noGrp="1"/>
-          </p:cNvSpPr>
-          <p:nvPr>
-            <p:ph type="body" sz="quarter" idx="13"/>
-          </p:nvPr>
-        </p:nvSpPr>
-        <p:spPr/>
-        <p:txBody>
-          <a:bodyPr/>
-          <a:lstStyle/>
-          <a:p>
-            <a:r>
-              <a:rPr lang="en-US" dirty="0"/>
-              <a:t>Windows 10</a:t>
-            </a:r>
-          </a:p>
-          <a:p>
-            <a:pPr lvl="1"/>
-            <a:r>
-              <a:rPr lang="en-US" dirty="0"/>
-              <a:t>Machine username: </a:t>
-            </a:r>
-            <a:r>
-              <a:rPr lang="en-US" dirty="0">
-                <a:latin typeface="Courier"/>
-              </a:rPr>
-              <a:t>student</a:t>
-            </a:r>
-          </a:p>
-          <a:p>
-            <a:pPr lvl="1"/>
-            <a:r>
-              <a:rPr lang="en-US" dirty="0"/>
-              <a:t>Machine password: </a:t>
-            </a:r>
-            <a:r>
-              <a:rPr lang="en-US" dirty="0">
-                <a:latin typeface="Courier"/>
-              </a:rPr>
-              <a:t>Pa55w.rd</a:t>
-            </a:r>
-          </a:p>
-          <a:p>
-            <a:pPr lvl="1"/>
-            <a:r>
-              <a:rPr lang="en-US" dirty="0"/>
-              <a:t>Splunk 8.01, Python 2 (for compatibility w/book files)</a:t>
-            </a:r>
-          </a:p>
-          <a:p>
-            <a:pPr lvl="2"/>
-            <a:r>
-              <a:rPr lang="en-US" dirty="0"/>
-              <a:t>Splunk username: </a:t>
-            </a:r>
-            <a:r>
-              <a:rPr lang="en-US" dirty="0">
-                <a:latin typeface="Courier"/>
-              </a:rPr>
-              <a:t>admin</a:t>
-            </a:r>
-          </a:p>
-          <a:p>
-            <a:pPr lvl="2"/>
-            <a:r>
-              <a:rPr lang="en-US" dirty="0"/>
-              <a:t>Splunk password: </a:t>
-            </a:r>
-            <a:r>
-              <a:rPr lang="en-US" dirty="0">
-                <a:latin typeface="Courier"/>
-              </a:rPr>
-              <a:t>password</a:t>
-            </a:r>
-            <a:endParaRPr lang="en-US" dirty="0"/>
-          </a:p>
-          <a:p>
-            <a:r>
-              <a:rPr lang="en-US" dirty="0"/>
-              <a:t>Course Files:</a:t>
-            </a:r>
-          </a:p>
-          <a:p>
-            <a:pPr lvl="1"/>
-            <a:r>
-              <a:rPr lang="en-US" dirty="0"/>
-              <a:t>C:\Improving-your-Splunk-skills-master</a:t>
-            </a:r>
-          </a:p>
-          <a:p>
-            <a:pPr lvl="1"/>
-            <a:r>
-              <a:rPr lang="en-US" dirty="0"/>
-              <a:t>C:\XSPLK2ClassFiles</a:t>
-            </a:r>
-          </a:p>
-        </p:txBody>
-      </p:sp>
-    </p:spTree>
-    <p:extLst>
-      <p:ext uri="{BB962C8B-B14F-4D97-AF65-F5344CB8AC3E}">
-        <p14:creationId xmlns:p14="http://schemas.microsoft.com/office/powerpoint/2010/main" val="2470414402"/>
-      </p:ext>
-    </p:extLst>
-  </p:cSld>
-  <p:clrMapOvr>
-    <a:masterClrMapping/>
-  </p:clrMapOvr>
-</p:sld>
-</file>
-
-<file path=ppt/slides/slide60.xml><?xml version="1.0" encoding="utf-8"?>
+<file path=ppt/slides/slide61.xml><?xml version="1.0" encoding="utf-8"?>
 <p:sld xmlns:a="http://schemas.openxmlformats.org/drawingml/2006/main" xmlns:r="http://schemas.openxmlformats.org/officeDocument/2006/relationships" xmlns:p="http://schemas.openxmlformats.org/presentationml/2006/main">
   <p:cSld>
     <p:spTree>
@@ -12835,10 +15181,17 @@
   <p:clrMapOvr>
     <a:masterClrMapping/>
   </p:clrMapOvr>
+  <p:timing>
+    <p:tnLst>
+      <p:par>
+        <p:cTn id="1" dur="indefinite" restart="never" nodeType="tmRoot"/>
+      </p:par>
+    </p:tnLst>
+  </p:timing>
 </p:sld>
 </file>
 
-<file path=ppt/slides/slide61.xml><?xml version="1.0" encoding="utf-8"?>
+<file path=ppt/slides/slide62.xml><?xml version="1.0" encoding="utf-8"?>
 <p:sld xmlns:a="http://schemas.openxmlformats.org/drawingml/2006/main" xmlns:r="http://schemas.openxmlformats.org/officeDocument/2006/relationships" xmlns:p="http://schemas.openxmlformats.org/presentationml/2006/main">
   <p:cSld>
     <p:spTree>
@@ -12998,10 +15351,17 @@
   <p:clrMapOvr>
     <a:masterClrMapping/>
   </p:clrMapOvr>
+  <p:timing>
+    <p:tnLst>
+      <p:par>
+        <p:cTn id="1" dur="indefinite" restart="never" nodeType="tmRoot"/>
+      </p:par>
+    </p:tnLst>
+  </p:timing>
 </p:sld>
 </file>
 
-<file path=ppt/slides/slide62.xml><?xml version="1.0" encoding="utf-8"?>
+<file path=ppt/slides/slide63.xml><?xml version="1.0" encoding="utf-8"?>
 <p:sld xmlns:a="http://schemas.openxmlformats.org/drawingml/2006/main" xmlns:r="http://schemas.openxmlformats.org/officeDocument/2006/relationships" xmlns:p="http://schemas.openxmlformats.org/presentationml/2006/main">
   <p:cSld>
     <p:spTree>
@@ -13094,6 +15454,96 @@
           </a:p>
         </p:txBody>
       </p:sp>
+      <p:pic>
+        <p:nvPicPr>
+          <p:cNvPr id="4" name="Picture 3">
+            <a:hlinkClick r:id="rId2"/>
+          </p:cNvPr>
+          <p:cNvPicPr>
+            <a:picLocks noChangeAspect="1"/>
+          </p:cNvPicPr>
+          <p:nvPr/>
+        </p:nvPicPr>
+        <p:blipFill>
+          <a:blip r:embed="rId3"/>
+          <a:stretch>
+            <a:fillRect/>
+          </a:stretch>
+        </p:blipFill>
+        <p:spPr>
+          <a:xfrm>
+            <a:off x="1066800" y="3657600"/>
+            <a:ext cx="3962400" cy="913367"/>
+          </a:xfrm>
+          <a:prstGeom prst="rect">
+            <a:avLst/>
+          </a:prstGeom>
+        </p:spPr>
+      </p:pic>
+      <p:pic>
+        <p:nvPicPr>
+          <p:cNvPr id="5" name="Picture 4"/>
+          <p:cNvPicPr>
+            <a:picLocks noChangeAspect="1"/>
+          </p:cNvPicPr>
+          <p:nvPr/>
+        </p:nvPicPr>
+        <p:blipFill>
+          <a:blip r:embed="rId4"/>
+          <a:stretch>
+            <a:fillRect/>
+          </a:stretch>
+        </p:blipFill>
+        <p:spPr>
+          <a:xfrm>
+            <a:off x="6220661" y="3581400"/>
+            <a:ext cx="5218864" cy="1676400"/>
+          </a:xfrm>
+          <a:prstGeom prst="rect">
+            <a:avLst/>
+          </a:prstGeom>
+        </p:spPr>
+      </p:pic>
+      <p:sp>
+        <p:nvSpPr>
+          <p:cNvPr id="6" name="Right Arrow 5"/>
+          <p:cNvSpPr/>
+          <p:nvPr/>
+        </p:nvSpPr>
+        <p:spPr>
+          <a:xfrm>
+            <a:off x="5257800" y="3962400"/>
+            <a:ext cx="838200" cy="304800"/>
+          </a:xfrm>
+          <a:prstGeom prst="rightArrow">
+            <a:avLst/>
+          </a:prstGeom>
+        </p:spPr>
+        <p:style>
+          <a:lnRef idx="2">
+            <a:schemeClr val="accent1">
+              <a:shade val="50000"/>
+            </a:schemeClr>
+          </a:lnRef>
+          <a:fillRef idx="1">
+            <a:schemeClr val="accent1"/>
+          </a:fillRef>
+          <a:effectRef idx="0">
+            <a:schemeClr val="accent1"/>
+          </a:effectRef>
+          <a:fontRef idx="minor">
+            <a:schemeClr val="lt1"/>
+          </a:fontRef>
+        </p:style>
+        <p:txBody>
+          <a:bodyPr rtlCol="0" anchor="ctr"/>
+          <a:lstStyle/>
+          <a:p>
+            <a:pPr algn="ctr"/>
+            <a:endParaRPr lang="en-US"/>
+          </a:p>
+        </p:txBody>
+      </p:sp>
     </p:spTree>
     <p:extLst>
       <p:ext uri="{BB962C8B-B14F-4D97-AF65-F5344CB8AC3E}">
@@ -13104,10 +15554,17 @@
   <p:clrMapOvr>
     <a:masterClrMapping/>
   </p:clrMapOvr>
+  <p:timing>
+    <p:tnLst>
+      <p:par>
+        <p:cTn id="1" dur="indefinite" restart="never" nodeType="tmRoot"/>
+      </p:par>
+    </p:tnLst>
+  </p:timing>
 </p:sld>
 </file>
 
-<file path=ppt/slides/slide63.xml><?xml version="1.0" encoding="utf-8"?>
+<file path=ppt/slides/slide64.xml><?xml version="1.0" encoding="utf-8"?>
 <p:sld xmlns:a="http://schemas.openxmlformats.org/drawingml/2006/main" xmlns:r="http://schemas.openxmlformats.org/officeDocument/2006/relationships" xmlns:p="http://schemas.openxmlformats.org/presentationml/2006/main">
   <p:cSld>
     <p:spTree>
@@ -13228,10 +15685,17 @@
   <p:clrMapOvr>
     <a:masterClrMapping/>
   </p:clrMapOvr>
+  <p:timing>
+    <p:tnLst>
+      <p:par>
+        <p:cTn id="1" dur="indefinite" restart="never" nodeType="tmRoot"/>
+      </p:par>
+    </p:tnLst>
+  </p:timing>
 </p:sld>
 </file>
 
-<file path=ppt/slides/slide64.xml><?xml version="1.0" encoding="utf-8"?>
+<file path=ppt/slides/slide65.xml><?xml version="1.0" encoding="utf-8"?>
 <p:sld xmlns:a="http://schemas.openxmlformats.org/drawingml/2006/main" xmlns:r="http://schemas.openxmlformats.org/officeDocument/2006/relationships" xmlns:p="http://schemas.openxmlformats.org/presentationml/2006/main">
   <p:cSld>
     <p:spTree>
@@ -13380,10 +15844,17 @@
   <p:clrMapOvr>
     <a:masterClrMapping/>
   </p:clrMapOvr>
+  <p:timing>
+    <p:tnLst>
+      <p:par>
+        <p:cTn id="1" dur="indefinite" restart="never" nodeType="tmRoot"/>
+      </p:par>
+    </p:tnLst>
+  </p:timing>
 </p:sld>
 </file>
 
-<file path=ppt/slides/slide65.xml><?xml version="1.0" encoding="utf-8"?>
+<file path=ppt/slides/slide66.xml><?xml version="1.0" encoding="utf-8"?>
 <p:sld xmlns:a="http://schemas.openxmlformats.org/drawingml/2006/main" xmlns:r="http://schemas.openxmlformats.org/officeDocument/2006/relationships" xmlns:p="http://schemas.openxmlformats.org/presentationml/2006/main">
   <p:cSld>
     <p:spTree>
@@ -13444,12 +15915,28 @@
           <a:lstStyle/>
           <a:p>
             <a:r>
-              <a:rPr lang="en-US" dirty="0" err="1"/>
-              <a:t>startswith,endswith</a:t>
-            </a:r>
-            <a:r>
-              <a:rPr lang="en-US" dirty="0"/>
-              <a:t> – define transaction boundaries</a:t>
+              <a:rPr lang="en-US" dirty="0">
+                <a:latin typeface="Courier"/>
+              </a:rPr>
+              <a:t>startswith</a:t>
+            </a:r>
+            <a:r>
+              <a:rPr lang="en-US" dirty="0" smtClean="0"/>
+              <a:t>, </a:t>
+            </a:r>
+            <a:r>
+              <a:rPr lang="en-US" dirty="0" smtClean="0">
+                <a:latin typeface="Courier"/>
+              </a:rPr>
+              <a:t>endswith</a:t>
+            </a:r>
+            <a:r>
+              <a:rPr lang="en-US" dirty="0" smtClean="0"/>
+              <a:t> </a:t>
+            </a:r>
+            <a:r>
+              <a:rPr lang="en-US" dirty="0"/>
+              <a:t>– define transaction boundaries</a:t>
             </a:r>
           </a:p>
         </p:txBody>
@@ -13490,10 +15977,17 @@
   <p:clrMapOvr>
     <a:masterClrMapping/>
   </p:clrMapOvr>
+  <p:timing>
+    <p:tnLst>
+      <p:par>
+        <p:cTn id="1" dur="indefinite" restart="never" nodeType="tmRoot"/>
+      </p:par>
+    </p:tnLst>
+  </p:timing>
 </p:sld>
 </file>
 
-<file path=ppt/slides/slide66.xml><?xml version="1.0" encoding="utf-8"?>
+<file path=ppt/slides/slide67.xml><?xml version="1.0" encoding="utf-8"?>
 <p:sld xmlns:a="http://schemas.openxmlformats.org/drawingml/2006/main" xmlns:r="http://schemas.openxmlformats.org/officeDocument/2006/relationships" xmlns:p="http://schemas.openxmlformats.org/presentationml/2006/main">
   <p:cSld>
     <p:spTree>
@@ -13620,10 +16114,17 @@
   <p:clrMapOvr>
     <a:masterClrMapping/>
   </p:clrMapOvr>
+  <p:timing>
+    <p:tnLst>
+      <p:par>
+        <p:cTn id="1" dur="indefinite" restart="never" nodeType="tmRoot"/>
+      </p:par>
+    </p:tnLst>
+  </p:timing>
 </p:sld>
 </file>
 
-<file path=ppt/slides/slide67.xml><?xml version="1.0" encoding="utf-8"?>
+<file path=ppt/slides/slide68.xml><?xml version="1.0" encoding="utf-8"?>
 <p:sld xmlns:a="http://schemas.openxmlformats.org/drawingml/2006/main" xmlns:r="http://schemas.openxmlformats.org/officeDocument/2006/relationships" xmlns:p="http://schemas.openxmlformats.org/presentationml/2006/main">
   <p:cSld>
     <p:spTree>
@@ -13747,10 +16248,17 @@
   <p:clrMapOvr>
     <a:masterClrMapping/>
   </p:clrMapOvr>
+  <p:timing>
+    <p:tnLst>
+      <p:par>
+        <p:cTn id="1" dur="indefinite" restart="never" nodeType="tmRoot"/>
+      </p:par>
+    </p:tnLst>
+  </p:timing>
 </p:sld>
 </file>
 
-<file path=ppt/slides/slide68.xml><?xml version="1.0" encoding="utf-8"?>
+<file path=ppt/slides/slide69.xml><?xml version="1.0" encoding="utf-8"?>
 <p:sld xmlns:a="http://schemas.openxmlformats.org/drawingml/2006/main" xmlns:r="http://schemas.openxmlformats.org/officeDocument/2006/relationships" xmlns:p="http://schemas.openxmlformats.org/presentationml/2006/main">
   <p:cSld>
     <p:spTree>
@@ -13827,6 +16335,32 @@
           </a:p>
         </p:txBody>
       </p:sp>
+      <p:pic>
+        <p:nvPicPr>
+          <p:cNvPr id="4" name="Picture 3">
+            <a:hlinkClick r:id="rId2"/>
+          </p:cNvPr>
+          <p:cNvPicPr>
+            <a:picLocks noChangeAspect="1"/>
+          </p:cNvPicPr>
+          <p:nvPr/>
+        </p:nvPicPr>
+        <p:blipFill>
+          <a:blip r:embed="rId3"/>
+          <a:stretch>
+            <a:fillRect/>
+          </a:stretch>
+        </p:blipFill>
+        <p:spPr>
+          <a:xfrm>
+            <a:off x="1066800" y="4267200"/>
+            <a:ext cx="3924661" cy="1219200"/>
+          </a:xfrm>
+          <a:prstGeom prst="rect">
+            <a:avLst/>
+          </a:prstGeom>
+        </p:spPr>
+      </p:pic>
     </p:spTree>
     <p:extLst>
       <p:ext uri="{BB962C8B-B14F-4D97-AF65-F5344CB8AC3E}">
@@ -13837,10 +16371,157 @@
   <p:clrMapOvr>
     <a:masterClrMapping/>
   </p:clrMapOvr>
+  <p:timing>
+    <p:tnLst>
+      <p:par>
+        <p:cTn id="1" dur="indefinite" restart="never" nodeType="tmRoot"/>
+      </p:par>
+    </p:tnLst>
+  </p:timing>
 </p:sld>
 </file>
 
-<file path=ppt/slides/slide69.xml><?xml version="1.0" encoding="utf-8"?>
+<file path=ppt/slides/slide7.xml><?xml version="1.0" encoding="utf-8"?>
+<p:sld xmlns:a="http://schemas.openxmlformats.org/drawingml/2006/main" xmlns:r="http://schemas.openxmlformats.org/officeDocument/2006/relationships" xmlns:p="http://schemas.openxmlformats.org/presentationml/2006/main">
+  <p:cSld>
+    <p:spTree>
+      <p:nvGrpSpPr>
+        <p:cNvPr id="1" name=""/>
+        <p:cNvGrpSpPr/>
+        <p:nvPr/>
+      </p:nvGrpSpPr>
+      <p:grpSpPr>
+        <a:xfrm>
+          <a:off x="0" y="0"/>
+          <a:ext cx="0" cy="0"/>
+          <a:chOff x="0" y="0"/>
+          <a:chExt cx="0" cy="0"/>
+        </a:xfrm>
+      </p:grpSpPr>
+      <p:sp>
+        <p:nvSpPr>
+          <p:cNvPr id="2" name="Title 1"/>
+          <p:cNvSpPr>
+            <a:spLocks noGrp="1"/>
+          </p:cNvSpPr>
+          <p:nvPr>
+            <p:ph type="title"/>
+          </p:nvPr>
+        </p:nvSpPr>
+        <p:spPr/>
+        <p:txBody>
+          <a:bodyPr/>
+          <a:lstStyle/>
+          <a:p>
+            <a:r>
+              <a:rPr lang="en-US" dirty="0"/>
+              <a:t>Course Outline</a:t>
+            </a:r>
+          </a:p>
+        </p:txBody>
+      </p:sp>
+      <p:sp>
+        <p:nvSpPr>
+          <p:cNvPr id="3" name="Slide Number Placeholder 2"/>
+          <p:cNvSpPr>
+            <a:spLocks noGrp="1"/>
+          </p:cNvSpPr>
+          <p:nvPr>
+            <p:ph type="sldNum" sz="quarter" idx="12"/>
+          </p:nvPr>
+        </p:nvSpPr>
+        <p:spPr/>
+        <p:txBody>
+          <a:bodyPr/>
+          <a:lstStyle/>
+          <a:p>
+            <a:fld id="{D814DA60-3BEE-4BCE-BEDB-E433FD970963}" type="slidenum">
+              <a:rPr lang="en-US" smtClean="0"/>
+              <a:pPr/>
+              <a:t>7</a:t>
+            </a:fld>
+            <a:endParaRPr lang="en-US" dirty="0"/>
+          </a:p>
+        </p:txBody>
+      </p:sp>
+      <p:sp>
+        <p:nvSpPr>
+          <p:cNvPr id="5" name="Text Placeholder 4"/>
+          <p:cNvSpPr>
+            <a:spLocks noGrp="1"/>
+          </p:cNvSpPr>
+          <p:nvPr>
+            <p:ph type="body" sz="quarter" idx="13"/>
+          </p:nvPr>
+        </p:nvSpPr>
+        <p:spPr>
+          <a:xfrm>
+            <a:off x="609600" y="1066800"/>
+            <a:ext cx="10972800" cy="4343400"/>
+          </a:xfrm>
+        </p:spPr>
+        <p:txBody>
+          <a:bodyPr numCol="1"/>
+          <a:lstStyle/>
+          <a:p>
+            <a:r>
+              <a:rPr lang="en-US" sz="1800" dirty="0"/>
+              <a:t>Module 1: Introduction and review</a:t>
+            </a:r>
+          </a:p>
+          <a:p>
+            <a:r>
+              <a:rPr lang="en-US" sz="1800" dirty="0"/>
+              <a:t>Module 2: Getting data into Splunk</a:t>
+            </a:r>
+          </a:p>
+          <a:p>
+            <a:r>
+              <a:rPr lang="en-US" sz="1800" dirty="0"/>
+              <a:t>Module 3: Building an Operational Intelligence App</a:t>
+            </a:r>
+          </a:p>
+          <a:p>
+            <a:r>
+              <a:rPr lang="en-US" sz="1800" dirty="0"/>
+              <a:t>Module 4: Advanced Querying</a:t>
+            </a:r>
+          </a:p>
+          <a:p>
+            <a:r>
+              <a:rPr lang="en-US" sz="1800" dirty="0"/>
+              <a:t>Module 5: Analytics and Machine Learning</a:t>
+            </a:r>
+          </a:p>
+          <a:p>
+            <a:r>
+              <a:rPr lang="en-US" sz="1800" dirty="0"/>
+              <a:t>Module 6: Optimization</a:t>
+            </a:r>
+          </a:p>
+        </p:txBody>
+      </p:sp>
+    </p:spTree>
+    <p:extLst>
+      <p:ext uri="{BB962C8B-B14F-4D97-AF65-F5344CB8AC3E}">
+        <p14:creationId xmlns:p14="http://schemas.microsoft.com/office/powerpoint/2010/main" val="2796521234"/>
+      </p:ext>
+    </p:extLst>
+  </p:cSld>
+  <p:clrMapOvr>
+    <a:masterClrMapping/>
+  </p:clrMapOvr>
+  <p:timing>
+    <p:tnLst>
+      <p:par>
+        <p:cTn id="1" dur="indefinite" restart="never" nodeType="tmRoot"/>
+      </p:par>
+    </p:tnLst>
+  </p:timing>
+</p:sld>
+</file>
+
+<file path=ppt/slides/slide70.xml><?xml version="1.0" encoding="utf-8"?>
 <p:sld xmlns:a="http://schemas.openxmlformats.org/drawingml/2006/main" xmlns:r="http://schemas.openxmlformats.org/officeDocument/2006/relationships" xmlns:p="http://schemas.openxmlformats.org/presentationml/2006/main">
   <p:cSld>
     <p:spTree>
@@ -14017,143 +16698,17 @@
   <p:clrMapOvr>
     <a:masterClrMapping/>
   </p:clrMapOvr>
+  <p:timing>
+    <p:tnLst>
+      <p:par>
+        <p:cTn id="1" dur="indefinite" restart="never" nodeType="tmRoot"/>
+      </p:par>
+    </p:tnLst>
+  </p:timing>
 </p:sld>
 </file>
 
-<file path=ppt/slides/slide7.xml><?xml version="1.0" encoding="utf-8"?>
-<p:sld xmlns:a="http://schemas.openxmlformats.org/drawingml/2006/main" xmlns:r="http://schemas.openxmlformats.org/officeDocument/2006/relationships" xmlns:p="http://schemas.openxmlformats.org/presentationml/2006/main">
-  <p:cSld>
-    <p:spTree>
-      <p:nvGrpSpPr>
-        <p:cNvPr id="1" name=""/>
-        <p:cNvGrpSpPr/>
-        <p:nvPr/>
-      </p:nvGrpSpPr>
-      <p:grpSpPr>
-        <a:xfrm>
-          <a:off x="0" y="0"/>
-          <a:ext cx="0" cy="0"/>
-          <a:chOff x="0" y="0"/>
-          <a:chExt cx="0" cy="0"/>
-        </a:xfrm>
-      </p:grpSpPr>
-      <p:sp>
-        <p:nvSpPr>
-          <p:cNvPr id="2" name="Title 1"/>
-          <p:cNvSpPr>
-            <a:spLocks noGrp="1"/>
-          </p:cNvSpPr>
-          <p:nvPr>
-            <p:ph type="title"/>
-          </p:nvPr>
-        </p:nvSpPr>
-        <p:spPr/>
-        <p:txBody>
-          <a:bodyPr/>
-          <a:lstStyle/>
-          <a:p>
-            <a:r>
-              <a:rPr lang="en-US" dirty="0"/>
-              <a:t>Course Outline</a:t>
-            </a:r>
-          </a:p>
-        </p:txBody>
-      </p:sp>
-      <p:sp>
-        <p:nvSpPr>
-          <p:cNvPr id="3" name="Slide Number Placeholder 2"/>
-          <p:cNvSpPr>
-            <a:spLocks noGrp="1"/>
-          </p:cNvSpPr>
-          <p:nvPr>
-            <p:ph type="sldNum" sz="quarter" idx="12"/>
-          </p:nvPr>
-        </p:nvSpPr>
-        <p:spPr/>
-        <p:txBody>
-          <a:bodyPr/>
-          <a:lstStyle/>
-          <a:p>
-            <a:fld id="{D814DA60-3BEE-4BCE-BEDB-E433FD970963}" type="slidenum">
-              <a:rPr lang="en-US" smtClean="0"/>
-              <a:pPr/>
-              <a:t>7</a:t>
-            </a:fld>
-            <a:endParaRPr lang="en-US" dirty="0"/>
-          </a:p>
-        </p:txBody>
-      </p:sp>
-      <p:sp>
-        <p:nvSpPr>
-          <p:cNvPr id="5" name="Text Placeholder 4"/>
-          <p:cNvSpPr>
-            <a:spLocks noGrp="1"/>
-          </p:cNvSpPr>
-          <p:nvPr>
-            <p:ph type="body" sz="quarter" idx="13"/>
-          </p:nvPr>
-        </p:nvSpPr>
-        <p:spPr>
-          <a:xfrm>
-            <a:off x="609600" y="1066800"/>
-            <a:ext cx="10972800" cy="4343400"/>
-          </a:xfrm>
-        </p:spPr>
-        <p:txBody>
-          <a:bodyPr numCol="1"/>
-          <a:lstStyle/>
-          <a:p>
-            <a:r>
-              <a:rPr lang="en-US" sz="1800" dirty="0"/>
-              <a:t>Module 1: Introduction and review</a:t>
-            </a:r>
-          </a:p>
-          <a:p>
-            <a:r>
-              <a:rPr lang="en-US" sz="1800" dirty="0"/>
-              <a:t>Module 2: Getting data into Splunk</a:t>
-            </a:r>
-          </a:p>
-          <a:p>
-            <a:r>
-              <a:rPr lang="en-US" sz="1800" dirty="0"/>
-              <a:t>Module 3: Building an Operational Intelligence App</a:t>
-            </a:r>
-          </a:p>
-          <a:p>
-            <a:r>
-              <a:rPr lang="en-US" sz="1800" dirty="0"/>
-              <a:t>Module 4: Advanced Querying</a:t>
-            </a:r>
-          </a:p>
-          <a:p>
-            <a:r>
-              <a:rPr lang="en-US" sz="1800" dirty="0"/>
-              <a:t>Module 5: Analytics and Machine Learning</a:t>
-            </a:r>
-          </a:p>
-          <a:p>
-            <a:r>
-              <a:rPr lang="en-US" sz="1800" dirty="0"/>
-              <a:t>Module 6: Optimization</a:t>
-            </a:r>
-          </a:p>
-        </p:txBody>
-      </p:sp>
-    </p:spTree>
-    <p:extLst>
-      <p:ext uri="{BB962C8B-B14F-4D97-AF65-F5344CB8AC3E}">
-        <p14:creationId xmlns:p14="http://schemas.microsoft.com/office/powerpoint/2010/main" val="2796521234"/>
-      </p:ext>
-    </p:extLst>
-  </p:cSld>
-  <p:clrMapOvr>
-    <a:masterClrMapping/>
-  </p:clrMapOvr>
-</p:sld>
-</file>
-
-<file path=ppt/slides/slide70.xml><?xml version="1.0" encoding="utf-8"?>
+<file path=ppt/slides/slide71.xml><?xml version="1.0" encoding="utf-8"?>
 <p:sld xmlns:a="http://schemas.openxmlformats.org/drawingml/2006/main" xmlns:r="http://schemas.openxmlformats.org/officeDocument/2006/relationships" xmlns:p="http://schemas.openxmlformats.org/presentationml/2006/main">
   <p:cSld>
     <p:spTree>
@@ -14356,10 +16911,17 @@
   <p:clrMapOvr>
     <a:masterClrMapping/>
   </p:clrMapOvr>
+  <p:timing>
+    <p:tnLst>
+      <p:par>
+        <p:cTn id="1" dur="indefinite" restart="never" nodeType="tmRoot"/>
+      </p:par>
+    </p:tnLst>
+  </p:timing>
 </p:sld>
 </file>
 
-<file path=ppt/slides/slide71.xml><?xml version="1.0" encoding="utf-8"?>
+<file path=ppt/slides/slide72.xml><?xml version="1.0" encoding="utf-8"?>
 <p:sld xmlns:a="http://schemas.openxmlformats.org/drawingml/2006/main" xmlns:r="http://schemas.openxmlformats.org/officeDocument/2006/relationships" xmlns:p="http://schemas.openxmlformats.org/presentationml/2006/main">
   <p:cSld>
     <p:spTree>
@@ -14500,120 +17062,13 @@
   <p:clrMapOvr>
     <a:masterClrMapping/>
   </p:clrMapOvr>
-</p:sld>
-</file>
-
-<file path=ppt/slides/slide72.xml><?xml version="1.0" encoding="utf-8"?>
-<p:sld xmlns:a="http://schemas.openxmlformats.org/drawingml/2006/main" xmlns:r="http://schemas.openxmlformats.org/officeDocument/2006/relationships" xmlns:p="http://schemas.openxmlformats.org/presentationml/2006/main">
-  <p:cSld>
-    <p:spTree>
-      <p:nvGrpSpPr>
-        <p:cNvPr id="1" name=""/>
-        <p:cNvGrpSpPr/>
-        <p:nvPr/>
-      </p:nvGrpSpPr>
-      <p:grpSpPr>
-        <a:xfrm>
-          <a:off x="0" y="0"/>
-          <a:ext cx="0" cy="0"/>
-          <a:chOff x="0" y="0"/>
-          <a:chExt cx="0" cy="0"/>
-        </a:xfrm>
-      </p:grpSpPr>
-      <p:sp>
-        <p:nvSpPr>
-          <p:cNvPr id="2" name="Title 1"/>
-          <p:cNvSpPr>
-            <a:spLocks noGrp="1"/>
-          </p:cNvSpPr>
-          <p:nvPr>
-            <p:ph type="title"/>
-          </p:nvPr>
-        </p:nvSpPr>
-        <p:spPr/>
-        <p:txBody>
-          <a:bodyPr/>
-          <a:lstStyle/>
-          <a:p>
-            <a:r>
-              <a:rPr lang="en-US" dirty="0"/>
-              <a:t>Lab 4: Advanced Search</a:t>
-            </a:r>
-          </a:p>
-        </p:txBody>
-      </p:sp>
-      <p:sp>
-        <p:nvSpPr>
-          <p:cNvPr id="3" name="Content Placeholder 2"/>
-          <p:cNvSpPr>
-            <a:spLocks noGrp="1"/>
-          </p:cNvSpPr>
-          <p:nvPr>
-            <p:ph idx="1"/>
-          </p:nvPr>
-        </p:nvSpPr>
-        <p:spPr/>
-        <p:txBody>
-          <a:bodyPr/>
-          <a:lstStyle/>
-          <a:p>
-            <a:r>
-              <a:rPr lang="en-US" dirty="0"/>
-              <a:t>Calculating the average session time on a website p 490</a:t>
-            </a:r>
-          </a:p>
-          <a:p>
-            <a:r>
-              <a:rPr lang="en-US" dirty="0"/>
-              <a:t>Calculating the average execution time for multi-tier web requests p 498</a:t>
-            </a:r>
-          </a:p>
-          <a:p>
-            <a:r>
-              <a:rPr lang="en-US" dirty="0"/>
-              <a:t>Displaying the maximum concurrent checkouts p 506</a:t>
-            </a:r>
-          </a:p>
-          <a:p>
-            <a:r>
-              <a:rPr lang="en-US" dirty="0"/>
-              <a:t>Analyzing the relationship of web requests p 512</a:t>
-            </a:r>
-          </a:p>
-        </p:txBody>
-      </p:sp>
-      <p:sp>
-        <p:nvSpPr>
-          <p:cNvPr id="4" name="Text Placeholder 3"/>
-          <p:cNvSpPr>
-            <a:spLocks noGrp="1"/>
-          </p:cNvSpPr>
-          <p:nvPr>
-            <p:ph type="body" sz="quarter" idx="13"/>
-          </p:nvPr>
-        </p:nvSpPr>
-        <p:spPr/>
-        <p:txBody>
-          <a:bodyPr/>
-          <a:lstStyle/>
-          <a:p>
-            <a:r>
-              <a:rPr lang="en-US" dirty="0"/>
-              <a:t>Duration: 60 minutes</a:t>
-            </a:r>
-          </a:p>
-        </p:txBody>
-      </p:sp>
-    </p:spTree>
-    <p:extLst>
-      <p:ext uri="{BB962C8B-B14F-4D97-AF65-F5344CB8AC3E}">
-        <p14:creationId xmlns:p14="http://schemas.microsoft.com/office/powerpoint/2010/main" val="584323433"/>
-      </p:ext>
-    </p:extLst>
-  </p:cSld>
-  <p:clrMapOvr>
-    <a:masterClrMapping/>
-  </p:clrMapOvr>
+  <p:timing>
+    <p:tnLst>
+      <p:par>
+        <p:cTn id="1" dur="indefinite" restart="never" nodeType="tmRoot"/>
+      </p:par>
+    </p:tnLst>
+  </p:timing>
 </p:sld>
 </file>
 
@@ -14651,6 +17106,135 @@
           <a:p>
             <a:r>
               <a:rPr lang="en-US" dirty="0"/>
+              <a:t>Lab 4: Advanced Search</a:t>
+            </a:r>
+          </a:p>
+        </p:txBody>
+      </p:sp>
+      <p:sp>
+        <p:nvSpPr>
+          <p:cNvPr id="3" name="Content Placeholder 2"/>
+          <p:cNvSpPr>
+            <a:spLocks noGrp="1"/>
+          </p:cNvSpPr>
+          <p:nvPr>
+            <p:ph idx="1"/>
+          </p:nvPr>
+        </p:nvSpPr>
+        <p:spPr/>
+        <p:txBody>
+          <a:bodyPr/>
+          <a:lstStyle/>
+          <a:p>
+            <a:r>
+              <a:rPr lang="en-US" dirty="0"/>
+              <a:t>Calculating the average session time on a website p 490</a:t>
+            </a:r>
+          </a:p>
+          <a:p>
+            <a:r>
+              <a:rPr lang="en-US" dirty="0"/>
+              <a:t>Calculating the average execution time for multi-tier web requests p 498</a:t>
+            </a:r>
+          </a:p>
+          <a:p>
+            <a:r>
+              <a:rPr lang="en-US" dirty="0"/>
+              <a:t>Displaying the maximum concurrent checkouts p 506</a:t>
+            </a:r>
+          </a:p>
+          <a:p>
+            <a:r>
+              <a:rPr lang="en-US" dirty="0"/>
+              <a:t>Analyzing the relationship of web requests p 512</a:t>
+            </a:r>
+          </a:p>
+        </p:txBody>
+      </p:sp>
+      <p:sp>
+        <p:nvSpPr>
+          <p:cNvPr id="4" name="Text Placeholder 3"/>
+          <p:cNvSpPr>
+            <a:spLocks noGrp="1"/>
+          </p:cNvSpPr>
+          <p:nvPr>
+            <p:ph type="body" sz="quarter" idx="13"/>
+          </p:nvPr>
+        </p:nvSpPr>
+        <p:spPr/>
+        <p:txBody>
+          <a:bodyPr/>
+          <a:lstStyle/>
+          <a:p>
+            <a:r>
+              <a:rPr lang="en-US" dirty="0"/>
+              <a:t>Duration: </a:t>
+            </a:r>
+            <a:r>
+              <a:rPr lang="en-US" dirty="0" smtClean="0"/>
+              <a:t>45 </a:t>
+            </a:r>
+            <a:r>
+              <a:rPr lang="en-US" dirty="0"/>
+              <a:t>minutes</a:t>
+            </a:r>
+          </a:p>
+        </p:txBody>
+      </p:sp>
+    </p:spTree>
+    <p:extLst>
+      <p:ext uri="{BB962C8B-B14F-4D97-AF65-F5344CB8AC3E}">
+        <p14:creationId xmlns:p14="http://schemas.microsoft.com/office/powerpoint/2010/main" val="584323433"/>
+      </p:ext>
+    </p:extLst>
+  </p:cSld>
+  <p:clrMapOvr>
+    <a:masterClrMapping/>
+  </p:clrMapOvr>
+  <p:timing>
+    <p:tnLst>
+      <p:par>
+        <p:cTn id="1" dur="indefinite" restart="never" nodeType="tmRoot"/>
+      </p:par>
+    </p:tnLst>
+  </p:timing>
+</p:sld>
+</file>
+
+<file path=ppt/slides/slide74.xml><?xml version="1.0" encoding="utf-8"?>
+<p:sld xmlns:a="http://schemas.openxmlformats.org/drawingml/2006/main" xmlns:r="http://schemas.openxmlformats.org/officeDocument/2006/relationships" xmlns:p="http://schemas.openxmlformats.org/presentationml/2006/main">
+  <p:cSld>
+    <p:spTree>
+      <p:nvGrpSpPr>
+        <p:cNvPr id="1" name=""/>
+        <p:cNvGrpSpPr/>
+        <p:nvPr/>
+      </p:nvGrpSpPr>
+      <p:grpSpPr>
+        <a:xfrm>
+          <a:off x="0" y="0"/>
+          <a:ext cx="0" cy="0"/>
+          <a:chOff x="0" y="0"/>
+          <a:chExt cx="0" cy="0"/>
+        </a:xfrm>
+      </p:grpSpPr>
+      <p:sp>
+        <p:nvSpPr>
+          <p:cNvPr id="2" name="Title 1"/>
+          <p:cNvSpPr>
+            <a:spLocks noGrp="1"/>
+          </p:cNvSpPr>
+          <p:nvPr>
+            <p:ph type="title"/>
+          </p:nvPr>
+        </p:nvSpPr>
+        <p:spPr/>
+        <p:txBody>
+          <a:bodyPr/>
+          <a:lstStyle/>
+          <a:p>
+            <a:r>
+              <a:rPr lang="en-US" dirty="0"/>
               <a:t>Module 5: Analytics and Machine Learning</a:t>
             </a:r>
           </a:p>
@@ -14666,10 +17250,17 @@
   <p:clrMapOvr>
     <a:masterClrMapping/>
   </p:clrMapOvr>
+  <p:timing>
+    <p:tnLst>
+      <p:par>
+        <p:cTn id="1" dur="indefinite" restart="never" nodeType="tmRoot"/>
+      </p:par>
+    </p:tnLst>
+  </p:timing>
 </p:sld>
 </file>
 
-<file path=ppt/slides/slide74.xml><?xml version="1.0" encoding="utf-8"?>
+<file path=ppt/slides/slide75.xml><?xml version="1.0" encoding="utf-8"?>
 <p:sld xmlns:a="http://schemas.openxmlformats.org/drawingml/2006/main" xmlns:r="http://schemas.openxmlformats.org/officeDocument/2006/relationships" xmlns:p="http://schemas.openxmlformats.org/presentationml/2006/main">
   <p:cSld>
     <p:spTree>
@@ -14811,10 +17402,17 @@
   <p:clrMapOvr>
     <a:masterClrMapping/>
   </p:clrMapOvr>
+  <p:timing>
+    <p:tnLst>
+      <p:par>
+        <p:cTn id="1" dur="indefinite" restart="never" nodeType="tmRoot"/>
+      </p:par>
+    </p:tnLst>
+  </p:timing>
 </p:sld>
 </file>
 
-<file path=ppt/slides/slide75.xml><?xml version="1.0" encoding="utf-8"?>
+<file path=ppt/slides/slide76.xml><?xml version="1.0" encoding="utf-8"?>
 <p:sld xmlns:a="http://schemas.openxmlformats.org/drawingml/2006/main" xmlns:r="http://schemas.openxmlformats.org/officeDocument/2006/relationships" xmlns:p="http://schemas.openxmlformats.org/presentationml/2006/main">
   <p:cSld>
     <p:spTree>
@@ -14945,10 +17543,17 @@
   <p:clrMapOvr>
     <a:masterClrMapping/>
   </p:clrMapOvr>
+  <p:timing>
+    <p:tnLst>
+      <p:par>
+        <p:cTn id="1" dur="indefinite" restart="never" nodeType="tmRoot"/>
+      </p:par>
+    </p:tnLst>
+  </p:timing>
 </p:sld>
 </file>
 
-<file path=ppt/slides/slide76.xml><?xml version="1.0" encoding="utf-8"?>
+<file path=ppt/slides/slide77.xml><?xml version="1.0" encoding="utf-8"?>
 <p:sld xmlns:a="http://schemas.openxmlformats.org/drawingml/2006/main" xmlns:r="http://schemas.openxmlformats.org/officeDocument/2006/relationships" xmlns:p="http://schemas.openxmlformats.org/presentationml/2006/main">
   <p:cSld>
     <p:spTree>
@@ -15079,10 +17684,17 @@
   <p:clrMapOvr>
     <a:masterClrMapping/>
   </p:clrMapOvr>
+  <p:timing>
+    <p:tnLst>
+      <p:par>
+        <p:cTn id="1" dur="indefinite" restart="never" nodeType="tmRoot"/>
+      </p:par>
+    </p:tnLst>
+  </p:timing>
 </p:sld>
 </file>
 
-<file path=ppt/slides/slide77.xml><?xml version="1.0" encoding="utf-8"?>
+<file path=ppt/slides/slide78.xml><?xml version="1.0" encoding="utf-8"?>
 <p:sld xmlns:a="http://schemas.openxmlformats.org/drawingml/2006/main" xmlns:r="http://schemas.openxmlformats.org/officeDocument/2006/relationships" xmlns:p="http://schemas.openxmlformats.org/presentationml/2006/main">
   <p:cSld>
     <p:spTree>
@@ -15189,10 +17801,17 @@
   <p:clrMapOvr>
     <a:masterClrMapping/>
   </p:clrMapOvr>
+  <p:timing>
+    <p:tnLst>
+      <p:par>
+        <p:cTn id="1" dur="indefinite" restart="never" nodeType="tmRoot"/>
+      </p:par>
+    </p:tnLst>
+  </p:timing>
 </p:sld>
 </file>
 
-<file path=ppt/slides/slide78.xml><?xml version="1.0" encoding="utf-8"?>
+<file path=ppt/slides/slide79.xml><?xml version="1.0" encoding="utf-8"?>
 <p:sld xmlns:a="http://schemas.openxmlformats.org/drawingml/2006/main" xmlns:r="http://schemas.openxmlformats.org/officeDocument/2006/relationships" xmlns:p="http://schemas.openxmlformats.org/presentationml/2006/main">
   <p:cSld>
     <p:spTree>
@@ -15305,119 +17924,13 @@
   <p:clrMapOvr>
     <a:masterClrMapping/>
   </p:clrMapOvr>
-</p:sld>
-</file>
-
-<file path=ppt/slides/slide79.xml><?xml version="1.0" encoding="utf-8"?>
-<p:sld xmlns:a="http://schemas.openxmlformats.org/drawingml/2006/main" xmlns:r="http://schemas.openxmlformats.org/officeDocument/2006/relationships" xmlns:p="http://schemas.openxmlformats.org/presentationml/2006/main">
-  <p:cSld>
-    <p:spTree>
-      <p:nvGrpSpPr>
-        <p:cNvPr id="1" name=""/>
-        <p:cNvGrpSpPr/>
-        <p:nvPr/>
-      </p:nvGrpSpPr>
-      <p:grpSpPr>
-        <a:xfrm>
-          <a:off x="0" y="0"/>
-          <a:ext cx="0" cy="0"/>
-          <a:chOff x="0" y="0"/>
-          <a:chExt cx="0" cy="0"/>
-        </a:xfrm>
-      </p:grpSpPr>
-      <p:sp>
-        <p:nvSpPr>
-          <p:cNvPr id="2" name="Title 1"/>
-          <p:cNvSpPr>
-            <a:spLocks noGrp="1"/>
-          </p:cNvSpPr>
-          <p:nvPr>
-            <p:ph type="title"/>
-          </p:nvPr>
-        </p:nvSpPr>
-        <p:spPr/>
-        <p:txBody>
-          <a:bodyPr/>
-          <a:lstStyle/>
-          <a:p>
-            <a:r>
-              <a:rPr lang="en-US" dirty="0"/>
-              <a:t>The </a:t>
-            </a:r>
-            <a:r>
-              <a:rPr lang="en-US" dirty="0" err="1">
-                <a:latin typeface="Courier"/>
-              </a:rPr>
-              <a:t>anomalousvalues</a:t>
-            </a:r>
-            <a:r>
-              <a:rPr lang="en-US" dirty="0"/>
-              <a:t> command</a:t>
-            </a:r>
-          </a:p>
-        </p:txBody>
-      </p:sp>
-      <p:sp>
-        <p:nvSpPr>
-          <p:cNvPr id="3" name="Text Placeholder 2"/>
-          <p:cNvSpPr>
-            <a:spLocks noGrp="1"/>
-          </p:cNvSpPr>
-          <p:nvPr>
-            <p:ph type="body" sz="quarter" idx="10"/>
-          </p:nvPr>
-        </p:nvSpPr>
-        <p:spPr/>
-        <p:txBody>
-          <a:bodyPr/>
-          <a:lstStyle/>
-          <a:p>
-            <a:r>
-              <a:rPr lang="en-US" dirty="0"/>
-              <a:t>Computes an anomaly score for each field of each event, relative to the values of this field across other events</a:t>
-            </a:r>
-          </a:p>
-          <a:p>
-            <a:endParaRPr lang="en-US" dirty="0"/>
-          </a:p>
-        </p:txBody>
-      </p:sp>
-      <p:pic>
-        <p:nvPicPr>
-          <p:cNvPr id="5" name="Picture 4">
-            <a:hlinkClick r:id="rId2"/>
-          </p:cNvPr>
-          <p:cNvPicPr>
-            <a:picLocks noChangeAspect="1"/>
-          </p:cNvPicPr>
-          <p:nvPr/>
-        </p:nvPicPr>
-        <p:blipFill>
-          <a:blip r:embed="rId3"/>
-          <a:stretch>
-            <a:fillRect/>
-          </a:stretch>
-        </p:blipFill>
-        <p:spPr>
-          <a:xfrm>
-            <a:off x="1066800" y="4495800"/>
-            <a:ext cx="7545294" cy="557237"/>
-          </a:xfrm>
-          <a:prstGeom prst="rect">
-            <a:avLst/>
-          </a:prstGeom>
-        </p:spPr>
-      </p:pic>
-    </p:spTree>
-    <p:extLst>
-      <p:ext uri="{BB962C8B-B14F-4D97-AF65-F5344CB8AC3E}">
-        <p14:creationId xmlns:p14="http://schemas.microsoft.com/office/powerpoint/2010/main" val="783486506"/>
-      </p:ext>
-    </p:extLst>
-  </p:cSld>
-  <p:clrMapOvr>
-    <a:masterClrMapping/>
-  </p:clrMapOvr>
+  <p:timing>
+    <p:tnLst>
+      <p:par>
+        <p:cTn id="1" dur="indefinite" restart="never" nodeType="tmRoot"/>
+      </p:par>
+    </p:tnLst>
+  </p:timing>
 </p:sld>
 </file>
 
@@ -15577,10 +18090,137 @@
   <p:clrMapOvr>
     <a:masterClrMapping/>
   </p:clrMapOvr>
+  <p:timing>
+    <p:tnLst>
+      <p:par>
+        <p:cTn id="1" dur="indefinite" restart="never" nodeType="tmRoot"/>
+      </p:par>
+    </p:tnLst>
+  </p:timing>
 </p:sld>
 </file>
 
 <file path=ppt/slides/slide80.xml><?xml version="1.0" encoding="utf-8"?>
+<p:sld xmlns:a="http://schemas.openxmlformats.org/drawingml/2006/main" xmlns:r="http://schemas.openxmlformats.org/officeDocument/2006/relationships" xmlns:p="http://schemas.openxmlformats.org/presentationml/2006/main">
+  <p:cSld>
+    <p:spTree>
+      <p:nvGrpSpPr>
+        <p:cNvPr id="1" name=""/>
+        <p:cNvGrpSpPr/>
+        <p:nvPr/>
+      </p:nvGrpSpPr>
+      <p:grpSpPr>
+        <a:xfrm>
+          <a:off x="0" y="0"/>
+          <a:ext cx="0" cy="0"/>
+          <a:chOff x="0" y="0"/>
+          <a:chExt cx="0" cy="0"/>
+        </a:xfrm>
+      </p:grpSpPr>
+      <p:sp>
+        <p:nvSpPr>
+          <p:cNvPr id="2" name="Title 1"/>
+          <p:cNvSpPr>
+            <a:spLocks noGrp="1"/>
+          </p:cNvSpPr>
+          <p:nvPr>
+            <p:ph type="title"/>
+          </p:nvPr>
+        </p:nvSpPr>
+        <p:spPr/>
+        <p:txBody>
+          <a:bodyPr/>
+          <a:lstStyle/>
+          <a:p>
+            <a:r>
+              <a:rPr lang="en-US" dirty="0"/>
+              <a:t>The </a:t>
+            </a:r>
+            <a:r>
+              <a:rPr lang="en-US" dirty="0" err="1">
+                <a:latin typeface="Courier"/>
+              </a:rPr>
+              <a:t>anomalousvalues</a:t>
+            </a:r>
+            <a:r>
+              <a:rPr lang="en-US" dirty="0"/>
+              <a:t> command</a:t>
+            </a:r>
+          </a:p>
+        </p:txBody>
+      </p:sp>
+      <p:sp>
+        <p:nvSpPr>
+          <p:cNvPr id="3" name="Text Placeholder 2"/>
+          <p:cNvSpPr>
+            <a:spLocks noGrp="1"/>
+          </p:cNvSpPr>
+          <p:nvPr>
+            <p:ph type="body" sz="quarter" idx="10"/>
+          </p:nvPr>
+        </p:nvSpPr>
+        <p:spPr/>
+        <p:txBody>
+          <a:bodyPr/>
+          <a:lstStyle/>
+          <a:p>
+            <a:r>
+              <a:rPr lang="en-US" dirty="0"/>
+              <a:t>Computes an anomaly score for each field of each event, relative to the values of this field across other events</a:t>
+            </a:r>
+          </a:p>
+          <a:p>
+            <a:endParaRPr lang="en-US" dirty="0"/>
+          </a:p>
+        </p:txBody>
+      </p:sp>
+      <p:pic>
+        <p:nvPicPr>
+          <p:cNvPr id="5" name="Picture 4">
+            <a:hlinkClick r:id="rId2"/>
+          </p:cNvPr>
+          <p:cNvPicPr>
+            <a:picLocks noChangeAspect="1"/>
+          </p:cNvPicPr>
+          <p:nvPr/>
+        </p:nvPicPr>
+        <p:blipFill>
+          <a:blip r:embed="rId3"/>
+          <a:stretch>
+            <a:fillRect/>
+          </a:stretch>
+        </p:blipFill>
+        <p:spPr>
+          <a:xfrm>
+            <a:off x="1066800" y="4495800"/>
+            <a:ext cx="7545294" cy="557237"/>
+          </a:xfrm>
+          <a:prstGeom prst="rect">
+            <a:avLst/>
+          </a:prstGeom>
+        </p:spPr>
+      </p:pic>
+    </p:spTree>
+    <p:extLst>
+      <p:ext uri="{BB962C8B-B14F-4D97-AF65-F5344CB8AC3E}">
+        <p14:creationId xmlns:p14="http://schemas.microsoft.com/office/powerpoint/2010/main" val="783486506"/>
+      </p:ext>
+    </p:extLst>
+  </p:cSld>
+  <p:clrMapOvr>
+    <a:masterClrMapping/>
+  </p:clrMapOvr>
+  <p:timing>
+    <p:tnLst>
+      <p:par>
+        <p:cTn id="1" dur="indefinite" restart="never" nodeType="tmRoot"/>
+      </p:par>
+    </p:tnLst>
+  </p:timing>
+</p:sld>
+</file>
+
+<file path=ppt/slides/slide81.xml><?xml version="1.0" encoding="utf-8"?>
 <p:sld xmlns:a="http://schemas.openxmlformats.org/drawingml/2006/main" xmlns:r="http://schemas.openxmlformats.org/officeDocument/2006/relationships" xmlns:p="http://schemas.openxmlformats.org/presentationml/2006/main">
   <p:cSld>
     <p:spTree>
@@ -15747,10 +18387,17 @@
   <p:clrMapOvr>
     <a:masterClrMapping/>
   </p:clrMapOvr>
+  <p:timing>
+    <p:tnLst>
+      <p:par>
+        <p:cTn id="1" dur="indefinite" restart="never" nodeType="tmRoot"/>
+      </p:par>
+    </p:tnLst>
+  </p:timing>
 </p:sld>
 </file>
 
-<file path=ppt/slides/slide81.xml><?xml version="1.0" encoding="utf-8"?>
+<file path=ppt/slides/slide82.xml><?xml version="1.0" encoding="utf-8"?>
 <p:sld xmlns:a="http://schemas.openxmlformats.org/drawingml/2006/main" xmlns:r="http://schemas.openxmlformats.org/officeDocument/2006/relationships" xmlns:p="http://schemas.openxmlformats.org/presentationml/2006/main">
   <p:cSld>
     <p:spTree>
@@ -15894,10 +18541,17 @@
   <p:clrMapOvr>
     <a:masterClrMapping/>
   </p:clrMapOvr>
+  <p:timing>
+    <p:tnLst>
+      <p:par>
+        <p:cTn id="1" dur="indefinite" restart="never" nodeType="tmRoot"/>
+      </p:par>
+    </p:tnLst>
+  </p:timing>
 </p:sld>
 </file>
 
-<file path=ppt/slides/slide82.xml><?xml version="1.0" encoding="utf-8"?>
+<file path=ppt/slides/slide83.xml><?xml version="1.0" encoding="utf-8"?>
 <p:sld xmlns:a="http://schemas.openxmlformats.org/drawingml/2006/main" xmlns:r="http://schemas.openxmlformats.org/officeDocument/2006/relationships" xmlns:p="http://schemas.openxmlformats.org/presentationml/2006/main">
   <p:cSld>
     <p:spTree>
@@ -16029,10 +18683,17 @@
   <p:clrMapOvr>
     <a:masterClrMapping/>
   </p:clrMapOvr>
+  <p:timing>
+    <p:tnLst>
+      <p:par>
+        <p:cTn id="1" dur="indefinite" restart="never" nodeType="tmRoot"/>
+      </p:par>
+    </p:tnLst>
+  </p:timing>
 </p:sld>
 </file>
 
-<file path=ppt/slides/slide83.xml><?xml version="1.0" encoding="utf-8"?>
+<file path=ppt/slides/slide84.xml><?xml version="1.0" encoding="utf-8"?>
 <p:sld xmlns:a="http://schemas.openxmlformats.org/drawingml/2006/main" xmlns:r="http://schemas.openxmlformats.org/officeDocument/2006/relationships" xmlns:p="http://schemas.openxmlformats.org/presentationml/2006/main">
   <p:cSld>
     <p:spTree>
@@ -16190,10 +18851,17 @@
   <p:clrMapOvr>
     <a:masterClrMapping/>
   </p:clrMapOvr>
+  <p:timing>
+    <p:tnLst>
+      <p:par>
+        <p:cTn id="1" dur="indefinite" restart="never" nodeType="tmRoot"/>
+      </p:par>
+    </p:tnLst>
+  </p:timing>
 </p:sld>
 </file>
 
-<file path=ppt/slides/slide84.xml><?xml version="1.0" encoding="utf-8"?>
+<file path=ppt/slides/slide85.xml><?xml version="1.0" encoding="utf-8"?>
 <p:sld xmlns:a="http://schemas.openxmlformats.org/drawingml/2006/main" xmlns:r="http://schemas.openxmlformats.org/officeDocument/2006/relationships" xmlns:p="http://schemas.openxmlformats.org/presentationml/2006/main">
   <p:cSld>
     <p:spTree>
@@ -16407,10 +19075,17 @@
   <p:clrMapOvr>
     <a:masterClrMapping/>
   </p:clrMapOvr>
+  <p:timing>
+    <p:tnLst>
+      <p:par>
+        <p:cTn id="1" dur="indefinite" restart="never" nodeType="tmRoot"/>
+      </p:par>
+    </p:tnLst>
+  </p:timing>
 </p:sld>
 </file>
 
-<file path=ppt/slides/slide85.xml><?xml version="1.0" encoding="utf-8"?>
+<file path=ppt/slides/slide86.xml><?xml version="1.0" encoding="utf-8"?>
 <p:sld xmlns:a="http://schemas.openxmlformats.org/drawingml/2006/main" xmlns:r="http://schemas.openxmlformats.org/officeDocument/2006/relationships" xmlns:p="http://schemas.openxmlformats.org/presentationml/2006/main">
   <p:cSld>
     <p:spTree>
@@ -16535,10 +19210,17 @@
   <p:clrMapOvr>
     <a:masterClrMapping/>
   </p:clrMapOvr>
+  <p:timing>
+    <p:tnLst>
+      <p:par>
+        <p:cTn id="1" dur="indefinite" restart="never" nodeType="tmRoot"/>
+      </p:par>
+    </p:tnLst>
+  </p:timing>
 </p:sld>
 </file>
 
-<file path=ppt/slides/slide86.xml><?xml version="1.0" encoding="utf-8"?>
+<file path=ppt/slides/slide87.xml><?xml version="1.0" encoding="utf-8"?>
 <p:sld xmlns:a="http://schemas.openxmlformats.org/drawingml/2006/main" xmlns:r="http://schemas.openxmlformats.org/officeDocument/2006/relationships" xmlns:p="http://schemas.openxmlformats.org/presentationml/2006/main">
   <p:cSld>
     <p:spTree>
@@ -16687,126 +19369,13 @@
   <p:clrMapOvr>
     <a:masterClrMapping/>
   </p:clrMapOvr>
-</p:sld>
-</file>
-
-<file path=ppt/slides/slide87.xml><?xml version="1.0" encoding="utf-8"?>
-<p:sld xmlns:a="http://schemas.openxmlformats.org/drawingml/2006/main" xmlns:r="http://schemas.openxmlformats.org/officeDocument/2006/relationships" xmlns:p="http://schemas.openxmlformats.org/presentationml/2006/main">
-  <p:cSld>
-    <p:spTree>
-      <p:nvGrpSpPr>
-        <p:cNvPr id="1" name=""/>
-        <p:cNvGrpSpPr/>
-        <p:nvPr/>
-      </p:nvGrpSpPr>
-      <p:grpSpPr>
-        <a:xfrm>
-          <a:off x="0" y="0"/>
-          <a:ext cx="0" cy="0"/>
-          <a:chOff x="0" y="0"/>
-          <a:chExt cx="0" cy="0"/>
-        </a:xfrm>
-      </p:grpSpPr>
-      <p:sp>
-        <p:nvSpPr>
-          <p:cNvPr id="2" name="Title 1"/>
-          <p:cNvSpPr>
-            <a:spLocks noGrp="1"/>
-          </p:cNvSpPr>
-          <p:nvPr>
-            <p:ph type="title"/>
-          </p:nvPr>
-        </p:nvSpPr>
-        <p:spPr/>
-        <p:txBody>
-          <a:bodyPr/>
-          <a:lstStyle/>
-          <a:p>
-            <a:r>
-              <a:rPr lang="en-US" dirty="0"/>
-              <a:t>Lab 5: Analytics and Machine Learning</a:t>
-            </a:r>
-          </a:p>
-        </p:txBody>
-      </p:sp>
-      <p:sp>
-        <p:nvSpPr>
-          <p:cNvPr id="3" name="Content Placeholder 2"/>
-          <p:cNvSpPr>
-            <a:spLocks noGrp="1"/>
-          </p:cNvSpPr>
-          <p:nvPr>
-            <p:ph idx="1"/>
-          </p:nvPr>
-        </p:nvSpPr>
-        <p:spPr/>
-        <p:txBody>
-          <a:bodyPr/>
-          <a:lstStyle/>
-          <a:p>
-            <a:r>
-              <a:rPr lang="en-US" dirty="0"/>
-              <a:t>Predicting website-traffic volumes p 517</a:t>
-            </a:r>
-          </a:p>
-          <a:p>
-            <a:r>
-              <a:rPr lang="en-US" dirty="0"/>
-              <a:t>Finding abnormally sized web requests p 525</a:t>
-            </a:r>
-          </a:p>
-          <a:p>
-            <a:r>
-              <a:rPr lang="en-US" dirty="0"/>
-              <a:t>Identifying potential session spoofing p 532</a:t>
-            </a:r>
-          </a:p>
-          <a:p>
-            <a:r>
-              <a:rPr lang="en-US" dirty="0"/>
-              <a:t>Detecting outliers in server response times p 538</a:t>
-            </a:r>
-          </a:p>
-          <a:p>
-            <a:r>
-              <a:rPr lang="en-US" dirty="0"/>
-              <a:t>Forecasting weekly sales p 547</a:t>
-            </a:r>
-          </a:p>
-        </p:txBody>
-      </p:sp>
-      <p:sp>
-        <p:nvSpPr>
-          <p:cNvPr id="4" name="Text Placeholder 3"/>
-          <p:cNvSpPr>
-            <a:spLocks noGrp="1"/>
-          </p:cNvSpPr>
-          <p:nvPr>
-            <p:ph type="body" sz="quarter" idx="13"/>
-          </p:nvPr>
-        </p:nvSpPr>
-        <p:spPr/>
-        <p:txBody>
-          <a:bodyPr/>
-          <a:lstStyle/>
-          <a:p>
-            <a:r>
-              <a:rPr lang="en-US" dirty="0"/>
-              <a:t>Duration: 60 minutes</a:t>
-            </a:r>
-          </a:p>
-        </p:txBody>
-      </p:sp>
-    </p:spTree>
-    <p:extLst>
-      <p:ext uri="{BB962C8B-B14F-4D97-AF65-F5344CB8AC3E}">
-        <p14:creationId xmlns:p14="http://schemas.microsoft.com/office/powerpoint/2010/main" val="1585871228"/>
-      </p:ext>
-    </p:extLst>
-  </p:cSld>
-  <p:clrMapOvr>
-    <a:masterClrMapping/>
-  </p:clrMapOvr>
+  <p:timing>
+    <p:tnLst>
+      <p:par>
+        <p:cTn id="1" dur="indefinite" restart="never" nodeType="tmRoot"/>
+      </p:par>
+    </p:tnLst>
+  </p:timing>
 </p:sld>
 </file>
 
@@ -16844,7 +19413,87 @@
           <a:p>
             <a:r>
               <a:rPr lang="en-US" dirty="0"/>
-              <a:t>Module 6: Optimizing Search</a:t>
+              <a:t>Lab 5: Analytics and Machine Learning</a:t>
+            </a:r>
+          </a:p>
+        </p:txBody>
+      </p:sp>
+      <p:sp>
+        <p:nvSpPr>
+          <p:cNvPr id="3" name="Content Placeholder 2"/>
+          <p:cNvSpPr>
+            <a:spLocks noGrp="1"/>
+          </p:cNvSpPr>
+          <p:nvPr>
+            <p:ph idx="1"/>
+          </p:nvPr>
+        </p:nvSpPr>
+        <p:spPr/>
+        <p:txBody>
+          <a:bodyPr/>
+          <a:lstStyle/>
+          <a:p>
+            <a:r>
+              <a:rPr lang="en-US" dirty="0"/>
+              <a:t>Predicting website-traffic volumes p 517</a:t>
+            </a:r>
+          </a:p>
+          <a:p>
+            <a:r>
+              <a:rPr lang="en-US" dirty="0"/>
+              <a:t>Finding abnormally sized web requests p 525</a:t>
+            </a:r>
+          </a:p>
+          <a:p>
+            <a:r>
+              <a:rPr lang="en-US" dirty="0"/>
+              <a:t>Identifying potential session spoofing p 532</a:t>
+            </a:r>
+          </a:p>
+          <a:p>
+            <a:r>
+              <a:rPr lang="en-US" dirty="0"/>
+              <a:t>Detecting outliers in server response times p 538</a:t>
+            </a:r>
+          </a:p>
+          <a:p>
+            <a:r>
+              <a:rPr lang="en-US" dirty="0"/>
+              <a:t>Forecasting weekly sales p 547</a:t>
+            </a:r>
+          </a:p>
+        </p:txBody>
+      </p:sp>
+      <p:sp>
+        <p:nvSpPr>
+          <p:cNvPr id="4" name="Text Placeholder 3"/>
+          <p:cNvSpPr>
+            <a:spLocks noGrp="1"/>
+          </p:cNvSpPr>
+          <p:nvPr>
+            <p:ph type="body" sz="quarter" idx="13"/>
+          </p:nvPr>
+        </p:nvSpPr>
+        <p:spPr/>
+        <p:txBody>
+          <a:bodyPr/>
+          <a:lstStyle/>
+          <a:p>
+            <a:r>
+              <a:rPr lang="en-US" dirty="0"/>
+              <a:t>Duration</a:t>
+            </a:r>
+            <a:r>
+              <a:rPr lang="en-US"/>
+              <a:t>: </a:t>
+            </a:r>
+            <a:r>
+              <a:rPr lang="en-US" smtClean="0"/>
+              <a:t>45 </a:t>
+            </a:r>
+            <a:r>
+              <a:rPr lang="en-US" dirty="0"/>
+              <a:t>minutes</a:t>
             </a:r>
           </a:p>
         </p:txBody>
@@ -16852,13 +19501,20 @@
     </p:spTree>
     <p:extLst>
       <p:ext uri="{BB962C8B-B14F-4D97-AF65-F5344CB8AC3E}">
-        <p14:creationId xmlns:p14="http://schemas.microsoft.com/office/powerpoint/2010/main" val="1408587379"/>
+        <p14:creationId xmlns:p14="http://schemas.microsoft.com/office/powerpoint/2010/main" val="1585871228"/>
       </p:ext>
     </p:extLst>
   </p:cSld>
   <p:clrMapOvr>
     <a:masterClrMapping/>
   </p:clrMapOvr>
+  <p:timing>
+    <p:tnLst>
+      <p:par>
+        <p:cTn id="1" dur="indefinite" restart="never" nodeType="tmRoot"/>
+      </p:par>
+    </p:tnLst>
+  </p:timing>
 </p:sld>
 </file>
 
@@ -16896,41 +19552,7 @@
           <a:p>
             <a:r>
               <a:rPr lang="en-US" dirty="0"/>
-              <a:t>Data summarization</a:t>
-            </a:r>
-          </a:p>
-        </p:txBody>
-      </p:sp>
-      <p:sp>
-        <p:nvSpPr>
-          <p:cNvPr id="3" name="Text Placeholder 2"/>
-          <p:cNvSpPr>
-            <a:spLocks noGrp="1"/>
-          </p:cNvSpPr>
-          <p:nvPr>
-            <p:ph type="body" sz="quarter" idx="10"/>
-          </p:nvPr>
-        </p:nvSpPr>
-        <p:spPr/>
-        <p:txBody>
-          <a:bodyPr/>
-          <a:lstStyle/>
-          <a:p>
-            <a:r>
-              <a:rPr lang="en-US" dirty="0"/>
-              <a:t>Summary indexing – creation of separate indexes containing pre-aggregated data</a:t>
-            </a:r>
-          </a:p>
-          <a:p>
-            <a:r>
-              <a:rPr lang="en-US" dirty="0"/>
-              <a:t>Report acceleration – automates creation of summarized data associated with specific reports</a:t>
-            </a:r>
-          </a:p>
-          <a:p>
-            <a:r>
-              <a:rPr lang="en-US" dirty="0"/>
-              <a:t>Data model acceleration – similar to report acceleration but for data models</a:t>
+              <a:t>Module 6: Optimizing Search</a:t>
             </a:r>
           </a:p>
         </p:txBody>
@@ -16938,13 +19560,20 @@
     </p:spTree>
     <p:extLst>
       <p:ext uri="{BB962C8B-B14F-4D97-AF65-F5344CB8AC3E}">
-        <p14:creationId xmlns:p14="http://schemas.microsoft.com/office/powerpoint/2010/main" val="1077820318"/>
+        <p14:creationId xmlns:p14="http://schemas.microsoft.com/office/powerpoint/2010/main" val="1408587379"/>
       </p:ext>
     </p:extLst>
   </p:cSld>
   <p:clrMapOvr>
     <a:masterClrMapping/>
   </p:clrMapOvr>
+  <p:timing>
+    <p:tnLst>
+      <p:par>
+        <p:cTn id="1" dur="indefinite" restart="never" nodeType="tmRoot"/>
+      </p:par>
+    </p:tnLst>
+  </p:timing>
 </p:sld>
 </file>
 
@@ -17035,10 +19664,103 @@
   <p:clrMapOvr>
     <a:masterClrMapping/>
   </p:clrMapOvr>
+  <p:timing>
+    <p:tnLst>
+      <p:par>
+        <p:cTn id="1" dur="indefinite" restart="never" nodeType="tmRoot"/>
+      </p:par>
+    </p:tnLst>
+  </p:timing>
 </p:sld>
 </file>
 
 <file path=ppt/slides/slide90.xml><?xml version="1.0" encoding="utf-8"?>
+<p:sld xmlns:a="http://schemas.openxmlformats.org/drawingml/2006/main" xmlns:r="http://schemas.openxmlformats.org/officeDocument/2006/relationships" xmlns:p="http://schemas.openxmlformats.org/presentationml/2006/main">
+  <p:cSld>
+    <p:spTree>
+      <p:nvGrpSpPr>
+        <p:cNvPr id="1" name=""/>
+        <p:cNvGrpSpPr/>
+        <p:nvPr/>
+      </p:nvGrpSpPr>
+      <p:grpSpPr>
+        <a:xfrm>
+          <a:off x="0" y="0"/>
+          <a:ext cx="0" cy="0"/>
+          <a:chOff x="0" y="0"/>
+          <a:chExt cx="0" cy="0"/>
+        </a:xfrm>
+      </p:grpSpPr>
+      <p:sp>
+        <p:nvSpPr>
+          <p:cNvPr id="2" name="Title 1"/>
+          <p:cNvSpPr>
+            <a:spLocks noGrp="1"/>
+          </p:cNvSpPr>
+          <p:nvPr>
+            <p:ph type="title"/>
+          </p:nvPr>
+        </p:nvSpPr>
+        <p:spPr/>
+        <p:txBody>
+          <a:bodyPr/>
+          <a:lstStyle/>
+          <a:p>
+            <a:r>
+              <a:rPr lang="en-US" dirty="0"/>
+              <a:t>Data summarization</a:t>
+            </a:r>
+          </a:p>
+        </p:txBody>
+      </p:sp>
+      <p:sp>
+        <p:nvSpPr>
+          <p:cNvPr id="3" name="Text Placeholder 2"/>
+          <p:cNvSpPr>
+            <a:spLocks noGrp="1"/>
+          </p:cNvSpPr>
+          <p:nvPr>
+            <p:ph type="body" sz="quarter" idx="10"/>
+          </p:nvPr>
+        </p:nvSpPr>
+        <p:spPr/>
+        <p:txBody>
+          <a:bodyPr/>
+          <a:lstStyle/>
+          <a:p>
+            <a:r>
+              <a:rPr lang="en-US" dirty="0"/>
+              <a:t>Summary indexing – creation of separate indexes containing pre-aggregated data</a:t>
+            </a:r>
+          </a:p>
+          <a:p>
+            <a:r>
+              <a:rPr lang="en-US" dirty="0"/>
+              <a:t>Report acceleration – automates creation of summarized data associated with specific reports</a:t>
+            </a:r>
+          </a:p>
+          <a:p>
+            <a:r>
+              <a:rPr lang="en-US" dirty="0"/>
+              <a:t>Data model acceleration – similar to report acceleration but for data models</a:t>
+            </a:r>
+          </a:p>
+        </p:txBody>
+      </p:sp>
+    </p:spTree>
+    <p:extLst>
+      <p:ext uri="{BB962C8B-B14F-4D97-AF65-F5344CB8AC3E}">
+        <p14:creationId xmlns:p14="http://schemas.microsoft.com/office/powerpoint/2010/main" val="1077820318"/>
+      </p:ext>
+    </p:extLst>
+  </p:cSld>
+  <p:clrMapOvr>
+    <a:masterClrMapping/>
+  </p:clrMapOvr>
+</p:sld>
+</file>
+
+<file path=ppt/slides/slide91.xml><?xml version="1.0" encoding="utf-8"?>
 <p:sld xmlns:a="http://schemas.openxmlformats.org/drawingml/2006/main" xmlns:r="http://schemas.openxmlformats.org/officeDocument/2006/relationships" xmlns:p="http://schemas.openxmlformats.org/presentationml/2006/main">
   <p:cSld>
     <p:spTree>
@@ -17217,7 +19939,7 @@
 </p:sld>
 </file>
 
-<file path=ppt/slides/slide91.xml><?xml version="1.0" encoding="utf-8"?>
+<file path=ppt/slides/slide92.xml><?xml version="1.0" encoding="utf-8"?>
 <p:sld xmlns:a="http://schemas.openxmlformats.org/drawingml/2006/main" xmlns:r="http://schemas.openxmlformats.org/officeDocument/2006/relationships" xmlns:p="http://schemas.openxmlformats.org/presentationml/2006/main">
   <p:cSld>
     <p:spTree>
@@ -17330,7 +20052,7 @@
 </p:sld>
 </file>
 
-<file path=ppt/slides/slide92.xml><?xml version="1.0" encoding="utf-8"?>
+<file path=ppt/slides/slide93.xml><?xml version="1.0" encoding="utf-8"?>
 <p:sld xmlns:a="http://schemas.openxmlformats.org/drawingml/2006/main" xmlns:r="http://schemas.openxmlformats.org/officeDocument/2006/relationships" xmlns:p="http://schemas.openxmlformats.org/presentationml/2006/main">
   <p:cSld>
     <p:spTree>
@@ -17478,7 +20200,7 @@
 </p:sld>
 </file>
 
-<file path=ppt/slides/slide93.xml><?xml version="1.0" encoding="utf-8"?>
+<file path=ppt/slides/slide94.xml><?xml version="1.0" encoding="utf-8"?>
 <p:sld xmlns:a="http://schemas.openxmlformats.org/drawingml/2006/main" xmlns:r="http://schemas.openxmlformats.org/officeDocument/2006/relationships" xmlns:p="http://schemas.openxmlformats.org/presentationml/2006/main">
   <p:cSld>
     <p:spTree>
@@ -17611,125 +20333,6 @@
 </p:sld>
 </file>
 
-<file path=ppt/slides/slide94.xml><?xml version="1.0" encoding="utf-8"?>
-<p:sld xmlns:a="http://schemas.openxmlformats.org/drawingml/2006/main" xmlns:r="http://schemas.openxmlformats.org/officeDocument/2006/relationships" xmlns:p="http://schemas.openxmlformats.org/presentationml/2006/main">
-  <p:cSld>
-    <p:spTree>
-      <p:nvGrpSpPr>
-        <p:cNvPr id="1" name=""/>
-        <p:cNvGrpSpPr/>
-        <p:nvPr/>
-      </p:nvGrpSpPr>
-      <p:grpSpPr>
-        <a:xfrm>
-          <a:off x="0" y="0"/>
-          <a:ext cx="0" cy="0"/>
-          <a:chOff x="0" y="0"/>
-          <a:chExt cx="0" cy="0"/>
-        </a:xfrm>
-      </p:grpSpPr>
-      <p:sp>
-        <p:nvSpPr>
-          <p:cNvPr id="2" name="Title 1"/>
-          <p:cNvSpPr>
-            <a:spLocks noGrp="1"/>
-          </p:cNvSpPr>
-          <p:nvPr>
-            <p:ph type="title"/>
-          </p:nvPr>
-        </p:nvSpPr>
-        <p:spPr/>
-        <p:txBody>
-          <a:bodyPr/>
-          <a:lstStyle/>
-          <a:p>
-            <a:r>
-              <a:rPr lang="en-US" dirty="0"/>
-              <a:t>Lab 6: Optimization</a:t>
-            </a:r>
-          </a:p>
-        </p:txBody>
-      </p:sp>
-      <p:sp>
-        <p:nvSpPr>
-          <p:cNvPr id="3" name="Content Placeholder 2"/>
-          <p:cNvSpPr>
-            <a:spLocks noGrp="1"/>
-          </p:cNvSpPr>
-          <p:nvPr>
-            <p:ph idx="1"/>
-          </p:nvPr>
-        </p:nvSpPr>
-        <p:spPr/>
-        <p:txBody>
-          <a:bodyPr/>
-          <a:lstStyle/>
-          <a:p>
-            <a:r>
-              <a:rPr lang="en-US" dirty="0"/>
-              <a:t>Calculating an hourly count of sessions versus completed transactions p 561</a:t>
-            </a:r>
-          </a:p>
-          <a:p>
-            <a:pPr lvl="1"/>
-            <a:r>
-              <a:rPr lang="en-US" sz="1400" b="1" dirty="0"/>
-              <a:t>NOTE:</a:t>
-            </a:r>
-            <a:r>
-              <a:rPr lang="en-US" sz="1400" dirty="0"/>
-              <a:t> In this lab you create an index that is populated by a scheduled job, which runs every hour. This means that no significant results will be observable at the end of the lab, as the job will not have had time to run yet.</a:t>
-            </a:r>
-          </a:p>
-          <a:p>
-            <a:r>
-              <a:rPr lang="en-US" dirty="0"/>
-              <a:t>Backfilling the number of purchases by city 571</a:t>
-            </a:r>
-          </a:p>
-          <a:p>
-            <a:r>
-              <a:rPr lang="en-US" dirty="0"/>
-              <a:t>Displaying the maximum number of concurrent sessions over time p 584</a:t>
-            </a:r>
-          </a:p>
-        </p:txBody>
-      </p:sp>
-      <p:sp>
-        <p:nvSpPr>
-          <p:cNvPr id="4" name="Text Placeholder 3"/>
-          <p:cNvSpPr>
-            <a:spLocks noGrp="1"/>
-          </p:cNvSpPr>
-          <p:nvPr>
-            <p:ph type="body" sz="quarter" idx="13"/>
-          </p:nvPr>
-        </p:nvSpPr>
-        <p:spPr/>
-        <p:txBody>
-          <a:bodyPr/>
-          <a:lstStyle/>
-          <a:p>
-            <a:r>
-              <a:rPr lang="en-US" dirty="0"/>
-              <a:t>Duration: 45 minutes</a:t>
-            </a:r>
-          </a:p>
-        </p:txBody>
-      </p:sp>
-    </p:spTree>
-    <p:extLst>
-      <p:ext uri="{BB962C8B-B14F-4D97-AF65-F5344CB8AC3E}">
-        <p14:creationId xmlns:p14="http://schemas.microsoft.com/office/powerpoint/2010/main" val="2862619153"/>
-      </p:ext>
-    </p:extLst>
-  </p:cSld>
-  <p:clrMapOvr>
-    <a:masterClrMapping/>
-  </p:clrMapOvr>
-</p:sld>
-</file>
-
 <file path=ppt/slides/slide95.xml><?xml version="1.0" encoding="utf-8"?>
 <p:sld xmlns:a="http://schemas.openxmlformats.org/drawingml/2006/main" xmlns:r="http://schemas.openxmlformats.org/officeDocument/2006/relationships" xmlns:p="http://schemas.openxmlformats.org/presentationml/2006/main">
   <p:cSld>
@@ -17764,7 +20367,74 @@
           <a:p>
             <a:r>
               <a:rPr lang="en-US" dirty="0"/>
-              <a:t>Appendix: Customization</a:t>
+              <a:t>Lab 6: Optimization</a:t>
+            </a:r>
+          </a:p>
+        </p:txBody>
+      </p:sp>
+      <p:sp>
+        <p:nvSpPr>
+          <p:cNvPr id="3" name="Content Placeholder 2"/>
+          <p:cNvSpPr>
+            <a:spLocks noGrp="1"/>
+          </p:cNvSpPr>
+          <p:nvPr>
+            <p:ph idx="1"/>
+          </p:nvPr>
+        </p:nvSpPr>
+        <p:spPr/>
+        <p:txBody>
+          <a:bodyPr/>
+          <a:lstStyle/>
+          <a:p>
+            <a:r>
+              <a:rPr lang="en-US" dirty="0"/>
+              <a:t>Calculating an hourly count of sessions versus completed transactions p 561</a:t>
+            </a:r>
+          </a:p>
+          <a:p>
+            <a:pPr lvl="1"/>
+            <a:r>
+              <a:rPr lang="en-US" sz="1400" b="1" dirty="0"/>
+              <a:t>NOTE:</a:t>
+            </a:r>
+            <a:r>
+              <a:rPr lang="en-US" sz="1400" dirty="0"/>
+              <a:t> In this lab you create an index that is populated by a scheduled job, which runs every hour. This means that no significant results will be observable at the end of the lab, as the job will not have had time to run yet.</a:t>
+            </a:r>
+          </a:p>
+          <a:p>
+            <a:r>
+              <a:rPr lang="en-US" dirty="0"/>
+              <a:t>Backfilling the number of purchases by city 571</a:t>
+            </a:r>
+          </a:p>
+          <a:p>
+            <a:r>
+              <a:rPr lang="en-US" dirty="0"/>
+              <a:t>Displaying the maximum number of concurrent sessions over time p 584</a:t>
+            </a:r>
+          </a:p>
+        </p:txBody>
+      </p:sp>
+      <p:sp>
+        <p:nvSpPr>
+          <p:cNvPr id="4" name="Text Placeholder 3"/>
+          <p:cNvSpPr>
+            <a:spLocks noGrp="1"/>
+          </p:cNvSpPr>
+          <p:nvPr>
+            <p:ph type="body" sz="quarter" idx="13"/>
+          </p:nvPr>
+        </p:nvSpPr>
+        <p:spPr/>
+        <p:txBody>
+          <a:bodyPr/>
+          <a:lstStyle/>
+          <a:p>
+            <a:r>
+              <a:rPr lang="en-US" dirty="0"/>
+              <a:t>Duration: 45 minutes</a:t>
             </a:r>
           </a:p>
         </p:txBody>
@@ -17772,7 +20442,7 @@
     </p:spTree>
     <p:extLst>
       <p:ext uri="{BB962C8B-B14F-4D97-AF65-F5344CB8AC3E}">
-        <p14:creationId xmlns:p14="http://schemas.microsoft.com/office/powerpoint/2010/main" val="880001071"/>
+        <p14:creationId xmlns:p14="http://schemas.microsoft.com/office/powerpoint/2010/main" val="2862619153"/>
       </p:ext>
     </p:extLst>
   </p:cSld>
@@ -17801,7 +20471,7 @@
       </p:grpSpPr>
       <p:sp>
         <p:nvSpPr>
-          <p:cNvPr id="3" name="Title 2"/>
+          <p:cNvPr id="2" name="Title 1"/>
           <p:cNvSpPr>
             <a:spLocks noGrp="1"/>
           </p:cNvSpPr>
@@ -17816,34 +20486,15 @@
           <a:p>
             <a:r>
               <a:rPr lang="en-US" dirty="0"/>
-              <a:t>Customizing the application navigation</a:t>
-            </a:r>
-          </a:p>
-        </p:txBody>
-      </p:sp>
-      <p:sp>
-        <p:nvSpPr>
-          <p:cNvPr id="4" name="Text Placeholder 3"/>
-          <p:cNvSpPr>
-            <a:spLocks noGrp="1"/>
-          </p:cNvSpPr>
-          <p:nvPr>
-            <p:ph type="body" sz="quarter" idx="10"/>
-          </p:nvPr>
-        </p:nvSpPr>
-        <p:spPr/>
-        <p:txBody>
-          <a:bodyPr/>
-          <a:lstStyle/>
-          <a:p>
-            <a:endParaRPr lang="en-US"/>
+              <a:t>Appendix: Customization</a:t>
+            </a:r>
           </a:p>
         </p:txBody>
       </p:sp>
     </p:spTree>
     <p:extLst>
       <p:ext uri="{BB962C8B-B14F-4D97-AF65-F5344CB8AC3E}">
-        <p14:creationId xmlns:p14="http://schemas.microsoft.com/office/powerpoint/2010/main" val="3341250038"/>
+        <p14:creationId xmlns:p14="http://schemas.microsoft.com/office/powerpoint/2010/main" val="880001071"/>
       </p:ext>
     </p:extLst>
   </p:cSld>
@@ -17872,6 +20523,77 @@
       </p:grpSpPr>
       <p:sp>
         <p:nvSpPr>
+          <p:cNvPr id="3" name="Title 2"/>
+          <p:cNvSpPr>
+            <a:spLocks noGrp="1"/>
+          </p:cNvSpPr>
+          <p:nvPr>
+            <p:ph type="title"/>
+          </p:nvPr>
+        </p:nvSpPr>
+        <p:spPr/>
+        <p:txBody>
+          <a:bodyPr/>
+          <a:lstStyle/>
+          <a:p>
+            <a:r>
+              <a:rPr lang="en-US" dirty="0"/>
+              <a:t>Customizing the application navigation</a:t>
+            </a:r>
+          </a:p>
+        </p:txBody>
+      </p:sp>
+      <p:sp>
+        <p:nvSpPr>
+          <p:cNvPr id="4" name="Text Placeholder 3"/>
+          <p:cNvSpPr>
+            <a:spLocks noGrp="1"/>
+          </p:cNvSpPr>
+          <p:nvPr>
+            <p:ph type="body" sz="quarter" idx="10"/>
+          </p:nvPr>
+        </p:nvSpPr>
+        <p:spPr/>
+        <p:txBody>
+          <a:bodyPr/>
+          <a:lstStyle/>
+          <a:p>
+            <a:endParaRPr lang="en-US"/>
+          </a:p>
+        </p:txBody>
+      </p:sp>
+    </p:spTree>
+    <p:extLst>
+      <p:ext uri="{BB962C8B-B14F-4D97-AF65-F5344CB8AC3E}">
+        <p14:creationId xmlns:p14="http://schemas.microsoft.com/office/powerpoint/2010/main" val="3341250038"/>
+      </p:ext>
+    </p:extLst>
+  </p:cSld>
+  <p:clrMapOvr>
+    <a:masterClrMapping/>
+  </p:clrMapOvr>
+</p:sld>
+</file>
+
+<file path=ppt/slides/slide98.xml><?xml version="1.0" encoding="utf-8"?>
+<p:sld xmlns:a="http://schemas.openxmlformats.org/drawingml/2006/main" xmlns:r="http://schemas.openxmlformats.org/officeDocument/2006/relationships" xmlns:p="http://schemas.openxmlformats.org/presentationml/2006/main">
+  <p:cSld>
+    <p:spTree>
+      <p:nvGrpSpPr>
+        <p:cNvPr id="1" name=""/>
+        <p:cNvGrpSpPr/>
+        <p:nvPr/>
+      </p:nvGrpSpPr>
+      <p:grpSpPr>
+        <a:xfrm>
+          <a:off x="0" y="0"/>
+          <a:ext cx="0" cy="0"/>
+          <a:chOff x="0" y="0"/>
+          <a:chExt cx="0" cy="0"/>
+        </a:xfrm>
+      </p:grpSpPr>
+      <p:sp>
+        <p:nvSpPr>
           <p:cNvPr id="2" name="Title 1"/>
           <p:cNvSpPr>
             <a:spLocks noGrp="1"/>
@@ -17924,7 +20646,7 @@
 </p:sld>
 </file>
 
-<file path=ppt/slides/slide98.xml><?xml version="1.0" encoding="utf-8"?>
+<file path=ppt/slides/slide99.xml><?xml version="1.0" encoding="utf-8"?>
 <p:sld xmlns:a="http://schemas.openxmlformats.org/drawingml/2006/main" xmlns:r="http://schemas.openxmlformats.org/officeDocument/2006/relationships" xmlns:p="http://schemas.openxmlformats.org/presentationml/2006/main">
   <p:cSld>
     <p:spTree>
@@ -18025,86 +20747,6 @@
     <p:extLst>
       <p:ext uri="{BB962C8B-B14F-4D97-AF65-F5344CB8AC3E}">
         <p14:creationId xmlns:p14="http://schemas.microsoft.com/office/powerpoint/2010/main" val="2025764666"/>
-      </p:ext>
-    </p:extLst>
-  </p:cSld>
-  <p:clrMapOvr>
-    <a:masterClrMapping/>
-  </p:clrMapOvr>
-</p:sld>
-</file>
-
-<file path=ppt/slides/slide99.xml><?xml version="1.0" encoding="utf-8"?>
-<p:sld xmlns:a="http://schemas.openxmlformats.org/drawingml/2006/main" xmlns:r="http://schemas.openxmlformats.org/officeDocument/2006/relationships" xmlns:p="http://schemas.openxmlformats.org/presentationml/2006/main">
-  <p:cSld>
-    <p:spTree>
-      <p:nvGrpSpPr>
-        <p:cNvPr id="1" name=""/>
-        <p:cNvGrpSpPr/>
-        <p:nvPr/>
-      </p:nvGrpSpPr>
-      <p:grpSpPr>
-        <a:xfrm>
-          <a:off x="0" y="0"/>
-          <a:ext cx="0" cy="0"/>
-          <a:chOff x="0" y="0"/>
-          <a:chExt cx="0" cy="0"/>
-        </a:xfrm>
-      </p:grpSpPr>
-      <p:sp>
-        <p:nvSpPr>
-          <p:cNvPr id="2" name="Title 1">
-            <a:extLst>
-              <a:ext uri="{FF2B5EF4-FFF2-40B4-BE49-F238E27FC236}">
-                <a16:creationId xmlns:a16="http://schemas.microsoft.com/office/drawing/2014/main" id="{8F6DC836-B50B-4D37-9245-B653C11EA01D}"/>
-              </a:ext>
-            </a:extLst>
-          </p:cNvPr>
-          <p:cNvSpPr>
-            <a:spLocks noGrp="1"/>
-          </p:cNvSpPr>
-          <p:nvPr>
-            <p:ph type="title"/>
-          </p:nvPr>
-        </p:nvSpPr>
-        <p:spPr/>
-        <p:txBody>
-          <a:bodyPr/>
-          <a:lstStyle/>
-          <a:p>
-            <a:endParaRPr lang="en-US"/>
-          </a:p>
-        </p:txBody>
-      </p:sp>
-      <p:sp>
-        <p:nvSpPr>
-          <p:cNvPr id="3" name="Text Placeholder 2">
-            <a:extLst>
-              <a:ext uri="{FF2B5EF4-FFF2-40B4-BE49-F238E27FC236}">
-                <a16:creationId xmlns:a16="http://schemas.microsoft.com/office/drawing/2014/main" id="{CD65E2F7-F9C9-43A6-8111-33A7D49FB867}"/>
-              </a:ext>
-            </a:extLst>
-          </p:cNvPr>
-          <p:cNvSpPr>
-            <a:spLocks noGrp="1"/>
-          </p:cNvSpPr>
-          <p:nvPr>
-            <p:ph type="body" sz="quarter" idx="10"/>
-          </p:nvPr>
-        </p:nvSpPr>
-        <p:spPr/>
-        <p:txBody>
-          <a:bodyPr/>
-          <a:lstStyle/>
-          <a:p>
-            <a:endParaRPr lang="en-US"/>
-          </a:p>
-        </p:txBody>
-      </p:sp>
-    </p:spTree>
-    <p:extLst>
-      <p:ext uri="{BB962C8B-B14F-4D97-AF65-F5344CB8AC3E}">
-        <p14:creationId xmlns:p14="http://schemas.microsoft.com/office/powerpoint/2010/main" val="4017342681"/>
       </p:ext>
     </p:extLst>
   </p:cSld>

--- a/ppt/SplunkFundamentals2v1_3.pptx
+++ b/ppt/SplunkFundamentals2v1_3.pptx
@@ -536,7 +536,7 @@
               <a:pPr>
                 <a:defRPr/>
               </a:pPr>
-              <a:t>1/22/2020</a:t>
+              <a:t>1/24/2020</a:t>
             </a:fld>
             <a:endParaRPr lang="en-US"/>
           </a:p>
@@ -755,7 +755,7 @@
               <a:pPr>
                 <a:defRPr/>
               </a:pPr>
-              <a:t>1/22/2020</a:t>
+              <a:t>1/24/2020</a:t>
             </a:fld>
             <a:endParaRPr lang="en-US"/>
           </a:p>
@@ -2094,7 +2094,7 @@
           <a:p>
             <a:fld id="{4BDF68E2-58F2-4D09-BE8B-E3BD06533059}" type="datetimeFigureOut">
               <a:rPr lang="en-US" dirty="0"/>
-              <a:t>1/22/2020</a:t>
+              <a:t>1/24/2020</a:t>
             </a:fld>
             <a:endParaRPr lang="en-US" dirty="0"/>
           </a:p>
@@ -3289,7 +3289,7 @@
           <a:p>
             <a:fld id="{528FC5F6-F338-4AE4-BB23-26385BCFC423}" type="datetimeFigureOut">
               <a:rPr lang="en-US" dirty="0"/>
-              <a:t>1/22/2020</a:t>
+              <a:t>1/24/2020</a:t>
             </a:fld>
             <a:endParaRPr lang="en-US" dirty="0"/>
           </a:p>
@@ -14564,7 +14564,7 @@
                 </a:effectLst>
                 <a:latin typeface="Impact" panose="020B0806030902050204" pitchFamily="34" charset="0"/>
               </a:rPr>
-              <a:t>10:00-~10:15</a:t>
+              <a:t>10:00-10:15</a:t>
             </a:r>
             <a:endParaRPr lang="en-US" sz="3600" kern="10" dirty="0">
               <a:ln w="9525">
@@ -17181,6 +17181,850 @@
           </a:p>
         </p:txBody>
       </p:sp>
+      <p:sp>
+        <p:nvSpPr>
+          <p:cNvPr id="5" name="Rectangle 5"/>
+          <p:cNvSpPr>
+            <a:spLocks noChangeArrowheads="1"/>
+          </p:cNvSpPr>
+          <p:nvPr/>
+        </p:nvSpPr>
+        <p:spPr bwMode="auto">
+          <a:xfrm>
+            <a:off x="0" y="0"/>
+            <a:ext cx="12192000" cy="6858000"/>
+          </a:xfrm>
+          <a:prstGeom prst="rect">
+            <a:avLst/>
+          </a:prstGeom>
+          <a:solidFill>
+            <a:srgbClr val="FFFFFF">
+              <a:alpha val="50195"/>
+            </a:srgbClr>
+          </a:solidFill>
+          <a:ln>
+            <a:noFill/>
+          </a:ln>
+          <a:effectLst>
+            <a:outerShdw dist="53882" dir="2700000" algn="ctr" rotWithShape="0">
+              <a:srgbClr val="919191">
+                <a:alpha val="50000"/>
+              </a:srgbClr>
+            </a:outerShdw>
+          </a:effectLst>
+          <a:extLst>
+            <a:ext uri="{91240B29-F687-4F45-9708-019B960494DF}">
+              <a14:hiddenLine xmlns:a14="http://schemas.microsoft.com/office/drawing/2010/main" w="9525" algn="ctr">
+                <a:solidFill>
+                  <a:srgbClr val="000000"/>
+                </a:solidFill>
+                <a:miter lim="800000"/>
+                <a:headEnd/>
+                <a:tailEnd/>
+              </a14:hiddenLine>
+            </a:ext>
+          </a:extLst>
+        </p:spPr>
+        <p:txBody>
+          <a:bodyPr wrap="none" anchor="ctr"/>
+          <a:lstStyle>
+            <a:lvl1pPr>
+              <a:defRPr b="1">
+                <a:solidFill>
+                  <a:schemeClr val="tx1"/>
+                </a:solidFill>
+                <a:latin typeface="Verdana" panose="020B0604030504040204" pitchFamily="34" charset="0"/>
+              </a:defRPr>
+            </a:lvl1pPr>
+            <a:lvl2pPr marL="742950" indent="-285750">
+              <a:defRPr b="1">
+                <a:solidFill>
+                  <a:schemeClr val="tx1"/>
+                </a:solidFill>
+                <a:latin typeface="Verdana" panose="020B0604030504040204" pitchFamily="34" charset="0"/>
+              </a:defRPr>
+            </a:lvl2pPr>
+            <a:lvl3pPr marL="1143000" indent="-228600">
+              <a:defRPr b="1">
+                <a:solidFill>
+                  <a:schemeClr val="tx1"/>
+                </a:solidFill>
+                <a:latin typeface="Verdana" panose="020B0604030504040204" pitchFamily="34" charset="0"/>
+              </a:defRPr>
+            </a:lvl3pPr>
+            <a:lvl4pPr marL="1600200" indent="-228600">
+              <a:defRPr b="1">
+                <a:solidFill>
+                  <a:schemeClr val="tx1"/>
+                </a:solidFill>
+                <a:latin typeface="Verdana" panose="020B0604030504040204" pitchFamily="34" charset="0"/>
+              </a:defRPr>
+            </a:lvl4pPr>
+            <a:lvl5pPr marL="2057400" indent="-228600">
+              <a:defRPr b="1">
+                <a:solidFill>
+                  <a:schemeClr val="tx1"/>
+                </a:solidFill>
+                <a:latin typeface="Verdana" panose="020B0604030504040204" pitchFamily="34" charset="0"/>
+              </a:defRPr>
+            </a:lvl5pPr>
+            <a:lvl6pPr marL="2514600" indent="-228600" eaLnBrk="0" fontAlgn="base" hangingPunct="0">
+              <a:spcBef>
+                <a:spcPct val="0"/>
+              </a:spcBef>
+              <a:spcAft>
+                <a:spcPct val="0"/>
+              </a:spcAft>
+              <a:defRPr b="1">
+                <a:solidFill>
+                  <a:schemeClr val="tx1"/>
+                </a:solidFill>
+                <a:latin typeface="Verdana" panose="020B0604030504040204" pitchFamily="34" charset="0"/>
+              </a:defRPr>
+            </a:lvl6pPr>
+            <a:lvl7pPr marL="2971800" indent="-228600" eaLnBrk="0" fontAlgn="base" hangingPunct="0">
+              <a:spcBef>
+                <a:spcPct val="0"/>
+              </a:spcBef>
+              <a:spcAft>
+                <a:spcPct val="0"/>
+              </a:spcAft>
+              <a:defRPr b="1">
+                <a:solidFill>
+                  <a:schemeClr val="tx1"/>
+                </a:solidFill>
+                <a:latin typeface="Verdana" panose="020B0604030504040204" pitchFamily="34" charset="0"/>
+              </a:defRPr>
+            </a:lvl7pPr>
+            <a:lvl8pPr marL="3429000" indent="-228600" eaLnBrk="0" fontAlgn="base" hangingPunct="0">
+              <a:spcBef>
+                <a:spcPct val="0"/>
+              </a:spcBef>
+              <a:spcAft>
+                <a:spcPct val="0"/>
+              </a:spcAft>
+              <a:defRPr b="1">
+                <a:solidFill>
+                  <a:schemeClr val="tx1"/>
+                </a:solidFill>
+                <a:latin typeface="Verdana" panose="020B0604030504040204" pitchFamily="34" charset="0"/>
+              </a:defRPr>
+            </a:lvl8pPr>
+            <a:lvl9pPr marL="3886200" indent="-228600" eaLnBrk="0" fontAlgn="base" hangingPunct="0">
+              <a:spcBef>
+                <a:spcPct val="0"/>
+              </a:spcBef>
+              <a:spcAft>
+                <a:spcPct val="0"/>
+              </a:spcAft>
+              <a:defRPr b="1">
+                <a:solidFill>
+                  <a:schemeClr val="tx1"/>
+                </a:solidFill>
+                <a:latin typeface="Verdana" panose="020B0604030504040204" pitchFamily="34" charset="0"/>
+              </a:defRPr>
+            </a:lvl9pPr>
+          </a:lstStyle>
+          <a:p>
+            <a:pPr algn="ctr"/>
+            <a:endParaRPr lang="en-US" altLang="en-US"/>
+          </a:p>
+        </p:txBody>
+      </p:sp>
+      <p:sp>
+        <p:nvSpPr>
+          <p:cNvPr id="6" name="Rectangle 6"/>
+          <p:cNvSpPr>
+            <a:spLocks noChangeArrowheads="1"/>
+          </p:cNvSpPr>
+          <p:nvPr/>
+        </p:nvSpPr>
+        <p:spPr bwMode="auto">
+          <a:xfrm>
+            <a:off x="492125" y="5038725"/>
+            <a:ext cx="4094163" cy="1589088"/>
+          </a:xfrm>
+          <a:prstGeom prst="rect">
+            <a:avLst/>
+          </a:prstGeom>
+          <a:solidFill>
+            <a:srgbClr val="FFFFFF"/>
+          </a:solidFill>
+          <a:ln w="9525" algn="ctr">
+            <a:solidFill>
+              <a:schemeClr val="bg2"/>
+            </a:solidFill>
+            <a:miter lim="800000"/>
+            <a:headEnd/>
+            <a:tailEnd/>
+          </a:ln>
+          <a:effectLst>
+            <a:outerShdw dist="53882" dir="2700000" algn="ctr" rotWithShape="0">
+              <a:srgbClr val="919191">
+                <a:alpha val="50000"/>
+              </a:srgbClr>
+            </a:outerShdw>
+          </a:effectLst>
+        </p:spPr>
+        <p:txBody>
+          <a:bodyPr anchor="ctr"/>
+          <a:lstStyle>
+            <a:lvl1pPr>
+              <a:defRPr b="1">
+                <a:solidFill>
+                  <a:schemeClr val="tx1"/>
+                </a:solidFill>
+                <a:latin typeface="Verdana" panose="020B0604030504040204" pitchFamily="34" charset="0"/>
+              </a:defRPr>
+            </a:lvl1pPr>
+            <a:lvl2pPr marL="742950" indent="-285750">
+              <a:defRPr b="1">
+                <a:solidFill>
+                  <a:schemeClr val="tx1"/>
+                </a:solidFill>
+                <a:latin typeface="Verdana" panose="020B0604030504040204" pitchFamily="34" charset="0"/>
+              </a:defRPr>
+            </a:lvl2pPr>
+            <a:lvl3pPr marL="1143000" indent="-228600">
+              <a:defRPr b="1">
+                <a:solidFill>
+                  <a:schemeClr val="tx1"/>
+                </a:solidFill>
+                <a:latin typeface="Verdana" panose="020B0604030504040204" pitchFamily="34" charset="0"/>
+              </a:defRPr>
+            </a:lvl3pPr>
+            <a:lvl4pPr marL="1600200" indent="-228600">
+              <a:defRPr b="1">
+                <a:solidFill>
+                  <a:schemeClr val="tx1"/>
+                </a:solidFill>
+                <a:latin typeface="Verdana" panose="020B0604030504040204" pitchFamily="34" charset="0"/>
+              </a:defRPr>
+            </a:lvl4pPr>
+            <a:lvl5pPr marL="2057400" indent="-228600">
+              <a:defRPr b="1">
+                <a:solidFill>
+                  <a:schemeClr val="tx1"/>
+                </a:solidFill>
+                <a:latin typeface="Verdana" panose="020B0604030504040204" pitchFamily="34" charset="0"/>
+              </a:defRPr>
+            </a:lvl5pPr>
+            <a:lvl6pPr marL="2514600" indent="-228600" eaLnBrk="0" fontAlgn="base" hangingPunct="0">
+              <a:spcBef>
+                <a:spcPct val="0"/>
+              </a:spcBef>
+              <a:spcAft>
+                <a:spcPct val="0"/>
+              </a:spcAft>
+              <a:defRPr b="1">
+                <a:solidFill>
+                  <a:schemeClr val="tx1"/>
+                </a:solidFill>
+                <a:latin typeface="Verdana" panose="020B0604030504040204" pitchFamily="34" charset="0"/>
+              </a:defRPr>
+            </a:lvl6pPr>
+            <a:lvl7pPr marL="2971800" indent="-228600" eaLnBrk="0" fontAlgn="base" hangingPunct="0">
+              <a:spcBef>
+                <a:spcPct val="0"/>
+              </a:spcBef>
+              <a:spcAft>
+                <a:spcPct val="0"/>
+              </a:spcAft>
+              <a:defRPr b="1">
+                <a:solidFill>
+                  <a:schemeClr val="tx1"/>
+                </a:solidFill>
+                <a:latin typeface="Verdana" panose="020B0604030504040204" pitchFamily="34" charset="0"/>
+              </a:defRPr>
+            </a:lvl7pPr>
+            <a:lvl8pPr marL="3429000" indent="-228600" eaLnBrk="0" fontAlgn="base" hangingPunct="0">
+              <a:spcBef>
+                <a:spcPct val="0"/>
+              </a:spcBef>
+              <a:spcAft>
+                <a:spcPct val="0"/>
+              </a:spcAft>
+              <a:defRPr b="1">
+                <a:solidFill>
+                  <a:schemeClr val="tx1"/>
+                </a:solidFill>
+                <a:latin typeface="Verdana" panose="020B0604030504040204" pitchFamily="34" charset="0"/>
+              </a:defRPr>
+            </a:lvl8pPr>
+            <a:lvl9pPr marL="3886200" indent="-228600" eaLnBrk="0" fontAlgn="base" hangingPunct="0">
+              <a:spcBef>
+                <a:spcPct val="0"/>
+              </a:spcBef>
+              <a:spcAft>
+                <a:spcPct val="0"/>
+              </a:spcAft>
+              <a:defRPr b="1">
+                <a:solidFill>
+                  <a:schemeClr val="tx1"/>
+                </a:solidFill>
+                <a:latin typeface="Verdana" panose="020B0604030504040204" pitchFamily="34" charset="0"/>
+              </a:defRPr>
+            </a:lvl9pPr>
+          </a:lstStyle>
+          <a:p>
+            <a:pPr algn="ctr"/>
+            <a:r>
+              <a:rPr lang="en-US" altLang="en-US">
+                <a:solidFill>
+                  <a:srgbClr val="000000"/>
+                </a:solidFill>
+              </a:rPr>
+              <a:t>Questions? Comments?</a:t>
+            </a:r>
+          </a:p>
+          <a:p>
+            <a:pPr algn="ctr"/>
+            <a:r>
+              <a:rPr lang="en-US" altLang="en-US">
+                <a:solidFill>
+                  <a:srgbClr val="000000"/>
+                </a:solidFill>
+              </a:rPr>
+              <a:t>Dan’s e-mail: </a:t>
+            </a:r>
+            <a:r>
+              <a:rPr lang="en-US" altLang="en-US">
+                <a:solidFill>
+                  <a:srgbClr val="000000"/>
+                </a:solidFill>
+                <a:hlinkClick r:id="rId2"/>
+              </a:rPr>
+              <a:t>danc@onlc.com</a:t>
+            </a:r>
+            <a:endParaRPr lang="en-US" altLang="en-US">
+              <a:solidFill>
+                <a:srgbClr val="000000"/>
+              </a:solidFill>
+            </a:endParaRPr>
+          </a:p>
+          <a:p>
+            <a:pPr algn="ctr"/>
+            <a:r>
+              <a:rPr lang="en-US" altLang="en-US">
+                <a:solidFill>
+                  <a:srgbClr val="000000"/>
+                </a:solidFill>
+              </a:rPr>
+              <a:t>Dan’s cell #: (413) 455-0856</a:t>
+            </a:r>
+          </a:p>
+        </p:txBody>
+      </p:sp>
+      <p:sp>
+        <p:nvSpPr>
+          <p:cNvPr id="7" name="WordArt 3"/>
+          <p:cNvSpPr>
+            <a:spLocks noChangeArrowheads="1" noChangeShapeType="1" noTextEdit="1"/>
+          </p:cNvSpPr>
+          <p:nvPr/>
+        </p:nvSpPr>
+        <p:spPr bwMode="auto">
+          <a:xfrm>
+            <a:off x="955675" y="977900"/>
+            <a:ext cx="3167063" cy="2616200"/>
+          </a:xfrm>
+          <a:prstGeom prst="rect">
+            <a:avLst/>
+          </a:prstGeom>
+        </p:spPr>
+        <p:txBody>
+          <a:bodyPr wrap="none" fromWordArt="1">
+            <a:prstTxWarp prst="textSlantUp">
+              <a:avLst>
+                <a:gd name="adj" fmla="val 9014"/>
+              </a:avLst>
+            </a:prstTxWarp>
+          </a:bodyPr>
+          <a:lstStyle/>
+          <a:p>
+            <a:pPr algn="ctr"/>
+            <a:r>
+              <a:rPr lang="en-US" sz="3600" kern="10" dirty="0">
+                <a:ln w="9525">
+                  <a:solidFill>
+                    <a:srgbClr val="CC99FF"/>
+                  </a:solidFill>
+                  <a:round/>
+                  <a:headEnd/>
+                  <a:tailEnd/>
+                </a:ln>
+                <a:gradFill rotWithShape="1">
+                  <a:gsLst>
+                    <a:gs pos="0">
+                      <a:srgbClr val="6600CC"/>
+                    </a:gs>
+                    <a:gs pos="100000">
+                      <a:srgbClr val="CC00CC"/>
+                    </a:gs>
+                  </a:gsLst>
+                  <a:lin ang="5400000" scaled="1"/>
+                </a:gradFill>
+                <a:effectLst>
+                  <a:outerShdw dist="53882" dir="2700000" algn="ctr" rotWithShape="0">
+                    <a:srgbClr val="9999FF">
+                      <a:alpha val="79999"/>
+                    </a:srgbClr>
+                  </a:outerShdw>
+                </a:effectLst>
+                <a:latin typeface="Impact" panose="020B0806030902050204" pitchFamily="34" charset="0"/>
+              </a:rPr>
+              <a:t>A.M. Break: </a:t>
+            </a:r>
+            <a:r>
+              <a:rPr lang="en-US" sz="3600" kern="10" dirty="0" smtClean="0">
+                <a:ln w="9525">
+                  <a:solidFill>
+                    <a:srgbClr val="CC99FF"/>
+                  </a:solidFill>
+                  <a:round/>
+                  <a:headEnd/>
+                  <a:tailEnd/>
+                </a:ln>
+                <a:gradFill rotWithShape="1">
+                  <a:gsLst>
+                    <a:gs pos="0">
+                      <a:srgbClr val="6600CC"/>
+                    </a:gs>
+                    <a:gs pos="100000">
+                      <a:srgbClr val="CC00CC"/>
+                    </a:gs>
+                  </a:gsLst>
+                  <a:lin ang="5400000" scaled="1"/>
+                </a:gradFill>
+                <a:effectLst>
+                  <a:outerShdw dist="53882" dir="2700000" algn="ctr" rotWithShape="0">
+                    <a:srgbClr val="9999FF">
+                      <a:alpha val="79999"/>
+                    </a:srgbClr>
+                  </a:outerShdw>
+                </a:effectLst>
+                <a:latin typeface="Impact" panose="020B0806030902050204" pitchFamily="34" charset="0"/>
+              </a:rPr>
+              <a:t>11:25-11:40</a:t>
+            </a:r>
+            <a:endParaRPr lang="en-US" sz="3600" kern="10" dirty="0">
+              <a:ln w="9525">
+                <a:solidFill>
+                  <a:srgbClr val="CC99FF"/>
+                </a:solidFill>
+                <a:round/>
+                <a:headEnd/>
+                <a:tailEnd/>
+              </a:ln>
+              <a:gradFill rotWithShape="1">
+                <a:gsLst>
+                  <a:gs pos="0">
+                    <a:srgbClr val="6600CC"/>
+                  </a:gs>
+                  <a:gs pos="100000">
+                    <a:srgbClr val="CC00CC"/>
+                  </a:gs>
+                </a:gsLst>
+                <a:lin ang="5400000" scaled="1"/>
+              </a:gradFill>
+              <a:effectLst>
+                <a:outerShdw dist="53882" dir="2700000" algn="ctr" rotWithShape="0">
+                  <a:srgbClr val="9999FF">
+                    <a:alpha val="79999"/>
+                  </a:srgbClr>
+                </a:outerShdw>
+              </a:effectLst>
+              <a:latin typeface="Impact" panose="020B0806030902050204" pitchFamily="34" charset="0"/>
+            </a:endParaRPr>
+          </a:p>
+          <a:p>
+            <a:pPr algn="ctr"/>
+            <a:r>
+              <a:rPr lang="en-US" sz="3600" kern="10" dirty="0">
+                <a:ln w="9525">
+                  <a:solidFill>
+                    <a:srgbClr val="CC99FF"/>
+                  </a:solidFill>
+                  <a:round/>
+                  <a:headEnd/>
+                  <a:tailEnd/>
+                </a:ln>
+                <a:gradFill rotWithShape="1">
+                  <a:gsLst>
+                    <a:gs pos="0">
+                      <a:srgbClr val="6600CC"/>
+                    </a:gs>
+                    <a:gs pos="100000">
+                      <a:srgbClr val="CC00CC"/>
+                    </a:gs>
+                  </a:gsLst>
+                  <a:lin ang="5400000" scaled="1"/>
+                </a:gradFill>
+                <a:effectLst>
+                  <a:outerShdw dist="53882" dir="2700000" algn="ctr" rotWithShape="0">
+                    <a:srgbClr val="9999FF">
+                      <a:alpha val="79999"/>
+                    </a:srgbClr>
+                  </a:outerShdw>
+                </a:effectLst>
+                <a:latin typeface="Impact" panose="020B0806030902050204" pitchFamily="34" charset="0"/>
+              </a:rPr>
+              <a:t>Lab: </a:t>
+            </a:r>
+            <a:r>
+              <a:rPr lang="en-US" sz="3600" kern="10" dirty="0" smtClean="0">
+                <a:ln w="9525">
+                  <a:solidFill>
+                    <a:srgbClr val="CC99FF"/>
+                  </a:solidFill>
+                  <a:round/>
+                  <a:headEnd/>
+                  <a:tailEnd/>
+                </a:ln>
+                <a:gradFill rotWithShape="1">
+                  <a:gsLst>
+                    <a:gs pos="0">
+                      <a:srgbClr val="6600CC"/>
+                    </a:gs>
+                    <a:gs pos="100000">
+                      <a:srgbClr val="CC00CC"/>
+                    </a:gs>
+                  </a:gsLst>
+                  <a:lin ang="5400000" scaled="1"/>
+                </a:gradFill>
+                <a:effectLst>
+                  <a:outerShdw dist="53882" dir="2700000" algn="ctr" rotWithShape="0">
+                    <a:srgbClr val="9999FF">
+                      <a:alpha val="79999"/>
+                    </a:srgbClr>
+                  </a:outerShdw>
+                </a:effectLst>
+                <a:latin typeface="Impact" panose="020B0806030902050204" pitchFamily="34" charset="0"/>
+              </a:rPr>
+              <a:t>11:40-12:25</a:t>
+            </a:r>
+            <a:endParaRPr lang="en-US" sz="3600" kern="10" dirty="0">
+              <a:ln w="9525">
+                <a:solidFill>
+                  <a:srgbClr val="CC99FF"/>
+                </a:solidFill>
+                <a:round/>
+                <a:headEnd/>
+                <a:tailEnd/>
+              </a:ln>
+              <a:gradFill rotWithShape="1">
+                <a:gsLst>
+                  <a:gs pos="0">
+                    <a:srgbClr val="6600CC"/>
+                  </a:gs>
+                  <a:gs pos="100000">
+                    <a:srgbClr val="CC00CC"/>
+                  </a:gs>
+                </a:gsLst>
+                <a:lin ang="5400000" scaled="1"/>
+              </a:gradFill>
+              <a:effectLst>
+                <a:outerShdw dist="53882" dir="2700000" algn="ctr" rotWithShape="0">
+                  <a:srgbClr val="9999FF">
+                    <a:alpha val="79999"/>
+                  </a:srgbClr>
+                </a:outerShdw>
+              </a:effectLst>
+              <a:latin typeface="Impact" panose="020B0806030902050204" pitchFamily="34" charset="0"/>
+            </a:endParaRPr>
+          </a:p>
+          <a:p>
+            <a:pPr algn="ctr"/>
+            <a:r>
+              <a:rPr lang="en-US" sz="3600" kern="10" dirty="0">
+                <a:ln w="9525">
+                  <a:solidFill>
+                    <a:srgbClr val="CC99FF"/>
+                  </a:solidFill>
+                  <a:round/>
+                  <a:headEnd/>
+                  <a:tailEnd/>
+                </a:ln>
+                <a:gradFill rotWithShape="1">
+                  <a:gsLst>
+                    <a:gs pos="0">
+                      <a:srgbClr val="6600CC"/>
+                    </a:gs>
+                    <a:gs pos="100000">
+                      <a:srgbClr val="CC00CC"/>
+                    </a:gs>
+                  </a:gsLst>
+                  <a:lin ang="5400000" scaled="1"/>
+                </a:gradFill>
+                <a:effectLst>
+                  <a:outerShdw dist="53882" dir="2700000" algn="ctr" rotWithShape="0">
+                    <a:srgbClr val="9999FF">
+                      <a:alpha val="79999"/>
+                    </a:srgbClr>
+                  </a:outerShdw>
+                </a:effectLst>
+                <a:latin typeface="Impact" panose="020B0806030902050204" pitchFamily="34" charset="0"/>
+              </a:rPr>
+              <a:t>Lunch</a:t>
+            </a:r>
+            <a:r>
+              <a:rPr lang="en-US" sz="3600" kern="10">
+                <a:ln w="9525">
+                  <a:solidFill>
+                    <a:srgbClr val="CC99FF"/>
+                  </a:solidFill>
+                  <a:round/>
+                  <a:headEnd/>
+                  <a:tailEnd/>
+                </a:ln>
+                <a:gradFill rotWithShape="1">
+                  <a:gsLst>
+                    <a:gs pos="0">
+                      <a:srgbClr val="6600CC"/>
+                    </a:gs>
+                    <a:gs pos="100000">
+                      <a:srgbClr val="CC00CC"/>
+                    </a:gs>
+                  </a:gsLst>
+                  <a:lin ang="5400000" scaled="1"/>
+                </a:gradFill>
+                <a:effectLst>
+                  <a:outerShdw dist="53882" dir="2700000" algn="ctr" rotWithShape="0">
+                    <a:srgbClr val="9999FF">
+                      <a:alpha val="79999"/>
+                    </a:srgbClr>
+                  </a:outerShdw>
+                </a:effectLst>
+                <a:latin typeface="Impact" panose="020B0806030902050204" pitchFamily="34" charset="0"/>
+              </a:rPr>
+              <a:t>: </a:t>
+            </a:r>
+            <a:r>
+              <a:rPr lang="en-US" sz="3600" kern="10" smtClean="0">
+                <a:ln w="9525">
+                  <a:solidFill>
+                    <a:srgbClr val="CC99FF"/>
+                  </a:solidFill>
+                  <a:round/>
+                  <a:headEnd/>
+                  <a:tailEnd/>
+                </a:ln>
+                <a:gradFill rotWithShape="1">
+                  <a:gsLst>
+                    <a:gs pos="0">
+                      <a:srgbClr val="6600CC"/>
+                    </a:gs>
+                    <a:gs pos="100000">
+                      <a:srgbClr val="CC00CC"/>
+                    </a:gs>
+                  </a:gsLst>
+                  <a:lin ang="5400000" scaled="1"/>
+                </a:gradFill>
+                <a:effectLst>
+                  <a:outerShdw dist="53882" dir="2700000" algn="ctr" rotWithShape="0">
+                    <a:srgbClr val="9999FF">
+                      <a:alpha val="79999"/>
+                    </a:srgbClr>
+                  </a:outerShdw>
+                </a:effectLst>
+                <a:latin typeface="Impact" panose="020B0806030902050204" pitchFamily="34" charset="0"/>
+              </a:rPr>
+              <a:t>12:25-13:25</a:t>
+            </a:r>
+            <a:endParaRPr lang="en-US" sz="3600" kern="10" dirty="0">
+              <a:ln w="9525">
+                <a:solidFill>
+                  <a:srgbClr val="CC99FF"/>
+                </a:solidFill>
+                <a:round/>
+                <a:headEnd/>
+                <a:tailEnd/>
+              </a:ln>
+              <a:gradFill rotWithShape="1">
+                <a:gsLst>
+                  <a:gs pos="0">
+                    <a:srgbClr val="6600CC"/>
+                  </a:gs>
+                  <a:gs pos="100000">
+                    <a:srgbClr val="CC00CC"/>
+                  </a:gs>
+                </a:gsLst>
+                <a:lin ang="5400000" scaled="1"/>
+              </a:gradFill>
+              <a:effectLst>
+                <a:outerShdw dist="53882" dir="2700000" algn="ctr" rotWithShape="0">
+                  <a:srgbClr val="9999FF">
+                    <a:alpha val="79999"/>
+                  </a:srgbClr>
+                </a:outerShdw>
+              </a:effectLst>
+              <a:latin typeface="Impact" panose="020B0806030902050204" pitchFamily="34" charset="0"/>
+            </a:endParaRPr>
+          </a:p>
+        </p:txBody>
+      </p:sp>
+      <p:pic>
+        <p:nvPicPr>
+          <p:cNvPr id="8" name="Picture 5" descr="j0305257"/>
+          <p:cNvPicPr>
+            <a:picLocks noChangeAspect="1" noChangeArrowheads="1"/>
+          </p:cNvPicPr>
+          <p:nvPr/>
+        </p:nvPicPr>
+        <p:blipFill>
+          <a:blip r:embed="rId3">
+            <a:extLst>
+              <a:ext uri="{28A0092B-C50C-407E-A947-70E740481C1C}">
+                <a14:useLocalDpi xmlns:a14="http://schemas.microsoft.com/office/drawing/2010/main" val="0"/>
+              </a:ext>
+            </a:extLst>
+          </a:blip>
+          <a:srcRect/>
+          <a:stretch>
+            <a:fillRect/>
+          </a:stretch>
+        </p:blipFill>
+        <p:spPr bwMode="auto">
+          <a:xfrm>
+            <a:off x="10058400" y="1914525"/>
+            <a:ext cx="1568450" cy="2520950"/>
+          </a:xfrm>
+          <a:prstGeom prst="rect">
+            <a:avLst/>
+          </a:prstGeom>
+          <a:noFill/>
+          <a:ln>
+            <a:noFill/>
+          </a:ln>
+          <a:extLst>
+            <a:ext uri="{909E8E84-426E-40DD-AFC4-6F175D3DCCD1}">
+              <a14:hiddenFill xmlns:a14="http://schemas.microsoft.com/office/drawing/2010/main">
+                <a:solidFill>
+                  <a:srgbClr val="FFFFFF"/>
+                </a:solidFill>
+              </a14:hiddenFill>
+            </a:ext>
+            <a:ext uri="{91240B29-F687-4F45-9708-019B960494DF}">
+              <a14:hiddenLine xmlns:a14="http://schemas.microsoft.com/office/drawing/2010/main" w="9525">
+                <a:solidFill>
+                  <a:srgbClr val="000000"/>
+                </a:solidFill>
+                <a:miter lim="800000"/>
+                <a:headEnd/>
+                <a:tailEnd/>
+              </a14:hiddenLine>
+            </a:ext>
+          </a:extLst>
+        </p:spPr>
+      </p:pic>
+      <p:pic>
+        <p:nvPicPr>
+          <p:cNvPr id="9" name="Picture 6" descr="MCj02320440000[1]"/>
+          <p:cNvPicPr>
+            <a:picLocks noChangeAspect="1" noChangeArrowheads="1"/>
+          </p:cNvPicPr>
+          <p:nvPr/>
+        </p:nvPicPr>
+        <p:blipFill>
+          <a:blip r:embed="rId4">
+            <a:extLst>
+              <a:ext uri="{28A0092B-C50C-407E-A947-70E740481C1C}">
+                <a14:useLocalDpi xmlns:a14="http://schemas.microsoft.com/office/drawing/2010/main" val="0"/>
+              </a:ext>
+            </a:extLst>
+          </a:blip>
+          <a:srcRect/>
+          <a:stretch>
+            <a:fillRect/>
+          </a:stretch>
+        </p:blipFill>
+        <p:spPr bwMode="auto">
+          <a:xfrm>
+            <a:off x="9828213" y="4478338"/>
+            <a:ext cx="1951037" cy="1936750"/>
+          </a:xfrm>
+          <a:prstGeom prst="rect">
+            <a:avLst/>
+          </a:prstGeom>
+          <a:noFill/>
+          <a:ln>
+            <a:noFill/>
+          </a:ln>
+          <a:extLst>
+            <a:ext uri="{909E8E84-426E-40DD-AFC4-6F175D3DCCD1}">
+              <a14:hiddenFill xmlns:a14="http://schemas.microsoft.com/office/drawing/2010/main">
+                <a:solidFill>
+                  <a:srgbClr val="FFFFFF"/>
+                </a:solidFill>
+              </a14:hiddenFill>
+            </a:ext>
+            <a:ext uri="{91240B29-F687-4F45-9708-019B960494DF}">
+              <a14:hiddenLine xmlns:a14="http://schemas.microsoft.com/office/drawing/2010/main" w="9525">
+                <a:solidFill>
+                  <a:srgbClr val="000000"/>
+                </a:solidFill>
+                <a:miter lim="800000"/>
+                <a:headEnd/>
+                <a:tailEnd/>
+              </a14:hiddenLine>
+            </a:ext>
+          </a:extLst>
+        </p:spPr>
+      </p:pic>
+      <p:pic>
+        <p:nvPicPr>
+          <p:cNvPr id="10" name="Picture 7" descr="MCj04315630000[1]"/>
+          <p:cNvPicPr>
+            <a:picLocks noChangeAspect="1" noChangeArrowheads="1"/>
+          </p:cNvPicPr>
+          <p:nvPr/>
+        </p:nvPicPr>
+        <p:blipFill>
+          <a:blip r:embed="rId5">
+            <a:extLst>
+              <a:ext uri="{28A0092B-C50C-407E-A947-70E740481C1C}">
+                <a14:useLocalDpi xmlns:a14="http://schemas.microsoft.com/office/drawing/2010/main" val="0"/>
+              </a:ext>
+            </a:extLst>
+          </a:blip>
+          <a:srcRect/>
+          <a:stretch>
+            <a:fillRect/>
+          </a:stretch>
+        </p:blipFill>
+        <p:spPr bwMode="auto">
+          <a:xfrm>
+            <a:off x="9593263" y="217488"/>
+            <a:ext cx="2124075" cy="2138362"/>
+          </a:xfrm>
+          <a:prstGeom prst="rect">
+            <a:avLst/>
+          </a:prstGeom>
+          <a:noFill/>
+          <a:ln>
+            <a:noFill/>
+          </a:ln>
+          <a:extLst>
+            <a:ext uri="{909E8E84-426E-40DD-AFC4-6F175D3DCCD1}">
+              <a14:hiddenFill xmlns:a14="http://schemas.microsoft.com/office/drawing/2010/main">
+                <a:solidFill>
+                  <a:srgbClr val="FFFFFF"/>
+                </a:solidFill>
+              </a14:hiddenFill>
+            </a:ext>
+            <a:ext uri="{91240B29-F687-4F45-9708-019B960494DF}">
+              <a14:hiddenLine xmlns:a14="http://schemas.microsoft.com/office/drawing/2010/main" w="9525">
+                <a:solidFill>
+                  <a:srgbClr val="000000"/>
+                </a:solidFill>
+                <a:miter lim="800000"/>
+                <a:headEnd/>
+                <a:tailEnd/>
+              </a14:hiddenLine>
+            </a:ext>
+          </a:extLst>
+        </p:spPr>
+      </p:pic>
     </p:spTree>
     <p:extLst>
       <p:ext uri="{BB962C8B-B14F-4D97-AF65-F5344CB8AC3E}">

--- a/ppt/SplunkFundamentals2v1_3.pptx
+++ b/ppt/SplunkFundamentals2v1_3.pptx
@@ -17172,7 +17172,7 @@
             </a:r>
             <a:r>
               <a:rPr lang="en-US" dirty="0" smtClean="0"/>
-              <a:t>45 </a:t>
+              <a:t>30 </a:t>
             </a:r>
             <a:r>
               <a:rPr lang="en-US" dirty="0"/>
@@ -17191,7 +17191,7 @@
         </p:nvSpPr>
         <p:spPr bwMode="auto">
           <a:xfrm>
-            <a:off x="0" y="0"/>
+            <a:off x="0" y="-24163"/>
             <a:ext cx="12192000" cy="6858000"/>
           </a:xfrm>
           <a:prstGeom prst="rect">
@@ -17525,7 +17525,7 @@
         </p:nvSpPr>
         <p:spPr bwMode="auto">
           <a:xfrm>
-            <a:off x="955675" y="977900"/>
+            <a:off x="1006475" y="979427"/>
             <a:ext cx="3167063" cy="2616200"/>
           </a:xfrm>
           <a:prstGeom prst="rect">
@@ -17701,7 +17701,7 @@
                 </a:effectLst>
                 <a:latin typeface="Impact" panose="020B0806030902050204" pitchFamily="34" charset="0"/>
               </a:rPr>
-              <a:t>11:40-12:25</a:t>
+              <a:t>11:40-11:50</a:t>
             </a:r>
             <a:endParaRPr lang="en-US" sz="3600" kern="10" dirty="0">
               <a:ln w="9525">
@@ -17765,10 +17765,10 @@
                 </a:effectLst>
                 <a:latin typeface="Impact" panose="020B0806030902050204" pitchFamily="34" charset="0"/>
               </a:rPr>
-              <a:t>Lunch</a:t>
-            </a:r>
-            <a:r>
-              <a:rPr lang="en-US" sz="3600" kern="10">
+              <a:t>Lunch: </a:t>
+            </a:r>
+            <a:r>
+              <a:rPr lang="en-US" sz="3600" kern="10" dirty="0" smtClean="0">
                 <a:ln w="9525">
                   <a:solidFill>
                     <a:srgbClr val="CC99FF"/>
@@ -17797,39 +17797,7 @@
                 </a:effectLst>
                 <a:latin typeface="Impact" panose="020B0806030902050204" pitchFamily="34" charset="0"/>
               </a:rPr>
-              <a:t>: </a:t>
-            </a:r>
-            <a:r>
-              <a:rPr lang="en-US" sz="3600" kern="10" smtClean="0">
-                <a:ln w="9525">
-                  <a:solidFill>
-                    <a:srgbClr val="CC99FF"/>
-                  </a:solidFill>
-                  <a:round/>
-                  <a:headEnd/>
-                  <a:tailEnd/>
-                </a:ln>
-                <a:gradFill rotWithShape="1">
-                  <a:gsLst>
-                    <a:gs pos="0">
-                      <a:srgbClr val="6600CC"/>
-                    </a:gs>
-                    <a:gs pos="100000">
-                      <a:srgbClr val="CC00CC"/>
-                    </a:gs>
-                  </a:gsLst>
-                  <a:lin ang="5400000" scaled="1"/>
-                </a:gradFill>
-                <a:effectLst>
-                  <a:outerShdw dist="53882" dir="2700000" algn="ctr" rotWithShape="0">
-                    <a:srgbClr val="9999FF">
-                      <a:alpha val="79999"/>
-                    </a:srgbClr>
-                  </a:outerShdw>
-                </a:effectLst>
-                <a:latin typeface="Impact" panose="020B0806030902050204" pitchFamily="34" charset="0"/>
-              </a:rPr>
-              <a:t>12:25-13:25</a:t>
+              <a:t>11:50-12:50</a:t>
             </a:r>
             <a:endParaRPr lang="en-US" sz="3600" kern="10" dirty="0">
               <a:ln w="9525">

--- a/ppt/SplunkFundamentals2v1_3.pptx
+++ b/ppt/SplunkFundamentals2v1_3.pptx
@@ -20278,6 +20278,448 @@
       </p:sp>
       <p:sp>
         <p:nvSpPr>
+          <p:cNvPr id="5" name="Rectangle 5"/>
+          <p:cNvSpPr>
+            <a:spLocks noChangeArrowheads="1"/>
+          </p:cNvSpPr>
+          <p:nvPr/>
+        </p:nvSpPr>
+        <p:spPr bwMode="auto">
+          <a:xfrm>
+            <a:off x="0" y="-16146"/>
+            <a:ext cx="12192000" cy="6858000"/>
+          </a:xfrm>
+          <a:prstGeom prst="rect">
+            <a:avLst/>
+          </a:prstGeom>
+          <a:solidFill>
+            <a:srgbClr val="FFFFFF">
+              <a:alpha val="50195"/>
+            </a:srgbClr>
+          </a:solidFill>
+          <a:ln>
+            <a:noFill/>
+          </a:ln>
+          <a:effectLst>
+            <a:outerShdw dist="53882" dir="2700000" algn="ctr" rotWithShape="0">
+              <a:srgbClr val="919191">
+                <a:alpha val="50000"/>
+              </a:srgbClr>
+            </a:outerShdw>
+          </a:effectLst>
+          <a:extLst>
+            <a:ext uri="{91240B29-F687-4F45-9708-019B960494DF}">
+              <a14:hiddenLine xmlns:a14="http://schemas.microsoft.com/office/drawing/2010/main" w="9525" algn="ctr">
+                <a:solidFill>
+                  <a:srgbClr val="000000"/>
+                </a:solidFill>
+                <a:miter lim="800000"/>
+                <a:headEnd/>
+                <a:tailEnd/>
+              </a14:hiddenLine>
+            </a:ext>
+          </a:extLst>
+        </p:spPr>
+        <p:txBody>
+          <a:bodyPr wrap="none" anchor="ctr"/>
+          <a:lstStyle>
+            <a:lvl1pPr>
+              <a:defRPr b="1">
+                <a:solidFill>
+                  <a:schemeClr val="tx1"/>
+                </a:solidFill>
+                <a:latin typeface="Verdana" panose="020B0604030504040204" pitchFamily="34" charset="0"/>
+              </a:defRPr>
+            </a:lvl1pPr>
+            <a:lvl2pPr marL="742950" indent="-285750">
+              <a:defRPr b="1">
+                <a:solidFill>
+                  <a:schemeClr val="tx1"/>
+                </a:solidFill>
+                <a:latin typeface="Verdana" panose="020B0604030504040204" pitchFamily="34" charset="0"/>
+              </a:defRPr>
+            </a:lvl2pPr>
+            <a:lvl3pPr marL="1143000" indent="-228600">
+              <a:defRPr b="1">
+                <a:solidFill>
+                  <a:schemeClr val="tx1"/>
+                </a:solidFill>
+                <a:latin typeface="Verdana" panose="020B0604030504040204" pitchFamily="34" charset="0"/>
+              </a:defRPr>
+            </a:lvl3pPr>
+            <a:lvl4pPr marL="1600200" indent="-228600">
+              <a:defRPr b="1">
+                <a:solidFill>
+                  <a:schemeClr val="tx1"/>
+                </a:solidFill>
+                <a:latin typeface="Verdana" panose="020B0604030504040204" pitchFamily="34" charset="0"/>
+              </a:defRPr>
+            </a:lvl4pPr>
+            <a:lvl5pPr marL="2057400" indent="-228600">
+              <a:defRPr b="1">
+                <a:solidFill>
+                  <a:schemeClr val="tx1"/>
+                </a:solidFill>
+                <a:latin typeface="Verdana" panose="020B0604030504040204" pitchFamily="34" charset="0"/>
+              </a:defRPr>
+            </a:lvl5pPr>
+            <a:lvl6pPr marL="2514600" indent="-228600" eaLnBrk="0" fontAlgn="base" hangingPunct="0">
+              <a:spcBef>
+                <a:spcPct val="0"/>
+              </a:spcBef>
+              <a:spcAft>
+                <a:spcPct val="0"/>
+              </a:spcAft>
+              <a:defRPr b="1">
+                <a:solidFill>
+                  <a:schemeClr val="tx1"/>
+                </a:solidFill>
+                <a:latin typeface="Verdana" panose="020B0604030504040204" pitchFamily="34" charset="0"/>
+              </a:defRPr>
+            </a:lvl6pPr>
+            <a:lvl7pPr marL="2971800" indent="-228600" eaLnBrk="0" fontAlgn="base" hangingPunct="0">
+              <a:spcBef>
+                <a:spcPct val="0"/>
+              </a:spcBef>
+              <a:spcAft>
+                <a:spcPct val="0"/>
+              </a:spcAft>
+              <a:defRPr b="1">
+                <a:solidFill>
+                  <a:schemeClr val="tx1"/>
+                </a:solidFill>
+                <a:latin typeface="Verdana" panose="020B0604030504040204" pitchFamily="34" charset="0"/>
+              </a:defRPr>
+            </a:lvl7pPr>
+            <a:lvl8pPr marL="3429000" indent="-228600" eaLnBrk="0" fontAlgn="base" hangingPunct="0">
+              <a:spcBef>
+                <a:spcPct val="0"/>
+              </a:spcBef>
+              <a:spcAft>
+                <a:spcPct val="0"/>
+              </a:spcAft>
+              <a:defRPr b="1">
+                <a:solidFill>
+                  <a:schemeClr val="tx1"/>
+                </a:solidFill>
+                <a:latin typeface="Verdana" panose="020B0604030504040204" pitchFamily="34" charset="0"/>
+              </a:defRPr>
+            </a:lvl8pPr>
+            <a:lvl9pPr marL="3886200" indent="-228600" eaLnBrk="0" fontAlgn="base" hangingPunct="0">
+              <a:spcBef>
+                <a:spcPct val="0"/>
+              </a:spcBef>
+              <a:spcAft>
+                <a:spcPct val="0"/>
+              </a:spcAft>
+              <a:defRPr b="1">
+                <a:solidFill>
+                  <a:schemeClr val="tx1"/>
+                </a:solidFill>
+                <a:latin typeface="Verdana" panose="020B0604030504040204" pitchFamily="34" charset="0"/>
+              </a:defRPr>
+            </a:lvl9pPr>
+          </a:lstStyle>
+          <a:p>
+            <a:pPr algn="ctr"/>
+            <a:endParaRPr lang="en-US" altLang="en-US"/>
+          </a:p>
+        </p:txBody>
+      </p:sp>
+      <p:sp>
+        <p:nvSpPr>
+          <p:cNvPr id="6" name="Rectangle 6"/>
+          <p:cNvSpPr>
+            <a:spLocks noChangeArrowheads="1"/>
+          </p:cNvSpPr>
+          <p:nvPr/>
+        </p:nvSpPr>
+        <p:spPr bwMode="auto">
+          <a:xfrm>
+            <a:off x="492125" y="5038725"/>
+            <a:ext cx="4094163" cy="1589088"/>
+          </a:xfrm>
+          <a:prstGeom prst="rect">
+            <a:avLst/>
+          </a:prstGeom>
+          <a:solidFill>
+            <a:srgbClr val="FFFFFF"/>
+          </a:solidFill>
+          <a:ln w="9525" algn="ctr">
+            <a:solidFill>
+              <a:schemeClr val="bg2"/>
+            </a:solidFill>
+            <a:miter lim="800000"/>
+            <a:headEnd/>
+            <a:tailEnd/>
+          </a:ln>
+          <a:effectLst>
+            <a:outerShdw dist="53882" dir="2700000" algn="ctr" rotWithShape="0">
+              <a:srgbClr val="919191">
+                <a:alpha val="50000"/>
+              </a:srgbClr>
+            </a:outerShdw>
+          </a:effectLst>
+        </p:spPr>
+        <p:txBody>
+          <a:bodyPr anchor="ctr"/>
+          <a:lstStyle>
+            <a:lvl1pPr>
+              <a:defRPr b="1">
+                <a:solidFill>
+                  <a:schemeClr val="tx1"/>
+                </a:solidFill>
+                <a:latin typeface="Verdana" panose="020B0604030504040204" pitchFamily="34" charset="0"/>
+              </a:defRPr>
+            </a:lvl1pPr>
+            <a:lvl2pPr marL="742950" indent="-285750">
+              <a:defRPr b="1">
+                <a:solidFill>
+                  <a:schemeClr val="tx1"/>
+                </a:solidFill>
+                <a:latin typeface="Verdana" panose="020B0604030504040204" pitchFamily="34" charset="0"/>
+              </a:defRPr>
+            </a:lvl2pPr>
+            <a:lvl3pPr marL="1143000" indent="-228600">
+              <a:defRPr b="1">
+                <a:solidFill>
+                  <a:schemeClr val="tx1"/>
+                </a:solidFill>
+                <a:latin typeface="Verdana" panose="020B0604030504040204" pitchFamily="34" charset="0"/>
+              </a:defRPr>
+            </a:lvl3pPr>
+            <a:lvl4pPr marL="1600200" indent="-228600">
+              <a:defRPr b="1">
+                <a:solidFill>
+                  <a:schemeClr val="tx1"/>
+                </a:solidFill>
+                <a:latin typeface="Verdana" panose="020B0604030504040204" pitchFamily="34" charset="0"/>
+              </a:defRPr>
+            </a:lvl4pPr>
+            <a:lvl5pPr marL="2057400" indent="-228600">
+              <a:defRPr b="1">
+                <a:solidFill>
+                  <a:schemeClr val="tx1"/>
+                </a:solidFill>
+                <a:latin typeface="Verdana" panose="020B0604030504040204" pitchFamily="34" charset="0"/>
+              </a:defRPr>
+            </a:lvl5pPr>
+            <a:lvl6pPr marL="2514600" indent="-228600" eaLnBrk="0" fontAlgn="base" hangingPunct="0">
+              <a:spcBef>
+                <a:spcPct val="0"/>
+              </a:spcBef>
+              <a:spcAft>
+                <a:spcPct val="0"/>
+              </a:spcAft>
+              <a:defRPr b="1">
+                <a:solidFill>
+                  <a:schemeClr val="tx1"/>
+                </a:solidFill>
+                <a:latin typeface="Verdana" panose="020B0604030504040204" pitchFamily="34" charset="0"/>
+              </a:defRPr>
+            </a:lvl6pPr>
+            <a:lvl7pPr marL="2971800" indent="-228600" eaLnBrk="0" fontAlgn="base" hangingPunct="0">
+              <a:spcBef>
+                <a:spcPct val="0"/>
+              </a:spcBef>
+              <a:spcAft>
+                <a:spcPct val="0"/>
+              </a:spcAft>
+              <a:defRPr b="1">
+                <a:solidFill>
+                  <a:schemeClr val="tx1"/>
+                </a:solidFill>
+                <a:latin typeface="Verdana" panose="020B0604030504040204" pitchFamily="34" charset="0"/>
+              </a:defRPr>
+            </a:lvl7pPr>
+            <a:lvl8pPr marL="3429000" indent="-228600" eaLnBrk="0" fontAlgn="base" hangingPunct="0">
+              <a:spcBef>
+                <a:spcPct val="0"/>
+              </a:spcBef>
+              <a:spcAft>
+                <a:spcPct val="0"/>
+              </a:spcAft>
+              <a:defRPr b="1">
+                <a:solidFill>
+                  <a:schemeClr val="tx1"/>
+                </a:solidFill>
+                <a:latin typeface="Verdana" panose="020B0604030504040204" pitchFamily="34" charset="0"/>
+              </a:defRPr>
+            </a:lvl8pPr>
+            <a:lvl9pPr marL="3886200" indent="-228600" eaLnBrk="0" fontAlgn="base" hangingPunct="0">
+              <a:spcBef>
+                <a:spcPct val="0"/>
+              </a:spcBef>
+              <a:spcAft>
+                <a:spcPct val="0"/>
+              </a:spcAft>
+              <a:defRPr b="1">
+                <a:solidFill>
+                  <a:schemeClr val="tx1"/>
+                </a:solidFill>
+                <a:latin typeface="Verdana" panose="020B0604030504040204" pitchFamily="34" charset="0"/>
+              </a:defRPr>
+            </a:lvl9pPr>
+          </a:lstStyle>
+          <a:p>
+            <a:pPr algn="ctr"/>
+            <a:r>
+              <a:rPr lang="en-US" altLang="en-US">
+                <a:solidFill>
+                  <a:srgbClr val="000000"/>
+                </a:solidFill>
+              </a:rPr>
+              <a:t>Questions? Comments?</a:t>
+            </a:r>
+          </a:p>
+          <a:p>
+            <a:pPr algn="ctr"/>
+            <a:r>
+              <a:rPr lang="en-US" altLang="en-US">
+                <a:solidFill>
+                  <a:srgbClr val="000000"/>
+                </a:solidFill>
+              </a:rPr>
+              <a:t>Dan’s e-mail: </a:t>
+            </a:r>
+            <a:r>
+              <a:rPr lang="en-US" altLang="en-US">
+                <a:solidFill>
+                  <a:srgbClr val="000000"/>
+                </a:solidFill>
+                <a:hlinkClick r:id="rId2"/>
+              </a:rPr>
+              <a:t>danc@onlc.com</a:t>
+            </a:r>
+            <a:endParaRPr lang="en-US" altLang="en-US">
+              <a:solidFill>
+                <a:srgbClr val="000000"/>
+              </a:solidFill>
+            </a:endParaRPr>
+          </a:p>
+          <a:p>
+            <a:pPr algn="ctr"/>
+            <a:r>
+              <a:rPr lang="en-US" altLang="en-US">
+                <a:solidFill>
+                  <a:srgbClr val="000000"/>
+                </a:solidFill>
+              </a:rPr>
+              <a:t>Dan’s cell #: (413) 455-0856</a:t>
+            </a:r>
+          </a:p>
+        </p:txBody>
+      </p:sp>
+      <p:pic>
+        <p:nvPicPr>
+          <p:cNvPr id="8" name="Picture 5" descr="j0305257"/>
+          <p:cNvPicPr>
+            <a:picLocks noChangeAspect="1" noChangeArrowheads="1"/>
+          </p:cNvPicPr>
+          <p:nvPr/>
+        </p:nvPicPr>
+        <p:blipFill>
+          <a:blip r:embed="rId3">
+            <a:extLst>
+              <a:ext uri="{28A0092B-C50C-407E-A947-70E740481C1C}">
+                <a14:useLocalDpi xmlns:a14="http://schemas.microsoft.com/office/drawing/2010/main" val="0"/>
+              </a:ext>
+            </a:extLst>
+          </a:blip>
+          <a:srcRect/>
+          <a:stretch>
+            <a:fillRect/>
+          </a:stretch>
+        </p:blipFill>
+        <p:spPr bwMode="auto">
+          <a:xfrm>
+            <a:off x="9709150" y="606425"/>
+            <a:ext cx="1874838" cy="3013075"/>
+          </a:xfrm>
+          <a:prstGeom prst="rect">
+            <a:avLst/>
+          </a:prstGeom>
+          <a:noFill/>
+          <a:ln>
+            <a:noFill/>
+          </a:ln>
+          <a:extLst>
+            <a:ext uri="{909E8E84-426E-40DD-AFC4-6F175D3DCCD1}">
+              <a14:hiddenFill xmlns:a14="http://schemas.microsoft.com/office/drawing/2010/main">
+                <a:solidFill>
+                  <a:srgbClr val="FFFFFF"/>
+                </a:solidFill>
+              </a14:hiddenFill>
+            </a:ext>
+            <a:ext uri="{91240B29-F687-4F45-9708-019B960494DF}">
+              <a14:hiddenLine xmlns:a14="http://schemas.microsoft.com/office/drawing/2010/main" w="9525">
+                <a:solidFill>
+                  <a:srgbClr val="000000"/>
+                </a:solidFill>
+                <a:miter lim="800000"/>
+                <a:headEnd/>
+                <a:tailEnd/>
+              </a14:hiddenLine>
+            </a:ext>
+          </a:extLst>
+        </p:spPr>
+      </p:pic>
+      <p:pic>
+        <p:nvPicPr>
+          <p:cNvPr id="9" name="Picture 7" descr="MCj04315630000[1]"/>
+          <p:cNvPicPr>
+            <a:picLocks noChangeAspect="1" noChangeArrowheads="1"/>
+          </p:cNvPicPr>
+          <p:nvPr/>
+        </p:nvPicPr>
+        <p:blipFill>
+          <a:blip r:embed="rId4">
+            <a:extLst>
+              <a:ext uri="{28A0092B-C50C-407E-A947-70E740481C1C}">
+                <a14:useLocalDpi xmlns:a14="http://schemas.microsoft.com/office/drawing/2010/main" val="0"/>
+              </a:ext>
+            </a:extLst>
+          </a:blip>
+          <a:srcRect/>
+          <a:stretch>
+            <a:fillRect/>
+          </a:stretch>
+        </p:blipFill>
+        <p:spPr bwMode="auto">
+          <a:xfrm>
+            <a:off x="9328150" y="3713163"/>
+            <a:ext cx="2697163" cy="2714625"/>
+          </a:xfrm>
+          <a:prstGeom prst="rect">
+            <a:avLst/>
+          </a:prstGeom>
+          <a:noFill/>
+          <a:ln>
+            <a:noFill/>
+          </a:ln>
+          <a:extLst>
+            <a:ext uri="{909E8E84-426E-40DD-AFC4-6F175D3DCCD1}">
+              <a14:hiddenFill xmlns:a14="http://schemas.microsoft.com/office/drawing/2010/main">
+                <a:solidFill>
+                  <a:srgbClr val="FFFFFF"/>
+                </a:solidFill>
+              </a14:hiddenFill>
+            </a:ext>
+            <a:ext uri="{91240B29-F687-4F45-9708-019B960494DF}">
+              <a14:hiddenLine xmlns:a14="http://schemas.microsoft.com/office/drawing/2010/main" w="9525">
+                <a:solidFill>
+                  <a:srgbClr val="000000"/>
+                </a:solidFill>
+                <a:miter lim="800000"/>
+                <a:headEnd/>
+                <a:tailEnd/>
+              </a14:hiddenLine>
+            </a:ext>
+          </a:extLst>
+        </p:spPr>
+      </p:pic>
+      <p:sp>
+        <p:nvSpPr>
           <p:cNvPr id="4" name="Text Placeholder 3"/>
           <p:cNvSpPr>
             <a:spLocks noGrp="1"/>
@@ -20293,20 +20735,175 @@
           <a:p>
             <a:r>
               <a:rPr lang="en-US" dirty="0"/>
-              <a:t>Duration</a:t>
-            </a:r>
-            <a:r>
-              <a:rPr lang="en-US"/>
-              <a:t>: </a:t>
-            </a:r>
-            <a:r>
-              <a:rPr lang="en-US" smtClean="0"/>
-              <a:t>45 </a:t>
+              <a:t>Duration: </a:t>
+            </a:r>
+            <a:r>
+              <a:rPr lang="en-US" dirty="0" smtClean="0"/>
+              <a:t>30</a:t>
+            </a:r>
+            <a:r>
+              <a:rPr lang="en-US" dirty="0" smtClean="0"/>
+              <a:t> </a:t>
             </a:r>
             <a:r>
               <a:rPr lang="en-US" dirty="0"/>
               <a:t>minutes</a:t>
             </a:r>
+          </a:p>
+        </p:txBody>
+      </p:sp>
+      <p:sp>
+        <p:nvSpPr>
+          <p:cNvPr id="7" name="WordArt 3"/>
+          <p:cNvSpPr>
+            <a:spLocks noChangeArrowheads="1" noChangeShapeType="1" noTextEdit="1"/>
+          </p:cNvSpPr>
+          <p:nvPr/>
+        </p:nvSpPr>
+        <p:spPr bwMode="auto">
+          <a:xfrm>
+            <a:off x="955675" y="977900"/>
+            <a:ext cx="3167063" cy="2616200"/>
+          </a:xfrm>
+          <a:prstGeom prst="rect">
+            <a:avLst/>
+          </a:prstGeom>
+        </p:spPr>
+        <p:txBody>
+          <a:bodyPr wrap="none" fromWordArt="1">
+            <a:prstTxWarp prst="textSlantUp">
+              <a:avLst>
+                <a:gd name="adj" fmla="val 9014"/>
+              </a:avLst>
+            </a:prstTxWarp>
+          </a:bodyPr>
+          <a:lstStyle/>
+          <a:p>
+            <a:pPr algn="ctr"/>
+            <a:r>
+              <a:rPr lang="en-US" sz="3600" kern="10" dirty="0" smtClean="0">
+                <a:ln w="9525">
+                  <a:solidFill>
+                    <a:srgbClr val="CC99FF"/>
+                  </a:solidFill>
+                  <a:round/>
+                  <a:headEnd/>
+                  <a:tailEnd/>
+                </a:ln>
+                <a:gradFill rotWithShape="1">
+                  <a:gsLst>
+                    <a:gs pos="0">
+                      <a:srgbClr val="6600CC"/>
+                    </a:gs>
+                    <a:gs pos="100000">
+                      <a:srgbClr val="CC00CC"/>
+                    </a:gs>
+                  </a:gsLst>
+                  <a:lin ang="5400000" scaled="1"/>
+                </a:gradFill>
+                <a:effectLst>
+                  <a:outerShdw dist="53882" dir="2700000" algn="ctr" rotWithShape="0">
+                    <a:srgbClr val="9999FF">
+                      <a:alpha val="79999"/>
+                    </a:srgbClr>
+                  </a:outerShdw>
+                </a:effectLst>
+                <a:latin typeface="Impact" panose="020B0806030902050204" pitchFamily="34" charset="0"/>
+              </a:rPr>
+              <a:t>Lab/P.M. Break:</a:t>
+            </a:r>
+            <a:br>
+              <a:rPr lang="en-US" sz="3600" kern="10" dirty="0" smtClean="0">
+                <a:ln w="9525">
+                  <a:solidFill>
+                    <a:srgbClr val="CC99FF"/>
+                  </a:solidFill>
+                  <a:round/>
+                  <a:headEnd/>
+                  <a:tailEnd/>
+                </a:ln>
+                <a:gradFill rotWithShape="1">
+                  <a:gsLst>
+                    <a:gs pos="0">
+                      <a:srgbClr val="6600CC"/>
+                    </a:gs>
+                    <a:gs pos="100000">
+                      <a:srgbClr val="CC00CC"/>
+                    </a:gs>
+                  </a:gsLst>
+                  <a:lin ang="5400000" scaled="1"/>
+                </a:gradFill>
+                <a:effectLst>
+                  <a:outerShdw dist="53882" dir="2700000" algn="ctr" rotWithShape="0">
+                    <a:srgbClr val="9999FF">
+                      <a:alpha val="79999"/>
+                    </a:srgbClr>
+                  </a:outerShdw>
+                </a:effectLst>
+                <a:latin typeface="Impact" panose="020B0806030902050204" pitchFamily="34" charset="0"/>
+              </a:rPr>
+            </a:br>
+            <a:r>
+              <a:rPr lang="en-US" sz="3600" kern="10" dirty="0" smtClean="0">
+                <a:ln w="9525">
+                  <a:solidFill>
+                    <a:srgbClr val="CC99FF"/>
+                  </a:solidFill>
+                  <a:round/>
+                  <a:headEnd/>
+                  <a:tailEnd/>
+                </a:ln>
+                <a:gradFill rotWithShape="1">
+                  <a:gsLst>
+                    <a:gs pos="0">
+                      <a:srgbClr val="6600CC"/>
+                    </a:gs>
+                    <a:gs pos="100000">
+                      <a:srgbClr val="CC00CC"/>
+                    </a:gs>
+                  </a:gsLst>
+                  <a:lin ang="5400000" scaled="1"/>
+                </a:gradFill>
+                <a:effectLst>
+                  <a:outerShdw dist="53882" dir="2700000" algn="ctr" rotWithShape="0">
+                    <a:srgbClr val="9999FF">
+                      <a:alpha val="79999"/>
+                    </a:srgbClr>
+                  </a:outerShdw>
+                </a:effectLst>
+                <a:latin typeface="Impact" panose="020B0806030902050204" pitchFamily="34" charset="0"/>
+              </a:rPr>
+              <a:t>13:45-~14:30..14:45?</a:t>
+            </a:r>
+            <a:endParaRPr lang="en-US" sz="3600" kern="10" dirty="0">
+              <a:ln w="9525">
+                <a:solidFill>
+                  <a:srgbClr val="CC99FF"/>
+                </a:solidFill>
+                <a:round/>
+                <a:headEnd/>
+                <a:tailEnd/>
+              </a:ln>
+              <a:gradFill rotWithShape="1">
+                <a:gsLst>
+                  <a:gs pos="0">
+                    <a:srgbClr val="6600CC"/>
+                  </a:gs>
+                  <a:gs pos="100000">
+                    <a:srgbClr val="CC00CC"/>
+                  </a:gs>
+                </a:gsLst>
+                <a:lin ang="5400000" scaled="1"/>
+              </a:gradFill>
+              <a:effectLst>
+                <a:outerShdw dist="53882" dir="2700000" algn="ctr" rotWithShape="0">
+                  <a:srgbClr val="9999FF">
+                    <a:alpha val="79999"/>
+                  </a:srgbClr>
+                </a:outerShdw>
+              </a:effectLst>
+              <a:latin typeface="Impact" panose="020B0806030902050204" pitchFamily="34" charset="0"/>
+            </a:endParaRPr>
           </a:p>
         </p:txBody>
       </p:sp>
@@ -20569,6 +21166,13 @@
   <p:clrMapOvr>
     <a:masterClrMapping/>
   </p:clrMapOvr>
+  <p:timing>
+    <p:tnLst>
+      <p:par>
+        <p:cTn id="1" dur="indefinite" restart="never" nodeType="tmRoot"/>
+      </p:par>
+    </p:tnLst>
+  </p:timing>
 </p:sld>
 </file>
 
@@ -20861,6 +21465,13 @@
   <p:clrMapOvr>
     <a:masterClrMapping/>
   </p:clrMapOvr>
+  <p:timing>
+    <p:tnLst>
+      <p:par>
+        <p:cTn id="1" dur="indefinite" restart="never" nodeType="tmRoot"/>
+      </p:par>
+    </p:tnLst>
+  </p:timing>
 </p:sld>
 </file>
 
@@ -21009,6 +21620,13 @@
   <p:clrMapOvr>
     <a:masterClrMapping/>
   </p:clrMapOvr>
+  <p:timing>
+    <p:tnLst>
+      <p:par>
+        <p:cTn id="1" dur="indefinite" restart="never" nodeType="tmRoot"/>
+      </p:par>
+    </p:tnLst>
+  </p:timing>
 </p:sld>
 </file>
 
@@ -21072,29 +21690,29 @@
           <a:lstStyle/>
           <a:p>
             <a:r>
-              <a:rPr lang="en-US" dirty="0" err="1"/>
+              <a:rPr lang="en-US" sz="2000" dirty="0" err="1"/>
               <a:t>Settings</a:t>
             </a:r>
             <a:r>
-              <a:rPr lang="en-US" dirty="0" err="1">
+              <a:rPr lang="en-US" sz="2000" dirty="0" err="1">
                 <a:sym typeface="Wingdings" panose="05000000000000000000" pitchFamily="2" charset="2"/>
               </a:rPr>
               <a:t>Searches</a:t>
             </a:r>
             <a:r>
-              <a:rPr lang="en-US" dirty="0">
+              <a:rPr lang="en-US" sz="2000" dirty="0">
                 <a:sym typeface="Wingdings" panose="05000000000000000000" pitchFamily="2" charset="2"/>
               </a:rPr>
               <a:t>, reports, and alerts&lt;</a:t>
             </a:r>
             <a:r>
-              <a:rPr lang="en-US" dirty="0" err="1">
+              <a:rPr lang="en-US" sz="2000" dirty="0" err="1">
                 <a:sym typeface="Wingdings" panose="05000000000000000000" pitchFamily="2" charset="2"/>
               </a:rPr>
               <a:t>report_to_accelerate</a:t>
             </a:r>
             <a:r>
-              <a:rPr lang="en-US" dirty="0">
+              <a:rPr lang="en-US" sz="2000" dirty="0">
                 <a:sym typeface="Wingdings" panose="05000000000000000000" pitchFamily="2" charset="2"/>
               </a:rPr>
               <a:t>&gt;Edit Acceleration</a:t>
@@ -21102,9 +21720,65 @@
           </a:p>
           <a:p>
             <a:r>
-              <a:rPr lang="en-US" dirty="0"/>
-              <a:t>Choose time range to accelerate</a:t>
-            </a:r>
+              <a:rPr lang="en-US" sz="2000" dirty="0"/>
+              <a:t>Choose time range to </a:t>
+            </a:r>
+            <a:r>
+              <a:rPr lang="en-US" sz="2000" dirty="0" smtClean="0"/>
+              <a:t>accelerate</a:t>
+            </a:r>
+          </a:p>
+          <a:p>
+            <a:r>
+              <a:rPr lang="en-US" sz="2000" i="1" dirty="0" smtClean="0"/>
+              <a:t>Preferable to Summary Indexing</a:t>
+            </a:r>
+            <a:endParaRPr lang="en-US" sz="2000" dirty="0" smtClean="0"/>
+          </a:p>
+          <a:p>
+            <a:pPr lvl="1"/>
+            <a:r>
+              <a:rPr lang="en-US" sz="1800" dirty="0"/>
+              <a:t>Kicking off report acceleration = clicking a checkbox and selecting a time range</a:t>
+            </a:r>
+          </a:p>
+          <a:p>
+            <a:pPr lvl="1"/>
+            <a:r>
+              <a:rPr lang="en-US" sz="1800" dirty="0" err="1"/>
+              <a:t>Splunk</a:t>
+            </a:r>
+            <a:r>
+              <a:rPr lang="en-US" sz="1800" dirty="0"/>
+              <a:t> </a:t>
+            </a:r>
+            <a:r>
+              <a:rPr lang="en-US" sz="1800" dirty="0" smtClean="0"/>
+              <a:t>automatically </a:t>
+            </a:r>
+            <a:r>
+              <a:rPr lang="en-US" sz="1800" dirty="0"/>
+              <a:t>shares report acceleration summaries with similar searches</a:t>
+            </a:r>
+          </a:p>
+          <a:p>
+            <a:pPr lvl="1"/>
+            <a:r>
+              <a:rPr lang="en-US" sz="1800" dirty="0" smtClean="0"/>
+              <a:t>Automatic </a:t>
+            </a:r>
+            <a:r>
+              <a:rPr lang="en-US" sz="1800" dirty="0"/>
+              <a:t>backfill</a:t>
+            </a:r>
+          </a:p>
+          <a:p>
+            <a:pPr lvl="1"/>
+            <a:r>
+              <a:rPr lang="en-US" sz="1800" dirty="0"/>
+              <a:t>Report acceleration summaries are stored alongside the buckets in your indexes</a:t>
+            </a:r>
+            <a:endParaRPr lang="en-US" sz="1800" dirty="0"/>
           </a:p>
         </p:txBody>
       </p:sp>
@@ -21142,6 +21816,13 @@
   <p:clrMapOvr>
     <a:masterClrMapping/>
   </p:clrMapOvr>
+  <p:timing>
+    <p:tnLst>
+      <p:par>
+        <p:cTn id="1" dur="indefinite" restart="never" nodeType="tmRoot"/>
+      </p:par>
+    </p:tnLst>
+  </p:timing>
 </p:sld>
 </file>
 
@@ -21246,7 +21927,15 @@
           <a:p>
             <a:r>
               <a:rPr lang="en-US" dirty="0"/>
-              <a:t>Duration: 45 minutes</a:t>
+              <a:t>Duration: </a:t>
+            </a:r>
+            <a:r>
+              <a:rPr lang="en-US" dirty="0" smtClean="0"/>
+              <a:t>30 </a:t>
+            </a:r>
+            <a:r>
+              <a:rPr lang="en-US" dirty="0"/>
+              <a:t>minutes</a:t>
             </a:r>
           </a:p>
         </p:txBody>
@@ -21261,6 +21950,13 @@
   <p:clrMapOvr>
     <a:masterClrMapping/>
   </p:clrMapOvr>
+  <p:timing>
+    <p:tnLst>
+      <p:par>
+        <p:cTn id="1" dur="indefinite" restart="never" nodeType="tmRoot"/>
+      </p:par>
+    </p:tnLst>
+  </p:timing>
 </p:sld>
 </file>
 
@@ -21313,6 +22009,13 @@
   <p:clrMapOvr>
     <a:masterClrMapping/>
   </p:clrMapOvr>
+  <p:timing>
+    <p:tnLst>
+      <p:par>
+        <p:cTn id="1" dur="indefinite" restart="never" nodeType="tmRoot"/>
+      </p:par>
+    </p:tnLst>
+  </p:timing>
 </p:sld>
 </file>
 
@@ -21365,15 +22068,175 @@
             <p:ph type="body" sz="quarter" idx="10"/>
           </p:nvPr>
         </p:nvSpPr>
-        <p:spPr/>
-        <p:txBody>
-          <a:bodyPr/>
-          <a:lstStyle/>
-          <a:p>
-            <a:endParaRPr lang="en-US"/>
-          </a:p>
-        </p:txBody>
-      </p:sp>
+        <p:spPr>
+          <a:xfrm>
+            <a:off x="762000" y="1752600"/>
+            <a:ext cx="5943600" cy="3733800"/>
+          </a:xfrm>
+        </p:spPr>
+        <p:txBody>
+          <a:bodyPr/>
+          <a:lstStyle/>
+          <a:p>
+            <a:r>
+              <a:rPr lang="en-US" dirty="0"/>
+              <a:t>Create </a:t>
+            </a:r>
+            <a:r>
+              <a:rPr lang="en-US" dirty="0">
+                <a:latin typeface="Courier"/>
+              </a:rPr>
+              <a:t>default.xml</a:t>
+            </a:r>
+            <a:r>
+              <a:rPr lang="en-US" dirty="0"/>
+              <a:t> at </a:t>
+            </a:r>
+            <a:r>
+              <a:rPr lang="en-US" dirty="0" smtClean="0">
+                <a:latin typeface="Courier"/>
+              </a:rPr>
+              <a:t>&lt;</a:t>
+            </a:r>
+            <a:r>
+              <a:rPr lang="en-US" dirty="0" err="1" smtClean="0">
+                <a:latin typeface="Courier"/>
+              </a:rPr>
+              <a:t>approot</a:t>
+            </a:r>
+            <a:r>
+              <a:rPr lang="en-US" dirty="0" smtClean="0">
+                <a:latin typeface="Courier"/>
+              </a:rPr>
+              <a:t>&gt;\data\</a:t>
+            </a:r>
+            <a:r>
+              <a:rPr lang="en-US" dirty="0" err="1" smtClean="0">
+                <a:latin typeface="Courier"/>
+              </a:rPr>
+              <a:t>ui</a:t>
+            </a:r>
+            <a:r>
+              <a:rPr lang="en-US" dirty="0" smtClean="0">
+                <a:latin typeface="Courier"/>
+              </a:rPr>
+              <a:t>\</a:t>
+            </a:r>
+            <a:r>
+              <a:rPr lang="en-US" dirty="0" err="1" smtClean="0">
+                <a:latin typeface="Courier"/>
+              </a:rPr>
+              <a:t>nav</a:t>
+            </a:r>
+            <a:endParaRPr lang="en-US" dirty="0" smtClean="0">
+              <a:latin typeface="Courier"/>
+            </a:endParaRPr>
+          </a:p>
+          <a:p>
+            <a:r>
+              <a:rPr lang="en-US" dirty="0" smtClean="0"/>
+              <a:t>Hierarchy of menus</a:t>
+            </a:r>
+            <a:endParaRPr lang="en-US" dirty="0"/>
+          </a:p>
+        </p:txBody>
+      </p:sp>
+      <p:pic>
+        <p:nvPicPr>
+          <p:cNvPr id="2" name="Picture 1"/>
+          <p:cNvPicPr>
+            <a:picLocks noChangeAspect="1"/>
+          </p:cNvPicPr>
+          <p:nvPr/>
+        </p:nvPicPr>
+        <p:blipFill>
+          <a:blip r:embed="rId2"/>
+          <a:stretch>
+            <a:fillRect/>
+          </a:stretch>
+        </p:blipFill>
+        <p:spPr>
+          <a:xfrm>
+            <a:off x="7391401" y="1524000"/>
+            <a:ext cx="3655558" cy="3994484"/>
+          </a:xfrm>
+          <a:prstGeom prst="rect">
+            <a:avLst/>
+          </a:prstGeom>
+        </p:spPr>
+      </p:pic>
+      <p:pic>
+        <p:nvPicPr>
+          <p:cNvPr id="5" name="Picture 4"/>
+          <p:cNvPicPr>
+            <a:picLocks noChangeAspect="1"/>
+          </p:cNvPicPr>
+          <p:nvPr/>
+        </p:nvPicPr>
+        <p:blipFill>
+          <a:blip r:embed="rId3"/>
+          <a:stretch>
+            <a:fillRect/>
+          </a:stretch>
+        </p:blipFill>
+        <p:spPr>
+          <a:xfrm>
+            <a:off x="789568" y="3581400"/>
+            <a:ext cx="5839832" cy="364990"/>
+          </a:xfrm>
+          <a:prstGeom prst="rect">
+            <a:avLst/>
+          </a:prstGeom>
+        </p:spPr>
+      </p:pic>
+      <p:pic>
+        <p:nvPicPr>
+          <p:cNvPr id="6" name="Picture 5"/>
+          <p:cNvPicPr>
+            <a:picLocks noChangeAspect="1"/>
+          </p:cNvPicPr>
+          <p:nvPr/>
+        </p:nvPicPr>
+        <p:blipFill>
+          <a:blip r:embed="rId4"/>
+          <a:stretch>
+            <a:fillRect/>
+          </a:stretch>
+        </p:blipFill>
+        <p:spPr>
+          <a:xfrm>
+            <a:off x="1905000" y="4019696"/>
+            <a:ext cx="2515036" cy="1265186"/>
+          </a:xfrm>
+          <a:prstGeom prst="rect">
+            <a:avLst/>
+          </a:prstGeom>
+        </p:spPr>
+      </p:pic>
+      <p:pic>
+        <p:nvPicPr>
+          <p:cNvPr id="7" name="Picture 6"/>
+          <p:cNvPicPr>
+            <a:picLocks noChangeAspect="1"/>
+          </p:cNvPicPr>
+          <p:nvPr/>
+        </p:nvPicPr>
+        <p:blipFill>
+          <a:blip r:embed="rId5"/>
+          <a:stretch>
+            <a:fillRect/>
+          </a:stretch>
+        </p:blipFill>
+        <p:spPr>
+          <a:xfrm>
+            <a:off x="4343400" y="4386660"/>
+            <a:ext cx="2001708" cy="2205829"/>
+          </a:xfrm>
+          <a:prstGeom prst="rect">
+            <a:avLst/>
+          </a:prstGeom>
+        </p:spPr>
+      </p:pic>
     </p:spTree>
     <p:extLst>
       <p:ext uri="{BB962C8B-B14F-4D97-AF65-F5344CB8AC3E}">

--- a/ppt/SplunkFundamentals2v1_3.pptx
+++ b/ppt/SplunkFundamentals2v1_3.pptx
@@ -4882,6 +4882,20 @@
           <a:bodyPr/>
           <a:lstStyle/>
           <a:p>
+            <a:r>
+              <a:rPr lang="en-US" dirty="0" smtClean="0"/>
+              <a:t>P. 603</a:t>
+            </a:r>
+          </a:p>
+          <a:p>
+            <a:r>
+              <a:rPr lang="en-US" dirty="0" smtClean="0"/>
+              <a:t>P. </a:t>
+            </a:r>
+            <a:r>
+              <a:rPr lang="en-US" smtClean="0"/>
+              <a:t>627</a:t>
+            </a:r>
             <a:endParaRPr lang="en-US"/>
           </a:p>
         </p:txBody>
@@ -4896,6 +4910,13 @@
   <p:clrMapOvr>
     <a:masterClrMapping/>
   </p:clrMapOvr>
+  <p:timing>
+    <p:tnLst>
+      <p:par>
+        <p:cTn id="1" dur="indefinite" restart="never" nodeType="tmRoot"/>
+      </p:par>
+    </p:tnLst>
+  </p:timing>
 </p:sld>
 </file>
 
@@ -4989,6 +5010,13 @@
   <p:clrMapOvr>
     <a:masterClrMapping/>
   </p:clrMapOvr>
+  <p:timing>
+    <p:tnLst>
+      <p:par>
+        <p:cTn id="1" dur="indefinite" restart="never" nodeType="tmRoot"/>
+      </p:par>
+    </p:tnLst>
+  </p:timing>
 </p:sld>
 </file>
 
@@ -20739,11 +20767,7 @@
             </a:r>
             <a:r>
               <a:rPr lang="en-US" dirty="0" smtClean="0"/>
-              <a:t>30</a:t>
-            </a:r>
-            <a:r>
-              <a:rPr lang="en-US" dirty="0" smtClean="0"/>
-              <a:t> </a:t>
+              <a:t>30 </a:t>
             </a:r>
             <a:r>
               <a:rPr lang="en-US" dirty="0"/>
@@ -21352,6 +21376,13 @@
   <p:clrMapOvr>
     <a:masterClrMapping/>
   </p:clrMapOvr>
+  <p:timing>
+    <p:tnLst>
+      <p:par>
+        <p:cTn id="1" dur="indefinite" restart="never" nodeType="tmRoot"/>
+      </p:par>
+    </p:tnLst>
+  </p:timing>
 </p:sld>
 </file>
 
@@ -21778,7 +21809,6 @@
               <a:rPr lang="en-US" sz="1800" dirty="0"/>
               <a:t>Report acceleration summaries are stored alongside the buckets in your indexes</a:t>
             </a:r>
-            <a:endParaRPr lang="en-US" sz="1800" dirty="0"/>
           </a:p>
         </p:txBody>
       </p:sp>
@@ -21940,6 +21970,706 @@
           </a:p>
         </p:txBody>
       </p:sp>
+      <p:sp>
+        <p:nvSpPr>
+          <p:cNvPr id="5" name="Rectangle 5"/>
+          <p:cNvSpPr>
+            <a:spLocks noChangeArrowheads="1"/>
+          </p:cNvSpPr>
+          <p:nvPr/>
+        </p:nvSpPr>
+        <p:spPr bwMode="auto">
+          <a:xfrm>
+            <a:off x="0" y="0"/>
+            <a:ext cx="12192000" cy="6858000"/>
+          </a:xfrm>
+          <a:prstGeom prst="rect">
+            <a:avLst/>
+          </a:prstGeom>
+          <a:solidFill>
+            <a:srgbClr val="FFFFFF">
+              <a:alpha val="50195"/>
+            </a:srgbClr>
+          </a:solidFill>
+          <a:ln>
+            <a:noFill/>
+          </a:ln>
+          <a:effectLst>
+            <a:outerShdw dist="53882" dir="2700000" algn="ctr" rotWithShape="0">
+              <a:srgbClr val="919191">
+                <a:alpha val="50000"/>
+              </a:srgbClr>
+            </a:outerShdw>
+          </a:effectLst>
+          <a:extLst>
+            <a:ext uri="{91240B29-F687-4F45-9708-019B960494DF}">
+              <a14:hiddenLine xmlns:a14="http://schemas.microsoft.com/office/drawing/2010/main" w="9525" algn="ctr">
+                <a:solidFill>
+                  <a:srgbClr val="000000"/>
+                </a:solidFill>
+                <a:miter lim="800000"/>
+                <a:headEnd/>
+                <a:tailEnd/>
+              </a14:hiddenLine>
+            </a:ext>
+          </a:extLst>
+        </p:spPr>
+        <p:txBody>
+          <a:bodyPr wrap="none" anchor="ctr"/>
+          <a:lstStyle>
+            <a:lvl1pPr>
+              <a:defRPr b="1">
+                <a:solidFill>
+                  <a:schemeClr val="tx1"/>
+                </a:solidFill>
+                <a:latin typeface="Verdana" panose="020B0604030504040204" pitchFamily="34" charset="0"/>
+              </a:defRPr>
+            </a:lvl1pPr>
+            <a:lvl2pPr marL="742950" indent="-285750">
+              <a:defRPr b="1">
+                <a:solidFill>
+                  <a:schemeClr val="tx1"/>
+                </a:solidFill>
+                <a:latin typeface="Verdana" panose="020B0604030504040204" pitchFamily="34" charset="0"/>
+              </a:defRPr>
+            </a:lvl2pPr>
+            <a:lvl3pPr marL="1143000" indent="-228600">
+              <a:defRPr b="1">
+                <a:solidFill>
+                  <a:schemeClr val="tx1"/>
+                </a:solidFill>
+                <a:latin typeface="Verdana" panose="020B0604030504040204" pitchFamily="34" charset="0"/>
+              </a:defRPr>
+            </a:lvl3pPr>
+            <a:lvl4pPr marL="1600200" indent="-228600">
+              <a:defRPr b="1">
+                <a:solidFill>
+                  <a:schemeClr val="tx1"/>
+                </a:solidFill>
+                <a:latin typeface="Verdana" panose="020B0604030504040204" pitchFamily="34" charset="0"/>
+              </a:defRPr>
+            </a:lvl4pPr>
+            <a:lvl5pPr marL="2057400" indent="-228600">
+              <a:defRPr b="1">
+                <a:solidFill>
+                  <a:schemeClr val="tx1"/>
+                </a:solidFill>
+                <a:latin typeface="Verdana" panose="020B0604030504040204" pitchFamily="34" charset="0"/>
+              </a:defRPr>
+            </a:lvl5pPr>
+            <a:lvl6pPr marL="2514600" indent="-228600" eaLnBrk="0" fontAlgn="base" hangingPunct="0">
+              <a:spcBef>
+                <a:spcPct val="0"/>
+              </a:spcBef>
+              <a:spcAft>
+                <a:spcPct val="0"/>
+              </a:spcAft>
+              <a:defRPr b="1">
+                <a:solidFill>
+                  <a:schemeClr val="tx1"/>
+                </a:solidFill>
+                <a:latin typeface="Verdana" panose="020B0604030504040204" pitchFamily="34" charset="0"/>
+              </a:defRPr>
+            </a:lvl6pPr>
+            <a:lvl7pPr marL="2971800" indent="-228600" eaLnBrk="0" fontAlgn="base" hangingPunct="0">
+              <a:spcBef>
+                <a:spcPct val="0"/>
+              </a:spcBef>
+              <a:spcAft>
+                <a:spcPct val="0"/>
+              </a:spcAft>
+              <a:defRPr b="1">
+                <a:solidFill>
+                  <a:schemeClr val="tx1"/>
+                </a:solidFill>
+                <a:latin typeface="Verdana" panose="020B0604030504040204" pitchFamily="34" charset="0"/>
+              </a:defRPr>
+            </a:lvl7pPr>
+            <a:lvl8pPr marL="3429000" indent="-228600" eaLnBrk="0" fontAlgn="base" hangingPunct="0">
+              <a:spcBef>
+                <a:spcPct val="0"/>
+              </a:spcBef>
+              <a:spcAft>
+                <a:spcPct val="0"/>
+              </a:spcAft>
+              <a:defRPr b="1">
+                <a:solidFill>
+                  <a:schemeClr val="tx1"/>
+                </a:solidFill>
+                <a:latin typeface="Verdana" panose="020B0604030504040204" pitchFamily="34" charset="0"/>
+              </a:defRPr>
+            </a:lvl8pPr>
+            <a:lvl9pPr marL="3886200" indent="-228600" eaLnBrk="0" fontAlgn="base" hangingPunct="0">
+              <a:spcBef>
+                <a:spcPct val="0"/>
+              </a:spcBef>
+              <a:spcAft>
+                <a:spcPct val="0"/>
+              </a:spcAft>
+              <a:defRPr b="1">
+                <a:solidFill>
+                  <a:schemeClr val="tx1"/>
+                </a:solidFill>
+                <a:latin typeface="Verdana" panose="020B0604030504040204" pitchFamily="34" charset="0"/>
+              </a:defRPr>
+            </a:lvl9pPr>
+          </a:lstStyle>
+          <a:p>
+            <a:pPr algn="ctr"/>
+            <a:endParaRPr lang="en-US" altLang="en-US"/>
+          </a:p>
+        </p:txBody>
+      </p:sp>
+      <p:sp>
+        <p:nvSpPr>
+          <p:cNvPr id="6" name="Rectangle 6"/>
+          <p:cNvSpPr>
+            <a:spLocks noChangeArrowheads="1"/>
+          </p:cNvSpPr>
+          <p:nvPr/>
+        </p:nvSpPr>
+        <p:spPr bwMode="auto">
+          <a:xfrm>
+            <a:off x="492125" y="5038725"/>
+            <a:ext cx="4094163" cy="1589088"/>
+          </a:xfrm>
+          <a:prstGeom prst="rect">
+            <a:avLst/>
+          </a:prstGeom>
+          <a:solidFill>
+            <a:srgbClr val="FFFFFF"/>
+          </a:solidFill>
+          <a:ln w="9525" algn="ctr">
+            <a:solidFill>
+              <a:schemeClr val="bg2"/>
+            </a:solidFill>
+            <a:miter lim="800000"/>
+            <a:headEnd/>
+            <a:tailEnd/>
+          </a:ln>
+          <a:effectLst>
+            <a:outerShdw dist="53882" dir="2700000" algn="ctr" rotWithShape="0">
+              <a:srgbClr val="919191">
+                <a:alpha val="50000"/>
+              </a:srgbClr>
+            </a:outerShdw>
+          </a:effectLst>
+        </p:spPr>
+        <p:txBody>
+          <a:bodyPr anchor="ctr"/>
+          <a:lstStyle>
+            <a:lvl1pPr>
+              <a:defRPr b="1">
+                <a:solidFill>
+                  <a:schemeClr val="tx1"/>
+                </a:solidFill>
+                <a:latin typeface="Verdana" panose="020B0604030504040204" pitchFamily="34" charset="0"/>
+              </a:defRPr>
+            </a:lvl1pPr>
+            <a:lvl2pPr marL="742950" indent="-285750">
+              <a:defRPr b="1">
+                <a:solidFill>
+                  <a:schemeClr val="tx1"/>
+                </a:solidFill>
+                <a:latin typeface="Verdana" panose="020B0604030504040204" pitchFamily="34" charset="0"/>
+              </a:defRPr>
+            </a:lvl2pPr>
+            <a:lvl3pPr marL="1143000" indent="-228600">
+              <a:defRPr b="1">
+                <a:solidFill>
+                  <a:schemeClr val="tx1"/>
+                </a:solidFill>
+                <a:latin typeface="Verdana" panose="020B0604030504040204" pitchFamily="34" charset="0"/>
+              </a:defRPr>
+            </a:lvl3pPr>
+            <a:lvl4pPr marL="1600200" indent="-228600">
+              <a:defRPr b="1">
+                <a:solidFill>
+                  <a:schemeClr val="tx1"/>
+                </a:solidFill>
+                <a:latin typeface="Verdana" panose="020B0604030504040204" pitchFamily="34" charset="0"/>
+              </a:defRPr>
+            </a:lvl4pPr>
+            <a:lvl5pPr marL="2057400" indent="-228600">
+              <a:defRPr b="1">
+                <a:solidFill>
+                  <a:schemeClr val="tx1"/>
+                </a:solidFill>
+                <a:latin typeface="Verdana" panose="020B0604030504040204" pitchFamily="34" charset="0"/>
+              </a:defRPr>
+            </a:lvl5pPr>
+            <a:lvl6pPr marL="2514600" indent="-228600" eaLnBrk="0" fontAlgn="base" hangingPunct="0">
+              <a:spcBef>
+                <a:spcPct val="0"/>
+              </a:spcBef>
+              <a:spcAft>
+                <a:spcPct val="0"/>
+              </a:spcAft>
+              <a:defRPr b="1">
+                <a:solidFill>
+                  <a:schemeClr val="tx1"/>
+                </a:solidFill>
+                <a:latin typeface="Verdana" panose="020B0604030504040204" pitchFamily="34" charset="0"/>
+              </a:defRPr>
+            </a:lvl6pPr>
+            <a:lvl7pPr marL="2971800" indent="-228600" eaLnBrk="0" fontAlgn="base" hangingPunct="0">
+              <a:spcBef>
+                <a:spcPct val="0"/>
+              </a:spcBef>
+              <a:spcAft>
+                <a:spcPct val="0"/>
+              </a:spcAft>
+              <a:defRPr b="1">
+                <a:solidFill>
+                  <a:schemeClr val="tx1"/>
+                </a:solidFill>
+                <a:latin typeface="Verdana" panose="020B0604030504040204" pitchFamily="34" charset="0"/>
+              </a:defRPr>
+            </a:lvl7pPr>
+            <a:lvl8pPr marL="3429000" indent="-228600" eaLnBrk="0" fontAlgn="base" hangingPunct="0">
+              <a:spcBef>
+                <a:spcPct val="0"/>
+              </a:spcBef>
+              <a:spcAft>
+                <a:spcPct val="0"/>
+              </a:spcAft>
+              <a:defRPr b="1">
+                <a:solidFill>
+                  <a:schemeClr val="tx1"/>
+                </a:solidFill>
+                <a:latin typeface="Verdana" panose="020B0604030504040204" pitchFamily="34" charset="0"/>
+              </a:defRPr>
+            </a:lvl8pPr>
+            <a:lvl9pPr marL="3886200" indent="-228600" eaLnBrk="0" fontAlgn="base" hangingPunct="0">
+              <a:spcBef>
+                <a:spcPct val="0"/>
+              </a:spcBef>
+              <a:spcAft>
+                <a:spcPct val="0"/>
+              </a:spcAft>
+              <a:defRPr b="1">
+                <a:solidFill>
+                  <a:schemeClr val="tx1"/>
+                </a:solidFill>
+                <a:latin typeface="Verdana" panose="020B0604030504040204" pitchFamily="34" charset="0"/>
+              </a:defRPr>
+            </a:lvl9pPr>
+          </a:lstStyle>
+          <a:p>
+            <a:pPr algn="ctr"/>
+            <a:r>
+              <a:rPr lang="en-US" altLang="en-US">
+                <a:solidFill>
+                  <a:srgbClr val="000000"/>
+                </a:solidFill>
+              </a:rPr>
+              <a:t>Questions? Comments?</a:t>
+            </a:r>
+          </a:p>
+          <a:p>
+            <a:pPr algn="ctr"/>
+            <a:r>
+              <a:rPr lang="en-US" altLang="en-US">
+                <a:solidFill>
+                  <a:srgbClr val="000000"/>
+                </a:solidFill>
+              </a:rPr>
+              <a:t>Dan’s e-mail: </a:t>
+            </a:r>
+            <a:r>
+              <a:rPr lang="en-US" altLang="en-US">
+                <a:solidFill>
+                  <a:srgbClr val="000000"/>
+                </a:solidFill>
+                <a:hlinkClick r:id="rId2"/>
+              </a:rPr>
+              <a:t>danc@onlc.com</a:t>
+            </a:r>
+            <a:endParaRPr lang="en-US" altLang="en-US">
+              <a:solidFill>
+                <a:srgbClr val="000000"/>
+              </a:solidFill>
+            </a:endParaRPr>
+          </a:p>
+          <a:p>
+            <a:pPr algn="ctr"/>
+            <a:r>
+              <a:rPr lang="en-US" altLang="en-US">
+                <a:solidFill>
+                  <a:srgbClr val="000000"/>
+                </a:solidFill>
+              </a:rPr>
+              <a:t>Dan’s cell #: (413) 455-0856</a:t>
+            </a:r>
+          </a:p>
+        </p:txBody>
+      </p:sp>
+      <p:sp>
+        <p:nvSpPr>
+          <p:cNvPr id="7" name="WordArt 3"/>
+          <p:cNvSpPr>
+            <a:spLocks noChangeArrowheads="1" noChangeShapeType="1" noTextEdit="1"/>
+          </p:cNvSpPr>
+          <p:nvPr/>
+        </p:nvSpPr>
+        <p:spPr bwMode="auto">
+          <a:xfrm>
+            <a:off x="254000" y="203200"/>
+            <a:ext cx="6892925" cy="2432050"/>
+          </a:xfrm>
+          <a:prstGeom prst="rect">
+            <a:avLst/>
+          </a:prstGeom>
+        </p:spPr>
+        <p:txBody>
+          <a:bodyPr wrap="none" fromWordArt="1">
+            <a:prstTxWarp prst="textCascadeUp">
+              <a:avLst>
+                <a:gd name="adj" fmla="val 44444"/>
+              </a:avLst>
+            </a:prstTxWarp>
+            <a:scene3d>
+              <a:camera prst="legacyPerspectiveFront">
+                <a:rot lat="20519989" lon="1080000" rev="0"/>
+              </a:camera>
+              <a:lightRig rig="legacyHarsh2" dir="b"/>
+            </a:scene3d>
+            <a:sp3d extrusionH="430200" prstMaterial="legacyMatte">
+              <a:extrusionClr>
+                <a:srgbClr val="FF6600"/>
+              </a:extrusionClr>
+              <a:contourClr>
+                <a:srgbClr val="FFE701"/>
+              </a:contourClr>
+            </a:sp3d>
+          </a:bodyPr>
+          <a:lstStyle/>
+          <a:p>
+            <a:pPr algn="ctr"/>
+            <a:r>
+              <a:rPr lang="en-US" sz="3600" kern="10">
+                <a:ln w="9525">
+                  <a:round/>
+                  <a:headEnd/>
+                  <a:tailEnd/>
+                </a:ln>
+                <a:gradFill rotWithShape="1">
+                  <a:gsLst>
+                    <a:gs pos="0">
+                      <a:srgbClr val="FFE701"/>
+                    </a:gs>
+                    <a:gs pos="100000">
+                      <a:srgbClr val="FE3E02"/>
+                    </a:gs>
+                  </a:gsLst>
+                  <a:lin ang="5400000" scaled="1"/>
+                </a:gradFill>
+                <a:latin typeface="Impact" panose="020B0806030902050204" pitchFamily="34" charset="0"/>
+              </a:rPr>
+              <a:t>Thank You</a:t>
+            </a:r>
+          </a:p>
+        </p:txBody>
+      </p:sp>
+      <p:sp>
+        <p:nvSpPr>
+          <p:cNvPr id="8" name="WordArt 6"/>
+          <p:cNvSpPr>
+            <a:spLocks noChangeArrowheads="1" noChangeShapeType="1" noTextEdit="1"/>
+          </p:cNvSpPr>
+          <p:nvPr/>
+        </p:nvSpPr>
+        <p:spPr bwMode="auto">
+          <a:xfrm>
+            <a:off x="8747125" y="4143375"/>
+            <a:ext cx="2628900" cy="2360613"/>
+          </a:xfrm>
+          <a:prstGeom prst="rect">
+            <a:avLst/>
+          </a:prstGeom>
+        </p:spPr>
+        <p:txBody>
+          <a:bodyPr wrap="none" fromWordArt="1">
+            <a:prstTxWarp prst="textSlantUp">
+              <a:avLst>
+                <a:gd name="adj" fmla="val 9014"/>
+              </a:avLst>
+            </a:prstTxWarp>
+          </a:bodyPr>
+          <a:lstStyle/>
+          <a:p>
+            <a:pPr algn="ctr"/>
+            <a:r>
+              <a:rPr lang="en-US" sz="3600" kern="10">
+                <a:ln w="9525">
+                  <a:solidFill>
+                    <a:srgbClr val="CC99FF"/>
+                  </a:solidFill>
+                  <a:round/>
+                  <a:headEnd/>
+                  <a:tailEnd/>
+                </a:ln>
+                <a:gradFill rotWithShape="1">
+                  <a:gsLst>
+                    <a:gs pos="0">
+                      <a:srgbClr val="6600CC"/>
+                    </a:gs>
+                    <a:gs pos="100000">
+                      <a:srgbClr val="FF0000"/>
+                    </a:gs>
+                  </a:gsLst>
+                  <a:lin ang="5400000" scaled="1"/>
+                </a:gradFill>
+                <a:effectLst>
+                  <a:outerShdw dist="53882" dir="2700000" algn="ctr" rotWithShape="0">
+                    <a:srgbClr val="9999FF">
+                      <a:alpha val="79999"/>
+                    </a:srgbClr>
+                  </a:outerShdw>
+                </a:effectLst>
+                <a:latin typeface="Impact" panose="020B0806030902050204" pitchFamily="34" charset="0"/>
+              </a:rPr>
+              <a:t>Have a</a:t>
+            </a:r>
+          </a:p>
+          <a:p>
+            <a:pPr algn="ctr"/>
+            <a:r>
+              <a:rPr lang="en-US" sz="3600" kern="10">
+                <a:ln w="9525">
+                  <a:solidFill>
+                    <a:srgbClr val="CC99FF"/>
+                  </a:solidFill>
+                  <a:round/>
+                  <a:headEnd/>
+                  <a:tailEnd/>
+                </a:ln>
+                <a:gradFill rotWithShape="1">
+                  <a:gsLst>
+                    <a:gs pos="0">
+                      <a:srgbClr val="6600CC"/>
+                    </a:gs>
+                    <a:gs pos="100000">
+                      <a:srgbClr val="FF0000"/>
+                    </a:gs>
+                  </a:gsLst>
+                  <a:lin ang="5400000" scaled="1"/>
+                </a:gradFill>
+                <a:effectLst>
+                  <a:outerShdw dist="53882" dir="2700000" algn="ctr" rotWithShape="0">
+                    <a:srgbClr val="9999FF">
+                      <a:alpha val="79999"/>
+                    </a:srgbClr>
+                  </a:outerShdw>
+                </a:effectLst>
+                <a:latin typeface="Impact" panose="020B0806030902050204" pitchFamily="34" charset="0"/>
+              </a:rPr>
+              <a:t>great weekend!</a:t>
+            </a:r>
+          </a:p>
+        </p:txBody>
+      </p:sp>
+      <p:sp>
+        <p:nvSpPr>
+          <p:cNvPr id="9" name="Rectangle 7"/>
+          <p:cNvSpPr>
+            <a:spLocks noChangeArrowheads="1"/>
+          </p:cNvSpPr>
+          <p:nvPr/>
+        </p:nvSpPr>
+        <p:spPr bwMode="auto">
+          <a:xfrm>
+            <a:off x="596900" y="3925888"/>
+            <a:ext cx="3886200" cy="434975"/>
+          </a:xfrm>
+          <a:prstGeom prst="rect">
+            <a:avLst/>
+          </a:prstGeom>
+          <a:solidFill>
+            <a:srgbClr val="FFFFFF"/>
+          </a:solidFill>
+          <a:ln w="9525" algn="ctr">
+            <a:solidFill>
+              <a:schemeClr val="bg2"/>
+            </a:solidFill>
+            <a:miter lim="800000"/>
+            <a:headEnd/>
+            <a:tailEnd/>
+          </a:ln>
+          <a:effectLst>
+            <a:outerShdw dist="53882" dir="2700000" algn="ctr" rotWithShape="0">
+              <a:srgbClr val="919191">
+                <a:alpha val="50000"/>
+              </a:srgbClr>
+            </a:outerShdw>
+          </a:effectLst>
+        </p:spPr>
+        <p:txBody>
+          <a:bodyPr wrap="none" anchor="ctr"/>
+          <a:lstStyle>
+            <a:lvl1pPr>
+              <a:defRPr b="1">
+                <a:solidFill>
+                  <a:schemeClr val="tx1"/>
+                </a:solidFill>
+                <a:latin typeface="Verdana" panose="020B0604030504040204" pitchFamily="34" charset="0"/>
+              </a:defRPr>
+            </a:lvl1pPr>
+            <a:lvl2pPr marL="742950" indent="-285750">
+              <a:defRPr b="1">
+                <a:solidFill>
+                  <a:schemeClr val="tx1"/>
+                </a:solidFill>
+                <a:latin typeface="Verdana" panose="020B0604030504040204" pitchFamily="34" charset="0"/>
+              </a:defRPr>
+            </a:lvl2pPr>
+            <a:lvl3pPr marL="1143000" indent="-228600">
+              <a:defRPr b="1">
+                <a:solidFill>
+                  <a:schemeClr val="tx1"/>
+                </a:solidFill>
+                <a:latin typeface="Verdana" panose="020B0604030504040204" pitchFamily="34" charset="0"/>
+              </a:defRPr>
+            </a:lvl3pPr>
+            <a:lvl4pPr marL="1600200" indent="-228600">
+              <a:defRPr b="1">
+                <a:solidFill>
+                  <a:schemeClr val="tx1"/>
+                </a:solidFill>
+                <a:latin typeface="Verdana" panose="020B0604030504040204" pitchFamily="34" charset="0"/>
+              </a:defRPr>
+            </a:lvl4pPr>
+            <a:lvl5pPr marL="2057400" indent="-228600">
+              <a:defRPr b="1">
+                <a:solidFill>
+                  <a:schemeClr val="tx1"/>
+                </a:solidFill>
+                <a:latin typeface="Verdana" panose="020B0604030504040204" pitchFamily="34" charset="0"/>
+              </a:defRPr>
+            </a:lvl5pPr>
+            <a:lvl6pPr marL="2514600" indent="-228600" eaLnBrk="0" fontAlgn="base" hangingPunct="0">
+              <a:spcBef>
+                <a:spcPct val="0"/>
+              </a:spcBef>
+              <a:spcAft>
+                <a:spcPct val="0"/>
+              </a:spcAft>
+              <a:defRPr b="1">
+                <a:solidFill>
+                  <a:schemeClr val="tx1"/>
+                </a:solidFill>
+                <a:latin typeface="Verdana" panose="020B0604030504040204" pitchFamily="34" charset="0"/>
+              </a:defRPr>
+            </a:lvl6pPr>
+            <a:lvl7pPr marL="2971800" indent="-228600" eaLnBrk="0" fontAlgn="base" hangingPunct="0">
+              <a:spcBef>
+                <a:spcPct val="0"/>
+              </a:spcBef>
+              <a:spcAft>
+                <a:spcPct val="0"/>
+              </a:spcAft>
+              <a:defRPr b="1">
+                <a:solidFill>
+                  <a:schemeClr val="tx1"/>
+                </a:solidFill>
+                <a:latin typeface="Verdana" panose="020B0604030504040204" pitchFamily="34" charset="0"/>
+              </a:defRPr>
+            </a:lvl7pPr>
+            <a:lvl8pPr marL="3429000" indent="-228600" eaLnBrk="0" fontAlgn="base" hangingPunct="0">
+              <a:spcBef>
+                <a:spcPct val="0"/>
+              </a:spcBef>
+              <a:spcAft>
+                <a:spcPct val="0"/>
+              </a:spcAft>
+              <a:defRPr b="1">
+                <a:solidFill>
+                  <a:schemeClr val="tx1"/>
+                </a:solidFill>
+                <a:latin typeface="Verdana" panose="020B0604030504040204" pitchFamily="34" charset="0"/>
+              </a:defRPr>
+            </a:lvl8pPr>
+            <a:lvl9pPr marL="3886200" indent="-228600" eaLnBrk="0" fontAlgn="base" hangingPunct="0">
+              <a:spcBef>
+                <a:spcPct val="0"/>
+              </a:spcBef>
+              <a:spcAft>
+                <a:spcPct val="0"/>
+              </a:spcAft>
+              <a:defRPr b="1">
+                <a:solidFill>
+                  <a:schemeClr val="tx1"/>
+                </a:solidFill>
+                <a:latin typeface="Verdana" panose="020B0604030504040204" pitchFamily="34" charset="0"/>
+              </a:defRPr>
+            </a:lvl9pPr>
+          </a:lstStyle>
+          <a:p>
+            <a:pPr algn="ctr"/>
+            <a:r>
+              <a:rPr lang="en-US" altLang="en-US">
+                <a:hlinkClick r:id="rId3"/>
+              </a:rPr>
+              <a:t>http://www.onlc.com/eval</a:t>
+            </a:r>
+            <a:endParaRPr lang="en-US" altLang="en-US"/>
+          </a:p>
+        </p:txBody>
+      </p:sp>
+      <p:pic>
+        <p:nvPicPr>
+          <p:cNvPr id="10" name="Picture 6" descr="j0305257"/>
+          <p:cNvPicPr>
+            <a:picLocks noChangeAspect="1" noChangeArrowheads="1"/>
+          </p:cNvPicPr>
+          <p:nvPr/>
+        </p:nvPicPr>
+        <p:blipFill>
+          <a:blip r:embed="rId4">
+            <a:extLst>
+              <a:ext uri="{28A0092B-C50C-407E-A947-70E740481C1C}">
+                <a14:useLocalDpi xmlns:a14="http://schemas.microsoft.com/office/drawing/2010/main" val="0"/>
+              </a:ext>
+            </a:extLst>
+          </a:blip>
+          <a:srcRect/>
+          <a:stretch>
+            <a:fillRect/>
+          </a:stretch>
+        </p:blipFill>
+        <p:spPr bwMode="auto">
+          <a:xfrm>
+            <a:off x="9812338" y="1155700"/>
+            <a:ext cx="1874837" cy="3013075"/>
+          </a:xfrm>
+          <a:prstGeom prst="rect">
+            <a:avLst/>
+          </a:prstGeom>
+          <a:noFill/>
+          <a:ln>
+            <a:noFill/>
+          </a:ln>
+          <a:extLst>
+            <a:ext uri="{909E8E84-426E-40DD-AFC4-6F175D3DCCD1}">
+              <a14:hiddenFill xmlns:a14="http://schemas.microsoft.com/office/drawing/2010/main">
+                <a:solidFill>
+                  <a:srgbClr val="FFFFFF"/>
+                </a:solidFill>
+              </a14:hiddenFill>
+            </a:ext>
+            <a:ext uri="{91240B29-F687-4F45-9708-019B960494DF}">
+              <a14:hiddenLine xmlns:a14="http://schemas.microsoft.com/office/drawing/2010/main" w="9525">
+                <a:solidFill>
+                  <a:srgbClr val="000000"/>
+                </a:solidFill>
+                <a:miter lim="800000"/>
+                <a:headEnd/>
+                <a:tailEnd/>
+              </a14:hiddenLine>
+            </a:ext>
+          </a:extLst>
+        </p:spPr>
+      </p:pic>
     </p:spTree>
     <p:extLst>
       <p:ext uri="{BB962C8B-B14F-4D97-AF65-F5344CB8AC3E}">
@@ -22247,6 +22977,13 @@
   <p:clrMapOvr>
     <a:masterClrMapping/>
   </p:clrMapOvr>
+  <p:timing>
+    <p:tnLst>
+      <p:par>
+        <p:cTn id="1" dur="indefinite" restart="never" nodeType="tmRoot"/>
+      </p:par>
+    </p:tnLst>
+  </p:timing>
 </p:sld>
 </file>
 
@@ -22308,6 +23045,32 @@
           </a:p>
         </p:txBody>
       </p:sp>
+      <p:pic>
+        <p:nvPicPr>
+          <p:cNvPr id="4" name="Picture 3">
+            <a:hlinkClick r:id="rId2"/>
+          </p:cNvPr>
+          <p:cNvPicPr>
+            <a:picLocks noChangeAspect="1"/>
+          </p:cNvPicPr>
+          <p:nvPr/>
+        </p:nvPicPr>
+        <p:blipFill>
+          <a:blip r:embed="rId3"/>
+          <a:stretch>
+            <a:fillRect/>
+          </a:stretch>
+        </p:blipFill>
+        <p:spPr>
+          <a:xfrm>
+            <a:off x="1690073" y="1371600"/>
+            <a:ext cx="8072776" cy="4529482"/>
+          </a:xfrm>
+          <a:prstGeom prst="rect">
+            <a:avLst/>
+          </a:prstGeom>
+        </p:spPr>
+      </p:pic>
     </p:spTree>
     <p:extLst>
       <p:ext uri="{BB962C8B-B14F-4D97-AF65-F5344CB8AC3E}">
@@ -22318,6 +23081,13 @@
   <p:clrMapOvr>
     <a:masterClrMapping/>
   </p:clrMapOvr>
+  <p:timing>
+    <p:tnLst>
+      <p:par>
+        <p:cTn id="1" dur="indefinite" restart="never" nodeType="tmRoot"/>
+      </p:par>
+    </p:tnLst>
+  </p:timing>
 </p:sld>
 </file>
 
@@ -22428,6 +23198,13 @@
   <p:clrMapOvr>
     <a:masterClrMapping/>
   </p:clrMapOvr>
+  <p:timing>
+    <p:tnLst>
+      <p:par>
+        <p:cTn id="1" dur="indefinite" restart="never" nodeType="tmRoot"/>
+      </p:par>
+    </p:tnLst>
+  </p:timing>
 </p:sld>
 </file>
 

--- a/ppt/SplunkFundamentals2v1_3.pptx
+++ b/ppt/SplunkFundamentals2v1_3.pptx
@@ -4857,6 +4857,14 @@
           <a:bodyPr/>
           <a:lstStyle/>
           <a:p>
+            <a:r>
+              <a:rPr lang="en-US" dirty="0" smtClean="0"/>
+              <a:t>Supplementary </a:t>
+            </a:r>
+            <a:r>
+              <a:rPr lang="en-US" smtClean="0"/>
+              <a:t>Lab Exercises</a:t>
+            </a:r>
             <a:endParaRPr lang="en-US"/>
           </a:p>
         </p:txBody>
@@ -4884,19 +4892,41 @@
           <a:p>
             <a:r>
               <a:rPr lang="en-US" dirty="0" smtClean="0"/>
-              <a:t>P. 603</a:t>
+              <a:t>Customizing the application navigation p. 598</a:t>
             </a:r>
           </a:p>
           <a:p>
             <a:r>
               <a:rPr lang="en-US" dirty="0" smtClean="0"/>
-              <a:t>P. </a:t>
-            </a:r>
-            <a:r>
-              <a:rPr lang="en-US" smtClean="0"/>
+              <a:t>Adding a Sankey diagram p. </a:t>
+            </a:r>
+            <a:r>
+              <a:rPr lang="en-US" dirty="0" smtClean="0"/>
+              <a:t>603</a:t>
+            </a:r>
+          </a:p>
+          <a:p>
+            <a:r>
+              <a:rPr lang="en-US" dirty="0" smtClean="0"/>
+              <a:t>Remotely querying </a:t>
+            </a:r>
+            <a:r>
+              <a:rPr lang="en-US" dirty="0" err="1" smtClean="0"/>
+              <a:t>Splunk’s</a:t>
+            </a:r>
+            <a:r>
+              <a:rPr lang="en-US" dirty="0" smtClean="0"/>
+              <a:t> REST API p</a:t>
+            </a:r>
+            <a:r>
+              <a:rPr lang="en-US" dirty="0" smtClean="0"/>
+              <a:t>. </a:t>
+            </a:r>
+            <a:r>
+              <a:rPr lang="en-US" dirty="0" smtClean="0"/>
               <a:t>627</a:t>
             </a:r>
-            <a:endParaRPr lang="en-US"/>
+            <a:endParaRPr lang="en-US" dirty="0"/>
           </a:p>
         </p:txBody>
       </p:sp>
@@ -23041,13 +23071,17 @@
           <a:bodyPr/>
           <a:lstStyle/>
           <a:p>
-            <a:endParaRPr lang="en-US"/>
+            <a:r>
+              <a:rPr lang="en-US" dirty="0" smtClean="0"/>
+              <a:t>Other ways of visualizing data, packaged as apps</a:t>
+            </a:r>
+            <a:endParaRPr lang="en-US" dirty="0"/>
           </a:p>
         </p:txBody>
       </p:sp>
       <p:pic>
         <p:nvPicPr>
-          <p:cNvPr id="4" name="Picture 3">
+          <p:cNvPr id="5" name="Picture 4">
             <a:hlinkClick r:id="rId2"/>
           </p:cNvPr>
           <p:cNvPicPr>
@@ -23063,8 +23097,34 @@
         </p:blipFill>
         <p:spPr>
           <a:xfrm>
-            <a:off x="1690073" y="1371600"/>
-            <a:ext cx="8072776" cy="4529482"/>
+            <a:off x="7391400" y="757939"/>
+            <a:ext cx="3810532" cy="838317"/>
+          </a:xfrm>
+          <a:prstGeom prst="rect">
+            <a:avLst/>
+          </a:prstGeom>
+        </p:spPr>
+      </p:pic>
+      <p:pic>
+        <p:nvPicPr>
+          <p:cNvPr id="6" name="Picture 5">
+            <a:hlinkClick r:id="rId4"/>
+          </p:cNvPr>
+          <p:cNvPicPr>
+            <a:picLocks noChangeAspect="1"/>
+          </p:cNvPicPr>
+          <p:nvPr/>
+        </p:nvPicPr>
+        <p:blipFill>
+          <a:blip r:embed="rId5"/>
+          <a:stretch>
+            <a:fillRect/>
+          </a:stretch>
+        </p:blipFill>
+        <p:spPr>
+          <a:xfrm>
+            <a:off x="776438" y="2274524"/>
+            <a:ext cx="6950370" cy="3367451"/>
           </a:xfrm>
           <a:prstGeom prst="rect">
             <a:avLst/>
@@ -23153,7 +23213,25 @@
           <a:bodyPr/>
           <a:lstStyle/>
           <a:p>
-            <a:endParaRPr lang="en-US"/>
+            <a:r>
+              <a:rPr lang="en-US" dirty="0" smtClean="0"/>
+              <a:t>Standard RESTful endpoint</a:t>
+            </a:r>
+          </a:p>
+          <a:p>
+            <a:r>
+              <a:rPr lang="en-US" dirty="0" smtClean="0"/>
+              <a:t>Exposes a large amount of </a:t>
+            </a:r>
+            <a:r>
+              <a:rPr lang="en-US" dirty="0" err="1" smtClean="0"/>
+              <a:t>Splunk</a:t>
+            </a:r>
+            <a:r>
+              <a:rPr lang="en-US" dirty="0" smtClean="0"/>
+              <a:t> functionality</a:t>
+            </a:r>
+            <a:endParaRPr lang="en-US" dirty="0"/>
           </a:p>
         </p:txBody>
       </p:sp>

--- a/ppt/SplunkFundamentals2v1_3.pptx
+++ b/ppt/SplunkFundamentals2v1_3.pptx
@@ -5,10 +5,10 @@
     <p:sldMasterId id="2147483660" r:id="rId4"/>
   </p:sldMasterIdLst>
   <p:notesMasterIdLst>
-    <p:notesMasterId r:id="rId106"/>
+    <p:notesMasterId r:id="rId107"/>
   </p:notesMasterIdLst>
   <p:handoutMasterIdLst>
-    <p:handoutMasterId r:id="rId107"/>
+    <p:handoutMasterId r:id="rId108"/>
   </p:handoutMasterIdLst>
   <p:sldIdLst>
     <p:sldId id="323" r:id="rId5"/>
@@ -51,67 +51,68 @@
     <p:sldId id="417" r:id="rId42"/>
     <p:sldId id="413" r:id="rId43"/>
     <p:sldId id="412" r:id="rId44"/>
-    <p:sldId id="414" r:id="rId45"/>
-    <p:sldId id="345" r:id="rId46"/>
-    <p:sldId id="346" r:id="rId47"/>
-    <p:sldId id="347" r:id="rId48"/>
-    <p:sldId id="348" r:id="rId49"/>
-    <p:sldId id="349" r:id="rId50"/>
-    <p:sldId id="419" r:id="rId51"/>
-    <p:sldId id="350" r:id="rId52"/>
-    <p:sldId id="351" r:id="rId53"/>
-    <p:sldId id="352" r:id="rId54"/>
-    <p:sldId id="353" r:id="rId55"/>
-    <p:sldId id="354" r:id="rId56"/>
-    <p:sldId id="356" r:id="rId57"/>
-    <p:sldId id="357" r:id="rId58"/>
-    <p:sldId id="355" r:id="rId59"/>
-    <p:sldId id="358" r:id="rId60"/>
-    <p:sldId id="359" r:id="rId61"/>
-    <p:sldId id="418" r:id="rId62"/>
-    <p:sldId id="372" r:id="rId63"/>
-    <p:sldId id="380" r:id="rId64"/>
-    <p:sldId id="379" r:id="rId65"/>
-    <p:sldId id="377" r:id="rId66"/>
-    <p:sldId id="378" r:id="rId67"/>
-    <p:sldId id="381" r:id="rId68"/>
-    <p:sldId id="360" r:id="rId69"/>
-    <p:sldId id="362" r:id="rId70"/>
-    <p:sldId id="361" r:id="rId71"/>
-    <p:sldId id="365" r:id="rId72"/>
-    <p:sldId id="366" r:id="rId73"/>
-    <p:sldId id="375" r:id="rId74"/>
-    <p:sldId id="367" r:id="rId75"/>
-    <p:sldId id="374" r:id="rId76"/>
-    <p:sldId id="423" r:id="rId77"/>
-    <p:sldId id="415" r:id="rId78"/>
-    <p:sldId id="368" r:id="rId79"/>
-    <p:sldId id="369" r:id="rId80"/>
-    <p:sldId id="370" r:id="rId81"/>
-    <p:sldId id="364" r:id="rId82"/>
-    <p:sldId id="371" r:id="rId83"/>
-    <p:sldId id="373" r:id="rId84"/>
-    <p:sldId id="384" r:id="rId85"/>
-    <p:sldId id="383" r:id="rId86"/>
-    <p:sldId id="386" r:id="rId87"/>
-    <p:sldId id="388" r:id="rId88"/>
-    <p:sldId id="387" r:id="rId89"/>
-    <p:sldId id="389" r:id="rId90"/>
-    <p:sldId id="431" r:id="rId91"/>
-    <p:sldId id="424" r:id="rId92"/>
-    <p:sldId id="385" r:id="rId93"/>
-    <p:sldId id="425" r:id="rId94"/>
-    <p:sldId id="427" r:id="rId95"/>
-    <p:sldId id="428" r:id="rId96"/>
-    <p:sldId id="429" r:id="rId97"/>
-    <p:sldId id="430" r:id="rId98"/>
-    <p:sldId id="426" r:id="rId99"/>
-    <p:sldId id="432" r:id="rId100"/>
-    <p:sldId id="433" r:id="rId101"/>
-    <p:sldId id="434" r:id="rId102"/>
-    <p:sldId id="435" r:id="rId103"/>
-    <p:sldId id="436" r:id="rId104"/>
-    <p:sldId id="340" r:id="rId105"/>
+    <p:sldId id="438" r:id="rId45"/>
+    <p:sldId id="414" r:id="rId46"/>
+    <p:sldId id="345" r:id="rId47"/>
+    <p:sldId id="346" r:id="rId48"/>
+    <p:sldId id="347" r:id="rId49"/>
+    <p:sldId id="348" r:id="rId50"/>
+    <p:sldId id="349" r:id="rId51"/>
+    <p:sldId id="419" r:id="rId52"/>
+    <p:sldId id="350" r:id="rId53"/>
+    <p:sldId id="351" r:id="rId54"/>
+    <p:sldId id="352" r:id="rId55"/>
+    <p:sldId id="353" r:id="rId56"/>
+    <p:sldId id="354" r:id="rId57"/>
+    <p:sldId id="356" r:id="rId58"/>
+    <p:sldId id="357" r:id="rId59"/>
+    <p:sldId id="355" r:id="rId60"/>
+    <p:sldId id="358" r:id="rId61"/>
+    <p:sldId id="359" r:id="rId62"/>
+    <p:sldId id="418" r:id="rId63"/>
+    <p:sldId id="372" r:id="rId64"/>
+    <p:sldId id="380" r:id="rId65"/>
+    <p:sldId id="379" r:id="rId66"/>
+    <p:sldId id="377" r:id="rId67"/>
+    <p:sldId id="378" r:id="rId68"/>
+    <p:sldId id="381" r:id="rId69"/>
+    <p:sldId id="360" r:id="rId70"/>
+    <p:sldId id="362" r:id="rId71"/>
+    <p:sldId id="361" r:id="rId72"/>
+    <p:sldId id="365" r:id="rId73"/>
+    <p:sldId id="366" r:id="rId74"/>
+    <p:sldId id="375" r:id="rId75"/>
+    <p:sldId id="367" r:id="rId76"/>
+    <p:sldId id="374" r:id="rId77"/>
+    <p:sldId id="423" r:id="rId78"/>
+    <p:sldId id="415" r:id="rId79"/>
+    <p:sldId id="368" r:id="rId80"/>
+    <p:sldId id="369" r:id="rId81"/>
+    <p:sldId id="370" r:id="rId82"/>
+    <p:sldId id="364" r:id="rId83"/>
+    <p:sldId id="371" r:id="rId84"/>
+    <p:sldId id="373" r:id="rId85"/>
+    <p:sldId id="384" r:id="rId86"/>
+    <p:sldId id="383" r:id="rId87"/>
+    <p:sldId id="386" r:id="rId88"/>
+    <p:sldId id="388" r:id="rId89"/>
+    <p:sldId id="387" r:id="rId90"/>
+    <p:sldId id="389" r:id="rId91"/>
+    <p:sldId id="431" r:id="rId92"/>
+    <p:sldId id="424" r:id="rId93"/>
+    <p:sldId id="385" r:id="rId94"/>
+    <p:sldId id="425" r:id="rId95"/>
+    <p:sldId id="427" r:id="rId96"/>
+    <p:sldId id="428" r:id="rId97"/>
+    <p:sldId id="429" r:id="rId98"/>
+    <p:sldId id="430" r:id="rId99"/>
+    <p:sldId id="426" r:id="rId100"/>
+    <p:sldId id="432" r:id="rId101"/>
+    <p:sldId id="433" r:id="rId102"/>
+    <p:sldId id="434" r:id="rId103"/>
+    <p:sldId id="435" r:id="rId104"/>
+    <p:sldId id="436" r:id="rId105"/>
+    <p:sldId id="340" r:id="rId106"/>
   </p:sldIdLst>
   <p:sldSz cx="12192000" cy="6858000"/>
   <p:notesSz cx="9309100" cy="7053263"/>
@@ -293,6 +294,7 @@
             <p14:sldId id="417"/>
             <p14:sldId id="413"/>
             <p14:sldId id="412"/>
+            <p14:sldId id="438"/>
             <p14:sldId id="414"/>
           </p14:sldIdLst>
         </p14:section>
@@ -536,7 +538,7 @@
               <a:pPr>
                 <a:defRPr/>
               </a:pPr>
-              <a:t>1/24/2020</a:t>
+              <a:t>2/19/2020</a:t>
             </a:fld>
             <a:endParaRPr lang="en-US"/>
           </a:p>
@@ -755,7 +757,7 @@
               <a:pPr>
                 <a:defRPr/>
               </a:pPr>
-              <a:t>1/24/2020</a:t>
+              <a:t>2/19/2020</a:t>
             </a:fld>
             <a:endParaRPr lang="en-US"/>
           </a:p>
@@ -1715,7 +1717,7 @@
               <a:pPr>
                 <a:defRPr/>
               </a:pPr>
-              <a:t>86</a:t>
+              <a:t>87</a:t>
             </a:fld>
             <a:endParaRPr lang="en-US"/>
           </a:p>
@@ -2094,7 +2096,7 @@
           <a:p>
             <a:fld id="{4BDF68E2-58F2-4D09-BE8B-E3BD06533059}" type="datetimeFigureOut">
               <a:rPr lang="en-US" dirty="0"/>
-              <a:t>1/24/2020</a:t>
+              <a:t>2/19/2020</a:t>
             </a:fld>
             <a:endParaRPr lang="en-US" dirty="0"/>
           </a:p>
@@ -3289,7 +3291,7 @@
           <a:p>
             <a:fld id="{528FC5F6-F338-4AE4-BB23-26385BCFC423}" type="datetimeFigureOut">
               <a:rPr lang="en-US" dirty="0"/>
-              <a:t>1/24/2020</a:t>
+              <a:t>2/19/2020</a:t>
             </a:fld>
             <a:endParaRPr lang="en-US" dirty="0"/>
           </a:p>
@@ -4567,7 +4569,7 @@
             </a:r>
             <a:r>
               <a:rPr lang="en-US" altLang="en-US" sz="1600" dirty="0" smtClean="0"/>
-              <a:t>571-317-3116 </a:t>
+              <a:t>312-757-3117 </a:t>
             </a:r>
             <a:r>
               <a:rPr lang="en-US" altLang="en-US" sz="1600" dirty="0"/>
@@ -4575,11 +4577,11 @@
             </a:r>
             <a:r>
               <a:rPr lang="en-US" altLang="en-US" sz="1600" dirty="0" smtClean="0"/>
-              <a:t>806 992 701 </a:t>
+              <a:t>461 584 853#</a:t>
             </a:r>
             <a:r>
               <a:rPr lang="en-US" altLang="en-US" sz="1600" dirty="0"/>
-              <a:t>#</a:t>
+              <a:t/>
             </a:r>
             <a:br>
               <a:rPr lang="en-US" altLang="en-US" sz="1600" dirty="0"/>
@@ -4838,6 +4840,141 @@
       </p:grpSpPr>
       <p:sp>
         <p:nvSpPr>
+          <p:cNvPr id="2" name="Title 1"/>
+          <p:cNvSpPr>
+            <a:spLocks noGrp="1"/>
+          </p:cNvSpPr>
+          <p:nvPr>
+            <p:ph type="title"/>
+          </p:nvPr>
+        </p:nvSpPr>
+        <p:spPr/>
+        <p:txBody>
+          <a:bodyPr/>
+          <a:lstStyle/>
+          <a:p>
+            <a:r>
+              <a:rPr lang="en-US" dirty="0"/>
+              <a:t>Remotely querying </a:t>
+            </a:r>
+            <a:r>
+              <a:rPr lang="en-US" dirty="0" err="1"/>
+              <a:t>Splunk’s</a:t>
+            </a:r>
+            <a:r>
+              <a:rPr lang="en-US"/>
+              <a:t> REST API</a:t>
+            </a:r>
+          </a:p>
+        </p:txBody>
+      </p:sp>
+      <p:sp>
+        <p:nvSpPr>
+          <p:cNvPr id="3" name="Text Placeholder 2"/>
+          <p:cNvSpPr>
+            <a:spLocks noGrp="1"/>
+          </p:cNvSpPr>
+          <p:nvPr>
+            <p:ph type="body" sz="quarter" idx="10"/>
+          </p:nvPr>
+        </p:nvSpPr>
+        <p:spPr/>
+        <p:txBody>
+          <a:bodyPr/>
+          <a:lstStyle/>
+          <a:p>
+            <a:r>
+              <a:rPr lang="en-US" dirty="0" smtClean="0"/>
+              <a:t>Standard RESTful endpoint</a:t>
+            </a:r>
+          </a:p>
+          <a:p>
+            <a:r>
+              <a:rPr lang="en-US" dirty="0" smtClean="0"/>
+              <a:t>Exposes a large amount of </a:t>
+            </a:r>
+            <a:r>
+              <a:rPr lang="en-US" dirty="0" err="1" smtClean="0"/>
+              <a:t>Splunk</a:t>
+            </a:r>
+            <a:r>
+              <a:rPr lang="en-US" dirty="0" smtClean="0"/>
+              <a:t> functionality</a:t>
+            </a:r>
+            <a:endParaRPr lang="en-US" dirty="0"/>
+          </a:p>
+        </p:txBody>
+      </p:sp>
+      <p:pic>
+        <p:nvPicPr>
+          <p:cNvPr id="4" name="Picture 3">
+            <a:hlinkClick r:id="rId2" action="ppaction://hlinkfile"/>
+            <a:extLst>
+              <a:ext uri="{FF2B5EF4-FFF2-40B4-BE49-F238E27FC236}">
+                <a16:creationId xmlns:a16="http://schemas.microsoft.com/office/drawing/2014/main" id="{F828083B-E8B3-4248-8611-B52D7EC66816}"/>
+              </a:ext>
+            </a:extLst>
+          </p:cNvPr>
+          <p:cNvPicPr>
+            <a:picLocks noChangeAspect="1"/>
+          </p:cNvPicPr>
+          <p:nvPr/>
+        </p:nvPicPr>
+        <p:blipFill>
+          <a:blip r:embed="rId3"/>
+          <a:stretch>
+            <a:fillRect/>
+          </a:stretch>
+        </p:blipFill>
+        <p:spPr>
+          <a:xfrm>
+            <a:off x="762000" y="4638557"/>
+            <a:ext cx="10698068" cy="847843"/>
+          </a:xfrm>
+          <a:prstGeom prst="rect">
+            <a:avLst/>
+          </a:prstGeom>
+        </p:spPr>
+      </p:pic>
+    </p:spTree>
+    <p:extLst>
+      <p:ext uri="{BB962C8B-B14F-4D97-AF65-F5344CB8AC3E}">
+        <p14:creationId xmlns:p14="http://schemas.microsoft.com/office/powerpoint/2010/main" val="2025764666"/>
+      </p:ext>
+    </p:extLst>
+  </p:cSld>
+  <p:clrMapOvr>
+    <a:masterClrMapping/>
+  </p:clrMapOvr>
+  <p:timing>
+    <p:tnLst>
+      <p:par>
+        <p:cTn id="1" dur="indefinite" restart="never" nodeType="tmRoot"/>
+      </p:par>
+    </p:tnLst>
+  </p:timing>
+</p:sld>
+</file>
+
+<file path=ppt/slides/slide101.xml><?xml version="1.0" encoding="utf-8"?>
+<p:sld xmlns:a="http://schemas.openxmlformats.org/drawingml/2006/main" xmlns:r="http://schemas.openxmlformats.org/officeDocument/2006/relationships" xmlns:p="http://schemas.openxmlformats.org/presentationml/2006/main">
+  <p:cSld>
+    <p:spTree>
+      <p:nvGrpSpPr>
+        <p:cNvPr id="1" name=""/>
+        <p:cNvGrpSpPr/>
+        <p:nvPr/>
+      </p:nvGrpSpPr>
+      <p:grpSpPr>
+        <a:xfrm>
+          <a:off x="0" y="0"/>
+          <a:ext cx="0" cy="0"/>
+          <a:chOff x="0" y="0"/>
+          <a:chExt cx="0" cy="0"/>
+        </a:xfrm>
+      </p:grpSpPr>
+      <p:sp>
+        <p:nvSpPr>
           <p:cNvPr id="2" name="Title 1">
             <a:extLst>
               <a:ext uri="{FF2B5EF4-FFF2-40B4-BE49-F238E27FC236}">
@@ -4898,11 +5035,7 @@
           <a:p>
             <a:r>
               <a:rPr lang="en-US" dirty="0" smtClean="0"/>
-              <a:t>Adding a Sankey diagram p. </a:t>
-            </a:r>
-            <a:r>
-              <a:rPr lang="en-US" dirty="0" smtClean="0"/>
-              <a:t>603</a:t>
+              <a:t>Adding a Sankey diagram p. 603</a:t>
             </a:r>
           </a:p>
           <a:p>
@@ -4916,15 +5049,7 @@
             </a:r>
             <a:r>
               <a:rPr lang="en-US" dirty="0" smtClean="0"/>
-              <a:t> REST API p</a:t>
-            </a:r>
-            <a:r>
-              <a:rPr lang="en-US" dirty="0" smtClean="0"/>
-              <a:t>. </a:t>
-            </a:r>
-            <a:r>
-              <a:rPr lang="en-US" dirty="0" smtClean="0"/>
-              <a:t>627</a:t>
+              <a:t> REST API p. 627</a:t>
             </a:r>
             <a:endParaRPr lang="en-US" dirty="0"/>
           </a:p>
@@ -4950,7 +5075,7 @@
 </p:sld>
 </file>
 
-<file path=ppt/slides/slide101.xml><?xml version="1.0" encoding="utf-8"?>
+<file path=ppt/slides/slide102.xml><?xml version="1.0" encoding="utf-8"?>
 <p:sld xmlns:a="http://schemas.openxmlformats.org/drawingml/2006/main" xmlns:r="http://schemas.openxmlformats.org/officeDocument/2006/relationships" xmlns:p="http://schemas.openxmlformats.org/presentationml/2006/main">
   <p:cSld>
     <p:spTree>
@@ -6554,7 +6679,7 @@
           <a:p>
             <a:pPr algn="ctr"/>
             <a:r>
-              <a:rPr lang="en-US" sz="3600" kern="10">
+              <a:rPr lang="en-US" sz="3600" kern="10" dirty="0">
                 <a:ln w="9525">
                   <a:solidFill>
                     <a:srgbClr val="CC99FF"/>
@@ -6589,7 +6714,7 @@
           <a:p>
             <a:pPr algn="ctr"/>
             <a:r>
-              <a:rPr lang="en-US" sz="3600" kern="10">
+              <a:rPr lang="en-US" sz="3600" kern="10" dirty="0" smtClean="0">
                 <a:ln w="9525">
                   <a:solidFill>
                     <a:srgbClr val="CC99FF"/>
@@ -6618,7 +6743,39 @@
                 </a:effectLst>
                 <a:latin typeface="Impact" panose="020B0806030902050204" pitchFamily="34" charset="0"/>
               </a:rPr>
-              <a:t>11:00-11:15 EST</a:t>
+              <a:t>10:45-11:00 </a:t>
+            </a:r>
+            <a:r>
+              <a:rPr lang="en-US" sz="3600" kern="10" dirty="0">
+                <a:ln w="9525">
+                  <a:solidFill>
+                    <a:srgbClr val="CC99FF"/>
+                  </a:solidFill>
+                  <a:round/>
+                  <a:headEnd/>
+                  <a:tailEnd/>
+                </a:ln>
+                <a:gradFill rotWithShape="1">
+                  <a:gsLst>
+                    <a:gs pos="0">
+                      <a:srgbClr val="6600CC"/>
+                    </a:gs>
+                    <a:gs pos="100000">
+                      <a:srgbClr val="CC00CC"/>
+                    </a:gs>
+                  </a:gsLst>
+                  <a:lin ang="5400000" scaled="1"/>
+                </a:gradFill>
+                <a:effectLst>
+                  <a:outerShdw dist="53882" dir="2700000" algn="ctr" rotWithShape="0">
+                    <a:srgbClr val="9999FF">
+                      <a:alpha val="79999"/>
+                    </a:srgbClr>
+                  </a:outerShdw>
+                </a:effectLst>
+                <a:latin typeface="Impact" panose="020B0806030902050204" pitchFamily="34" charset="0"/>
+              </a:rPr>
+              <a:t>EST</a:t>
             </a:r>
           </a:p>
         </p:txBody>
@@ -10452,9 +10609,192 @@
           </a:p>
         </p:txBody>
       </p:sp>
-      <p:sp>
-        <p:nvSpPr>
-          <p:cNvPr id="6" name="Rectangle 5"/>
+    </p:spTree>
+    <p:extLst>
+      <p:ext uri="{BB962C8B-B14F-4D97-AF65-F5344CB8AC3E}">
+        <p14:creationId xmlns:p14="http://schemas.microsoft.com/office/powerpoint/2010/main" val="2188201567"/>
+      </p:ext>
+    </p:extLst>
+  </p:cSld>
+  <p:clrMapOvr>
+    <a:masterClrMapping/>
+  </p:clrMapOvr>
+  <p:timing>
+    <p:tnLst>
+      <p:par>
+        <p:cTn id="1" dur="indefinite" restart="never" nodeType="tmRoot"/>
+      </p:par>
+    </p:tnLst>
+  </p:timing>
+</p:sld>
+</file>
+
+<file path=ppt/slides/slide42.xml><?xml version="1.0" encoding="utf-8"?>
+<p:sld xmlns:a="http://schemas.openxmlformats.org/drawingml/2006/main" xmlns:r="http://schemas.openxmlformats.org/officeDocument/2006/relationships" xmlns:p="http://schemas.openxmlformats.org/presentationml/2006/main">
+  <p:cSld>
+    <p:spTree>
+      <p:nvGrpSpPr>
+        <p:cNvPr id="1" name=""/>
+        <p:cNvGrpSpPr/>
+        <p:nvPr/>
+      </p:nvGrpSpPr>
+      <p:grpSpPr>
+        <a:xfrm>
+          <a:off x="0" y="0"/>
+          <a:ext cx="0" cy="0"/>
+          <a:chOff x="0" y="0"/>
+          <a:chExt cx="0" cy="0"/>
+        </a:xfrm>
+      </p:grpSpPr>
+      <p:sp>
+        <p:nvSpPr>
+          <p:cNvPr id="2" name="Title 1"/>
+          <p:cNvSpPr>
+            <a:spLocks noGrp="1"/>
+          </p:cNvSpPr>
+          <p:nvPr>
+            <p:ph type="title"/>
+          </p:nvPr>
+        </p:nvSpPr>
+        <p:spPr/>
+        <p:txBody>
+          <a:bodyPr/>
+          <a:lstStyle/>
+          <a:p>
+            <a:r>
+              <a:rPr lang="en-US" dirty="0"/>
+              <a:t>Lab 2: Getting Data In</a:t>
+            </a:r>
+          </a:p>
+        </p:txBody>
+      </p:sp>
+      <p:sp>
+        <p:nvSpPr>
+          <p:cNvPr id="7" name="Content Placeholder 6"/>
+          <p:cNvSpPr>
+            <a:spLocks noGrp="1"/>
+          </p:cNvSpPr>
+          <p:nvPr>
+            <p:ph idx="1"/>
+          </p:nvPr>
+        </p:nvSpPr>
+        <p:spPr/>
+        <p:txBody>
+          <a:bodyPr/>
+          <a:lstStyle/>
+          <a:p>
+            <a:r>
+              <a:rPr lang="en-US" sz="2000" dirty="0"/>
+              <a:t>Indexing files and directories p 386</a:t>
+            </a:r>
+          </a:p>
+          <a:p>
+            <a:r>
+              <a:rPr lang="en-US" sz="2000" dirty="0"/>
+              <a:t>Getting data through network ports p 394</a:t>
+            </a:r>
+          </a:p>
+          <a:p>
+            <a:r>
+              <a:rPr lang="en-US" sz="2000" dirty="0"/>
+              <a:t>Using scripted inputs p 398</a:t>
+            </a:r>
+          </a:p>
+          <a:p>
+            <a:r>
+              <a:rPr lang="en-US" sz="2000" dirty="0"/>
+              <a:t>Receiving data using the HTTP Event Collector p 410</a:t>
+            </a:r>
+          </a:p>
+          <a:p>
+            <a:r>
+              <a:rPr lang="en-US" sz="2000" dirty="0"/>
+              <a:t>Loading the sample data for this book p 421</a:t>
+            </a:r>
+          </a:p>
+          <a:p>
+            <a:r>
+              <a:rPr lang="en-US" sz="2000" dirty="0"/>
+              <a:t>Defining field extractions p 426</a:t>
+            </a:r>
+          </a:p>
+          <a:p>
+            <a:r>
+              <a:rPr lang="en-US" sz="2000" dirty="0"/>
+              <a:t>Defining event types and tags p 429</a:t>
+            </a:r>
+          </a:p>
+          <a:p>
+            <a:r>
+              <a:rPr lang="en-US" sz="2000" dirty="0"/>
+              <a:t>Installing the Machine Learning Toolkit p 432</a:t>
+            </a:r>
+          </a:p>
+        </p:txBody>
+      </p:sp>
+      <p:sp>
+        <p:nvSpPr>
+          <p:cNvPr id="4" name="Slide Number Placeholder 3"/>
+          <p:cNvSpPr>
+            <a:spLocks noGrp="1"/>
+          </p:cNvSpPr>
+          <p:nvPr>
+            <p:ph type="sldNum" sz="quarter" idx="4294967295"/>
+          </p:nvPr>
+        </p:nvSpPr>
+        <p:spPr>
+          <a:xfrm>
+            <a:off x="9900458" y="6459785"/>
+            <a:ext cx="1312025" cy="365125"/>
+          </a:xfrm>
+          <a:prstGeom prst="rect">
+            <a:avLst/>
+          </a:prstGeom>
+        </p:spPr>
+        <p:txBody>
+          <a:bodyPr/>
+          <a:lstStyle/>
+          <a:p>
+            <a:fld id="{6113E31D-E2AB-40D1-8B51-AFA5AFEF393A}" type="slidenum">
+              <a:rPr lang="en-US" smtClean="0"/>
+              <a:t>42</a:t>
+            </a:fld>
+            <a:endParaRPr lang="en-US" dirty="0"/>
+          </a:p>
+        </p:txBody>
+      </p:sp>
+      <p:sp>
+        <p:nvSpPr>
+          <p:cNvPr id="8" name="TextBox 7"/>
+          <p:cNvSpPr txBox="1"/>
+          <p:nvPr/>
+        </p:nvSpPr>
+        <p:spPr>
+          <a:xfrm>
+            <a:off x="1097280" y="1308100"/>
+            <a:ext cx="6096000" cy="381000"/>
+          </a:xfrm>
+          <a:prstGeom prst="rect">
+            <a:avLst/>
+          </a:prstGeom>
+          <a:noFill/>
+        </p:spPr>
+        <p:txBody>
+          <a:bodyPr wrap="square" rtlCol="0">
+            <a:spAutoFit/>
+          </a:bodyPr>
+          <a:lstStyle/>
+          <a:p>
+            <a:r>
+              <a:rPr lang="en-US" dirty="0"/>
+              <a:t>Duration: 75 minutes</a:t>
+            </a:r>
+          </a:p>
+        </p:txBody>
+      </p:sp>
+      <p:sp>
+        <p:nvSpPr>
+          <p:cNvPr id="14" name="Rectangle 5"/>
           <p:cNvSpPr>
             <a:spLocks noChangeArrowheads="1"/>
           </p:cNvSpPr>
@@ -10604,7 +10944,7 @@
       </p:sp>
       <p:sp>
         <p:nvSpPr>
-          <p:cNvPr id="9" name="Rectangle 6"/>
+          <p:cNvPr id="15" name="Rectangle 6"/>
           <p:cNvSpPr>
             <a:spLocks noChangeArrowheads="1"/>
           </p:cNvSpPr>
@@ -10788,7 +11128,7 @@
       </p:sp>
       <p:sp>
         <p:nvSpPr>
-          <p:cNvPr id="10" name="WordArt 3"/>
+          <p:cNvPr id="16" name="WordArt 3"/>
           <p:cNvSpPr>
             <a:spLocks noChangeArrowheads="1" noChangeShapeType="1" noTextEdit="1"/>
           </p:cNvSpPr>
@@ -10814,6 +11154,38 @@
           <a:lstStyle/>
           <a:p>
             <a:pPr algn="ctr"/>
+            <a:r>
+              <a:rPr lang="en-US" sz="3600" kern="10" dirty="0">
+                <a:ln w="9525">
+                  <a:solidFill>
+                    <a:srgbClr val="CC99FF"/>
+                  </a:solidFill>
+                  <a:round/>
+                  <a:headEnd/>
+                  <a:tailEnd/>
+                </a:ln>
+                <a:gradFill rotWithShape="1">
+                  <a:gsLst>
+                    <a:gs pos="0">
+                      <a:srgbClr val="6600CC"/>
+                    </a:gs>
+                    <a:gs pos="100000">
+                      <a:srgbClr val="CC00CC"/>
+                    </a:gs>
+                  </a:gsLst>
+                  <a:lin ang="5400000" scaled="1"/>
+                </a:gradFill>
+                <a:effectLst>
+                  <a:outerShdw dist="53882" dir="2700000" algn="ctr" rotWithShape="0">
+                    <a:srgbClr val="9999FF">
+                      <a:alpha val="79999"/>
+                    </a:srgbClr>
+                  </a:outerShdw>
+                </a:effectLst>
+                <a:latin typeface="Impact" panose="020B0806030902050204" pitchFamily="34" charset="0"/>
+              </a:rPr>
+              <a:t>Lunch: </a:t>
+            </a:r>
             <a:r>
               <a:rPr lang="en-US" sz="3600" kern="10" dirty="0" smtClean="0">
                 <a:ln w="9525">
@@ -10844,11 +11216,72 @@
                 </a:effectLst>
                 <a:latin typeface="Impact" panose="020B0806030902050204" pitchFamily="34" charset="0"/>
               </a:rPr>
-              <a:t>Lunch: 12:25-13:25</a:t>
-            </a:r>
+              <a:t>12:00-13:00</a:t>
+            </a:r>
+            <a:endParaRPr lang="en-US" sz="3600" kern="10" dirty="0">
+              <a:ln w="9525">
+                <a:solidFill>
+                  <a:srgbClr val="CC99FF"/>
+                </a:solidFill>
+                <a:round/>
+                <a:headEnd/>
+                <a:tailEnd/>
+              </a:ln>
+              <a:gradFill rotWithShape="1">
+                <a:gsLst>
+                  <a:gs pos="0">
+                    <a:srgbClr val="6600CC"/>
+                  </a:gs>
+                  <a:gs pos="100000">
+                    <a:srgbClr val="CC00CC"/>
+                  </a:gs>
+                </a:gsLst>
+                <a:lin ang="5400000" scaled="1"/>
+              </a:gradFill>
+              <a:effectLst>
+                <a:outerShdw dist="53882" dir="2700000" algn="ctr" rotWithShape="0">
+                  <a:srgbClr val="9999FF">
+                    <a:alpha val="79999"/>
+                  </a:srgbClr>
+                </a:outerShdw>
+              </a:effectLst>
+              <a:latin typeface="Impact" panose="020B0806030902050204" pitchFamily="34" charset="0"/>
+            </a:endParaRPr>
           </a:p>
           <a:p>
             <a:pPr algn="ctr"/>
+            <a:r>
+              <a:rPr lang="en-US" sz="3600" kern="10" dirty="0">
+                <a:ln w="9525">
+                  <a:solidFill>
+                    <a:srgbClr val="CC99FF"/>
+                  </a:solidFill>
+                  <a:round/>
+                  <a:headEnd/>
+                  <a:tailEnd/>
+                </a:ln>
+                <a:gradFill rotWithShape="1">
+                  <a:gsLst>
+                    <a:gs pos="0">
+                      <a:srgbClr val="6600CC"/>
+                    </a:gs>
+                    <a:gs pos="100000">
+                      <a:srgbClr val="CC00CC"/>
+                    </a:gs>
+                  </a:gsLst>
+                  <a:lin ang="5400000" scaled="1"/>
+                </a:gradFill>
+                <a:effectLst>
+                  <a:outerShdw dist="53882" dir="2700000" algn="ctr" rotWithShape="0">
+                    <a:srgbClr val="9999FF">
+                      <a:alpha val="79999"/>
+                    </a:srgbClr>
+                  </a:outerShdw>
+                </a:effectLst>
+                <a:latin typeface="Impact" panose="020B0806030902050204" pitchFamily="34" charset="0"/>
+              </a:rPr>
+              <a:t>Lab: </a:t>
+            </a:r>
             <a:r>
               <a:rPr lang="en-US" sz="3600" kern="10" dirty="0" smtClean="0">
                 <a:ln w="9525">
@@ -10879,42 +11312,7 @@
                 </a:effectLst>
                 <a:latin typeface="Impact" panose="020B0806030902050204" pitchFamily="34" charset="0"/>
               </a:rPr>
-              <a:t>Lab: 13:25-14:40</a:t>
-            </a:r>
-          </a:p>
-          <a:p>
-            <a:pPr algn="ctr"/>
-            <a:r>
-              <a:rPr lang="en-US" sz="3600" kern="10" dirty="0" smtClean="0">
-                <a:ln w="9525">
-                  <a:solidFill>
-                    <a:srgbClr val="CC99FF"/>
-                  </a:solidFill>
-                  <a:round/>
-                  <a:headEnd/>
-                  <a:tailEnd/>
-                </a:ln>
-                <a:gradFill rotWithShape="1">
-                  <a:gsLst>
-                    <a:gs pos="0">
-                      <a:srgbClr val="6600CC"/>
-                    </a:gs>
-                    <a:gs pos="100000">
-                      <a:srgbClr val="CC00CC"/>
-                    </a:gs>
-                  </a:gsLst>
-                  <a:lin ang="5400000" scaled="1"/>
-                </a:gradFill>
-                <a:effectLst>
-                  <a:outerShdw dist="53882" dir="2700000" algn="ctr" rotWithShape="0">
-                    <a:srgbClr val="9999FF">
-                      <a:alpha val="79999"/>
-                    </a:srgbClr>
-                  </a:outerShdw>
-                </a:effectLst>
-                <a:latin typeface="Impact" panose="020B0806030902050204" pitchFamily="34" charset="0"/>
-              </a:rPr>
-              <a:t>P.M. Break: 14:40-14:55</a:t>
+              <a:t>13:00-14:15</a:t>
             </a:r>
             <a:endParaRPr lang="en-US" sz="3600" kern="10" dirty="0">
               <a:ln w="9525">
@@ -10946,11 +11344,139 @@
               <a:latin typeface="Impact" panose="020B0806030902050204" pitchFamily="34" charset="0"/>
             </a:endParaRPr>
           </a:p>
+          <a:p>
+            <a:pPr algn="ctr"/>
+            <a:r>
+              <a:rPr lang="en-US" sz="3600" kern="10" dirty="0">
+                <a:ln w="9525">
+                  <a:solidFill>
+                    <a:srgbClr val="CC99FF"/>
+                  </a:solidFill>
+                  <a:round/>
+                  <a:headEnd/>
+                  <a:tailEnd/>
+                </a:ln>
+                <a:gradFill rotWithShape="1">
+                  <a:gsLst>
+                    <a:gs pos="0">
+                      <a:srgbClr val="6600CC"/>
+                    </a:gs>
+                    <a:gs pos="100000">
+                      <a:srgbClr val="CC00CC"/>
+                    </a:gs>
+                  </a:gsLst>
+                  <a:lin ang="5400000" scaled="1"/>
+                </a:gradFill>
+                <a:effectLst>
+                  <a:outerShdw dist="53882" dir="2700000" algn="ctr" rotWithShape="0">
+                    <a:srgbClr val="9999FF">
+                      <a:alpha val="79999"/>
+                    </a:srgbClr>
+                  </a:outerShdw>
+                </a:effectLst>
+                <a:latin typeface="Impact" panose="020B0806030902050204" pitchFamily="34" charset="0"/>
+              </a:rPr>
+              <a:t>P.M. Break</a:t>
+            </a:r>
+            <a:r>
+              <a:rPr lang="en-US" sz="3600" kern="10">
+                <a:ln w="9525">
+                  <a:solidFill>
+                    <a:srgbClr val="CC99FF"/>
+                  </a:solidFill>
+                  <a:round/>
+                  <a:headEnd/>
+                  <a:tailEnd/>
+                </a:ln>
+                <a:gradFill rotWithShape="1">
+                  <a:gsLst>
+                    <a:gs pos="0">
+                      <a:srgbClr val="6600CC"/>
+                    </a:gs>
+                    <a:gs pos="100000">
+                      <a:srgbClr val="CC00CC"/>
+                    </a:gs>
+                  </a:gsLst>
+                  <a:lin ang="5400000" scaled="1"/>
+                </a:gradFill>
+                <a:effectLst>
+                  <a:outerShdw dist="53882" dir="2700000" algn="ctr" rotWithShape="0">
+                    <a:srgbClr val="9999FF">
+                      <a:alpha val="79999"/>
+                    </a:srgbClr>
+                  </a:outerShdw>
+                </a:effectLst>
+                <a:latin typeface="Impact" panose="020B0806030902050204" pitchFamily="34" charset="0"/>
+              </a:rPr>
+              <a:t>: </a:t>
+            </a:r>
+            <a:r>
+              <a:rPr lang="en-US" sz="3600" kern="10" smtClean="0">
+                <a:ln w="9525">
+                  <a:solidFill>
+                    <a:srgbClr val="CC99FF"/>
+                  </a:solidFill>
+                  <a:round/>
+                  <a:headEnd/>
+                  <a:tailEnd/>
+                </a:ln>
+                <a:gradFill rotWithShape="1">
+                  <a:gsLst>
+                    <a:gs pos="0">
+                      <a:srgbClr val="6600CC"/>
+                    </a:gs>
+                    <a:gs pos="100000">
+                      <a:srgbClr val="CC00CC"/>
+                    </a:gs>
+                  </a:gsLst>
+                  <a:lin ang="5400000" scaled="1"/>
+                </a:gradFill>
+                <a:effectLst>
+                  <a:outerShdw dist="53882" dir="2700000" algn="ctr" rotWithShape="0">
+                    <a:srgbClr val="9999FF">
+                      <a:alpha val="79999"/>
+                    </a:srgbClr>
+                  </a:outerShdw>
+                </a:effectLst>
+                <a:latin typeface="Impact" panose="020B0806030902050204" pitchFamily="34" charset="0"/>
+              </a:rPr>
+              <a:t>14:15-14:30</a:t>
+            </a:r>
+            <a:endParaRPr lang="en-US" sz="3600" kern="10" dirty="0">
+              <a:ln w="9525">
+                <a:solidFill>
+                  <a:srgbClr val="CC99FF"/>
+                </a:solidFill>
+                <a:round/>
+                <a:headEnd/>
+                <a:tailEnd/>
+              </a:ln>
+              <a:gradFill rotWithShape="1">
+                <a:gsLst>
+                  <a:gs pos="0">
+                    <a:srgbClr val="6600CC"/>
+                  </a:gs>
+                  <a:gs pos="100000">
+                    <a:srgbClr val="CC00CC"/>
+                  </a:gs>
+                </a:gsLst>
+                <a:lin ang="5400000" scaled="1"/>
+              </a:gradFill>
+              <a:effectLst>
+                <a:outerShdw dist="53882" dir="2700000" algn="ctr" rotWithShape="0">
+                  <a:srgbClr val="9999FF">
+                    <a:alpha val="79999"/>
+                  </a:srgbClr>
+                </a:outerShdw>
+              </a:effectLst>
+              <a:latin typeface="Impact" panose="020B0806030902050204" pitchFamily="34" charset="0"/>
+            </a:endParaRPr>
+          </a:p>
         </p:txBody>
       </p:sp>
       <p:pic>
         <p:nvPicPr>
-          <p:cNvPr id="11" name="Picture 5" descr="j0305257"/>
+          <p:cNvPr id="17" name="Picture 5" descr="j0305257"/>
           <p:cNvPicPr>
             <a:picLocks noChangeAspect="1" noChangeArrowheads="1"/>
           </p:cNvPicPr>
@@ -10971,7 +11497,7 @@
         </p:blipFill>
         <p:spPr bwMode="auto">
           <a:xfrm>
-            <a:off x="10058400" y="2127250"/>
+            <a:off x="10058400" y="2243138"/>
             <a:ext cx="1568450" cy="2520950"/>
           </a:xfrm>
           <a:prstGeom prst="rect">
@@ -11004,7 +11530,7 @@
       </p:pic>
       <p:pic>
         <p:nvPicPr>
-          <p:cNvPr id="12" name="Picture 6" descr="MCj02320440000[1]"/>
+          <p:cNvPr id="18" name="Picture 6" descr="MCj02320440000[1]"/>
           <p:cNvPicPr>
             <a:picLocks noChangeAspect="1" noChangeArrowheads="1"/>
           </p:cNvPicPr>
@@ -11025,7 +11551,7 @@
         </p:blipFill>
         <p:spPr bwMode="auto">
           <a:xfrm>
-            <a:off x="9828213" y="217488"/>
+            <a:off x="9828213" y="349250"/>
             <a:ext cx="1951037" cy="1936750"/>
           </a:xfrm>
           <a:prstGeom prst="rect">
@@ -11058,7 +11584,7 @@
       </p:pic>
       <p:pic>
         <p:nvPicPr>
-          <p:cNvPr id="13" name="Picture 7" descr="MCj04315630000[1]"/>
+          <p:cNvPr id="19" name="Picture 7" descr="MCj04315630000[1]"/>
           <p:cNvPicPr>
             <a:picLocks noChangeAspect="1" noChangeArrowheads="1"/>
           </p:cNvPicPr>
@@ -11079,7 +11605,7 @@
         </p:blipFill>
         <p:spPr bwMode="auto">
           <a:xfrm>
-            <a:off x="9593263" y="4478557"/>
+            <a:off x="9593263" y="4764088"/>
             <a:ext cx="2124075" cy="2138362"/>
           </a:xfrm>
           <a:prstGeom prst="rect">
@@ -11130,7 +11656,7 @@
 </p:sld>
 </file>
 
-<file path=ppt/slides/slide42.xml><?xml version="1.0" encoding="utf-8"?>
+<file path=ppt/slides/slide43.xml><?xml version="1.0" encoding="utf-8"?>
 <p:sld xmlns:a="http://schemas.openxmlformats.org/drawingml/2006/main" xmlns:r="http://schemas.openxmlformats.org/officeDocument/2006/relationships" xmlns:p="http://schemas.openxmlformats.org/presentationml/2006/main">
   <p:cSld>
     <p:spTree>
@@ -11189,7 +11715,7 @@
 </p:sld>
 </file>
 
-<file path=ppt/slides/slide43.xml><?xml version="1.0" encoding="utf-8"?>
+<file path=ppt/slides/slide44.xml><?xml version="1.0" encoding="utf-8"?>
 <p:sld xmlns:a="http://schemas.openxmlformats.org/drawingml/2006/main" xmlns:r="http://schemas.openxmlformats.org/officeDocument/2006/relationships" xmlns:p="http://schemas.openxmlformats.org/presentationml/2006/main">
   <p:cSld>
     <p:spTree>
@@ -11324,7 +11850,7 @@
 </p:sld>
 </file>
 
-<file path=ppt/slides/slide44.xml><?xml version="1.0" encoding="utf-8"?>
+<file path=ppt/slides/slide45.xml><?xml version="1.0" encoding="utf-8"?>
 <p:sld xmlns:a="http://schemas.openxmlformats.org/drawingml/2006/main" xmlns:r="http://schemas.openxmlformats.org/officeDocument/2006/relationships" xmlns:p="http://schemas.openxmlformats.org/presentationml/2006/main">
   <p:cSld>
     <p:spTree>
@@ -11459,7 +11985,7 @@
 </p:sld>
 </file>
 
-<file path=ppt/slides/slide45.xml><?xml version="1.0" encoding="utf-8"?>
+<file path=ppt/slides/slide46.xml><?xml version="1.0" encoding="utf-8"?>
 <p:sld xmlns:a="http://schemas.openxmlformats.org/drawingml/2006/main" xmlns:r="http://schemas.openxmlformats.org/officeDocument/2006/relationships" xmlns:p="http://schemas.openxmlformats.org/presentationml/2006/main">
   <p:cSld>
     <p:spTree>
@@ -11679,7 +12205,7 @@
 </p:sld>
 </file>
 
-<file path=ppt/slides/slide46.xml><?xml version="1.0" encoding="utf-8"?>
+<file path=ppt/slides/slide47.xml><?xml version="1.0" encoding="utf-8"?>
 <p:sld xmlns:a="http://schemas.openxmlformats.org/drawingml/2006/main" xmlns:r="http://schemas.openxmlformats.org/officeDocument/2006/relationships" xmlns:p="http://schemas.openxmlformats.org/presentationml/2006/main">
   <p:cSld>
     <p:spTree>
@@ -11861,7 +12387,7 @@
 </p:sld>
 </file>
 
-<file path=ppt/slides/slide47.xml><?xml version="1.0" encoding="utf-8"?>
+<file path=ppt/slides/slide48.xml><?xml version="1.0" encoding="utf-8"?>
 <p:sld xmlns:a="http://schemas.openxmlformats.org/drawingml/2006/main" xmlns:r="http://schemas.openxmlformats.org/officeDocument/2006/relationships" xmlns:p="http://schemas.openxmlformats.org/presentationml/2006/main">
   <p:cSld>
     <p:spTree>
@@ -11956,7 +12482,7 @@
 </p:sld>
 </file>
 
-<file path=ppt/slides/slide48.xml><?xml version="1.0" encoding="utf-8"?>
+<file path=ppt/slides/slide49.xml><?xml version="1.0" encoding="utf-8"?>
 <p:sld xmlns:a="http://schemas.openxmlformats.org/drawingml/2006/main" xmlns:r="http://schemas.openxmlformats.org/officeDocument/2006/relationships" xmlns:p="http://schemas.openxmlformats.org/presentationml/2006/main">
   <p:cSld>
     <p:spTree>
@@ -12115,310 +12641,6 @@
 </p:sld>
 </file>
 
-<file path=ppt/slides/slide49.xml><?xml version="1.0" encoding="utf-8"?>
-<p:sld xmlns:a="http://schemas.openxmlformats.org/drawingml/2006/main" xmlns:r="http://schemas.openxmlformats.org/officeDocument/2006/relationships" xmlns:p="http://schemas.openxmlformats.org/presentationml/2006/main">
-  <p:cSld>
-    <p:spTree>
-      <p:nvGrpSpPr>
-        <p:cNvPr id="1" name=""/>
-        <p:cNvGrpSpPr/>
-        <p:nvPr/>
-      </p:nvGrpSpPr>
-      <p:grpSpPr>
-        <a:xfrm>
-          <a:off x="0" y="0"/>
-          <a:ext cx="0" cy="0"/>
-          <a:chOff x="0" y="0"/>
-          <a:chExt cx="0" cy="0"/>
-        </a:xfrm>
-      </p:grpSpPr>
-      <p:sp>
-        <p:nvSpPr>
-          <p:cNvPr id="2" name="Title 1"/>
-          <p:cNvSpPr>
-            <a:spLocks noGrp="1"/>
-          </p:cNvSpPr>
-          <p:nvPr>
-            <p:ph type="title"/>
-          </p:nvPr>
-        </p:nvSpPr>
-        <p:spPr/>
-        <p:txBody>
-          <a:bodyPr/>
-          <a:lstStyle/>
-          <a:p>
-            <a:r>
-              <a:rPr lang="en-US" dirty="0"/>
-              <a:t>Changing Object Permissions</a:t>
-            </a:r>
-          </a:p>
-        </p:txBody>
-      </p:sp>
-      <p:sp>
-        <p:nvSpPr>
-          <p:cNvPr id="3" name="Text Placeholder 2"/>
-          <p:cNvSpPr>
-            <a:spLocks noGrp="1"/>
-          </p:cNvSpPr>
-          <p:nvPr>
-            <p:ph type="body" sz="quarter" idx="10"/>
-          </p:nvPr>
-        </p:nvSpPr>
-        <p:spPr/>
-        <p:txBody>
-          <a:bodyPr/>
-          <a:lstStyle/>
-          <a:p>
-            <a:r>
-              <a:rPr lang="en-US" dirty="0"/>
-              <a:t>Owner=only visible to user</a:t>
-            </a:r>
-          </a:p>
-          <a:p>
-            <a:pPr lvl="1"/>
-            <a:r>
-              <a:rPr lang="en-US" sz="1800" dirty="0"/>
-              <a:t>Stored in </a:t>
-            </a:r>
-            <a:r>
-              <a:rPr lang="en-US" sz="1800" dirty="0">
-                <a:latin typeface="Courier"/>
-                <a:hlinkClick r:id="rId2" action="ppaction://hlinkfile"/>
-              </a:rPr>
-              <a:t>$SPLUNK_HOME\</a:t>
-            </a:r>
-            <a:r>
-              <a:rPr lang="en-US" sz="1800" dirty="0" err="1">
-                <a:latin typeface="Courier"/>
-                <a:hlinkClick r:id="rId2" action="ppaction://hlinkfile"/>
-              </a:rPr>
-              <a:t>etc</a:t>
-            </a:r>
-            <a:r>
-              <a:rPr lang="en-US" sz="1800" dirty="0">
-                <a:latin typeface="Courier"/>
-                <a:hlinkClick r:id="rId2" action="ppaction://hlinkfile"/>
-              </a:rPr>
-              <a:t>\users</a:t>
-            </a:r>
-            <a:r>
-              <a:rPr lang="en-US" sz="1800" dirty="0">
-                <a:latin typeface="Courier"/>
-              </a:rPr>
-              <a:t>\&lt;username&gt;\&lt;</a:t>
-            </a:r>
-            <a:r>
-              <a:rPr lang="en-US" sz="1800" dirty="0" err="1">
-                <a:latin typeface="Courier"/>
-              </a:rPr>
-              <a:t>appname</a:t>
-            </a:r>
-            <a:r>
-              <a:rPr lang="en-US" sz="1800" dirty="0">
-                <a:latin typeface="Courier"/>
-              </a:rPr>
-              <a:t>&gt;\local\</a:t>
-            </a:r>
-          </a:p>
-          <a:p>
-            <a:r>
-              <a:rPr lang="en-US" dirty="0"/>
-              <a:t>App=visible to all users of the app</a:t>
-            </a:r>
-          </a:p>
-          <a:p>
-            <a:pPr lvl="1"/>
-            <a:r>
-              <a:rPr lang="en-US" sz="1800" dirty="0"/>
-              <a:t>“Part of” the app</a:t>
-            </a:r>
-          </a:p>
-          <a:p>
-            <a:pPr lvl="1"/>
-            <a:r>
-              <a:rPr lang="en-US" sz="1800" dirty="0"/>
-              <a:t>Stored in </a:t>
-            </a:r>
-            <a:r>
-              <a:rPr lang="en-US" sz="1800" dirty="0">
-                <a:latin typeface="Courier"/>
-                <a:hlinkClick r:id="rId3" action="ppaction://hlinkfile"/>
-              </a:rPr>
-              <a:t>$SPLUNK_HOME\</a:t>
-            </a:r>
-            <a:r>
-              <a:rPr lang="en-US" sz="1800" dirty="0" err="1">
-                <a:latin typeface="Courier"/>
-                <a:hlinkClick r:id="rId3" action="ppaction://hlinkfile"/>
-              </a:rPr>
-              <a:t>etc</a:t>
-            </a:r>
-            <a:r>
-              <a:rPr lang="en-US" sz="1800" dirty="0">
-                <a:latin typeface="Courier"/>
-                <a:hlinkClick r:id="rId3" action="ppaction://hlinkfile"/>
-              </a:rPr>
-              <a:t>\apps</a:t>
-            </a:r>
-            <a:r>
-              <a:rPr lang="en-US" sz="1800" dirty="0">
-                <a:latin typeface="Courier"/>
-              </a:rPr>
-              <a:t>\&lt;</a:t>
-            </a:r>
-            <a:r>
-              <a:rPr lang="en-US" sz="1800" dirty="0" err="1">
-                <a:latin typeface="Courier"/>
-              </a:rPr>
-              <a:t>appname</a:t>
-            </a:r>
-            <a:r>
-              <a:rPr lang="en-US" sz="1800" dirty="0">
-                <a:latin typeface="Courier"/>
-              </a:rPr>
-              <a:t>&gt;\local\</a:t>
-            </a:r>
-          </a:p>
-          <a:p>
-            <a:endParaRPr lang="en-US" dirty="0"/>
-          </a:p>
-          <a:p>
-            <a:endParaRPr lang="en-US" dirty="0"/>
-          </a:p>
-        </p:txBody>
-      </p:sp>
-      <p:pic>
-        <p:nvPicPr>
-          <p:cNvPr id="5" name="Picture 4"/>
-          <p:cNvPicPr>
-            <a:picLocks noChangeAspect="1"/>
-          </p:cNvPicPr>
-          <p:nvPr/>
-        </p:nvPicPr>
-        <p:blipFill>
-          <a:blip r:embed="rId4"/>
-          <a:stretch>
-            <a:fillRect/>
-          </a:stretch>
-        </p:blipFill>
-        <p:spPr>
-          <a:xfrm>
-            <a:off x="9677400" y="468086"/>
-            <a:ext cx="1547214" cy="1794768"/>
-          </a:xfrm>
-          <a:prstGeom prst="rect">
-            <a:avLst/>
-          </a:prstGeom>
-        </p:spPr>
-      </p:pic>
-      <p:pic>
-        <p:nvPicPr>
-          <p:cNvPr id="4" name="Picture 3"/>
-          <p:cNvPicPr>
-            <a:picLocks noChangeAspect="1"/>
-          </p:cNvPicPr>
-          <p:nvPr/>
-        </p:nvPicPr>
-        <p:blipFill>
-          <a:blip r:embed="rId5"/>
-          <a:stretch>
-            <a:fillRect/>
-          </a:stretch>
-        </p:blipFill>
-        <p:spPr>
-          <a:xfrm>
-            <a:off x="7543800" y="424543"/>
-            <a:ext cx="1152939" cy="1676400"/>
-          </a:xfrm>
-          <a:prstGeom prst="rect">
-            <a:avLst/>
-          </a:prstGeom>
-        </p:spPr>
-      </p:pic>
-      <p:sp>
-        <p:nvSpPr>
-          <p:cNvPr id="6" name="Right Arrow 5"/>
-          <p:cNvSpPr/>
-          <p:nvPr/>
-        </p:nvSpPr>
-        <p:spPr>
-          <a:xfrm>
-            <a:off x="8811039" y="1198329"/>
-            <a:ext cx="752061" cy="334282"/>
-          </a:xfrm>
-          <a:prstGeom prst="rightArrow">
-            <a:avLst/>
-          </a:prstGeom>
-        </p:spPr>
-        <p:style>
-          <a:lnRef idx="2">
-            <a:schemeClr val="accent1">
-              <a:shade val="50000"/>
-            </a:schemeClr>
-          </a:lnRef>
-          <a:fillRef idx="1">
-            <a:schemeClr val="accent1"/>
-          </a:fillRef>
-          <a:effectRef idx="0">
-            <a:schemeClr val="accent1"/>
-          </a:effectRef>
-          <a:fontRef idx="minor">
-            <a:schemeClr val="lt1"/>
-          </a:fontRef>
-        </p:style>
-        <p:txBody>
-          <a:bodyPr rtlCol="0" anchor="ctr"/>
-          <a:lstStyle/>
-          <a:p>
-            <a:pPr algn="ctr"/>
-            <a:endParaRPr lang="en-US"/>
-          </a:p>
-        </p:txBody>
-      </p:sp>
-      <p:pic>
-        <p:nvPicPr>
-          <p:cNvPr id="7" name="Picture 6"/>
-          <p:cNvPicPr>
-            <a:picLocks noChangeAspect="1"/>
-          </p:cNvPicPr>
-          <p:nvPr/>
-        </p:nvPicPr>
-        <p:blipFill>
-          <a:blip r:embed="rId6"/>
-          <a:stretch>
-            <a:fillRect/>
-          </a:stretch>
-        </p:blipFill>
-        <p:spPr>
-          <a:xfrm>
-            <a:off x="1447800" y="4495662"/>
-            <a:ext cx="2619740" cy="1981476"/>
-          </a:xfrm>
-          <a:prstGeom prst="rect">
-            <a:avLst/>
-          </a:prstGeom>
-        </p:spPr>
-      </p:pic>
-    </p:spTree>
-    <p:extLst>
-      <p:ext uri="{BB962C8B-B14F-4D97-AF65-F5344CB8AC3E}">
-        <p14:creationId xmlns:p14="http://schemas.microsoft.com/office/powerpoint/2010/main" val="3525518869"/>
-      </p:ext>
-    </p:extLst>
-  </p:cSld>
-  <p:clrMapOvr>
-    <a:masterClrMapping/>
-  </p:clrMapOvr>
-  <p:timing>
-    <p:tnLst>
-      <p:par>
-        <p:cTn id="1" dur="indefinite" restart="never" nodeType="tmRoot"/>
-      </p:par>
-    </p:tnLst>
-  </p:timing>
-</p:sld>
-</file>
-
 <file path=ppt/slides/slide5.xml><?xml version="1.0" encoding="utf-8"?>
 <p:sld xmlns:a="http://schemas.openxmlformats.org/drawingml/2006/main" xmlns:r="http://schemas.openxmlformats.org/officeDocument/2006/relationships" xmlns:p="http://schemas.openxmlformats.org/presentationml/2006/main">
   <p:cSld>
@@ -12662,6 +12884,310 @@
           <a:p>
             <a:r>
               <a:rPr lang="en-US" dirty="0"/>
+              <a:t>Changing Object Permissions</a:t>
+            </a:r>
+          </a:p>
+        </p:txBody>
+      </p:sp>
+      <p:sp>
+        <p:nvSpPr>
+          <p:cNvPr id="3" name="Text Placeholder 2"/>
+          <p:cNvSpPr>
+            <a:spLocks noGrp="1"/>
+          </p:cNvSpPr>
+          <p:nvPr>
+            <p:ph type="body" sz="quarter" idx="10"/>
+          </p:nvPr>
+        </p:nvSpPr>
+        <p:spPr/>
+        <p:txBody>
+          <a:bodyPr/>
+          <a:lstStyle/>
+          <a:p>
+            <a:r>
+              <a:rPr lang="en-US" dirty="0"/>
+              <a:t>Owner=only visible to user</a:t>
+            </a:r>
+          </a:p>
+          <a:p>
+            <a:pPr lvl="1"/>
+            <a:r>
+              <a:rPr lang="en-US" sz="1800" dirty="0"/>
+              <a:t>Stored in </a:t>
+            </a:r>
+            <a:r>
+              <a:rPr lang="en-US" sz="1800" dirty="0">
+                <a:latin typeface="Courier"/>
+                <a:hlinkClick r:id="rId2" action="ppaction://hlinkfile"/>
+              </a:rPr>
+              <a:t>$SPLUNK_HOME\</a:t>
+            </a:r>
+            <a:r>
+              <a:rPr lang="en-US" sz="1800" dirty="0" err="1">
+                <a:latin typeface="Courier"/>
+                <a:hlinkClick r:id="rId2" action="ppaction://hlinkfile"/>
+              </a:rPr>
+              <a:t>etc</a:t>
+            </a:r>
+            <a:r>
+              <a:rPr lang="en-US" sz="1800" dirty="0">
+                <a:latin typeface="Courier"/>
+                <a:hlinkClick r:id="rId2" action="ppaction://hlinkfile"/>
+              </a:rPr>
+              <a:t>\users</a:t>
+            </a:r>
+            <a:r>
+              <a:rPr lang="en-US" sz="1800" dirty="0">
+                <a:latin typeface="Courier"/>
+              </a:rPr>
+              <a:t>\&lt;username&gt;\&lt;</a:t>
+            </a:r>
+            <a:r>
+              <a:rPr lang="en-US" sz="1800" dirty="0" err="1">
+                <a:latin typeface="Courier"/>
+              </a:rPr>
+              <a:t>appname</a:t>
+            </a:r>
+            <a:r>
+              <a:rPr lang="en-US" sz="1800" dirty="0">
+                <a:latin typeface="Courier"/>
+              </a:rPr>
+              <a:t>&gt;\local\</a:t>
+            </a:r>
+          </a:p>
+          <a:p>
+            <a:r>
+              <a:rPr lang="en-US" dirty="0"/>
+              <a:t>App=visible to all users of the app</a:t>
+            </a:r>
+          </a:p>
+          <a:p>
+            <a:pPr lvl="1"/>
+            <a:r>
+              <a:rPr lang="en-US" sz="1800" dirty="0"/>
+              <a:t>“Part of” the app</a:t>
+            </a:r>
+          </a:p>
+          <a:p>
+            <a:pPr lvl="1"/>
+            <a:r>
+              <a:rPr lang="en-US" sz="1800" dirty="0"/>
+              <a:t>Stored in </a:t>
+            </a:r>
+            <a:r>
+              <a:rPr lang="en-US" sz="1800" dirty="0">
+                <a:latin typeface="Courier"/>
+                <a:hlinkClick r:id="rId3" action="ppaction://hlinkfile"/>
+              </a:rPr>
+              <a:t>$SPLUNK_HOME\</a:t>
+            </a:r>
+            <a:r>
+              <a:rPr lang="en-US" sz="1800" dirty="0" err="1">
+                <a:latin typeface="Courier"/>
+                <a:hlinkClick r:id="rId3" action="ppaction://hlinkfile"/>
+              </a:rPr>
+              <a:t>etc</a:t>
+            </a:r>
+            <a:r>
+              <a:rPr lang="en-US" sz="1800" dirty="0">
+                <a:latin typeface="Courier"/>
+                <a:hlinkClick r:id="rId3" action="ppaction://hlinkfile"/>
+              </a:rPr>
+              <a:t>\apps</a:t>
+            </a:r>
+            <a:r>
+              <a:rPr lang="en-US" sz="1800" dirty="0">
+                <a:latin typeface="Courier"/>
+              </a:rPr>
+              <a:t>\&lt;</a:t>
+            </a:r>
+            <a:r>
+              <a:rPr lang="en-US" sz="1800" dirty="0" err="1">
+                <a:latin typeface="Courier"/>
+              </a:rPr>
+              <a:t>appname</a:t>
+            </a:r>
+            <a:r>
+              <a:rPr lang="en-US" sz="1800" dirty="0">
+                <a:latin typeface="Courier"/>
+              </a:rPr>
+              <a:t>&gt;\local\</a:t>
+            </a:r>
+          </a:p>
+          <a:p>
+            <a:endParaRPr lang="en-US" dirty="0"/>
+          </a:p>
+          <a:p>
+            <a:endParaRPr lang="en-US" dirty="0"/>
+          </a:p>
+        </p:txBody>
+      </p:sp>
+      <p:pic>
+        <p:nvPicPr>
+          <p:cNvPr id="5" name="Picture 4"/>
+          <p:cNvPicPr>
+            <a:picLocks noChangeAspect="1"/>
+          </p:cNvPicPr>
+          <p:nvPr/>
+        </p:nvPicPr>
+        <p:blipFill>
+          <a:blip r:embed="rId4"/>
+          <a:stretch>
+            <a:fillRect/>
+          </a:stretch>
+        </p:blipFill>
+        <p:spPr>
+          <a:xfrm>
+            <a:off x="9677400" y="468086"/>
+            <a:ext cx="1547214" cy="1794768"/>
+          </a:xfrm>
+          <a:prstGeom prst="rect">
+            <a:avLst/>
+          </a:prstGeom>
+        </p:spPr>
+      </p:pic>
+      <p:pic>
+        <p:nvPicPr>
+          <p:cNvPr id="4" name="Picture 3"/>
+          <p:cNvPicPr>
+            <a:picLocks noChangeAspect="1"/>
+          </p:cNvPicPr>
+          <p:nvPr/>
+        </p:nvPicPr>
+        <p:blipFill>
+          <a:blip r:embed="rId5"/>
+          <a:stretch>
+            <a:fillRect/>
+          </a:stretch>
+        </p:blipFill>
+        <p:spPr>
+          <a:xfrm>
+            <a:off x="7543800" y="424543"/>
+            <a:ext cx="1152939" cy="1676400"/>
+          </a:xfrm>
+          <a:prstGeom prst="rect">
+            <a:avLst/>
+          </a:prstGeom>
+        </p:spPr>
+      </p:pic>
+      <p:sp>
+        <p:nvSpPr>
+          <p:cNvPr id="6" name="Right Arrow 5"/>
+          <p:cNvSpPr/>
+          <p:nvPr/>
+        </p:nvSpPr>
+        <p:spPr>
+          <a:xfrm>
+            <a:off x="8811039" y="1198329"/>
+            <a:ext cx="752061" cy="334282"/>
+          </a:xfrm>
+          <a:prstGeom prst="rightArrow">
+            <a:avLst/>
+          </a:prstGeom>
+        </p:spPr>
+        <p:style>
+          <a:lnRef idx="2">
+            <a:schemeClr val="accent1">
+              <a:shade val="50000"/>
+            </a:schemeClr>
+          </a:lnRef>
+          <a:fillRef idx="1">
+            <a:schemeClr val="accent1"/>
+          </a:fillRef>
+          <a:effectRef idx="0">
+            <a:schemeClr val="accent1"/>
+          </a:effectRef>
+          <a:fontRef idx="minor">
+            <a:schemeClr val="lt1"/>
+          </a:fontRef>
+        </p:style>
+        <p:txBody>
+          <a:bodyPr rtlCol="0" anchor="ctr"/>
+          <a:lstStyle/>
+          <a:p>
+            <a:pPr algn="ctr"/>
+            <a:endParaRPr lang="en-US"/>
+          </a:p>
+        </p:txBody>
+      </p:sp>
+      <p:pic>
+        <p:nvPicPr>
+          <p:cNvPr id="7" name="Picture 6"/>
+          <p:cNvPicPr>
+            <a:picLocks noChangeAspect="1"/>
+          </p:cNvPicPr>
+          <p:nvPr/>
+        </p:nvPicPr>
+        <p:blipFill>
+          <a:blip r:embed="rId6"/>
+          <a:stretch>
+            <a:fillRect/>
+          </a:stretch>
+        </p:blipFill>
+        <p:spPr>
+          <a:xfrm>
+            <a:off x="1447800" y="4495662"/>
+            <a:ext cx="2619740" cy="1981476"/>
+          </a:xfrm>
+          <a:prstGeom prst="rect">
+            <a:avLst/>
+          </a:prstGeom>
+        </p:spPr>
+      </p:pic>
+    </p:spTree>
+    <p:extLst>
+      <p:ext uri="{BB962C8B-B14F-4D97-AF65-F5344CB8AC3E}">
+        <p14:creationId xmlns:p14="http://schemas.microsoft.com/office/powerpoint/2010/main" val="3525518869"/>
+      </p:ext>
+    </p:extLst>
+  </p:cSld>
+  <p:clrMapOvr>
+    <a:masterClrMapping/>
+  </p:clrMapOvr>
+  <p:timing>
+    <p:tnLst>
+      <p:par>
+        <p:cTn id="1" dur="indefinite" restart="never" nodeType="tmRoot"/>
+      </p:par>
+    </p:tnLst>
+  </p:timing>
+</p:sld>
+</file>
+
+<file path=ppt/slides/slide51.xml><?xml version="1.0" encoding="utf-8"?>
+<p:sld xmlns:a="http://schemas.openxmlformats.org/drawingml/2006/main" xmlns:r="http://schemas.openxmlformats.org/officeDocument/2006/relationships" xmlns:p="http://schemas.openxmlformats.org/presentationml/2006/main">
+  <p:cSld>
+    <p:spTree>
+      <p:nvGrpSpPr>
+        <p:cNvPr id="1" name=""/>
+        <p:cNvGrpSpPr/>
+        <p:nvPr/>
+      </p:nvGrpSpPr>
+      <p:grpSpPr>
+        <a:xfrm>
+          <a:off x="0" y="0"/>
+          <a:ext cx="0" cy="0"/>
+          <a:chOff x="0" y="0"/>
+          <a:chExt cx="0" cy="0"/>
+        </a:xfrm>
+      </p:grpSpPr>
+      <p:sp>
+        <p:nvSpPr>
+          <p:cNvPr id="2" name="Title 1"/>
+          <p:cNvSpPr>
+            <a:spLocks noGrp="1"/>
+          </p:cNvSpPr>
+          <p:nvPr>
+            <p:ph type="title"/>
+          </p:nvPr>
+        </p:nvSpPr>
+        <p:spPr/>
+        <p:txBody>
+          <a:bodyPr/>
+          <a:lstStyle/>
+          <a:p>
+            <a:r>
+              <a:rPr lang="en-US" dirty="0"/>
               <a:t>Customizing Dashboards</a:t>
             </a:r>
           </a:p>
@@ -12739,7 +13265,7 @@
 </p:sld>
 </file>
 
-<file path=ppt/slides/slide51.xml><?xml version="1.0" encoding="utf-8"?>
+<file path=ppt/slides/slide52.xml><?xml version="1.0" encoding="utf-8"?>
 <p:sld xmlns:a="http://schemas.openxmlformats.org/drawingml/2006/main" xmlns:r="http://schemas.openxmlformats.org/officeDocument/2006/relationships" xmlns:p="http://schemas.openxmlformats.org/presentationml/2006/main">
   <p:cSld>
     <p:spTree>
@@ -12935,7 +13461,7 @@
 </p:sld>
 </file>
 
-<file path=ppt/slides/slide52.xml><?xml version="1.0" encoding="utf-8"?>
+<file path=ppt/slides/slide53.xml><?xml version="1.0" encoding="utf-8"?>
 <p:sld xmlns:a="http://schemas.openxmlformats.org/drawingml/2006/main" xmlns:r="http://schemas.openxmlformats.org/officeDocument/2006/relationships" xmlns:p="http://schemas.openxmlformats.org/presentationml/2006/main">
   <p:cSld>
     <p:spTree>
@@ -13075,7 +13601,7 @@
 </p:sld>
 </file>
 
-<file path=ppt/slides/slide53.xml><?xml version="1.0" encoding="utf-8"?>
+<file path=ppt/slides/slide54.xml><?xml version="1.0" encoding="utf-8"?>
 <p:sld xmlns:a="http://schemas.openxmlformats.org/drawingml/2006/main" xmlns:r="http://schemas.openxmlformats.org/officeDocument/2006/relationships" xmlns:p="http://schemas.openxmlformats.org/presentationml/2006/main">
   <p:cSld>
     <p:spTree>
@@ -13177,7 +13703,7 @@
 </p:sld>
 </file>
 
-<file path=ppt/slides/slide54.xml><?xml version="1.0" encoding="utf-8"?>
+<file path=ppt/slides/slide55.xml><?xml version="1.0" encoding="utf-8"?>
 <p:sld xmlns:a="http://schemas.openxmlformats.org/drawingml/2006/main" xmlns:r="http://schemas.openxmlformats.org/officeDocument/2006/relationships" xmlns:p="http://schemas.openxmlformats.org/presentationml/2006/main">
   <p:cSld>
     <p:spTree>
@@ -13346,7 +13872,7 @@
 </p:sld>
 </file>
 
-<file path=ppt/slides/slide55.xml><?xml version="1.0" encoding="utf-8"?>
+<file path=ppt/slides/slide56.xml><?xml version="1.0" encoding="utf-8"?>
 <p:sld xmlns:a="http://schemas.openxmlformats.org/drawingml/2006/main" xmlns:r="http://schemas.openxmlformats.org/officeDocument/2006/relationships" xmlns:p="http://schemas.openxmlformats.org/presentationml/2006/main">
   <p:cSld>
     <p:spTree>
@@ -13535,7 +14061,7 @@
 </p:sld>
 </file>
 
-<file path=ppt/slides/slide56.xml><?xml version="1.0" encoding="utf-8"?>
+<file path=ppt/slides/slide57.xml><?xml version="1.0" encoding="utf-8"?>
 <p:sld xmlns:a="http://schemas.openxmlformats.org/drawingml/2006/main" xmlns:r="http://schemas.openxmlformats.org/officeDocument/2006/relationships" xmlns:p="http://schemas.openxmlformats.org/presentationml/2006/main">
   <p:cSld>
     <p:spTree>
@@ -13666,7 +14192,7 @@
 </p:sld>
 </file>
 
-<file path=ppt/slides/slide57.xml><?xml version="1.0" encoding="utf-8"?>
+<file path=ppt/slides/slide58.xml><?xml version="1.0" encoding="utf-8"?>
 <p:sld xmlns:a="http://schemas.openxmlformats.org/drawingml/2006/main" xmlns:r="http://schemas.openxmlformats.org/officeDocument/2006/relationships" xmlns:p="http://schemas.openxmlformats.org/presentationml/2006/main">
   <p:cSld>
     <p:spTree>
@@ -13823,7 +14349,7 @@
 </p:sld>
 </file>
 
-<file path=ppt/slides/slide58.xml><?xml version="1.0" encoding="utf-8"?>
+<file path=ppt/slides/slide59.xml><?xml version="1.0" encoding="utf-8"?>
 <p:sld xmlns:a="http://schemas.openxmlformats.org/drawingml/2006/main" xmlns:r="http://schemas.openxmlformats.org/officeDocument/2006/relationships" xmlns:p="http://schemas.openxmlformats.org/presentationml/2006/main">
   <p:cSld>
     <p:spTree>
@@ -14730,65 +15256,6 @@
 </p:sld>
 </file>
 
-<file path=ppt/slides/slide59.xml><?xml version="1.0" encoding="utf-8"?>
-<p:sld xmlns:a="http://schemas.openxmlformats.org/drawingml/2006/main" xmlns:r="http://schemas.openxmlformats.org/officeDocument/2006/relationships" xmlns:p="http://schemas.openxmlformats.org/presentationml/2006/main">
-  <p:cSld>
-    <p:spTree>
-      <p:nvGrpSpPr>
-        <p:cNvPr id="1" name=""/>
-        <p:cNvGrpSpPr/>
-        <p:nvPr/>
-      </p:nvGrpSpPr>
-      <p:grpSpPr>
-        <a:xfrm>
-          <a:off x="0" y="0"/>
-          <a:ext cx="0" cy="0"/>
-          <a:chOff x="0" y="0"/>
-          <a:chExt cx="0" cy="0"/>
-        </a:xfrm>
-      </p:grpSpPr>
-      <p:sp>
-        <p:nvSpPr>
-          <p:cNvPr id="2" name="Title 1"/>
-          <p:cNvSpPr>
-            <a:spLocks noGrp="1"/>
-          </p:cNvSpPr>
-          <p:nvPr>
-            <p:ph type="title"/>
-          </p:nvPr>
-        </p:nvSpPr>
-        <p:spPr/>
-        <p:txBody>
-          <a:bodyPr/>
-          <a:lstStyle/>
-          <a:p>
-            <a:r>
-              <a:rPr lang="en-US" dirty="0"/>
-              <a:t>Module 4: Advanced Search</a:t>
-            </a:r>
-          </a:p>
-        </p:txBody>
-      </p:sp>
-    </p:spTree>
-    <p:extLst>
-      <p:ext uri="{BB962C8B-B14F-4D97-AF65-F5344CB8AC3E}">
-        <p14:creationId xmlns:p14="http://schemas.microsoft.com/office/powerpoint/2010/main" val="3741443236"/>
-      </p:ext>
-    </p:extLst>
-  </p:cSld>
-  <p:clrMapOvr>
-    <a:masterClrMapping/>
-  </p:clrMapOvr>
-  <p:timing>
-    <p:tnLst>
-      <p:par>
-        <p:cTn id="1" dur="indefinite" restart="never" nodeType="tmRoot"/>
-      </p:par>
-    </p:tnLst>
-  </p:timing>
-</p:sld>
-</file>
-
 <file path=ppt/slides/slide6.xml><?xml version="1.0" encoding="utf-8"?>
 <p:sld xmlns:a="http://schemas.openxmlformats.org/drawingml/2006/main" xmlns:r="http://schemas.openxmlformats.org/officeDocument/2006/relationships" xmlns:p="http://schemas.openxmlformats.org/presentationml/2006/main">
   <p:cSld>
@@ -14975,6 +15442,65 @@
 </file>
 
 <file path=ppt/slides/slide60.xml><?xml version="1.0" encoding="utf-8"?>
+<p:sld xmlns:a="http://schemas.openxmlformats.org/drawingml/2006/main" xmlns:r="http://schemas.openxmlformats.org/officeDocument/2006/relationships" xmlns:p="http://schemas.openxmlformats.org/presentationml/2006/main">
+  <p:cSld>
+    <p:spTree>
+      <p:nvGrpSpPr>
+        <p:cNvPr id="1" name=""/>
+        <p:cNvGrpSpPr/>
+        <p:nvPr/>
+      </p:nvGrpSpPr>
+      <p:grpSpPr>
+        <a:xfrm>
+          <a:off x="0" y="0"/>
+          <a:ext cx="0" cy="0"/>
+          <a:chOff x="0" y="0"/>
+          <a:chExt cx="0" cy="0"/>
+        </a:xfrm>
+      </p:grpSpPr>
+      <p:sp>
+        <p:nvSpPr>
+          <p:cNvPr id="2" name="Title 1"/>
+          <p:cNvSpPr>
+            <a:spLocks noGrp="1"/>
+          </p:cNvSpPr>
+          <p:nvPr>
+            <p:ph type="title"/>
+          </p:nvPr>
+        </p:nvSpPr>
+        <p:spPr/>
+        <p:txBody>
+          <a:bodyPr/>
+          <a:lstStyle/>
+          <a:p>
+            <a:r>
+              <a:rPr lang="en-US" dirty="0"/>
+              <a:t>Module 4: Advanced Search</a:t>
+            </a:r>
+          </a:p>
+        </p:txBody>
+      </p:sp>
+    </p:spTree>
+    <p:extLst>
+      <p:ext uri="{BB962C8B-B14F-4D97-AF65-F5344CB8AC3E}">
+        <p14:creationId xmlns:p14="http://schemas.microsoft.com/office/powerpoint/2010/main" val="3741443236"/>
+      </p:ext>
+    </p:extLst>
+  </p:cSld>
+  <p:clrMapOvr>
+    <a:masterClrMapping/>
+  </p:clrMapOvr>
+  <p:timing>
+    <p:tnLst>
+      <p:par>
+        <p:cTn id="1" dur="indefinite" restart="never" nodeType="tmRoot"/>
+      </p:par>
+    </p:tnLst>
+  </p:timing>
+</p:sld>
+</file>
+
+<file path=ppt/slides/slide61.xml><?xml version="1.0" encoding="utf-8"?>
 <p:sld xmlns:a="http://schemas.openxmlformats.org/drawingml/2006/main" xmlns:r="http://schemas.openxmlformats.org/officeDocument/2006/relationships" xmlns:p="http://schemas.openxmlformats.org/presentationml/2006/main">
   <p:cSld>
     <p:spTree>
@@ -15116,7 +15642,7 @@
 </p:sld>
 </file>
 
-<file path=ppt/slides/slide61.xml><?xml version="1.0" encoding="utf-8"?>
+<file path=ppt/slides/slide62.xml><?xml version="1.0" encoding="utf-8"?>
 <p:sld xmlns:a="http://schemas.openxmlformats.org/drawingml/2006/main" xmlns:r="http://schemas.openxmlformats.org/officeDocument/2006/relationships" xmlns:p="http://schemas.openxmlformats.org/presentationml/2006/main">
   <p:cSld>
     <p:spTree>
@@ -15249,7 +15775,7 @@
 </p:sld>
 </file>
 
-<file path=ppt/slides/slide62.xml><?xml version="1.0" encoding="utf-8"?>
+<file path=ppt/slides/slide63.xml><?xml version="1.0" encoding="utf-8"?>
 <p:sld xmlns:a="http://schemas.openxmlformats.org/drawingml/2006/main" xmlns:r="http://schemas.openxmlformats.org/officeDocument/2006/relationships" xmlns:p="http://schemas.openxmlformats.org/presentationml/2006/main">
   <p:cSld>
     <p:spTree>
@@ -15419,7 +15945,7 @@
 </p:sld>
 </file>
 
-<file path=ppt/slides/slide63.xml><?xml version="1.0" encoding="utf-8"?>
+<file path=ppt/slides/slide64.xml><?xml version="1.0" encoding="utf-8"?>
 <p:sld xmlns:a="http://schemas.openxmlformats.org/drawingml/2006/main" xmlns:r="http://schemas.openxmlformats.org/officeDocument/2006/relationships" xmlns:p="http://schemas.openxmlformats.org/presentationml/2006/main">
   <p:cSld>
     <p:spTree>
@@ -15622,7 +16148,7 @@
 </p:sld>
 </file>
 
-<file path=ppt/slides/slide64.xml><?xml version="1.0" encoding="utf-8"?>
+<file path=ppt/slides/slide65.xml><?xml version="1.0" encoding="utf-8"?>
 <p:sld xmlns:a="http://schemas.openxmlformats.org/drawingml/2006/main" xmlns:r="http://schemas.openxmlformats.org/officeDocument/2006/relationships" xmlns:p="http://schemas.openxmlformats.org/presentationml/2006/main">
   <p:cSld>
     <p:spTree>
@@ -15753,7 +16279,7 @@
 </p:sld>
 </file>
 
-<file path=ppt/slides/slide65.xml><?xml version="1.0" encoding="utf-8"?>
+<file path=ppt/slides/slide66.xml><?xml version="1.0" encoding="utf-8"?>
 <p:sld xmlns:a="http://schemas.openxmlformats.org/drawingml/2006/main" xmlns:r="http://schemas.openxmlformats.org/officeDocument/2006/relationships" xmlns:p="http://schemas.openxmlformats.org/presentationml/2006/main">
   <p:cSld>
     <p:spTree>
@@ -15912,7 +16438,7 @@
 </p:sld>
 </file>
 
-<file path=ppt/slides/slide66.xml><?xml version="1.0" encoding="utf-8"?>
+<file path=ppt/slides/slide67.xml><?xml version="1.0" encoding="utf-8"?>
 <p:sld xmlns:a="http://schemas.openxmlformats.org/drawingml/2006/main" xmlns:r="http://schemas.openxmlformats.org/officeDocument/2006/relationships" xmlns:p="http://schemas.openxmlformats.org/presentationml/2006/main">
   <p:cSld>
     <p:spTree>
@@ -16045,7 +16571,7 @@
 </p:sld>
 </file>
 
-<file path=ppt/slides/slide67.xml><?xml version="1.0" encoding="utf-8"?>
+<file path=ppt/slides/slide68.xml><?xml version="1.0" encoding="utf-8"?>
 <p:sld xmlns:a="http://schemas.openxmlformats.org/drawingml/2006/main" xmlns:r="http://schemas.openxmlformats.org/officeDocument/2006/relationships" xmlns:p="http://schemas.openxmlformats.org/presentationml/2006/main">
   <p:cSld>
     <p:spTree>
@@ -16182,7 +16708,7 @@
 </p:sld>
 </file>
 
-<file path=ppt/slides/slide68.xml><?xml version="1.0" encoding="utf-8"?>
+<file path=ppt/slides/slide69.xml><?xml version="1.0" encoding="utf-8"?>
 <p:sld xmlns:a="http://schemas.openxmlformats.org/drawingml/2006/main" xmlns:r="http://schemas.openxmlformats.org/officeDocument/2006/relationships" xmlns:p="http://schemas.openxmlformats.org/presentationml/2006/main">
   <p:cSld>
     <p:spTree>
@@ -16316,7 +16842,147 @@
 </p:sld>
 </file>
 
-<file path=ppt/slides/slide69.xml><?xml version="1.0" encoding="utf-8"?>
+<file path=ppt/slides/slide7.xml><?xml version="1.0" encoding="utf-8"?>
+<p:sld xmlns:a="http://schemas.openxmlformats.org/drawingml/2006/main" xmlns:r="http://schemas.openxmlformats.org/officeDocument/2006/relationships" xmlns:p="http://schemas.openxmlformats.org/presentationml/2006/main">
+  <p:cSld>
+    <p:spTree>
+      <p:nvGrpSpPr>
+        <p:cNvPr id="1" name=""/>
+        <p:cNvGrpSpPr/>
+        <p:nvPr/>
+      </p:nvGrpSpPr>
+      <p:grpSpPr>
+        <a:xfrm>
+          <a:off x="0" y="0"/>
+          <a:ext cx="0" cy="0"/>
+          <a:chOff x="0" y="0"/>
+          <a:chExt cx="0" cy="0"/>
+        </a:xfrm>
+      </p:grpSpPr>
+      <p:sp>
+        <p:nvSpPr>
+          <p:cNvPr id="2" name="Title 1"/>
+          <p:cNvSpPr>
+            <a:spLocks noGrp="1"/>
+          </p:cNvSpPr>
+          <p:nvPr>
+            <p:ph type="title"/>
+          </p:nvPr>
+        </p:nvSpPr>
+        <p:spPr/>
+        <p:txBody>
+          <a:bodyPr/>
+          <a:lstStyle/>
+          <a:p>
+            <a:r>
+              <a:rPr lang="en-US" dirty="0"/>
+              <a:t>Course Outline</a:t>
+            </a:r>
+          </a:p>
+        </p:txBody>
+      </p:sp>
+      <p:sp>
+        <p:nvSpPr>
+          <p:cNvPr id="3" name="Slide Number Placeholder 2"/>
+          <p:cNvSpPr>
+            <a:spLocks noGrp="1"/>
+          </p:cNvSpPr>
+          <p:nvPr>
+            <p:ph type="sldNum" sz="quarter" idx="12"/>
+          </p:nvPr>
+        </p:nvSpPr>
+        <p:spPr/>
+        <p:txBody>
+          <a:bodyPr/>
+          <a:lstStyle/>
+          <a:p>
+            <a:fld id="{D814DA60-3BEE-4BCE-BEDB-E433FD970963}" type="slidenum">
+              <a:rPr lang="en-US" smtClean="0"/>
+              <a:pPr/>
+              <a:t>7</a:t>
+            </a:fld>
+            <a:endParaRPr lang="en-US" dirty="0"/>
+          </a:p>
+        </p:txBody>
+      </p:sp>
+      <p:sp>
+        <p:nvSpPr>
+          <p:cNvPr id="5" name="Text Placeholder 4"/>
+          <p:cNvSpPr>
+            <a:spLocks noGrp="1"/>
+          </p:cNvSpPr>
+          <p:nvPr>
+            <p:ph type="body" sz="quarter" idx="13"/>
+          </p:nvPr>
+        </p:nvSpPr>
+        <p:spPr>
+          <a:xfrm>
+            <a:off x="609600" y="1066800"/>
+            <a:ext cx="10972800" cy="4343400"/>
+          </a:xfrm>
+        </p:spPr>
+        <p:txBody>
+          <a:bodyPr numCol="1"/>
+          <a:lstStyle/>
+          <a:p>
+            <a:r>
+              <a:rPr lang="en-US" sz="1800" dirty="0"/>
+              <a:t>Module 1: Introduction and review</a:t>
+            </a:r>
+          </a:p>
+          <a:p>
+            <a:r>
+              <a:rPr lang="en-US" sz="1800" dirty="0"/>
+              <a:t>Module 2: Getting data into Splunk</a:t>
+            </a:r>
+          </a:p>
+          <a:p>
+            <a:r>
+              <a:rPr lang="en-US" sz="1800" dirty="0"/>
+              <a:t>Module 3: Building an Operational Intelligence App</a:t>
+            </a:r>
+          </a:p>
+          <a:p>
+            <a:r>
+              <a:rPr lang="en-US" sz="1800" dirty="0"/>
+              <a:t>Module 4: Advanced Querying</a:t>
+            </a:r>
+          </a:p>
+          <a:p>
+            <a:r>
+              <a:rPr lang="en-US" sz="1800" dirty="0"/>
+              <a:t>Module 5: Analytics and Machine Learning</a:t>
+            </a:r>
+          </a:p>
+          <a:p>
+            <a:r>
+              <a:rPr lang="en-US" sz="1800" dirty="0"/>
+              <a:t>Module 6: Optimization</a:t>
+            </a:r>
+          </a:p>
+        </p:txBody>
+      </p:sp>
+    </p:spTree>
+    <p:extLst>
+      <p:ext uri="{BB962C8B-B14F-4D97-AF65-F5344CB8AC3E}">
+        <p14:creationId xmlns:p14="http://schemas.microsoft.com/office/powerpoint/2010/main" val="2796521234"/>
+      </p:ext>
+    </p:extLst>
+  </p:cSld>
+  <p:clrMapOvr>
+    <a:masterClrMapping/>
+  </p:clrMapOvr>
+  <p:timing>
+    <p:tnLst>
+      <p:par>
+        <p:cTn id="1" dur="indefinite" restart="never" nodeType="tmRoot"/>
+      </p:par>
+    </p:tnLst>
+  </p:timing>
+</p:sld>
+</file>
+
+<file path=ppt/slides/slide70.xml><?xml version="1.0" encoding="utf-8"?>
 <p:sld xmlns:a="http://schemas.openxmlformats.org/drawingml/2006/main" xmlns:r="http://schemas.openxmlformats.org/officeDocument/2006/relationships" xmlns:p="http://schemas.openxmlformats.org/presentationml/2006/main">
   <p:cSld>
     <p:spTree>
@@ -16439,147 +17105,7 @@
 </p:sld>
 </file>
 
-<file path=ppt/slides/slide7.xml><?xml version="1.0" encoding="utf-8"?>
-<p:sld xmlns:a="http://schemas.openxmlformats.org/drawingml/2006/main" xmlns:r="http://schemas.openxmlformats.org/officeDocument/2006/relationships" xmlns:p="http://schemas.openxmlformats.org/presentationml/2006/main">
-  <p:cSld>
-    <p:spTree>
-      <p:nvGrpSpPr>
-        <p:cNvPr id="1" name=""/>
-        <p:cNvGrpSpPr/>
-        <p:nvPr/>
-      </p:nvGrpSpPr>
-      <p:grpSpPr>
-        <a:xfrm>
-          <a:off x="0" y="0"/>
-          <a:ext cx="0" cy="0"/>
-          <a:chOff x="0" y="0"/>
-          <a:chExt cx="0" cy="0"/>
-        </a:xfrm>
-      </p:grpSpPr>
-      <p:sp>
-        <p:nvSpPr>
-          <p:cNvPr id="2" name="Title 1"/>
-          <p:cNvSpPr>
-            <a:spLocks noGrp="1"/>
-          </p:cNvSpPr>
-          <p:nvPr>
-            <p:ph type="title"/>
-          </p:nvPr>
-        </p:nvSpPr>
-        <p:spPr/>
-        <p:txBody>
-          <a:bodyPr/>
-          <a:lstStyle/>
-          <a:p>
-            <a:r>
-              <a:rPr lang="en-US" dirty="0"/>
-              <a:t>Course Outline</a:t>
-            </a:r>
-          </a:p>
-        </p:txBody>
-      </p:sp>
-      <p:sp>
-        <p:nvSpPr>
-          <p:cNvPr id="3" name="Slide Number Placeholder 2"/>
-          <p:cNvSpPr>
-            <a:spLocks noGrp="1"/>
-          </p:cNvSpPr>
-          <p:nvPr>
-            <p:ph type="sldNum" sz="quarter" idx="12"/>
-          </p:nvPr>
-        </p:nvSpPr>
-        <p:spPr/>
-        <p:txBody>
-          <a:bodyPr/>
-          <a:lstStyle/>
-          <a:p>
-            <a:fld id="{D814DA60-3BEE-4BCE-BEDB-E433FD970963}" type="slidenum">
-              <a:rPr lang="en-US" smtClean="0"/>
-              <a:pPr/>
-              <a:t>7</a:t>
-            </a:fld>
-            <a:endParaRPr lang="en-US" dirty="0"/>
-          </a:p>
-        </p:txBody>
-      </p:sp>
-      <p:sp>
-        <p:nvSpPr>
-          <p:cNvPr id="5" name="Text Placeholder 4"/>
-          <p:cNvSpPr>
-            <a:spLocks noGrp="1"/>
-          </p:cNvSpPr>
-          <p:nvPr>
-            <p:ph type="body" sz="quarter" idx="13"/>
-          </p:nvPr>
-        </p:nvSpPr>
-        <p:spPr>
-          <a:xfrm>
-            <a:off x="609600" y="1066800"/>
-            <a:ext cx="10972800" cy="4343400"/>
-          </a:xfrm>
-        </p:spPr>
-        <p:txBody>
-          <a:bodyPr numCol="1"/>
-          <a:lstStyle/>
-          <a:p>
-            <a:r>
-              <a:rPr lang="en-US" sz="1800" dirty="0"/>
-              <a:t>Module 1: Introduction and review</a:t>
-            </a:r>
-          </a:p>
-          <a:p>
-            <a:r>
-              <a:rPr lang="en-US" sz="1800" dirty="0"/>
-              <a:t>Module 2: Getting data into Splunk</a:t>
-            </a:r>
-          </a:p>
-          <a:p>
-            <a:r>
-              <a:rPr lang="en-US" sz="1800" dirty="0"/>
-              <a:t>Module 3: Building an Operational Intelligence App</a:t>
-            </a:r>
-          </a:p>
-          <a:p>
-            <a:r>
-              <a:rPr lang="en-US" sz="1800" dirty="0"/>
-              <a:t>Module 4: Advanced Querying</a:t>
-            </a:r>
-          </a:p>
-          <a:p>
-            <a:r>
-              <a:rPr lang="en-US" sz="1800" dirty="0"/>
-              <a:t>Module 5: Analytics and Machine Learning</a:t>
-            </a:r>
-          </a:p>
-          <a:p>
-            <a:r>
-              <a:rPr lang="en-US" sz="1800" dirty="0"/>
-              <a:t>Module 6: Optimization</a:t>
-            </a:r>
-          </a:p>
-        </p:txBody>
-      </p:sp>
-    </p:spTree>
-    <p:extLst>
-      <p:ext uri="{BB962C8B-B14F-4D97-AF65-F5344CB8AC3E}">
-        <p14:creationId xmlns:p14="http://schemas.microsoft.com/office/powerpoint/2010/main" val="2796521234"/>
-      </p:ext>
-    </p:extLst>
-  </p:cSld>
-  <p:clrMapOvr>
-    <a:masterClrMapping/>
-  </p:clrMapOvr>
-  <p:timing>
-    <p:tnLst>
-      <p:par>
-        <p:cTn id="1" dur="indefinite" restart="never" nodeType="tmRoot"/>
-      </p:par>
-    </p:tnLst>
-  </p:timing>
-</p:sld>
-</file>
-
-<file path=ppt/slides/slide70.xml><?xml version="1.0" encoding="utf-8"?>
+<file path=ppt/slides/slide71.xml><?xml version="1.0" encoding="utf-8"?>
 <p:sld xmlns:a="http://schemas.openxmlformats.org/drawingml/2006/main" xmlns:r="http://schemas.openxmlformats.org/officeDocument/2006/relationships" xmlns:p="http://schemas.openxmlformats.org/presentationml/2006/main">
   <p:cSld>
     <p:spTree>
@@ -16766,7 +17292,7 @@
 </p:sld>
 </file>
 
-<file path=ppt/slides/slide71.xml><?xml version="1.0" encoding="utf-8"?>
+<file path=ppt/slides/slide72.xml><?xml version="1.0" encoding="utf-8"?>
 <p:sld xmlns:a="http://schemas.openxmlformats.org/drawingml/2006/main" xmlns:r="http://schemas.openxmlformats.org/officeDocument/2006/relationships" xmlns:p="http://schemas.openxmlformats.org/presentationml/2006/main">
   <p:cSld>
     <p:spTree>
@@ -16979,7 +17505,7 @@
 </p:sld>
 </file>
 
-<file path=ppt/slides/slide72.xml><?xml version="1.0" encoding="utf-8"?>
+<file path=ppt/slides/slide73.xml><?xml version="1.0" encoding="utf-8"?>
 <p:sld xmlns:a="http://schemas.openxmlformats.org/drawingml/2006/main" xmlns:r="http://schemas.openxmlformats.org/officeDocument/2006/relationships" xmlns:p="http://schemas.openxmlformats.org/presentationml/2006/main">
   <p:cSld>
     <p:spTree>
@@ -17130,7 +17656,7 @@
 </p:sld>
 </file>
 
-<file path=ppt/slides/slide73.xml><?xml version="1.0" encoding="utf-8"?>
+<file path=ppt/slides/slide74.xml><?xml version="1.0" encoding="utf-8"?>
 <p:sld xmlns:a="http://schemas.openxmlformats.org/drawingml/2006/main" xmlns:r="http://schemas.openxmlformats.org/officeDocument/2006/relationships" xmlns:p="http://schemas.openxmlformats.org/presentationml/2006/main">
   <p:cSld>
     <p:spTree>
@@ -18071,7 +18597,7 @@
 </p:sld>
 </file>
 
-<file path=ppt/slides/slide74.xml><?xml version="1.0" encoding="utf-8"?>
+<file path=ppt/slides/slide75.xml><?xml version="1.0" encoding="utf-8"?>
 <p:sld xmlns:a="http://schemas.openxmlformats.org/drawingml/2006/main" xmlns:r="http://schemas.openxmlformats.org/officeDocument/2006/relationships" xmlns:p="http://schemas.openxmlformats.org/presentationml/2006/main">
   <p:cSld>
     <p:spTree>
@@ -18130,7 +18656,7 @@
 </p:sld>
 </file>
 
-<file path=ppt/slides/slide75.xml><?xml version="1.0" encoding="utf-8"?>
+<file path=ppt/slides/slide76.xml><?xml version="1.0" encoding="utf-8"?>
 <p:sld xmlns:a="http://schemas.openxmlformats.org/drawingml/2006/main" xmlns:r="http://schemas.openxmlformats.org/officeDocument/2006/relationships" xmlns:p="http://schemas.openxmlformats.org/presentationml/2006/main">
   <p:cSld>
     <p:spTree>
@@ -18282,7 +18808,7 @@
 </p:sld>
 </file>
 
-<file path=ppt/slides/slide76.xml><?xml version="1.0" encoding="utf-8"?>
+<file path=ppt/slides/slide77.xml><?xml version="1.0" encoding="utf-8"?>
 <p:sld xmlns:a="http://schemas.openxmlformats.org/drawingml/2006/main" xmlns:r="http://schemas.openxmlformats.org/officeDocument/2006/relationships" xmlns:p="http://schemas.openxmlformats.org/presentationml/2006/main">
   <p:cSld>
     <p:spTree>
@@ -18423,7 +18949,7 @@
 </p:sld>
 </file>
 
-<file path=ppt/slides/slide77.xml><?xml version="1.0" encoding="utf-8"?>
+<file path=ppt/slides/slide78.xml><?xml version="1.0" encoding="utf-8"?>
 <p:sld xmlns:a="http://schemas.openxmlformats.org/drawingml/2006/main" xmlns:r="http://schemas.openxmlformats.org/officeDocument/2006/relationships" xmlns:p="http://schemas.openxmlformats.org/presentationml/2006/main">
   <p:cSld>
     <p:spTree>
@@ -18564,7 +19090,7 @@
 </p:sld>
 </file>
 
-<file path=ppt/slides/slide78.xml><?xml version="1.0" encoding="utf-8"?>
+<file path=ppt/slides/slide79.xml><?xml version="1.0" encoding="utf-8"?>
 <p:sld xmlns:a="http://schemas.openxmlformats.org/drawingml/2006/main" xmlns:r="http://schemas.openxmlformats.org/officeDocument/2006/relationships" xmlns:p="http://schemas.openxmlformats.org/presentationml/2006/main">
   <p:cSld>
     <p:spTree>
@@ -18665,129 +19191,6 @@
     <p:extLst>
       <p:ext uri="{BB962C8B-B14F-4D97-AF65-F5344CB8AC3E}">
         <p14:creationId xmlns:p14="http://schemas.microsoft.com/office/powerpoint/2010/main" val="1004562643"/>
-      </p:ext>
-    </p:extLst>
-  </p:cSld>
-  <p:clrMapOvr>
-    <a:masterClrMapping/>
-  </p:clrMapOvr>
-  <p:timing>
-    <p:tnLst>
-      <p:par>
-        <p:cTn id="1" dur="indefinite" restart="never" nodeType="tmRoot"/>
-      </p:par>
-    </p:tnLst>
-  </p:timing>
-</p:sld>
-</file>
-
-<file path=ppt/slides/slide79.xml><?xml version="1.0" encoding="utf-8"?>
-<p:sld xmlns:a="http://schemas.openxmlformats.org/drawingml/2006/main" xmlns:r="http://schemas.openxmlformats.org/officeDocument/2006/relationships" xmlns:p="http://schemas.openxmlformats.org/presentationml/2006/main">
-  <p:cSld>
-    <p:spTree>
-      <p:nvGrpSpPr>
-        <p:cNvPr id="1" name=""/>
-        <p:cNvGrpSpPr/>
-        <p:nvPr/>
-      </p:nvGrpSpPr>
-      <p:grpSpPr>
-        <a:xfrm>
-          <a:off x="0" y="0"/>
-          <a:ext cx="0" cy="0"/>
-          <a:chOff x="0" y="0"/>
-          <a:chExt cx="0" cy="0"/>
-        </a:xfrm>
-      </p:grpSpPr>
-      <p:sp>
-        <p:nvSpPr>
-          <p:cNvPr id="2" name="Title 1"/>
-          <p:cNvSpPr>
-            <a:spLocks noGrp="1"/>
-          </p:cNvSpPr>
-          <p:nvPr>
-            <p:ph type="title"/>
-          </p:nvPr>
-        </p:nvSpPr>
-        <p:spPr/>
-        <p:txBody>
-          <a:bodyPr/>
-          <a:lstStyle/>
-          <a:p>
-            <a:r>
-              <a:rPr lang="en-US" dirty="0"/>
-              <a:t>The </a:t>
-            </a:r>
-            <a:r>
-              <a:rPr lang="en-US" dirty="0">
-                <a:latin typeface="Courier"/>
-              </a:rPr>
-              <a:t>anomalies</a:t>
-            </a:r>
-            <a:r>
-              <a:rPr lang="en-US" dirty="0"/>
-              <a:t> command</a:t>
-            </a:r>
-          </a:p>
-        </p:txBody>
-      </p:sp>
-      <p:sp>
-        <p:nvSpPr>
-          <p:cNvPr id="3" name="Text Placeholder 2"/>
-          <p:cNvSpPr>
-            <a:spLocks noGrp="1"/>
-          </p:cNvSpPr>
-          <p:nvPr>
-            <p:ph type="body" sz="quarter" idx="10"/>
-          </p:nvPr>
-        </p:nvSpPr>
-        <p:spPr/>
-        <p:txBody>
-          <a:bodyPr/>
-          <a:lstStyle/>
-          <a:p>
-            <a:r>
-              <a:rPr lang="en-US" dirty="0"/>
-              <a:t>Assigns an “unexpectedness score” to each event</a:t>
-            </a:r>
-          </a:p>
-          <a:p>
-            <a:r>
-              <a:rPr lang="en-US" dirty="0"/>
-              <a:t>Uses a proprietary algorithm</a:t>
-            </a:r>
-          </a:p>
-        </p:txBody>
-      </p:sp>
-      <p:pic>
-        <p:nvPicPr>
-          <p:cNvPr id="4" name="Picture 3">
-            <a:hlinkClick r:id="rId2"/>
-          </p:cNvPr>
-          <p:cNvPicPr>
-            <a:picLocks noChangeAspect="1"/>
-          </p:cNvPicPr>
-          <p:nvPr/>
-        </p:nvPicPr>
-        <p:blipFill>
-          <a:blip r:embed="rId3"/>
-          <a:stretch>
-            <a:fillRect/>
-          </a:stretch>
-        </p:blipFill>
-        <p:spPr>
-          <a:xfrm>
-            <a:off x="914400" y="4114800"/>
-            <a:ext cx="5429895" cy="1038274"/>
-          </a:xfrm>
-          <a:prstGeom prst="rect">
-            <a:avLst/>
-          </a:prstGeom>
-        </p:spPr>
-      </p:pic>
-    </p:spTree>
-    <p:extLst>
-      <p:ext uri="{BB962C8B-B14F-4D97-AF65-F5344CB8AC3E}">
-        <p14:creationId xmlns:p14="http://schemas.microsoft.com/office/powerpoint/2010/main" val="1909204017"/>
       </p:ext>
     </p:extLst>
   </p:cSld>
@@ -19007,6 +19410,129 @@
               <a:t>The </a:t>
             </a:r>
             <a:r>
+              <a:rPr lang="en-US" dirty="0">
+                <a:latin typeface="Courier"/>
+              </a:rPr>
+              <a:t>anomalies</a:t>
+            </a:r>
+            <a:r>
+              <a:rPr lang="en-US" dirty="0"/>
+              <a:t> command</a:t>
+            </a:r>
+          </a:p>
+        </p:txBody>
+      </p:sp>
+      <p:sp>
+        <p:nvSpPr>
+          <p:cNvPr id="3" name="Text Placeholder 2"/>
+          <p:cNvSpPr>
+            <a:spLocks noGrp="1"/>
+          </p:cNvSpPr>
+          <p:nvPr>
+            <p:ph type="body" sz="quarter" idx="10"/>
+          </p:nvPr>
+        </p:nvSpPr>
+        <p:spPr/>
+        <p:txBody>
+          <a:bodyPr/>
+          <a:lstStyle/>
+          <a:p>
+            <a:r>
+              <a:rPr lang="en-US" dirty="0"/>
+              <a:t>Assigns an “unexpectedness score” to each event</a:t>
+            </a:r>
+          </a:p>
+          <a:p>
+            <a:r>
+              <a:rPr lang="en-US" dirty="0"/>
+              <a:t>Uses a proprietary algorithm</a:t>
+            </a:r>
+          </a:p>
+        </p:txBody>
+      </p:sp>
+      <p:pic>
+        <p:nvPicPr>
+          <p:cNvPr id="4" name="Picture 3">
+            <a:hlinkClick r:id="rId2"/>
+          </p:cNvPr>
+          <p:cNvPicPr>
+            <a:picLocks noChangeAspect="1"/>
+          </p:cNvPicPr>
+          <p:nvPr/>
+        </p:nvPicPr>
+        <p:blipFill>
+          <a:blip r:embed="rId3"/>
+          <a:stretch>
+            <a:fillRect/>
+          </a:stretch>
+        </p:blipFill>
+        <p:spPr>
+          <a:xfrm>
+            <a:off x="914400" y="4114800"/>
+            <a:ext cx="5429895" cy="1038274"/>
+          </a:xfrm>
+          <a:prstGeom prst="rect">
+            <a:avLst/>
+          </a:prstGeom>
+        </p:spPr>
+      </p:pic>
+    </p:spTree>
+    <p:extLst>
+      <p:ext uri="{BB962C8B-B14F-4D97-AF65-F5344CB8AC3E}">
+        <p14:creationId xmlns:p14="http://schemas.microsoft.com/office/powerpoint/2010/main" val="1909204017"/>
+      </p:ext>
+    </p:extLst>
+  </p:cSld>
+  <p:clrMapOvr>
+    <a:masterClrMapping/>
+  </p:clrMapOvr>
+  <p:timing>
+    <p:tnLst>
+      <p:par>
+        <p:cTn id="1" dur="indefinite" restart="never" nodeType="tmRoot"/>
+      </p:par>
+    </p:tnLst>
+  </p:timing>
+</p:sld>
+</file>
+
+<file path=ppt/slides/slide81.xml><?xml version="1.0" encoding="utf-8"?>
+<p:sld xmlns:a="http://schemas.openxmlformats.org/drawingml/2006/main" xmlns:r="http://schemas.openxmlformats.org/officeDocument/2006/relationships" xmlns:p="http://schemas.openxmlformats.org/presentationml/2006/main">
+  <p:cSld>
+    <p:spTree>
+      <p:nvGrpSpPr>
+        <p:cNvPr id="1" name=""/>
+        <p:cNvGrpSpPr/>
+        <p:nvPr/>
+      </p:nvGrpSpPr>
+      <p:grpSpPr>
+        <a:xfrm>
+          <a:off x="0" y="0"/>
+          <a:ext cx="0" cy="0"/>
+          <a:chOff x="0" y="0"/>
+          <a:chExt cx="0" cy="0"/>
+        </a:xfrm>
+      </p:grpSpPr>
+      <p:sp>
+        <p:nvSpPr>
+          <p:cNvPr id="2" name="Title 1"/>
+          <p:cNvSpPr>
+            <a:spLocks noGrp="1"/>
+          </p:cNvSpPr>
+          <p:nvPr>
+            <p:ph type="title"/>
+          </p:nvPr>
+        </p:nvSpPr>
+        <p:spPr/>
+        <p:txBody>
+          <a:bodyPr/>
+          <a:lstStyle/>
+          <a:p>
+            <a:r>
+              <a:rPr lang="en-US" dirty="0"/>
+              <a:t>The </a:t>
+            </a:r>
+            <a:r>
               <a:rPr lang="en-US" dirty="0" err="1">
                 <a:latin typeface="Courier"/>
               </a:rPr>
@@ -19090,7 +19616,7 @@
 </p:sld>
 </file>
 
-<file path=ppt/slides/slide81.xml><?xml version="1.0" encoding="utf-8"?>
+<file path=ppt/slides/slide82.xml><?xml version="1.0" encoding="utf-8"?>
 <p:sld xmlns:a="http://schemas.openxmlformats.org/drawingml/2006/main" xmlns:r="http://schemas.openxmlformats.org/officeDocument/2006/relationships" xmlns:p="http://schemas.openxmlformats.org/presentationml/2006/main">
   <p:cSld>
     <p:spTree>
@@ -19267,7 +19793,7 @@
 </p:sld>
 </file>
 
-<file path=ppt/slides/slide82.xml><?xml version="1.0" encoding="utf-8"?>
+<file path=ppt/slides/slide83.xml><?xml version="1.0" encoding="utf-8"?>
 <p:sld xmlns:a="http://schemas.openxmlformats.org/drawingml/2006/main" xmlns:r="http://schemas.openxmlformats.org/officeDocument/2006/relationships" xmlns:p="http://schemas.openxmlformats.org/presentationml/2006/main">
   <p:cSld>
     <p:spTree>
@@ -19421,7 +19947,7 @@
 </p:sld>
 </file>
 
-<file path=ppt/slides/slide83.xml><?xml version="1.0" encoding="utf-8"?>
+<file path=ppt/slides/slide84.xml><?xml version="1.0" encoding="utf-8"?>
 <p:sld xmlns:a="http://schemas.openxmlformats.org/drawingml/2006/main" xmlns:r="http://schemas.openxmlformats.org/officeDocument/2006/relationships" xmlns:p="http://schemas.openxmlformats.org/presentationml/2006/main">
   <p:cSld>
     <p:spTree>
@@ -19563,7 +20089,7 @@
 </p:sld>
 </file>
 
-<file path=ppt/slides/slide84.xml><?xml version="1.0" encoding="utf-8"?>
+<file path=ppt/slides/slide85.xml><?xml version="1.0" encoding="utf-8"?>
 <p:sld xmlns:a="http://schemas.openxmlformats.org/drawingml/2006/main" xmlns:r="http://schemas.openxmlformats.org/officeDocument/2006/relationships" xmlns:p="http://schemas.openxmlformats.org/presentationml/2006/main">
   <p:cSld>
     <p:spTree>
@@ -19731,7 +20257,7 @@
 </p:sld>
 </file>
 
-<file path=ppt/slides/slide85.xml><?xml version="1.0" encoding="utf-8"?>
+<file path=ppt/slides/slide86.xml><?xml version="1.0" encoding="utf-8"?>
 <p:sld xmlns:a="http://schemas.openxmlformats.org/drawingml/2006/main" xmlns:r="http://schemas.openxmlformats.org/officeDocument/2006/relationships" xmlns:p="http://schemas.openxmlformats.org/presentationml/2006/main">
   <p:cSld>
     <p:spTree>
@@ -19955,7 +20481,7 @@
 </p:sld>
 </file>
 
-<file path=ppt/slides/slide86.xml><?xml version="1.0" encoding="utf-8"?>
+<file path=ppt/slides/slide87.xml><?xml version="1.0" encoding="utf-8"?>
 <p:sld xmlns:a="http://schemas.openxmlformats.org/drawingml/2006/main" xmlns:r="http://schemas.openxmlformats.org/officeDocument/2006/relationships" xmlns:p="http://schemas.openxmlformats.org/presentationml/2006/main">
   <p:cSld>
     <p:spTree>
@@ -20090,7 +20616,7 @@
 </p:sld>
 </file>
 
-<file path=ppt/slides/slide87.xml><?xml version="1.0" encoding="utf-8"?>
+<file path=ppt/slides/slide88.xml><?xml version="1.0" encoding="utf-8"?>
 <p:sld xmlns:a="http://schemas.openxmlformats.org/drawingml/2006/main" xmlns:r="http://schemas.openxmlformats.org/officeDocument/2006/relationships" xmlns:p="http://schemas.openxmlformats.org/presentationml/2006/main">
   <p:cSld>
     <p:spTree>
@@ -20249,7 +20775,7 @@
 </p:sld>
 </file>
 
-<file path=ppt/slides/slide88.xml><?xml version="1.0" encoding="utf-8"?>
+<file path=ppt/slides/slide89.xml><?xml version="1.0" encoding="utf-8"?>
 <p:sld xmlns:a="http://schemas.openxmlformats.org/drawingml/2006/main" xmlns:r="http://schemas.openxmlformats.org/officeDocument/2006/relationships" xmlns:p="http://schemas.openxmlformats.org/presentationml/2006/main">
   <p:cSld>
     <p:spTree>
@@ -20981,65 +21507,6 @@
 </p:sld>
 </file>
 
-<file path=ppt/slides/slide89.xml><?xml version="1.0" encoding="utf-8"?>
-<p:sld xmlns:a="http://schemas.openxmlformats.org/drawingml/2006/main" xmlns:r="http://schemas.openxmlformats.org/officeDocument/2006/relationships" xmlns:p="http://schemas.openxmlformats.org/presentationml/2006/main">
-  <p:cSld>
-    <p:spTree>
-      <p:nvGrpSpPr>
-        <p:cNvPr id="1" name=""/>
-        <p:cNvGrpSpPr/>
-        <p:nvPr/>
-      </p:nvGrpSpPr>
-      <p:grpSpPr>
-        <a:xfrm>
-          <a:off x="0" y="0"/>
-          <a:ext cx="0" cy="0"/>
-          <a:chOff x="0" y="0"/>
-          <a:chExt cx="0" cy="0"/>
-        </a:xfrm>
-      </p:grpSpPr>
-      <p:sp>
-        <p:nvSpPr>
-          <p:cNvPr id="2" name="Title 1"/>
-          <p:cNvSpPr>
-            <a:spLocks noGrp="1"/>
-          </p:cNvSpPr>
-          <p:nvPr>
-            <p:ph type="title"/>
-          </p:nvPr>
-        </p:nvSpPr>
-        <p:spPr/>
-        <p:txBody>
-          <a:bodyPr/>
-          <a:lstStyle/>
-          <a:p>
-            <a:r>
-              <a:rPr lang="en-US" dirty="0"/>
-              <a:t>Module 6: Optimizing Search</a:t>
-            </a:r>
-          </a:p>
-        </p:txBody>
-      </p:sp>
-    </p:spTree>
-    <p:extLst>
-      <p:ext uri="{BB962C8B-B14F-4D97-AF65-F5344CB8AC3E}">
-        <p14:creationId xmlns:p14="http://schemas.microsoft.com/office/powerpoint/2010/main" val="1408587379"/>
-      </p:ext>
-    </p:extLst>
-  </p:cSld>
-  <p:clrMapOvr>
-    <a:masterClrMapping/>
-  </p:clrMapOvr>
-  <p:timing>
-    <p:tnLst>
-      <p:par>
-        <p:cTn id="1" dur="indefinite" restart="never" nodeType="tmRoot"/>
-      </p:par>
-    </p:tnLst>
-  </p:timing>
-</p:sld>
-</file>
-
 <file path=ppt/slides/slide9.xml><?xml version="1.0" encoding="utf-8"?>
 <p:sld xmlns:a="http://schemas.openxmlformats.org/drawingml/2006/main" xmlns:r="http://schemas.openxmlformats.org/officeDocument/2006/relationships" xmlns:p="http://schemas.openxmlformats.org/presentationml/2006/main">
   <p:cSld>
@@ -21171,6 +21638,65 @@
           <a:p>
             <a:r>
               <a:rPr lang="en-US" dirty="0"/>
+              <a:t>Module 6: Optimizing Search</a:t>
+            </a:r>
+          </a:p>
+        </p:txBody>
+      </p:sp>
+    </p:spTree>
+    <p:extLst>
+      <p:ext uri="{BB962C8B-B14F-4D97-AF65-F5344CB8AC3E}">
+        <p14:creationId xmlns:p14="http://schemas.microsoft.com/office/powerpoint/2010/main" val="1408587379"/>
+      </p:ext>
+    </p:extLst>
+  </p:cSld>
+  <p:clrMapOvr>
+    <a:masterClrMapping/>
+  </p:clrMapOvr>
+  <p:timing>
+    <p:tnLst>
+      <p:par>
+        <p:cTn id="1" dur="indefinite" restart="never" nodeType="tmRoot"/>
+      </p:par>
+    </p:tnLst>
+  </p:timing>
+</p:sld>
+</file>
+
+<file path=ppt/slides/slide91.xml><?xml version="1.0" encoding="utf-8"?>
+<p:sld xmlns:a="http://schemas.openxmlformats.org/drawingml/2006/main" xmlns:r="http://schemas.openxmlformats.org/officeDocument/2006/relationships" xmlns:p="http://schemas.openxmlformats.org/presentationml/2006/main">
+  <p:cSld>
+    <p:spTree>
+      <p:nvGrpSpPr>
+        <p:cNvPr id="1" name=""/>
+        <p:cNvGrpSpPr/>
+        <p:nvPr/>
+      </p:nvGrpSpPr>
+      <p:grpSpPr>
+        <a:xfrm>
+          <a:off x="0" y="0"/>
+          <a:ext cx="0" cy="0"/>
+          <a:chOff x="0" y="0"/>
+          <a:chExt cx="0" cy="0"/>
+        </a:xfrm>
+      </p:grpSpPr>
+      <p:sp>
+        <p:nvSpPr>
+          <p:cNvPr id="2" name="Title 1"/>
+          <p:cNvSpPr>
+            <a:spLocks noGrp="1"/>
+          </p:cNvSpPr>
+          <p:nvPr>
+            <p:ph type="title"/>
+          </p:nvPr>
+        </p:nvSpPr>
+        <p:spPr/>
+        <p:txBody>
+          <a:bodyPr/>
+          <a:lstStyle/>
+          <a:p>
+            <a:r>
+              <a:rPr lang="en-US" dirty="0"/>
               <a:t>Data summarization</a:t>
             </a:r>
           </a:p>
@@ -21230,7 +21756,7 @@
 </p:sld>
 </file>
 
-<file path=ppt/slides/slide91.xml><?xml version="1.0" encoding="utf-8"?>
+<file path=ppt/slides/slide92.xml><?xml version="1.0" encoding="utf-8"?>
 <p:sld xmlns:a="http://schemas.openxmlformats.org/drawingml/2006/main" xmlns:r="http://schemas.openxmlformats.org/officeDocument/2006/relationships" xmlns:p="http://schemas.openxmlformats.org/presentationml/2006/main">
   <p:cSld>
     <p:spTree>
@@ -21416,7 +21942,7 @@
 </p:sld>
 </file>
 
-<file path=ppt/slides/slide92.xml><?xml version="1.0" encoding="utf-8"?>
+<file path=ppt/slides/slide93.xml><?xml version="1.0" encoding="utf-8"?>
 <p:sld xmlns:a="http://schemas.openxmlformats.org/drawingml/2006/main" xmlns:r="http://schemas.openxmlformats.org/officeDocument/2006/relationships" xmlns:p="http://schemas.openxmlformats.org/presentationml/2006/main">
   <p:cSld>
     <p:spTree>
@@ -21536,7 +22062,7 @@
 </p:sld>
 </file>
 
-<file path=ppt/slides/slide93.xml><?xml version="1.0" encoding="utf-8"?>
+<file path=ppt/slides/slide94.xml><?xml version="1.0" encoding="utf-8"?>
 <p:sld xmlns:a="http://schemas.openxmlformats.org/drawingml/2006/main" xmlns:r="http://schemas.openxmlformats.org/officeDocument/2006/relationships" xmlns:p="http://schemas.openxmlformats.org/presentationml/2006/main">
   <p:cSld>
     <p:spTree>
@@ -21691,7 +22217,7 @@
 </p:sld>
 </file>
 
-<file path=ppt/slides/slide94.xml><?xml version="1.0" encoding="utf-8"?>
+<file path=ppt/slides/slide95.xml><?xml version="1.0" encoding="utf-8"?>
 <p:sld xmlns:a="http://schemas.openxmlformats.org/drawingml/2006/main" xmlns:r="http://schemas.openxmlformats.org/officeDocument/2006/relationships" xmlns:p="http://schemas.openxmlformats.org/presentationml/2006/main">
   <p:cSld>
     <p:spTree>
@@ -21886,7 +22412,7 @@
 </p:sld>
 </file>
 
-<file path=ppt/slides/slide95.xml><?xml version="1.0" encoding="utf-8"?>
+<file path=ppt/slides/slide96.xml><?xml version="1.0" encoding="utf-8"?>
 <p:sld xmlns:a="http://schemas.openxmlformats.org/drawingml/2006/main" xmlns:r="http://schemas.openxmlformats.org/officeDocument/2006/relationships" xmlns:p="http://schemas.openxmlformats.org/presentationml/2006/main">
   <p:cSld>
     <p:spTree>
@@ -22720,7 +23246,7 @@
 </p:sld>
 </file>
 
-<file path=ppt/slides/slide96.xml><?xml version="1.0" encoding="utf-8"?>
+<file path=ppt/slides/slide97.xml><?xml version="1.0" encoding="utf-8"?>
 <p:sld xmlns:a="http://schemas.openxmlformats.org/drawingml/2006/main" xmlns:r="http://schemas.openxmlformats.org/officeDocument/2006/relationships" xmlns:p="http://schemas.openxmlformats.org/presentationml/2006/main">
   <p:cSld>
     <p:spTree>
@@ -22779,7 +23305,7 @@
 </p:sld>
 </file>
 
-<file path=ppt/slides/slide97.xml><?xml version="1.0" encoding="utf-8"?>
+<file path=ppt/slides/slide98.xml><?xml version="1.0" encoding="utf-8"?>
 <p:sld xmlns:a="http://schemas.openxmlformats.org/drawingml/2006/main" xmlns:r="http://schemas.openxmlformats.org/officeDocument/2006/relationships" xmlns:p="http://schemas.openxmlformats.org/presentationml/2006/main">
   <p:cSld>
     <p:spTree>
@@ -23017,7 +23543,7 @@
 </p:sld>
 </file>
 
-<file path=ppt/slides/slide98.xml><?xml version="1.0" encoding="utf-8"?>
+<file path=ppt/slides/slide99.xml><?xml version="1.0" encoding="utf-8"?>
 <p:sld xmlns:a="http://schemas.openxmlformats.org/drawingml/2006/main" xmlns:r="http://schemas.openxmlformats.org/officeDocument/2006/relationships" xmlns:p="http://schemas.openxmlformats.org/presentationml/2006/main">
   <p:cSld>
     <p:spTree>
@@ -23135,141 +23661,6 @@
     <p:extLst>
       <p:ext uri="{BB962C8B-B14F-4D97-AF65-F5344CB8AC3E}">
         <p14:creationId xmlns:p14="http://schemas.microsoft.com/office/powerpoint/2010/main" val="72432952"/>
-      </p:ext>
-    </p:extLst>
-  </p:cSld>
-  <p:clrMapOvr>
-    <a:masterClrMapping/>
-  </p:clrMapOvr>
-  <p:timing>
-    <p:tnLst>
-      <p:par>
-        <p:cTn id="1" dur="indefinite" restart="never" nodeType="tmRoot"/>
-      </p:par>
-    </p:tnLst>
-  </p:timing>
-</p:sld>
-</file>
-
-<file path=ppt/slides/slide99.xml><?xml version="1.0" encoding="utf-8"?>
-<p:sld xmlns:a="http://schemas.openxmlformats.org/drawingml/2006/main" xmlns:r="http://schemas.openxmlformats.org/officeDocument/2006/relationships" xmlns:p="http://schemas.openxmlformats.org/presentationml/2006/main">
-  <p:cSld>
-    <p:spTree>
-      <p:nvGrpSpPr>
-        <p:cNvPr id="1" name=""/>
-        <p:cNvGrpSpPr/>
-        <p:nvPr/>
-      </p:nvGrpSpPr>
-      <p:grpSpPr>
-        <a:xfrm>
-          <a:off x="0" y="0"/>
-          <a:ext cx="0" cy="0"/>
-          <a:chOff x="0" y="0"/>
-          <a:chExt cx="0" cy="0"/>
-        </a:xfrm>
-      </p:grpSpPr>
-      <p:sp>
-        <p:nvSpPr>
-          <p:cNvPr id="2" name="Title 1"/>
-          <p:cNvSpPr>
-            <a:spLocks noGrp="1"/>
-          </p:cNvSpPr>
-          <p:nvPr>
-            <p:ph type="title"/>
-          </p:nvPr>
-        </p:nvSpPr>
-        <p:spPr/>
-        <p:txBody>
-          <a:bodyPr/>
-          <a:lstStyle/>
-          <a:p>
-            <a:r>
-              <a:rPr lang="en-US" dirty="0"/>
-              <a:t>Remotely querying </a:t>
-            </a:r>
-            <a:r>
-              <a:rPr lang="en-US" dirty="0" err="1"/>
-              <a:t>Splunk’s</a:t>
-            </a:r>
-            <a:r>
-              <a:rPr lang="en-US"/>
-              <a:t> REST API</a:t>
-            </a:r>
-          </a:p>
-        </p:txBody>
-      </p:sp>
-      <p:sp>
-        <p:nvSpPr>
-          <p:cNvPr id="3" name="Text Placeholder 2"/>
-          <p:cNvSpPr>
-            <a:spLocks noGrp="1"/>
-          </p:cNvSpPr>
-          <p:nvPr>
-            <p:ph type="body" sz="quarter" idx="10"/>
-          </p:nvPr>
-        </p:nvSpPr>
-        <p:spPr/>
-        <p:txBody>
-          <a:bodyPr/>
-          <a:lstStyle/>
-          <a:p>
-            <a:r>
-              <a:rPr lang="en-US" dirty="0" smtClean="0"/>
-              <a:t>Standard RESTful endpoint</a:t>
-            </a:r>
-          </a:p>
-          <a:p>
-            <a:r>
-              <a:rPr lang="en-US" dirty="0" smtClean="0"/>
-              <a:t>Exposes a large amount of </a:t>
-            </a:r>
-            <a:r>
-              <a:rPr lang="en-US" dirty="0" err="1" smtClean="0"/>
-              <a:t>Splunk</a:t>
-            </a:r>
-            <a:r>
-              <a:rPr lang="en-US" dirty="0" smtClean="0"/>
-              <a:t> functionality</a:t>
-            </a:r>
-            <a:endParaRPr lang="en-US" dirty="0"/>
-          </a:p>
-        </p:txBody>
-      </p:sp>
-      <p:pic>
-        <p:nvPicPr>
-          <p:cNvPr id="4" name="Picture 3">
-            <a:hlinkClick r:id="rId2" action="ppaction://hlinkfile"/>
-            <a:extLst>
-              <a:ext uri="{FF2B5EF4-FFF2-40B4-BE49-F238E27FC236}">
-                <a16:creationId xmlns:a16="http://schemas.microsoft.com/office/drawing/2014/main" id="{F828083B-E8B3-4248-8611-B52D7EC66816}"/>
-              </a:ext>
-            </a:extLst>
-          </p:cNvPr>
-          <p:cNvPicPr>
-            <a:picLocks noChangeAspect="1"/>
-          </p:cNvPicPr>
-          <p:nvPr/>
-        </p:nvPicPr>
-        <p:blipFill>
-          <a:blip r:embed="rId3"/>
-          <a:stretch>
-            <a:fillRect/>
-          </a:stretch>
-        </p:blipFill>
-        <p:spPr>
-          <a:xfrm>
-            <a:off x="762000" y="4638557"/>
-            <a:ext cx="10698068" cy="847843"/>
-          </a:xfrm>
-          <a:prstGeom prst="rect">
-            <a:avLst/>
-          </a:prstGeom>
-        </p:spPr>
-      </p:pic>
-    </p:spTree>
-    <p:extLst>
-      <p:ext uri="{BB962C8B-B14F-4D97-AF65-F5344CB8AC3E}">
-        <p14:creationId xmlns:p14="http://schemas.microsoft.com/office/powerpoint/2010/main" val="2025764666"/>
       </p:ext>
     </p:extLst>
   </p:cSld>

--- a/ppt/SplunkFundamentals2v1_3.pptx
+++ b/ppt/SplunkFundamentals2v1_3.pptx
@@ -5,10 +5,10 @@
     <p:sldMasterId id="2147483660" r:id="rId4"/>
   </p:sldMasterIdLst>
   <p:notesMasterIdLst>
-    <p:notesMasterId r:id="rId107"/>
+    <p:notesMasterId r:id="rId106"/>
   </p:notesMasterIdLst>
   <p:handoutMasterIdLst>
-    <p:handoutMasterId r:id="rId108"/>
+    <p:handoutMasterId r:id="rId107"/>
   </p:handoutMasterIdLst>
   <p:sldIdLst>
     <p:sldId id="323" r:id="rId5"/>
@@ -31,88 +31,87 @@
     <p:sldId id="397" r:id="rId22"/>
     <p:sldId id="400" r:id="rId23"/>
     <p:sldId id="399" r:id="rId24"/>
-    <p:sldId id="437" r:id="rId25"/>
-    <p:sldId id="341" r:id="rId26"/>
-    <p:sldId id="401" r:id="rId27"/>
-    <p:sldId id="402" r:id="rId28"/>
-    <p:sldId id="403" r:id="rId29"/>
-    <p:sldId id="404" r:id="rId30"/>
-    <p:sldId id="405" r:id="rId31"/>
-    <p:sldId id="406" r:id="rId32"/>
-    <p:sldId id="407" r:id="rId33"/>
-    <p:sldId id="408" r:id="rId34"/>
-    <p:sldId id="409" r:id="rId35"/>
-    <p:sldId id="342" r:id="rId36"/>
-    <p:sldId id="410" r:id="rId37"/>
-    <p:sldId id="411" r:id="rId38"/>
-    <p:sldId id="420" r:id="rId39"/>
-    <p:sldId id="421" r:id="rId40"/>
-    <p:sldId id="416" r:id="rId41"/>
-    <p:sldId id="417" r:id="rId42"/>
-    <p:sldId id="413" r:id="rId43"/>
-    <p:sldId id="412" r:id="rId44"/>
-    <p:sldId id="438" r:id="rId45"/>
-    <p:sldId id="414" r:id="rId46"/>
-    <p:sldId id="345" r:id="rId47"/>
-    <p:sldId id="346" r:id="rId48"/>
-    <p:sldId id="347" r:id="rId49"/>
-    <p:sldId id="348" r:id="rId50"/>
-    <p:sldId id="349" r:id="rId51"/>
-    <p:sldId id="419" r:id="rId52"/>
-    <p:sldId id="350" r:id="rId53"/>
-    <p:sldId id="351" r:id="rId54"/>
-    <p:sldId id="352" r:id="rId55"/>
-    <p:sldId id="353" r:id="rId56"/>
-    <p:sldId id="354" r:id="rId57"/>
-    <p:sldId id="356" r:id="rId58"/>
-    <p:sldId id="357" r:id="rId59"/>
-    <p:sldId id="355" r:id="rId60"/>
-    <p:sldId id="358" r:id="rId61"/>
-    <p:sldId id="359" r:id="rId62"/>
-    <p:sldId id="418" r:id="rId63"/>
-    <p:sldId id="372" r:id="rId64"/>
-    <p:sldId id="380" r:id="rId65"/>
-    <p:sldId id="379" r:id="rId66"/>
-    <p:sldId id="377" r:id="rId67"/>
-    <p:sldId id="378" r:id="rId68"/>
-    <p:sldId id="381" r:id="rId69"/>
-    <p:sldId id="360" r:id="rId70"/>
-    <p:sldId id="362" r:id="rId71"/>
-    <p:sldId id="361" r:id="rId72"/>
-    <p:sldId id="365" r:id="rId73"/>
-    <p:sldId id="366" r:id="rId74"/>
-    <p:sldId id="375" r:id="rId75"/>
-    <p:sldId id="367" r:id="rId76"/>
-    <p:sldId id="374" r:id="rId77"/>
-    <p:sldId id="423" r:id="rId78"/>
-    <p:sldId id="415" r:id="rId79"/>
-    <p:sldId id="368" r:id="rId80"/>
-    <p:sldId id="369" r:id="rId81"/>
-    <p:sldId id="370" r:id="rId82"/>
-    <p:sldId id="364" r:id="rId83"/>
-    <p:sldId id="371" r:id="rId84"/>
-    <p:sldId id="373" r:id="rId85"/>
-    <p:sldId id="384" r:id="rId86"/>
-    <p:sldId id="383" r:id="rId87"/>
-    <p:sldId id="386" r:id="rId88"/>
-    <p:sldId id="388" r:id="rId89"/>
-    <p:sldId id="387" r:id="rId90"/>
-    <p:sldId id="389" r:id="rId91"/>
-    <p:sldId id="431" r:id="rId92"/>
-    <p:sldId id="424" r:id="rId93"/>
-    <p:sldId id="385" r:id="rId94"/>
-    <p:sldId id="425" r:id="rId95"/>
-    <p:sldId id="427" r:id="rId96"/>
-    <p:sldId id="428" r:id="rId97"/>
-    <p:sldId id="429" r:id="rId98"/>
-    <p:sldId id="430" r:id="rId99"/>
-    <p:sldId id="426" r:id="rId100"/>
-    <p:sldId id="432" r:id="rId101"/>
-    <p:sldId id="433" r:id="rId102"/>
-    <p:sldId id="434" r:id="rId103"/>
-    <p:sldId id="435" r:id="rId104"/>
-    <p:sldId id="436" r:id="rId105"/>
-    <p:sldId id="340" r:id="rId106"/>
+    <p:sldId id="341" r:id="rId25"/>
+    <p:sldId id="401" r:id="rId26"/>
+    <p:sldId id="402" r:id="rId27"/>
+    <p:sldId id="403" r:id="rId28"/>
+    <p:sldId id="404" r:id="rId29"/>
+    <p:sldId id="405" r:id="rId30"/>
+    <p:sldId id="406" r:id="rId31"/>
+    <p:sldId id="407" r:id="rId32"/>
+    <p:sldId id="408" r:id="rId33"/>
+    <p:sldId id="409" r:id="rId34"/>
+    <p:sldId id="342" r:id="rId35"/>
+    <p:sldId id="410" r:id="rId36"/>
+    <p:sldId id="411" r:id="rId37"/>
+    <p:sldId id="420" r:id="rId38"/>
+    <p:sldId id="421" r:id="rId39"/>
+    <p:sldId id="416" r:id="rId40"/>
+    <p:sldId id="417" r:id="rId41"/>
+    <p:sldId id="413" r:id="rId42"/>
+    <p:sldId id="412" r:id="rId43"/>
+    <p:sldId id="438" r:id="rId44"/>
+    <p:sldId id="345" r:id="rId45"/>
+    <p:sldId id="346" r:id="rId46"/>
+    <p:sldId id="347" r:id="rId47"/>
+    <p:sldId id="348" r:id="rId48"/>
+    <p:sldId id="349" r:id="rId49"/>
+    <p:sldId id="419" r:id="rId50"/>
+    <p:sldId id="350" r:id="rId51"/>
+    <p:sldId id="351" r:id="rId52"/>
+    <p:sldId id="352" r:id="rId53"/>
+    <p:sldId id="353" r:id="rId54"/>
+    <p:sldId id="354" r:id="rId55"/>
+    <p:sldId id="356" r:id="rId56"/>
+    <p:sldId id="357" r:id="rId57"/>
+    <p:sldId id="355" r:id="rId58"/>
+    <p:sldId id="358" r:id="rId59"/>
+    <p:sldId id="359" r:id="rId60"/>
+    <p:sldId id="439" r:id="rId61"/>
+    <p:sldId id="418" r:id="rId62"/>
+    <p:sldId id="372" r:id="rId63"/>
+    <p:sldId id="380" r:id="rId64"/>
+    <p:sldId id="379" r:id="rId65"/>
+    <p:sldId id="377" r:id="rId66"/>
+    <p:sldId id="378" r:id="rId67"/>
+    <p:sldId id="381" r:id="rId68"/>
+    <p:sldId id="360" r:id="rId69"/>
+    <p:sldId id="362" r:id="rId70"/>
+    <p:sldId id="361" r:id="rId71"/>
+    <p:sldId id="365" r:id="rId72"/>
+    <p:sldId id="366" r:id="rId73"/>
+    <p:sldId id="375" r:id="rId74"/>
+    <p:sldId id="367" r:id="rId75"/>
+    <p:sldId id="374" r:id="rId76"/>
+    <p:sldId id="423" r:id="rId77"/>
+    <p:sldId id="415" r:id="rId78"/>
+    <p:sldId id="368" r:id="rId79"/>
+    <p:sldId id="369" r:id="rId80"/>
+    <p:sldId id="370" r:id="rId81"/>
+    <p:sldId id="364" r:id="rId82"/>
+    <p:sldId id="371" r:id="rId83"/>
+    <p:sldId id="373" r:id="rId84"/>
+    <p:sldId id="384" r:id="rId85"/>
+    <p:sldId id="383" r:id="rId86"/>
+    <p:sldId id="386" r:id="rId87"/>
+    <p:sldId id="388" r:id="rId88"/>
+    <p:sldId id="387" r:id="rId89"/>
+    <p:sldId id="389" r:id="rId90"/>
+    <p:sldId id="431" r:id="rId91"/>
+    <p:sldId id="424" r:id="rId92"/>
+    <p:sldId id="385" r:id="rId93"/>
+    <p:sldId id="425" r:id="rId94"/>
+    <p:sldId id="427" r:id="rId95"/>
+    <p:sldId id="428" r:id="rId96"/>
+    <p:sldId id="429" r:id="rId97"/>
+    <p:sldId id="430" r:id="rId98"/>
+    <p:sldId id="426" r:id="rId99"/>
+    <p:sldId id="432" r:id="rId100"/>
+    <p:sldId id="433" r:id="rId101"/>
+    <p:sldId id="434" r:id="rId102"/>
+    <p:sldId id="435" r:id="rId103"/>
+    <p:sldId id="436" r:id="rId104"/>
+    <p:sldId id="340" r:id="rId105"/>
   </p:sldIdLst>
   <p:sldSz cx="12192000" cy="6858000"/>
   <p:notesSz cx="9309100" cy="7053263"/>
@@ -274,7 +273,6 @@
         </p14:section>
         <p14:section name="Module 2: Getting Data Into Splunk" id="{434F00C6-D8EE-4E65-8EC1-FF4B740BE73A}">
           <p14:sldIdLst>
-            <p14:sldId id="437"/>
             <p14:sldId id="341"/>
             <p14:sldId id="401"/>
             <p14:sldId id="402"/>
@@ -295,7 +293,6 @@
             <p14:sldId id="413"/>
             <p14:sldId id="412"/>
             <p14:sldId id="438"/>
-            <p14:sldId id="414"/>
           </p14:sldIdLst>
         </p14:section>
         <p14:section name="Module 3: Building an Operational Intelligence Application" id="{59097E1D-EB3E-4FEF-9D7C-8F308EA365A1}">
@@ -316,6 +313,7 @@
             <p14:sldId id="355"/>
             <p14:sldId id="358"/>
             <p14:sldId id="359"/>
+            <p14:sldId id="439"/>
             <p14:sldId id="418"/>
           </p14:sldIdLst>
         </p14:section>
@@ -1717,7 +1715,7 @@
               <a:pPr>
                 <a:defRPr/>
               </a:pPr>
-              <a:t>87</a:t>
+              <a:t>86</a:t>
             </a:fld>
             <a:endParaRPr lang="en-US"/>
           </a:p>
@@ -4569,7 +4567,7 @@
             </a:r>
             <a:r>
               <a:rPr lang="en-US" altLang="en-US" sz="1600" dirty="0" smtClean="0"/>
-              <a:t>312-757-3117 </a:t>
+              <a:t>___ </a:t>
             </a:r>
             <a:r>
               <a:rPr lang="en-US" altLang="en-US" sz="1600" dirty="0"/>
@@ -4577,7 +4575,7 @@
             </a:r>
             <a:r>
               <a:rPr lang="en-US" altLang="en-US" sz="1600" dirty="0" smtClean="0"/>
-              <a:t>461 584 853#</a:t>
+              <a:t>___ #</a:t>
             </a:r>
             <a:r>
               <a:rPr lang="en-US" altLang="en-US" sz="1600" dirty="0"/>
@@ -4840,141 +4838,6 @@
       </p:grpSpPr>
       <p:sp>
         <p:nvSpPr>
-          <p:cNvPr id="2" name="Title 1"/>
-          <p:cNvSpPr>
-            <a:spLocks noGrp="1"/>
-          </p:cNvSpPr>
-          <p:nvPr>
-            <p:ph type="title"/>
-          </p:nvPr>
-        </p:nvSpPr>
-        <p:spPr/>
-        <p:txBody>
-          <a:bodyPr/>
-          <a:lstStyle/>
-          <a:p>
-            <a:r>
-              <a:rPr lang="en-US" dirty="0"/>
-              <a:t>Remotely querying </a:t>
-            </a:r>
-            <a:r>
-              <a:rPr lang="en-US" dirty="0" err="1"/>
-              <a:t>Splunk’s</a:t>
-            </a:r>
-            <a:r>
-              <a:rPr lang="en-US"/>
-              <a:t> REST API</a:t>
-            </a:r>
-          </a:p>
-        </p:txBody>
-      </p:sp>
-      <p:sp>
-        <p:nvSpPr>
-          <p:cNvPr id="3" name="Text Placeholder 2"/>
-          <p:cNvSpPr>
-            <a:spLocks noGrp="1"/>
-          </p:cNvSpPr>
-          <p:nvPr>
-            <p:ph type="body" sz="quarter" idx="10"/>
-          </p:nvPr>
-        </p:nvSpPr>
-        <p:spPr/>
-        <p:txBody>
-          <a:bodyPr/>
-          <a:lstStyle/>
-          <a:p>
-            <a:r>
-              <a:rPr lang="en-US" dirty="0" smtClean="0"/>
-              <a:t>Standard RESTful endpoint</a:t>
-            </a:r>
-          </a:p>
-          <a:p>
-            <a:r>
-              <a:rPr lang="en-US" dirty="0" smtClean="0"/>
-              <a:t>Exposes a large amount of </a:t>
-            </a:r>
-            <a:r>
-              <a:rPr lang="en-US" dirty="0" err="1" smtClean="0"/>
-              <a:t>Splunk</a:t>
-            </a:r>
-            <a:r>
-              <a:rPr lang="en-US" dirty="0" smtClean="0"/>
-              <a:t> functionality</a:t>
-            </a:r>
-            <a:endParaRPr lang="en-US" dirty="0"/>
-          </a:p>
-        </p:txBody>
-      </p:sp>
-      <p:pic>
-        <p:nvPicPr>
-          <p:cNvPr id="4" name="Picture 3">
-            <a:hlinkClick r:id="rId2" action="ppaction://hlinkfile"/>
-            <a:extLst>
-              <a:ext uri="{FF2B5EF4-FFF2-40B4-BE49-F238E27FC236}">
-                <a16:creationId xmlns:a16="http://schemas.microsoft.com/office/drawing/2014/main" id="{F828083B-E8B3-4248-8611-B52D7EC66816}"/>
-              </a:ext>
-            </a:extLst>
-          </p:cNvPr>
-          <p:cNvPicPr>
-            <a:picLocks noChangeAspect="1"/>
-          </p:cNvPicPr>
-          <p:nvPr/>
-        </p:nvPicPr>
-        <p:blipFill>
-          <a:blip r:embed="rId3"/>
-          <a:stretch>
-            <a:fillRect/>
-          </a:stretch>
-        </p:blipFill>
-        <p:spPr>
-          <a:xfrm>
-            <a:off x="762000" y="4638557"/>
-            <a:ext cx="10698068" cy="847843"/>
-          </a:xfrm>
-          <a:prstGeom prst="rect">
-            <a:avLst/>
-          </a:prstGeom>
-        </p:spPr>
-      </p:pic>
-    </p:spTree>
-    <p:extLst>
-      <p:ext uri="{BB962C8B-B14F-4D97-AF65-F5344CB8AC3E}">
-        <p14:creationId xmlns:p14="http://schemas.microsoft.com/office/powerpoint/2010/main" val="2025764666"/>
-      </p:ext>
-    </p:extLst>
-  </p:cSld>
-  <p:clrMapOvr>
-    <a:masterClrMapping/>
-  </p:clrMapOvr>
-  <p:timing>
-    <p:tnLst>
-      <p:par>
-        <p:cTn id="1" dur="indefinite" restart="never" nodeType="tmRoot"/>
-      </p:par>
-    </p:tnLst>
-  </p:timing>
-</p:sld>
-</file>
-
-<file path=ppt/slides/slide101.xml><?xml version="1.0" encoding="utf-8"?>
-<p:sld xmlns:a="http://schemas.openxmlformats.org/drawingml/2006/main" xmlns:r="http://schemas.openxmlformats.org/officeDocument/2006/relationships" xmlns:p="http://schemas.openxmlformats.org/presentationml/2006/main">
-  <p:cSld>
-    <p:spTree>
-      <p:nvGrpSpPr>
-        <p:cNvPr id="1" name=""/>
-        <p:cNvGrpSpPr/>
-        <p:nvPr/>
-      </p:nvGrpSpPr>
-      <p:grpSpPr>
-        <a:xfrm>
-          <a:off x="0" y="0"/>
-          <a:ext cx="0" cy="0"/>
-          <a:chOff x="0" y="0"/>
-          <a:chExt cx="0" cy="0"/>
-        </a:xfrm>
-      </p:grpSpPr>
-      <p:sp>
-        <p:nvSpPr>
           <p:cNvPr id="2" name="Title 1">
             <a:extLst>
               <a:ext uri="{FF2B5EF4-FFF2-40B4-BE49-F238E27FC236}">
@@ -5075,7 +4938,7 @@
 </p:sld>
 </file>
 
-<file path=ppt/slides/slide102.xml><?xml version="1.0" encoding="utf-8"?>
+<file path=ppt/slides/slide101.xml><?xml version="1.0" encoding="utf-8"?>
 <p:sld xmlns:a="http://schemas.openxmlformats.org/drawingml/2006/main" xmlns:r="http://schemas.openxmlformats.org/officeDocument/2006/relationships" xmlns:p="http://schemas.openxmlformats.org/presentationml/2006/main">
   <p:cSld>
     <p:spTree>
@@ -6500,589 +6363,6 @@
           </a:p>
         </p:txBody>
       </p:sp>
-      <p:sp>
-        <p:nvSpPr>
-          <p:cNvPr id="3" name="Rectangle 5"/>
-          <p:cNvSpPr>
-            <a:spLocks noChangeArrowheads="1"/>
-          </p:cNvSpPr>
-          <p:nvPr/>
-        </p:nvSpPr>
-        <p:spPr bwMode="auto">
-          <a:xfrm>
-            <a:off x="0" y="0"/>
-            <a:ext cx="12192000" cy="6858000"/>
-          </a:xfrm>
-          <a:prstGeom prst="rect">
-            <a:avLst/>
-          </a:prstGeom>
-          <a:solidFill>
-            <a:srgbClr val="FFFFFF">
-              <a:alpha val="50195"/>
-            </a:srgbClr>
-          </a:solidFill>
-          <a:ln>
-            <a:noFill/>
-          </a:ln>
-          <a:effectLst>
-            <a:outerShdw dist="53882" dir="2700000" algn="ctr" rotWithShape="0">
-              <a:srgbClr val="919191">
-                <a:alpha val="50000"/>
-              </a:srgbClr>
-            </a:outerShdw>
-          </a:effectLst>
-          <a:extLst>
-            <a:ext uri="{91240B29-F687-4F45-9708-019B960494DF}">
-              <a14:hiddenLine xmlns:a14="http://schemas.microsoft.com/office/drawing/2010/main" w="9525" algn="ctr">
-                <a:solidFill>
-                  <a:srgbClr val="000000"/>
-                </a:solidFill>
-                <a:miter lim="800000"/>
-                <a:headEnd/>
-                <a:tailEnd/>
-              </a14:hiddenLine>
-            </a:ext>
-          </a:extLst>
-        </p:spPr>
-        <p:txBody>
-          <a:bodyPr wrap="none" anchor="ctr"/>
-          <a:lstStyle>
-            <a:lvl1pPr>
-              <a:defRPr b="1">
-                <a:solidFill>
-                  <a:schemeClr val="tx1"/>
-                </a:solidFill>
-                <a:latin typeface="Verdana" panose="020B0604030504040204" pitchFamily="34" charset="0"/>
-              </a:defRPr>
-            </a:lvl1pPr>
-            <a:lvl2pPr marL="742950" indent="-285750">
-              <a:defRPr b="1">
-                <a:solidFill>
-                  <a:schemeClr val="tx1"/>
-                </a:solidFill>
-                <a:latin typeface="Verdana" panose="020B0604030504040204" pitchFamily="34" charset="0"/>
-              </a:defRPr>
-            </a:lvl2pPr>
-            <a:lvl3pPr marL="1143000" indent="-228600">
-              <a:defRPr b="1">
-                <a:solidFill>
-                  <a:schemeClr val="tx1"/>
-                </a:solidFill>
-                <a:latin typeface="Verdana" panose="020B0604030504040204" pitchFamily="34" charset="0"/>
-              </a:defRPr>
-            </a:lvl3pPr>
-            <a:lvl4pPr marL="1600200" indent="-228600">
-              <a:defRPr b="1">
-                <a:solidFill>
-                  <a:schemeClr val="tx1"/>
-                </a:solidFill>
-                <a:latin typeface="Verdana" panose="020B0604030504040204" pitchFamily="34" charset="0"/>
-              </a:defRPr>
-            </a:lvl4pPr>
-            <a:lvl5pPr marL="2057400" indent="-228600">
-              <a:defRPr b="1">
-                <a:solidFill>
-                  <a:schemeClr val="tx1"/>
-                </a:solidFill>
-                <a:latin typeface="Verdana" panose="020B0604030504040204" pitchFamily="34" charset="0"/>
-              </a:defRPr>
-            </a:lvl5pPr>
-            <a:lvl6pPr marL="2514600" indent="-228600" eaLnBrk="0" fontAlgn="base" hangingPunct="0">
-              <a:spcBef>
-                <a:spcPct val="0"/>
-              </a:spcBef>
-              <a:spcAft>
-                <a:spcPct val="0"/>
-              </a:spcAft>
-              <a:defRPr b="1">
-                <a:solidFill>
-                  <a:schemeClr val="tx1"/>
-                </a:solidFill>
-                <a:latin typeface="Verdana" panose="020B0604030504040204" pitchFamily="34" charset="0"/>
-              </a:defRPr>
-            </a:lvl6pPr>
-            <a:lvl7pPr marL="2971800" indent="-228600" eaLnBrk="0" fontAlgn="base" hangingPunct="0">
-              <a:spcBef>
-                <a:spcPct val="0"/>
-              </a:spcBef>
-              <a:spcAft>
-                <a:spcPct val="0"/>
-              </a:spcAft>
-              <a:defRPr b="1">
-                <a:solidFill>
-                  <a:schemeClr val="tx1"/>
-                </a:solidFill>
-                <a:latin typeface="Verdana" panose="020B0604030504040204" pitchFamily="34" charset="0"/>
-              </a:defRPr>
-            </a:lvl7pPr>
-            <a:lvl8pPr marL="3429000" indent="-228600" eaLnBrk="0" fontAlgn="base" hangingPunct="0">
-              <a:spcBef>
-                <a:spcPct val="0"/>
-              </a:spcBef>
-              <a:spcAft>
-                <a:spcPct val="0"/>
-              </a:spcAft>
-              <a:defRPr b="1">
-                <a:solidFill>
-                  <a:schemeClr val="tx1"/>
-                </a:solidFill>
-                <a:latin typeface="Verdana" panose="020B0604030504040204" pitchFamily="34" charset="0"/>
-              </a:defRPr>
-            </a:lvl8pPr>
-            <a:lvl9pPr marL="3886200" indent="-228600" eaLnBrk="0" fontAlgn="base" hangingPunct="0">
-              <a:spcBef>
-                <a:spcPct val="0"/>
-              </a:spcBef>
-              <a:spcAft>
-                <a:spcPct val="0"/>
-              </a:spcAft>
-              <a:defRPr b="1">
-                <a:solidFill>
-                  <a:schemeClr val="tx1"/>
-                </a:solidFill>
-                <a:latin typeface="Verdana" panose="020B0604030504040204" pitchFamily="34" charset="0"/>
-              </a:defRPr>
-            </a:lvl9pPr>
-          </a:lstStyle>
-          <a:p>
-            <a:pPr algn="ctr"/>
-            <a:endParaRPr lang="en-US" altLang="en-US"/>
-          </a:p>
-        </p:txBody>
-      </p:sp>
-      <p:sp>
-        <p:nvSpPr>
-          <p:cNvPr id="4" name="WordArt 4"/>
-          <p:cNvSpPr>
-            <a:spLocks noChangeArrowheads="1" noChangeShapeType="1" noTextEdit="1"/>
-          </p:cNvSpPr>
-          <p:nvPr/>
-        </p:nvSpPr>
-        <p:spPr bwMode="auto">
-          <a:xfrm>
-            <a:off x="1454150" y="977900"/>
-            <a:ext cx="2170113" cy="2439988"/>
-          </a:xfrm>
-          <a:prstGeom prst="rect">
-            <a:avLst/>
-          </a:prstGeom>
-        </p:spPr>
-        <p:txBody>
-          <a:bodyPr wrap="none" fromWordArt="1">
-            <a:prstTxWarp prst="textSlantUp">
-              <a:avLst>
-                <a:gd name="adj" fmla="val 9014"/>
-              </a:avLst>
-            </a:prstTxWarp>
-          </a:bodyPr>
-          <a:lstStyle/>
-          <a:p>
-            <a:pPr algn="ctr"/>
-            <a:r>
-              <a:rPr lang="en-US" sz="3600" kern="10" dirty="0">
-                <a:ln w="9525">
-                  <a:solidFill>
-                    <a:srgbClr val="CC99FF"/>
-                  </a:solidFill>
-                  <a:round/>
-                  <a:headEnd/>
-                  <a:tailEnd/>
-                </a:ln>
-                <a:gradFill rotWithShape="1">
-                  <a:gsLst>
-                    <a:gs pos="0">
-                      <a:srgbClr val="6600CC"/>
-                    </a:gs>
-                    <a:gs pos="100000">
-                      <a:srgbClr val="CC00CC"/>
-                    </a:gs>
-                  </a:gsLst>
-                  <a:lin ang="5400000" scaled="1"/>
-                </a:gradFill>
-                <a:effectLst>
-                  <a:outerShdw dist="53882" dir="2700000" algn="ctr" rotWithShape="0">
-                    <a:srgbClr val="9999FF">
-                      <a:alpha val="79999"/>
-                    </a:srgbClr>
-                  </a:outerShdw>
-                </a:effectLst>
-                <a:latin typeface="Impact" panose="020B0806030902050204" pitchFamily="34" charset="0"/>
-              </a:rPr>
-              <a:t>A.M. Break:</a:t>
-            </a:r>
-          </a:p>
-          <a:p>
-            <a:pPr algn="ctr"/>
-            <a:r>
-              <a:rPr lang="en-US" sz="3600" kern="10" dirty="0" smtClean="0">
-                <a:ln w="9525">
-                  <a:solidFill>
-                    <a:srgbClr val="CC99FF"/>
-                  </a:solidFill>
-                  <a:round/>
-                  <a:headEnd/>
-                  <a:tailEnd/>
-                </a:ln>
-                <a:gradFill rotWithShape="1">
-                  <a:gsLst>
-                    <a:gs pos="0">
-                      <a:srgbClr val="6600CC"/>
-                    </a:gs>
-                    <a:gs pos="100000">
-                      <a:srgbClr val="CC00CC"/>
-                    </a:gs>
-                  </a:gsLst>
-                  <a:lin ang="5400000" scaled="1"/>
-                </a:gradFill>
-                <a:effectLst>
-                  <a:outerShdw dist="53882" dir="2700000" algn="ctr" rotWithShape="0">
-                    <a:srgbClr val="9999FF">
-                      <a:alpha val="79999"/>
-                    </a:srgbClr>
-                  </a:outerShdw>
-                </a:effectLst>
-                <a:latin typeface="Impact" panose="020B0806030902050204" pitchFamily="34" charset="0"/>
-              </a:rPr>
-              <a:t>10:45-11:00 </a:t>
-            </a:r>
-            <a:r>
-              <a:rPr lang="en-US" sz="3600" kern="10" dirty="0">
-                <a:ln w="9525">
-                  <a:solidFill>
-                    <a:srgbClr val="CC99FF"/>
-                  </a:solidFill>
-                  <a:round/>
-                  <a:headEnd/>
-                  <a:tailEnd/>
-                </a:ln>
-                <a:gradFill rotWithShape="1">
-                  <a:gsLst>
-                    <a:gs pos="0">
-                      <a:srgbClr val="6600CC"/>
-                    </a:gs>
-                    <a:gs pos="100000">
-                      <a:srgbClr val="CC00CC"/>
-                    </a:gs>
-                  </a:gsLst>
-                  <a:lin ang="5400000" scaled="1"/>
-                </a:gradFill>
-                <a:effectLst>
-                  <a:outerShdw dist="53882" dir="2700000" algn="ctr" rotWithShape="0">
-                    <a:srgbClr val="9999FF">
-                      <a:alpha val="79999"/>
-                    </a:srgbClr>
-                  </a:outerShdw>
-                </a:effectLst>
-                <a:latin typeface="Impact" panose="020B0806030902050204" pitchFamily="34" charset="0"/>
-              </a:rPr>
-              <a:t>EST</a:t>
-            </a:r>
-          </a:p>
-        </p:txBody>
-      </p:sp>
-      <p:sp>
-        <p:nvSpPr>
-          <p:cNvPr id="5" name="Rectangle 6"/>
-          <p:cNvSpPr>
-            <a:spLocks noChangeArrowheads="1"/>
-          </p:cNvSpPr>
-          <p:nvPr/>
-        </p:nvSpPr>
-        <p:spPr bwMode="auto">
-          <a:xfrm>
-            <a:off x="492125" y="5038725"/>
-            <a:ext cx="4094163" cy="1589088"/>
-          </a:xfrm>
-          <a:prstGeom prst="rect">
-            <a:avLst/>
-          </a:prstGeom>
-          <a:solidFill>
-            <a:srgbClr val="FFFFFF"/>
-          </a:solidFill>
-          <a:ln w="9525" algn="ctr">
-            <a:solidFill>
-              <a:schemeClr val="bg2"/>
-            </a:solidFill>
-            <a:miter lim="800000"/>
-            <a:headEnd/>
-            <a:tailEnd/>
-          </a:ln>
-          <a:effectLst>
-            <a:outerShdw dist="53882" dir="2700000" algn="ctr" rotWithShape="0">
-              <a:srgbClr val="919191">
-                <a:alpha val="50000"/>
-              </a:srgbClr>
-            </a:outerShdw>
-          </a:effectLst>
-        </p:spPr>
-        <p:txBody>
-          <a:bodyPr anchor="ctr"/>
-          <a:lstStyle>
-            <a:lvl1pPr>
-              <a:defRPr b="1">
-                <a:solidFill>
-                  <a:schemeClr val="tx1"/>
-                </a:solidFill>
-                <a:latin typeface="Verdana" panose="020B0604030504040204" pitchFamily="34" charset="0"/>
-              </a:defRPr>
-            </a:lvl1pPr>
-            <a:lvl2pPr marL="742950" indent="-285750">
-              <a:defRPr b="1">
-                <a:solidFill>
-                  <a:schemeClr val="tx1"/>
-                </a:solidFill>
-                <a:latin typeface="Verdana" panose="020B0604030504040204" pitchFamily="34" charset="0"/>
-              </a:defRPr>
-            </a:lvl2pPr>
-            <a:lvl3pPr marL="1143000" indent="-228600">
-              <a:defRPr b="1">
-                <a:solidFill>
-                  <a:schemeClr val="tx1"/>
-                </a:solidFill>
-                <a:latin typeface="Verdana" panose="020B0604030504040204" pitchFamily="34" charset="0"/>
-              </a:defRPr>
-            </a:lvl3pPr>
-            <a:lvl4pPr marL="1600200" indent="-228600">
-              <a:defRPr b="1">
-                <a:solidFill>
-                  <a:schemeClr val="tx1"/>
-                </a:solidFill>
-                <a:latin typeface="Verdana" panose="020B0604030504040204" pitchFamily="34" charset="0"/>
-              </a:defRPr>
-            </a:lvl4pPr>
-            <a:lvl5pPr marL="2057400" indent="-228600">
-              <a:defRPr b="1">
-                <a:solidFill>
-                  <a:schemeClr val="tx1"/>
-                </a:solidFill>
-                <a:latin typeface="Verdana" panose="020B0604030504040204" pitchFamily="34" charset="0"/>
-              </a:defRPr>
-            </a:lvl5pPr>
-            <a:lvl6pPr marL="2514600" indent="-228600" eaLnBrk="0" fontAlgn="base" hangingPunct="0">
-              <a:spcBef>
-                <a:spcPct val="0"/>
-              </a:spcBef>
-              <a:spcAft>
-                <a:spcPct val="0"/>
-              </a:spcAft>
-              <a:defRPr b="1">
-                <a:solidFill>
-                  <a:schemeClr val="tx1"/>
-                </a:solidFill>
-                <a:latin typeface="Verdana" panose="020B0604030504040204" pitchFamily="34" charset="0"/>
-              </a:defRPr>
-            </a:lvl6pPr>
-            <a:lvl7pPr marL="2971800" indent="-228600" eaLnBrk="0" fontAlgn="base" hangingPunct="0">
-              <a:spcBef>
-                <a:spcPct val="0"/>
-              </a:spcBef>
-              <a:spcAft>
-                <a:spcPct val="0"/>
-              </a:spcAft>
-              <a:defRPr b="1">
-                <a:solidFill>
-                  <a:schemeClr val="tx1"/>
-                </a:solidFill>
-                <a:latin typeface="Verdana" panose="020B0604030504040204" pitchFamily="34" charset="0"/>
-              </a:defRPr>
-            </a:lvl7pPr>
-            <a:lvl8pPr marL="3429000" indent="-228600" eaLnBrk="0" fontAlgn="base" hangingPunct="0">
-              <a:spcBef>
-                <a:spcPct val="0"/>
-              </a:spcBef>
-              <a:spcAft>
-                <a:spcPct val="0"/>
-              </a:spcAft>
-              <a:defRPr b="1">
-                <a:solidFill>
-                  <a:schemeClr val="tx1"/>
-                </a:solidFill>
-                <a:latin typeface="Verdana" panose="020B0604030504040204" pitchFamily="34" charset="0"/>
-              </a:defRPr>
-            </a:lvl8pPr>
-            <a:lvl9pPr marL="3886200" indent="-228600" eaLnBrk="0" fontAlgn="base" hangingPunct="0">
-              <a:spcBef>
-                <a:spcPct val="0"/>
-              </a:spcBef>
-              <a:spcAft>
-                <a:spcPct val="0"/>
-              </a:spcAft>
-              <a:defRPr b="1">
-                <a:solidFill>
-                  <a:schemeClr val="tx1"/>
-                </a:solidFill>
-                <a:latin typeface="Verdana" panose="020B0604030504040204" pitchFamily="34" charset="0"/>
-              </a:defRPr>
-            </a:lvl9pPr>
-          </a:lstStyle>
-          <a:p>
-            <a:pPr algn="ctr"/>
-            <a:r>
-              <a:rPr lang="en-US" altLang="en-US">
-                <a:solidFill>
-                  <a:srgbClr val="000000"/>
-                </a:solidFill>
-              </a:rPr>
-              <a:t>Questions? Comments?</a:t>
-            </a:r>
-          </a:p>
-          <a:p>
-            <a:pPr algn="ctr"/>
-            <a:r>
-              <a:rPr lang="en-US" altLang="en-US">
-                <a:solidFill>
-                  <a:srgbClr val="000000"/>
-                </a:solidFill>
-              </a:rPr>
-              <a:t>Dan’s e-mail: </a:t>
-            </a:r>
-            <a:r>
-              <a:rPr lang="en-US" altLang="en-US">
-                <a:solidFill>
-                  <a:srgbClr val="000000"/>
-                </a:solidFill>
-                <a:hlinkClick r:id="rId2"/>
-              </a:rPr>
-              <a:t>danc@onlc.com</a:t>
-            </a:r>
-            <a:endParaRPr lang="en-US" altLang="en-US">
-              <a:solidFill>
-                <a:srgbClr val="000000"/>
-              </a:solidFill>
-            </a:endParaRPr>
-          </a:p>
-          <a:p>
-            <a:pPr algn="ctr"/>
-            <a:r>
-              <a:rPr lang="en-US" altLang="en-US">
-                <a:solidFill>
-                  <a:srgbClr val="000000"/>
-                </a:solidFill>
-              </a:rPr>
-              <a:t>Dan’s cell #: (413) 455-0856</a:t>
-            </a:r>
-          </a:p>
-        </p:txBody>
-      </p:sp>
-      <p:pic>
-        <p:nvPicPr>
-          <p:cNvPr id="6" name="Picture 7" descr="MCj04315630000[1]"/>
-          <p:cNvPicPr>
-            <a:picLocks noChangeAspect="1" noChangeArrowheads="1"/>
-          </p:cNvPicPr>
-          <p:nvPr/>
-        </p:nvPicPr>
-        <p:blipFill>
-          <a:blip r:embed="rId3">
-            <a:extLst>
-              <a:ext uri="{28A0092B-C50C-407E-A947-70E740481C1C}">
-                <a14:useLocalDpi xmlns:a14="http://schemas.microsoft.com/office/drawing/2010/main" val="0"/>
-              </a:ext>
-            </a:extLst>
-          </a:blip>
-          <a:srcRect/>
-          <a:stretch>
-            <a:fillRect/>
-          </a:stretch>
-        </p:blipFill>
-        <p:spPr bwMode="auto">
-          <a:xfrm>
-            <a:off x="9178925" y="1787525"/>
-            <a:ext cx="2697163" cy="2714625"/>
-          </a:xfrm>
-          <a:prstGeom prst="rect">
-            <a:avLst/>
-          </a:prstGeom>
-          <a:noFill/>
-          <a:ln>
-            <a:noFill/>
-          </a:ln>
-          <a:extLst>
-            <a:ext uri="{909E8E84-426E-40DD-AFC4-6F175D3DCCD1}">
-              <a14:hiddenFill xmlns:a14="http://schemas.microsoft.com/office/drawing/2010/main">
-                <a:solidFill>
-                  <a:srgbClr val="FFFFFF"/>
-                </a:solidFill>
-              </a14:hiddenFill>
-            </a:ext>
-            <a:ext uri="{91240B29-F687-4F45-9708-019B960494DF}">
-              <a14:hiddenLine xmlns:a14="http://schemas.microsoft.com/office/drawing/2010/main" w="9525">
-                <a:solidFill>
-                  <a:srgbClr val="000000"/>
-                </a:solidFill>
-                <a:miter lim="800000"/>
-                <a:headEnd/>
-                <a:tailEnd/>
-              </a14:hiddenLine>
-            </a:ext>
-          </a:extLst>
-        </p:spPr>
-      </p:pic>
-    </p:spTree>
-    <p:extLst>
-      <p:ext uri="{BB962C8B-B14F-4D97-AF65-F5344CB8AC3E}">
-        <p14:creationId xmlns:p14="http://schemas.microsoft.com/office/powerpoint/2010/main" val="2418684068"/>
-      </p:ext>
-    </p:extLst>
-  </p:cSld>
-  <p:clrMapOvr>
-    <a:masterClrMapping/>
-  </p:clrMapOvr>
-  <p:timing>
-    <p:tnLst>
-      <p:par>
-        <p:cTn id="1" dur="indefinite" restart="never" nodeType="tmRoot"/>
-      </p:par>
-    </p:tnLst>
-  </p:timing>
-</p:sld>
-</file>
-
-<file path=ppt/slides/slide22.xml><?xml version="1.0" encoding="utf-8"?>
-<p:sld xmlns:a="http://schemas.openxmlformats.org/drawingml/2006/main" xmlns:r="http://schemas.openxmlformats.org/officeDocument/2006/relationships" xmlns:p="http://schemas.openxmlformats.org/presentationml/2006/main">
-  <p:cSld>
-    <p:spTree>
-      <p:nvGrpSpPr>
-        <p:cNvPr id="1" name=""/>
-        <p:cNvGrpSpPr/>
-        <p:nvPr/>
-      </p:nvGrpSpPr>
-      <p:grpSpPr>
-        <a:xfrm>
-          <a:off x="0" y="0"/>
-          <a:ext cx="0" cy="0"/>
-          <a:chOff x="0" y="0"/>
-          <a:chExt cx="0" cy="0"/>
-        </a:xfrm>
-      </p:grpSpPr>
-      <p:sp>
-        <p:nvSpPr>
-          <p:cNvPr id="2" name="Title 1">
-            <a:extLst>
-              <a:ext uri="{FF2B5EF4-FFF2-40B4-BE49-F238E27FC236}">
-                <a16:creationId xmlns:a16="http://schemas.microsoft.com/office/drawing/2014/main" id="{6203CC76-BC99-EC49-B9A1-EF6138898A8D}"/>
-              </a:ext>
-            </a:extLst>
-          </p:cNvPr>
-          <p:cNvSpPr>
-            <a:spLocks noGrp="1"/>
-          </p:cNvSpPr>
-          <p:nvPr>
-            <p:ph type="title"/>
-          </p:nvPr>
-        </p:nvSpPr>
-        <p:spPr/>
-        <p:txBody>
-          <a:bodyPr/>
-          <a:lstStyle/>
-          <a:p>
-            <a:r>
-              <a:rPr lang="en-US" dirty="0"/>
-              <a:t>Module 2: Getting Data Into Splunk</a:t>
-            </a:r>
-          </a:p>
-        </p:txBody>
-      </p:sp>
     </p:spTree>
     <p:extLst>
       <p:ext uri="{BB962C8B-B14F-4D97-AF65-F5344CB8AC3E}">
@@ -7103,7 +6383,7 @@
 </p:sld>
 </file>
 
-<file path=ppt/slides/slide23.xml><?xml version="1.0" encoding="utf-8"?>
+<file path=ppt/slides/slide22.xml><?xml version="1.0" encoding="utf-8"?>
 <p:sld xmlns:a="http://schemas.openxmlformats.org/drawingml/2006/main" xmlns:r="http://schemas.openxmlformats.org/officeDocument/2006/relationships" xmlns:p="http://schemas.openxmlformats.org/presentationml/2006/main">
   <p:cSld>
     <p:spTree>
@@ -7219,7 +6499,7 @@
 </p:sld>
 </file>
 
-<file path=ppt/slides/slide24.xml><?xml version="1.0" encoding="utf-8"?>
+<file path=ppt/slides/slide23.xml><?xml version="1.0" encoding="utf-8"?>
 <p:sld xmlns:a="http://schemas.openxmlformats.org/drawingml/2006/main" xmlns:r="http://schemas.openxmlformats.org/officeDocument/2006/relationships" xmlns:p="http://schemas.openxmlformats.org/presentationml/2006/main">
   <p:cSld>
     <p:spTree>
@@ -7366,7 +6646,7 @@
 </p:sld>
 </file>
 
-<file path=ppt/slides/slide25.xml><?xml version="1.0" encoding="utf-8"?>
+<file path=ppt/slides/slide24.xml><?xml version="1.0" encoding="utf-8"?>
 <p:sld xmlns:a="http://schemas.openxmlformats.org/drawingml/2006/main" xmlns:r="http://schemas.openxmlformats.org/officeDocument/2006/relationships" xmlns:p="http://schemas.openxmlformats.org/presentationml/2006/main">
   <p:cSld>
     <p:spTree>
@@ -7547,7 +6827,7 @@
 </p:sld>
 </file>
 
-<file path=ppt/slides/slide26.xml><?xml version="1.0" encoding="utf-8"?>
+<file path=ppt/slides/slide25.xml><?xml version="1.0" encoding="utf-8"?>
 <p:sld xmlns:a="http://schemas.openxmlformats.org/drawingml/2006/main" xmlns:r="http://schemas.openxmlformats.org/officeDocument/2006/relationships" xmlns:p="http://schemas.openxmlformats.org/presentationml/2006/main">
   <p:cSld>
     <p:spTree>
@@ -7667,7 +6947,7 @@
 </p:sld>
 </file>
 
-<file path=ppt/slides/slide27.xml><?xml version="1.0" encoding="utf-8"?>
+<file path=ppt/slides/slide26.xml><?xml version="1.0" encoding="utf-8"?>
 <p:sld xmlns:a="http://schemas.openxmlformats.org/drawingml/2006/main" xmlns:r="http://schemas.openxmlformats.org/officeDocument/2006/relationships" xmlns:p="http://schemas.openxmlformats.org/presentationml/2006/main">
   <p:cSld>
     <p:spTree>
@@ -7813,7 +7093,7 @@
 </p:sld>
 </file>
 
-<file path=ppt/slides/slide28.xml><?xml version="1.0" encoding="utf-8"?>
+<file path=ppt/slides/slide27.xml><?xml version="1.0" encoding="utf-8"?>
 <p:sld xmlns:a="http://schemas.openxmlformats.org/drawingml/2006/main" xmlns:r="http://schemas.openxmlformats.org/officeDocument/2006/relationships" xmlns:p="http://schemas.openxmlformats.org/presentationml/2006/main">
   <p:cSld>
     <p:spTree>
@@ -7930,7 +7210,7 @@
 </p:sld>
 </file>
 
-<file path=ppt/slides/slide29.xml><?xml version="1.0" encoding="utf-8"?>
+<file path=ppt/slides/slide28.xml><?xml version="1.0" encoding="utf-8"?>
 <p:sld xmlns:a="http://schemas.openxmlformats.org/drawingml/2006/main" xmlns:r="http://schemas.openxmlformats.org/officeDocument/2006/relationships" xmlns:p="http://schemas.openxmlformats.org/presentationml/2006/main">
   <p:cSld>
     <p:spTree>
@@ -8085,132 +7365,7 @@
 </p:sld>
 </file>
 
-<file path=ppt/slides/slide3.xml><?xml version="1.0" encoding="utf-8"?>
-<p:sld xmlns:a="http://schemas.openxmlformats.org/drawingml/2006/main" xmlns:r="http://schemas.openxmlformats.org/officeDocument/2006/relationships" xmlns:p="http://schemas.openxmlformats.org/presentationml/2006/main">
-  <p:cSld>
-    <p:spTree>
-      <p:nvGrpSpPr>
-        <p:cNvPr id="1" name=""/>
-        <p:cNvGrpSpPr/>
-        <p:nvPr/>
-      </p:nvGrpSpPr>
-      <p:grpSpPr>
-        <a:xfrm>
-          <a:off x="0" y="0"/>
-          <a:ext cx="0" cy="0"/>
-          <a:chOff x="0" y="0"/>
-          <a:chExt cx="0" cy="0"/>
-        </a:xfrm>
-      </p:grpSpPr>
-      <p:sp>
-        <p:nvSpPr>
-          <p:cNvPr id="2" name="Title 1"/>
-          <p:cNvSpPr>
-            <a:spLocks noGrp="1"/>
-          </p:cNvSpPr>
-          <p:nvPr>
-            <p:ph type="title"/>
-          </p:nvPr>
-        </p:nvSpPr>
-        <p:spPr>
-          <a:xfrm>
-            <a:off x="1133707" y="0"/>
-            <a:ext cx="9077093" cy="740664"/>
-          </a:xfrm>
-        </p:spPr>
-        <p:txBody>
-          <a:bodyPr/>
-          <a:lstStyle/>
-          <a:p>
-            <a:r>
-              <a:rPr lang="en-US"/>
-              <a:t>Student </a:t>
-            </a:r>
-            <a:r>
-              <a:rPr lang="en-US" dirty="0"/>
-              <a:t>introductions</a:t>
-            </a:r>
-          </a:p>
-        </p:txBody>
-      </p:sp>
-      <p:sp>
-        <p:nvSpPr>
-          <p:cNvPr id="3" name="Text Placeholder 2"/>
-          <p:cNvSpPr>
-            <a:spLocks noGrp="1"/>
-          </p:cNvSpPr>
-          <p:nvPr>
-            <p:ph type="body" sz="quarter" idx="13"/>
-          </p:nvPr>
-        </p:nvSpPr>
-        <p:spPr>
-          <a:xfrm>
-            <a:off x="1133707" y="1081668"/>
-            <a:ext cx="10972800" cy="5776332"/>
-          </a:xfrm>
-        </p:spPr>
-        <p:txBody>
-          <a:bodyPr/>
-          <a:lstStyle/>
-          <a:p>
-            <a:r>
-              <a:rPr lang="en-US" sz="2400" dirty="0"/>
-              <a:t>Your name</a:t>
-            </a:r>
-          </a:p>
-          <a:p>
-            <a:r>
-              <a:rPr lang="en-US" sz="2400" dirty="0"/>
-              <a:t>Company affiliation</a:t>
-            </a:r>
-          </a:p>
-          <a:p>
-            <a:r>
-              <a:rPr lang="en-US" sz="2400" dirty="0"/>
-              <a:t>Title/function</a:t>
-            </a:r>
-          </a:p>
-          <a:p>
-            <a:r>
-              <a:rPr lang="en-US" sz="2400" dirty="0"/>
-              <a:t>Splunk experience</a:t>
-            </a:r>
-          </a:p>
-          <a:p>
-            <a:r>
-              <a:rPr lang="en-US" sz="2400" dirty="0"/>
-              <a:t>Your expectations for the course</a:t>
-            </a:r>
-          </a:p>
-          <a:p>
-            <a:endParaRPr lang="en-CA" sz="2400" dirty="0"/>
-          </a:p>
-          <a:p>
-            <a:endParaRPr lang="en-US" sz="2400" dirty="0"/>
-          </a:p>
-        </p:txBody>
-      </p:sp>
-    </p:spTree>
-    <p:extLst>
-      <p:ext uri="{BB962C8B-B14F-4D97-AF65-F5344CB8AC3E}">
-        <p14:creationId xmlns:p14="http://schemas.microsoft.com/office/powerpoint/2010/main" val="1236649840"/>
-      </p:ext>
-    </p:extLst>
-  </p:cSld>
-  <p:clrMapOvr>
-    <a:masterClrMapping/>
-  </p:clrMapOvr>
-  <p:timing>
-    <p:tnLst>
-      <p:par>
-        <p:cTn id="1" dur="indefinite" restart="never" nodeType="tmRoot"/>
-      </p:par>
-    </p:tnLst>
-  </p:timing>
-</p:sld>
-</file>
-
-<file path=ppt/slides/slide30.xml><?xml version="1.0" encoding="utf-8"?>
+<file path=ppt/slides/slide29.xml><?xml version="1.0" encoding="utf-8"?>
 <p:sld xmlns:a="http://schemas.openxmlformats.org/drawingml/2006/main" xmlns:r="http://schemas.openxmlformats.org/officeDocument/2006/relationships" xmlns:p="http://schemas.openxmlformats.org/presentationml/2006/main">
   <p:cSld>
     <p:spTree>
@@ -8389,7 +7544,132 @@
 </p:sld>
 </file>
 
-<file path=ppt/slides/slide31.xml><?xml version="1.0" encoding="utf-8"?>
+<file path=ppt/slides/slide3.xml><?xml version="1.0" encoding="utf-8"?>
+<p:sld xmlns:a="http://schemas.openxmlformats.org/drawingml/2006/main" xmlns:r="http://schemas.openxmlformats.org/officeDocument/2006/relationships" xmlns:p="http://schemas.openxmlformats.org/presentationml/2006/main">
+  <p:cSld>
+    <p:spTree>
+      <p:nvGrpSpPr>
+        <p:cNvPr id="1" name=""/>
+        <p:cNvGrpSpPr/>
+        <p:nvPr/>
+      </p:nvGrpSpPr>
+      <p:grpSpPr>
+        <a:xfrm>
+          <a:off x="0" y="0"/>
+          <a:ext cx="0" cy="0"/>
+          <a:chOff x="0" y="0"/>
+          <a:chExt cx="0" cy="0"/>
+        </a:xfrm>
+      </p:grpSpPr>
+      <p:sp>
+        <p:nvSpPr>
+          <p:cNvPr id="2" name="Title 1"/>
+          <p:cNvSpPr>
+            <a:spLocks noGrp="1"/>
+          </p:cNvSpPr>
+          <p:nvPr>
+            <p:ph type="title"/>
+          </p:nvPr>
+        </p:nvSpPr>
+        <p:spPr>
+          <a:xfrm>
+            <a:off x="1133707" y="0"/>
+            <a:ext cx="9077093" cy="740664"/>
+          </a:xfrm>
+        </p:spPr>
+        <p:txBody>
+          <a:bodyPr/>
+          <a:lstStyle/>
+          <a:p>
+            <a:r>
+              <a:rPr lang="en-US"/>
+              <a:t>Student </a:t>
+            </a:r>
+            <a:r>
+              <a:rPr lang="en-US" dirty="0"/>
+              <a:t>introductions</a:t>
+            </a:r>
+          </a:p>
+        </p:txBody>
+      </p:sp>
+      <p:sp>
+        <p:nvSpPr>
+          <p:cNvPr id="3" name="Text Placeholder 2"/>
+          <p:cNvSpPr>
+            <a:spLocks noGrp="1"/>
+          </p:cNvSpPr>
+          <p:nvPr>
+            <p:ph type="body" sz="quarter" idx="13"/>
+          </p:nvPr>
+        </p:nvSpPr>
+        <p:spPr>
+          <a:xfrm>
+            <a:off x="1133707" y="1081668"/>
+            <a:ext cx="10972800" cy="5776332"/>
+          </a:xfrm>
+        </p:spPr>
+        <p:txBody>
+          <a:bodyPr/>
+          <a:lstStyle/>
+          <a:p>
+            <a:r>
+              <a:rPr lang="en-US" sz="2400" dirty="0"/>
+              <a:t>Your name</a:t>
+            </a:r>
+          </a:p>
+          <a:p>
+            <a:r>
+              <a:rPr lang="en-US" sz="2400" dirty="0"/>
+              <a:t>Company affiliation</a:t>
+            </a:r>
+          </a:p>
+          <a:p>
+            <a:r>
+              <a:rPr lang="en-US" sz="2400" dirty="0"/>
+              <a:t>Title/function</a:t>
+            </a:r>
+          </a:p>
+          <a:p>
+            <a:r>
+              <a:rPr lang="en-US" sz="2400" dirty="0"/>
+              <a:t>Splunk experience</a:t>
+            </a:r>
+          </a:p>
+          <a:p>
+            <a:r>
+              <a:rPr lang="en-US" sz="2400" dirty="0"/>
+              <a:t>Your expectations for the course</a:t>
+            </a:r>
+          </a:p>
+          <a:p>
+            <a:endParaRPr lang="en-CA" sz="2400" dirty="0"/>
+          </a:p>
+          <a:p>
+            <a:endParaRPr lang="en-US" sz="2400" dirty="0"/>
+          </a:p>
+        </p:txBody>
+      </p:sp>
+    </p:spTree>
+    <p:extLst>
+      <p:ext uri="{BB962C8B-B14F-4D97-AF65-F5344CB8AC3E}">
+        <p14:creationId xmlns:p14="http://schemas.microsoft.com/office/powerpoint/2010/main" val="1236649840"/>
+      </p:ext>
+    </p:extLst>
+  </p:cSld>
+  <p:clrMapOvr>
+    <a:masterClrMapping/>
+  </p:clrMapOvr>
+  <p:timing>
+    <p:tnLst>
+      <p:par>
+        <p:cTn id="1" dur="indefinite" restart="never" nodeType="tmRoot"/>
+      </p:par>
+    </p:tnLst>
+  </p:timing>
+</p:sld>
+</file>
+
+<file path=ppt/slides/slide30.xml><?xml version="1.0" encoding="utf-8"?>
 <p:sld xmlns:a="http://schemas.openxmlformats.org/drawingml/2006/main" xmlns:r="http://schemas.openxmlformats.org/officeDocument/2006/relationships" xmlns:p="http://schemas.openxmlformats.org/presentationml/2006/main">
   <p:cSld>
     <p:spTree>
@@ -8527,6 +7807,115 @@
 </p:sld>
 </file>
 
+<file path=ppt/slides/slide31.xml><?xml version="1.0" encoding="utf-8"?>
+<p:sld xmlns:a="http://schemas.openxmlformats.org/drawingml/2006/main" xmlns:r="http://schemas.openxmlformats.org/officeDocument/2006/relationships" xmlns:p="http://schemas.openxmlformats.org/presentationml/2006/main">
+  <p:cSld>
+    <p:spTree>
+      <p:nvGrpSpPr>
+        <p:cNvPr id="1" name=""/>
+        <p:cNvGrpSpPr/>
+        <p:nvPr/>
+      </p:nvGrpSpPr>
+      <p:grpSpPr>
+        <a:xfrm>
+          <a:off x="0" y="0"/>
+          <a:ext cx="0" cy="0"/>
+          <a:chOff x="0" y="0"/>
+          <a:chExt cx="0" cy="0"/>
+        </a:xfrm>
+      </p:grpSpPr>
+      <p:sp>
+        <p:nvSpPr>
+          <p:cNvPr id="2" name="Title 1">
+            <a:extLst>
+              <a:ext uri="{FF2B5EF4-FFF2-40B4-BE49-F238E27FC236}">
+                <a16:creationId xmlns:a16="http://schemas.microsoft.com/office/drawing/2014/main" id="{1E598CE7-EFD2-4141-A0DD-29E94DC23C00}"/>
+              </a:ext>
+            </a:extLst>
+          </p:cNvPr>
+          <p:cNvSpPr>
+            <a:spLocks noGrp="1"/>
+          </p:cNvSpPr>
+          <p:nvPr>
+            <p:ph type="title"/>
+          </p:nvPr>
+        </p:nvSpPr>
+        <p:spPr/>
+        <p:txBody>
+          <a:bodyPr/>
+          <a:lstStyle/>
+          <a:p>
+            <a:r>
+              <a:rPr lang="en-US"/>
+              <a:t>Configuring a Universal Forwarder</a:t>
+            </a:r>
+            <a:endParaRPr lang="en-US" dirty="0"/>
+          </a:p>
+        </p:txBody>
+      </p:sp>
+      <p:sp>
+        <p:nvSpPr>
+          <p:cNvPr id="3" name="Text Placeholder 2">
+            <a:extLst>
+              <a:ext uri="{FF2B5EF4-FFF2-40B4-BE49-F238E27FC236}">
+                <a16:creationId xmlns:a16="http://schemas.microsoft.com/office/drawing/2014/main" id="{3E38C169-4C3C-F140-8E75-9A6CB2BD5763}"/>
+              </a:ext>
+            </a:extLst>
+          </p:cNvPr>
+          <p:cNvSpPr>
+            <a:spLocks noGrp="1"/>
+          </p:cNvSpPr>
+          <p:nvPr>
+            <p:ph type="body" sz="quarter" idx="10"/>
+          </p:nvPr>
+        </p:nvSpPr>
+        <p:spPr/>
+        <p:txBody>
+          <a:bodyPr/>
+          <a:lstStyle/>
+          <a:p>
+            <a:r>
+              <a:rPr lang="en-US" dirty="0"/>
+              <a:t>The Splunk Universal Forwarder can be installed on remote machines to forward their data to one or more indexers</a:t>
+            </a:r>
+          </a:p>
+          <a:p>
+            <a:r>
+              <a:rPr lang="en-US" dirty="0">
+                <a:hlinkClick r:id="rId2"/>
+              </a:rPr>
+              <a:t>https://www.splunk.com/en_us/resources/videos/splunk-education-getting-data-in-with-forwarders.html</a:t>
+            </a:r>
+            <a:endParaRPr lang="en-US" dirty="0"/>
+          </a:p>
+          <a:p>
+            <a:endParaRPr lang="en-US" dirty="0"/>
+          </a:p>
+          <a:p>
+            <a:endParaRPr lang="en-US" dirty="0"/>
+          </a:p>
+        </p:txBody>
+      </p:sp>
+    </p:spTree>
+    <p:extLst>
+      <p:ext uri="{BB962C8B-B14F-4D97-AF65-F5344CB8AC3E}">
+        <p14:creationId xmlns:p14="http://schemas.microsoft.com/office/powerpoint/2010/main" val="2847149910"/>
+      </p:ext>
+    </p:extLst>
+  </p:cSld>
+  <p:clrMapOvr>
+    <a:masterClrMapping/>
+  </p:clrMapOvr>
+  <p:timing>
+    <p:tnLst>
+      <p:par>
+        <p:cTn id="1" dur="indefinite" restart="never" nodeType="tmRoot"/>
+      </p:par>
+    </p:tnLst>
+  </p:timing>
+</p:sld>
+</file>
+
 <file path=ppt/slides/slide32.xml><?xml version="1.0" encoding="utf-8"?>
 <p:sld xmlns:a="http://schemas.openxmlformats.org/drawingml/2006/main" xmlns:r="http://schemas.openxmlformats.org/officeDocument/2006/relationships" xmlns:p="http://schemas.openxmlformats.org/presentationml/2006/main">
   <p:cSld>
@@ -8546,13 +7935,7 @@
       </p:grpSpPr>
       <p:sp>
         <p:nvSpPr>
-          <p:cNvPr id="2" name="Title 1">
-            <a:extLst>
-              <a:ext uri="{FF2B5EF4-FFF2-40B4-BE49-F238E27FC236}">
-                <a16:creationId xmlns:a16="http://schemas.microsoft.com/office/drawing/2014/main" id="{1E598CE7-EFD2-4141-A0DD-29E94DC23C00}"/>
-              </a:ext>
-            </a:extLst>
-          </p:cNvPr>
+          <p:cNvPr id="2" name="Title 1"/>
           <p:cNvSpPr>
             <a:spLocks noGrp="1"/>
           </p:cNvSpPr>
@@ -8566,22 +7949,15 @@
           <a:lstStyle/>
           <a:p>
             <a:r>
-              <a:rPr lang="en-US"/>
-              <a:t>Configuring a Universal Forwarder</a:t>
-            </a:r>
-            <a:endParaRPr lang="en-US" dirty="0"/>
-          </a:p>
-        </p:txBody>
-      </p:sp>
-      <p:sp>
-        <p:nvSpPr>
-          <p:cNvPr id="3" name="Text Placeholder 2">
-            <a:extLst>
-              <a:ext uri="{FF2B5EF4-FFF2-40B4-BE49-F238E27FC236}">
-                <a16:creationId xmlns:a16="http://schemas.microsoft.com/office/drawing/2014/main" id="{3E38C169-4C3C-F140-8E75-9A6CB2BD5763}"/>
-              </a:ext>
-            </a:extLst>
-          </p:cNvPr>
+              <a:rPr lang="en-US" dirty="0"/>
+              <a:t>Using the HTTP Event Collector (HEC)</a:t>
+            </a:r>
+          </a:p>
+        </p:txBody>
+      </p:sp>
+      <p:sp>
+        <p:nvSpPr>
+          <p:cNvPr id="3" name="Text Placeholder 2"/>
           <p:cNvSpPr>
             <a:spLocks noGrp="1"/>
           </p:cNvSpPr>
@@ -8596,22 +7972,69 @@
           <a:p>
             <a:r>
               <a:rPr lang="en-US" dirty="0"/>
-              <a:t>The Splunk Universal Forwarder can be installed on remote machines to forward their data to one or more indexers</a:t>
-            </a:r>
-          </a:p>
-          <a:p>
+              <a:t>Creates an HTTP Endpoint</a:t>
+            </a:r>
+          </a:p>
+          <a:p>
+            <a:r>
+              <a:rPr lang="en-US" dirty="0" err="1"/>
+              <a:t>Settings</a:t>
+            </a:r>
+            <a:r>
+              <a:rPr lang="en-US" dirty="0" err="1">
+                <a:sym typeface="Wingdings" panose="05000000000000000000" pitchFamily="2" charset="2"/>
+              </a:rPr>
+              <a:t></a:t>
+            </a:r>
+            <a:r>
+              <a:rPr lang="en-US" dirty="0" err="1"/>
+              <a:t>Data</a:t>
+            </a:r>
+            <a:r>
+              <a:rPr lang="en-US" dirty="0"/>
+              <a:t> </a:t>
+            </a:r>
+            <a:r>
+              <a:rPr lang="en-US" dirty="0" err="1"/>
+              <a:t>inputs</a:t>
+            </a:r>
+            <a:r>
+              <a:rPr lang="en-US" dirty="0" err="1">
+                <a:sym typeface="Wingdings" panose="05000000000000000000" pitchFamily="2" charset="2"/>
+              </a:rPr>
+              <a:t>Http</a:t>
+            </a:r>
             <a:r>
               <a:rPr lang="en-US" dirty="0">
-                <a:hlinkClick r:id="rId2"/>
+                <a:sym typeface="Wingdings" panose="05000000000000000000" pitchFamily="2" charset="2"/>
               </a:rPr>
-              <a:t>https://www.splunk.com/en_us/resources/videos/splunk-education-getting-data-in-with-forwarders.html</a:t>
-            </a:r>
-            <a:endParaRPr lang="en-US" dirty="0"/>
-          </a:p>
-          <a:p>
-            <a:endParaRPr lang="en-US" dirty="0"/>
-          </a:p>
-          <a:p>
+              <a:t> Event Collector+ Add New</a:t>
+            </a:r>
+          </a:p>
+          <a:p>
+            <a:r>
+              <a:rPr lang="en-US" dirty="0">
+                <a:sym typeface="Wingdings" panose="05000000000000000000" pitchFamily="2" charset="2"/>
+              </a:rPr>
+              <a:t>Configure global settings</a:t>
+            </a:r>
+          </a:p>
+          <a:p>
+            <a:r>
+              <a:rPr lang="en-US" dirty="0">
+                <a:sym typeface="Wingdings" panose="05000000000000000000" pitchFamily="2" charset="2"/>
+              </a:rPr>
+              <a:t>Create a new token</a:t>
+            </a:r>
+          </a:p>
+          <a:p>
+            <a:pPr lvl="1"/>
+            <a:r>
+              <a:rPr lang="en-US" dirty="0">
+                <a:sym typeface="Wingdings" panose="05000000000000000000" pitchFamily="2" charset="2"/>
+              </a:rPr>
+              <a:t>The token identifies the calling application</a:t>
+            </a:r>
             <a:endParaRPr lang="en-US" dirty="0"/>
           </a:p>
         </p:txBody>
@@ -8619,7 +8042,7 @@
     </p:spTree>
     <p:extLst>
       <p:ext uri="{BB962C8B-B14F-4D97-AF65-F5344CB8AC3E}">
-        <p14:creationId xmlns:p14="http://schemas.microsoft.com/office/powerpoint/2010/main" val="2847149910"/>
+        <p14:creationId xmlns:p14="http://schemas.microsoft.com/office/powerpoint/2010/main" val="3971689393"/>
       </p:ext>
     </p:extLst>
   </p:cSld>
@@ -8670,7 +8093,7 @@
           <a:p>
             <a:r>
               <a:rPr lang="en-US" dirty="0"/>
-              <a:t>Using the HTTP Event Collector (HEC)</a:t>
+              <a:t>Getting data from databases using DB Connect</a:t>
             </a:r>
           </a:p>
         </p:txBody>
@@ -8691,78 +8114,39 @@
           <a:lstStyle/>
           <a:p>
             <a:r>
-              <a:rPr lang="en-US" dirty="0"/>
-              <a:t>Creates an HTTP Endpoint</a:t>
-            </a:r>
-          </a:p>
-          <a:p>
-            <a:r>
-              <a:rPr lang="en-US" dirty="0" err="1"/>
-              <a:t>Settings</a:t>
-            </a:r>
-            <a:r>
-              <a:rPr lang="en-US" dirty="0" err="1">
-                <a:sym typeface="Wingdings" panose="05000000000000000000" pitchFamily="2" charset="2"/>
+              <a:rPr lang="en-US" b="1" dirty="0"/>
+              <a:t>Splunk DB Connect</a:t>
+            </a:r>
+            <a:r>
+              <a:rPr lang="en-US" dirty="0"/>
+              <a:t> is available from the </a:t>
+            </a:r>
+            <a:r>
+              <a:rPr lang="en-US" dirty="0">
+                <a:hlinkClick r:id="rId2"/>
               </a:rPr>
-              <a:t></a:t>
-            </a:r>
-            <a:r>
-              <a:rPr lang="en-US" dirty="0" err="1"/>
-              <a:t>Data</a:t>
-            </a:r>
-            <a:r>
-              <a:rPr lang="en-US" dirty="0"/>
-              <a:t> </a:t>
-            </a:r>
-            <a:r>
-              <a:rPr lang="en-US" dirty="0" err="1"/>
-              <a:t>inputs</a:t>
-            </a:r>
-            <a:r>
-              <a:rPr lang="en-US" dirty="0" err="1">
-                <a:sym typeface="Wingdings" panose="05000000000000000000" pitchFamily="2" charset="2"/>
-              </a:rPr>
-              <a:t>Http</a:t>
-            </a:r>
-            <a:r>
-              <a:rPr lang="en-US" dirty="0">
-                <a:sym typeface="Wingdings" panose="05000000000000000000" pitchFamily="2" charset="2"/>
-              </a:rPr>
-              <a:t> Event Collector+ Add New</a:t>
-            </a:r>
-          </a:p>
-          <a:p>
-            <a:r>
-              <a:rPr lang="en-US" dirty="0">
-                <a:sym typeface="Wingdings" panose="05000000000000000000" pitchFamily="2" charset="2"/>
-              </a:rPr>
-              <a:t>Configure global settings</a:t>
-            </a:r>
-          </a:p>
-          <a:p>
-            <a:r>
-              <a:rPr lang="en-US" dirty="0">
-                <a:sym typeface="Wingdings" panose="05000000000000000000" pitchFamily="2" charset="2"/>
-              </a:rPr>
-              <a:t>Create a new token</a:t>
-            </a:r>
-          </a:p>
-          <a:p>
-            <a:pPr lvl="1"/>
-            <a:r>
-              <a:rPr lang="en-US" dirty="0">
-                <a:sym typeface="Wingdings" panose="05000000000000000000" pitchFamily="2" charset="2"/>
-              </a:rPr>
-              <a:t>The token identifies the calling application</a:t>
+              <a:t>Splunkbase</a:t>
             </a:r>
             <a:endParaRPr lang="en-US" dirty="0"/>
+          </a:p>
+          <a:p>
+            <a:r>
+              <a:rPr lang="en-US" dirty="0"/>
+              <a:t>Allows connection to popular RDBMSs via JDBC drivers</a:t>
+            </a:r>
+          </a:p>
+          <a:p>
+            <a:r>
+              <a:rPr lang="en-US" dirty="0"/>
+              <a:t>Requires install of JRE, necessary drivers</a:t>
+            </a:r>
           </a:p>
         </p:txBody>
       </p:sp>
     </p:spTree>
     <p:extLst>
       <p:ext uri="{BB962C8B-B14F-4D97-AF65-F5344CB8AC3E}">
-        <p14:creationId xmlns:p14="http://schemas.microsoft.com/office/powerpoint/2010/main" val="3971689393"/>
+        <p14:creationId xmlns:p14="http://schemas.microsoft.com/office/powerpoint/2010/main" val="4035583883"/>
       </p:ext>
     </p:extLst>
   </p:cSld>
@@ -8798,7 +8182,13 @@
       </p:grpSpPr>
       <p:sp>
         <p:nvSpPr>
-          <p:cNvPr id="2" name="Title 1"/>
+          <p:cNvPr id="2" name="Title 1">
+            <a:extLst>
+              <a:ext uri="{FF2B5EF4-FFF2-40B4-BE49-F238E27FC236}">
+                <a16:creationId xmlns:a16="http://schemas.microsoft.com/office/drawing/2014/main" id="{86BAAFE6-03A8-4140-B16B-6AC57D3B97F0}"/>
+              </a:ext>
+            </a:extLst>
+          </p:cNvPr>
           <p:cNvSpPr>
             <a:spLocks noGrp="1"/>
           </p:cNvSpPr>
@@ -8813,14 +8203,20 @@
           <a:p>
             <a:r>
               <a:rPr lang="en-US" dirty="0"/>
-              <a:t>Getting data from databases using DB Connect</a:t>
-            </a:r>
-          </a:p>
-        </p:txBody>
-      </p:sp>
-      <p:sp>
-        <p:nvSpPr>
-          <p:cNvPr id="3" name="Text Placeholder 2"/>
+              <a:t>Adding Custom Field Extractions</a:t>
+            </a:r>
+          </a:p>
+        </p:txBody>
+      </p:sp>
+      <p:sp>
+        <p:nvSpPr>
+          <p:cNvPr id="3" name="Text Placeholder 2">
+            <a:extLst>
+              <a:ext uri="{FF2B5EF4-FFF2-40B4-BE49-F238E27FC236}">
+                <a16:creationId xmlns:a16="http://schemas.microsoft.com/office/drawing/2014/main" id="{356D3187-92C3-0443-9012-9F3A8F844FF4}"/>
+              </a:ext>
+            </a:extLst>
+          </p:cNvPr>
           <p:cNvSpPr>
             <a:spLocks noGrp="1"/>
           </p:cNvSpPr>
@@ -8834,31 +8230,50 @@
           <a:lstStyle/>
           <a:p>
             <a:r>
-              <a:rPr lang="en-US" b="1" dirty="0"/>
-              <a:t>Splunk DB Connect</a:t>
-            </a:r>
-            <a:r>
-              <a:rPr lang="en-US" dirty="0"/>
-              <a:t> is available from the </a:t>
-            </a:r>
-            <a:r>
-              <a:rPr lang="en-US" dirty="0">
-                <a:hlinkClick r:id="rId2"/>
-              </a:rPr>
-              <a:t>Splunkbase</a:t>
-            </a:r>
-            <a:endParaRPr lang="en-US" dirty="0"/>
-          </a:p>
-          <a:p>
-            <a:r>
-              <a:rPr lang="en-US" dirty="0"/>
-              <a:t>Allows connection to popular RDBMSs via JDBC drivers</a:t>
-            </a:r>
-          </a:p>
-          <a:p>
-            <a:r>
-              <a:rPr lang="en-US" dirty="0"/>
-              <a:t>Requires install of JRE, necessary drivers</a:t>
+              <a:rPr lang="en-US" dirty="0"/>
+              <a:t>Some fields pre-defined</a:t>
+            </a:r>
+          </a:p>
+          <a:p>
+            <a:pPr lvl="1"/>
+            <a:r>
+              <a:rPr lang="en-US" dirty="0"/>
+              <a:t>Built-in </a:t>
+            </a:r>
+            <a:r>
+              <a:rPr lang="en-US" dirty="0" err="1"/>
+              <a:t>sourcetypes</a:t>
+            </a:r>
+            <a:r>
+              <a:rPr lang="en-US" dirty="0"/>
+              <a:t>, e.g. timestamp, hostname</a:t>
+            </a:r>
+          </a:p>
+          <a:p>
+            <a:pPr lvl="1"/>
+            <a:r>
+              <a:rPr lang="en-US" dirty="0"/>
+              <a:t>Extraction of key-value pairs from JSON-formatted logs</a:t>
+            </a:r>
+          </a:p>
+          <a:p>
+            <a:r>
+              <a:rPr lang="en-US" dirty="0"/>
+              <a:t>Some must be user-defined</a:t>
+            </a:r>
+          </a:p>
+          <a:p>
+            <a:pPr lvl="1"/>
+            <a:r>
+              <a:rPr lang="en-US" dirty="0"/>
+              <a:t>Delimited</a:t>
+            </a:r>
+          </a:p>
+          <a:p>
+            <a:pPr lvl="1"/>
+            <a:r>
+              <a:rPr lang="en-US" dirty="0"/>
+              <a:t>Regex</a:t>
             </a:r>
           </a:p>
         </p:txBody>
@@ -8866,7 +8281,7 @@
     </p:spTree>
     <p:extLst>
       <p:ext uri="{BB962C8B-B14F-4D97-AF65-F5344CB8AC3E}">
-        <p14:creationId xmlns:p14="http://schemas.microsoft.com/office/powerpoint/2010/main" val="4035583883"/>
+        <p14:creationId xmlns:p14="http://schemas.microsoft.com/office/powerpoint/2010/main" val="2381762080"/>
       </p:ext>
     </p:extLst>
   </p:cSld>
@@ -8905,141 +8320,6 @@
           <p:cNvPr id="2" name="Title 1">
             <a:extLst>
               <a:ext uri="{FF2B5EF4-FFF2-40B4-BE49-F238E27FC236}">
-                <a16:creationId xmlns:a16="http://schemas.microsoft.com/office/drawing/2014/main" id="{86BAAFE6-03A8-4140-B16B-6AC57D3B97F0}"/>
-              </a:ext>
-            </a:extLst>
-          </p:cNvPr>
-          <p:cNvSpPr>
-            <a:spLocks noGrp="1"/>
-          </p:cNvSpPr>
-          <p:nvPr>
-            <p:ph type="title"/>
-          </p:nvPr>
-        </p:nvSpPr>
-        <p:spPr/>
-        <p:txBody>
-          <a:bodyPr/>
-          <a:lstStyle/>
-          <a:p>
-            <a:r>
-              <a:rPr lang="en-US" dirty="0"/>
-              <a:t>Adding Custom Field Extractions</a:t>
-            </a:r>
-          </a:p>
-        </p:txBody>
-      </p:sp>
-      <p:sp>
-        <p:nvSpPr>
-          <p:cNvPr id="3" name="Text Placeholder 2">
-            <a:extLst>
-              <a:ext uri="{FF2B5EF4-FFF2-40B4-BE49-F238E27FC236}">
-                <a16:creationId xmlns:a16="http://schemas.microsoft.com/office/drawing/2014/main" id="{356D3187-92C3-0443-9012-9F3A8F844FF4}"/>
-              </a:ext>
-            </a:extLst>
-          </p:cNvPr>
-          <p:cNvSpPr>
-            <a:spLocks noGrp="1"/>
-          </p:cNvSpPr>
-          <p:nvPr>
-            <p:ph type="body" sz="quarter" idx="10"/>
-          </p:nvPr>
-        </p:nvSpPr>
-        <p:spPr/>
-        <p:txBody>
-          <a:bodyPr/>
-          <a:lstStyle/>
-          <a:p>
-            <a:r>
-              <a:rPr lang="en-US" dirty="0"/>
-              <a:t>Some fields pre-defined</a:t>
-            </a:r>
-          </a:p>
-          <a:p>
-            <a:pPr lvl="1"/>
-            <a:r>
-              <a:rPr lang="en-US" dirty="0"/>
-              <a:t>Built-in </a:t>
-            </a:r>
-            <a:r>
-              <a:rPr lang="en-US" dirty="0" err="1"/>
-              <a:t>sourcetypes</a:t>
-            </a:r>
-            <a:r>
-              <a:rPr lang="en-US" dirty="0"/>
-              <a:t>, e.g. timestamp, hostname</a:t>
-            </a:r>
-          </a:p>
-          <a:p>
-            <a:pPr lvl="1"/>
-            <a:r>
-              <a:rPr lang="en-US" dirty="0"/>
-              <a:t>Extraction of key-value pairs from JSON-formatted logs</a:t>
-            </a:r>
-          </a:p>
-          <a:p>
-            <a:r>
-              <a:rPr lang="en-US" dirty="0"/>
-              <a:t>Some must be user-defined</a:t>
-            </a:r>
-          </a:p>
-          <a:p>
-            <a:pPr lvl="1"/>
-            <a:r>
-              <a:rPr lang="en-US" dirty="0"/>
-              <a:t>Delimited</a:t>
-            </a:r>
-          </a:p>
-          <a:p>
-            <a:pPr lvl="1"/>
-            <a:r>
-              <a:rPr lang="en-US" dirty="0"/>
-              <a:t>Regex</a:t>
-            </a:r>
-          </a:p>
-        </p:txBody>
-      </p:sp>
-    </p:spTree>
-    <p:extLst>
-      <p:ext uri="{BB962C8B-B14F-4D97-AF65-F5344CB8AC3E}">
-        <p14:creationId xmlns:p14="http://schemas.microsoft.com/office/powerpoint/2010/main" val="2381762080"/>
-      </p:ext>
-    </p:extLst>
-  </p:cSld>
-  <p:clrMapOvr>
-    <a:masterClrMapping/>
-  </p:clrMapOvr>
-  <p:timing>
-    <p:tnLst>
-      <p:par>
-        <p:cTn id="1" dur="indefinite" restart="never" nodeType="tmRoot"/>
-      </p:par>
-    </p:tnLst>
-  </p:timing>
-</p:sld>
-</file>
-
-<file path=ppt/slides/slide36.xml><?xml version="1.0" encoding="utf-8"?>
-<p:sld xmlns:a="http://schemas.openxmlformats.org/drawingml/2006/main" xmlns:r="http://schemas.openxmlformats.org/officeDocument/2006/relationships" xmlns:p="http://schemas.openxmlformats.org/presentationml/2006/main">
-  <p:cSld>
-    <p:spTree>
-      <p:nvGrpSpPr>
-        <p:cNvPr id="1" name=""/>
-        <p:cNvGrpSpPr/>
-        <p:nvPr/>
-      </p:nvGrpSpPr>
-      <p:grpSpPr>
-        <a:xfrm>
-          <a:off x="0" y="0"/>
-          <a:ext cx="0" cy="0"/>
-          <a:chOff x="0" y="0"/>
-          <a:chExt cx="0" cy="0"/>
-        </a:xfrm>
-      </p:grpSpPr>
-      <p:sp>
-        <p:nvSpPr>
-          <p:cNvPr id="2" name="Title 1">
-            <a:extLst>
-              <a:ext uri="{FF2B5EF4-FFF2-40B4-BE49-F238E27FC236}">
                 <a16:creationId xmlns:a16="http://schemas.microsoft.com/office/drawing/2014/main" id="{3D0AAE91-6F6D-6941-8097-844FBC111D5A}"/>
               </a:ext>
             </a:extLst>
@@ -9305,7 +8585,7 @@
 </p:sld>
 </file>
 
-<file path=ppt/slides/slide37.xml><?xml version="1.0" encoding="utf-8"?>
+<file path=ppt/slides/slide36.xml><?xml version="1.0" encoding="utf-8"?>
 <p:sld xmlns:a="http://schemas.openxmlformats.org/drawingml/2006/main" xmlns:r="http://schemas.openxmlformats.org/officeDocument/2006/relationships" xmlns:p="http://schemas.openxmlformats.org/presentationml/2006/main">
   <p:cSld>
     <p:spTree>
@@ -9426,7 +8706,7 @@
 </p:sld>
 </file>
 
-<file path=ppt/slides/slide38.xml><?xml version="1.0" encoding="utf-8"?>
+<file path=ppt/slides/slide37.xml><?xml version="1.0" encoding="utf-8"?>
 <p:sld xmlns:a="http://schemas.openxmlformats.org/drawingml/2006/main" xmlns:r="http://schemas.openxmlformats.org/officeDocument/2006/relationships" xmlns:p="http://schemas.openxmlformats.org/presentationml/2006/main">
   <p:cSld>
     <p:spTree>
@@ -9583,6 +8863,116 @@
 </p:sld>
 </file>
 
+<file path=ppt/slides/slide38.xml><?xml version="1.0" encoding="utf-8"?>
+<p:sld xmlns:a="http://schemas.openxmlformats.org/drawingml/2006/main" xmlns:r="http://schemas.openxmlformats.org/officeDocument/2006/relationships" xmlns:p="http://schemas.openxmlformats.org/presentationml/2006/main">
+  <p:cSld>
+    <p:spTree>
+      <p:nvGrpSpPr>
+        <p:cNvPr id="1" name=""/>
+        <p:cNvGrpSpPr/>
+        <p:nvPr/>
+      </p:nvGrpSpPr>
+      <p:grpSpPr>
+        <a:xfrm>
+          <a:off x="0" y="0"/>
+          <a:ext cx="0" cy="0"/>
+          <a:chOff x="0" y="0"/>
+          <a:chExt cx="0" cy="0"/>
+        </a:xfrm>
+      </p:grpSpPr>
+      <p:sp>
+        <p:nvSpPr>
+          <p:cNvPr id="2" name="Title 1"/>
+          <p:cNvSpPr>
+            <a:spLocks noGrp="1"/>
+          </p:cNvSpPr>
+          <p:nvPr>
+            <p:ph type="title"/>
+          </p:nvPr>
+        </p:nvSpPr>
+        <p:spPr/>
+        <p:txBody>
+          <a:bodyPr/>
+          <a:lstStyle/>
+          <a:p>
+            <a:r>
+              <a:rPr lang="en-US" dirty="0"/>
+              <a:t>Adding meaning to data with tags</a:t>
+            </a:r>
+          </a:p>
+        </p:txBody>
+      </p:sp>
+      <p:sp>
+        <p:nvSpPr>
+          <p:cNvPr id="3" name="Text Placeholder 2"/>
+          <p:cNvSpPr>
+            <a:spLocks noGrp="1"/>
+          </p:cNvSpPr>
+          <p:nvPr>
+            <p:ph type="body" sz="quarter" idx="10"/>
+          </p:nvPr>
+        </p:nvSpPr>
+        <p:spPr/>
+        <p:txBody>
+          <a:bodyPr/>
+          <a:lstStyle/>
+          <a:p>
+            <a:r>
+              <a:rPr lang="en-US" dirty="0"/>
+              <a:t>Tags allow grouping of other criteria with a label</a:t>
+            </a:r>
+          </a:p>
+          <a:p>
+            <a:r>
+              <a:rPr lang="en-US" dirty="0"/>
+              <a:t>Assigned to </a:t>
+            </a:r>
+            <a:r>
+              <a:rPr lang="en-US" dirty="0">
+                <a:latin typeface="Courier"/>
+              </a:rPr>
+              <a:t>field=value</a:t>
+            </a:r>
+            <a:r>
+              <a:rPr lang="en-US" dirty="0"/>
+              <a:t> pairs</a:t>
+            </a:r>
+          </a:p>
+          <a:p>
+            <a:r>
+              <a:rPr lang="en-US" dirty="0"/>
+              <a:t>Create on </a:t>
+            </a:r>
+            <a:r>
+              <a:rPr lang="en-US" dirty="0">
+                <a:hlinkClick r:id="rId2"/>
+              </a:rPr>
+              <a:t>tags page</a:t>
+            </a:r>
+            <a:endParaRPr lang="en-US" dirty="0"/>
+          </a:p>
+        </p:txBody>
+      </p:sp>
+    </p:spTree>
+    <p:extLst>
+      <p:ext uri="{BB962C8B-B14F-4D97-AF65-F5344CB8AC3E}">
+        <p14:creationId xmlns:p14="http://schemas.microsoft.com/office/powerpoint/2010/main" val="1481287944"/>
+      </p:ext>
+    </p:extLst>
+  </p:cSld>
+  <p:clrMapOvr>
+    <a:masterClrMapping/>
+  </p:clrMapOvr>
+  <p:timing>
+    <p:tnLst>
+      <p:par>
+        <p:cTn id="1" dur="indefinite" restart="never" nodeType="tmRoot"/>
+      </p:par>
+    </p:tnLst>
+  </p:timing>
+</p:sld>
+</file>
+
 <file path=ppt/slides/slide39.xml><?xml version="1.0" encoding="utf-8"?>
 <p:sld xmlns:a="http://schemas.openxmlformats.org/drawingml/2006/main" xmlns:r="http://schemas.openxmlformats.org/officeDocument/2006/relationships" xmlns:p="http://schemas.openxmlformats.org/presentationml/2006/main">
   <p:cSld>
@@ -9617,7 +9007,7 @@
           <a:p>
             <a:r>
               <a:rPr lang="en-US" dirty="0"/>
-              <a:t>Adding meaning to data with tags</a:t>
+              <a:t>Sample Data for this class</a:t>
             </a:r>
           </a:p>
         </p:txBody>
@@ -9639,44 +9029,81 @@
           <a:p>
             <a:r>
               <a:rPr lang="en-US" dirty="0"/>
-              <a:t>Tags allow grouping of other criteria with a label</a:t>
-            </a:r>
-          </a:p>
-          <a:p>
-            <a:r>
-              <a:rPr lang="en-US" dirty="0"/>
-              <a:t>Assigned to </a:t>
-            </a:r>
+              <a:t>Meant to mimic N-tier e-commerce web application</a:t>
+            </a:r>
+          </a:p>
+          <a:p>
             <a:r>
               <a:rPr lang="en-US" dirty="0">
-                <a:latin typeface="Courier"/>
+                <a:hlinkClick r:id="rId2" action="ppaction://hlinkfile"/>
               </a:rPr>
-              <a:t>field=value</a:t>
-            </a:r>
-            <a:r>
-              <a:rPr lang="en-US" dirty="0"/>
-              <a:t> pairs</a:t>
-            </a:r>
-          </a:p>
-          <a:p>
-            <a:r>
-              <a:rPr lang="en-US" dirty="0"/>
-              <a:t>Create on </a:t>
-            </a:r>
-            <a:r>
-              <a:rPr lang="en-US" dirty="0">
-                <a:hlinkClick r:id="rId2"/>
-              </a:rPr>
-              <a:t>tags page</a:t>
+              <a:t>C:\Splunk\etc\apps\OpsDataGen\data</a:t>
             </a:r>
             <a:endParaRPr lang="en-US" dirty="0"/>
+          </a:p>
+          <a:p>
+            <a:pPr lvl="1"/>
+            <a:r>
+              <a:rPr lang="en-US" dirty="0" err="1"/>
+              <a:t>access_log</a:t>
+            </a:r>
+            <a:r>
+              <a:rPr lang="en-US" dirty="0"/>
+              <a:t>: web access log, </a:t>
+            </a:r>
+            <a:r>
+              <a:rPr lang="en-US" i="1" dirty="0" err="1"/>
+              <a:t>access_combined</a:t>
+            </a:r>
+            <a:r>
+              <a:rPr lang="en-US" dirty="0"/>
+              <a:t> source type</a:t>
+            </a:r>
+          </a:p>
+          <a:p>
+            <a:pPr lvl="1"/>
+            <a:r>
+              <a:rPr lang="en-US" dirty="0" err="1"/>
+              <a:t>app_log</a:t>
+            </a:r>
+            <a:r>
+              <a:rPr lang="en-US" dirty="0"/>
+              <a:t>: application log, </a:t>
+            </a:r>
+            <a:r>
+              <a:rPr lang="en-US" i="1" dirty="0"/>
+              <a:t>log4j</a:t>
+            </a:r>
+            <a:r>
+              <a:rPr lang="en-US" dirty="0"/>
+              <a:t> source type</a:t>
+            </a:r>
+          </a:p>
+          <a:p>
+            <a:pPr lvl="1"/>
+            <a:r>
+              <a:rPr lang="en-US" dirty="0" err="1"/>
+              <a:t>hvac_log</a:t>
+            </a:r>
+            <a:r>
+              <a:rPr lang="en-US" dirty="0"/>
+              <a:t>: csv sensor data, </a:t>
+            </a:r>
+            <a:r>
+              <a:rPr lang="en-US" i="1" dirty="0" err="1"/>
+              <a:t>metrics_csv</a:t>
+            </a:r>
+            <a:r>
+              <a:rPr lang="en-US" dirty="0"/>
+              <a:t> source type</a:t>
+            </a:r>
           </a:p>
         </p:txBody>
       </p:sp>
     </p:spTree>
     <p:extLst>
       <p:ext uri="{BB962C8B-B14F-4D97-AF65-F5344CB8AC3E}">
-        <p14:creationId xmlns:p14="http://schemas.microsoft.com/office/powerpoint/2010/main" val="1481287944"/>
+        <p14:creationId xmlns:p14="http://schemas.microsoft.com/office/powerpoint/2010/main" val="1841560818"/>
       </p:ext>
     </p:extLst>
   </p:cSld>
@@ -10333,19 +9760,19 @@
           <a:p>
             <a:r>
               <a:rPr lang="en-US" dirty="0"/>
-              <a:t>Sample Data for this class</a:t>
-            </a:r>
-          </a:p>
-        </p:txBody>
-      </p:sp>
-      <p:sp>
-        <p:nvSpPr>
-          <p:cNvPr id="3" name="Text Placeholder 2"/>
-          <p:cNvSpPr>
-            <a:spLocks noGrp="1"/>
-          </p:cNvSpPr>
-          <p:nvPr>
-            <p:ph type="body" sz="quarter" idx="10"/>
+              <a:t>Lab 2: Getting Data In</a:t>
+            </a:r>
+          </a:p>
+        </p:txBody>
+      </p:sp>
+      <p:sp>
+        <p:nvSpPr>
+          <p:cNvPr id="7" name="Content Placeholder 6"/>
+          <p:cNvSpPr>
+            <a:spLocks noGrp="1"/>
+          </p:cNvSpPr>
+          <p:nvPr>
+            <p:ph idx="1"/>
           </p:nvPr>
         </p:nvSpPr>
         <p:spPr/>
@@ -10354,74 +9781,110 @@
           <a:lstStyle/>
           <a:p>
             <a:r>
-              <a:rPr lang="en-US" dirty="0"/>
-              <a:t>Meant to mimic N-tier e-commerce web application</a:t>
-            </a:r>
-          </a:p>
-          <a:p>
-            <a:r>
-              <a:rPr lang="en-US" dirty="0">
-                <a:hlinkClick r:id="rId2" action="ppaction://hlinkfile"/>
-              </a:rPr>
-              <a:t>C:\Splunk\etc\apps\OpsDataGen\data</a:t>
-            </a:r>
+              <a:rPr lang="en-US" sz="2000" dirty="0"/>
+              <a:t>Indexing files and directories p 386</a:t>
+            </a:r>
+          </a:p>
+          <a:p>
+            <a:r>
+              <a:rPr lang="en-US" sz="2000" dirty="0"/>
+              <a:t>Getting data through network ports p 394</a:t>
+            </a:r>
+          </a:p>
+          <a:p>
+            <a:r>
+              <a:rPr lang="en-US" sz="2000" dirty="0"/>
+              <a:t>Using scripted inputs p 398</a:t>
+            </a:r>
+          </a:p>
+          <a:p>
+            <a:r>
+              <a:rPr lang="en-US" sz="2000" dirty="0"/>
+              <a:t>Receiving data using the HTTP Event Collector p 410</a:t>
+            </a:r>
+          </a:p>
+          <a:p>
+            <a:r>
+              <a:rPr lang="en-US" sz="2000" dirty="0"/>
+              <a:t>Loading the sample data for this book p 421</a:t>
+            </a:r>
+          </a:p>
+          <a:p>
+            <a:r>
+              <a:rPr lang="en-US" sz="2000" dirty="0"/>
+              <a:t>Defining field extractions p 426</a:t>
+            </a:r>
+          </a:p>
+          <a:p>
+            <a:r>
+              <a:rPr lang="en-US" sz="2000" dirty="0"/>
+              <a:t>Defining event types and tags p 429</a:t>
+            </a:r>
+          </a:p>
+          <a:p>
+            <a:r>
+              <a:rPr lang="en-US" sz="2000" dirty="0"/>
+              <a:t>Installing the Machine Learning Toolkit p 432</a:t>
+            </a:r>
+          </a:p>
+        </p:txBody>
+      </p:sp>
+      <p:sp>
+        <p:nvSpPr>
+          <p:cNvPr id="4" name="Slide Number Placeholder 3"/>
+          <p:cNvSpPr>
+            <a:spLocks noGrp="1"/>
+          </p:cNvSpPr>
+          <p:nvPr>
+            <p:ph type="sldNum" sz="quarter" idx="4294967295"/>
+          </p:nvPr>
+        </p:nvSpPr>
+        <p:spPr>
+          <a:xfrm>
+            <a:off x="9900458" y="6459785"/>
+            <a:ext cx="1312025" cy="365125"/>
+          </a:xfrm>
+          <a:prstGeom prst="rect">
+            <a:avLst/>
+          </a:prstGeom>
+        </p:spPr>
+        <p:txBody>
+          <a:bodyPr/>
+          <a:lstStyle/>
+          <a:p>
+            <a:fld id="{6113E31D-E2AB-40D1-8B51-AFA5AFEF393A}" type="slidenum">
+              <a:rPr lang="en-US" smtClean="0"/>
+              <a:t>40</a:t>
+            </a:fld>
             <a:endParaRPr lang="en-US" dirty="0"/>
           </a:p>
-          <a:p>
-            <a:pPr lvl="1"/>
-            <a:r>
-              <a:rPr lang="en-US" dirty="0" err="1"/>
-              <a:t>access_log</a:t>
-            </a:r>
-            <a:r>
-              <a:rPr lang="en-US" dirty="0"/>
-              <a:t>: web access log, </a:t>
-            </a:r>
-            <a:r>
-              <a:rPr lang="en-US" i="1" dirty="0" err="1"/>
-              <a:t>access_combined</a:t>
-            </a:r>
-            <a:r>
-              <a:rPr lang="en-US" dirty="0"/>
-              <a:t> source type</a:t>
-            </a:r>
-          </a:p>
-          <a:p>
-            <a:pPr lvl="1"/>
-            <a:r>
-              <a:rPr lang="en-US" dirty="0" err="1"/>
-              <a:t>app_log</a:t>
-            </a:r>
-            <a:r>
-              <a:rPr lang="en-US" dirty="0"/>
-              <a:t>: application log, </a:t>
-            </a:r>
-            <a:r>
-              <a:rPr lang="en-US" i="1" dirty="0"/>
-              <a:t>log4j</a:t>
-            </a:r>
-            <a:r>
-              <a:rPr lang="en-US" dirty="0"/>
-              <a:t> source type</a:t>
-            </a:r>
-          </a:p>
-          <a:p>
-            <a:pPr lvl="1"/>
-            <a:r>
-              <a:rPr lang="en-US" dirty="0" err="1"/>
-              <a:t>hvac_log</a:t>
-            </a:r>
-            <a:r>
-              <a:rPr lang="en-US" dirty="0"/>
-              <a:t>: csv sensor data, </a:t>
-            </a:r>
-            <a:r>
-              <a:rPr lang="en-US" i="1" dirty="0" err="1"/>
-              <a:t>metrics_csv</a:t>
-            </a:r>
-            <a:r>
-              <a:rPr lang="en-US" dirty="0"/>
-              <a:t> source type</a:t>
+        </p:txBody>
+      </p:sp>
+      <p:sp>
+        <p:nvSpPr>
+          <p:cNvPr id="8" name="TextBox 7"/>
+          <p:cNvSpPr txBox="1"/>
+          <p:nvPr/>
+        </p:nvSpPr>
+        <p:spPr>
+          <a:xfrm>
+            <a:off x="1097280" y="1308100"/>
+            <a:ext cx="6096000" cy="381000"/>
+          </a:xfrm>
+          <a:prstGeom prst="rect">
+            <a:avLst/>
+          </a:prstGeom>
+          <a:noFill/>
+        </p:spPr>
+        <p:txBody>
+          <a:bodyPr wrap="square" rtlCol="0">
+            <a:spAutoFit/>
+          </a:bodyPr>
+          <a:lstStyle/>
+          <a:p>
+            <a:r>
+              <a:rPr lang="en-US" dirty="0"/>
+              <a:t>Duration: 75 minutes</a:t>
             </a:r>
           </a:p>
         </p:txBody>
@@ -10429,7 +9892,7 @@
     </p:spTree>
     <p:extLst>
       <p:ext uri="{BB962C8B-B14F-4D97-AF65-F5344CB8AC3E}">
-        <p14:creationId xmlns:p14="http://schemas.microsoft.com/office/powerpoint/2010/main" val="1841560818"/>
+        <p14:creationId xmlns:p14="http://schemas.microsoft.com/office/powerpoint/2010/main" val="2188201567"/>
       </p:ext>
     </p:extLst>
   </p:cSld>
@@ -10465,7 +9928,7 @@
       </p:grpSpPr>
       <p:sp>
         <p:nvSpPr>
-          <p:cNvPr id="2" name="Title 1"/>
+          <p:cNvPr id="4" name="Title 3"/>
           <p:cNvSpPr>
             <a:spLocks noGrp="1"/>
           </p:cNvSpPr>
@@ -10480,131 +9943,7 @@
           <a:p>
             <a:r>
               <a:rPr lang="en-US" dirty="0"/>
-              <a:t>Lab 2: Getting Data In</a:t>
-            </a:r>
-          </a:p>
-        </p:txBody>
-      </p:sp>
-      <p:sp>
-        <p:nvSpPr>
-          <p:cNvPr id="7" name="Content Placeholder 6"/>
-          <p:cNvSpPr>
-            <a:spLocks noGrp="1"/>
-          </p:cNvSpPr>
-          <p:nvPr>
-            <p:ph idx="1"/>
-          </p:nvPr>
-        </p:nvSpPr>
-        <p:spPr/>
-        <p:txBody>
-          <a:bodyPr/>
-          <a:lstStyle/>
-          <a:p>
-            <a:r>
-              <a:rPr lang="en-US" sz="2000" dirty="0"/>
-              <a:t>Indexing files and directories p 386</a:t>
-            </a:r>
-          </a:p>
-          <a:p>
-            <a:r>
-              <a:rPr lang="en-US" sz="2000" dirty="0"/>
-              <a:t>Getting data through network ports p 394</a:t>
-            </a:r>
-          </a:p>
-          <a:p>
-            <a:r>
-              <a:rPr lang="en-US" sz="2000" dirty="0"/>
-              <a:t>Using scripted inputs p 398</a:t>
-            </a:r>
-          </a:p>
-          <a:p>
-            <a:r>
-              <a:rPr lang="en-US" sz="2000" dirty="0"/>
-              <a:t>Receiving data using the HTTP Event Collector p 410</a:t>
-            </a:r>
-          </a:p>
-          <a:p>
-            <a:r>
-              <a:rPr lang="en-US" sz="2000" dirty="0"/>
-              <a:t>Loading the sample data for this book p 421</a:t>
-            </a:r>
-          </a:p>
-          <a:p>
-            <a:r>
-              <a:rPr lang="en-US" sz="2000" dirty="0"/>
-              <a:t>Defining field extractions p 426</a:t>
-            </a:r>
-          </a:p>
-          <a:p>
-            <a:r>
-              <a:rPr lang="en-US" sz="2000" dirty="0"/>
-              <a:t>Defining event types and tags p 429</a:t>
-            </a:r>
-          </a:p>
-          <a:p>
-            <a:r>
-              <a:rPr lang="en-US" sz="2000" dirty="0"/>
-              <a:t>Installing the Machine Learning Toolkit p 432</a:t>
-            </a:r>
-          </a:p>
-        </p:txBody>
-      </p:sp>
-      <p:sp>
-        <p:nvSpPr>
-          <p:cNvPr id="4" name="Slide Number Placeholder 3"/>
-          <p:cNvSpPr>
-            <a:spLocks noGrp="1"/>
-          </p:cNvSpPr>
-          <p:nvPr>
-            <p:ph type="sldNum" sz="quarter" idx="4294967295"/>
-          </p:nvPr>
-        </p:nvSpPr>
-        <p:spPr>
-          <a:xfrm>
-            <a:off x="9900458" y="6459785"/>
-            <a:ext cx="1312025" cy="365125"/>
-          </a:xfrm>
-          <a:prstGeom prst="rect">
-            <a:avLst/>
-          </a:prstGeom>
-        </p:spPr>
-        <p:txBody>
-          <a:bodyPr/>
-          <a:lstStyle/>
-          <a:p>
-            <a:fld id="{6113E31D-E2AB-40D1-8B51-AFA5AFEF393A}" type="slidenum">
-              <a:rPr lang="en-US" smtClean="0"/>
-              <a:t>41</a:t>
-            </a:fld>
-            <a:endParaRPr lang="en-US" dirty="0"/>
-          </a:p>
-        </p:txBody>
-      </p:sp>
-      <p:sp>
-        <p:nvSpPr>
-          <p:cNvPr id="8" name="TextBox 7"/>
-          <p:cNvSpPr txBox="1"/>
-          <p:nvPr/>
-        </p:nvSpPr>
-        <p:spPr>
-          <a:xfrm>
-            <a:off x="1097280" y="1308100"/>
-            <a:ext cx="6096000" cy="381000"/>
-          </a:xfrm>
-          <a:prstGeom prst="rect">
-            <a:avLst/>
-          </a:prstGeom>
-          <a:noFill/>
-        </p:spPr>
-        <p:txBody>
-          <a:bodyPr wrap="square" rtlCol="0">
-            <a:spAutoFit/>
-          </a:bodyPr>
-          <a:lstStyle/>
-          <a:p>
-            <a:r>
-              <a:rPr lang="en-US" dirty="0"/>
-              <a:t>Duration: 75 minutes</a:t>
+              <a:t>Module 3: Building an Application</a:t>
             </a:r>
           </a:p>
         </p:txBody>
@@ -10612,7 +9951,7 @@
     </p:spTree>
     <p:extLst>
       <p:ext uri="{BB962C8B-B14F-4D97-AF65-F5344CB8AC3E}">
-        <p14:creationId xmlns:p14="http://schemas.microsoft.com/office/powerpoint/2010/main" val="2188201567"/>
+        <p14:creationId xmlns:p14="http://schemas.microsoft.com/office/powerpoint/2010/main" val="949284739"/>
       </p:ext>
     </p:extLst>
   </p:cSld>
@@ -10648,1092 +9987,6 @@
       </p:grpSpPr>
       <p:sp>
         <p:nvSpPr>
-          <p:cNvPr id="2" name="Title 1"/>
-          <p:cNvSpPr>
-            <a:spLocks noGrp="1"/>
-          </p:cNvSpPr>
-          <p:nvPr>
-            <p:ph type="title"/>
-          </p:nvPr>
-        </p:nvSpPr>
-        <p:spPr/>
-        <p:txBody>
-          <a:bodyPr/>
-          <a:lstStyle/>
-          <a:p>
-            <a:r>
-              <a:rPr lang="en-US" dirty="0"/>
-              <a:t>Lab 2: Getting Data In</a:t>
-            </a:r>
-          </a:p>
-        </p:txBody>
-      </p:sp>
-      <p:sp>
-        <p:nvSpPr>
-          <p:cNvPr id="7" name="Content Placeholder 6"/>
-          <p:cNvSpPr>
-            <a:spLocks noGrp="1"/>
-          </p:cNvSpPr>
-          <p:nvPr>
-            <p:ph idx="1"/>
-          </p:nvPr>
-        </p:nvSpPr>
-        <p:spPr/>
-        <p:txBody>
-          <a:bodyPr/>
-          <a:lstStyle/>
-          <a:p>
-            <a:r>
-              <a:rPr lang="en-US" sz="2000" dirty="0"/>
-              <a:t>Indexing files and directories p 386</a:t>
-            </a:r>
-          </a:p>
-          <a:p>
-            <a:r>
-              <a:rPr lang="en-US" sz="2000" dirty="0"/>
-              <a:t>Getting data through network ports p 394</a:t>
-            </a:r>
-          </a:p>
-          <a:p>
-            <a:r>
-              <a:rPr lang="en-US" sz="2000" dirty="0"/>
-              <a:t>Using scripted inputs p 398</a:t>
-            </a:r>
-          </a:p>
-          <a:p>
-            <a:r>
-              <a:rPr lang="en-US" sz="2000" dirty="0"/>
-              <a:t>Receiving data using the HTTP Event Collector p 410</a:t>
-            </a:r>
-          </a:p>
-          <a:p>
-            <a:r>
-              <a:rPr lang="en-US" sz="2000" dirty="0"/>
-              <a:t>Loading the sample data for this book p 421</a:t>
-            </a:r>
-          </a:p>
-          <a:p>
-            <a:r>
-              <a:rPr lang="en-US" sz="2000" dirty="0"/>
-              <a:t>Defining field extractions p 426</a:t>
-            </a:r>
-          </a:p>
-          <a:p>
-            <a:r>
-              <a:rPr lang="en-US" sz="2000" dirty="0"/>
-              <a:t>Defining event types and tags p 429</a:t>
-            </a:r>
-          </a:p>
-          <a:p>
-            <a:r>
-              <a:rPr lang="en-US" sz="2000" dirty="0"/>
-              <a:t>Installing the Machine Learning Toolkit p 432</a:t>
-            </a:r>
-          </a:p>
-        </p:txBody>
-      </p:sp>
-      <p:sp>
-        <p:nvSpPr>
-          <p:cNvPr id="4" name="Slide Number Placeholder 3"/>
-          <p:cNvSpPr>
-            <a:spLocks noGrp="1"/>
-          </p:cNvSpPr>
-          <p:nvPr>
-            <p:ph type="sldNum" sz="quarter" idx="4294967295"/>
-          </p:nvPr>
-        </p:nvSpPr>
-        <p:spPr>
-          <a:xfrm>
-            <a:off x="9900458" y="6459785"/>
-            <a:ext cx="1312025" cy="365125"/>
-          </a:xfrm>
-          <a:prstGeom prst="rect">
-            <a:avLst/>
-          </a:prstGeom>
-        </p:spPr>
-        <p:txBody>
-          <a:bodyPr/>
-          <a:lstStyle/>
-          <a:p>
-            <a:fld id="{6113E31D-E2AB-40D1-8B51-AFA5AFEF393A}" type="slidenum">
-              <a:rPr lang="en-US" smtClean="0"/>
-              <a:t>42</a:t>
-            </a:fld>
-            <a:endParaRPr lang="en-US" dirty="0"/>
-          </a:p>
-        </p:txBody>
-      </p:sp>
-      <p:sp>
-        <p:nvSpPr>
-          <p:cNvPr id="8" name="TextBox 7"/>
-          <p:cNvSpPr txBox="1"/>
-          <p:nvPr/>
-        </p:nvSpPr>
-        <p:spPr>
-          <a:xfrm>
-            <a:off x="1097280" y="1308100"/>
-            <a:ext cx="6096000" cy="381000"/>
-          </a:xfrm>
-          <a:prstGeom prst="rect">
-            <a:avLst/>
-          </a:prstGeom>
-          <a:noFill/>
-        </p:spPr>
-        <p:txBody>
-          <a:bodyPr wrap="square" rtlCol="0">
-            <a:spAutoFit/>
-          </a:bodyPr>
-          <a:lstStyle/>
-          <a:p>
-            <a:r>
-              <a:rPr lang="en-US" dirty="0"/>
-              <a:t>Duration: 75 minutes</a:t>
-            </a:r>
-          </a:p>
-        </p:txBody>
-      </p:sp>
-      <p:sp>
-        <p:nvSpPr>
-          <p:cNvPr id="14" name="Rectangle 5"/>
-          <p:cNvSpPr>
-            <a:spLocks noChangeArrowheads="1"/>
-          </p:cNvSpPr>
-          <p:nvPr/>
-        </p:nvSpPr>
-        <p:spPr bwMode="auto">
-          <a:xfrm>
-            <a:off x="0" y="0"/>
-            <a:ext cx="12192000" cy="6858000"/>
-          </a:xfrm>
-          <a:prstGeom prst="rect">
-            <a:avLst/>
-          </a:prstGeom>
-          <a:solidFill>
-            <a:srgbClr val="FFFFFF">
-              <a:alpha val="50195"/>
-            </a:srgbClr>
-          </a:solidFill>
-          <a:ln>
-            <a:noFill/>
-          </a:ln>
-          <a:effectLst>
-            <a:outerShdw dist="53882" dir="2700000" algn="ctr" rotWithShape="0">
-              <a:srgbClr val="919191">
-                <a:alpha val="50000"/>
-              </a:srgbClr>
-            </a:outerShdw>
-          </a:effectLst>
-          <a:extLst>
-            <a:ext uri="{91240B29-F687-4F45-9708-019B960494DF}">
-              <a14:hiddenLine xmlns:a14="http://schemas.microsoft.com/office/drawing/2010/main" w="9525" algn="ctr">
-                <a:solidFill>
-                  <a:srgbClr val="000000"/>
-                </a:solidFill>
-                <a:miter lim="800000"/>
-                <a:headEnd/>
-                <a:tailEnd/>
-              </a14:hiddenLine>
-            </a:ext>
-          </a:extLst>
-        </p:spPr>
-        <p:txBody>
-          <a:bodyPr wrap="none" anchor="ctr"/>
-          <a:lstStyle>
-            <a:lvl1pPr>
-              <a:defRPr b="1">
-                <a:solidFill>
-                  <a:schemeClr val="tx1"/>
-                </a:solidFill>
-                <a:latin typeface="Verdana" panose="020B0604030504040204" pitchFamily="34" charset="0"/>
-              </a:defRPr>
-            </a:lvl1pPr>
-            <a:lvl2pPr marL="742950" indent="-285750">
-              <a:defRPr b="1">
-                <a:solidFill>
-                  <a:schemeClr val="tx1"/>
-                </a:solidFill>
-                <a:latin typeface="Verdana" panose="020B0604030504040204" pitchFamily="34" charset="0"/>
-              </a:defRPr>
-            </a:lvl2pPr>
-            <a:lvl3pPr marL="1143000" indent="-228600">
-              <a:defRPr b="1">
-                <a:solidFill>
-                  <a:schemeClr val="tx1"/>
-                </a:solidFill>
-                <a:latin typeface="Verdana" panose="020B0604030504040204" pitchFamily="34" charset="0"/>
-              </a:defRPr>
-            </a:lvl3pPr>
-            <a:lvl4pPr marL="1600200" indent="-228600">
-              <a:defRPr b="1">
-                <a:solidFill>
-                  <a:schemeClr val="tx1"/>
-                </a:solidFill>
-                <a:latin typeface="Verdana" panose="020B0604030504040204" pitchFamily="34" charset="0"/>
-              </a:defRPr>
-            </a:lvl4pPr>
-            <a:lvl5pPr marL="2057400" indent="-228600">
-              <a:defRPr b="1">
-                <a:solidFill>
-                  <a:schemeClr val="tx1"/>
-                </a:solidFill>
-                <a:latin typeface="Verdana" panose="020B0604030504040204" pitchFamily="34" charset="0"/>
-              </a:defRPr>
-            </a:lvl5pPr>
-            <a:lvl6pPr marL="2514600" indent="-228600" eaLnBrk="0" fontAlgn="base" hangingPunct="0">
-              <a:spcBef>
-                <a:spcPct val="0"/>
-              </a:spcBef>
-              <a:spcAft>
-                <a:spcPct val="0"/>
-              </a:spcAft>
-              <a:defRPr b="1">
-                <a:solidFill>
-                  <a:schemeClr val="tx1"/>
-                </a:solidFill>
-                <a:latin typeface="Verdana" panose="020B0604030504040204" pitchFamily="34" charset="0"/>
-              </a:defRPr>
-            </a:lvl6pPr>
-            <a:lvl7pPr marL="2971800" indent="-228600" eaLnBrk="0" fontAlgn="base" hangingPunct="0">
-              <a:spcBef>
-                <a:spcPct val="0"/>
-              </a:spcBef>
-              <a:spcAft>
-                <a:spcPct val="0"/>
-              </a:spcAft>
-              <a:defRPr b="1">
-                <a:solidFill>
-                  <a:schemeClr val="tx1"/>
-                </a:solidFill>
-                <a:latin typeface="Verdana" panose="020B0604030504040204" pitchFamily="34" charset="0"/>
-              </a:defRPr>
-            </a:lvl7pPr>
-            <a:lvl8pPr marL="3429000" indent="-228600" eaLnBrk="0" fontAlgn="base" hangingPunct="0">
-              <a:spcBef>
-                <a:spcPct val="0"/>
-              </a:spcBef>
-              <a:spcAft>
-                <a:spcPct val="0"/>
-              </a:spcAft>
-              <a:defRPr b="1">
-                <a:solidFill>
-                  <a:schemeClr val="tx1"/>
-                </a:solidFill>
-                <a:latin typeface="Verdana" panose="020B0604030504040204" pitchFamily="34" charset="0"/>
-              </a:defRPr>
-            </a:lvl8pPr>
-            <a:lvl9pPr marL="3886200" indent="-228600" eaLnBrk="0" fontAlgn="base" hangingPunct="0">
-              <a:spcBef>
-                <a:spcPct val="0"/>
-              </a:spcBef>
-              <a:spcAft>
-                <a:spcPct val="0"/>
-              </a:spcAft>
-              <a:defRPr b="1">
-                <a:solidFill>
-                  <a:schemeClr val="tx1"/>
-                </a:solidFill>
-                <a:latin typeface="Verdana" panose="020B0604030504040204" pitchFamily="34" charset="0"/>
-              </a:defRPr>
-            </a:lvl9pPr>
-          </a:lstStyle>
-          <a:p>
-            <a:pPr algn="ctr"/>
-            <a:endParaRPr lang="en-US" altLang="en-US"/>
-          </a:p>
-        </p:txBody>
-      </p:sp>
-      <p:sp>
-        <p:nvSpPr>
-          <p:cNvPr id="15" name="Rectangle 6"/>
-          <p:cNvSpPr>
-            <a:spLocks noChangeArrowheads="1"/>
-          </p:cNvSpPr>
-          <p:nvPr/>
-        </p:nvSpPr>
-        <p:spPr bwMode="auto">
-          <a:xfrm>
-            <a:off x="492125" y="5038725"/>
-            <a:ext cx="4094163" cy="1589088"/>
-          </a:xfrm>
-          <a:prstGeom prst="rect">
-            <a:avLst/>
-          </a:prstGeom>
-          <a:solidFill>
-            <a:srgbClr val="FFFFFF"/>
-          </a:solidFill>
-          <a:ln w="9525" algn="ctr">
-            <a:solidFill>
-              <a:schemeClr val="bg2"/>
-            </a:solidFill>
-            <a:miter lim="800000"/>
-            <a:headEnd/>
-            <a:tailEnd/>
-          </a:ln>
-          <a:effectLst>
-            <a:outerShdw dist="53882" dir="2700000" algn="ctr" rotWithShape="0">
-              <a:srgbClr val="919191">
-                <a:alpha val="50000"/>
-              </a:srgbClr>
-            </a:outerShdw>
-          </a:effectLst>
-        </p:spPr>
-        <p:txBody>
-          <a:bodyPr anchor="ctr"/>
-          <a:lstStyle>
-            <a:lvl1pPr>
-              <a:defRPr b="1">
-                <a:solidFill>
-                  <a:schemeClr val="tx1"/>
-                </a:solidFill>
-                <a:latin typeface="Verdana" panose="020B0604030504040204" pitchFamily="34" charset="0"/>
-              </a:defRPr>
-            </a:lvl1pPr>
-            <a:lvl2pPr marL="742950" indent="-285750">
-              <a:defRPr b="1">
-                <a:solidFill>
-                  <a:schemeClr val="tx1"/>
-                </a:solidFill>
-                <a:latin typeface="Verdana" panose="020B0604030504040204" pitchFamily="34" charset="0"/>
-              </a:defRPr>
-            </a:lvl2pPr>
-            <a:lvl3pPr marL="1143000" indent="-228600">
-              <a:defRPr b="1">
-                <a:solidFill>
-                  <a:schemeClr val="tx1"/>
-                </a:solidFill>
-                <a:latin typeface="Verdana" panose="020B0604030504040204" pitchFamily="34" charset="0"/>
-              </a:defRPr>
-            </a:lvl3pPr>
-            <a:lvl4pPr marL="1600200" indent="-228600">
-              <a:defRPr b="1">
-                <a:solidFill>
-                  <a:schemeClr val="tx1"/>
-                </a:solidFill>
-                <a:latin typeface="Verdana" panose="020B0604030504040204" pitchFamily="34" charset="0"/>
-              </a:defRPr>
-            </a:lvl4pPr>
-            <a:lvl5pPr marL="2057400" indent="-228600">
-              <a:defRPr b="1">
-                <a:solidFill>
-                  <a:schemeClr val="tx1"/>
-                </a:solidFill>
-                <a:latin typeface="Verdana" panose="020B0604030504040204" pitchFamily="34" charset="0"/>
-              </a:defRPr>
-            </a:lvl5pPr>
-            <a:lvl6pPr marL="2514600" indent="-228600" eaLnBrk="0" fontAlgn="base" hangingPunct="0">
-              <a:spcBef>
-                <a:spcPct val="0"/>
-              </a:spcBef>
-              <a:spcAft>
-                <a:spcPct val="0"/>
-              </a:spcAft>
-              <a:defRPr b="1">
-                <a:solidFill>
-                  <a:schemeClr val="tx1"/>
-                </a:solidFill>
-                <a:latin typeface="Verdana" panose="020B0604030504040204" pitchFamily="34" charset="0"/>
-              </a:defRPr>
-            </a:lvl6pPr>
-            <a:lvl7pPr marL="2971800" indent="-228600" eaLnBrk="0" fontAlgn="base" hangingPunct="0">
-              <a:spcBef>
-                <a:spcPct val="0"/>
-              </a:spcBef>
-              <a:spcAft>
-                <a:spcPct val="0"/>
-              </a:spcAft>
-              <a:defRPr b="1">
-                <a:solidFill>
-                  <a:schemeClr val="tx1"/>
-                </a:solidFill>
-                <a:latin typeface="Verdana" panose="020B0604030504040204" pitchFamily="34" charset="0"/>
-              </a:defRPr>
-            </a:lvl7pPr>
-            <a:lvl8pPr marL="3429000" indent="-228600" eaLnBrk="0" fontAlgn="base" hangingPunct="0">
-              <a:spcBef>
-                <a:spcPct val="0"/>
-              </a:spcBef>
-              <a:spcAft>
-                <a:spcPct val="0"/>
-              </a:spcAft>
-              <a:defRPr b="1">
-                <a:solidFill>
-                  <a:schemeClr val="tx1"/>
-                </a:solidFill>
-                <a:latin typeface="Verdana" panose="020B0604030504040204" pitchFamily="34" charset="0"/>
-              </a:defRPr>
-            </a:lvl8pPr>
-            <a:lvl9pPr marL="3886200" indent="-228600" eaLnBrk="0" fontAlgn="base" hangingPunct="0">
-              <a:spcBef>
-                <a:spcPct val="0"/>
-              </a:spcBef>
-              <a:spcAft>
-                <a:spcPct val="0"/>
-              </a:spcAft>
-              <a:defRPr b="1">
-                <a:solidFill>
-                  <a:schemeClr val="tx1"/>
-                </a:solidFill>
-                <a:latin typeface="Verdana" panose="020B0604030504040204" pitchFamily="34" charset="0"/>
-              </a:defRPr>
-            </a:lvl9pPr>
-          </a:lstStyle>
-          <a:p>
-            <a:pPr algn="ctr"/>
-            <a:r>
-              <a:rPr lang="en-US" altLang="en-US">
-                <a:solidFill>
-                  <a:srgbClr val="000000"/>
-                </a:solidFill>
-              </a:rPr>
-              <a:t>Questions? Comments?</a:t>
-            </a:r>
-          </a:p>
-          <a:p>
-            <a:pPr algn="ctr"/>
-            <a:r>
-              <a:rPr lang="en-US" altLang="en-US">
-                <a:solidFill>
-                  <a:srgbClr val="000000"/>
-                </a:solidFill>
-              </a:rPr>
-              <a:t>Dan’s e-mail: </a:t>
-            </a:r>
-            <a:r>
-              <a:rPr lang="en-US" altLang="en-US">
-                <a:solidFill>
-                  <a:srgbClr val="000000"/>
-                </a:solidFill>
-                <a:hlinkClick r:id="rId2"/>
-              </a:rPr>
-              <a:t>danc@onlc.com</a:t>
-            </a:r>
-            <a:endParaRPr lang="en-US" altLang="en-US">
-              <a:solidFill>
-                <a:srgbClr val="000000"/>
-              </a:solidFill>
-            </a:endParaRPr>
-          </a:p>
-          <a:p>
-            <a:pPr algn="ctr"/>
-            <a:r>
-              <a:rPr lang="en-US" altLang="en-US">
-                <a:solidFill>
-                  <a:srgbClr val="000000"/>
-                </a:solidFill>
-              </a:rPr>
-              <a:t>Dan’s cell #: (413) 455-0856</a:t>
-            </a:r>
-          </a:p>
-        </p:txBody>
-      </p:sp>
-      <p:sp>
-        <p:nvSpPr>
-          <p:cNvPr id="16" name="WordArt 3"/>
-          <p:cNvSpPr>
-            <a:spLocks noChangeArrowheads="1" noChangeShapeType="1" noTextEdit="1"/>
-          </p:cNvSpPr>
-          <p:nvPr/>
-        </p:nvSpPr>
-        <p:spPr bwMode="auto">
-          <a:xfrm>
-            <a:off x="955675" y="977900"/>
-            <a:ext cx="3167063" cy="2616200"/>
-          </a:xfrm>
-          <a:prstGeom prst="rect">
-            <a:avLst/>
-          </a:prstGeom>
-        </p:spPr>
-        <p:txBody>
-          <a:bodyPr wrap="none" fromWordArt="1">
-            <a:prstTxWarp prst="textSlantUp">
-              <a:avLst>
-                <a:gd name="adj" fmla="val 9014"/>
-              </a:avLst>
-            </a:prstTxWarp>
-          </a:bodyPr>
-          <a:lstStyle/>
-          <a:p>
-            <a:pPr algn="ctr"/>
-            <a:r>
-              <a:rPr lang="en-US" sz="3600" kern="10" dirty="0">
-                <a:ln w="9525">
-                  <a:solidFill>
-                    <a:srgbClr val="CC99FF"/>
-                  </a:solidFill>
-                  <a:round/>
-                  <a:headEnd/>
-                  <a:tailEnd/>
-                </a:ln>
-                <a:gradFill rotWithShape="1">
-                  <a:gsLst>
-                    <a:gs pos="0">
-                      <a:srgbClr val="6600CC"/>
-                    </a:gs>
-                    <a:gs pos="100000">
-                      <a:srgbClr val="CC00CC"/>
-                    </a:gs>
-                  </a:gsLst>
-                  <a:lin ang="5400000" scaled="1"/>
-                </a:gradFill>
-                <a:effectLst>
-                  <a:outerShdw dist="53882" dir="2700000" algn="ctr" rotWithShape="0">
-                    <a:srgbClr val="9999FF">
-                      <a:alpha val="79999"/>
-                    </a:srgbClr>
-                  </a:outerShdw>
-                </a:effectLst>
-                <a:latin typeface="Impact" panose="020B0806030902050204" pitchFamily="34" charset="0"/>
-              </a:rPr>
-              <a:t>Lunch: </a:t>
-            </a:r>
-            <a:r>
-              <a:rPr lang="en-US" sz="3600" kern="10" dirty="0" smtClean="0">
-                <a:ln w="9525">
-                  <a:solidFill>
-                    <a:srgbClr val="CC99FF"/>
-                  </a:solidFill>
-                  <a:round/>
-                  <a:headEnd/>
-                  <a:tailEnd/>
-                </a:ln>
-                <a:gradFill rotWithShape="1">
-                  <a:gsLst>
-                    <a:gs pos="0">
-                      <a:srgbClr val="6600CC"/>
-                    </a:gs>
-                    <a:gs pos="100000">
-                      <a:srgbClr val="CC00CC"/>
-                    </a:gs>
-                  </a:gsLst>
-                  <a:lin ang="5400000" scaled="1"/>
-                </a:gradFill>
-                <a:effectLst>
-                  <a:outerShdw dist="53882" dir="2700000" algn="ctr" rotWithShape="0">
-                    <a:srgbClr val="9999FF">
-                      <a:alpha val="79999"/>
-                    </a:srgbClr>
-                  </a:outerShdw>
-                </a:effectLst>
-                <a:latin typeface="Impact" panose="020B0806030902050204" pitchFamily="34" charset="0"/>
-              </a:rPr>
-              <a:t>12:00-13:00</a:t>
-            </a:r>
-            <a:endParaRPr lang="en-US" sz="3600" kern="10" dirty="0">
-              <a:ln w="9525">
-                <a:solidFill>
-                  <a:srgbClr val="CC99FF"/>
-                </a:solidFill>
-                <a:round/>
-                <a:headEnd/>
-                <a:tailEnd/>
-              </a:ln>
-              <a:gradFill rotWithShape="1">
-                <a:gsLst>
-                  <a:gs pos="0">
-                    <a:srgbClr val="6600CC"/>
-                  </a:gs>
-                  <a:gs pos="100000">
-                    <a:srgbClr val="CC00CC"/>
-                  </a:gs>
-                </a:gsLst>
-                <a:lin ang="5400000" scaled="1"/>
-              </a:gradFill>
-              <a:effectLst>
-                <a:outerShdw dist="53882" dir="2700000" algn="ctr" rotWithShape="0">
-                  <a:srgbClr val="9999FF">
-                    <a:alpha val="79999"/>
-                  </a:srgbClr>
-                </a:outerShdw>
-              </a:effectLst>
-              <a:latin typeface="Impact" panose="020B0806030902050204" pitchFamily="34" charset="0"/>
-            </a:endParaRPr>
-          </a:p>
-          <a:p>
-            <a:pPr algn="ctr"/>
-            <a:r>
-              <a:rPr lang="en-US" sz="3600" kern="10" dirty="0">
-                <a:ln w="9525">
-                  <a:solidFill>
-                    <a:srgbClr val="CC99FF"/>
-                  </a:solidFill>
-                  <a:round/>
-                  <a:headEnd/>
-                  <a:tailEnd/>
-                </a:ln>
-                <a:gradFill rotWithShape="1">
-                  <a:gsLst>
-                    <a:gs pos="0">
-                      <a:srgbClr val="6600CC"/>
-                    </a:gs>
-                    <a:gs pos="100000">
-                      <a:srgbClr val="CC00CC"/>
-                    </a:gs>
-                  </a:gsLst>
-                  <a:lin ang="5400000" scaled="1"/>
-                </a:gradFill>
-                <a:effectLst>
-                  <a:outerShdw dist="53882" dir="2700000" algn="ctr" rotWithShape="0">
-                    <a:srgbClr val="9999FF">
-                      <a:alpha val="79999"/>
-                    </a:srgbClr>
-                  </a:outerShdw>
-                </a:effectLst>
-                <a:latin typeface="Impact" panose="020B0806030902050204" pitchFamily="34" charset="0"/>
-              </a:rPr>
-              <a:t>Lab: </a:t>
-            </a:r>
-            <a:r>
-              <a:rPr lang="en-US" sz="3600" kern="10" dirty="0" smtClean="0">
-                <a:ln w="9525">
-                  <a:solidFill>
-                    <a:srgbClr val="CC99FF"/>
-                  </a:solidFill>
-                  <a:round/>
-                  <a:headEnd/>
-                  <a:tailEnd/>
-                </a:ln>
-                <a:gradFill rotWithShape="1">
-                  <a:gsLst>
-                    <a:gs pos="0">
-                      <a:srgbClr val="6600CC"/>
-                    </a:gs>
-                    <a:gs pos="100000">
-                      <a:srgbClr val="CC00CC"/>
-                    </a:gs>
-                  </a:gsLst>
-                  <a:lin ang="5400000" scaled="1"/>
-                </a:gradFill>
-                <a:effectLst>
-                  <a:outerShdw dist="53882" dir="2700000" algn="ctr" rotWithShape="0">
-                    <a:srgbClr val="9999FF">
-                      <a:alpha val="79999"/>
-                    </a:srgbClr>
-                  </a:outerShdw>
-                </a:effectLst>
-                <a:latin typeface="Impact" panose="020B0806030902050204" pitchFamily="34" charset="0"/>
-              </a:rPr>
-              <a:t>13:00-14:15</a:t>
-            </a:r>
-            <a:endParaRPr lang="en-US" sz="3600" kern="10" dirty="0">
-              <a:ln w="9525">
-                <a:solidFill>
-                  <a:srgbClr val="CC99FF"/>
-                </a:solidFill>
-                <a:round/>
-                <a:headEnd/>
-                <a:tailEnd/>
-              </a:ln>
-              <a:gradFill rotWithShape="1">
-                <a:gsLst>
-                  <a:gs pos="0">
-                    <a:srgbClr val="6600CC"/>
-                  </a:gs>
-                  <a:gs pos="100000">
-                    <a:srgbClr val="CC00CC"/>
-                  </a:gs>
-                </a:gsLst>
-                <a:lin ang="5400000" scaled="1"/>
-              </a:gradFill>
-              <a:effectLst>
-                <a:outerShdw dist="53882" dir="2700000" algn="ctr" rotWithShape="0">
-                  <a:srgbClr val="9999FF">
-                    <a:alpha val="79999"/>
-                  </a:srgbClr>
-                </a:outerShdw>
-              </a:effectLst>
-              <a:latin typeface="Impact" panose="020B0806030902050204" pitchFamily="34" charset="0"/>
-            </a:endParaRPr>
-          </a:p>
-          <a:p>
-            <a:pPr algn="ctr"/>
-            <a:r>
-              <a:rPr lang="en-US" sz="3600" kern="10" dirty="0">
-                <a:ln w="9525">
-                  <a:solidFill>
-                    <a:srgbClr val="CC99FF"/>
-                  </a:solidFill>
-                  <a:round/>
-                  <a:headEnd/>
-                  <a:tailEnd/>
-                </a:ln>
-                <a:gradFill rotWithShape="1">
-                  <a:gsLst>
-                    <a:gs pos="0">
-                      <a:srgbClr val="6600CC"/>
-                    </a:gs>
-                    <a:gs pos="100000">
-                      <a:srgbClr val="CC00CC"/>
-                    </a:gs>
-                  </a:gsLst>
-                  <a:lin ang="5400000" scaled="1"/>
-                </a:gradFill>
-                <a:effectLst>
-                  <a:outerShdw dist="53882" dir="2700000" algn="ctr" rotWithShape="0">
-                    <a:srgbClr val="9999FF">
-                      <a:alpha val="79999"/>
-                    </a:srgbClr>
-                  </a:outerShdw>
-                </a:effectLst>
-                <a:latin typeface="Impact" panose="020B0806030902050204" pitchFamily="34" charset="0"/>
-              </a:rPr>
-              <a:t>P.M. Break</a:t>
-            </a:r>
-            <a:r>
-              <a:rPr lang="en-US" sz="3600" kern="10">
-                <a:ln w="9525">
-                  <a:solidFill>
-                    <a:srgbClr val="CC99FF"/>
-                  </a:solidFill>
-                  <a:round/>
-                  <a:headEnd/>
-                  <a:tailEnd/>
-                </a:ln>
-                <a:gradFill rotWithShape="1">
-                  <a:gsLst>
-                    <a:gs pos="0">
-                      <a:srgbClr val="6600CC"/>
-                    </a:gs>
-                    <a:gs pos="100000">
-                      <a:srgbClr val="CC00CC"/>
-                    </a:gs>
-                  </a:gsLst>
-                  <a:lin ang="5400000" scaled="1"/>
-                </a:gradFill>
-                <a:effectLst>
-                  <a:outerShdw dist="53882" dir="2700000" algn="ctr" rotWithShape="0">
-                    <a:srgbClr val="9999FF">
-                      <a:alpha val="79999"/>
-                    </a:srgbClr>
-                  </a:outerShdw>
-                </a:effectLst>
-                <a:latin typeface="Impact" panose="020B0806030902050204" pitchFamily="34" charset="0"/>
-              </a:rPr>
-              <a:t>: </a:t>
-            </a:r>
-            <a:r>
-              <a:rPr lang="en-US" sz="3600" kern="10" smtClean="0">
-                <a:ln w="9525">
-                  <a:solidFill>
-                    <a:srgbClr val="CC99FF"/>
-                  </a:solidFill>
-                  <a:round/>
-                  <a:headEnd/>
-                  <a:tailEnd/>
-                </a:ln>
-                <a:gradFill rotWithShape="1">
-                  <a:gsLst>
-                    <a:gs pos="0">
-                      <a:srgbClr val="6600CC"/>
-                    </a:gs>
-                    <a:gs pos="100000">
-                      <a:srgbClr val="CC00CC"/>
-                    </a:gs>
-                  </a:gsLst>
-                  <a:lin ang="5400000" scaled="1"/>
-                </a:gradFill>
-                <a:effectLst>
-                  <a:outerShdw dist="53882" dir="2700000" algn="ctr" rotWithShape="0">
-                    <a:srgbClr val="9999FF">
-                      <a:alpha val="79999"/>
-                    </a:srgbClr>
-                  </a:outerShdw>
-                </a:effectLst>
-                <a:latin typeface="Impact" panose="020B0806030902050204" pitchFamily="34" charset="0"/>
-              </a:rPr>
-              <a:t>14:15-14:30</a:t>
-            </a:r>
-            <a:endParaRPr lang="en-US" sz="3600" kern="10" dirty="0">
-              <a:ln w="9525">
-                <a:solidFill>
-                  <a:srgbClr val="CC99FF"/>
-                </a:solidFill>
-                <a:round/>
-                <a:headEnd/>
-                <a:tailEnd/>
-              </a:ln>
-              <a:gradFill rotWithShape="1">
-                <a:gsLst>
-                  <a:gs pos="0">
-                    <a:srgbClr val="6600CC"/>
-                  </a:gs>
-                  <a:gs pos="100000">
-                    <a:srgbClr val="CC00CC"/>
-                  </a:gs>
-                </a:gsLst>
-                <a:lin ang="5400000" scaled="1"/>
-              </a:gradFill>
-              <a:effectLst>
-                <a:outerShdw dist="53882" dir="2700000" algn="ctr" rotWithShape="0">
-                  <a:srgbClr val="9999FF">
-                    <a:alpha val="79999"/>
-                  </a:srgbClr>
-                </a:outerShdw>
-              </a:effectLst>
-              <a:latin typeface="Impact" panose="020B0806030902050204" pitchFamily="34" charset="0"/>
-            </a:endParaRPr>
-          </a:p>
-        </p:txBody>
-      </p:sp>
-      <p:pic>
-        <p:nvPicPr>
-          <p:cNvPr id="17" name="Picture 5" descr="j0305257"/>
-          <p:cNvPicPr>
-            <a:picLocks noChangeAspect="1" noChangeArrowheads="1"/>
-          </p:cNvPicPr>
-          <p:nvPr/>
-        </p:nvPicPr>
-        <p:blipFill>
-          <a:blip r:embed="rId3">
-            <a:extLst>
-              <a:ext uri="{28A0092B-C50C-407E-A947-70E740481C1C}">
-                <a14:useLocalDpi xmlns:a14="http://schemas.microsoft.com/office/drawing/2010/main" val="0"/>
-              </a:ext>
-            </a:extLst>
-          </a:blip>
-          <a:srcRect/>
-          <a:stretch>
-            <a:fillRect/>
-          </a:stretch>
-        </p:blipFill>
-        <p:spPr bwMode="auto">
-          <a:xfrm>
-            <a:off x="10058400" y="2243138"/>
-            <a:ext cx="1568450" cy="2520950"/>
-          </a:xfrm>
-          <a:prstGeom prst="rect">
-            <a:avLst/>
-          </a:prstGeom>
-          <a:noFill/>
-          <a:ln>
-            <a:noFill/>
-          </a:ln>
-          <a:extLst>
-            <a:ext uri="{909E8E84-426E-40DD-AFC4-6F175D3DCCD1}">
-              <a14:hiddenFill xmlns:a14="http://schemas.microsoft.com/office/drawing/2010/main">
-                <a:solidFill>
-                  <a:srgbClr val="FFFFFF"/>
-                </a:solidFill>
-              </a14:hiddenFill>
-            </a:ext>
-            <a:ext uri="{91240B29-F687-4F45-9708-019B960494DF}">
-              <a14:hiddenLine xmlns:a14="http://schemas.microsoft.com/office/drawing/2010/main" w="9525">
-                <a:solidFill>
-                  <a:srgbClr val="000000"/>
-                </a:solidFill>
-                <a:miter lim="800000"/>
-                <a:headEnd/>
-                <a:tailEnd/>
-              </a14:hiddenLine>
-            </a:ext>
-          </a:extLst>
-        </p:spPr>
-      </p:pic>
-      <p:pic>
-        <p:nvPicPr>
-          <p:cNvPr id="18" name="Picture 6" descr="MCj02320440000[1]"/>
-          <p:cNvPicPr>
-            <a:picLocks noChangeAspect="1" noChangeArrowheads="1"/>
-          </p:cNvPicPr>
-          <p:nvPr/>
-        </p:nvPicPr>
-        <p:blipFill>
-          <a:blip r:embed="rId4">
-            <a:extLst>
-              <a:ext uri="{28A0092B-C50C-407E-A947-70E740481C1C}">
-                <a14:useLocalDpi xmlns:a14="http://schemas.microsoft.com/office/drawing/2010/main" val="0"/>
-              </a:ext>
-            </a:extLst>
-          </a:blip>
-          <a:srcRect/>
-          <a:stretch>
-            <a:fillRect/>
-          </a:stretch>
-        </p:blipFill>
-        <p:spPr bwMode="auto">
-          <a:xfrm>
-            <a:off x="9828213" y="349250"/>
-            <a:ext cx="1951037" cy="1936750"/>
-          </a:xfrm>
-          <a:prstGeom prst="rect">
-            <a:avLst/>
-          </a:prstGeom>
-          <a:noFill/>
-          <a:ln>
-            <a:noFill/>
-          </a:ln>
-          <a:extLst>
-            <a:ext uri="{909E8E84-426E-40DD-AFC4-6F175D3DCCD1}">
-              <a14:hiddenFill xmlns:a14="http://schemas.microsoft.com/office/drawing/2010/main">
-                <a:solidFill>
-                  <a:srgbClr val="FFFFFF"/>
-                </a:solidFill>
-              </a14:hiddenFill>
-            </a:ext>
-            <a:ext uri="{91240B29-F687-4F45-9708-019B960494DF}">
-              <a14:hiddenLine xmlns:a14="http://schemas.microsoft.com/office/drawing/2010/main" w="9525">
-                <a:solidFill>
-                  <a:srgbClr val="000000"/>
-                </a:solidFill>
-                <a:miter lim="800000"/>
-                <a:headEnd/>
-                <a:tailEnd/>
-              </a14:hiddenLine>
-            </a:ext>
-          </a:extLst>
-        </p:spPr>
-      </p:pic>
-      <p:pic>
-        <p:nvPicPr>
-          <p:cNvPr id="19" name="Picture 7" descr="MCj04315630000[1]"/>
-          <p:cNvPicPr>
-            <a:picLocks noChangeAspect="1" noChangeArrowheads="1"/>
-          </p:cNvPicPr>
-          <p:nvPr/>
-        </p:nvPicPr>
-        <p:blipFill>
-          <a:blip r:embed="rId5">
-            <a:extLst>
-              <a:ext uri="{28A0092B-C50C-407E-A947-70E740481C1C}">
-                <a14:useLocalDpi xmlns:a14="http://schemas.microsoft.com/office/drawing/2010/main" val="0"/>
-              </a:ext>
-            </a:extLst>
-          </a:blip>
-          <a:srcRect/>
-          <a:stretch>
-            <a:fillRect/>
-          </a:stretch>
-        </p:blipFill>
-        <p:spPr bwMode="auto">
-          <a:xfrm>
-            <a:off x="9593263" y="4764088"/>
-            <a:ext cx="2124075" cy="2138362"/>
-          </a:xfrm>
-          <a:prstGeom prst="rect">
-            <a:avLst/>
-          </a:prstGeom>
-          <a:noFill/>
-          <a:ln>
-            <a:noFill/>
-          </a:ln>
-          <a:extLst>
-            <a:ext uri="{909E8E84-426E-40DD-AFC4-6F175D3DCCD1}">
-              <a14:hiddenFill xmlns:a14="http://schemas.microsoft.com/office/drawing/2010/main">
-                <a:solidFill>
-                  <a:srgbClr val="FFFFFF"/>
-                </a:solidFill>
-              </a14:hiddenFill>
-            </a:ext>
-            <a:ext uri="{91240B29-F687-4F45-9708-019B960494DF}">
-              <a14:hiddenLine xmlns:a14="http://schemas.microsoft.com/office/drawing/2010/main" w="9525">
-                <a:solidFill>
-                  <a:srgbClr val="000000"/>
-                </a:solidFill>
-                <a:miter lim="800000"/>
-                <a:headEnd/>
-                <a:tailEnd/>
-              </a14:hiddenLine>
-            </a:ext>
-          </a:extLst>
-        </p:spPr>
-      </p:pic>
-    </p:spTree>
-    <p:extLst>
-      <p:ext uri="{BB962C8B-B14F-4D97-AF65-F5344CB8AC3E}">
-        <p14:creationId xmlns:p14="http://schemas.microsoft.com/office/powerpoint/2010/main" val="2325238875"/>
-      </p:ext>
-    </p:extLst>
-  </p:cSld>
-  <p:clrMapOvr>
-    <a:masterClrMapping/>
-  </p:clrMapOvr>
-  <p:timing>
-    <p:tnLst>
-      <p:par>
-        <p:cTn id="1" dur="indefinite" restart="never" nodeType="tmRoot"/>
-      </p:par>
-    </p:tnLst>
-  </p:timing>
-</p:sld>
-</file>
-
-<file path=ppt/slides/slide43.xml><?xml version="1.0" encoding="utf-8"?>
-<p:sld xmlns:a="http://schemas.openxmlformats.org/drawingml/2006/main" xmlns:r="http://schemas.openxmlformats.org/officeDocument/2006/relationships" xmlns:p="http://schemas.openxmlformats.org/presentationml/2006/main">
-  <p:cSld>
-    <p:spTree>
-      <p:nvGrpSpPr>
-        <p:cNvPr id="1" name=""/>
-        <p:cNvGrpSpPr/>
-        <p:nvPr/>
-      </p:nvGrpSpPr>
-      <p:grpSpPr>
-        <a:xfrm>
-          <a:off x="0" y="0"/>
-          <a:ext cx="0" cy="0"/>
-          <a:chOff x="0" y="0"/>
-          <a:chExt cx="0" cy="0"/>
-        </a:xfrm>
-      </p:grpSpPr>
-      <p:sp>
-        <p:nvSpPr>
-          <p:cNvPr id="4" name="Title 3"/>
-          <p:cNvSpPr>
-            <a:spLocks noGrp="1"/>
-          </p:cNvSpPr>
-          <p:nvPr>
-            <p:ph type="title"/>
-          </p:nvPr>
-        </p:nvSpPr>
-        <p:spPr/>
-        <p:txBody>
-          <a:bodyPr/>
-          <a:lstStyle/>
-          <a:p>
-            <a:r>
-              <a:rPr lang="en-US" dirty="0"/>
-              <a:t>Module 3: Building an Application</a:t>
-            </a:r>
-          </a:p>
-        </p:txBody>
-      </p:sp>
-    </p:spTree>
-    <p:extLst>
-      <p:ext uri="{BB962C8B-B14F-4D97-AF65-F5344CB8AC3E}">
-        <p14:creationId xmlns:p14="http://schemas.microsoft.com/office/powerpoint/2010/main" val="949284739"/>
-      </p:ext>
-    </p:extLst>
-  </p:cSld>
-  <p:clrMapOvr>
-    <a:masterClrMapping/>
-  </p:clrMapOvr>
-  <p:timing>
-    <p:tnLst>
-      <p:par>
-        <p:cTn id="1" dur="indefinite" restart="never" nodeType="tmRoot"/>
-      </p:par>
-    </p:tnLst>
-  </p:timing>
-</p:sld>
-</file>
-
-<file path=ppt/slides/slide44.xml><?xml version="1.0" encoding="utf-8"?>
-<p:sld xmlns:a="http://schemas.openxmlformats.org/drawingml/2006/main" xmlns:r="http://schemas.openxmlformats.org/officeDocument/2006/relationships" xmlns:p="http://schemas.openxmlformats.org/presentationml/2006/main">
-  <p:cSld>
-    <p:spTree>
-      <p:nvGrpSpPr>
-        <p:cNvPr id="1" name=""/>
-        <p:cNvGrpSpPr/>
-        <p:nvPr/>
-      </p:nvGrpSpPr>
-      <p:grpSpPr>
-        <a:xfrm>
-          <a:off x="0" y="0"/>
-          <a:ext cx="0" cy="0"/>
-          <a:chOff x="0" y="0"/>
-          <a:chExt cx="0" cy="0"/>
-        </a:xfrm>
-      </p:grpSpPr>
-      <p:sp>
-        <p:nvSpPr>
           <p:cNvPr id="3" name="Title 2"/>
           <p:cNvSpPr>
             <a:spLocks noGrp="1"/>
@@ -11850,7 +10103,7 @@
 </p:sld>
 </file>
 
-<file path=ppt/slides/slide45.xml><?xml version="1.0" encoding="utf-8"?>
+<file path=ppt/slides/slide43.xml><?xml version="1.0" encoding="utf-8"?>
 <p:sld xmlns:a="http://schemas.openxmlformats.org/drawingml/2006/main" xmlns:r="http://schemas.openxmlformats.org/officeDocument/2006/relationships" xmlns:p="http://schemas.openxmlformats.org/presentationml/2006/main">
   <p:cSld>
     <p:spTree>
@@ -11985,7 +10238,7 @@
 </p:sld>
 </file>
 
-<file path=ppt/slides/slide46.xml><?xml version="1.0" encoding="utf-8"?>
+<file path=ppt/slides/slide44.xml><?xml version="1.0" encoding="utf-8"?>
 <p:sld xmlns:a="http://schemas.openxmlformats.org/drawingml/2006/main" xmlns:r="http://schemas.openxmlformats.org/officeDocument/2006/relationships" xmlns:p="http://schemas.openxmlformats.org/presentationml/2006/main">
   <p:cSld>
     <p:spTree>
@@ -12205,7 +10458,7 @@
 </p:sld>
 </file>
 
-<file path=ppt/slides/slide47.xml><?xml version="1.0" encoding="utf-8"?>
+<file path=ppt/slides/slide45.xml><?xml version="1.0" encoding="utf-8"?>
 <p:sld xmlns:a="http://schemas.openxmlformats.org/drawingml/2006/main" xmlns:r="http://schemas.openxmlformats.org/officeDocument/2006/relationships" xmlns:p="http://schemas.openxmlformats.org/presentationml/2006/main">
   <p:cSld>
     <p:spTree>
@@ -12387,7 +10640,7 @@
 </p:sld>
 </file>
 
-<file path=ppt/slides/slide48.xml><?xml version="1.0" encoding="utf-8"?>
+<file path=ppt/slides/slide46.xml><?xml version="1.0" encoding="utf-8"?>
 <p:sld xmlns:a="http://schemas.openxmlformats.org/drawingml/2006/main" xmlns:r="http://schemas.openxmlformats.org/officeDocument/2006/relationships" xmlns:p="http://schemas.openxmlformats.org/presentationml/2006/main">
   <p:cSld>
     <p:spTree>
@@ -12482,7 +10735,7 @@
 </p:sld>
 </file>
 
-<file path=ppt/slides/slide49.xml><?xml version="1.0" encoding="utf-8"?>
+<file path=ppt/slides/slide47.xml><?xml version="1.0" encoding="utf-8"?>
 <p:sld xmlns:a="http://schemas.openxmlformats.org/drawingml/2006/main" xmlns:r="http://schemas.openxmlformats.org/officeDocument/2006/relationships" xmlns:p="http://schemas.openxmlformats.org/presentationml/2006/main">
   <p:cSld>
     <p:spTree>
@@ -12641,6 +10894,421 @@
 </p:sld>
 </file>
 
+<file path=ppt/slides/slide48.xml><?xml version="1.0" encoding="utf-8"?>
+<p:sld xmlns:a="http://schemas.openxmlformats.org/drawingml/2006/main" xmlns:r="http://schemas.openxmlformats.org/officeDocument/2006/relationships" xmlns:p="http://schemas.openxmlformats.org/presentationml/2006/main">
+  <p:cSld>
+    <p:spTree>
+      <p:nvGrpSpPr>
+        <p:cNvPr id="1" name=""/>
+        <p:cNvGrpSpPr/>
+        <p:nvPr/>
+      </p:nvGrpSpPr>
+      <p:grpSpPr>
+        <a:xfrm>
+          <a:off x="0" y="0"/>
+          <a:ext cx="0" cy="0"/>
+          <a:chOff x="0" y="0"/>
+          <a:chExt cx="0" cy="0"/>
+        </a:xfrm>
+      </p:grpSpPr>
+      <p:sp>
+        <p:nvSpPr>
+          <p:cNvPr id="2" name="Title 1"/>
+          <p:cNvSpPr>
+            <a:spLocks noGrp="1"/>
+          </p:cNvSpPr>
+          <p:nvPr>
+            <p:ph type="title"/>
+          </p:nvPr>
+        </p:nvSpPr>
+        <p:spPr/>
+        <p:txBody>
+          <a:bodyPr/>
+          <a:lstStyle/>
+          <a:p>
+            <a:r>
+              <a:rPr lang="en-US" dirty="0"/>
+              <a:t>Changing Object Permissions</a:t>
+            </a:r>
+          </a:p>
+        </p:txBody>
+      </p:sp>
+      <p:sp>
+        <p:nvSpPr>
+          <p:cNvPr id="3" name="Text Placeholder 2"/>
+          <p:cNvSpPr>
+            <a:spLocks noGrp="1"/>
+          </p:cNvSpPr>
+          <p:nvPr>
+            <p:ph type="body" sz="quarter" idx="10"/>
+          </p:nvPr>
+        </p:nvSpPr>
+        <p:spPr/>
+        <p:txBody>
+          <a:bodyPr/>
+          <a:lstStyle/>
+          <a:p>
+            <a:r>
+              <a:rPr lang="en-US" dirty="0"/>
+              <a:t>Owner=only visible to user</a:t>
+            </a:r>
+          </a:p>
+          <a:p>
+            <a:pPr lvl="1"/>
+            <a:r>
+              <a:rPr lang="en-US" sz="1800" dirty="0"/>
+              <a:t>Stored in </a:t>
+            </a:r>
+            <a:r>
+              <a:rPr lang="en-US" sz="1800" dirty="0">
+                <a:latin typeface="Courier"/>
+                <a:hlinkClick r:id="rId2" action="ppaction://hlinkfile"/>
+              </a:rPr>
+              <a:t>$SPLUNK_HOME\</a:t>
+            </a:r>
+            <a:r>
+              <a:rPr lang="en-US" sz="1800" dirty="0" err="1">
+                <a:latin typeface="Courier"/>
+                <a:hlinkClick r:id="rId2" action="ppaction://hlinkfile"/>
+              </a:rPr>
+              <a:t>etc</a:t>
+            </a:r>
+            <a:r>
+              <a:rPr lang="en-US" sz="1800" dirty="0">
+                <a:latin typeface="Courier"/>
+                <a:hlinkClick r:id="rId2" action="ppaction://hlinkfile"/>
+              </a:rPr>
+              <a:t>\users</a:t>
+            </a:r>
+            <a:r>
+              <a:rPr lang="en-US" sz="1800" dirty="0">
+                <a:latin typeface="Courier"/>
+              </a:rPr>
+              <a:t>\&lt;username&gt;\&lt;</a:t>
+            </a:r>
+            <a:r>
+              <a:rPr lang="en-US" sz="1800" dirty="0" err="1">
+                <a:latin typeface="Courier"/>
+              </a:rPr>
+              <a:t>appname</a:t>
+            </a:r>
+            <a:r>
+              <a:rPr lang="en-US" sz="1800" dirty="0">
+                <a:latin typeface="Courier"/>
+              </a:rPr>
+              <a:t>&gt;\local\</a:t>
+            </a:r>
+          </a:p>
+          <a:p>
+            <a:r>
+              <a:rPr lang="en-US" dirty="0"/>
+              <a:t>App=visible to all users of the app</a:t>
+            </a:r>
+          </a:p>
+          <a:p>
+            <a:pPr lvl="1"/>
+            <a:r>
+              <a:rPr lang="en-US" sz="1800" dirty="0"/>
+              <a:t>“Part of” the app</a:t>
+            </a:r>
+          </a:p>
+          <a:p>
+            <a:pPr lvl="1"/>
+            <a:r>
+              <a:rPr lang="en-US" sz="1800" dirty="0"/>
+              <a:t>Stored in </a:t>
+            </a:r>
+            <a:r>
+              <a:rPr lang="en-US" sz="1800" dirty="0">
+                <a:latin typeface="Courier"/>
+                <a:hlinkClick r:id="rId3" action="ppaction://hlinkfile"/>
+              </a:rPr>
+              <a:t>$SPLUNK_HOME\</a:t>
+            </a:r>
+            <a:r>
+              <a:rPr lang="en-US" sz="1800" dirty="0" err="1">
+                <a:latin typeface="Courier"/>
+                <a:hlinkClick r:id="rId3" action="ppaction://hlinkfile"/>
+              </a:rPr>
+              <a:t>etc</a:t>
+            </a:r>
+            <a:r>
+              <a:rPr lang="en-US" sz="1800" dirty="0">
+                <a:latin typeface="Courier"/>
+                <a:hlinkClick r:id="rId3" action="ppaction://hlinkfile"/>
+              </a:rPr>
+              <a:t>\apps</a:t>
+            </a:r>
+            <a:r>
+              <a:rPr lang="en-US" sz="1800" dirty="0">
+                <a:latin typeface="Courier"/>
+              </a:rPr>
+              <a:t>\&lt;</a:t>
+            </a:r>
+            <a:r>
+              <a:rPr lang="en-US" sz="1800" dirty="0" err="1">
+                <a:latin typeface="Courier"/>
+              </a:rPr>
+              <a:t>appname</a:t>
+            </a:r>
+            <a:r>
+              <a:rPr lang="en-US" sz="1800" dirty="0">
+                <a:latin typeface="Courier"/>
+              </a:rPr>
+              <a:t>&gt;\local\</a:t>
+            </a:r>
+          </a:p>
+          <a:p>
+            <a:endParaRPr lang="en-US" dirty="0"/>
+          </a:p>
+          <a:p>
+            <a:endParaRPr lang="en-US" dirty="0"/>
+          </a:p>
+        </p:txBody>
+      </p:sp>
+      <p:pic>
+        <p:nvPicPr>
+          <p:cNvPr id="5" name="Picture 4"/>
+          <p:cNvPicPr>
+            <a:picLocks noChangeAspect="1"/>
+          </p:cNvPicPr>
+          <p:nvPr/>
+        </p:nvPicPr>
+        <p:blipFill>
+          <a:blip r:embed="rId4"/>
+          <a:stretch>
+            <a:fillRect/>
+          </a:stretch>
+        </p:blipFill>
+        <p:spPr>
+          <a:xfrm>
+            <a:off x="9677400" y="468086"/>
+            <a:ext cx="1547214" cy="1794768"/>
+          </a:xfrm>
+          <a:prstGeom prst="rect">
+            <a:avLst/>
+          </a:prstGeom>
+        </p:spPr>
+      </p:pic>
+      <p:pic>
+        <p:nvPicPr>
+          <p:cNvPr id="4" name="Picture 3"/>
+          <p:cNvPicPr>
+            <a:picLocks noChangeAspect="1"/>
+          </p:cNvPicPr>
+          <p:nvPr/>
+        </p:nvPicPr>
+        <p:blipFill>
+          <a:blip r:embed="rId5"/>
+          <a:stretch>
+            <a:fillRect/>
+          </a:stretch>
+        </p:blipFill>
+        <p:spPr>
+          <a:xfrm>
+            <a:off x="7543800" y="424543"/>
+            <a:ext cx="1152939" cy="1676400"/>
+          </a:xfrm>
+          <a:prstGeom prst="rect">
+            <a:avLst/>
+          </a:prstGeom>
+        </p:spPr>
+      </p:pic>
+      <p:sp>
+        <p:nvSpPr>
+          <p:cNvPr id="6" name="Right Arrow 5"/>
+          <p:cNvSpPr/>
+          <p:nvPr/>
+        </p:nvSpPr>
+        <p:spPr>
+          <a:xfrm>
+            <a:off x="8811039" y="1198329"/>
+            <a:ext cx="752061" cy="334282"/>
+          </a:xfrm>
+          <a:prstGeom prst="rightArrow">
+            <a:avLst/>
+          </a:prstGeom>
+        </p:spPr>
+        <p:style>
+          <a:lnRef idx="2">
+            <a:schemeClr val="accent1">
+              <a:shade val="50000"/>
+            </a:schemeClr>
+          </a:lnRef>
+          <a:fillRef idx="1">
+            <a:schemeClr val="accent1"/>
+          </a:fillRef>
+          <a:effectRef idx="0">
+            <a:schemeClr val="accent1"/>
+          </a:effectRef>
+          <a:fontRef idx="minor">
+            <a:schemeClr val="lt1"/>
+          </a:fontRef>
+        </p:style>
+        <p:txBody>
+          <a:bodyPr rtlCol="0" anchor="ctr"/>
+          <a:lstStyle/>
+          <a:p>
+            <a:pPr algn="ctr"/>
+            <a:endParaRPr lang="en-US"/>
+          </a:p>
+        </p:txBody>
+      </p:sp>
+      <p:pic>
+        <p:nvPicPr>
+          <p:cNvPr id="7" name="Picture 6"/>
+          <p:cNvPicPr>
+            <a:picLocks noChangeAspect="1"/>
+          </p:cNvPicPr>
+          <p:nvPr/>
+        </p:nvPicPr>
+        <p:blipFill>
+          <a:blip r:embed="rId6"/>
+          <a:stretch>
+            <a:fillRect/>
+          </a:stretch>
+        </p:blipFill>
+        <p:spPr>
+          <a:xfrm>
+            <a:off x="1447800" y="4495662"/>
+            <a:ext cx="2619740" cy="1981476"/>
+          </a:xfrm>
+          <a:prstGeom prst="rect">
+            <a:avLst/>
+          </a:prstGeom>
+        </p:spPr>
+      </p:pic>
+    </p:spTree>
+    <p:extLst>
+      <p:ext uri="{BB962C8B-B14F-4D97-AF65-F5344CB8AC3E}">
+        <p14:creationId xmlns:p14="http://schemas.microsoft.com/office/powerpoint/2010/main" val="3525518869"/>
+      </p:ext>
+    </p:extLst>
+  </p:cSld>
+  <p:clrMapOvr>
+    <a:masterClrMapping/>
+  </p:clrMapOvr>
+  <p:timing>
+    <p:tnLst>
+      <p:par>
+        <p:cTn id="1" dur="indefinite" restart="never" nodeType="tmRoot"/>
+      </p:par>
+    </p:tnLst>
+  </p:timing>
+</p:sld>
+</file>
+
+<file path=ppt/slides/slide49.xml><?xml version="1.0" encoding="utf-8"?>
+<p:sld xmlns:a="http://schemas.openxmlformats.org/drawingml/2006/main" xmlns:r="http://schemas.openxmlformats.org/officeDocument/2006/relationships" xmlns:p="http://schemas.openxmlformats.org/presentationml/2006/main">
+  <p:cSld>
+    <p:spTree>
+      <p:nvGrpSpPr>
+        <p:cNvPr id="1" name=""/>
+        <p:cNvGrpSpPr/>
+        <p:nvPr/>
+      </p:nvGrpSpPr>
+      <p:grpSpPr>
+        <a:xfrm>
+          <a:off x="0" y="0"/>
+          <a:ext cx="0" cy="0"/>
+          <a:chOff x="0" y="0"/>
+          <a:chExt cx="0" cy="0"/>
+        </a:xfrm>
+      </p:grpSpPr>
+      <p:sp>
+        <p:nvSpPr>
+          <p:cNvPr id="2" name="Title 1"/>
+          <p:cNvSpPr>
+            <a:spLocks noGrp="1"/>
+          </p:cNvSpPr>
+          <p:nvPr>
+            <p:ph type="title"/>
+          </p:nvPr>
+        </p:nvSpPr>
+        <p:spPr/>
+        <p:txBody>
+          <a:bodyPr/>
+          <a:lstStyle/>
+          <a:p>
+            <a:r>
+              <a:rPr lang="en-US" dirty="0"/>
+              <a:t>Customizing Dashboards</a:t>
+            </a:r>
+          </a:p>
+        </p:txBody>
+      </p:sp>
+      <p:sp>
+        <p:nvSpPr>
+          <p:cNvPr id="3" name="Text Placeholder 2"/>
+          <p:cNvSpPr>
+            <a:spLocks noGrp="1"/>
+          </p:cNvSpPr>
+          <p:nvPr>
+            <p:ph type="body" sz="quarter" idx="10"/>
+          </p:nvPr>
+        </p:nvSpPr>
+        <p:spPr/>
+        <p:txBody>
+          <a:bodyPr/>
+          <a:lstStyle/>
+          <a:p>
+            <a:r>
+              <a:rPr lang="en-US" dirty="0"/>
+              <a:t>In the UI using the integrated editor</a:t>
+            </a:r>
+          </a:p>
+          <a:p>
+            <a:r>
+              <a:rPr lang="en-US" dirty="0"/>
+              <a:t>By directly modifying the Simple XML</a:t>
+            </a:r>
+          </a:p>
+        </p:txBody>
+      </p:sp>
+      <p:pic>
+        <p:nvPicPr>
+          <p:cNvPr id="4" name="Picture 3"/>
+          <p:cNvPicPr>
+            <a:picLocks noChangeAspect="1"/>
+          </p:cNvPicPr>
+          <p:nvPr/>
+        </p:nvPicPr>
+        <p:blipFill>
+          <a:blip r:embed="rId2"/>
+          <a:stretch>
+            <a:fillRect/>
+          </a:stretch>
+        </p:blipFill>
+        <p:spPr>
+          <a:xfrm>
+            <a:off x="4572000" y="3352800"/>
+            <a:ext cx="3810000" cy="2421971"/>
+          </a:xfrm>
+          <a:prstGeom prst="rect">
+            <a:avLst/>
+          </a:prstGeom>
+        </p:spPr>
+      </p:pic>
+    </p:spTree>
+    <p:extLst>
+      <p:ext uri="{BB962C8B-B14F-4D97-AF65-F5344CB8AC3E}">
+        <p14:creationId xmlns:p14="http://schemas.microsoft.com/office/powerpoint/2010/main" val="1155479146"/>
+      </p:ext>
+    </p:extLst>
+  </p:cSld>
+  <p:clrMapOvr>
+    <a:masterClrMapping/>
+  </p:clrMapOvr>
+  <p:timing>
+    <p:tnLst>
+      <p:par>
+        <p:cTn id="1" dur="indefinite" restart="never" nodeType="tmRoot"/>
+      </p:par>
+    </p:tnLst>
+  </p:timing>
+</p:sld>
+</file>
+
 <file path=ppt/slides/slide5.xml><?xml version="1.0" encoding="utf-8"?>
 <p:sld xmlns:a="http://schemas.openxmlformats.org/drawingml/2006/main" xmlns:r="http://schemas.openxmlformats.org/officeDocument/2006/relationships" xmlns:p="http://schemas.openxmlformats.org/presentationml/2006/main">
   <p:cSld>
@@ -12851,421 +11519,6 @@
 </file>
 
 <file path=ppt/slides/slide50.xml><?xml version="1.0" encoding="utf-8"?>
-<p:sld xmlns:a="http://schemas.openxmlformats.org/drawingml/2006/main" xmlns:r="http://schemas.openxmlformats.org/officeDocument/2006/relationships" xmlns:p="http://schemas.openxmlformats.org/presentationml/2006/main">
-  <p:cSld>
-    <p:spTree>
-      <p:nvGrpSpPr>
-        <p:cNvPr id="1" name=""/>
-        <p:cNvGrpSpPr/>
-        <p:nvPr/>
-      </p:nvGrpSpPr>
-      <p:grpSpPr>
-        <a:xfrm>
-          <a:off x="0" y="0"/>
-          <a:ext cx="0" cy="0"/>
-          <a:chOff x="0" y="0"/>
-          <a:chExt cx="0" cy="0"/>
-        </a:xfrm>
-      </p:grpSpPr>
-      <p:sp>
-        <p:nvSpPr>
-          <p:cNvPr id="2" name="Title 1"/>
-          <p:cNvSpPr>
-            <a:spLocks noGrp="1"/>
-          </p:cNvSpPr>
-          <p:nvPr>
-            <p:ph type="title"/>
-          </p:nvPr>
-        </p:nvSpPr>
-        <p:spPr/>
-        <p:txBody>
-          <a:bodyPr/>
-          <a:lstStyle/>
-          <a:p>
-            <a:r>
-              <a:rPr lang="en-US" dirty="0"/>
-              <a:t>Changing Object Permissions</a:t>
-            </a:r>
-          </a:p>
-        </p:txBody>
-      </p:sp>
-      <p:sp>
-        <p:nvSpPr>
-          <p:cNvPr id="3" name="Text Placeholder 2"/>
-          <p:cNvSpPr>
-            <a:spLocks noGrp="1"/>
-          </p:cNvSpPr>
-          <p:nvPr>
-            <p:ph type="body" sz="quarter" idx="10"/>
-          </p:nvPr>
-        </p:nvSpPr>
-        <p:spPr/>
-        <p:txBody>
-          <a:bodyPr/>
-          <a:lstStyle/>
-          <a:p>
-            <a:r>
-              <a:rPr lang="en-US" dirty="0"/>
-              <a:t>Owner=only visible to user</a:t>
-            </a:r>
-          </a:p>
-          <a:p>
-            <a:pPr lvl="1"/>
-            <a:r>
-              <a:rPr lang="en-US" sz="1800" dirty="0"/>
-              <a:t>Stored in </a:t>
-            </a:r>
-            <a:r>
-              <a:rPr lang="en-US" sz="1800" dirty="0">
-                <a:latin typeface="Courier"/>
-                <a:hlinkClick r:id="rId2" action="ppaction://hlinkfile"/>
-              </a:rPr>
-              <a:t>$SPLUNK_HOME\</a:t>
-            </a:r>
-            <a:r>
-              <a:rPr lang="en-US" sz="1800" dirty="0" err="1">
-                <a:latin typeface="Courier"/>
-                <a:hlinkClick r:id="rId2" action="ppaction://hlinkfile"/>
-              </a:rPr>
-              <a:t>etc</a:t>
-            </a:r>
-            <a:r>
-              <a:rPr lang="en-US" sz="1800" dirty="0">
-                <a:latin typeface="Courier"/>
-                <a:hlinkClick r:id="rId2" action="ppaction://hlinkfile"/>
-              </a:rPr>
-              <a:t>\users</a:t>
-            </a:r>
-            <a:r>
-              <a:rPr lang="en-US" sz="1800" dirty="0">
-                <a:latin typeface="Courier"/>
-              </a:rPr>
-              <a:t>\&lt;username&gt;\&lt;</a:t>
-            </a:r>
-            <a:r>
-              <a:rPr lang="en-US" sz="1800" dirty="0" err="1">
-                <a:latin typeface="Courier"/>
-              </a:rPr>
-              <a:t>appname</a:t>
-            </a:r>
-            <a:r>
-              <a:rPr lang="en-US" sz="1800" dirty="0">
-                <a:latin typeface="Courier"/>
-              </a:rPr>
-              <a:t>&gt;\local\</a:t>
-            </a:r>
-          </a:p>
-          <a:p>
-            <a:r>
-              <a:rPr lang="en-US" dirty="0"/>
-              <a:t>App=visible to all users of the app</a:t>
-            </a:r>
-          </a:p>
-          <a:p>
-            <a:pPr lvl="1"/>
-            <a:r>
-              <a:rPr lang="en-US" sz="1800" dirty="0"/>
-              <a:t>“Part of” the app</a:t>
-            </a:r>
-          </a:p>
-          <a:p>
-            <a:pPr lvl="1"/>
-            <a:r>
-              <a:rPr lang="en-US" sz="1800" dirty="0"/>
-              <a:t>Stored in </a:t>
-            </a:r>
-            <a:r>
-              <a:rPr lang="en-US" sz="1800" dirty="0">
-                <a:latin typeface="Courier"/>
-                <a:hlinkClick r:id="rId3" action="ppaction://hlinkfile"/>
-              </a:rPr>
-              <a:t>$SPLUNK_HOME\</a:t>
-            </a:r>
-            <a:r>
-              <a:rPr lang="en-US" sz="1800" dirty="0" err="1">
-                <a:latin typeface="Courier"/>
-                <a:hlinkClick r:id="rId3" action="ppaction://hlinkfile"/>
-              </a:rPr>
-              <a:t>etc</a:t>
-            </a:r>
-            <a:r>
-              <a:rPr lang="en-US" sz="1800" dirty="0">
-                <a:latin typeface="Courier"/>
-                <a:hlinkClick r:id="rId3" action="ppaction://hlinkfile"/>
-              </a:rPr>
-              <a:t>\apps</a:t>
-            </a:r>
-            <a:r>
-              <a:rPr lang="en-US" sz="1800" dirty="0">
-                <a:latin typeface="Courier"/>
-              </a:rPr>
-              <a:t>\&lt;</a:t>
-            </a:r>
-            <a:r>
-              <a:rPr lang="en-US" sz="1800" dirty="0" err="1">
-                <a:latin typeface="Courier"/>
-              </a:rPr>
-              <a:t>appname</a:t>
-            </a:r>
-            <a:r>
-              <a:rPr lang="en-US" sz="1800" dirty="0">
-                <a:latin typeface="Courier"/>
-              </a:rPr>
-              <a:t>&gt;\local\</a:t>
-            </a:r>
-          </a:p>
-          <a:p>
-            <a:endParaRPr lang="en-US" dirty="0"/>
-          </a:p>
-          <a:p>
-            <a:endParaRPr lang="en-US" dirty="0"/>
-          </a:p>
-        </p:txBody>
-      </p:sp>
-      <p:pic>
-        <p:nvPicPr>
-          <p:cNvPr id="5" name="Picture 4"/>
-          <p:cNvPicPr>
-            <a:picLocks noChangeAspect="1"/>
-          </p:cNvPicPr>
-          <p:nvPr/>
-        </p:nvPicPr>
-        <p:blipFill>
-          <a:blip r:embed="rId4"/>
-          <a:stretch>
-            <a:fillRect/>
-          </a:stretch>
-        </p:blipFill>
-        <p:spPr>
-          <a:xfrm>
-            <a:off x="9677400" y="468086"/>
-            <a:ext cx="1547214" cy="1794768"/>
-          </a:xfrm>
-          <a:prstGeom prst="rect">
-            <a:avLst/>
-          </a:prstGeom>
-        </p:spPr>
-      </p:pic>
-      <p:pic>
-        <p:nvPicPr>
-          <p:cNvPr id="4" name="Picture 3"/>
-          <p:cNvPicPr>
-            <a:picLocks noChangeAspect="1"/>
-          </p:cNvPicPr>
-          <p:nvPr/>
-        </p:nvPicPr>
-        <p:blipFill>
-          <a:blip r:embed="rId5"/>
-          <a:stretch>
-            <a:fillRect/>
-          </a:stretch>
-        </p:blipFill>
-        <p:spPr>
-          <a:xfrm>
-            <a:off x="7543800" y="424543"/>
-            <a:ext cx="1152939" cy="1676400"/>
-          </a:xfrm>
-          <a:prstGeom prst="rect">
-            <a:avLst/>
-          </a:prstGeom>
-        </p:spPr>
-      </p:pic>
-      <p:sp>
-        <p:nvSpPr>
-          <p:cNvPr id="6" name="Right Arrow 5"/>
-          <p:cNvSpPr/>
-          <p:nvPr/>
-        </p:nvSpPr>
-        <p:spPr>
-          <a:xfrm>
-            <a:off x="8811039" y="1198329"/>
-            <a:ext cx="752061" cy="334282"/>
-          </a:xfrm>
-          <a:prstGeom prst="rightArrow">
-            <a:avLst/>
-          </a:prstGeom>
-        </p:spPr>
-        <p:style>
-          <a:lnRef idx="2">
-            <a:schemeClr val="accent1">
-              <a:shade val="50000"/>
-            </a:schemeClr>
-          </a:lnRef>
-          <a:fillRef idx="1">
-            <a:schemeClr val="accent1"/>
-          </a:fillRef>
-          <a:effectRef idx="0">
-            <a:schemeClr val="accent1"/>
-          </a:effectRef>
-          <a:fontRef idx="minor">
-            <a:schemeClr val="lt1"/>
-          </a:fontRef>
-        </p:style>
-        <p:txBody>
-          <a:bodyPr rtlCol="0" anchor="ctr"/>
-          <a:lstStyle/>
-          <a:p>
-            <a:pPr algn="ctr"/>
-            <a:endParaRPr lang="en-US"/>
-          </a:p>
-        </p:txBody>
-      </p:sp>
-      <p:pic>
-        <p:nvPicPr>
-          <p:cNvPr id="7" name="Picture 6"/>
-          <p:cNvPicPr>
-            <a:picLocks noChangeAspect="1"/>
-          </p:cNvPicPr>
-          <p:nvPr/>
-        </p:nvPicPr>
-        <p:blipFill>
-          <a:blip r:embed="rId6"/>
-          <a:stretch>
-            <a:fillRect/>
-          </a:stretch>
-        </p:blipFill>
-        <p:spPr>
-          <a:xfrm>
-            <a:off x="1447800" y="4495662"/>
-            <a:ext cx="2619740" cy="1981476"/>
-          </a:xfrm>
-          <a:prstGeom prst="rect">
-            <a:avLst/>
-          </a:prstGeom>
-        </p:spPr>
-      </p:pic>
-    </p:spTree>
-    <p:extLst>
-      <p:ext uri="{BB962C8B-B14F-4D97-AF65-F5344CB8AC3E}">
-        <p14:creationId xmlns:p14="http://schemas.microsoft.com/office/powerpoint/2010/main" val="3525518869"/>
-      </p:ext>
-    </p:extLst>
-  </p:cSld>
-  <p:clrMapOvr>
-    <a:masterClrMapping/>
-  </p:clrMapOvr>
-  <p:timing>
-    <p:tnLst>
-      <p:par>
-        <p:cTn id="1" dur="indefinite" restart="never" nodeType="tmRoot"/>
-      </p:par>
-    </p:tnLst>
-  </p:timing>
-</p:sld>
-</file>
-
-<file path=ppt/slides/slide51.xml><?xml version="1.0" encoding="utf-8"?>
-<p:sld xmlns:a="http://schemas.openxmlformats.org/drawingml/2006/main" xmlns:r="http://schemas.openxmlformats.org/officeDocument/2006/relationships" xmlns:p="http://schemas.openxmlformats.org/presentationml/2006/main">
-  <p:cSld>
-    <p:spTree>
-      <p:nvGrpSpPr>
-        <p:cNvPr id="1" name=""/>
-        <p:cNvGrpSpPr/>
-        <p:nvPr/>
-      </p:nvGrpSpPr>
-      <p:grpSpPr>
-        <a:xfrm>
-          <a:off x="0" y="0"/>
-          <a:ext cx="0" cy="0"/>
-          <a:chOff x="0" y="0"/>
-          <a:chExt cx="0" cy="0"/>
-        </a:xfrm>
-      </p:grpSpPr>
-      <p:sp>
-        <p:nvSpPr>
-          <p:cNvPr id="2" name="Title 1"/>
-          <p:cNvSpPr>
-            <a:spLocks noGrp="1"/>
-          </p:cNvSpPr>
-          <p:nvPr>
-            <p:ph type="title"/>
-          </p:nvPr>
-        </p:nvSpPr>
-        <p:spPr/>
-        <p:txBody>
-          <a:bodyPr/>
-          <a:lstStyle/>
-          <a:p>
-            <a:r>
-              <a:rPr lang="en-US" dirty="0"/>
-              <a:t>Customizing Dashboards</a:t>
-            </a:r>
-          </a:p>
-        </p:txBody>
-      </p:sp>
-      <p:sp>
-        <p:nvSpPr>
-          <p:cNvPr id="3" name="Text Placeholder 2"/>
-          <p:cNvSpPr>
-            <a:spLocks noGrp="1"/>
-          </p:cNvSpPr>
-          <p:nvPr>
-            <p:ph type="body" sz="quarter" idx="10"/>
-          </p:nvPr>
-        </p:nvSpPr>
-        <p:spPr/>
-        <p:txBody>
-          <a:bodyPr/>
-          <a:lstStyle/>
-          <a:p>
-            <a:r>
-              <a:rPr lang="en-US" dirty="0"/>
-              <a:t>In the UI using the integrated editor</a:t>
-            </a:r>
-          </a:p>
-          <a:p>
-            <a:r>
-              <a:rPr lang="en-US" dirty="0"/>
-              <a:t>By directly modifying the Simple XML</a:t>
-            </a:r>
-          </a:p>
-        </p:txBody>
-      </p:sp>
-      <p:pic>
-        <p:nvPicPr>
-          <p:cNvPr id="4" name="Picture 3"/>
-          <p:cNvPicPr>
-            <a:picLocks noChangeAspect="1"/>
-          </p:cNvPicPr>
-          <p:nvPr/>
-        </p:nvPicPr>
-        <p:blipFill>
-          <a:blip r:embed="rId2"/>
-          <a:stretch>
-            <a:fillRect/>
-          </a:stretch>
-        </p:blipFill>
-        <p:spPr>
-          <a:xfrm>
-            <a:off x="4572000" y="3352800"/>
-            <a:ext cx="3810000" cy="2421971"/>
-          </a:xfrm>
-          <a:prstGeom prst="rect">
-            <a:avLst/>
-          </a:prstGeom>
-        </p:spPr>
-      </p:pic>
-    </p:spTree>
-    <p:extLst>
-      <p:ext uri="{BB962C8B-B14F-4D97-AF65-F5344CB8AC3E}">
-        <p14:creationId xmlns:p14="http://schemas.microsoft.com/office/powerpoint/2010/main" val="1155479146"/>
-      </p:ext>
-    </p:extLst>
-  </p:cSld>
-  <p:clrMapOvr>
-    <a:masterClrMapping/>
-  </p:clrMapOvr>
-  <p:timing>
-    <p:tnLst>
-      <p:par>
-        <p:cTn id="1" dur="indefinite" restart="never" nodeType="tmRoot"/>
-      </p:par>
-    </p:tnLst>
-  </p:timing>
-</p:sld>
-</file>
-
-<file path=ppt/slides/slide52.xml><?xml version="1.0" encoding="utf-8"?>
 <p:sld xmlns:a="http://schemas.openxmlformats.org/drawingml/2006/main" xmlns:r="http://schemas.openxmlformats.org/officeDocument/2006/relationships" xmlns:p="http://schemas.openxmlformats.org/presentationml/2006/main">
   <p:cSld>
     <p:spTree>
@@ -13461,7 +11714,7 @@
 </p:sld>
 </file>
 
-<file path=ppt/slides/slide53.xml><?xml version="1.0" encoding="utf-8"?>
+<file path=ppt/slides/slide51.xml><?xml version="1.0" encoding="utf-8"?>
 <p:sld xmlns:a="http://schemas.openxmlformats.org/drawingml/2006/main" xmlns:r="http://schemas.openxmlformats.org/officeDocument/2006/relationships" xmlns:p="http://schemas.openxmlformats.org/presentationml/2006/main">
   <p:cSld>
     <p:spTree>
@@ -13601,7 +11854,7 @@
 </p:sld>
 </file>
 
-<file path=ppt/slides/slide54.xml><?xml version="1.0" encoding="utf-8"?>
+<file path=ppt/slides/slide52.xml><?xml version="1.0" encoding="utf-8"?>
 <p:sld xmlns:a="http://schemas.openxmlformats.org/drawingml/2006/main" xmlns:r="http://schemas.openxmlformats.org/officeDocument/2006/relationships" xmlns:p="http://schemas.openxmlformats.org/presentationml/2006/main">
   <p:cSld>
     <p:spTree>
@@ -13703,7 +11956,7 @@
 </p:sld>
 </file>
 
-<file path=ppt/slides/slide55.xml><?xml version="1.0" encoding="utf-8"?>
+<file path=ppt/slides/slide53.xml><?xml version="1.0" encoding="utf-8"?>
 <p:sld xmlns:a="http://schemas.openxmlformats.org/drawingml/2006/main" xmlns:r="http://schemas.openxmlformats.org/officeDocument/2006/relationships" xmlns:p="http://schemas.openxmlformats.org/presentationml/2006/main">
   <p:cSld>
     <p:spTree>
@@ -13872,7 +12125,7 @@
 </p:sld>
 </file>
 
-<file path=ppt/slides/slide56.xml><?xml version="1.0" encoding="utf-8"?>
+<file path=ppt/slides/slide54.xml><?xml version="1.0" encoding="utf-8"?>
 <p:sld xmlns:a="http://schemas.openxmlformats.org/drawingml/2006/main" xmlns:r="http://schemas.openxmlformats.org/officeDocument/2006/relationships" xmlns:p="http://schemas.openxmlformats.org/presentationml/2006/main">
   <p:cSld>
     <p:spTree>
@@ -14061,7 +12314,7 @@
 </p:sld>
 </file>
 
-<file path=ppt/slides/slide57.xml><?xml version="1.0" encoding="utf-8"?>
+<file path=ppt/slides/slide55.xml><?xml version="1.0" encoding="utf-8"?>
 <p:sld xmlns:a="http://schemas.openxmlformats.org/drawingml/2006/main" xmlns:r="http://schemas.openxmlformats.org/officeDocument/2006/relationships" xmlns:p="http://schemas.openxmlformats.org/presentationml/2006/main">
   <p:cSld>
     <p:spTree>
@@ -14192,7 +12445,7 @@
 </p:sld>
 </file>
 
-<file path=ppt/slides/slide58.xml><?xml version="1.0" encoding="utf-8"?>
+<file path=ppt/slides/slide56.xml><?xml version="1.0" encoding="utf-8"?>
 <p:sld xmlns:a="http://schemas.openxmlformats.org/drawingml/2006/main" xmlns:r="http://schemas.openxmlformats.org/officeDocument/2006/relationships" xmlns:p="http://schemas.openxmlformats.org/presentationml/2006/main">
   <p:cSld>
     <p:spTree>
@@ -14349,7 +12602,7 @@
 </p:sld>
 </file>
 
-<file path=ppt/slides/slide59.xml><?xml version="1.0" encoding="utf-8"?>
+<file path=ppt/slides/slide57.xml><?xml version="1.0" encoding="utf-8"?>
 <p:sld xmlns:a="http://schemas.openxmlformats.org/drawingml/2006/main" xmlns:r="http://schemas.openxmlformats.org/officeDocument/2006/relationships" xmlns:p="http://schemas.openxmlformats.org/presentationml/2006/main">
   <p:cSld>
     <p:spTree>
@@ -14561,9 +12814,241 @@
           </a:p>
         </p:txBody>
       </p:sp>
-      <p:sp>
-        <p:nvSpPr>
-          <p:cNvPr id="13" name="Rectangle 5"/>
+    </p:spTree>
+    <p:extLst>
+      <p:ext uri="{BB962C8B-B14F-4D97-AF65-F5344CB8AC3E}">
+        <p14:creationId xmlns:p14="http://schemas.microsoft.com/office/powerpoint/2010/main" val="4168223966"/>
+      </p:ext>
+    </p:extLst>
+  </p:cSld>
+  <p:clrMapOvr>
+    <a:masterClrMapping/>
+  </p:clrMapOvr>
+  <p:timing>
+    <p:tnLst>
+      <p:par>
+        <p:cTn id="1" dur="indefinite" restart="never" nodeType="tmRoot"/>
+      </p:par>
+    </p:tnLst>
+  </p:timing>
+</p:sld>
+</file>
+
+<file path=ppt/slides/slide58.xml><?xml version="1.0" encoding="utf-8"?>
+<p:sld xmlns:a="http://schemas.openxmlformats.org/drawingml/2006/main" xmlns:r="http://schemas.openxmlformats.org/officeDocument/2006/relationships" xmlns:p="http://schemas.openxmlformats.org/presentationml/2006/main">
+  <p:cSld>
+    <p:spTree>
+      <p:nvGrpSpPr>
+        <p:cNvPr id="1" name=""/>
+        <p:cNvGrpSpPr/>
+        <p:nvPr/>
+      </p:nvGrpSpPr>
+      <p:grpSpPr>
+        <a:xfrm>
+          <a:off x="0" y="0"/>
+          <a:ext cx="0" cy="0"/>
+          <a:chOff x="0" y="0"/>
+          <a:chExt cx="0" cy="0"/>
+        </a:xfrm>
+      </p:grpSpPr>
+      <p:sp>
+        <p:nvSpPr>
+          <p:cNvPr id="2" name="Title 1"/>
+          <p:cNvSpPr>
+            <a:spLocks noGrp="1"/>
+          </p:cNvSpPr>
+          <p:nvPr>
+            <p:ph type="title"/>
+          </p:nvPr>
+        </p:nvSpPr>
+        <p:spPr>
+          <a:xfrm>
+            <a:off x="1097280" y="286603"/>
+            <a:ext cx="10058400" cy="1084997"/>
+          </a:xfrm>
+        </p:spPr>
+        <p:txBody>
+          <a:bodyPr/>
+          <a:lstStyle/>
+          <a:p>
+            <a:r>
+              <a:rPr lang="en-US" dirty="0"/>
+              <a:t>Lab 3: Building an Operational Intelligence Application</a:t>
+            </a:r>
+          </a:p>
+        </p:txBody>
+      </p:sp>
+      <p:sp>
+        <p:nvSpPr>
+          <p:cNvPr id="3" name="Content Placeholder 2"/>
+          <p:cNvSpPr>
+            <a:spLocks noGrp="1"/>
+          </p:cNvSpPr>
+          <p:nvPr>
+            <p:ph idx="1"/>
+          </p:nvPr>
+        </p:nvSpPr>
+        <p:spPr/>
+        <p:txBody>
+          <a:bodyPr/>
+          <a:lstStyle/>
+          <a:p>
+            <a:r>
+              <a:rPr lang="en-US" sz="1800" dirty="0"/>
+              <a:t>Creating an Operational Intelligence application p 437</a:t>
+            </a:r>
+          </a:p>
+          <a:p>
+            <a:r>
+              <a:rPr lang="en-US" sz="1800" dirty="0"/>
+              <a:t>Adding dashboards and reports p 441</a:t>
+            </a:r>
+          </a:p>
+          <a:p>
+            <a:r>
+              <a:rPr lang="en-US" sz="1800" dirty="0"/>
+              <a:t>Organizing the dashboards more efficiently p 448</a:t>
+            </a:r>
+          </a:p>
+          <a:p>
+            <a:r>
+              <a:rPr lang="en-US" sz="1800" dirty="0"/>
+              <a:t>Dynamically drilling down on activity reports p 454</a:t>
+            </a:r>
+          </a:p>
+          <a:p>
+            <a:r>
+              <a:rPr lang="en-US" sz="1800" dirty="0"/>
+              <a:t>Creating a form to search web activities p 459</a:t>
+            </a:r>
+          </a:p>
+          <a:p>
+            <a:r>
+              <a:rPr lang="en-US" sz="1800" dirty="0"/>
+              <a:t>Linking web page activity reports to the form p 466</a:t>
+            </a:r>
+          </a:p>
+          <a:p>
+            <a:r>
+              <a:rPr lang="en-US" sz="1800" dirty="0"/>
+              <a:t>Displaying a geographical map of visitors p 471</a:t>
+            </a:r>
+          </a:p>
+          <a:p>
+            <a:r>
+              <a:rPr lang="en-US" sz="1800" dirty="0"/>
+              <a:t>Highlighting Average Product Price p 477</a:t>
+            </a:r>
+          </a:p>
+          <a:p>
+            <a:r>
+              <a:rPr lang="en-US" sz="1800" dirty="0"/>
+              <a:t>Scheduling the PDF delivery of a dashboard p 482</a:t>
+            </a:r>
+          </a:p>
+        </p:txBody>
+      </p:sp>
+      <p:sp>
+        <p:nvSpPr>
+          <p:cNvPr id="5" name="TextBox 4"/>
+          <p:cNvSpPr txBox="1"/>
+          <p:nvPr/>
+        </p:nvSpPr>
+        <p:spPr>
+          <a:xfrm>
+            <a:off x="1097280" y="1308100"/>
+            <a:ext cx="6096000" cy="381000"/>
+          </a:xfrm>
+          <a:prstGeom prst="rect">
+            <a:avLst/>
+          </a:prstGeom>
+          <a:noFill/>
+        </p:spPr>
+        <p:txBody>
+          <a:bodyPr wrap="square" rtlCol="0">
+            <a:spAutoFit/>
+          </a:bodyPr>
+          <a:lstStyle/>
+          <a:p>
+            <a:r>
+              <a:rPr lang="en-US" dirty="0"/>
+              <a:t>Duration: 75 minutes</a:t>
+            </a:r>
+          </a:p>
+        </p:txBody>
+      </p:sp>
+      <p:sp>
+        <p:nvSpPr>
+          <p:cNvPr id="6" name="Rectangle 5"/>
+          <p:cNvSpPr/>
+          <p:nvPr/>
+        </p:nvSpPr>
+        <p:spPr>
+          <a:xfrm>
+            <a:off x="8300258" y="2233943"/>
+            <a:ext cx="3200400" cy="2031325"/>
+          </a:xfrm>
+          <a:prstGeom prst="rect">
+            <a:avLst/>
+          </a:prstGeom>
+          <a:solidFill>
+            <a:schemeClr val="bg1"/>
+          </a:solidFill>
+          <a:ln>
+            <a:solidFill>
+              <a:schemeClr val="accent1"/>
+            </a:solidFill>
+          </a:ln>
+        </p:spPr>
+        <p:txBody>
+          <a:bodyPr wrap="square">
+            <a:spAutoFit/>
+          </a:bodyPr>
+          <a:lstStyle/>
+          <a:p>
+            <a:r>
+              <a:rPr lang="en-US" b="1" dirty="0">
+                <a:latin typeface="Calibri" panose="020F0502020204030204" pitchFamily="34" charset="0"/>
+              </a:rPr>
+              <a:t>NOTE:</a:t>
+            </a:r>
+            <a:r>
+              <a:rPr lang="en-US" dirty="0">
+                <a:latin typeface="Calibri" panose="020F0502020204030204" pitchFamily="34" charset="0"/>
+              </a:rPr>
+              <a:t> The lab instructions assume that the assets you will move into your application are located in the default </a:t>
+            </a:r>
+            <a:r>
+              <a:rPr lang="en-US" i="1" dirty="0">
+                <a:latin typeface="Calibri" panose="020F0502020204030204" pitchFamily="34" charset="0"/>
+              </a:rPr>
+              <a:t>Search</a:t>
+            </a:r>
+            <a:r>
+              <a:rPr lang="en-US" dirty="0">
+                <a:latin typeface="Calibri" panose="020F0502020204030204" pitchFamily="34" charset="0"/>
+              </a:rPr>
+              <a:t> app, but in our environment they are located in the </a:t>
+            </a:r>
+            <a:r>
+              <a:rPr lang="en-US" i="1" dirty="0">
+                <a:latin typeface="Calibri" panose="020F0502020204030204" pitchFamily="34" charset="0"/>
+              </a:rPr>
+              <a:t>ONLC Splunk Fundamentals 2</a:t>
+            </a:r>
+            <a:r>
+              <a:rPr lang="en-US" dirty="0">
+                <a:latin typeface="Calibri" panose="020F0502020204030204" pitchFamily="34" charset="0"/>
+              </a:rPr>
+              <a:t> app.</a:t>
+            </a:r>
+            <a:endParaRPr lang="en-US" dirty="0"/>
+          </a:p>
+        </p:txBody>
+      </p:sp>
+      <p:sp>
+        <p:nvSpPr>
+          <p:cNvPr id="11" name="Rectangle 5"/>
           <p:cNvSpPr>
             <a:spLocks noChangeArrowheads="1"/>
           </p:cNvSpPr>
@@ -14713,7 +13198,7 @@
       </p:sp>
       <p:sp>
         <p:nvSpPr>
-          <p:cNvPr id="14" name="Rectangle 6"/>
+          <p:cNvPr id="12" name="Rectangle 6"/>
           <p:cNvSpPr>
             <a:spLocks noChangeArrowheads="1"/>
           </p:cNvSpPr>
@@ -14897,7 +13382,7 @@
       </p:sp>
       <p:sp>
         <p:nvSpPr>
-          <p:cNvPr id="15" name="WordArt 3"/>
+          <p:cNvPr id="18" name="WordArt 4"/>
           <p:cNvSpPr>
             <a:spLocks noChangeArrowheads="1" noChangeShapeType="1" noTextEdit="1"/>
           </p:cNvSpPr>
@@ -14905,75 +13390,8 @@
         </p:nvSpPr>
         <p:spPr bwMode="auto">
           <a:xfrm>
-            <a:off x="0" y="203200"/>
-            <a:ext cx="7237413" cy="2432050"/>
-          </a:xfrm>
-          <a:prstGeom prst="rect">
-            <a:avLst/>
-          </a:prstGeom>
-        </p:spPr>
-        <p:txBody>
-          <a:bodyPr wrap="none" fromWordArt="1">
-            <a:prstTxWarp prst="textCascadeUp">
-              <a:avLst>
-                <a:gd name="adj" fmla="val 44444"/>
-              </a:avLst>
-            </a:prstTxWarp>
-            <a:scene3d>
-              <a:camera prst="legacyPerspectiveFront">
-                <a:rot lat="20519989" lon="1080000" rev="0"/>
-              </a:camera>
-              <a:lightRig rig="legacyHarsh2" dir="b"/>
-            </a:scene3d>
-            <a:sp3d extrusionH="430200" prstMaterial="legacyMatte">
-              <a:extrusionClr>
-                <a:srgbClr val="FF6600"/>
-              </a:extrusionClr>
-              <a:contourClr>
-                <a:srgbClr val="FFE701"/>
-              </a:contourClr>
-            </a:sp3d>
-          </a:bodyPr>
-          <a:lstStyle/>
-          <a:p>
-            <a:pPr algn="ctr"/>
-            <a:r>
-              <a:rPr lang="en-US" sz="3600" kern="10">
-                <a:ln w="9525">
-                  <a:round/>
-                  <a:headEnd/>
-                  <a:tailEnd/>
-                </a:ln>
-                <a:gradFill rotWithShape="1">
-                  <a:gsLst>
-                    <a:gs pos="0">
-                      <a:srgbClr val="FFE701"/>
-                    </a:gs>
-                    <a:gs pos="100000">
-                      <a:srgbClr val="FE3E02"/>
-                    </a:gs>
-                  </a:gsLst>
-                  <a:lin ang="5400000" scaled="1"/>
-                </a:gradFill>
-                <a:latin typeface="Impact" panose="020B0806030902050204" pitchFamily="34" charset="0"/>
-              </a:rPr>
-              <a:t>Good Morning</a:t>
-            </a:r>
-          </a:p>
-        </p:txBody>
-      </p:sp>
-      <p:sp>
-        <p:nvSpPr>
-          <p:cNvPr id="16" name="WordArt 4"/>
-          <p:cNvSpPr>
-            <a:spLocks noChangeArrowheads="1" noChangeShapeType="1" noTextEdit="1"/>
-          </p:cNvSpPr>
-          <p:nvPr/>
-        </p:nvSpPr>
-        <p:spPr bwMode="auto">
-          <a:xfrm>
-            <a:off x="9901238" y="1143000"/>
-            <a:ext cx="1543050" cy="2439988"/>
+            <a:off x="1098550" y="909638"/>
+            <a:ext cx="2881313" cy="2905125"/>
           </a:xfrm>
           <a:prstGeom prst="rect">
             <a:avLst/>
@@ -14991,7 +13409,7 @@
           <a:p>
             <a:pPr algn="ctr"/>
             <a:r>
-              <a:rPr lang="en-US" sz="3600" kern="10" dirty="0" smtClean="0">
+              <a:rPr lang="en-US" sz="3600" kern="10" dirty="0">
                 <a:ln w="9525">
                   <a:solidFill>
                     <a:srgbClr val="CC99FF"/>
@@ -15020,10 +13438,13 @@
                 </a:effectLst>
                 <a:latin typeface="Impact" panose="020B0806030902050204" pitchFamily="34" charset="0"/>
               </a:rPr>
-              <a:t>Lab(</a:t>
-            </a:r>
-            <a:r>
-              <a:rPr lang="en-US" sz="3600" kern="10" dirty="0" err="1" smtClean="0">
+              <a:t>Lab:</a:t>
+            </a:r>
+          </a:p>
+          <a:p>
+            <a:pPr algn="ctr"/>
+            <a:r>
+              <a:rPr lang="en-US" sz="3600" kern="10" smtClean="0">
                 <a:ln w="9525">
                   <a:solidFill>
                     <a:srgbClr val="CC99FF"/>
@@ -15052,41 +13473,9 @@
                 </a:effectLst>
                 <a:latin typeface="Impact" panose="020B0806030902050204" pitchFamily="34" charset="0"/>
               </a:rPr>
-              <a:t>c’t’d</a:t>
-            </a:r>
-            <a:r>
-              <a:rPr lang="en-US" sz="3600" kern="10" dirty="0" smtClean="0">
-                <a:ln w="9525">
-                  <a:solidFill>
-                    <a:srgbClr val="CC99FF"/>
-                  </a:solidFill>
-                  <a:round/>
-                  <a:headEnd/>
-                  <a:tailEnd/>
-                </a:ln>
-                <a:gradFill rotWithShape="1">
-                  <a:gsLst>
-                    <a:gs pos="0">
-                      <a:srgbClr val="6600CC"/>
-                    </a:gs>
-                    <a:gs pos="100000">
-                      <a:srgbClr val="CC00CC"/>
-                    </a:gs>
-                  </a:gsLst>
-                  <a:lin ang="5400000" scaled="1"/>
-                </a:gradFill>
-                <a:effectLst>
-                  <a:outerShdw dist="53882" dir="2700000" algn="ctr" rotWithShape="0">
-                    <a:srgbClr val="9999FF">
-                      <a:alpha val="79999"/>
-                    </a:srgbClr>
-                  </a:outerShdw>
-                </a:effectLst>
-                <a:latin typeface="Impact" panose="020B0806030902050204" pitchFamily="34" charset="0"/>
-              </a:rPr>
-              <a:t>):</a:t>
-            </a:r>
-            <a:endParaRPr lang="en-US" sz="3600" kern="10" dirty="0">
+              <a:t>15:10-Done</a:t>
+            </a:r>
+            <a:endParaRPr lang="en-US" sz="3600" kern="10">
               <a:ln w="9525">
                 <a:solidFill>
                   <a:srgbClr val="CC99FF"/>
@@ -15116,75 +13505,11 @@
               <a:latin typeface="Impact" panose="020B0806030902050204" pitchFamily="34" charset="0"/>
             </a:endParaRPr>
           </a:p>
-          <a:p>
-            <a:pPr algn="ctr"/>
-            <a:r>
-              <a:rPr lang="en-US" sz="3600" kern="10" dirty="0" smtClean="0">
-                <a:ln w="9525">
-                  <a:solidFill>
-                    <a:srgbClr val="CC99FF"/>
-                  </a:solidFill>
-                  <a:round/>
-                  <a:headEnd/>
-                  <a:tailEnd/>
-                </a:ln>
-                <a:gradFill rotWithShape="1">
-                  <a:gsLst>
-                    <a:gs pos="0">
-                      <a:srgbClr val="6600CC"/>
-                    </a:gs>
-                    <a:gs pos="100000">
-                      <a:srgbClr val="CC00CC"/>
-                    </a:gs>
-                  </a:gsLst>
-                  <a:lin ang="5400000" scaled="1"/>
-                </a:gradFill>
-                <a:effectLst>
-                  <a:outerShdw dist="53882" dir="2700000" algn="ctr" rotWithShape="0">
-                    <a:srgbClr val="9999FF">
-                      <a:alpha val="79999"/>
-                    </a:srgbClr>
-                  </a:outerShdw>
-                </a:effectLst>
-                <a:latin typeface="Impact" panose="020B0806030902050204" pitchFamily="34" charset="0"/>
-              </a:rPr>
-              <a:t>10:00-10:15</a:t>
-            </a:r>
-            <a:endParaRPr lang="en-US" sz="3600" kern="10" dirty="0">
-              <a:ln w="9525">
-                <a:solidFill>
-                  <a:srgbClr val="CC99FF"/>
-                </a:solidFill>
-                <a:round/>
-                <a:headEnd/>
-                <a:tailEnd/>
-              </a:ln>
-              <a:gradFill rotWithShape="1">
-                <a:gsLst>
-                  <a:gs pos="0">
-                    <a:srgbClr val="6600CC"/>
-                  </a:gs>
-                  <a:gs pos="100000">
-                    <a:srgbClr val="CC00CC"/>
-                  </a:gs>
-                </a:gsLst>
-                <a:lin ang="5400000" scaled="1"/>
-              </a:gradFill>
-              <a:effectLst>
-                <a:outerShdw dist="53882" dir="2700000" algn="ctr" rotWithShape="0">
-                  <a:srgbClr val="9999FF">
-                    <a:alpha val="79999"/>
-                  </a:srgbClr>
-                </a:outerShdw>
-              </a:effectLst>
-              <a:latin typeface="Impact" panose="020B0806030902050204" pitchFamily="34" charset="0"/>
-            </a:endParaRPr>
-          </a:p>
         </p:txBody>
       </p:sp>
       <p:pic>
         <p:nvPicPr>
-          <p:cNvPr id="17" name="Picture 7" descr="j0305257"/>
+          <p:cNvPr id="19" name="Picture 6" descr="j0305257"/>
           <p:cNvPicPr>
             <a:picLocks noChangeAspect="1" noChangeArrowheads="1"/>
           </p:cNvPicPr>
@@ -15205,7 +13530,7 @@
         </p:blipFill>
         <p:spPr bwMode="auto">
           <a:xfrm>
-            <a:off x="7985125" y="3405188"/>
+            <a:off x="9188450" y="554038"/>
             <a:ext cx="1874838" cy="3013075"/>
           </a:xfrm>
           <a:prstGeom prst="rect">
@@ -15236,10 +13561,167 @@
           </a:extLst>
         </p:spPr>
       </p:pic>
+      <p:sp>
+        <p:nvSpPr>
+          <p:cNvPr id="20" name="WordArt 7"/>
+          <p:cNvSpPr>
+            <a:spLocks noChangeArrowheads="1" noChangeShapeType="1" noTextEdit="1"/>
+          </p:cNvSpPr>
+          <p:nvPr/>
+        </p:nvSpPr>
+        <p:spPr bwMode="auto">
+          <a:xfrm>
+            <a:off x="9559925" y="4143375"/>
+            <a:ext cx="2063750" cy="2360613"/>
+          </a:xfrm>
+          <a:prstGeom prst="rect">
+            <a:avLst/>
+          </a:prstGeom>
+        </p:spPr>
+        <p:txBody>
+          <a:bodyPr wrap="none" fromWordArt="1">
+            <a:prstTxWarp prst="textSlantUp">
+              <a:avLst>
+                <a:gd name="adj" fmla="val 9014"/>
+              </a:avLst>
+            </a:prstTxWarp>
+          </a:bodyPr>
+          <a:lstStyle/>
+          <a:p>
+            <a:pPr algn="ctr"/>
+            <a:r>
+              <a:rPr lang="en-US" sz="3600" kern="10">
+                <a:ln w="9525">
+                  <a:solidFill>
+                    <a:srgbClr val="CC99FF"/>
+                  </a:solidFill>
+                  <a:round/>
+                  <a:headEnd/>
+                  <a:tailEnd/>
+                </a:ln>
+                <a:gradFill rotWithShape="1">
+                  <a:gsLst>
+                    <a:gs pos="0">
+                      <a:srgbClr val="6600CC"/>
+                    </a:gs>
+                    <a:gs pos="100000">
+                      <a:srgbClr val="FF0000"/>
+                    </a:gs>
+                  </a:gsLst>
+                  <a:lin ang="5400000" scaled="1"/>
+                </a:gradFill>
+                <a:effectLst>
+                  <a:outerShdw dist="53882" dir="2700000" algn="ctr" rotWithShape="0">
+                    <a:srgbClr val="9999FF">
+                      <a:alpha val="79999"/>
+                    </a:srgbClr>
+                  </a:outerShdw>
+                </a:effectLst>
+                <a:latin typeface="Impact" panose="020B0806030902050204" pitchFamily="34" charset="0"/>
+              </a:rPr>
+              <a:t>Have a</a:t>
+            </a:r>
+          </a:p>
+          <a:p>
+            <a:pPr algn="ctr"/>
+            <a:r>
+              <a:rPr lang="en-US" sz="3600" kern="10">
+                <a:ln w="9525">
+                  <a:solidFill>
+                    <a:srgbClr val="CC99FF"/>
+                  </a:solidFill>
+                  <a:round/>
+                  <a:headEnd/>
+                  <a:tailEnd/>
+                </a:ln>
+                <a:gradFill rotWithShape="1">
+                  <a:gsLst>
+                    <a:gs pos="0">
+                      <a:srgbClr val="6600CC"/>
+                    </a:gs>
+                    <a:gs pos="100000">
+                      <a:srgbClr val="FF0000"/>
+                    </a:gs>
+                  </a:gsLst>
+                  <a:lin ang="5400000" scaled="1"/>
+                </a:gradFill>
+                <a:effectLst>
+                  <a:outerShdw dist="53882" dir="2700000" algn="ctr" rotWithShape="0">
+                    <a:srgbClr val="9999FF">
+                      <a:alpha val="79999"/>
+                    </a:srgbClr>
+                  </a:outerShdw>
+                </a:effectLst>
+                <a:latin typeface="Impact" panose="020B0806030902050204" pitchFamily="34" charset="0"/>
+              </a:rPr>
+              <a:t>great night!</a:t>
+            </a:r>
+          </a:p>
+        </p:txBody>
+      </p:sp>
     </p:spTree>
     <p:extLst>
       <p:ext uri="{BB962C8B-B14F-4D97-AF65-F5344CB8AC3E}">
         <p14:creationId xmlns:p14="http://schemas.microsoft.com/office/powerpoint/2010/main" val="903356305"/>
+      </p:ext>
+    </p:extLst>
+  </p:cSld>
+  <p:clrMapOvr>
+    <a:masterClrMapping/>
+  </p:clrMapOvr>
+  <p:timing>
+    <p:tnLst>
+      <p:par>
+        <p:cTn id="1" dur="indefinite" restart="never" nodeType="tmRoot"/>
+      </p:par>
+    </p:tnLst>
+  </p:timing>
+</p:sld>
+</file>
+
+<file path=ppt/slides/slide59.xml><?xml version="1.0" encoding="utf-8"?>
+<p:sld xmlns:a="http://schemas.openxmlformats.org/drawingml/2006/main" xmlns:r="http://schemas.openxmlformats.org/officeDocument/2006/relationships" xmlns:p="http://schemas.openxmlformats.org/presentationml/2006/main">
+  <p:cSld>
+    <p:spTree>
+      <p:nvGrpSpPr>
+        <p:cNvPr id="1" name=""/>
+        <p:cNvGrpSpPr/>
+        <p:nvPr/>
+      </p:nvGrpSpPr>
+      <p:grpSpPr>
+        <a:xfrm>
+          <a:off x="0" y="0"/>
+          <a:ext cx="0" cy="0"/>
+          <a:chOff x="0" y="0"/>
+          <a:chExt cx="0" cy="0"/>
+        </a:xfrm>
+      </p:grpSpPr>
+      <p:sp>
+        <p:nvSpPr>
+          <p:cNvPr id="2" name="Title 1"/>
+          <p:cNvSpPr>
+            <a:spLocks noGrp="1"/>
+          </p:cNvSpPr>
+          <p:nvPr>
+            <p:ph type="title"/>
+          </p:nvPr>
+        </p:nvSpPr>
+        <p:spPr/>
+        <p:txBody>
+          <a:bodyPr/>
+          <a:lstStyle/>
+          <a:p>
+            <a:r>
+              <a:rPr lang="en-US" dirty="0"/>
+              <a:t>Module 4: Advanced Search</a:t>
+            </a:r>
+          </a:p>
+        </p:txBody>
+      </p:sp>
+    </p:spTree>
+    <p:extLst>
+      <p:ext uri="{BB962C8B-B14F-4D97-AF65-F5344CB8AC3E}">
+        <p14:creationId xmlns:p14="http://schemas.microsoft.com/office/powerpoint/2010/main" val="3741443236"/>
       </p:ext>
     </p:extLst>
   </p:cSld>
@@ -15442,65 +13924,6 @@
 </file>
 
 <file path=ppt/slides/slide60.xml><?xml version="1.0" encoding="utf-8"?>
-<p:sld xmlns:a="http://schemas.openxmlformats.org/drawingml/2006/main" xmlns:r="http://schemas.openxmlformats.org/officeDocument/2006/relationships" xmlns:p="http://schemas.openxmlformats.org/presentationml/2006/main">
-  <p:cSld>
-    <p:spTree>
-      <p:nvGrpSpPr>
-        <p:cNvPr id="1" name=""/>
-        <p:cNvGrpSpPr/>
-        <p:nvPr/>
-      </p:nvGrpSpPr>
-      <p:grpSpPr>
-        <a:xfrm>
-          <a:off x="0" y="0"/>
-          <a:ext cx="0" cy="0"/>
-          <a:chOff x="0" y="0"/>
-          <a:chExt cx="0" cy="0"/>
-        </a:xfrm>
-      </p:grpSpPr>
-      <p:sp>
-        <p:nvSpPr>
-          <p:cNvPr id="2" name="Title 1"/>
-          <p:cNvSpPr>
-            <a:spLocks noGrp="1"/>
-          </p:cNvSpPr>
-          <p:nvPr>
-            <p:ph type="title"/>
-          </p:nvPr>
-        </p:nvSpPr>
-        <p:spPr/>
-        <p:txBody>
-          <a:bodyPr/>
-          <a:lstStyle/>
-          <a:p>
-            <a:r>
-              <a:rPr lang="en-US" dirty="0"/>
-              <a:t>Module 4: Advanced Search</a:t>
-            </a:r>
-          </a:p>
-        </p:txBody>
-      </p:sp>
-    </p:spTree>
-    <p:extLst>
-      <p:ext uri="{BB962C8B-B14F-4D97-AF65-F5344CB8AC3E}">
-        <p14:creationId xmlns:p14="http://schemas.microsoft.com/office/powerpoint/2010/main" val="3741443236"/>
-      </p:ext>
-    </p:extLst>
-  </p:cSld>
-  <p:clrMapOvr>
-    <a:masterClrMapping/>
-  </p:clrMapOvr>
-  <p:timing>
-    <p:tnLst>
-      <p:par>
-        <p:cTn id="1" dur="indefinite" restart="never" nodeType="tmRoot"/>
-      </p:par>
-    </p:tnLst>
-  </p:timing>
-</p:sld>
-</file>
-
-<file path=ppt/slides/slide61.xml><?xml version="1.0" encoding="utf-8"?>
 <p:sld xmlns:a="http://schemas.openxmlformats.org/drawingml/2006/main" xmlns:r="http://schemas.openxmlformats.org/officeDocument/2006/relationships" xmlns:p="http://schemas.openxmlformats.org/presentationml/2006/main">
   <p:cSld>
     <p:spTree>
@@ -15642,7 +14065,7 @@
 </p:sld>
 </file>
 
-<file path=ppt/slides/slide62.xml><?xml version="1.0" encoding="utf-8"?>
+<file path=ppt/slides/slide61.xml><?xml version="1.0" encoding="utf-8"?>
 <p:sld xmlns:a="http://schemas.openxmlformats.org/drawingml/2006/main" xmlns:r="http://schemas.openxmlformats.org/officeDocument/2006/relationships" xmlns:p="http://schemas.openxmlformats.org/presentationml/2006/main">
   <p:cSld>
     <p:spTree>
@@ -15775,7 +14198,7 @@
 </p:sld>
 </file>
 
-<file path=ppt/slides/slide63.xml><?xml version="1.0" encoding="utf-8"?>
+<file path=ppt/slides/slide62.xml><?xml version="1.0" encoding="utf-8"?>
 <p:sld xmlns:a="http://schemas.openxmlformats.org/drawingml/2006/main" xmlns:r="http://schemas.openxmlformats.org/officeDocument/2006/relationships" xmlns:p="http://schemas.openxmlformats.org/presentationml/2006/main">
   <p:cSld>
     <p:spTree>
@@ -15945,7 +14368,7 @@
 </p:sld>
 </file>
 
-<file path=ppt/slides/slide64.xml><?xml version="1.0" encoding="utf-8"?>
+<file path=ppt/slides/slide63.xml><?xml version="1.0" encoding="utf-8"?>
 <p:sld xmlns:a="http://schemas.openxmlformats.org/drawingml/2006/main" xmlns:r="http://schemas.openxmlformats.org/officeDocument/2006/relationships" xmlns:p="http://schemas.openxmlformats.org/presentationml/2006/main">
   <p:cSld>
     <p:spTree>
@@ -16148,7 +14571,7 @@
 </p:sld>
 </file>
 
-<file path=ppt/slides/slide65.xml><?xml version="1.0" encoding="utf-8"?>
+<file path=ppt/slides/slide64.xml><?xml version="1.0" encoding="utf-8"?>
 <p:sld xmlns:a="http://schemas.openxmlformats.org/drawingml/2006/main" xmlns:r="http://schemas.openxmlformats.org/officeDocument/2006/relationships" xmlns:p="http://schemas.openxmlformats.org/presentationml/2006/main">
   <p:cSld>
     <p:spTree>
@@ -16279,7 +14702,7 @@
 </p:sld>
 </file>
 
-<file path=ppt/slides/slide66.xml><?xml version="1.0" encoding="utf-8"?>
+<file path=ppt/slides/slide65.xml><?xml version="1.0" encoding="utf-8"?>
 <p:sld xmlns:a="http://schemas.openxmlformats.org/drawingml/2006/main" xmlns:r="http://schemas.openxmlformats.org/officeDocument/2006/relationships" xmlns:p="http://schemas.openxmlformats.org/presentationml/2006/main">
   <p:cSld>
     <p:spTree>
@@ -16438,7 +14861,7 @@
 </p:sld>
 </file>
 
-<file path=ppt/slides/slide67.xml><?xml version="1.0" encoding="utf-8"?>
+<file path=ppt/slides/slide66.xml><?xml version="1.0" encoding="utf-8"?>
 <p:sld xmlns:a="http://schemas.openxmlformats.org/drawingml/2006/main" xmlns:r="http://schemas.openxmlformats.org/officeDocument/2006/relationships" xmlns:p="http://schemas.openxmlformats.org/presentationml/2006/main">
   <p:cSld>
     <p:spTree>
@@ -16571,7 +14994,7 @@
 </p:sld>
 </file>
 
-<file path=ppt/slides/slide68.xml><?xml version="1.0" encoding="utf-8"?>
+<file path=ppt/slides/slide67.xml><?xml version="1.0" encoding="utf-8"?>
 <p:sld xmlns:a="http://schemas.openxmlformats.org/drawingml/2006/main" xmlns:r="http://schemas.openxmlformats.org/officeDocument/2006/relationships" xmlns:p="http://schemas.openxmlformats.org/presentationml/2006/main">
   <p:cSld>
     <p:spTree>
@@ -16708,7 +15131,7 @@
 </p:sld>
 </file>
 
-<file path=ppt/slides/slide69.xml><?xml version="1.0" encoding="utf-8"?>
+<file path=ppt/slides/slide68.xml><?xml version="1.0" encoding="utf-8"?>
 <p:sld xmlns:a="http://schemas.openxmlformats.org/drawingml/2006/main" xmlns:r="http://schemas.openxmlformats.org/officeDocument/2006/relationships" xmlns:p="http://schemas.openxmlformats.org/presentationml/2006/main">
   <p:cSld>
     <p:spTree>
@@ -16842,147 +15265,7 @@
 </p:sld>
 </file>
 
-<file path=ppt/slides/slide7.xml><?xml version="1.0" encoding="utf-8"?>
-<p:sld xmlns:a="http://schemas.openxmlformats.org/drawingml/2006/main" xmlns:r="http://schemas.openxmlformats.org/officeDocument/2006/relationships" xmlns:p="http://schemas.openxmlformats.org/presentationml/2006/main">
-  <p:cSld>
-    <p:spTree>
-      <p:nvGrpSpPr>
-        <p:cNvPr id="1" name=""/>
-        <p:cNvGrpSpPr/>
-        <p:nvPr/>
-      </p:nvGrpSpPr>
-      <p:grpSpPr>
-        <a:xfrm>
-          <a:off x="0" y="0"/>
-          <a:ext cx="0" cy="0"/>
-          <a:chOff x="0" y="0"/>
-          <a:chExt cx="0" cy="0"/>
-        </a:xfrm>
-      </p:grpSpPr>
-      <p:sp>
-        <p:nvSpPr>
-          <p:cNvPr id="2" name="Title 1"/>
-          <p:cNvSpPr>
-            <a:spLocks noGrp="1"/>
-          </p:cNvSpPr>
-          <p:nvPr>
-            <p:ph type="title"/>
-          </p:nvPr>
-        </p:nvSpPr>
-        <p:spPr/>
-        <p:txBody>
-          <a:bodyPr/>
-          <a:lstStyle/>
-          <a:p>
-            <a:r>
-              <a:rPr lang="en-US" dirty="0"/>
-              <a:t>Course Outline</a:t>
-            </a:r>
-          </a:p>
-        </p:txBody>
-      </p:sp>
-      <p:sp>
-        <p:nvSpPr>
-          <p:cNvPr id="3" name="Slide Number Placeholder 2"/>
-          <p:cNvSpPr>
-            <a:spLocks noGrp="1"/>
-          </p:cNvSpPr>
-          <p:nvPr>
-            <p:ph type="sldNum" sz="quarter" idx="12"/>
-          </p:nvPr>
-        </p:nvSpPr>
-        <p:spPr/>
-        <p:txBody>
-          <a:bodyPr/>
-          <a:lstStyle/>
-          <a:p>
-            <a:fld id="{D814DA60-3BEE-4BCE-BEDB-E433FD970963}" type="slidenum">
-              <a:rPr lang="en-US" smtClean="0"/>
-              <a:pPr/>
-              <a:t>7</a:t>
-            </a:fld>
-            <a:endParaRPr lang="en-US" dirty="0"/>
-          </a:p>
-        </p:txBody>
-      </p:sp>
-      <p:sp>
-        <p:nvSpPr>
-          <p:cNvPr id="5" name="Text Placeholder 4"/>
-          <p:cNvSpPr>
-            <a:spLocks noGrp="1"/>
-          </p:cNvSpPr>
-          <p:nvPr>
-            <p:ph type="body" sz="quarter" idx="13"/>
-          </p:nvPr>
-        </p:nvSpPr>
-        <p:spPr>
-          <a:xfrm>
-            <a:off x="609600" y="1066800"/>
-            <a:ext cx="10972800" cy="4343400"/>
-          </a:xfrm>
-        </p:spPr>
-        <p:txBody>
-          <a:bodyPr numCol="1"/>
-          <a:lstStyle/>
-          <a:p>
-            <a:r>
-              <a:rPr lang="en-US" sz="1800" dirty="0"/>
-              <a:t>Module 1: Introduction and review</a:t>
-            </a:r>
-          </a:p>
-          <a:p>
-            <a:r>
-              <a:rPr lang="en-US" sz="1800" dirty="0"/>
-              <a:t>Module 2: Getting data into Splunk</a:t>
-            </a:r>
-          </a:p>
-          <a:p>
-            <a:r>
-              <a:rPr lang="en-US" sz="1800" dirty="0"/>
-              <a:t>Module 3: Building an Operational Intelligence App</a:t>
-            </a:r>
-          </a:p>
-          <a:p>
-            <a:r>
-              <a:rPr lang="en-US" sz="1800" dirty="0"/>
-              <a:t>Module 4: Advanced Querying</a:t>
-            </a:r>
-          </a:p>
-          <a:p>
-            <a:r>
-              <a:rPr lang="en-US" sz="1800" dirty="0"/>
-              <a:t>Module 5: Analytics and Machine Learning</a:t>
-            </a:r>
-          </a:p>
-          <a:p>
-            <a:r>
-              <a:rPr lang="en-US" sz="1800" dirty="0"/>
-              <a:t>Module 6: Optimization</a:t>
-            </a:r>
-          </a:p>
-        </p:txBody>
-      </p:sp>
-    </p:spTree>
-    <p:extLst>
-      <p:ext uri="{BB962C8B-B14F-4D97-AF65-F5344CB8AC3E}">
-        <p14:creationId xmlns:p14="http://schemas.microsoft.com/office/powerpoint/2010/main" val="2796521234"/>
-      </p:ext>
-    </p:extLst>
-  </p:cSld>
-  <p:clrMapOvr>
-    <a:masterClrMapping/>
-  </p:clrMapOvr>
-  <p:timing>
-    <p:tnLst>
-      <p:par>
-        <p:cTn id="1" dur="indefinite" restart="never" nodeType="tmRoot"/>
-      </p:par>
-    </p:tnLst>
-  </p:timing>
-</p:sld>
-</file>
-
-<file path=ppt/slides/slide70.xml><?xml version="1.0" encoding="utf-8"?>
+<file path=ppt/slides/slide69.xml><?xml version="1.0" encoding="utf-8"?>
 <p:sld xmlns:a="http://schemas.openxmlformats.org/drawingml/2006/main" xmlns:r="http://schemas.openxmlformats.org/officeDocument/2006/relationships" xmlns:p="http://schemas.openxmlformats.org/presentationml/2006/main">
   <p:cSld>
     <p:spTree>
@@ -17105,7 +15388,147 @@
 </p:sld>
 </file>
 
-<file path=ppt/slides/slide71.xml><?xml version="1.0" encoding="utf-8"?>
+<file path=ppt/slides/slide7.xml><?xml version="1.0" encoding="utf-8"?>
+<p:sld xmlns:a="http://schemas.openxmlformats.org/drawingml/2006/main" xmlns:r="http://schemas.openxmlformats.org/officeDocument/2006/relationships" xmlns:p="http://schemas.openxmlformats.org/presentationml/2006/main">
+  <p:cSld>
+    <p:spTree>
+      <p:nvGrpSpPr>
+        <p:cNvPr id="1" name=""/>
+        <p:cNvGrpSpPr/>
+        <p:nvPr/>
+      </p:nvGrpSpPr>
+      <p:grpSpPr>
+        <a:xfrm>
+          <a:off x="0" y="0"/>
+          <a:ext cx="0" cy="0"/>
+          <a:chOff x="0" y="0"/>
+          <a:chExt cx="0" cy="0"/>
+        </a:xfrm>
+      </p:grpSpPr>
+      <p:sp>
+        <p:nvSpPr>
+          <p:cNvPr id="2" name="Title 1"/>
+          <p:cNvSpPr>
+            <a:spLocks noGrp="1"/>
+          </p:cNvSpPr>
+          <p:nvPr>
+            <p:ph type="title"/>
+          </p:nvPr>
+        </p:nvSpPr>
+        <p:spPr/>
+        <p:txBody>
+          <a:bodyPr/>
+          <a:lstStyle/>
+          <a:p>
+            <a:r>
+              <a:rPr lang="en-US" dirty="0"/>
+              <a:t>Course Outline</a:t>
+            </a:r>
+          </a:p>
+        </p:txBody>
+      </p:sp>
+      <p:sp>
+        <p:nvSpPr>
+          <p:cNvPr id="3" name="Slide Number Placeholder 2"/>
+          <p:cNvSpPr>
+            <a:spLocks noGrp="1"/>
+          </p:cNvSpPr>
+          <p:nvPr>
+            <p:ph type="sldNum" sz="quarter" idx="12"/>
+          </p:nvPr>
+        </p:nvSpPr>
+        <p:spPr/>
+        <p:txBody>
+          <a:bodyPr/>
+          <a:lstStyle/>
+          <a:p>
+            <a:fld id="{D814DA60-3BEE-4BCE-BEDB-E433FD970963}" type="slidenum">
+              <a:rPr lang="en-US" smtClean="0"/>
+              <a:pPr/>
+              <a:t>7</a:t>
+            </a:fld>
+            <a:endParaRPr lang="en-US" dirty="0"/>
+          </a:p>
+        </p:txBody>
+      </p:sp>
+      <p:sp>
+        <p:nvSpPr>
+          <p:cNvPr id="5" name="Text Placeholder 4"/>
+          <p:cNvSpPr>
+            <a:spLocks noGrp="1"/>
+          </p:cNvSpPr>
+          <p:nvPr>
+            <p:ph type="body" sz="quarter" idx="13"/>
+          </p:nvPr>
+        </p:nvSpPr>
+        <p:spPr>
+          <a:xfrm>
+            <a:off x="609600" y="1066800"/>
+            <a:ext cx="10972800" cy="4343400"/>
+          </a:xfrm>
+        </p:spPr>
+        <p:txBody>
+          <a:bodyPr numCol="1"/>
+          <a:lstStyle/>
+          <a:p>
+            <a:r>
+              <a:rPr lang="en-US" sz="1800" dirty="0"/>
+              <a:t>Module 1: Introduction and review</a:t>
+            </a:r>
+          </a:p>
+          <a:p>
+            <a:r>
+              <a:rPr lang="en-US" sz="1800" dirty="0"/>
+              <a:t>Module 2: Getting data into Splunk</a:t>
+            </a:r>
+          </a:p>
+          <a:p>
+            <a:r>
+              <a:rPr lang="en-US" sz="1800" dirty="0"/>
+              <a:t>Module 3: Building an Operational Intelligence App</a:t>
+            </a:r>
+          </a:p>
+          <a:p>
+            <a:r>
+              <a:rPr lang="en-US" sz="1800" dirty="0"/>
+              <a:t>Module 4: Advanced Querying</a:t>
+            </a:r>
+          </a:p>
+          <a:p>
+            <a:r>
+              <a:rPr lang="en-US" sz="1800" dirty="0"/>
+              <a:t>Module 5: Analytics and Machine Learning</a:t>
+            </a:r>
+          </a:p>
+          <a:p>
+            <a:r>
+              <a:rPr lang="en-US" sz="1800" dirty="0"/>
+              <a:t>Module 6: Optimization</a:t>
+            </a:r>
+          </a:p>
+        </p:txBody>
+      </p:sp>
+    </p:spTree>
+    <p:extLst>
+      <p:ext uri="{BB962C8B-B14F-4D97-AF65-F5344CB8AC3E}">
+        <p14:creationId xmlns:p14="http://schemas.microsoft.com/office/powerpoint/2010/main" val="2796521234"/>
+      </p:ext>
+    </p:extLst>
+  </p:cSld>
+  <p:clrMapOvr>
+    <a:masterClrMapping/>
+  </p:clrMapOvr>
+  <p:timing>
+    <p:tnLst>
+      <p:par>
+        <p:cTn id="1" dur="indefinite" restart="never" nodeType="tmRoot"/>
+      </p:par>
+    </p:tnLst>
+  </p:timing>
+</p:sld>
+</file>
+
+<file path=ppt/slides/slide70.xml><?xml version="1.0" encoding="utf-8"?>
 <p:sld xmlns:a="http://schemas.openxmlformats.org/drawingml/2006/main" xmlns:r="http://schemas.openxmlformats.org/officeDocument/2006/relationships" xmlns:p="http://schemas.openxmlformats.org/presentationml/2006/main">
   <p:cSld>
     <p:spTree>
@@ -17292,7 +15715,7 @@
 </p:sld>
 </file>
 
-<file path=ppt/slides/slide72.xml><?xml version="1.0" encoding="utf-8"?>
+<file path=ppt/slides/slide71.xml><?xml version="1.0" encoding="utf-8"?>
 <p:sld xmlns:a="http://schemas.openxmlformats.org/drawingml/2006/main" xmlns:r="http://schemas.openxmlformats.org/officeDocument/2006/relationships" xmlns:p="http://schemas.openxmlformats.org/presentationml/2006/main">
   <p:cSld>
     <p:spTree>
@@ -17505,7 +15928,7 @@
 </p:sld>
 </file>
 
-<file path=ppt/slides/slide73.xml><?xml version="1.0" encoding="utf-8"?>
+<file path=ppt/slides/slide72.xml><?xml version="1.0" encoding="utf-8"?>
 <p:sld xmlns:a="http://schemas.openxmlformats.org/drawingml/2006/main" xmlns:r="http://schemas.openxmlformats.org/officeDocument/2006/relationships" xmlns:p="http://schemas.openxmlformats.org/presentationml/2006/main">
   <p:cSld>
     <p:spTree>
@@ -17656,7 +16079,7 @@
 </p:sld>
 </file>
 
-<file path=ppt/slides/slide74.xml><?xml version="1.0" encoding="utf-8"?>
+<file path=ppt/slides/slide73.xml><?xml version="1.0" encoding="utf-8"?>
 <p:sld xmlns:a="http://schemas.openxmlformats.org/drawingml/2006/main" xmlns:r="http://schemas.openxmlformats.org/officeDocument/2006/relationships" xmlns:p="http://schemas.openxmlformats.org/presentationml/2006/main">
   <p:cSld>
     <p:spTree>
@@ -17765,818 +16188,6 @@
           </a:p>
         </p:txBody>
       </p:sp>
-      <p:sp>
-        <p:nvSpPr>
-          <p:cNvPr id="5" name="Rectangle 5"/>
-          <p:cNvSpPr>
-            <a:spLocks noChangeArrowheads="1"/>
-          </p:cNvSpPr>
-          <p:nvPr/>
-        </p:nvSpPr>
-        <p:spPr bwMode="auto">
-          <a:xfrm>
-            <a:off x="0" y="-24163"/>
-            <a:ext cx="12192000" cy="6858000"/>
-          </a:xfrm>
-          <a:prstGeom prst="rect">
-            <a:avLst/>
-          </a:prstGeom>
-          <a:solidFill>
-            <a:srgbClr val="FFFFFF">
-              <a:alpha val="50195"/>
-            </a:srgbClr>
-          </a:solidFill>
-          <a:ln>
-            <a:noFill/>
-          </a:ln>
-          <a:effectLst>
-            <a:outerShdw dist="53882" dir="2700000" algn="ctr" rotWithShape="0">
-              <a:srgbClr val="919191">
-                <a:alpha val="50000"/>
-              </a:srgbClr>
-            </a:outerShdw>
-          </a:effectLst>
-          <a:extLst>
-            <a:ext uri="{91240B29-F687-4F45-9708-019B960494DF}">
-              <a14:hiddenLine xmlns:a14="http://schemas.microsoft.com/office/drawing/2010/main" w="9525" algn="ctr">
-                <a:solidFill>
-                  <a:srgbClr val="000000"/>
-                </a:solidFill>
-                <a:miter lim="800000"/>
-                <a:headEnd/>
-                <a:tailEnd/>
-              </a14:hiddenLine>
-            </a:ext>
-          </a:extLst>
-        </p:spPr>
-        <p:txBody>
-          <a:bodyPr wrap="none" anchor="ctr"/>
-          <a:lstStyle>
-            <a:lvl1pPr>
-              <a:defRPr b="1">
-                <a:solidFill>
-                  <a:schemeClr val="tx1"/>
-                </a:solidFill>
-                <a:latin typeface="Verdana" panose="020B0604030504040204" pitchFamily="34" charset="0"/>
-              </a:defRPr>
-            </a:lvl1pPr>
-            <a:lvl2pPr marL="742950" indent="-285750">
-              <a:defRPr b="1">
-                <a:solidFill>
-                  <a:schemeClr val="tx1"/>
-                </a:solidFill>
-                <a:latin typeface="Verdana" panose="020B0604030504040204" pitchFamily="34" charset="0"/>
-              </a:defRPr>
-            </a:lvl2pPr>
-            <a:lvl3pPr marL="1143000" indent="-228600">
-              <a:defRPr b="1">
-                <a:solidFill>
-                  <a:schemeClr val="tx1"/>
-                </a:solidFill>
-                <a:latin typeface="Verdana" panose="020B0604030504040204" pitchFamily="34" charset="0"/>
-              </a:defRPr>
-            </a:lvl3pPr>
-            <a:lvl4pPr marL="1600200" indent="-228600">
-              <a:defRPr b="1">
-                <a:solidFill>
-                  <a:schemeClr val="tx1"/>
-                </a:solidFill>
-                <a:latin typeface="Verdana" panose="020B0604030504040204" pitchFamily="34" charset="0"/>
-              </a:defRPr>
-            </a:lvl4pPr>
-            <a:lvl5pPr marL="2057400" indent="-228600">
-              <a:defRPr b="1">
-                <a:solidFill>
-                  <a:schemeClr val="tx1"/>
-                </a:solidFill>
-                <a:latin typeface="Verdana" panose="020B0604030504040204" pitchFamily="34" charset="0"/>
-              </a:defRPr>
-            </a:lvl5pPr>
-            <a:lvl6pPr marL="2514600" indent="-228600" eaLnBrk="0" fontAlgn="base" hangingPunct="0">
-              <a:spcBef>
-                <a:spcPct val="0"/>
-              </a:spcBef>
-              <a:spcAft>
-                <a:spcPct val="0"/>
-              </a:spcAft>
-              <a:defRPr b="1">
-                <a:solidFill>
-                  <a:schemeClr val="tx1"/>
-                </a:solidFill>
-                <a:latin typeface="Verdana" panose="020B0604030504040204" pitchFamily="34" charset="0"/>
-              </a:defRPr>
-            </a:lvl6pPr>
-            <a:lvl7pPr marL="2971800" indent="-228600" eaLnBrk="0" fontAlgn="base" hangingPunct="0">
-              <a:spcBef>
-                <a:spcPct val="0"/>
-              </a:spcBef>
-              <a:spcAft>
-                <a:spcPct val="0"/>
-              </a:spcAft>
-              <a:defRPr b="1">
-                <a:solidFill>
-                  <a:schemeClr val="tx1"/>
-                </a:solidFill>
-                <a:latin typeface="Verdana" panose="020B0604030504040204" pitchFamily="34" charset="0"/>
-              </a:defRPr>
-            </a:lvl7pPr>
-            <a:lvl8pPr marL="3429000" indent="-228600" eaLnBrk="0" fontAlgn="base" hangingPunct="0">
-              <a:spcBef>
-                <a:spcPct val="0"/>
-              </a:spcBef>
-              <a:spcAft>
-                <a:spcPct val="0"/>
-              </a:spcAft>
-              <a:defRPr b="1">
-                <a:solidFill>
-                  <a:schemeClr val="tx1"/>
-                </a:solidFill>
-                <a:latin typeface="Verdana" panose="020B0604030504040204" pitchFamily="34" charset="0"/>
-              </a:defRPr>
-            </a:lvl8pPr>
-            <a:lvl9pPr marL="3886200" indent="-228600" eaLnBrk="0" fontAlgn="base" hangingPunct="0">
-              <a:spcBef>
-                <a:spcPct val="0"/>
-              </a:spcBef>
-              <a:spcAft>
-                <a:spcPct val="0"/>
-              </a:spcAft>
-              <a:defRPr b="1">
-                <a:solidFill>
-                  <a:schemeClr val="tx1"/>
-                </a:solidFill>
-                <a:latin typeface="Verdana" panose="020B0604030504040204" pitchFamily="34" charset="0"/>
-              </a:defRPr>
-            </a:lvl9pPr>
-          </a:lstStyle>
-          <a:p>
-            <a:pPr algn="ctr"/>
-            <a:endParaRPr lang="en-US" altLang="en-US"/>
-          </a:p>
-        </p:txBody>
-      </p:sp>
-      <p:sp>
-        <p:nvSpPr>
-          <p:cNvPr id="6" name="Rectangle 6"/>
-          <p:cNvSpPr>
-            <a:spLocks noChangeArrowheads="1"/>
-          </p:cNvSpPr>
-          <p:nvPr/>
-        </p:nvSpPr>
-        <p:spPr bwMode="auto">
-          <a:xfrm>
-            <a:off x="492125" y="5038725"/>
-            <a:ext cx="4094163" cy="1589088"/>
-          </a:xfrm>
-          <a:prstGeom prst="rect">
-            <a:avLst/>
-          </a:prstGeom>
-          <a:solidFill>
-            <a:srgbClr val="FFFFFF"/>
-          </a:solidFill>
-          <a:ln w="9525" algn="ctr">
-            <a:solidFill>
-              <a:schemeClr val="bg2"/>
-            </a:solidFill>
-            <a:miter lim="800000"/>
-            <a:headEnd/>
-            <a:tailEnd/>
-          </a:ln>
-          <a:effectLst>
-            <a:outerShdw dist="53882" dir="2700000" algn="ctr" rotWithShape="0">
-              <a:srgbClr val="919191">
-                <a:alpha val="50000"/>
-              </a:srgbClr>
-            </a:outerShdw>
-          </a:effectLst>
-        </p:spPr>
-        <p:txBody>
-          <a:bodyPr anchor="ctr"/>
-          <a:lstStyle>
-            <a:lvl1pPr>
-              <a:defRPr b="1">
-                <a:solidFill>
-                  <a:schemeClr val="tx1"/>
-                </a:solidFill>
-                <a:latin typeface="Verdana" panose="020B0604030504040204" pitchFamily="34" charset="0"/>
-              </a:defRPr>
-            </a:lvl1pPr>
-            <a:lvl2pPr marL="742950" indent="-285750">
-              <a:defRPr b="1">
-                <a:solidFill>
-                  <a:schemeClr val="tx1"/>
-                </a:solidFill>
-                <a:latin typeface="Verdana" panose="020B0604030504040204" pitchFamily="34" charset="0"/>
-              </a:defRPr>
-            </a:lvl2pPr>
-            <a:lvl3pPr marL="1143000" indent="-228600">
-              <a:defRPr b="1">
-                <a:solidFill>
-                  <a:schemeClr val="tx1"/>
-                </a:solidFill>
-                <a:latin typeface="Verdana" panose="020B0604030504040204" pitchFamily="34" charset="0"/>
-              </a:defRPr>
-            </a:lvl3pPr>
-            <a:lvl4pPr marL="1600200" indent="-228600">
-              <a:defRPr b="1">
-                <a:solidFill>
-                  <a:schemeClr val="tx1"/>
-                </a:solidFill>
-                <a:latin typeface="Verdana" panose="020B0604030504040204" pitchFamily="34" charset="0"/>
-              </a:defRPr>
-            </a:lvl4pPr>
-            <a:lvl5pPr marL="2057400" indent="-228600">
-              <a:defRPr b="1">
-                <a:solidFill>
-                  <a:schemeClr val="tx1"/>
-                </a:solidFill>
-                <a:latin typeface="Verdana" panose="020B0604030504040204" pitchFamily="34" charset="0"/>
-              </a:defRPr>
-            </a:lvl5pPr>
-            <a:lvl6pPr marL="2514600" indent="-228600" eaLnBrk="0" fontAlgn="base" hangingPunct="0">
-              <a:spcBef>
-                <a:spcPct val="0"/>
-              </a:spcBef>
-              <a:spcAft>
-                <a:spcPct val="0"/>
-              </a:spcAft>
-              <a:defRPr b="1">
-                <a:solidFill>
-                  <a:schemeClr val="tx1"/>
-                </a:solidFill>
-                <a:latin typeface="Verdana" panose="020B0604030504040204" pitchFamily="34" charset="0"/>
-              </a:defRPr>
-            </a:lvl6pPr>
-            <a:lvl7pPr marL="2971800" indent="-228600" eaLnBrk="0" fontAlgn="base" hangingPunct="0">
-              <a:spcBef>
-                <a:spcPct val="0"/>
-              </a:spcBef>
-              <a:spcAft>
-                <a:spcPct val="0"/>
-              </a:spcAft>
-              <a:defRPr b="1">
-                <a:solidFill>
-                  <a:schemeClr val="tx1"/>
-                </a:solidFill>
-                <a:latin typeface="Verdana" panose="020B0604030504040204" pitchFamily="34" charset="0"/>
-              </a:defRPr>
-            </a:lvl7pPr>
-            <a:lvl8pPr marL="3429000" indent="-228600" eaLnBrk="0" fontAlgn="base" hangingPunct="0">
-              <a:spcBef>
-                <a:spcPct val="0"/>
-              </a:spcBef>
-              <a:spcAft>
-                <a:spcPct val="0"/>
-              </a:spcAft>
-              <a:defRPr b="1">
-                <a:solidFill>
-                  <a:schemeClr val="tx1"/>
-                </a:solidFill>
-                <a:latin typeface="Verdana" panose="020B0604030504040204" pitchFamily="34" charset="0"/>
-              </a:defRPr>
-            </a:lvl8pPr>
-            <a:lvl9pPr marL="3886200" indent="-228600" eaLnBrk="0" fontAlgn="base" hangingPunct="0">
-              <a:spcBef>
-                <a:spcPct val="0"/>
-              </a:spcBef>
-              <a:spcAft>
-                <a:spcPct val="0"/>
-              </a:spcAft>
-              <a:defRPr b="1">
-                <a:solidFill>
-                  <a:schemeClr val="tx1"/>
-                </a:solidFill>
-                <a:latin typeface="Verdana" panose="020B0604030504040204" pitchFamily="34" charset="0"/>
-              </a:defRPr>
-            </a:lvl9pPr>
-          </a:lstStyle>
-          <a:p>
-            <a:pPr algn="ctr"/>
-            <a:r>
-              <a:rPr lang="en-US" altLang="en-US">
-                <a:solidFill>
-                  <a:srgbClr val="000000"/>
-                </a:solidFill>
-              </a:rPr>
-              <a:t>Questions? Comments?</a:t>
-            </a:r>
-          </a:p>
-          <a:p>
-            <a:pPr algn="ctr"/>
-            <a:r>
-              <a:rPr lang="en-US" altLang="en-US">
-                <a:solidFill>
-                  <a:srgbClr val="000000"/>
-                </a:solidFill>
-              </a:rPr>
-              <a:t>Dan’s e-mail: </a:t>
-            </a:r>
-            <a:r>
-              <a:rPr lang="en-US" altLang="en-US">
-                <a:solidFill>
-                  <a:srgbClr val="000000"/>
-                </a:solidFill>
-                <a:hlinkClick r:id="rId2"/>
-              </a:rPr>
-              <a:t>danc@onlc.com</a:t>
-            </a:r>
-            <a:endParaRPr lang="en-US" altLang="en-US">
-              <a:solidFill>
-                <a:srgbClr val="000000"/>
-              </a:solidFill>
-            </a:endParaRPr>
-          </a:p>
-          <a:p>
-            <a:pPr algn="ctr"/>
-            <a:r>
-              <a:rPr lang="en-US" altLang="en-US">
-                <a:solidFill>
-                  <a:srgbClr val="000000"/>
-                </a:solidFill>
-              </a:rPr>
-              <a:t>Dan’s cell #: (413) 455-0856</a:t>
-            </a:r>
-          </a:p>
-        </p:txBody>
-      </p:sp>
-      <p:sp>
-        <p:nvSpPr>
-          <p:cNvPr id="7" name="WordArt 3"/>
-          <p:cNvSpPr>
-            <a:spLocks noChangeArrowheads="1" noChangeShapeType="1" noTextEdit="1"/>
-          </p:cNvSpPr>
-          <p:nvPr/>
-        </p:nvSpPr>
-        <p:spPr bwMode="auto">
-          <a:xfrm>
-            <a:off x="1006475" y="979427"/>
-            <a:ext cx="3167063" cy="2616200"/>
-          </a:xfrm>
-          <a:prstGeom prst="rect">
-            <a:avLst/>
-          </a:prstGeom>
-        </p:spPr>
-        <p:txBody>
-          <a:bodyPr wrap="none" fromWordArt="1">
-            <a:prstTxWarp prst="textSlantUp">
-              <a:avLst>
-                <a:gd name="adj" fmla="val 9014"/>
-              </a:avLst>
-            </a:prstTxWarp>
-          </a:bodyPr>
-          <a:lstStyle/>
-          <a:p>
-            <a:pPr algn="ctr"/>
-            <a:r>
-              <a:rPr lang="en-US" sz="3600" kern="10" dirty="0">
-                <a:ln w="9525">
-                  <a:solidFill>
-                    <a:srgbClr val="CC99FF"/>
-                  </a:solidFill>
-                  <a:round/>
-                  <a:headEnd/>
-                  <a:tailEnd/>
-                </a:ln>
-                <a:gradFill rotWithShape="1">
-                  <a:gsLst>
-                    <a:gs pos="0">
-                      <a:srgbClr val="6600CC"/>
-                    </a:gs>
-                    <a:gs pos="100000">
-                      <a:srgbClr val="CC00CC"/>
-                    </a:gs>
-                  </a:gsLst>
-                  <a:lin ang="5400000" scaled="1"/>
-                </a:gradFill>
-                <a:effectLst>
-                  <a:outerShdw dist="53882" dir="2700000" algn="ctr" rotWithShape="0">
-                    <a:srgbClr val="9999FF">
-                      <a:alpha val="79999"/>
-                    </a:srgbClr>
-                  </a:outerShdw>
-                </a:effectLst>
-                <a:latin typeface="Impact" panose="020B0806030902050204" pitchFamily="34" charset="0"/>
-              </a:rPr>
-              <a:t>A.M. Break: </a:t>
-            </a:r>
-            <a:r>
-              <a:rPr lang="en-US" sz="3600" kern="10" dirty="0" smtClean="0">
-                <a:ln w="9525">
-                  <a:solidFill>
-                    <a:srgbClr val="CC99FF"/>
-                  </a:solidFill>
-                  <a:round/>
-                  <a:headEnd/>
-                  <a:tailEnd/>
-                </a:ln>
-                <a:gradFill rotWithShape="1">
-                  <a:gsLst>
-                    <a:gs pos="0">
-                      <a:srgbClr val="6600CC"/>
-                    </a:gs>
-                    <a:gs pos="100000">
-                      <a:srgbClr val="CC00CC"/>
-                    </a:gs>
-                  </a:gsLst>
-                  <a:lin ang="5400000" scaled="1"/>
-                </a:gradFill>
-                <a:effectLst>
-                  <a:outerShdw dist="53882" dir="2700000" algn="ctr" rotWithShape="0">
-                    <a:srgbClr val="9999FF">
-                      <a:alpha val="79999"/>
-                    </a:srgbClr>
-                  </a:outerShdw>
-                </a:effectLst>
-                <a:latin typeface="Impact" panose="020B0806030902050204" pitchFamily="34" charset="0"/>
-              </a:rPr>
-              <a:t>11:25-11:40</a:t>
-            </a:r>
-            <a:endParaRPr lang="en-US" sz="3600" kern="10" dirty="0">
-              <a:ln w="9525">
-                <a:solidFill>
-                  <a:srgbClr val="CC99FF"/>
-                </a:solidFill>
-                <a:round/>
-                <a:headEnd/>
-                <a:tailEnd/>
-              </a:ln>
-              <a:gradFill rotWithShape="1">
-                <a:gsLst>
-                  <a:gs pos="0">
-                    <a:srgbClr val="6600CC"/>
-                  </a:gs>
-                  <a:gs pos="100000">
-                    <a:srgbClr val="CC00CC"/>
-                  </a:gs>
-                </a:gsLst>
-                <a:lin ang="5400000" scaled="1"/>
-              </a:gradFill>
-              <a:effectLst>
-                <a:outerShdw dist="53882" dir="2700000" algn="ctr" rotWithShape="0">
-                  <a:srgbClr val="9999FF">
-                    <a:alpha val="79999"/>
-                  </a:srgbClr>
-                </a:outerShdw>
-              </a:effectLst>
-              <a:latin typeface="Impact" panose="020B0806030902050204" pitchFamily="34" charset="0"/>
-            </a:endParaRPr>
-          </a:p>
-          <a:p>
-            <a:pPr algn="ctr"/>
-            <a:r>
-              <a:rPr lang="en-US" sz="3600" kern="10" dirty="0">
-                <a:ln w="9525">
-                  <a:solidFill>
-                    <a:srgbClr val="CC99FF"/>
-                  </a:solidFill>
-                  <a:round/>
-                  <a:headEnd/>
-                  <a:tailEnd/>
-                </a:ln>
-                <a:gradFill rotWithShape="1">
-                  <a:gsLst>
-                    <a:gs pos="0">
-                      <a:srgbClr val="6600CC"/>
-                    </a:gs>
-                    <a:gs pos="100000">
-                      <a:srgbClr val="CC00CC"/>
-                    </a:gs>
-                  </a:gsLst>
-                  <a:lin ang="5400000" scaled="1"/>
-                </a:gradFill>
-                <a:effectLst>
-                  <a:outerShdw dist="53882" dir="2700000" algn="ctr" rotWithShape="0">
-                    <a:srgbClr val="9999FF">
-                      <a:alpha val="79999"/>
-                    </a:srgbClr>
-                  </a:outerShdw>
-                </a:effectLst>
-                <a:latin typeface="Impact" panose="020B0806030902050204" pitchFamily="34" charset="0"/>
-              </a:rPr>
-              <a:t>Lab: </a:t>
-            </a:r>
-            <a:r>
-              <a:rPr lang="en-US" sz="3600" kern="10" dirty="0" smtClean="0">
-                <a:ln w="9525">
-                  <a:solidFill>
-                    <a:srgbClr val="CC99FF"/>
-                  </a:solidFill>
-                  <a:round/>
-                  <a:headEnd/>
-                  <a:tailEnd/>
-                </a:ln>
-                <a:gradFill rotWithShape="1">
-                  <a:gsLst>
-                    <a:gs pos="0">
-                      <a:srgbClr val="6600CC"/>
-                    </a:gs>
-                    <a:gs pos="100000">
-                      <a:srgbClr val="CC00CC"/>
-                    </a:gs>
-                  </a:gsLst>
-                  <a:lin ang="5400000" scaled="1"/>
-                </a:gradFill>
-                <a:effectLst>
-                  <a:outerShdw dist="53882" dir="2700000" algn="ctr" rotWithShape="0">
-                    <a:srgbClr val="9999FF">
-                      <a:alpha val="79999"/>
-                    </a:srgbClr>
-                  </a:outerShdw>
-                </a:effectLst>
-                <a:latin typeface="Impact" panose="020B0806030902050204" pitchFamily="34" charset="0"/>
-              </a:rPr>
-              <a:t>11:40-11:50</a:t>
-            </a:r>
-            <a:endParaRPr lang="en-US" sz="3600" kern="10" dirty="0">
-              <a:ln w="9525">
-                <a:solidFill>
-                  <a:srgbClr val="CC99FF"/>
-                </a:solidFill>
-                <a:round/>
-                <a:headEnd/>
-                <a:tailEnd/>
-              </a:ln>
-              <a:gradFill rotWithShape="1">
-                <a:gsLst>
-                  <a:gs pos="0">
-                    <a:srgbClr val="6600CC"/>
-                  </a:gs>
-                  <a:gs pos="100000">
-                    <a:srgbClr val="CC00CC"/>
-                  </a:gs>
-                </a:gsLst>
-                <a:lin ang="5400000" scaled="1"/>
-              </a:gradFill>
-              <a:effectLst>
-                <a:outerShdw dist="53882" dir="2700000" algn="ctr" rotWithShape="0">
-                  <a:srgbClr val="9999FF">
-                    <a:alpha val="79999"/>
-                  </a:srgbClr>
-                </a:outerShdw>
-              </a:effectLst>
-              <a:latin typeface="Impact" panose="020B0806030902050204" pitchFamily="34" charset="0"/>
-            </a:endParaRPr>
-          </a:p>
-          <a:p>
-            <a:pPr algn="ctr"/>
-            <a:r>
-              <a:rPr lang="en-US" sz="3600" kern="10" dirty="0">
-                <a:ln w="9525">
-                  <a:solidFill>
-                    <a:srgbClr val="CC99FF"/>
-                  </a:solidFill>
-                  <a:round/>
-                  <a:headEnd/>
-                  <a:tailEnd/>
-                </a:ln>
-                <a:gradFill rotWithShape="1">
-                  <a:gsLst>
-                    <a:gs pos="0">
-                      <a:srgbClr val="6600CC"/>
-                    </a:gs>
-                    <a:gs pos="100000">
-                      <a:srgbClr val="CC00CC"/>
-                    </a:gs>
-                  </a:gsLst>
-                  <a:lin ang="5400000" scaled="1"/>
-                </a:gradFill>
-                <a:effectLst>
-                  <a:outerShdw dist="53882" dir="2700000" algn="ctr" rotWithShape="0">
-                    <a:srgbClr val="9999FF">
-                      <a:alpha val="79999"/>
-                    </a:srgbClr>
-                  </a:outerShdw>
-                </a:effectLst>
-                <a:latin typeface="Impact" panose="020B0806030902050204" pitchFamily="34" charset="0"/>
-              </a:rPr>
-              <a:t>Lunch: </a:t>
-            </a:r>
-            <a:r>
-              <a:rPr lang="en-US" sz="3600" kern="10" dirty="0" smtClean="0">
-                <a:ln w="9525">
-                  <a:solidFill>
-                    <a:srgbClr val="CC99FF"/>
-                  </a:solidFill>
-                  <a:round/>
-                  <a:headEnd/>
-                  <a:tailEnd/>
-                </a:ln>
-                <a:gradFill rotWithShape="1">
-                  <a:gsLst>
-                    <a:gs pos="0">
-                      <a:srgbClr val="6600CC"/>
-                    </a:gs>
-                    <a:gs pos="100000">
-                      <a:srgbClr val="CC00CC"/>
-                    </a:gs>
-                  </a:gsLst>
-                  <a:lin ang="5400000" scaled="1"/>
-                </a:gradFill>
-                <a:effectLst>
-                  <a:outerShdw dist="53882" dir="2700000" algn="ctr" rotWithShape="0">
-                    <a:srgbClr val="9999FF">
-                      <a:alpha val="79999"/>
-                    </a:srgbClr>
-                  </a:outerShdw>
-                </a:effectLst>
-                <a:latin typeface="Impact" panose="020B0806030902050204" pitchFamily="34" charset="0"/>
-              </a:rPr>
-              <a:t>11:50-12:50</a:t>
-            </a:r>
-            <a:endParaRPr lang="en-US" sz="3600" kern="10" dirty="0">
-              <a:ln w="9525">
-                <a:solidFill>
-                  <a:srgbClr val="CC99FF"/>
-                </a:solidFill>
-                <a:round/>
-                <a:headEnd/>
-                <a:tailEnd/>
-              </a:ln>
-              <a:gradFill rotWithShape="1">
-                <a:gsLst>
-                  <a:gs pos="0">
-                    <a:srgbClr val="6600CC"/>
-                  </a:gs>
-                  <a:gs pos="100000">
-                    <a:srgbClr val="CC00CC"/>
-                  </a:gs>
-                </a:gsLst>
-                <a:lin ang="5400000" scaled="1"/>
-              </a:gradFill>
-              <a:effectLst>
-                <a:outerShdw dist="53882" dir="2700000" algn="ctr" rotWithShape="0">
-                  <a:srgbClr val="9999FF">
-                    <a:alpha val="79999"/>
-                  </a:srgbClr>
-                </a:outerShdw>
-              </a:effectLst>
-              <a:latin typeface="Impact" panose="020B0806030902050204" pitchFamily="34" charset="0"/>
-            </a:endParaRPr>
-          </a:p>
-        </p:txBody>
-      </p:sp>
-      <p:pic>
-        <p:nvPicPr>
-          <p:cNvPr id="8" name="Picture 5" descr="j0305257"/>
-          <p:cNvPicPr>
-            <a:picLocks noChangeAspect="1" noChangeArrowheads="1"/>
-          </p:cNvPicPr>
-          <p:nvPr/>
-        </p:nvPicPr>
-        <p:blipFill>
-          <a:blip r:embed="rId3">
-            <a:extLst>
-              <a:ext uri="{28A0092B-C50C-407E-A947-70E740481C1C}">
-                <a14:useLocalDpi xmlns:a14="http://schemas.microsoft.com/office/drawing/2010/main" val="0"/>
-              </a:ext>
-            </a:extLst>
-          </a:blip>
-          <a:srcRect/>
-          <a:stretch>
-            <a:fillRect/>
-          </a:stretch>
-        </p:blipFill>
-        <p:spPr bwMode="auto">
-          <a:xfrm>
-            <a:off x="10058400" y="1914525"/>
-            <a:ext cx="1568450" cy="2520950"/>
-          </a:xfrm>
-          <a:prstGeom prst="rect">
-            <a:avLst/>
-          </a:prstGeom>
-          <a:noFill/>
-          <a:ln>
-            <a:noFill/>
-          </a:ln>
-          <a:extLst>
-            <a:ext uri="{909E8E84-426E-40DD-AFC4-6F175D3DCCD1}">
-              <a14:hiddenFill xmlns:a14="http://schemas.microsoft.com/office/drawing/2010/main">
-                <a:solidFill>
-                  <a:srgbClr val="FFFFFF"/>
-                </a:solidFill>
-              </a14:hiddenFill>
-            </a:ext>
-            <a:ext uri="{91240B29-F687-4F45-9708-019B960494DF}">
-              <a14:hiddenLine xmlns:a14="http://schemas.microsoft.com/office/drawing/2010/main" w="9525">
-                <a:solidFill>
-                  <a:srgbClr val="000000"/>
-                </a:solidFill>
-                <a:miter lim="800000"/>
-                <a:headEnd/>
-                <a:tailEnd/>
-              </a14:hiddenLine>
-            </a:ext>
-          </a:extLst>
-        </p:spPr>
-      </p:pic>
-      <p:pic>
-        <p:nvPicPr>
-          <p:cNvPr id="9" name="Picture 6" descr="MCj02320440000[1]"/>
-          <p:cNvPicPr>
-            <a:picLocks noChangeAspect="1" noChangeArrowheads="1"/>
-          </p:cNvPicPr>
-          <p:nvPr/>
-        </p:nvPicPr>
-        <p:blipFill>
-          <a:blip r:embed="rId4">
-            <a:extLst>
-              <a:ext uri="{28A0092B-C50C-407E-A947-70E740481C1C}">
-                <a14:useLocalDpi xmlns:a14="http://schemas.microsoft.com/office/drawing/2010/main" val="0"/>
-              </a:ext>
-            </a:extLst>
-          </a:blip>
-          <a:srcRect/>
-          <a:stretch>
-            <a:fillRect/>
-          </a:stretch>
-        </p:blipFill>
-        <p:spPr bwMode="auto">
-          <a:xfrm>
-            <a:off x="9828213" y="4478338"/>
-            <a:ext cx="1951037" cy="1936750"/>
-          </a:xfrm>
-          <a:prstGeom prst="rect">
-            <a:avLst/>
-          </a:prstGeom>
-          <a:noFill/>
-          <a:ln>
-            <a:noFill/>
-          </a:ln>
-          <a:extLst>
-            <a:ext uri="{909E8E84-426E-40DD-AFC4-6F175D3DCCD1}">
-              <a14:hiddenFill xmlns:a14="http://schemas.microsoft.com/office/drawing/2010/main">
-                <a:solidFill>
-                  <a:srgbClr val="FFFFFF"/>
-                </a:solidFill>
-              </a14:hiddenFill>
-            </a:ext>
-            <a:ext uri="{91240B29-F687-4F45-9708-019B960494DF}">
-              <a14:hiddenLine xmlns:a14="http://schemas.microsoft.com/office/drawing/2010/main" w="9525">
-                <a:solidFill>
-                  <a:srgbClr val="000000"/>
-                </a:solidFill>
-                <a:miter lim="800000"/>
-                <a:headEnd/>
-                <a:tailEnd/>
-              </a14:hiddenLine>
-            </a:ext>
-          </a:extLst>
-        </p:spPr>
-      </p:pic>
-      <p:pic>
-        <p:nvPicPr>
-          <p:cNvPr id="10" name="Picture 7" descr="MCj04315630000[1]"/>
-          <p:cNvPicPr>
-            <a:picLocks noChangeAspect="1" noChangeArrowheads="1"/>
-          </p:cNvPicPr>
-          <p:nvPr/>
-        </p:nvPicPr>
-        <p:blipFill>
-          <a:blip r:embed="rId5">
-            <a:extLst>
-              <a:ext uri="{28A0092B-C50C-407E-A947-70E740481C1C}">
-                <a14:useLocalDpi xmlns:a14="http://schemas.microsoft.com/office/drawing/2010/main" val="0"/>
-              </a:ext>
-            </a:extLst>
-          </a:blip>
-          <a:srcRect/>
-          <a:stretch>
-            <a:fillRect/>
-          </a:stretch>
-        </p:blipFill>
-        <p:spPr bwMode="auto">
-          <a:xfrm>
-            <a:off x="9593263" y="217488"/>
-            <a:ext cx="2124075" cy="2138362"/>
-          </a:xfrm>
-          <a:prstGeom prst="rect">
-            <a:avLst/>
-          </a:prstGeom>
-          <a:noFill/>
-          <a:ln>
-            <a:noFill/>
-          </a:ln>
-          <a:extLst>
-            <a:ext uri="{909E8E84-426E-40DD-AFC4-6F175D3DCCD1}">
-              <a14:hiddenFill xmlns:a14="http://schemas.microsoft.com/office/drawing/2010/main">
-                <a:solidFill>
-                  <a:srgbClr val="FFFFFF"/>
-                </a:solidFill>
-              </a14:hiddenFill>
-            </a:ext>
-            <a:ext uri="{91240B29-F687-4F45-9708-019B960494DF}">
-              <a14:hiddenLine xmlns:a14="http://schemas.microsoft.com/office/drawing/2010/main" w="9525">
-                <a:solidFill>
-                  <a:srgbClr val="000000"/>
-                </a:solidFill>
-                <a:miter lim="800000"/>
-                <a:headEnd/>
-                <a:tailEnd/>
-              </a14:hiddenLine>
-            </a:ext>
-          </a:extLst>
-        </p:spPr>
-      </p:pic>
     </p:spTree>
     <p:extLst>
       <p:ext uri="{BB962C8B-B14F-4D97-AF65-F5344CB8AC3E}">
@@ -18597,7 +16208,7 @@
 </p:sld>
 </file>
 
-<file path=ppt/slides/slide75.xml><?xml version="1.0" encoding="utf-8"?>
+<file path=ppt/slides/slide74.xml><?xml version="1.0" encoding="utf-8"?>
 <p:sld xmlns:a="http://schemas.openxmlformats.org/drawingml/2006/main" xmlns:r="http://schemas.openxmlformats.org/officeDocument/2006/relationships" xmlns:p="http://schemas.openxmlformats.org/presentationml/2006/main">
   <p:cSld>
     <p:spTree>
@@ -18656,7 +16267,7 @@
 </p:sld>
 </file>
 
-<file path=ppt/slides/slide76.xml><?xml version="1.0" encoding="utf-8"?>
+<file path=ppt/slides/slide75.xml><?xml version="1.0" encoding="utf-8"?>
 <p:sld xmlns:a="http://schemas.openxmlformats.org/drawingml/2006/main" xmlns:r="http://schemas.openxmlformats.org/officeDocument/2006/relationships" xmlns:p="http://schemas.openxmlformats.org/presentationml/2006/main">
   <p:cSld>
     <p:spTree>
@@ -18808,7 +16419,7 @@
 </p:sld>
 </file>
 
-<file path=ppt/slides/slide77.xml><?xml version="1.0" encoding="utf-8"?>
+<file path=ppt/slides/slide76.xml><?xml version="1.0" encoding="utf-8"?>
 <p:sld xmlns:a="http://schemas.openxmlformats.org/drawingml/2006/main" xmlns:r="http://schemas.openxmlformats.org/officeDocument/2006/relationships" xmlns:p="http://schemas.openxmlformats.org/presentationml/2006/main">
   <p:cSld>
     <p:spTree>
@@ -18949,7 +16560,7 @@
 </p:sld>
 </file>
 
-<file path=ppt/slides/slide78.xml><?xml version="1.0" encoding="utf-8"?>
+<file path=ppt/slides/slide77.xml><?xml version="1.0" encoding="utf-8"?>
 <p:sld xmlns:a="http://schemas.openxmlformats.org/drawingml/2006/main" xmlns:r="http://schemas.openxmlformats.org/officeDocument/2006/relationships" xmlns:p="http://schemas.openxmlformats.org/presentationml/2006/main">
   <p:cSld>
     <p:spTree>
@@ -19090,7 +16701,7 @@
 </p:sld>
 </file>
 
-<file path=ppt/slides/slide79.xml><?xml version="1.0" encoding="utf-8"?>
+<file path=ppt/slides/slide78.xml><?xml version="1.0" encoding="utf-8"?>
 <p:sld xmlns:a="http://schemas.openxmlformats.org/drawingml/2006/main" xmlns:r="http://schemas.openxmlformats.org/officeDocument/2006/relationships" xmlns:p="http://schemas.openxmlformats.org/presentationml/2006/main">
   <p:cSld>
     <p:spTree>
@@ -19191,6 +16802,129 @@
     <p:extLst>
       <p:ext uri="{BB962C8B-B14F-4D97-AF65-F5344CB8AC3E}">
         <p14:creationId xmlns:p14="http://schemas.microsoft.com/office/powerpoint/2010/main" val="1004562643"/>
+      </p:ext>
+    </p:extLst>
+  </p:cSld>
+  <p:clrMapOvr>
+    <a:masterClrMapping/>
+  </p:clrMapOvr>
+  <p:timing>
+    <p:tnLst>
+      <p:par>
+        <p:cTn id="1" dur="indefinite" restart="never" nodeType="tmRoot"/>
+      </p:par>
+    </p:tnLst>
+  </p:timing>
+</p:sld>
+</file>
+
+<file path=ppt/slides/slide79.xml><?xml version="1.0" encoding="utf-8"?>
+<p:sld xmlns:a="http://schemas.openxmlformats.org/drawingml/2006/main" xmlns:r="http://schemas.openxmlformats.org/officeDocument/2006/relationships" xmlns:p="http://schemas.openxmlformats.org/presentationml/2006/main">
+  <p:cSld>
+    <p:spTree>
+      <p:nvGrpSpPr>
+        <p:cNvPr id="1" name=""/>
+        <p:cNvGrpSpPr/>
+        <p:nvPr/>
+      </p:nvGrpSpPr>
+      <p:grpSpPr>
+        <a:xfrm>
+          <a:off x="0" y="0"/>
+          <a:ext cx="0" cy="0"/>
+          <a:chOff x="0" y="0"/>
+          <a:chExt cx="0" cy="0"/>
+        </a:xfrm>
+      </p:grpSpPr>
+      <p:sp>
+        <p:nvSpPr>
+          <p:cNvPr id="2" name="Title 1"/>
+          <p:cNvSpPr>
+            <a:spLocks noGrp="1"/>
+          </p:cNvSpPr>
+          <p:nvPr>
+            <p:ph type="title"/>
+          </p:nvPr>
+        </p:nvSpPr>
+        <p:spPr/>
+        <p:txBody>
+          <a:bodyPr/>
+          <a:lstStyle/>
+          <a:p>
+            <a:r>
+              <a:rPr lang="en-US" dirty="0"/>
+              <a:t>The </a:t>
+            </a:r>
+            <a:r>
+              <a:rPr lang="en-US" dirty="0">
+                <a:latin typeface="Courier"/>
+              </a:rPr>
+              <a:t>anomalies</a:t>
+            </a:r>
+            <a:r>
+              <a:rPr lang="en-US" dirty="0"/>
+              <a:t> command</a:t>
+            </a:r>
+          </a:p>
+        </p:txBody>
+      </p:sp>
+      <p:sp>
+        <p:nvSpPr>
+          <p:cNvPr id="3" name="Text Placeholder 2"/>
+          <p:cNvSpPr>
+            <a:spLocks noGrp="1"/>
+          </p:cNvSpPr>
+          <p:nvPr>
+            <p:ph type="body" sz="quarter" idx="10"/>
+          </p:nvPr>
+        </p:nvSpPr>
+        <p:spPr/>
+        <p:txBody>
+          <a:bodyPr/>
+          <a:lstStyle/>
+          <a:p>
+            <a:r>
+              <a:rPr lang="en-US" dirty="0"/>
+              <a:t>Assigns an “unexpectedness score” to each event</a:t>
+            </a:r>
+          </a:p>
+          <a:p>
+            <a:r>
+              <a:rPr lang="en-US" dirty="0"/>
+              <a:t>Uses a proprietary algorithm</a:t>
+            </a:r>
+          </a:p>
+        </p:txBody>
+      </p:sp>
+      <p:pic>
+        <p:nvPicPr>
+          <p:cNvPr id="4" name="Picture 3">
+            <a:hlinkClick r:id="rId2"/>
+          </p:cNvPr>
+          <p:cNvPicPr>
+            <a:picLocks noChangeAspect="1"/>
+          </p:cNvPicPr>
+          <p:nvPr/>
+        </p:nvPicPr>
+        <p:blipFill>
+          <a:blip r:embed="rId3"/>
+          <a:stretch>
+            <a:fillRect/>
+          </a:stretch>
+        </p:blipFill>
+        <p:spPr>
+          <a:xfrm>
+            <a:off x="914400" y="4114800"/>
+            <a:ext cx="5429895" cy="1038274"/>
+          </a:xfrm>
+          <a:prstGeom prst="rect">
+            <a:avLst/>
+          </a:prstGeom>
+        </p:spPr>
+      </p:pic>
+    </p:spTree>
+    <p:extLst>
+      <p:ext uri="{BB962C8B-B14F-4D97-AF65-F5344CB8AC3E}">
+        <p14:creationId xmlns:p14="http://schemas.microsoft.com/office/powerpoint/2010/main" val="1909204017"/>
       </p:ext>
     </p:extLst>
   </p:cSld>
@@ -19410,129 +17144,6 @@
               <a:t>The </a:t>
             </a:r>
             <a:r>
-              <a:rPr lang="en-US" dirty="0">
-                <a:latin typeface="Courier"/>
-              </a:rPr>
-              <a:t>anomalies</a:t>
-            </a:r>
-            <a:r>
-              <a:rPr lang="en-US" dirty="0"/>
-              <a:t> command</a:t>
-            </a:r>
-          </a:p>
-        </p:txBody>
-      </p:sp>
-      <p:sp>
-        <p:nvSpPr>
-          <p:cNvPr id="3" name="Text Placeholder 2"/>
-          <p:cNvSpPr>
-            <a:spLocks noGrp="1"/>
-          </p:cNvSpPr>
-          <p:nvPr>
-            <p:ph type="body" sz="quarter" idx="10"/>
-          </p:nvPr>
-        </p:nvSpPr>
-        <p:spPr/>
-        <p:txBody>
-          <a:bodyPr/>
-          <a:lstStyle/>
-          <a:p>
-            <a:r>
-              <a:rPr lang="en-US" dirty="0"/>
-              <a:t>Assigns an “unexpectedness score” to each event</a:t>
-            </a:r>
-          </a:p>
-          <a:p>
-            <a:r>
-              <a:rPr lang="en-US" dirty="0"/>
-              <a:t>Uses a proprietary algorithm</a:t>
-            </a:r>
-          </a:p>
-        </p:txBody>
-      </p:sp>
-      <p:pic>
-        <p:nvPicPr>
-          <p:cNvPr id="4" name="Picture 3">
-            <a:hlinkClick r:id="rId2"/>
-          </p:cNvPr>
-          <p:cNvPicPr>
-            <a:picLocks noChangeAspect="1"/>
-          </p:cNvPicPr>
-          <p:nvPr/>
-        </p:nvPicPr>
-        <p:blipFill>
-          <a:blip r:embed="rId3"/>
-          <a:stretch>
-            <a:fillRect/>
-          </a:stretch>
-        </p:blipFill>
-        <p:spPr>
-          <a:xfrm>
-            <a:off x="914400" y="4114800"/>
-            <a:ext cx="5429895" cy="1038274"/>
-          </a:xfrm>
-          <a:prstGeom prst="rect">
-            <a:avLst/>
-          </a:prstGeom>
-        </p:spPr>
-      </p:pic>
-    </p:spTree>
-    <p:extLst>
-      <p:ext uri="{BB962C8B-B14F-4D97-AF65-F5344CB8AC3E}">
-        <p14:creationId xmlns:p14="http://schemas.microsoft.com/office/powerpoint/2010/main" val="1909204017"/>
-      </p:ext>
-    </p:extLst>
-  </p:cSld>
-  <p:clrMapOvr>
-    <a:masterClrMapping/>
-  </p:clrMapOvr>
-  <p:timing>
-    <p:tnLst>
-      <p:par>
-        <p:cTn id="1" dur="indefinite" restart="never" nodeType="tmRoot"/>
-      </p:par>
-    </p:tnLst>
-  </p:timing>
-</p:sld>
-</file>
-
-<file path=ppt/slides/slide81.xml><?xml version="1.0" encoding="utf-8"?>
-<p:sld xmlns:a="http://schemas.openxmlformats.org/drawingml/2006/main" xmlns:r="http://schemas.openxmlformats.org/officeDocument/2006/relationships" xmlns:p="http://schemas.openxmlformats.org/presentationml/2006/main">
-  <p:cSld>
-    <p:spTree>
-      <p:nvGrpSpPr>
-        <p:cNvPr id="1" name=""/>
-        <p:cNvGrpSpPr/>
-        <p:nvPr/>
-      </p:nvGrpSpPr>
-      <p:grpSpPr>
-        <a:xfrm>
-          <a:off x="0" y="0"/>
-          <a:ext cx="0" cy="0"/>
-          <a:chOff x="0" y="0"/>
-          <a:chExt cx="0" cy="0"/>
-        </a:xfrm>
-      </p:grpSpPr>
-      <p:sp>
-        <p:nvSpPr>
-          <p:cNvPr id="2" name="Title 1"/>
-          <p:cNvSpPr>
-            <a:spLocks noGrp="1"/>
-          </p:cNvSpPr>
-          <p:nvPr>
-            <p:ph type="title"/>
-          </p:nvPr>
-        </p:nvSpPr>
-        <p:spPr/>
-        <p:txBody>
-          <a:bodyPr/>
-          <a:lstStyle/>
-          <a:p>
-            <a:r>
-              <a:rPr lang="en-US" dirty="0"/>
-              <a:t>The </a:t>
-            </a:r>
-            <a:r>
               <a:rPr lang="en-US" dirty="0" err="1">
                 <a:latin typeface="Courier"/>
               </a:rPr>
@@ -19616,7 +17227,7 @@
 </p:sld>
 </file>
 
-<file path=ppt/slides/slide82.xml><?xml version="1.0" encoding="utf-8"?>
+<file path=ppt/slides/slide81.xml><?xml version="1.0" encoding="utf-8"?>
 <p:sld xmlns:a="http://schemas.openxmlformats.org/drawingml/2006/main" xmlns:r="http://schemas.openxmlformats.org/officeDocument/2006/relationships" xmlns:p="http://schemas.openxmlformats.org/presentationml/2006/main">
   <p:cSld>
     <p:spTree>
@@ -19793,7 +17404,7 @@
 </p:sld>
 </file>
 
-<file path=ppt/slides/slide83.xml><?xml version="1.0" encoding="utf-8"?>
+<file path=ppt/slides/slide82.xml><?xml version="1.0" encoding="utf-8"?>
 <p:sld xmlns:a="http://schemas.openxmlformats.org/drawingml/2006/main" xmlns:r="http://schemas.openxmlformats.org/officeDocument/2006/relationships" xmlns:p="http://schemas.openxmlformats.org/presentationml/2006/main">
   <p:cSld>
     <p:spTree>
@@ -19947,7 +17558,7 @@
 </p:sld>
 </file>
 
-<file path=ppt/slides/slide84.xml><?xml version="1.0" encoding="utf-8"?>
+<file path=ppt/slides/slide83.xml><?xml version="1.0" encoding="utf-8"?>
 <p:sld xmlns:a="http://schemas.openxmlformats.org/drawingml/2006/main" xmlns:r="http://schemas.openxmlformats.org/officeDocument/2006/relationships" xmlns:p="http://schemas.openxmlformats.org/presentationml/2006/main">
   <p:cSld>
     <p:spTree>
@@ -20089,7 +17700,7 @@
 </p:sld>
 </file>
 
-<file path=ppt/slides/slide85.xml><?xml version="1.0" encoding="utf-8"?>
+<file path=ppt/slides/slide84.xml><?xml version="1.0" encoding="utf-8"?>
 <p:sld xmlns:a="http://schemas.openxmlformats.org/drawingml/2006/main" xmlns:r="http://schemas.openxmlformats.org/officeDocument/2006/relationships" xmlns:p="http://schemas.openxmlformats.org/presentationml/2006/main">
   <p:cSld>
     <p:spTree>
@@ -20257,7 +17868,7 @@
 </p:sld>
 </file>
 
-<file path=ppt/slides/slide86.xml><?xml version="1.0" encoding="utf-8"?>
+<file path=ppt/slides/slide85.xml><?xml version="1.0" encoding="utf-8"?>
 <p:sld xmlns:a="http://schemas.openxmlformats.org/drawingml/2006/main" xmlns:r="http://schemas.openxmlformats.org/officeDocument/2006/relationships" xmlns:p="http://schemas.openxmlformats.org/presentationml/2006/main">
   <p:cSld>
     <p:spTree>
@@ -20481,7 +18092,7 @@
 </p:sld>
 </file>
 
-<file path=ppt/slides/slide87.xml><?xml version="1.0" encoding="utf-8"?>
+<file path=ppt/slides/slide86.xml><?xml version="1.0" encoding="utf-8"?>
 <p:sld xmlns:a="http://schemas.openxmlformats.org/drawingml/2006/main" xmlns:r="http://schemas.openxmlformats.org/officeDocument/2006/relationships" xmlns:p="http://schemas.openxmlformats.org/presentationml/2006/main">
   <p:cSld>
     <p:spTree>
@@ -20616,7 +18227,7 @@
 </p:sld>
 </file>
 
-<file path=ppt/slides/slide88.xml><?xml version="1.0" encoding="utf-8"?>
+<file path=ppt/slides/slide87.xml><?xml version="1.0" encoding="utf-8"?>
 <p:sld xmlns:a="http://schemas.openxmlformats.org/drawingml/2006/main" xmlns:r="http://schemas.openxmlformats.org/officeDocument/2006/relationships" xmlns:p="http://schemas.openxmlformats.org/presentationml/2006/main">
   <p:cSld>
     <p:spTree>
@@ -20775,6 +18386,141 @@
 </p:sld>
 </file>
 
+<file path=ppt/slides/slide88.xml><?xml version="1.0" encoding="utf-8"?>
+<p:sld xmlns:a="http://schemas.openxmlformats.org/drawingml/2006/main" xmlns:r="http://schemas.openxmlformats.org/officeDocument/2006/relationships" xmlns:p="http://schemas.openxmlformats.org/presentationml/2006/main">
+  <p:cSld>
+    <p:spTree>
+      <p:nvGrpSpPr>
+        <p:cNvPr id="1" name=""/>
+        <p:cNvGrpSpPr/>
+        <p:nvPr/>
+      </p:nvGrpSpPr>
+      <p:grpSpPr>
+        <a:xfrm>
+          <a:off x="0" y="0"/>
+          <a:ext cx="0" cy="0"/>
+          <a:chOff x="0" y="0"/>
+          <a:chExt cx="0" cy="0"/>
+        </a:xfrm>
+      </p:grpSpPr>
+      <p:sp>
+        <p:nvSpPr>
+          <p:cNvPr id="2" name="Title 1"/>
+          <p:cNvSpPr>
+            <a:spLocks noGrp="1"/>
+          </p:cNvSpPr>
+          <p:nvPr>
+            <p:ph type="title"/>
+          </p:nvPr>
+        </p:nvSpPr>
+        <p:spPr/>
+        <p:txBody>
+          <a:bodyPr/>
+          <a:lstStyle/>
+          <a:p>
+            <a:r>
+              <a:rPr lang="en-US" dirty="0"/>
+              <a:t>Lab 5: Analytics and Machine Learning</a:t>
+            </a:r>
+          </a:p>
+        </p:txBody>
+      </p:sp>
+      <p:sp>
+        <p:nvSpPr>
+          <p:cNvPr id="3" name="Content Placeholder 2"/>
+          <p:cNvSpPr>
+            <a:spLocks noGrp="1"/>
+          </p:cNvSpPr>
+          <p:nvPr>
+            <p:ph idx="1"/>
+          </p:nvPr>
+        </p:nvSpPr>
+        <p:spPr/>
+        <p:txBody>
+          <a:bodyPr/>
+          <a:lstStyle/>
+          <a:p>
+            <a:r>
+              <a:rPr lang="en-US" dirty="0"/>
+              <a:t>Predicting website-traffic volumes p 517</a:t>
+            </a:r>
+          </a:p>
+          <a:p>
+            <a:r>
+              <a:rPr lang="en-US" dirty="0"/>
+              <a:t>Finding abnormally sized web requests p 525</a:t>
+            </a:r>
+          </a:p>
+          <a:p>
+            <a:r>
+              <a:rPr lang="en-US" dirty="0"/>
+              <a:t>Identifying potential session spoofing p 532</a:t>
+            </a:r>
+          </a:p>
+          <a:p>
+            <a:r>
+              <a:rPr lang="en-US" dirty="0"/>
+              <a:t>Detecting outliers in server response times p 538</a:t>
+            </a:r>
+          </a:p>
+          <a:p>
+            <a:r>
+              <a:rPr lang="en-US" dirty="0"/>
+              <a:t>Forecasting weekly sales p 547</a:t>
+            </a:r>
+          </a:p>
+        </p:txBody>
+      </p:sp>
+      <p:sp>
+        <p:nvSpPr>
+          <p:cNvPr id="4" name="Text Placeholder 3"/>
+          <p:cNvSpPr>
+            <a:spLocks noGrp="1"/>
+          </p:cNvSpPr>
+          <p:nvPr>
+            <p:ph type="body" sz="quarter" idx="13"/>
+          </p:nvPr>
+        </p:nvSpPr>
+        <p:spPr/>
+        <p:txBody>
+          <a:bodyPr/>
+          <a:lstStyle/>
+          <a:p>
+            <a:r>
+              <a:rPr lang="en-US" dirty="0"/>
+              <a:t>Duration: </a:t>
+            </a:r>
+            <a:r>
+              <a:rPr lang="en-US" dirty="0" smtClean="0"/>
+              <a:t>30 </a:t>
+            </a:r>
+            <a:r>
+              <a:rPr lang="en-US" dirty="0"/>
+              <a:t>minutes</a:t>
+            </a:r>
+          </a:p>
+        </p:txBody>
+      </p:sp>
+    </p:spTree>
+    <p:extLst>
+      <p:ext uri="{BB962C8B-B14F-4D97-AF65-F5344CB8AC3E}">
+        <p14:creationId xmlns:p14="http://schemas.microsoft.com/office/powerpoint/2010/main" val="1585871228"/>
+      </p:ext>
+    </p:extLst>
+  </p:cSld>
+  <p:clrMapOvr>
+    <a:masterClrMapping/>
+  </p:clrMapOvr>
+  <p:timing>
+    <p:tnLst>
+      <p:par>
+        <p:cTn id="1" dur="indefinite" restart="never" nodeType="tmRoot"/>
+      </p:par>
+    </p:tnLst>
+  </p:timing>
+</p:sld>
+</file>
+
 <file path=ppt/slides/slide89.xml><?xml version="1.0" encoding="utf-8"?>
 <p:sld xmlns:a="http://schemas.openxmlformats.org/drawingml/2006/main" xmlns:r="http://schemas.openxmlformats.org/officeDocument/2006/relationships" xmlns:p="http://schemas.openxmlformats.org/presentationml/2006/main">
   <p:cSld>
@@ -20809,688 +18555,15 @@
           <a:p>
             <a:r>
               <a:rPr lang="en-US" dirty="0"/>
-              <a:t>Lab 5: Analytics and Machine Learning</a:t>
-            </a:r>
-          </a:p>
-        </p:txBody>
-      </p:sp>
-      <p:sp>
-        <p:nvSpPr>
-          <p:cNvPr id="3" name="Content Placeholder 2"/>
-          <p:cNvSpPr>
-            <a:spLocks noGrp="1"/>
-          </p:cNvSpPr>
-          <p:nvPr>
-            <p:ph idx="1"/>
-          </p:nvPr>
-        </p:nvSpPr>
-        <p:spPr/>
-        <p:txBody>
-          <a:bodyPr/>
-          <a:lstStyle/>
-          <a:p>
-            <a:r>
-              <a:rPr lang="en-US" dirty="0"/>
-              <a:t>Predicting website-traffic volumes p 517</a:t>
-            </a:r>
-          </a:p>
-          <a:p>
-            <a:r>
-              <a:rPr lang="en-US" dirty="0"/>
-              <a:t>Finding abnormally sized web requests p 525</a:t>
-            </a:r>
-          </a:p>
-          <a:p>
-            <a:r>
-              <a:rPr lang="en-US" dirty="0"/>
-              <a:t>Identifying potential session spoofing p 532</a:t>
-            </a:r>
-          </a:p>
-          <a:p>
-            <a:r>
-              <a:rPr lang="en-US" dirty="0"/>
-              <a:t>Detecting outliers in server response times p 538</a:t>
-            </a:r>
-          </a:p>
-          <a:p>
-            <a:r>
-              <a:rPr lang="en-US" dirty="0"/>
-              <a:t>Forecasting weekly sales p 547</a:t>
-            </a:r>
-          </a:p>
-        </p:txBody>
-      </p:sp>
-      <p:sp>
-        <p:nvSpPr>
-          <p:cNvPr id="5" name="Rectangle 5"/>
-          <p:cNvSpPr>
-            <a:spLocks noChangeArrowheads="1"/>
-          </p:cNvSpPr>
-          <p:nvPr/>
-        </p:nvSpPr>
-        <p:spPr bwMode="auto">
-          <a:xfrm>
-            <a:off x="0" y="-16146"/>
-            <a:ext cx="12192000" cy="6858000"/>
-          </a:xfrm>
-          <a:prstGeom prst="rect">
-            <a:avLst/>
-          </a:prstGeom>
-          <a:solidFill>
-            <a:srgbClr val="FFFFFF">
-              <a:alpha val="50195"/>
-            </a:srgbClr>
-          </a:solidFill>
-          <a:ln>
-            <a:noFill/>
-          </a:ln>
-          <a:effectLst>
-            <a:outerShdw dist="53882" dir="2700000" algn="ctr" rotWithShape="0">
-              <a:srgbClr val="919191">
-                <a:alpha val="50000"/>
-              </a:srgbClr>
-            </a:outerShdw>
-          </a:effectLst>
-          <a:extLst>
-            <a:ext uri="{91240B29-F687-4F45-9708-019B960494DF}">
-              <a14:hiddenLine xmlns:a14="http://schemas.microsoft.com/office/drawing/2010/main" w="9525" algn="ctr">
-                <a:solidFill>
-                  <a:srgbClr val="000000"/>
-                </a:solidFill>
-                <a:miter lim="800000"/>
-                <a:headEnd/>
-                <a:tailEnd/>
-              </a14:hiddenLine>
-            </a:ext>
-          </a:extLst>
-        </p:spPr>
-        <p:txBody>
-          <a:bodyPr wrap="none" anchor="ctr"/>
-          <a:lstStyle>
-            <a:lvl1pPr>
-              <a:defRPr b="1">
-                <a:solidFill>
-                  <a:schemeClr val="tx1"/>
-                </a:solidFill>
-                <a:latin typeface="Verdana" panose="020B0604030504040204" pitchFamily="34" charset="0"/>
-              </a:defRPr>
-            </a:lvl1pPr>
-            <a:lvl2pPr marL="742950" indent="-285750">
-              <a:defRPr b="1">
-                <a:solidFill>
-                  <a:schemeClr val="tx1"/>
-                </a:solidFill>
-                <a:latin typeface="Verdana" panose="020B0604030504040204" pitchFamily="34" charset="0"/>
-              </a:defRPr>
-            </a:lvl2pPr>
-            <a:lvl3pPr marL="1143000" indent="-228600">
-              <a:defRPr b="1">
-                <a:solidFill>
-                  <a:schemeClr val="tx1"/>
-                </a:solidFill>
-                <a:latin typeface="Verdana" panose="020B0604030504040204" pitchFamily="34" charset="0"/>
-              </a:defRPr>
-            </a:lvl3pPr>
-            <a:lvl4pPr marL="1600200" indent="-228600">
-              <a:defRPr b="1">
-                <a:solidFill>
-                  <a:schemeClr val="tx1"/>
-                </a:solidFill>
-                <a:latin typeface="Verdana" panose="020B0604030504040204" pitchFamily="34" charset="0"/>
-              </a:defRPr>
-            </a:lvl4pPr>
-            <a:lvl5pPr marL="2057400" indent="-228600">
-              <a:defRPr b="1">
-                <a:solidFill>
-                  <a:schemeClr val="tx1"/>
-                </a:solidFill>
-                <a:latin typeface="Verdana" panose="020B0604030504040204" pitchFamily="34" charset="0"/>
-              </a:defRPr>
-            </a:lvl5pPr>
-            <a:lvl6pPr marL="2514600" indent="-228600" eaLnBrk="0" fontAlgn="base" hangingPunct="0">
-              <a:spcBef>
-                <a:spcPct val="0"/>
-              </a:spcBef>
-              <a:spcAft>
-                <a:spcPct val="0"/>
-              </a:spcAft>
-              <a:defRPr b="1">
-                <a:solidFill>
-                  <a:schemeClr val="tx1"/>
-                </a:solidFill>
-                <a:latin typeface="Verdana" panose="020B0604030504040204" pitchFamily="34" charset="0"/>
-              </a:defRPr>
-            </a:lvl6pPr>
-            <a:lvl7pPr marL="2971800" indent="-228600" eaLnBrk="0" fontAlgn="base" hangingPunct="0">
-              <a:spcBef>
-                <a:spcPct val="0"/>
-              </a:spcBef>
-              <a:spcAft>
-                <a:spcPct val="0"/>
-              </a:spcAft>
-              <a:defRPr b="1">
-                <a:solidFill>
-                  <a:schemeClr val="tx1"/>
-                </a:solidFill>
-                <a:latin typeface="Verdana" panose="020B0604030504040204" pitchFamily="34" charset="0"/>
-              </a:defRPr>
-            </a:lvl7pPr>
-            <a:lvl8pPr marL="3429000" indent="-228600" eaLnBrk="0" fontAlgn="base" hangingPunct="0">
-              <a:spcBef>
-                <a:spcPct val="0"/>
-              </a:spcBef>
-              <a:spcAft>
-                <a:spcPct val="0"/>
-              </a:spcAft>
-              <a:defRPr b="1">
-                <a:solidFill>
-                  <a:schemeClr val="tx1"/>
-                </a:solidFill>
-                <a:latin typeface="Verdana" panose="020B0604030504040204" pitchFamily="34" charset="0"/>
-              </a:defRPr>
-            </a:lvl8pPr>
-            <a:lvl9pPr marL="3886200" indent="-228600" eaLnBrk="0" fontAlgn="base" hangingPunct="0">
-              <a:spcBef>
-                <a:spcPct val="0"/>
-              </a:spcBef>
-              <a:spcAft>
-                <a:spcPct val="0"/>
-              </a:spcAft>
-              <a:defRPr b="1">
-                <a:solidFill>
-                  <a:schemeClr val="tx1"/>
-                </a:solidFill>
-                <a:latin typeface="Verdana" panose="020B0604030504040204" pitchFamily="34" charset="0"/>
-              </a:defRPr>
-            </a:lvl9pPr>
-          </a:lstStyle>
-          <a:p>
-            <a:pPr algn="ctr"/>
-            <a:endParaRPr lang="en-US" altLang="en-US"/>
-          </a:p>
-        </p:txBody>
-      </p:sp>
-      <p:sp>
-        <p:nvSpPr>
-          <p:cNvPr id="6" name="Rectangle 6"/>
-          <p:cNvSpPr>
-            <a:spLocks noChangeArrowheads="1"/>
-          </p:cNvSpPr>
-          <p:nvPr/>
-        </p:nvSpPr>
-        <p:spPr bwMode="auto">
-          <a:xfrm>
-            <a:off x="492125" y="5038725"/>
-            <a:ext cx="4094163" cy="1589088"/>
-          </a:xfrm>
-          <a:prstGeom prst="rect">
-            <a:avLst/>
-          </a:prstGeom>
-          <a:solidFill>
-            <a:srgbClr val="FFFFFF"/>
-          </a:solidFill>
-          <a:ln w="9525" algn="ctr">
-            <a:solidFill>
-              <a:schemeClr val="bg2"/>
-            </a:solidFill>
-            <a:miter lim="800000"/>
-            <a:headEnd/>
-            <a:tailEnd/>
-          </a:ln>
-          <a:effectLst>
-            <a:outerShdw dist="53882" dir="2700000" algn="ctr" rotWithShape="0">
-              <a:srgbClr val="919191">
-                <a:alpha val="50000"/>
-              </a:srgbClr>
-            </a:outerShdw>
-          </a:effectLst>
-        </p:spPr>
-        <p:txBody>
-          <a:bodyPr anchor="ctr"/>
-          <a:lstStyle>
-            <a:lvl1pPr>
-              <a:defRPr b="1">
-                <a:solidFill>
-                  <a:schemeClr val="tx1"/>
-                </a:solidFill>
-                <a:latin typeface="Verdana" panose="020B0604030504040204" pitchFamily="34" charset="0"/>
-              </a:defRPr>
-            </a:lvl1pPr>
-            <a:lvl2pPr marL="742950" indent="-285750">
-              <a:defRPr b="1">
-                <a:solidFill>
-                  <a:schemeClr val="tx1"/>
-                </a:solidFill>
-                <a:latin typeface="Verdana" panose="020B0604030504040204" pitchFamily="34" charset="0"/>
-              </a:defRPr>
-            </a:lvl2pPr>
-            <a:lvl3pPr marL="1143000" indent="-228600">
-              <a:defRPr b="1">
-                <a:solidFill>
-                  <a:schemeClr val="tx1"/>
-                </a:solidFill>
-                <a:latin typeface="Verdana" panose="020B0604030504040204" pitchFamily="34" charset="0"/>
-              </a:defRPr>
-            </a:lvl3pPr>
-            <a:lvl4pPr marL="1600200" indent="-228600">
-              <a:defRPr b="1">
-                <a:solidFill>
-                  <a:schemeClr val="tx1"/>
-                </a:solidFill>
-                <a:latin typeface="Verdana" panose="020B0604030504040204" pitchFamily="34" charset="0"/>
-              </a:defRPr>
-            </a:lvl4pPr>
-            <a:lvl5pPr marL="2057400" indent="-228600">
-              <a:defRPr b="1">
-                <a:solidFill>
-                  <a:schemeClr val="tx1"/>
-                </a:solidFill>
-                <a:latin typeface="Verdana" panose="020B0604030504040204" pitchFamily="34" charset="0"/>
-              </a:defRPr>
-            </a:lvl5pPr>
-            <a:lvl6pPr marL="2514600" indent="-228600" eaLnBrk="0" fontAlgn="base" hangingPunct="0">
-              <a:spcBef>
-                <a:spcPct val="0"/>
-              </a:spcBef>
-              <a:spcAft>
-                <a:spcPct val="0"/>
-              </a:spcAft>
-              <a:defRPr b="1">
-                <a:solidFill>
-                  <a:schemeClr val="tx1"/>
-                </a:solidFill>
-                <a:latin typeface="Verdana" panose="020B0604030504040204" pitchFamily="34" charset="0"/>
-              </a:defRPr>
-            </a:lvl6pPr>
-            <a:lvl7pPr marL="2971800" indent="-228600" eaLnBrk="0" fontAlgn="base" hangingPunct="0">
-              <a:spcBef>
-                <a:spcPct val="0"/>
-              </a:spcBef>
-              <a:spcAft>
-                <a:spcPct val="0"/>
-              </a:spcAft>
-              <a:defRPr b="1">
-                <a:solidFill>
-                  <a:schemeClr val="tx1"/>
-                </a:solidFill>
-                <a:latin typeface="Verdana" panose="020B0604030504040204" pitchFamily="34" charset="0"/>
-              </a:defRPr>
-            </a:lvl7pPr>
-            <a:lvl8pPr marL="3429000" indent="-228600" eaLnBrk="0" fontAlgn="base" hangingPunct="0">
-              <a:spcBef>
-                <a:spcPct val="0"/>
-              </a:spcBef>
-              <a:spcAft>
-                <a:spcPct val="0"/>
-              </a:spcAft>
-              <a:defRPr b="1">
-                <a:solidFill>
-                  <a:schemeClr val="tx1"/>
-                </a:solidFill>
-                <a:latin typeface="Verdana" panose="020B0604030504040204" pitchFamily="34" charset="0"/>
-              </a:defRPr>
-            </a:lvl8pPr>
-            <a:lvl9pPr marL="3886200" indent="-228600" eaLnBrk="0" fontAlgn="base" hangingPunct="0">
-              <a:spcBef>
-                <a:spcPct val="0"/>
-              </a:spcBef>
-              <a:spcAft>
-                <a:spcPct val="0"/>
-              </a:spcAft>
-              <a:defRPr b="1">
-                <a:solidFill>
-                  <a:schemeClr val="tx1"/>
-                </a:solidFill>
-                <a:latin typeface="Verdana" panose="020B0604030504040204" pitchFamily="34" charset="0"/>
-              </a:defRPr>
-            </a:lvl9pPr>
-          </a:lstStyle>
-          <a:p>
-            <a:pPr algn="ctr"/>
-            <a:r>
-              <a:rPr lang="en-US" altLang="en-US">
-                <a:solidFill>
-                  <a:srgbClr val="000000"/>
-                </a:solidFill>
-              </a:rPr>
-              <a:t>Questions? Comments?</a:t>
-            </a:r>
-          </a:p>
-          <a:p>
-            <a:pPr algn="ctr"/>
-            <a:r>
-              <a:rPr lang="en-US" altLang="en-US">
-                <a:solidFill>
-                  <a:srgbClr val="000000"/>
-                </a:solidFill>
-              </a:rPr>
-              <a:t>Dan’s e-mail: </a:t>
-            </a:r>
-            <a:r>
-              <a:rPr lang="en-US" altLang="en-US">
-                <a:solidFill>
-                  <a:srgbClr val="000000"/>
-                </a:solidFill>
-                <a:hlinkClick r:id="rId2"/>
-              </a:rPr>
-              <a:t>danc@onlc.com</a:t>
-            </a:r>
-            <a:endParaRPr lang="en-US" altLang="en-US">
-              <a:solidFill>
-                <a:srgbClr val="000000"/>
-              </a:solidFill>
-            </a:endParaRPr>
-          </a:p>
-          <a:p>
-            <a:pPr algn="ctr"/>
-            <a:r>
-              <a:rPr lang="en-US" altLang="en-US">
-                <a:solidFill>
-                  <a:srgbClr val="000000"/>
-                </a:solidFill>
-              </a:rPr>
-              <a:t>Dan’s cell #: (413) 455-0856</a:t>
-            </a:r>
-          </a:p>
-        </p:txBody>
-      </p:sp>
-      <p:pic>
-        <p:nvPicPr>
-          <p:cNvPr id="8" name="Picture 5" descr="j0305257"/>
-          <p:cNvPicPr>
-            <a:picLocks noChangeAspect="1" noChangeArrowheads="1"/>
-          </p:cNvPicPr>
-          <p:nvPr/>
-        </p:nvPicPr>
-        <p:blipFill>
-          <a:blip r:embed="rId3">
-            <a:extLst>
-              <a:ext uri="{28A0092B-C50C-407E-A947-70E740481C1C}">
-                <a14:useLocalDpi xmlns:a14="http://schemas.microsoft.com/office/drawing/2010/main" val="0"/>
-              </a:ext>
-            </a:extLst>
-          </a:blip>
-          <a:srcRect/>
-          <a:stretch>
-            <a:fillRect/>
-          </a:stretch>
-        </p:blipFill>
-        <p:spPr bwMode="auto">
-          <a:xfrm>
-            <a:off x="9709150" y="606425"/>
-            <a:ext cx="1874838" cy="3013075"/>
-          </a:xfrm>
-          <a:prstGeom prst="rect">
-            <a:avLst/>
-          </a:prstGeom>
-          <a:noFill/>
-          <a:ln>
-            <a:noFill/>
-          </a:ln>
-          <a:extLst>
-            <a:ext uri="{909E8E84-426E-40DD-AFC4-6F175D3DCCD1}">
-              <a14:hiddenFill xmlns:a14="http://schemas.microsoft.com/office/drawing/2010/main">
-                <a:solidFill>
-                  <a:srgbClr val="FFFFFF"/>
-                </a:solidFill>
-              </a14:hiddenFill>
-            </a:ext>
-            <a:ext uri="{91240B29-F687-4F45-9708-019B960494DF}">
-              <a14:hiddenLine xmlns:a14="http://schemas.microsoft.com/office/drawing/2010/main" w="9525">
-                <a:solidFill>
-                  <a:srgbClr val="000000"/>
-                </a:solidFill>
-                <a:miter lim="800000"/>
-                <a:headEnd/>
-                <a:tailEnd/>
-              </a14:hiddenLine>
-            </a:ext>
-          </a:extLst>
-        </p:spPr>
-      </p:pic>
-      <p:pic>
-        <p:nvPicPr>
-          <p:cNvPr id="9" name="Picture 7" descr="MCj04315630000[1]"/>
-          <p:cNvPicPr>
-            <a:picLocks noChangeAspect="1" noChangeArrowheads="1"/>
-          </p:cNvPicPr>
-          <p:nvPr/>
-        </p:nvPicPr>
-        <p:blipFill>
-          <a:blip r:embed="rId4">
-            <a:extLst>
-              <a:ext uri="{28A0092B-C50C-407E-A947-70E740481C1C}">
-                <a14:useLocalDpi xmlns:a14="http://schemas.microsoft.com/office/drawing/2010/main" val="0"/>
-              </a:ext>
-            </a:extLst>
-          </a:blip>
-          <a:srcRect/>
-          <a:stretch>
-            <a:fillRect/>
-          </a:stretch>
-        </p:blipFill>
-        <p:spPr bwMode="auto">
-          <a:xfrm>
-            <a:off x="9328150" y="3713163"/>
-            <a:ext cx="2697163" cy="2714625"/>
-          </a:xfrm>
-          <a:prstGeom prst="rect">
-            <a:avLst/>
-          </a:prstGeom>
-          <a:noFill/>
-          <a:ln>
-            <a:noFill/>
-          </a:ln>
-          <a:extLst>
-            <a:ext uri="{909E8E84-426E-40DD-AFC4-6F175D3DCCD1}">
-              <a14:hiddenFill xmlns:a14="http://schemas.microsoft.com/office/drawing/2010/main">
-                <a:solidFill>
-                  <a:srgbClr val="FFFFFF"/>
-                </a:solidFill>
-              </a14:hiddenFill>
-            </a:ext>
-            <a:ext uri="{91240B29-F687-4F45-9708-019B960494DF}">
-              <a14:hiddenLine xmlns:a14="http://schemas.microsoft.com/office/drawing/2010/main" w="9525">
-                <a:solidFill>
-                  <a:srgbClr val="000000"/>
-                </a:solidFill>
-                <a:miter lim="800000"/>
-                <a:headEnd/>
-                <a:tailEnd/>
-              </a14:hiddenLine>
-            </a:ext>
-          </a:extLst>
-        </p:spPr>
-      </p:pic>
-      <p:sp>
-        <p:nvSpPr>
-          <p:cNvPr id="4" name="Text Placeholder 3"/>
-          <p:cNvSpPr>
-            <a:spLocks noGrp="1"/>
-          </p:cNvSpPr>
-          <p:nvPr>
-            <p:ph type="body" sz="quarter" idx="13"/>
-          </p:nvPr>
-        </p:nvSpPr>
-        <p:spPr/>
-        <p:txBody>
-          <a:bodyPr/>
-          <a:lstStyle/>
-          <a:p>
-            <a:r>
-              <a:rPr lang="en-US" dirty="0"/>
-              <a:t>Duration: </a:t>
-            </a:r>
-            <a:r>
-              <a:rPr lang="en-US" dirty="0" smtClean="0"/>
-              <a:t>30 </a:t>
-            </a:r>
-            <a:r>
-              <a:rPr lang="en-US" dirty="0"/>
-              <a:t>minutes</a:t>
-            </a:r>
-          </a:p>
-        </p:txBody>
-      </p:sp>
-      <p:sp>
-        <p:nvSpPr>
-          <p:cNvPr id="7" name="WordArt 3"/>
-          <p:cNvSpPr>
-            <a:spLocks noChangeArrowheads="1" noChangeShapeType="1" noTextEdit="1"/>
-          </p:cNvSpPr>
-          <p:nvPr/>
-        </p:nvSpPr>
-        <p:spPr bwMode="auto">
-          <a:xfrm>
-            <a:off x="955675" y="977900"/>
-            <a:ext cx="3167063" cy="2616200"/>
-          </a:xfrm>
-          <a:prstGeom prst="rect">
-            <a:avLst/>
-          </a:prstGeom>
-        </p:spPr>
-        <p:txBody>
-          <a:bodyPr wrap="none" fromWordArt="1">
-            <a:prstTxWarp prst="textSlantUp">
-              <a:avLst>
-                <a:gd name="adj" fmla="val 9014"/>
-              </a:avLst>
-            </a:prstTxWarp>
-          </a:bodyPr>
-          <a:lstStyle/>
-          <a:p>
-            <a:pPr algn="ctr"/>
-            <a:r>
-              <a:rPr lang="en-US" sz="3600" kern="10" dirty="0" smtClean="0">
-                <a:ln w="9525">
-                  <a:solidFill>
-                    <a:srgbClr val="CC99FF"/>
-                  </a:solidFill>
-                  <a:round/>
-                  <a:headEnd/>
-                  <a:tailEnd/>
-                </a:ln>
-                <a:gradFill rotWithShape="1">
-                  <a:gsLst>
-                    <a:gs pos="0">
-                      <a:srgbClr val="6600CC"/>
-                    </a:gs>
-                    <a:gs pos="100000">
-                      <a:srgbClr val="CC00CC"/>
-                    </a:gs>
-                  </a:gsLst>
-                  <a:lin ang="5400000" scaled="1"/>
-                </a:gradFill>
-                <a:effectLst>
-                  <a:outerShdw dist="53882" dir="2700000" algn="ctr" rotWithShape="0">
-                    <a:srgbClr val="9999FF">
-                      <a:alpha val="79999"/>
-                    </a:srgbClr>
-                  </a:outerShdw>
-                </a:effectLst>
-                <a:latin typeface="Impact" panose="020B0806030902050204" pitchFamily="34" charset="0"/>
-              </a:rPr>
-              <a:t>Lab/P.M. Break:</a:t>
-            </a:r>
-            <a:br>
-              <a:rPr lang="en-US" sz="3600" kern="10" dirty="0" smtClean="0">
-                <a:ln w="9525">
-                  <a:solidFill>
-                    <a:srgbClr val="CC99FF"/>
-                  </a:solidFill>
-                  <a:round/>
-                  <a:headEnd/>
-                  <a:tailEnd/>
-                </a:ln>
-                <a:gradFill rotWithShape="1">
-                  <a:gsLst>
-                    <a:gs pos="0">
-                      <a:srgbClr val="6600CC"/>
-                    </a:gs>
-                    <a:gs pos="100000">
-                      <a:srgbClr val="CC00CC"/>
-                    </a:gs>
-                  </a:gsLst>
-                  <a:lin ang="5400000" scaled="1"/>
-                </a:gradFill>
-                <a:effectLst>
-                  <a:outerShdw dist="53882" dir="2700000" algn="ctr" rotWithShape="0">
-                    <a:srgbClr val="9999FF">
-                      <a:alpha val="79999"/>
-                    </a:srgbClr>
-                  </a:outerShdw>
-                </a:effectLst>
-                <a:latin typeface="Impact" panose="020B0806030902050204" pitchFamily="34" charset="0"/>
-              </a:rPr>
-            </a:br>
-            <a:r>
-              <a:rPr lang="en-US" sz="3600" kern="10" dirty="0" smtClean="0">
-                <a:ln w="9525">
-                  <a:solidFill>
-                    <a:srgbClr val="CC99FF"/>
-                  </a:solidFill>
-                  <a:round/>
-                  <a:headEnd/>
-                  <a:tailEnd/>
-                </a:ln>
-                <a:gradFill rotWithShape="1">
-                  <a:gsLst>
-                    <a:gs pos="0">
-                      <a:srgbClr val="6600CC"/>
-                    </a:gs>
-                    <a:gs pos="100000">
-                      <a:srgbClr val="CC00CC"/>
-                    </a:gs>
-                  </a:gsLst>
-                  <a:lin ang="5400000" scaled="1"/>
-                </a:gradFill>
-                <a:effectLst>
-                  <a:outerShdw dist="53882" dir="2700000" algn="ctr" rotWithShape="0">
-                    <a:srgbClr val="9999FF">
-                      <a:alpha val="79999"/>
-                    </a:srgbClr>
-                  </a:outerShdw>
-                </a:effectLst>
-                <a:latin typeface="Impact" panose="020B0806030902050204" pitchFamily="34" charset="0"/>
-              </a:rPr>
-              <a:t>13:45-~14:30..14:45?</a:t>
-            </a:r>
-            <a:endParaRPr lang="en-US" sz="3600" kern="10" dirty="0">
-              <a:ln w="9525">
-                <a:solidFill>
-                  <a:srgbClr val="CC99FF"/>
-                </a:solidFill>
-                <a:round/>
-                <a:headEnd/>
-                <a:tailEnd/>
-              </a:ln>
-              <a:gradFill rotWithShape="1">
-                <a:gsLst>
-                  <a:gs pos="0">
-                    <a:srgbClr val="6600CC"/>
-                  </a:gs>
-                  <a:gs pos="100000">
-                    <a:srgbClr val="CC00CC"/>
-                  </a:gs>
-                </a:gsLst>
-                <a:lin ang="5400000" scaled="1"/>
-              </a:gradFill>
-              <a:effectLst>
-                <a:outerShdw dist="53882" dir="2700000" algn="ctr" rotWithShape="0">
-                  <a:srgbClr val="9999FF">
-                    <a:alpha val="79999"/>
-                  </a:srgbClr>
-                </a:outerShdw>
-              </a:effectLst>
-              <a:latin typeface="Impact" panose="020B0806030902050204" pitchFamily="34" charset="0"/>
-            </a:endParaRPr>
+              <a:t>Module 6: Optimizing Search</a:t>
+            </a:r>
           </a:p>
         </p:txBody>
       </p:sp>
     </p:spTree>
     <p:extLst>
       <p:ext uri="{BB962C8B-B14F-4D97-AF65-F5344CB8AC3E}">
-        <p14:creationId xmlns:p14="http://schemas.microsoft.com/office/powerpoint/2010/main" val="1585871228"/>
+        <p14:creationId xmlns:p14="http://schemas.microsoft.com/office/powerpoint/2010/main" val="1408587379"/>
       </p:ext>
     </p:extLst>
   </p:cSld>
@@ -21638,65 +18711,6 @@
           <a:p>
             <a:r>
               <a:rPr lang="en-US" dirty="0"/>
-              <a:t>Module 6: Optimizing Search</a:t>
-            </a:r>
-          </a:p>
-        </p:txBody>
-      </p:sp>
-    </p:spTree>
-    <p:extLst>
-      <p:ext uri="{BB962C8B-B14F-4D97-AF65-F5344CB8AC3E}">
-        <p14:creationId xmlns:p14="http://schemas.microsoft.com/office/powerpoint/2010/main" val="1408587379"/>
-      </p:ext>
-    </p:extLst>
-  </p:cSld>
-  <p:clrMapOvr>
-    <a:masterClrMapping/>
-  </p:clrMapOvr>
-  <p:timing>
-    <p:tnLst>
-      <p:par>
-        <p:cTn id="1" dur="indefinite" restart="never" nodeType="tmRoot"/>
-      </p:par>
-    </p:tnLst>
-  </p:timing>
-</p:sld>
-</file>
-
-<file path=ppt/slides/slide91.xml><?xml version="1.0" encoding="utf-8"?>
-<p:sld xmlns:a="http://schemas.openxmlformats.org/drawingml/2006/main" xmlns:r="http://schemas.openxmlformats.org/officeDocument/2006/relationships" xmlns:p="http://schemas.openxmlformats.org/presentationml/2006/main">
-  <p:cSld>
-    <p:spTree>
-      <p:nvGrpSpPr>
-        <p:cNvPr id="1" name=""/>
-        <p:cNvGrpSpPr/>
-        <p:nvPr/>
-      </p:nvGrpSpPr>
-      <p:grpSpPr>
-        <a:xfrm>
-          <a:off x="0" y="0"/>
-          <a:ext cx="0" cy="0"/>
-          <a:chOff x="0" y="0"/>
-          <a:chExt cx="0" cy="0"/>
-        </a:xfrm>
-      </p:grpSpPr>
-      <p:sp>
-        <p:nvSpPr>
-          <p:cNvPr id="2" name="Title 1"/>
-          <p:cNvSpPr>
-            <a:spLocks noGrp="1"/>
-          </p:cNvSpPr>
-          <p:nvPr>
-            <p:ph type="title"/>
-          </p:nvPr>
-        </p:nvSpPr>
-        <p:spPr/>
-        <p:txBody>
-          <a:bodyPr/>
-          <a:lstStyle/>
-          <a:p>
-            <a:r>
-              <a:rPr lang="en-US" dirty="0"/>
               <a:t>Data summarization</a:t>
             </a:r>
           </a:p>
@@ -21756,7 +18770,7 @@
 </p:sld>
 </file>
 
-<file path=ppt/slides/slide92.xml><?xml version="1.0" encoding="utf-8"?>
+<file path=ppt/slides/slide91.xml><?xml version="1.0" encoding="utf-8"?>
 <p:sld xmlns:a="http://schemas.openxmlformats.org/drawingml/2006/main" xmlns:r="http://schemas.openxmlformats.org/officeDocument/2006/relationships" xmlns:p="http://schemas.openxmlformats.org/presentationml/2006/main">
   <p:cSld>
     <p:spTree>
@@ -21942,7 +18956,7 @@
 </p:sld>
 </file>
 
-<file path=ppt/slides/slide93.xml><?xml version="1.0" encoding="utf-8"?>
+<file path=ppt/slides/slide92.xml><?xml version="1.0" encoding="utf-8"?>
 <p:sld xmlns:a="http://schemas.openxmlformats.org/drawingml/2006/main" xmlns:r="http://schemas.openxmlformats.org/officeDocument/2006/relationships" xmlns:p="http://schemas.openxmlformats.org/presentationml/2006/main">
   <p:cSld>
     <p:spTree>
@@ -22062,7 +19076,7 @@
 </p:sld>
 </file>
 
-<file path=ppt/slides/slide94.xml><?xml version="1.0" encoding="utf-8"?>
+<file path=ppt/slides/slide93.xml><?xml version="1.0" encoding="utf-8"?>
 <p:sld xmlns:a="http://schemas.openxmlformats.org/drawingml/2006/main" xmlns:r="http://schemas.openxmlformats.org/officeDocument/2006/relationships" xmlns:p="http://schemas.openxmlformats.org/presentationml/2006/main">
   <p:cSld>
     <p:spTree>
@@ -22217,7 +19231,7 @@
 </p:sld>
 </file>
 
-<file path=ppt/slides/slide95.xml><?xml version="1.0" encoding="utf-8"?>
+<file path=ppt/slides/slide94.xml><?xml version="1.0" encoding="utf-8"?>
 <p:sld xmlns:a="http://schemas.openxmlformats.org/drawingml/2006/main" xmlns:r="http://schemas.openxmlformats.org/officeDocument/2006/relationships" xmlns:p="http://schemas.openxmlformats.org/presentationml/2006/main">
   <p:cSld>
     <p:spTree>
@@ -22412,7 +19426,7 @@
 </p:sld>
 </file>
 
-<file path=ppt/slides/slide96.xml><?xml version="1.0" encoding="utf-8"?>
+<file path=ppt/slides/slide95.xml><?xml version="1.0" encoding="utf-8"?>
 <p:sld xmlns:a="http://schemas.openxmlformats.org/drawingml/2006/main" xmlns:r="http://schemas.openxmlformats.org/officeDocument/2006/relationships" xmlns:p="http://schemas.openxmlformats.org/presentationml/2006/main">
   <p:cSld>
     <p:spTree>
@@ -22526,706 +19540,6 @@
           </a:p>
         </p:txBody>
       </p:sp>
-      <p:sp>
-        <p:nvSpPr>
-          <p:cNvPr id="5" name="Rectangle 5"/>
-          <p:cNvSpPr>
-            <a:spLocks noChangeArrowheads="1"/>
-          </p:cNvSpPr>
-          <p:nvPr/>
-        </p:nvSpPr>
-        <p:spPr bwMode="auto">
-          <a:xfrm>
-            <a:off x="0" y="0"/>
-            <a:ext cx="12192000" cy="6858000"/>
-          </a:xfrm>
-          <a:prstGeom prst="rect">
-            <a:avLst/>
-          </a:prstGeom>
-          <a:solidFill>
-            <a:srgbClr val="FFFFFF">
-              <a:alpha val="50195"/>
-            </a:srgbClr>
-          </a:solidFill>
-          <a:ln>
-            <a:noFill/>
-          </a:ln>
-          <a:effectLst>
-            <a:outerShdw dist="53882" dir="2700000" algn="ctr" rotWithShape="0">
-              <a:srgbClr val="919191">
-                <a:alpha val="50000"/>
-              </a:srgbClr>
-            </a:outerShdw>
-          </a:effectLst>
-          <a:extLst>
-            <a:ext uri="{91240B29-F687-4F45-9708-019B960494DF}">
-              <a14:hiddenLine xmlns:a14="http://schemas.microsoft.com/office/drawing/2010/main" w="9525" algn="ctr">
-                <a:solidFill>
-                  <a:srgbClr val="000000"/>
-                </a:solidFill>
-                <a:miter lim="800000"/>
-                <a:headEnd/>
-                <a:tailEnd/>
-              </a14:hiddenLine>
-            </a:ext>
-          </a:extLst>
-        </p:spPr>
-        <p:txBody>
-          <a:bodyPr wrap="none" anchor="ctr"/>
-          <a:lstStyle>
-            <a:lvl1pPr>
-              <a:defRPr b="1">
-                <a:solidFill>
-                  <a:schemeClr val="tx1"/>
-                </a:solidFill>
-                <a:latin typeface="Verdana" panose="020B0604030504040204" pitchFamily="34" charset="0"/>
-              </a:defRPr>
-            </a:lvl1pPr>
-            <a:lvl2pPr marL="742950" indent="-285750">
-              <a:defRPr b="1">
-                <a:solidFill>
-                  <a:schemeClr val="tx1"/>
-                </a:solidFill>
-                <a:latin typeface="Verdana" panose="020B0604030504040204" pitchFamily="34" charset="0"/>
-              </a:defRPr>
-            </a:lvl2pPr>
-            <a:lvl3pPr marL="1143000" indent="-228600">
-              <a:defRPr b="1">
-                <a:solidFill>
-                  <a:schemeClr val="tx1"/>
-                </a:solidFill>
-                <a:latin typeface="Verdana" panose="020B0604030504040204" pitchFamily="34" charset="0"/>
-              </a:defRPr>
-            </a:lvl3pPr>
-            <a:lvl4pPr marL="1600200" indent="-228600">
-              <a:defRPr b="1">
-                <a:solidFill>
-                  <a:schemeClr val="tx1"/>
-                </a:solidFill>
-                <a:latin typeface="Verdana" panose="020B0604030504040204" pitchFamily="34" charset="0"/>
-              </a:defRPr>
-            </a:lvl4pPr>
-            <a:lvl5pPr marL="2057400" indent="-228600">
-              <a:defRPr b="1">
-                <a:solidFill>
-                  <a:schemeClr val="tx1"/>
-                </a:solidFill>
-                <a:latin typeface="Verdana" panose="020B0604030504040204" pitchFamily="34" charset="0"/>
-              </a:defRPr>
-            </a:lvl5pPr>
-            <a:lvl6pPr marL="2514600" indent="-228600" eaLnBrk="0" fontAlgn="base" hangingPunct="0">
-              <a:spcBef>
-                <a:spcPct val="0"/>
-              </a:spcBef>
-              <a:spcAft>
-                <a:spcPct val="0"/>
-              </a:spcAft>
-              <a:defRPr b="1">
-                <a:solidFill>
-                  <a:schemeClr val="tx1"/>
-                </a:solidFill>
-                <a:latin typeface="Verdana" panose="020B0604030504040204" pitchFamily="34" charset="0"/>
-              </a:defRPr>
-            </a:lvl6pPr>
-            <a:lvl7pPr marL="2971800" indent="-228600" eaLnBrk="0" fontAlgn="base" hangingPunct="0">
-              <a:spcBef>
-                <a:spcPct val="0"/>
-              </a:spcBef>
-              <a:spcAft>
-                <a:spcPct val="0"/>
-              </a:spcAft>
-              <a:defRPr b="1">
-                <a:solidFill>
-                  <a:schemeClr val="tx1"/>
-                </a:solidFill>
-                <a:latin typeface="Verdana" panose="020B0604030504040204" pitchFamily="34" charset="0"/>
-              </a:defRPr>
-            </a:lvl7pPr>
-            <a:lvl8pPr marL="3429000" indent="-228600" eaLnBrk="0" fontAlgn="base" hangingPunct="0">
-              <a:spcBef>
-                <a:spcPct val="0"/>
-              </a:spcBef>
-              <a:spcAft>
-                <a:spcPct val="0"/>
-              </a:spcAft>
-              <a:defRPr b="1">
-                <a:solidFill>
-                  <a:schemeClr val="tx1"/>
-                </a:solidFill>
-                <a:latin typeface="Verdana" panose="020B0604030504040204" pitchFamily="34" charset="0"/>
-              </a:defRPr>
-            </a:lvl8pPr>
-            <a:lvl9pPr marL="3886200" indent="-228600" eaLnBrk="0" fontAlgn="base" hangingPunct="0">
-              <a:spcBef>
-                <a:spcPct val="0"/>
-              </a:spcBef>
-              <a:spcAft>
-                <a:spcPct val="0"/>
-              </a:spcAft>
-              <a:defRPr b="1">
-                <a:solidFill>
-                  <a:schemeClr val="tx1"/>
-                </a:solidFill>
-                <a:latin typeface="Verdana" panose="020B0604030504040204" pitchFamily="34" charset="0"/>
-              </a:defRPr>
-            </a:lvl9pPr>
-          </a:lstStyle>
-          <a:p>
-            <a:pPr algn="ctr"/>
-            <a:endParaRPr lang="en-US" altLang="en-US"/>
-          </a:p>
-        </p:txBody>
-      </p:sp>
-      <p:sp>
-        <p:nvSpPr>
-          <p:cNvPr id="6" name="Rectangle 6"/>
-          <p:cNvSpPr>
-            <a:spLocks noChangeArrowheads="1"/>
-          </p:cNvSpPr>
-          <p:nvPr/>
-        </p:nvSpPr>
-        <p:spPr bwMode="auto">
-          <a:xfrm>
-            <a:off x="492125" y="5038725"/>
-            <a:ext cx="4094163" cy="1589088"/>
-          </a:xfrm>
-          <a:prstGeom prst="rect">
-            <a:avLst/>
-          </a:prstGeom>
-          <a:solidFill>
-            <a:srgbClr val="FFFFFF"/>
-          </a:solidFill>
-          <a:ln w="9525" algn="ctr">
-            <a:solidFill>
-              <a:schemeClr val="bg2"/>
-            </a:solidFill>
-            <a:miter lim="800000"/>
-            <a:headEnd/>
-            <a:tailEnd/>
-          </a:ln>
-          <a:effectLst>
-            <a:outerShdw dist="53882" dir="2700000" algn="ctr" rotWithShape="0">
-              <a:srgbClr val="919191">
-                <a:alpha val="50000"/>
-              </a:srgbClr>
-            </a:outerShdw>
-          </a:effectLst>
-        </p:spPr>
-        <p:txBody>
-          <a:bodyPr anchor="ctr"/>
-          <a:lstStyle>
-            <a:lvl1pPr>
-              <a:defRPr b="1">
-                <a:solidFill>
-                  <a:schemeClr val="tx1"/>
-                </a:solidFill>
-                <a:latin typeface="Verdana" panose="020B0604030504040204" pitchFamily="34" charset="0"/>
-              </a:defRPr>
-            </a:lvl1pPr>
-            <a:lvl2pPr marL="742950" indent="-285750">
-              <a:defRPr b="1">
-                <a:solidFill>
-                  <a:schemeClr val="tx1"/>
-                </a:solidFill>
-                <a:latin typeface="Verdana" panose="020B0604030504040204" pitchFamily="34" charset="0"/>
-              </a:defRPr>
-            </a:lvl2pPr>
-            <a:lvl3pPr marL="1143000" indent="-228600">
-              <a:defRPr b="1">
-                <a:solidFill>
-                  <a:schemeClr val="tx1"/>
-                </a:solidFill>
-                <a:latin typeface="Verdana" panose="020B0604030504040204" pitchFamily="34" charset="0"/>
-              </a:defRPr>
-            </a:lvl3pPr>
-            <a:lvl4pPr marL="1600200" indent="-228600">
-              <a:defRPr b="1">
-                <a:solidFill>
-                  <a:schemeClr val="tx1"/>
-                </a:solidFill>
-                <a:latin typeface="Verdana" panose="020B0604030504040204" pitchFamily="34" charset="0"/>
-              </a:defRPr>
-            </a:lvl4pPr>
-            <a:lvl5pPr marL="2057400" indent="-228600">
-              <a:defRPr b="1">
-                <a:solidFill>
-                  <a:schemeClr val="tx1"/>
-                </a:solidFill>
-                <a:latin typeface="Verdana" panose="020B0604030504040204" pitchFamily="34" charset="0"/>
-              </a:defRPr>
-            </a:lvl5pPr>
-            <a:lvl6pPr marL="2514600" indent="-228600" eaLnBrk="0" fontAlgn="base" hangingPunct="0">
-              <a:spcBef>
-                <a:spcPct val="0"/>
-              </a:spcBef>
-              <a:spcAft>
-                <a:spcPct val="0"/>
-              </a:spcAft>
-              <a:defRPr b="1">
-                <a:solidFill>
-                  <a:schemeClr val="tx1"/>
-                </a:solidFill>
-                <a:latin typeface="Verdana" panose="020B0604030504040204" pitchFamily="34" charset="0"/>
-              </a:defRPr>
-            </a:lvl6pPr>
-            <a:lvl7pPr marL="2971800" indent="-228600" eaLnBrk="0" fontAlgn="base" hangingPunct="0">
-              <a:spcBef>
-                <a:spcPct val="0"/>
-              </a:spcBef>
-              <a:spcAft>
-                <a:spcPct val="0"/>
-              </a:spcAft>
-              <a:defRPr b="1">
-                <a:solidFill>
-                  <a:schemeClr val="tx1"/>
-                </a:solidFill>
-                <a:latin typeface="Verdana" panose="020B0604030504040204" pitchFamily="34" charset="0"/>
-              </a:defRPr>
-            </a:lvl7pPr>
-            <a:lvl8pPr marL="3429000" indent="-228600" eaLnBrk="0" fontAlgn="base" hangingPunct="0">
-              <a:spcBef>
-                <a:spcPct val="0"/>
-              </a:spcBef>
-              <a:spcAft>
-                <a:spcPct val="0"/>
-              </a:spcAft>
-              <a:defRPr b="1">
-                <a:solidFill>
-                  <a:schemeClr val="tx1"/>
-                </a:solidFill>
-                <a:latin typeface="Verdana" panose="020B0604030504040204" pitchFamily="34" charset="0"/>
-              </a:defRPr>
-            </a:lvl8pPr>
-            <a:lvl9pPr marL="3886200" indent="-228600" eaLnBrk="0" fontAlgn="base" hangingPunct="0">
-              <a:spcBef>
-                <a:spcPct val="0"/>
-              </a:spcBef>
-              <a:spcAft>
-                <a:spcPct val="0"/>
-              </a:spcAft>
-              <a:defRPr b="1">
-                <a:solidFill>
-                  <a:schemeClr val="tx1"/>
-                </a:solidFill>
-                <a:latin typeface="Verdana" panose="020B0604030504040204" pitchFamily="34" charset="0"/>
-              </a:defRPr>
-            </a:lvl9pPr>
-          </a:lstStyle>
-          <a:p>
-            <a:pPr algn="ctr"/>
-            <a:r>
-              <a:rPr lang="en-US" altLang="en-US">
-                <a:solidFill>
-                  <a:srgbClr val="000000"/>
-                </a:solidFill>
-              </a:rPr>
-              <a:t>Questions? Comments?</a:t>
-            </a:r>
-          </a:p>
-          <a:p>
-            <a:pPr algn="ctr"/>
-            <a:r>
-              <a:rPr lang="en-US" altLang="en-US">
-                <a:solidFill>
-                  <a:srgbClr val="000000"/>
-                </a:solidFill>
-              </a:rPr>
-              <a:t>Dan’s e-mail: </a:t>
-            </a:r>
-            <a:r>
-              <a:rPr lang="en-US" altLang="en-US">
-                <a:solidFill>
-                  <a:srgbClr val="000000"/>
-                </a:solidFill>
-                <a:hlinkClick r:id="rId2"/>
-              </a:rPr>
-              <a:t>danc@onlc.com</a:t>
-            </a:r>
-            <a:endParaRPr lang="en-US" altLang="en-US">
-              <a:solidFill>
-                <a:srgbClr val="000000"/>
-              </a:solidFill>
-            </a:endParaRPr>
-          </a:p>
-          <a:p>
-            <a:pPr algn="ctr"/>
-            <a:r>
-              <a:rPr lang="en-US" altLang="en-US">
-                <a:solidFill>
-                  <a:srgbClr val="000000"/>
-                </a:solidFill>
-              </a:rPr>
-              <a:t>Dan’s cell #: (413) 455-0856</a:t>
-            </a:r>
-          </a:p>
-        </p:txBody>
-      </p:sp>
-      <p:sp>
-        <p:nvSpPr>
-          <p:cNvPr id="7" name="WordArt 3"/>
-          <p:cNvSpPr>
-            <a:spLocks noChangeArrowheads="1" noChangeShapeType="1" noTextEdit="1"/>
-          </p:cNvSpPr>
-          <p:nvPr/>
-        </p:nvSpPr>
-        <p:spPr bwMode="auto">
-          <a:xfrm>
-            <a:off x="254000" y="203200"/>
-            <a:ext cx="6892925" cy="2432050"/>
-          </a:xfrm>
-          <a:prstGeom prst="rect">
-            <a:avLst/>
-          </a:prstGeom>
-        </p:spPr>
-        <p:txBody>
-          <a:bodyPr wrap="none" fromWordArt="1">
-            <a:prstTxWarp prst="textCascadeUp">
-              <a:avLst>
-                <a:gd name="adj" fmla="val 44444"/>
-              </a:avLst>
-            </a:prstTxWarp>
-            <a:scene3d>
-              <a:camera prst="legacyPerspectiveFront">
-                <a:rot lat="20519989" lon="1080000" rev="0"/>
-              </a:camera>
-              <a:lightRig rig="legacyHarsh2" dir="b"/>
-            </a:scene3d>
-            <a:sp3d extrusionH="430200" prstMaterial="legacyMatte">
-              <a:extrusionClr>
-                <a:srgbClr val="FF6600"/>
-              </a:extrusionClr>
-              <a:contourClr>
-                <a:srgbClr val="FFE701"/>
-              </a:contourClr>
-            </a:sp3d>
-          </a:bodyPr>
-          <a:lstStyle/>
-          <a:p>
-            <a:pPr algn="ctr"/>
-            <a:r>
-              <a:rPr lang="en-US" sz="3600" kern="10">
-                <a:ln w="9525">
-                  <a:round/>
-                  <a:headEnd/>
-                  <a:tailEnd/>
-                </a:ln>
-                <a:gradFill rotWithShape="1">
-                  <a:gsLst>
-                    <a:gs pos="0">
-                      <a:srgbClr val="FFE701"/>
-                    </a:gs>
-                    <a:gs pos="100000">
-                      <a:srgbClr val="FE3E02"/>
-                    </a:gs>
-                  </a:gsLst>
-                  <a:lin ang="5400000" scaled="1"/>
-                </a:gradFill>
-                <a:latin typeface="Impact" panose="020B0806030902050204" pitchFamily="34" charset="0"/>
-              </a:rPr>
-              <a:t>Thank You</a:t>
-            </a:r>
-          </a:p>
-        </p:txBody>
-      </p:sp>
-      <p:sp>
-        <p:nvSpPr>
-          <p:cNvPr id="8" name="WordArt 6"/>
-          <p:cNvSpPr>
-            <a:spLocks noChangeArrowheads="1" noChangeShapeType="1" noTextEdit="1"/>
-          </p:cNvSpPr>
-          <p:nvPr/>
-        </p:nvSpPr>
-        <p:spPr bwMode="auto">
-          <a:xfrm>
-            <a:off x="8747125" y="4143375"/>
-            <a:ext cx="2628900" cy="2360613"/>
-          </a:xfrm>
-          <a:prstGeom prst="rect">
-            <a:avLst/>
-          </a:prstGeom>
-        </p:spPr>
-        <p:txBody>
-          <a:bodyPr wrap="none" fromWordArt="1">
-            <a:prstTxWarp prst="textSlantUp">
-              <a:avLst>
-                <a:gd name="adj" fmla="val 9014"/>
-              </a:avLst>
-            </a:prstTxWarp>
-          </a:bodyPr>
-          <a:lstStyle/>
-          <a:p>
-            <a:pPr algn="ctr"/>
-            <a:r>
-              <a:rPr lang="en-US" sz="3600" kern="10">
-                <a:ln w="9525">
-                  <a:solidFill>
-                    <a:srgbClr val="CC99FF"/>
-                  </a:solidFill>
-                  <a:round/>
-                  <a:headEnd/>
-                  <a:tailEnd/>
-                </a:ln>
-                <a:gradFill rotWithShape="1">
-                  <a:gsLst>
-                    <a:gs pos="0">
-                      <a:srgbClr val="6600CC"/>
-                    </a:gs>
-                    <a:gs pos="100000">
-                      <a:srgbClr val="FF0000"/>
-                    </a:gs>
-                  </a:gsLst>
-                  <a:lin ang="5400000" scaled="1"/>
-                </a:gradFill>
-                <a:effectLst>
-                  <a:outerShdw dist="53882" dir="2700000" algn="ctr" rotWithShape="0">
-                    <a:srgbClr val="9999FF">
-                      <a:alpha val="79999"/>
-                    </a:srgbClr>
-                  </a:outerShdw>
-                </a:effectLst>
-                <a:latin typeface="Impact" panose="020B0806030902050204" pitchFamily="34" charset="0"/>
-              </a:rPr>
-              <a:t>Have a</a:t>
-            </a:r>
-          </a:p>
-          <a:p>
-            <a:pPr algn="ctr"/>
-            <a:r>
-              <a:rPr lang="en-US" sz="3600" kern="10">
-                <a:ln w="9525">
-                  <a:solidFill>
-                    <a:srgbClr val="CC99FF"/>
-                  </a:solidFill>
-                  <a:round/>
-                  <a:headEnd/>
-                  <a:tailEnd/>
-                </a:ln>
-                <a:gradFill rotWithShape="1">
-                  <a:gsLst>
-                    <a:gs pos="0">
-                      <a:srgbClr val="6600CC"/>
-                    </a:gs>
-                    <a:gs pos="100000">
-                      <a:srgbClr val="FF0000"/>
-                    </a:gs>
-                  </a:gsLst>
-                  <a:lin ang="5400000" scaled="1"/>
-                </a:gradFill>
-                <a:effectLst>
-                  <a:outerShdw dist="53882" dir="2700000" algn="ctr" rotWithShape="0">
-                    <a:srgbClr val="9999FF">
-                      <a:alpha val="79999"/>
-                    </a:srgbClr>
-                  </a:outerShdw>
-                </a:effectLst>
-                <a:latin typeface="Impact" panose="020B0806030902050204" pitchFamily="34" charset="0"/>
-              </a:rPr>
-              <a:t>great weekend!</a:t>
-            </a:r>
-          </a:p>
-        </p:txBody>
-      </p:sp>
-      <p:sp>
-        <p:nvSpPr>
-          <p:cNvPr id="9" name="Rectangle 7"/>
-          <p:cNvSpPr>
-            <a:spLocks noChangeArrowheads="1"/>
-          </p:cNvSpPr>
-          <p:nvPr/>
-        </p:nvSpPr>
-        <p:spPr bwMode="auto">
-          <a:xfrm>
-            <a:off x="596900" y="3925888"/>
-            <a:ext cx="3886200" cy="434975"/>
-          </a:xfrm>
-          <a:prstGeom prst="rect">
-            <a:avLst/>
-          </a:prstGeom>
-          <a:solidFill>
-            <a:srgbClr val="FFFFFF"/>
-          </a:solidFill>
-          <a:ln w="9525" algn="ctr">
-            <a:solidFill>
-              <a:schemeClr val="bg2"/>
-            </a:solidFill>
-            <a:miter lim="800000"/>
-            <a:headEnd/>
-            <a:tailEnd/>
-          </a:ln>
-          <a:effectLst>
-            <a:outerShdw dist="53882" dir="2700000" algn="ctr" rotWithShape="0">
-              <a:srgbClr val="919191">
-                <a:alpha val="50000"/>
-              </a:srgbClr>
-            </a:outerShdw>
-          </a:effectLst>
-        </p:spPr>
-        <p:txBody>
-          <a:bodyPr wrap="none" anchor="ctr"/>
-          <a:lstStyle>
-            <a:lvl1pPr>
-              <a:defRPr b="1">
-                <a:solidFill>
-                  <a:schemeClr val="tx1"/>
-                </a:solidFill>
-                <a:latin typeface="Verdana" panose="020B0604030504040204" pitchFamily="34" charset="0"/>
-              </a:defRPr>
-            </a:lvl1pPr>
-            <a:lvl2pPr marL="742950" indent="-285750">
-              <a:defRPr b="1">
-                <a:solidFill>
-                  <a:schemeClr val="tx1"/>
-                </a:solidFill>
-                <a:latin typeface="Verdana" panose="020B0604030504040204" pitchFamily="34" charset="0"/>
-              </a:defRPr>
-            </a:lvl2pPr>
-            <a:lvl3pPr marL="1143000" indent="-228600">
-              <a:defRPr b="1">
-                <a:solidFill>
-                  <a:schemeClr val="tx1"/>
-                </a:solidFill>
-                <a:latin typeface="Verdana" panose="020B0604030504040204" pitchFamily="34" charset="0"/>
-              </a:defRPr>
-            </a:lvl3pPr>
-            <a:lvl4pPr marL="1600200" indent="-228600">
-              <a:defRPr b="1">
-                <a:solidFill>
-                  <a:schemeClr val="tx1"/>
-                </a:solidFill>
-                <a:latin typeface="Verdana" panose="020B0604030504040204" pitchFamily="34" charset="0"/>
-              </a:defRPr>
-            </a:lvl4pPr>
-            <a:lvl5pPr marL="2057400" indent="-228600">
-              <a:defRPr b="1">
-                <a:solidFill>
-                  <a:schemeClr val="tx1"/>
-                </a:solidFill>
-                <a:latin typeface="Verdana" panose="020B0604030504040204" pitchFamily="34" charset="0"/>
-              </a:defRPr>
-            </a:lvl5pPr>
-            <a:lvl6pPr marL="2514600" indent="-228600" eaLnBrk="0" fontAlgn="base" hangingPunct="0">
-              <a:spcBef>
-                <a:spcPct val="0"/>
-              </a:spcBef>
-              <a:spcAft>
-                <a:spcPct val="0"/>
-              </a:spcAft>
-              <a:defRPr b="1">
-                <a:solidFill>
-                  <a:schemeClr val="tx1"/>
-                </a:solidFill>
-                <a:latin typeface="Verdana" panose="020B0604030504040204" pitchFamily="34" charset="0"/>
-              </a:defRPr>
-            </a:lvl6pPr>
-            <a:lvl7pPr marL="2971800" indent="-228600" eaLnBrk="0" fontAlgn="base" hangingPunct="0">
-              <a:spcBef>
-                <a:spcPct val="0"/>
-              </a:spcBef>
-              <a:spcAft>
-                <a:spcPct val="0"/>
-              </a:spcAft>
-              <a:defRPr b="1">
-                <a:solidFill>
-                  <a:schemeClr val="tx1"/>
-                </a:solidFill>
-                <a:latin typeface="Verdana" panose="020B0604030504040204" pitchFamily="34" charset="0"/>
-              </a:defRPr>
-            </a:lvl7pPr>
-            <a:lvl8pPr marL="3429000" indent="-228600" eaLnBrk="0" fontAlgn="base" hangingPunct="0">
-              <a:spcBef>
-                <a:spcPct val="0"/>
-              </a:spcBef>
-              <a:spcAft>
-                <a:spcPct val="0"/>
-              </a:spcAft>
-              <a:defRPr b="1">
-                <a:solidFill>
-                  <a:schemeClr val="tx1"/>
-                </a:solidFill>
-                <a:latin typeface="Verdana" panose="020B0604030504040204" pitchFamily="34" charset="0"/>
-              </a:defRPr>
-            </a:lvl8pPr>
-            <a:lvl9pPr marL="3886200" indent="-228600" eaLnBrk="0" fontAlgn="base" hangingPunct="0">
-              <a:spcBef>
-                <a:spcPct val="0"/>
-              </a:spcBef>
-              <a:spcAft>
-                <a:spcPct val="0"/>
-              </a:spcAft>
-              <a:defRPr b="1">
-                <a:solidFill>
-                  <a:schemeClr val="tx1"/>
-                </a:solidFill>
-                <a:latin typeface="Verdana" panose="020B0604030504040204" pitchFamily="34" charset="0"/>
-              </a:defRPr>
-            </a:lvl9pPr>
-          </a:lstStyle>
-          <a:p>
-            <a:pPr algn="ctr"/>
-            <a:r>
-              <a:rPr lang="en-US" altLang="en-US">
-                <a:hlinkClick r:id="rId3"/>
-              </a:rPr>
-              <a:t>http://www.onlc.com/eval</a:t>
-            </a:r>
-            <a:endParaRPr lang="en-US" altLang="en-US"/>
-          </a:p>
-        </p:txBody>
-      </p:sp>
-      <p:pic>
-        <p:nvPicPr>
-          <p:cNvPr id="10" name="Picture 6" descr="j0305257"/>
-          <p:cNvPicPr>
-            <a:picLocks noChangeAspect="1" noChangeArrowheads="1"/>
-          </p:cNvPicPr>
-          <p:nvPr/>
-        </p:nvPicPr>
-        <p:blipFill>
-          <a:blip r:embed="rId4">
-            <a:extLst>
-              <a:ext uri="{28A0092B-C50C-407E-A947-70E740481C1C}">
-                <a14:useLocalDpi xmlns:a14="http://schemas.microsoft.com/office/drawing/2010/main" val="0"/>
-              </a:ext>
-            </a:extLst>
-          </a:blip>
-          <a:srcRect/>
-          <a:stretch>
-            <a:fillRect/>
-          </a:stretch>
-        </p:blipFill>
-        <p:spPr bwMode="auto">
-          <a:xfrm>
-            <a:off x="9812338" y="1155700"/>
-            <a:ext cx="1874837" cy="3013075"/>
-          </a:xfrm>
-          <a:prstGeom prst="rect">
-            <a:avLst/>
-          </a:prstGeom>
-          <a:noFill/>
-          <a:ln>
-            <a:noFill/>
-          </a:ln>
-          <a:extLst>
-            <a:ext uri="{909E8E84-426E-40DD-AFC4-6F175D3DCCD1}">
-              <a14:hiddenFill xmlns:a14="http://schemas.microsoft.com/office/drawing/2010/main">
-                <a:solidFill>
-                  <a:srgbClr val="FFFFFF"/>
-                </a:solidFill>
-              </a14:hiddenFill>
-            </a:ext>
-            <a:ext uri="{91240B29-F687-4F45-9708-019B960494DF}">
-              <a14:hiddenLine xmlns:a14="http://schemas.microsoft.com/office/drawing/2010/main" w="9525">
-                <a:solidFill>
-                  <a:srgbClr val="000000"/>
-                </a:solidFill>
-                <a:miter lim="800000"/>
-                <a:headEnd/>
-                <a:tailEnd/>
-              </a14:hiddenLine>
-            </a:ext>
-          </a:extLst>
-        </p:spPr>
-      </p:pic>
     </p:spTree>
     <p:extLst>
       <p:ext uri="{BB962C8B-B14F-4D97-AF65-F5344CB8AC3E}">
@@ -23246,7 +19560,7 @@
 </p:sld>
 </file>
 
-<file path=ppt/slides/slide97.xml><?xml version="1.0" encoding="utf-8"?>
+<file path=ppt/slides/slide96.xml><?xml version="1.0" encoding="utf-8"?>
 <p:sld xmlns:a="http://schemas.openxmlformats.org/drawingml/2006/main" xmlns:r="http://schemas.openxmlformats.org/officeDocument/2006/relationships" xmlns:p="http://schemas.openxmlformats.org/presentationml/2006/main">
   <p:cSld>
     <p:spTree>
@@ -23305,7 +19619,7 @@
 </p:sld>
 </file>
 
-<file path=ppt/slides/slide98.xml><?xml version="1.0" encoding="utf-8"?>
+<file path=ppt/slides/slide97.xml><?xml version="1.0" encoding="utf-8"?>
 <p:sld xmlns:a="http://schemas.openxmlformats.org/drawingml/2006/main" xmlns:r="http://schemas.openxmlformats.org/officeDocument/2006/relationships" xmlns:p="http://schemas.openxmlformats.org/presentationml/2006/main">
   <p:cSld>
     <p:spTree>
@@ -23543,7 +19857,7 @@
 </p:sld>
 </file>
 
-<file path=ppt/slides/slide99.xml><?xml version="1.0" encoding="utf-8"?>
+<file path=ppt/slides/slide98.xml><?xml version="1.0" encoding="utf-8"?>
 <p:sld xmlns:a="http://schemas.openxmlformats.org/drawingml/2006/main" xmlns:r="http://schemas.openxmlformats.org/officeDocument/2006/relationships" xmlns:p="http://schemas.openxmlformats.org/presentationml/2006/main">
   <p:cSld>
     <p:spTree>
@@ -23661,6 +19975,141 @@
     <p:extLst>
       <p:ext uri="{BB962C8B-B14F-4D97-AF65-F5344CB8AC3E}">
         <p14:creationId xmlns:p14="http://schemas.microsoft.com/office/powerpoint/2010/main" val="72432952"/>
+      </p:ext>
+    </p:extLst>
+  </p:cSld>
+  <p:clrMapOvr>
+    <a:masterClrMapping/>
+  </p:clrMapOvr>
+  <p:timing>
+    <p:tnLst>
+      <p:par>
+        <p:cTn id="1" dur="indefinite" restart="never" nodeType="tmRoot"/>
+      </p:par>
+    </p:tnLst>
+  </p:timing>
+</p:sld>
+</file>
+
+<file path=ppt/slides/slide99.xml><?xml version="1.0" encoding="utf-8"?>
+<p:sld xmlns:a="http://schemas.openxmlformats.org/drawingml/2006/main" xmlns:r="http://schemas.openxmlformats.org/officeDocument/2006/relationships" xmlns:p="http://schemas.openxmlformats.org/presentationml/2006/main">
+  <p:cSld>
+    <p:spTree>
+      <p:nvGrpSpPr>
+        <p:cNvPr id="1" name=""/>
+        <p:cNvGrpSpPr/>
+        <p:nvPr/>
+      </p:nvGrpSpPr>
+      <p:grpSpPr>
+        <a:xfrm>
+          <a:off x="0" y="0"/>
+          <a:ext cx="0" cy="0"/>
+          <a:chOff x="0" y="0"/>
+          <a:chExt cx="0" cy="0"/>
+        </a:xfrm>
+      </p:grpSpPr>
+      <p:sp>
+        <p:nvSpPr>
+          <p:cNvPr id="2" name="Title 1"/>
+          <p:cNvSpPr>
+            <a:spLocks noGrp="1"/>
+          </p:cNvSpPr>
+          <p:nvPr>
+            <p:ph type="title"/>
+          </p:nvPr>
+        </p:nvSpPr>
+        <p:spPr/>
+        <p:txBody>
+          <a:bodyPr/>
+          <a:lstStyle/>
+          <a:p>
+            <a:r>
+              <a:rPr lang="en-US" dirty="0"/>
+              <a:t>Remotely querying </a:t>
+            </a:r>
+            <a:r>
+              <a:rPr lang="en-US" dirty="0" err="1"/>
+              <a:t>Splunk’s</a:t>
+            </a:r>
+            <a:r>
+              <a:rPr lang="en-US"/>
+              <a:t> REST API</a:t>
+            </a:r>
+          </a:p>
+        </p:txBody>
+      </p:sp>
+      <p:sp>
+        <p:nvSpPr>
+          <p:cNvPr id="3" name="Text Placeholder 2"/>
+          <p:cNvSpPr>
+            <a:spLocks noGrp="1"/>
+          </p:cNvSpPr>
+          <p:nvPr>
+            <p:ph type="body" sz="quarter" idx="10"/>
+          </p:nvPr>
+        </p:nvSpPr>
+        <p:spPr/>
+        <p:txBody>
+          <a:bodyPr/>
+          <a:lstStyle/>
+          <a:p>
+            <a:r>
+              <a:rPr lang="en-US" dirty="0" smtClean="0"/>
+              <a:t>Standard RESTful endpoint</a:t>
+            </a:r>
+          </a:p>
+          <a:p>
+            <a:r>
+              <a:rPr lang="en-US" dirty="0" smtClean="0"/>
+              <a:t>Exposes a large amount of </a:t>
+            </a:r>
+            <a:r>
+              <a:rPr lang="en-US" dirty="0" err="1" smtClean="0"/>
+              <a:t>Splunk</a:t>
+            </a:r>
+            <a:r>
+              <a:rPr lang="en-US" dirty="0" smtClean="0"/>
+              <a:t> functionality</a:t>
+            </a:r>
+            <a:endParaRPr lang="en-US" dirty="0"/>
+          </a:p>
+        </p:txBody>
+      </p:sp>
+      <p:pic>
+        <p:nvPicPr>
+          <p:cNvPr id="4" name="Picture 3">
+            <a:hlinkClick r:id="rId2" action="ppaction://hlinkfile"/>
+            <a:extLst>
+              <a:ext uri="{FF2B5EF4-FFF2-40B4-BE49-F238E27FC236}">
+                <a16:creationId xmlns:a16="http://schemas.microsoft.com/office/drawing/2014/main" id="{F828083B-E8B3-4248-8611-B52D7EC66816}"/>
+              </a:ext>
+            </a:extLst>
+          </p:cNvPr>
+          <p:cNvPicPr>
+            <a:picLocks noChangeAspect="1"/>
+          </p:cNvPicPr>
+          <p:nvPr/>
+        </p:nvPicPr>
+        <p:blipFill>
+          <a:blip r:embed="rId3"/>
+          <a:stretch>
+            <a:fillRect/>
+          </a:stretch>
+        </p:blipFill>
+        <p:spPr>
+          <a:xfrm>
+            <a:off x="762000" y="4638557"/>
+            <a:ext cx="10698068" cy="847843"/>
+          </a:xfrm>
+          <a:prstGeom prst="rect">
+            <a:avLst/>
+          </a:prstGeom>
+        </p:spPr>
+      </p:pic>
+    </p:spTree>
+    <p:extLst>
+      <p:ext uri="{BB962C8B-B14F-4D97-AF65-F5344CB8AC3E}">
+        <p14:creationId xmlns:p14="http://schemas.microsoft.com/office/powerpoint/2010/main" val="2025764666"/>
       </p:ext>
     </p:extLst>
   </p:cSld>

--- a/ppt/SplunkFundamentals2v1_3.pptx
+++ b/ppt/SplunkFundamentals2v1_3.pptx
@@ -5,10 +5,10 @@
     <p:sldMasterId id="2147483660" r:id="rId4"/>
   </p:sldMasterIdLst>
   <p:notesMasterIdLst>
-    <p:notesMasterId r:id="rId106"/>
+    <p:notesMasterId r:id="rId107"/>
   </p:notesMasterIdLst>
   <p:handoutMasterIdLst>
-    <p:handoutMasterId r:id="rId107"/>
+    <p:handoutMasterId r:id="rId108"/>
   </p:handoutMasterIdLst>
   <p:sldIdLst>
     <p:sldId id="323" r:id="rId5"/>
@@ -84,34 +84,35 @@
     <p:sldId id="367" r:id="rId75"/>
     <p:sldId id="374" r:id="rId76"/>
     <p:sldId id="423" r:id="rId77"/>
-    <p:sldId id="415" r:id="rId78"/>
-    <p:sldId id="368" r:id="rId79"/>
-    <p:sldId id="369" r:id="rId80"/>
-    <p:sldId id="370" r:id="rId81"/>
-    <p:sldId id="364" r:id="rId82"/>
-    <p:sldId id="371" r:id="rId83"/>
-    <p:sldId id="373" r:id="rId84"/>
-    <p:sldId id="384" r:id="rId85"/>
-    <p:sldId id="383" r:id="rId86"/>
-    <p:sldId id="386" r:id="rId87"/>
-    <p:sldId id="388" r:id="rId88"/>
-    <p:sldId id="387" r:id="rId89"/>
-    <p:sldId id="389" r:id="rId90"/>
-    <p:sldId id="431" r:id="rId91"/>
-    <p:sldId id="424" r:id="rId92"/>
-    <p:sldId id="385" r:id="rId93"/>
-    <p:sldId id="425" r:id="rId94"/>
-    <p:sldId id="427" r:id="rId95"/>
-    <p:sldId id="428" r:id="rId96"/>
-    <p:sldId id="429" r:id="rId97"/>
-    <p:sldId id="430" r:id="rId98"/>
-    <p:sldId id="426" r:id="rId99"/>
-    <p:sldId id="432" r:id="rId100"/>
-    <p:sldId id="433" r:id="rId101"/>
-    <p:sldId id="434" r:id="rId102"/>
-    <p:sldId id="435" r:id="rId103"/>
-    <p:sldId id="436" r:id="rId104"/>
-    <p:sldId id="340" r:id="rId105"/>
+    <p:sldId id="440" r:id="rId78"/>
+    <p:sldId id="415" r:id="rId79"/>
+    <p:sldId id="368" r:id="rId80"/>
+    <p:sldId id="369" r:id="rId81"/>
+    <p:sldId id="370" r:id="rId82"/>
+    <p:sldId id="364" r:id="rId83"/>
+    <p:sldId id="371" r:id="rId84"/>
+    <p:sldId id="373" r:id="rId85"/>
+    <p:sldId id="384" r:id="rId86"/>
+    <p:sldId id="383" r:id="rId87"/>
+    <p:sldId id="386" r:id="rId88"/>
+    <p:sldId id="388" r:id="rId89"/>
+    <p:sldId id="387" r:id="rId90"/>
+    <p:sldId id="389" r:id="rId91"/>
+    <p:sldId id="431" r:id="rId92"/>
+    <p:sldId id="424" r:id="rId93"/>
+    <p:sldId id="385" r:id="rId94"/>
+    <p:sldId id="425" r:id="rId95"/>
+    <p:sldId id="427" r:id="rId96"/>
+    <p:sldId id="428" r:id="rId97"/>
+    <p:sldId id="429" r:id="rId98"/>
+    <p:sldId id="430" r:id="rId99"/>
+    <p:sldId id="426" r:id="rId100"/>
+    <p:sldId id="432" r:id="rId101"/>
+    <p:sldId id="433" r:id="rId102"/>
+    <p:sldId id="434" r:id="rId103"/>
+    <p:sldId id="435" r:id="rId104"/>
+    <p:sldId id="436" r:id="rId105"/>
+    <p:sldId id="340" r:id="rId106"/>
   </p:sldIdLst>
   <p:sldSz cx="12192000" cy="6858000"/>
   <p:notesSz cx="9309100" cy="7053263"/>
@@ -334,6 +335,7 @@
             <p14:sldId id="367"/>
             <p14:sldId id="374"/>
             <p14:sldId id="423"/>
+            <p14:sldId id="440"/>
           </p14:sldIdLst>
         </p14:section>
         <p14:section name="Module 5: Analytics and Machine Learning" id="{27FDB366-F1DF-4EE7-BF00-C18552948619}">
@@ -536,7 +538,7 @@
               <a:pPr>
                 <a:defRPr/>
               </a:pPr>
-              <a:t>2/19/2020</a:t>
+              <a:t>2/20/2020</a:t>
             </a:fld>
             <a:endParaRPr lang="en-US"/>
           </a:p>
@@ -755,7 +757,7 @@
               <a:pPr>
                 <a:defRPr/>
               </a:pPr>
-              <a:t>2/19/2020</a:t>
+              <a:t>2/20/2020</a:t>
             </a:fld>
             <a:endParaRPr lang="en-US"/>
           </a:p>
@@ -1715,7 +1717,7 @@
               <a:pPr>
                 <a:defRPr/>
               </a:pPr>
-              <a:t>86</a:t>
+              <a:t>87</a:t>
             </a:fld>
             <a:endParaRPr lang="en-US"/>
           </a:p>
@@ -2094,7 +2096,7 @@
           <a:p>
             <a:fld id="{4BDF68E2-58F2-4D09-BE8B-E3BD06533059}" type="datetimeFigureOut">
               <a:rPr lang="en-US" dirty="0"/>
-              <a:t>2/19/2020</a:t>
+              <a:t>2/20/2020</a:t>
             </a:fld>
             <a:endParaRPr lang="en-US" dirty="0"/>
           </a:p>
@@ -3289,7 +3291,7 @@
           <a:p>
             <a:fld id="{528FC5F6-F338-4AE4-BB23-26385BCFC423}" type="datetimeFigureOut">
               <a:rPr lang="en-US" dirty="0"/>
-              <a:t>2/19/2020</a:t>
+              <a:t>2/20/2020</a:t>
             </a:fld>
             <a:endParaRPr lang="en-US" dirty="0"/>
           </a:p>
@@ -4838,6 +4840,141 @@
       </p:grpSpPr>
       <p:sp>
         <p:nvSpPr>
+          <p:cNvPr id="2" name="Title 1"/>
+          <p:cNvSpPr>
+            <a:spLocks noGrp="1"/>
+          </p:cNvSpPr>
+          <p:nvPr>
+            <p:ph type="title"/>
+          </p:nvPr>
+        </p:nvSpPr>
+        <p:spPr/>
+        <p:txBody>
+          <a:bodyPr/>
+          <a:lstStyle/>
+          <a:p>
+            <a:r>
+              <a:rPr lang="en-US" dirty="0"/>
+              <a:t>Remotely querying </a:t>
+            </a:r>
+            <a:r>
+              <a:rPr lang="en-US" dirty="0" err="1"/>
+              <a:t>Splunk’s</a:t>
+            </a:r>
+            <a:r>
+              <a:rPr lang="en-US"/>
+              <a:t> REST API</a:t>
+            </a:r>
+          </a:p>
+        </p:txBody>
+      </p:sp>
+      <p:sp>
+        <p:nvSpPr>
+          <p:cNvPr id="3" name="Text Placeholder 2"/>
+          <p:cNvSpPr>
+            <a:spLocks noGrp="1"/>
+          </p:cNvSpPr>
+          <p:nvPr>
+            <p:ph type="body" sz="quarter" idx="10"/>
+          </p:nvPr>
+        </p:nvSpPr>
+        <p:spPr/>
+        <p:txBody>
+          <a:bodyPr/>
+          <a:lstStyle/>
+          <a:p>
+            <a:r>
+              <a:rPr lang="en-US" dirty="0" smtClean="0"/>
+              <a:t>Standard RESTful endpoint</a:t>
+            </a:r>
+          </a:p>
+          <a:p>
+            <a:r>
+              <a:rPr lang="en-US" dirty="0" smtClean="0"/>
+              <a:t>Exposes a large amount of </a:t>
+            </a:r>
+            <a:r>
+              <a:rPr lang="en-US" dirty="0" err="1" smtClean="0"/>
+              <a:t>Splunk</a:t>
+            </a:r>
+            <a:r>
+              <a:rPr lang="en-US" dirty="0" smtClean="0"/>
+              <a:t> functionality</a:t>
+            </a:r>
+            <a:endParaRPr lang="en-US" dirty="0"/>
+          </a:p>
+        </p:txBody>
+      </p:sp>
+      <p:pic>
+        <p:nvPicPr>
+          <p:cNvPr id="4" name="Picture 3">
+            <a:hlinkClick r:id="rId2" action="ppaction://hlinkfile"/>
+            <a:extLst>
+              <a:ext uri="{FF2B5EF4-FFF2-40B4-BE49-F238E27FC236}">
+                <a16:creationId xmlns:a16="http://schemas.microsoft.com/office/drawing/2014/main" id="{F828083B-E8B3-4248-8611-B52D7EC66816}"/>
+              </a:ext>
+            </a:extLst>
+          </p:cNvPr>
+          <p:cNvPicPr>
+            <a:picLocks noChangeAspect="1"/>
+          </p:cNvPicPr>
+          <p:nvPr/>
+        </p:nvPicPr>
+        <p:blipFill>
+          <a:blip r:embed="rId3"/>
+          <a:stretch>
+            <a:fillRect/>
+          </a:stretch>
+        </p:blipFill>
+        <p:spPr>
+          <a:xfrm>
+            <a:off x="762000" y="4638557"/>
+            <a:ext cx="10698068" cy="847843"/>
+          </a:xfrm>
+          <a:prstGeom prst="rect">
+            <a:avLst/>
+          </a:prstGeom>
+        </p:spPr>
+      </p:pic>
+    </p:spTree>
+    <p:extLst>
+      <p:ext uri="{BB962C8B-B14F-4D97-AF65-F5344CB8AC3E}">
+        <p14:creationId xmlns:p14="http://schemas.microsoft.com/office/powerpoint/2010/main" val="2025764666"/>
+      </p:ext>
+    </p:extLst>
+  </p:cSld>
+  <p:clrMapOvr>
+    <a:masterClrMapping/>
+  </p:clrMapOvr>
+  <p:timing>
+    <p:tnLst>
+      <p:par>
+        <p:cTn id="1" dur="indefinite" restart="never" nodeType="tmRoot"/>
+      </p:par>
+    </p:tnLst>
+  </p:timing>
+</p:sld>
+</file>
+
+<file path=ppt/slides/slide101.xml><?xml version="1.0" encoding="utf-8"?>
+<p:sld xmlns:a="http://schemas.openxmlformats.org/drawingml/2006/main" xmlns:r="http://schemas.openxmlformats.org/officeDocument/2006/relationships" xmlns:p="http://schemas.openxmlformats.org/presentationml/2006/main">
+  <p:cSld>
+    <p:spTree>
+      <p:nvGrpSpPr>
+        <p:cNvPr id="1" name=""/>
+        <p:cNvGrpSpPr/>
+        <p:nvPr/>
+      </p:nvGrpSpPr>
+      <p:grpSpPr>
+        <a:xfrm>
+          <a:off x="0" y="0"/>
+          <a:ext cx="0" cy="0"/>
+          <a:chOff x="0" y="0"/>
+          <a:chExt cx="0" cy="0"/>
+        </a:xfrm>
+      </p:grpSpPr>
+      <p:sp>
+        <p:nvSpPr>
           <p:cNvPr id="2" name="Title 1">
             <a:extLst>
               <a:ext uri="{FF2B5EF4-FFF2-40B4-BE49-F238E27FC236}">
@@ -4938,7 +5075,7 @@
 </p:sld>
 </file>
 
-<file path=ppt/slides/slide101.xml><?xml version="1.0" encoding="utf-8"?>
+<file path=ppt/slides/slide102.xml><?xml version="1.0" encoding="utf-8"?>
 <p:sld xmlns:a="http://schemas.openxmlformats.org/drawingml/2006/main" xmlns:r="http://schemas.openxmlformats.org/officeDocument/2006/relationships" xmlns:p="http://schemas.openxmlformats.org/presentationml/2006/main">
   <p:cSld>
     <p:spTree>
@@ -16242,6 +16379,861 @@
           <a:p>
             <a:r>
               <a:rPr lang="en-US" dirty="0"/>
+              <a:t>Lab 4: Advanced Search</a:t>
+            </a:r>
+          </a:p>
+        </p:txBody>
+      </p:sp>
+      <p:sp>
+        <p:nvSpPr>
+          <p:cNvPr id="3" name="Content Placeholder 2"/>
+          <p:cNvSpPr>
+            <a:spLocks noGrp="1"/>
+          </p:cNvSpPr>
+          <p:nvPr>
+            <p:ph idx="1"/>
+          </p:nvPr>
+        </p:nvSpPr>
+        <p:spPr/>
+        <p:txBody>
+          <a:bodyPr/>
+          <a:lstStyle/>
+          <a:p>
+            <a:r>
+              <a:rPr lang="en-US" dirty="0"/>
+              <a:t>Calculating the average session time on a website p 490</a:t>
+            </a:r>
+          </a:p>
+          <a:p>
+            <a:r>
+              <a:rPr lang="en-US" dirty="0"/>
+              <a:t>Calculating the average execution time for multi-tier web requests p 498</a:t>
+            </a:r>
+          </a:p>
+          <a:p>
+            <a:r>
+              <a:rPr lang="en-US" dirty="0"/>
+              <a:t>Displaying the maximum concurrent checkouts p 506</a:t>
+            </a:r>
+          </a:p>
+          <a:p>
+            <a:r>
+              <a:rPr lang="en-US" dirty="0"/>
+              <a:t>Analyzing the relationship of web requests p 512</a:t>
+            </a:r>
+          </a:p>
+        </p:txBody>
+      </p:sp>
+      <p:sp>
+        <p:nvSpPr>
+          <p:cNvPr id="4" name="Text Placeholder 3"/>
+          <p:cNvSpPr>
+            <a:spLocks noGrp="1"/>
+          </p:cNvSpPr>
+          <p:nvPr>
+            <p:ph type="body" sz="quarter" idx="13"/>
+          </p:nvPr>
+        </p:nvSpPr>
+        <p:spPr/>
+        <p:txBody>
+          <a:bodyPr/>
+          <a:lstStyle/>
+          <a:p>
+            <a:r>
+              <a:rPr lang="en-US" dirty="0"/>
+              <a:t>Duration: </a:t>
+            </a:r>
+            <a:r>
+              <a:rPr lang="en-US" dirty="0" smtClean="0"/>
+              <a:t>30 </a:t>
+            </a:r>
+            <a:r>
+              <a:rPr lang="en-US" dirty="0"/>
+              <a:t>minutes</a:t>
+            </a:r>
+          </a:p>
+        </p:txBody>
+      </p:sp>
+      <p:sp>
+        <p:nvSpPr>
+          <p:cNvPr id="5" name="Rectangle 5"/>
+          <p:cNvSpPr>
+            <a:spLocks noChangeArrowheads="1"/>
+          </p:cNvSpPr>
+          <p:nvPr/>
+        </p:nvSpPr>
+        <p:spPr bwMode="auto">
+          <a:xfrm>
+            <a:off x="0" y="0"/>
+            <a:ext cx="12192000" cy="6858000"/>
+          </a:xfrm>
+          <a:prstGeom prst="rect">
+            <a:avLst/>
+          </a:prstGeom>
+          <a:solidFill>
+            <a:srgbClr val="FFFFFF">
+              <a:alpha val="50195"/>
+            </a:srgbClr>
+          </a:solidFill>
+          <a:ln>
+            <a:noFill/>
+          </a:ln>
+          <a:effectLst>
+            <a:outerShdw dist="53882" dir="2700000" algn="ctr" rotWithShape="0">
+              <a:srgbClr val="919191">
+                <a:alpha val="50000"/>
+              </a:srgbClr>
+            </a:outerShdw>
+          </a:effectLst>
+          <a:extLst>
+            <a:ext uri="{91240B29-F687-4F45-9708-019B960494DF}">
+              <a14:hiddenLine xmlns:a14="http://schemas.microsoft.com/office/drawing/2010/main" w="9525" algn="ctr">
+                <a:solidFill>
+                  <a:srgbClr val="000000"/>
+                </a:solidFill>
+                <a:miter lim="800000"/>
+                <a:headEnd/>
+                <a:tailEnd/>
+              </a14:hiddenLine>
+            </a:ext>
+          </a:extLst>
+        </p:spPr>
+        <p:txBody>
+          <a:bodyPr wrap="none" anchor="ctr"/>
+          <a:lstStyle>
+            <a:lvl1pPr>
+              <a:defRPr b="1">
+                <a:solidFill>
+                  <a:schemeClr val="tx1"/>
+                </a:solidFill>
+                <a:latin typeface="Verdana" panose="020B0604030504040204" pitchFamily="34" charset="0"/>
+              </a:defRPr>
+            </a:lvl1pPr>
+            <a:lvl2pPr marL="742950" indent="-285750">
+              <a:defRPr b="1">
+                <a:solidFill>
+                  <a:schemeClr val="tx1"/>
+                </a:solidFill>
+                <a:latin typeface="Verdana" panose="020B0604030504040204" pitchFamily="34" charset="0"/>
+              </a:defRPr>
+            </a:lvl2pPr>
+            <a:lvl3pPr marL="1143000" indent="-228600">
+              <a:defRPr b="1">
+                <a:solidFill>
+                  <a:schemeClr val="tx1"/>
+                </a:solidFill>
+                <a:latin typeface="Verdana" panose="020B0604030504040204" pitchFamily="34" charset="0"/>
+              </a:defRPr>
+            </a:lvl3pPr>
+            <a:lvl4pPr marL="1600200" indent="-228600">
+              <a:defRPr b="1">
+                <a:solidFill>
+                  <a:schemeClr val="tx1"/>
+                </a:solidFill>
+                <a:latin typeface="Verdana" panose="020B0604030504040204" pitchFamily="34" charset="0"/>
+              </a:defRPr>
+            </a:lvl4pPr>
+            <a:lvl5pPr marL="2057400" indent="-228600">
+              <a:defRPr b="1">
+                <a:solidFill>
+                  <a:schemeClr val="tx1"/>
+                </a:solidFill>
+                <a:latin typeface="Verdana" panose="020B0604030504040204" pitchFamily="34" charset="0"/>
+              </a:defRPr>
+            </a:lvl5pPr>
+            <a:lvl6pPr marL="2514600" indent="-228600" eaLnBrk="0" fontAlgn="base" hangingPunct="0">
+              <a:spcBef>
+                <a:spcPct val="0"/>
+              </a:spcBef>
+              <a:spcAft>
+                <a:spcPct val="0"/>
+              </a:spcAft>
+              <a:defRPr b="1">
+                <a:solidFill>
+                  <a:schemeClr val="tx1"/>
+                </a:solidFill>
+                <a:latin typeface="Verdana" panose="020B0604030504040204" pitchFamily="34" charset="0"/>
+              </a:defRPr>
+            </a:lvl6pPr>
+            <a:lvl7pPr marL="2971800" indent="-228600" eaLnBrk="0" fontAlgn="base" hangingPunct="0">
+              <a:spcBef>
+                <a:spcPct val="0"/>
+              </a:spcBef>
+              <a:spcAft>
+                <a:spcPct val="0"/>
+              </a:spcAft>
+              <a:defRPr b="1">
+                <a:solidFill>
+                  <a:schemeClr val="tx1"/>
+                </a:solidFill>
+                <a:latin typeface="Verdana" panose="020B0604030504040204" pitchFamily="34" charset="0"/>
+              </a:defRPr>
+            </a:lvl7pPr>
+            <a:lvl8pPr marL="3429000" indent="-228600" eaLnBrk="0" fontAlgn="base" hangingPunct="0">
+              <a:spcBef>
+                <a:spcPct val="0"/>
+              </a:spcBef>
+              <a:spcAft>
+                <a:spcPct val="0"/>
+              </a:spcAft>
+              <a:defRPr b="1">
+                <a:solidFill>
+                  <a:schemeClr val="tx1"/>
+                </a:solidFill>
+                <a:latin typeface="Verdana" panose="020B0604030504040204" pitchFamily="34" charset="0"/>
+              </a:defRPr>
+            </a:lvl8pPr>
+            <a:lvl9pPr marL="3886200" indent="-228600" eaLnBrk="0" fontAlgn="base" hangingPunct="0">
+              <a:spcBef>
+                <a:spcPct val="0"/>
+              </a:spcBef>
+              <a:spcAft>
+                <a:spcPct val="0"/>
+              </a:spcAft>
+              <a:defRPr b="1">
+                <a:solidFill>
+                  <a:schemeClr val="tx1"/>
+                </a:solidFill>
+                <a:latin typeface="Verdana" panose="020B0604030504040204" pitchFamily="34" charset="0"/>
+              </a:defRPr>
+            </a:lvl9pPr>
+          </a:lstStyle>
+          <a:p>
+            <a:pPr algn="ctr"/>
+            <a:endParaRPr lang="en-US" altLang="en-US"/>
+          </a:p>
+        </p:txBody>
+      </p:sp>
+      <p:sp>
+        <p:nvSpPr>
+          <p:cNvPr id="6" name="Rectangle 6"/>
+          <p:cNvSpPr>
+            <a:spLocks noChangeArrowheads="1"/>
+          </p:cNvSpPr>
+          <p:nvPr/>
+        </p:nvSpPr>
+        <p:spPr bwMode="auto">
+          <a:xfrm>
+            <a:off x="492125" y="5038725"/>
+            <a:ext cx="4094163" cy="1589088"/>
+          </a:xfrm>
+          <a:prstGeom prst="rect">
+            <a:avLst/>
+          </a:prstGeom>
+          <a:solidFill>
+            <a:srgbClr val="FFFFFF"/>
+          </a:solidFill>
+          <a:ln w="9525" algn="ctr">
+            <a:solidFill>
+              <a:schemeClr val="bg2"/>
+            </a:solidFill>
+            <a:miter lim="800000"/>
+            <a:headEnd/>
+            <a:tailEnd/>
+          </a:ln>
+          <a:effectLst>
+            <a:outerShdw dist="53882" dir="2700000" algn="ctr" rotWithShape="0">
+              <a:srgbClr val="919191">
+                <a:alpha val="50000"/>
+              </a:srgbClr>
+            </a:outerShdw>
+          </a:effectLst>
+        </p:spPr>
+        <p:txBody>
+          <a:bodyPr anchor="ctr"/>
+          <a:lstStyle>
+            <a:lvl1pPr>
+              <a:defRPr b="1">
+                <a:solidFill>
+                  <a:schemeClr val="tx1"/>
+                </a:solidFill>
+                <a:latin typeface="Verdana" panose="020B0604030504040204" pitchFamily="34" charset="0"/>
+              </a:defRPr>
+            </a:lvl1pPr>
+            <a:lvl2pPr marL="742950" indent="-285750">
+              <a:defRPr b="1">
+                <a:solidFill>
+                  <a:schemeClr val="tx1"/>
+                </a:solidFill>
+                <a:latin typeface="Verdana" panose="020B0604030504040204" pitchFamily="34" charset="0"/>
+              </a:defRPr>
+            </a:lvl2pPr>
+            <a:lvl3pPr marL="1143000" indent="-228600">
+              <a:defRPr b="1">
+                <a:solidFill>
+                  <a:schemeClr val="tx1"/>
+                </a:solidFill>
+                <a:latin typeface="Verdana" panose="020B0604030504040204" pitchFamily="34" charset="0"/>
+              </a:defRPr>
+            </a:lvl3pPr>
+            <a:lvl4pPr marL="1600200" indent="-228600">
+              <a:defRPr b="1">
+                <a:solidFill>
+                  <a:schemeClr val="tx1"/>
+                </a:solidFill>
+                <a:latin typeface="Verdana" panose="020B0604030504040204" pitchFamily="34" charset="0"/>
+              </a:defRPr>
+            </a:lvl4pPr>
+            <a:lvl5pPr marL="2057400" indent="-228600">
+              <a:defRPr b="1">
+                <a:solidFill>
+                  <a:schemeClr val="tx1"/>
+                </a:solidFill>
+                <a:latin typeface="Verdana" panose="020B0604030504040204" pitchFamily="34" charset="0"/>
+              </a:defRPr>
+            </a:lvl5pPr>
+            <a:lvl6pPr marL="2514600" indent="-228600" eaLnBrk="0" fontAlgn="base" hangingPunct="0">
+              <a:spcBef>
+                <a:spcPct val="0"/>
+              </a:spcBef>
+              <a:spcAft>
+                <a:spcPct val="0"/>
+              </a:spcAft>
+              <a:defRPr b="1">
+                <a:solidFill>
+                  <a:schemeClr val="tx1"/>
+                </a:solidFill>
+                <a:latin typeface="Verdana" panose="020B0604030504040204" pitchFamily="34" charset="0"/>
+              </a:defRPr>
+            </a:lvl6pPr>
+            <a:lvl7pPr marL="2971800" indent="-228600" eaLnBrk="0" fontAlgn="base" hangingPunct="0">
+              <a:spcBef>
+                <a:spcPct val="0"/>
+              </a:spcBef>
+              <a:spcAft>
+                <a:spcPct val="0"/>
+              </a:spcAft>
+              <a:defRPr b="1">
+                <a:solidFill>
+                  <a:schemeClr val="tx1"/>
+                </a:solidFill>
+                <a:latin typeface="Verdana" panose="020B0604030504040204" pitchFamily="34" charset="0"/>
+              </a:defRPr>
+            </a:lvl7pPr>
+            <a:lvl8pPr marL="3429000" indent="-228600" eaLnBrk="0" fontAlgn="base" hangingPunct="0">
+              <a:spcBef>
+                <a:spcPct val="0"/>
+              </a:spcBef>
+              <a:spcAft>
+                <a:spcPct val="0"/>
+              </a:spcAft>
+              <a:defRPr b="1">
+                <a:solidFill>
+                  <a:schemeClr val="tx1"/>
+                </a:solidFill>
+                <a:latin typeface="Verdana" panose="020B0604030504040204" pitchFamily="34" charset="0"/>
+              </a:defRPr>
+            </a:lvl8pPr>
+            <a:lvl9pPr marL="3886200" indent="-228600" eaLnBrk="0" fontAlgn="base" hangingPunct="0">
+              <a:spcBef>
+                <a:spcPct val="0"/>
+              </a:spcBef>
+              <a:spcAft>
+                <a:spcPct val="0"/>
+              </a:spcAft>
+              <a:defRPr b="1">
+                <a:solidFill>
+                  <a:schemeClr val="tx1"/>
+                </a:solidFill>
+                <a:latin typeface="Verdana" panose="020B0604030504040204" pitchFamily="34" charset="0"/>
+              </a:defRPr>
+            </a:lvl9pPr>
+          </a:lstStyle>
+          <a:p>
+            <a:pPr algn="ctr"/>
+            <a:r>
+              <a:rPr lang="en-US" altLang="en-US">
+                <a:solidFill>
+                  <a:srgbClr val="000000"/>
+                </a:solidFill>
+              </a:rPr>
+              <a:t>Questions? Comments?</a:t>
+            </a:r>
+          </a:p>
+          <a:p>
+            <a:pPr algn="ctr"/>
+            <a:r>
+              <a:rPr lang="en-US" altLang="en-US">
+                <a:solidFill>
+                  <a:srgbClr val="000000"/>
+                </a:solidFill>
+              </a:rPr>
+              <a:t>Dan’s e-mail: </a:t>
+            </a:r>
+            <a:r>
+              <a:rPr lang="en-US" altLang="en-US">
+                <a:solidFill>
+                  <a:srgbClr val="000000"/>
+                </a:solidFill>
+                <a:hlinkClick r:id="rId2"/>
+              </a:rPr>
+              <a:t>danc@onlc.com</a:t>
+            </a:r>
+            <a:endParaRPr lang="en-US" altLang="en-US">
+              <a:solidFill>
+                <a:srgbClr val="000000"/>
+              </a:solidFill>
+            </a:endParaRPr>
+          </a:p>
+          <a:p>
+            <a:pPr algn="ctr"/>
+            <a:r>
+              <a:rPr lang="en-US" altLang="en-US">
+                <a:solidFill>
+                  <a:srgbClr val="000000"/>
+                </a:solidFill>
+              </a:rPr>
+              <a:t>Dan’s cell #: (413) 455-0856</a:t>
+            </a:r>
+          </a:p>
+        </p:txBody>
+      </p:sp>
+      <p:sp>
+        <p:nvSpPr>
+          <p:cNvPr id="7" name="WordArt 3"/>
+          <p:cNvSpPr>
+            <a:spLocks noChangeArrowheads="1" noChangeShapeType="1" noTextEdit="1"/>
+          </p:cNvSpPr>
+          <p:nvPr/>
+        </p:nvSpPr>
+        <p:spPr bwMode="auto">
+          <a:xfrm>
+            <a:off x="955675" y="977900"/>
+            <a:ext cx="3167063" cy="2616200"/>
+          </a:xfrm>
+          <a:prstGeom prst="rect">
+            <a:avLst/>
+          </a:prstGeom>
+        </p:spPr>
+        <p:txBody>
+          <a:bodyPr wrap="none" fromWordArt="1">
+            <a:prstTxWarp prst="textSlantUp">
+              <a:avLst>
+                <a:gd name="adj" fmla="val 9014"/>
+              </a:avLst>
+            </a:prstTxWarp>
+          </a:bodyPr>
+          <a:lstStyle/>
+          <a:p>
+            <a:pPr algn="ctr"/>
+            <a:r>
+              <a:rPr lang="en-US" sz="3600" kern="10" dirty="0">
+                <a:ln w="9525">
+                  <a:solidFill>
+                    <a:srgbClr val="CC99FF"/>
+                  </a:solidFill>
+                  <a:round/>
+                  <a:headEnd/>
+                  <a:tailEnd/>
+                </a:ln>
+                <a:gradFill rotWithShape="1">
+                  <a:gsLst>
+                    <a:gs pos="0">
+                      <a:srgbClr val="6600CC"/>
+                    </a:gs>
+                    <a:gs pos="100000">
+                      <a:srgbClr val="CC00CC"/>
+                    </a:gs>
+                  </a:gsLst>
+                  <a:lin ang="5400000" scaled="1"/>
+                </a:gradFill>
+                <a:effectLst>
+                  <a:outerShdw dist="53882" dir="2700000" algn="ctr" rotWithShape="0">
+                    <a:srgbClr val="9999FF">
+                      <a:alpha val="79999"/>
+                    </a:srgbClr>
+                  </a:outerShdw>
+                </a:effectLst>
+                <a:latin typeface="Impact" panose="020B0806030902050204" pitchFamily="34" charset="0"/>
+              </a:rPr>
+              <a:t>Lab: </a:t>
+            </a:r>
+            <a:r>
+              <a:rPr lang="en-US" sz="3600" kern="10" dirty="0" smtClean="0">
+                <a:ln w="9525">
+                  <a:solidFill>
+                    <a:srgbClr val="CC99FF"/>
+                  </a:solidFill>
+                  <a:round/>
+                  <a:headEnd/>
+                  <a:tailEnd/>
+                </a:ln>
+                <a:gradFill rotWithShape="1">
+                  <a:gsLst>
+                    <a:gs pos="0">
+                      <a:srgbClr val="6600CC"/>
+                    </a:gs>
+                    <a:gs pos="100000">
+                      <a:srgbClr val="CC00CC"/>
+                    </a:gs>
+                  </a:gsLst>
+                  <a:lin ang="5400000" scaled="1"/>
+                </a:gradFill>
+                <a:effectLst>
+                  <a:outerShdw dist="53882" dir="2700000" algn="ctr" rotWithShape="0">
+                    <a:srgbClr val="9999FF">
+                      <a:alpha val="79999"/>
+                    </a:srgbClr>
+                  </a:outerShdw>
+                </a:effectLst>
+                <a:latin typeface="Impact" panose="020B0806030902050204" pitchFamily="34" charset="0"/>
+              </a:rPr>
+              <a:t>11:20-11:50</a:t>
+            </a:r>
+            <a:endParaRPr lang="en-US" sz="3600" kern="10" dirty="0">
+              <a:ln w="9525">
+                <a:solidFill>
+                  <a:srgbClr val="CC99FF"/>
+                </a:solidFill>
+                <a:round/>
+                <a:headEnd/>
+                <a:tailEnd/>
+              </a:ln>
+              <a:gradFill rotWithShape="1">
+                <a:gsLst>
+                  <a:gs pos="0">
+                    <a:srgbClr val="6600CC"/>
+                  </a:gs>
+                  <a:gs pos="100000">
+                    <a:srgbClr val="CC00CC"/>
+                  </a:gs>
+                </a:gsLst>
+                <a:lin ang="5400000" scaled="1"/>
+              </a:gradFill>
+              <a:effectLst>
+                <a:outerShdw dist="53882" dir="2700000" algn="ctr" rotWithShape="0">
+                  <a:srgbClr val="9999FF">
+                    <a:alpha val="79999"/>
+                  </a:srgbClr>
+                </a:outerShdw>
+              </a:effectLst>
+              <a:latin typeface="Impact" panose="020B0806030902050204" pitchFamily="34" charset="0"/>
+            </a:endParaRPr>
+          </a:p>
+          <a:p>
+            <a:pPr algn="ctr"/>
+            <a:r>
+              <a:rPr lang="en-US" sz="3600" kern="10" dirty="0" smtClean="0">
+                <a:ln w="9525">
+                  <a:solidFill>
+                    <a:srgbClr val="CC99FF"/>
+                  </a:solidFill>
+                  <a:round/>
+                  <a:headEnd/>
+                  <a:tailEnd/>
+                </a:ln>
+                <a:gradFill rotWithShape="1">
+                  <a:gsLst>
+                    <a:gs pos="0">
+                      <a:srgbClr val="6600CC"/>
+                    </a:gs>
+                    <a:gs pos="100000">
+                      <a:srgbClr val="CC00CC"/>
+                    </a:gs>
+                  </a:gsLst>
+                  <a:lin ang="5400000" scaled="1"/>
+                </a:gradFill>
+                <a:effectLst>
+                  <a:outerShdw dist="53882" dir="2700000" algn="ctr" rotWithShape="0">
+                    <a:srgbClr val="9999FF">
+                      <a:alpha val="79999"/>
+                    </a:srgbClr>
+                  </a:outerShdw>
+                </a:effectLst>
+                <a:latin typeface="Impact" panose="020B0806030902050204" pitchFamily="34" charset="0"/>
+              </a:rPr>
+              <a:t>A.M</a:t>
+            </a:r>
+            <a:r>
+              <a:rPr lang="en-US" sz="3600" kern="10" dirty="0">
+                <a:ln w="9525">
+                  <a:solidFill>
+                    <a:srgbClr val="CC99FF"/>
+                  </a:solidFill>
+                  <a:round/>
+                  <a:headEnd/>
+                  <a:tailEnd/>
+                </a:ln>
+                <a:gradFill rotWithShape="1">
+                  <a:gsLst>
+                    <a:gs pos="0">
+                      <a:srgbClr val="6600CC"/>
+                    </a:gs>
+                    <a:gs pos="100000">
+                      <a:srgbClr val="CC00CC"/>
+                    </a:gs>
+                  </a:gsLst>
+                  <a:lin ang="5400000" scaled="1"/>
+                </a:gradFill>
+                <a:effectLst>
+                  <a:outerShdw dist="53882" dir="2700000" algn="ctr" rotWithShape="0">
+                    <a:srgbClr val="9999FF">
+                      <a:alpha val="79999"/>
+                    </a:srgbClr>
+                  </a:outerShdw>
+                </a:effectLst>
+                <a:latin typeface="Impact" panose="020B0806030902050204" pitchFamily="34" charset="0"/>
+              </a:rPr>
+              <a:t>. Break</a:t>
+            </a:r>
+            <a:r>
+              <a:rPr lang="en-US" sz="3600" kern="10">
+                <a:ln w="9525">
+                  <a:solidFill>
+                    <a:srgbClr val="CC99FF"/>
+                  </a:solidFill>
+                  <a:round/>
+                  <a:headEnd/>
+                  <a:tailEnd/>
+                </a:ln>
+                <a:gradFill rotWithShape="1">
+                  <a:gsLst>
+                    <a:gs pos="0">
+                      <a:srgbClr val="6600CC"/>
+                    </a:gs>
+                    <a:gs pos="100000">
+                      <a:srgbClr val="CC00CC"/>
+                    </a:gs>
+                  </a:gsLst>
+                  <a:lin ang="5400000" scaled="1"/>
+                </a:gradFill>
+                <a:effectLst>
+                  <a:outerShdw dist="53882" dir="2700000" algn="ctr" rotWithShape="0">
+                    <a:srgbClr val="9999FF">
+                      <a:alpha val="79999"/>
+                    </a:srgbClr>
+                  </a:outerShdw>
+                </a:effectLst>
+                <a:latin typeface="Impact" panose="020B0806030902050204" pitchFamily="34" charset="0"/>
+              </a:rPr>
+              <a:t>: </a:t>
+            </a:r>
+            <a:r>
+              <a:rPr lang="en-US" sz="3600" kern="10" smtClean="0">
+                <a:ln w="9525">
+                  <a:solidFill>
+                    <a:srgbClr val="CC99FF"/>
+                  </a:solidFill>
+                  <a:round/>
+                  <a:headEnd/>
+                  <a:tailEnd/>
+                </a:ln>
+                <a:gradFill rotWithShape="1">
+                  <a:gsLst>
+                    <a:gs pos="0">
+                      <a:srgbClr val="6600CC"/>
+                    </a:gs>
+                    <a:gs pos="100000">
+                      <a:srgbClr val="CC00CC"/>
+                    </a:gs>
+                  </a:gsLst>
+                  <a:lin ang="5400000" scaled="1"/>
+                </a:gradFill>
+                <a:effectLst>
+                  <a:outerShdw dist="53882" dir="2700000" algn="ctr" rotWithShape="0">
+                    <a:srgbClr val="9999FF">
+                      <a:alpha val="79999"/>
+                    </a:srgbClr>
+                  </a:outerShdw>
+                </a:effectLst>
+                <a:latin typeface="Impact" panose="020B0806030902050204" pitchFamily="34" charset="0"/>
+              </a:rPr>
+              <a:t>11:50-12:05</a:t>
+            </a:r>
+            <a:endParaRPr lang="en-US" sz="3600" kern="10" dirty="0">
+              <a:ln w="9525">
+                <a:solidFill>
+                  <a:srgbClr val="CC99FF"/>
+                </a:solidFill>
+                <a:round/>
+                <a:headEnd/>
+                <a:tailEnd/>
+              </a:ln>
+              <a:gradFill rotWithShape="1">
+                <a:gsLst>
+                  <a:gs pos="0">
+                    <a:srgbClr val="6600CC"/>
+                  </a:gs>
+                  <a:gs pos="100000">
+                    <a:srgbClr val="CC00CC"/>
+                  </a:gs>
+                </a:gsLst>
+                <a:lin ang="5400000" scaled="1"/>
+              </a:gradFill>
+              <a:effectLst>
+                <a:outerShdw dist="53882" dir="2700000" algn="ctr" rotWithShape="0">
+                  <a:srgbClr val="9999FF">
+                    <a:alpha val="79999"/>
+                  </a:srgbClr>
+                </a:outerShdw>
+              </a:effectLst>
+              <a:latin typeface="Impact" panose="020B0806030902050204" pitchFamily="34" charset="0"/>
+            </a:endParaRPr>
+          </a:p>
+        </p:txBody>
+      </p:sp>
+      <p:pic>
+        <p:nvPicPr>
+          <p:cNvPr id="8" name="Picture 5" descr="j0305257"/>
+          <p:cNvPicPr>
+            <a:picLocks noChangeAspect="1" noChangeArrowheads="1"/>
+          </p:cNvPicPr>
+          <p:nvPr/>
+        </p:nvPicPr>
+        <p:blipFill>
+          <a:blip r:embed="rId3">
+            <a:extLst>
+              <a:ext uri="{28A0092B-C50C-407E-A947-70E740481C1C}">
+                <a14:useLocalDpi xmlns:a14="http://schemas.microsoft.com/office/drawing/2010/main" val="0"/>
+              </a:ext>
+            </a:extLst>
+          </a:blip>
+          <a:srcRect/>
+          <a:stretch>
+            <a:fillRect/>
+          </a:stretch>
+        </p:blipFill>
+        <p:spPr bwMode="auto">
+          <a:xfrm>
+            <a:off x="9709150" y="606425"/>
+            <a:ext cx="1874838" cy="3013075"/>
+          </a:xfrm>
+          <a:prstGeom prst="rect">
+            <a:avLst/>
+          </a:prstGeom>
+          <a:noFill/>
+          <a:ln>
+            <a:noFill/>
+          </a:ln>
+          <a:extLst>
+            <a:ext uri="{909E8E84-426E-40DD-AFC4-6F175D3DCCD1}">
+              <a14:hiddenFill xmlns:a14="http://schemas.microsoft.com/office/drawing/2010/main">
+                <a:solidFill>
+                  <a:srgbClr val="FFFFFF"/>
+                </a:solidFill>
+              </a14:hiddenFill>
+            </a:ext>
+            <a:ext uri="{91240B29-F687-4F45-9708-019B960494DF}">
+              <a14:hiddenLine xmlns:a14="http://schemas.microsoft.com/office/drawing/2010/main" w="9525">
+                <a:solidFill>
+                  <a:srgbClr val="000000"/>
+                </a:solidFill>
+                <a:miter lim="800000"/>
+                <a:headEnd/>
+                <a:tailEnd/>
+              </a14:hiddenLine>
+            </a:ext>
+          </a:extLst>
+        </p:spPr>
+      </p:pic>
+      <p:pic>
+        <p:nvPicPr>
+          <p:cNvPr id="9" name="Picture 7" descr="MCj04315630000[1]"/>
+          <p:cNvPicPr>
+            <a:picLocks noChangeAspect="1" noChangeArrowheads="1"/>
+          </p:cNvPicPr>
+          <p:nvPr/>
+        </p:nvPicPr>
+        <p:blipFill>
+          <a:blip r:embed="rId4">
+            <a:extLst>
+              <a:ext uri="{28A0092B-C50C-407E-A947-70E740481C1C}">
+                <a14:useLocalDpi xmlns:a14="http://schemas.microsoft.com/office/drawing/2010/main" val="0"/>
+              </a:ext>
+            </a:extLst>
+          </a:blip>
+          <a:srcRect/>
+          <a:stretch>
+            <a:fillRect/>
+          </a:stretch>
+        </p:blipFill>
+        <p:spPr bwMode="auto">
+          <a:xfrm>
+            <a:off x="9328150" y="3713163"/>
+            <a:ext cx="2697163" cy="2714625"/>
+          </a:xfrm>
+          <a:prstGeom prst="rect">
+            <a:avLst/>
+          </a:prstGeom>
+          <a:noFill/>
+          <a:ln>
+            <a:noFill/>
+          </a:ln>
+          <a:extLst>
+            <a:ext uri="{909E8E84-426E-40DD-AFC4-6F175D3DCCD1}">
+              <a14:hiddenFill xmlns:a14="http://schemas.microsoft.com/office/drawing/2010/main">
+                <a:solidFill>
+                  <a:srgbClr val="FFFFFF"/>
+                </a:solidFill>
+              </a14:hiddenFill>
+            </a:ext>
+            <a:ext uri="{91240B29-F687-4F45-9708-019B960494DF}">
+              <a14:hiddenLine xmlns:a14="http://schemas.microsoft.com/office/drawing/2010/main" w="9525">
+                <a:solidFill>
+                  <a:srgbClr val="000000"/>
+                </a:solidFill>
+                <a:miter lim="800000"/>
+                <a:headEnd/>
+                <a:tailEnd/>
+              </a14:hiddenLine>
+            </a:ext>
+          </a:extLst>
+        </p:spPr>
+      </p:pic>
+    </p:spTree>
+    <p:extLst>
+      <p:ext uri="{BB962C8B-B14F-4D97-AF65-F5344CB8AC3E}">
+        <p14:creationId xmlns:p14="http://schemas.microsoft.com/office/powerpoint/2010/main" val="3339245124"/>
+      </p:ext>
+    </p:extLst>
+  </p:cSld>
+  <p:clrMapOvr>
+    <a:masterClrMapping/>
+  </p:clrMapOvr>
+  <p:timing>
+    <p:tnLst>
+      <p:par>
+        <p:cTn id="1" dur="indefinite" restart="never" nodeType="tmRoot"/>
+      </p:par>
+    </p:tnLst>
+  </p:timing>
+</p:sld>
+</file>
+
+<file path=ppt/slides/slide75.xml><?xml version="1.0" encoding="utf-8"?>
+<p:sld xmlns:a="http://schemas.openxmlformats.org/drawingml/2006/main" xmlns:r="http://schemas.openxmlformats.org/officeDocument/2006/relationships" xmlns:p="http://schemas.openxmlformats.org/presentationml/2006/main">
+  <p:cSld>
+    <p:spTree>
+      <p:nvGrpSpPr>
+        <p:cNvPr id="1" name=""/>
+        <p:cNvGrpSpPr/>
+        <p:nvPr/>
+      </p:nvGrpSpPr>
+      <p:grpSpPr>
+        <a:xfrm>
+          <a:off x="0" y="0"/>
+          <a:ext cx="0" cy="0"/>
+          <a:chOff x="0" y="0"/>
+          <a:chExt cx="0" cy="0"/>
+        </a:xfrm>
+      </p:grpSpPr>
+      <p:sp>
+        <p:nvSpPr>
+          <p:cNvPr id="2" name="Title 1"/>
+          <p:cNvSpPr>
+            <a:spLocks noGrp="1"/>
+          </p:cNvSpPr>
+          <p:nvPr>
+            <p:ph type="title"/>
+          </p:nvPr>
+        </p:nvSpPr>
+        <p:spPr/>
+        <p:txBody>
+          <a:bodyPr/>
+          <a:lstStyle/>
+          <a:p>
+            <a:r>
+              <a:rPr lang="en-US" dirty="0"/>
               <a:t>Module 5: Analytics and Machine Learning</a:t>
             </a:r>
           </a:p>
@@ -16267,7 +17259,7 @@
 </p:sld>
 </file>
 
-<file path=ppt/slides/slide75.xml><?xml version="1.0" encoding="utf-8"?>
+<file path=ppt/slides/slide76.xml><?xml version="1.0" encoding="utf-8"?>
 <p:sld xmlns:a="http://schemas.openxmlformats.org/drawingml/2006/main" xmlns:r="http://schemas.openxmlformats.org/officeDocument/2006/relationships" xmlns:p="http://schemas.openxmlformats.org/presentationml/2006/main">
   <p:cSld>
     <p:spTree>
@@ -16419,7 +17411,7 @@
 </p:sld>
 </file>
 
-<file path=ppt/slides/slide76.xml><?xml version="1.0" encoding="utf-8"?>
+<file path=ppt/slides/slide77.xml><?xml version="1.0" encoding="utf-8"?>
 <p:sld xmlns:a="http://schemas.openxmlformats.org/drawingml/2006/main" xmlns:r="http://schemas.openxmlformats.org/officeDocument/2006/relationships" xmlns:p="http://schemas.openxmlformats.org/presentationml/2006/main">
   <p:cSld>
     <p:spTree>
@@ -16560,7 +17552,7 @@
 </p:sld>
 </file>
 
-<file path=ppt/slides/slide77.xml><?xml version="1.0" encoding="utf-8"?>
+<file path=ppt/slides/slide78.xml><?xml version="1.0" encoding="utf-8"?>
 <p:sld xmlns:a="http://schemas.openxmlformats.org/drawingml/2006/main" xmlns:r="http://schemas.openxmlformats.org/officeDocument/2006/relationships" xmlns:p="http://schemas.openxmlformats.org/presentationml/2006/main">
   <p:cSld>
     <p:spTree>
@@ -16701,7 +17693,7 @@
 </p:sld>
 </file>
 
-<file path=ppt/slides/slide78.xml><?xml version="1.0" encoding="utf-8"?>
+<file path=ppt/slides/slide79.xml><?xml version="1.0" encoding="utf-8"?>
 <p:sld xmlns:a="http://schemas.openxmlformats.org/drawingml/2006/main" xmlns:r="http://schemas.openxmlformats.org/officeDocument/2006/relationships" xmlns:p="http://schemas.openxmlformats.org/presentationml/2006/main">
   <p:cSld>
     <p:spTree>
@@ -16802,129 +17794,6 @@
     <p:extLst>
       <p:ext uri="{BB962C8B-B14F-4D97-AF65-F5344CB8AC3E}">
         <p14:creationId xmlns:p14="http://schemas.microsoft.com/office/powerpoint/2010/main" val="1004562643"/>
-      </p:ext>
-    </p:extLst>
-  </p:cSld>
-  <p:clrMapOvr>
-    <a:masterClrMapping/>
-  </p:clrMapOvr>
-  <p:timing>
-    <p:tnLst>
-      <p:par>
-        <p:cTn id="1" dur="indefinite" restart="never" nodeType="tmRoot"/>
-      </p:par>
-    </p:tnLst>
-  </p:timing>
-</p:sld>
-</file>
-
-<file path=ppt/slides/slide79.xml><?xml version="1.0" encoding="utf-8"?>
-<p:sld xmlns:a="http://schemas.openxmlformats.org/drawingml/2006/main" xmlns:r="http://schemas.openxmlformats.org/officeDocument/2006/relationships" xmlns:p="http://schemas.openxmlformats.org/presentationml/2006/main">
-  <p:cSld>
-    <p:spTree>
-      <p:nvGrpSpPr>
-        <p:cNvPr id="1" name=""/>
-        <p:cNvGrpSpPr/>
-        <p:nvPr/>
-      </p:nvGrpSpPr>
-      <p:grpSpPr>
-        <a:xfrm>
-          <a:off x="0" y="0"/>
-          <a:ext cx="0" cy="0"/>
-          <a:chOff x="0" y="0"/>
-          <a:chExt cx="0" cy="0"/>
-        </a:xfrm>
-      </p:grpSpPr>
-      <p:sp>
-        <p:nvSpPr>
-          <p:cNvPr id="2" name="Title 1"/>
-          <p:cNvSpPr>
-            <a:spLocks noGrp="1"/>
-          </p:cNvSpPr>
-          <p:nvPr>
-            <p:ph type="title"/>
-          </p:nvPr>
-        </p:nvSpPr>
-        <p:spPr/>
-        <p:txBody>
-          <a:bodyPr/>
-          <a:lstStyle/>
-          <a:p>
-            <a:r>
-              <a:rPr lang="en-US" dirty="0"/>
-              <a:t>The </a:t>
-            </a:r>
-            <a:r>
-              <a:rPr lang="en-US" dirty="0">
-                <a:latin typeface="Courier"/>
-              </a:rPr>
-              <a:t>anomalies</a:t>
-            </a:r>
-            <a:r>
-              <a:rPr lang="en-US" dirty="0"/>
-              <a:t> command</a:t>
-            </a:r>
-          </a:p>
-        </p:txBody>
-      </p:sp>
-      <p:sp>
-        <p:nvSpPr>
-          <p:cNvPr id="3" name="Text Placeholder 2"/>
-          <p:cNvSpPr>
-            <a:spLocks noGrp="1"/>
-          </p:cNvSpPr>
-          <p:nvPr>
-            <p:ph type="body" sz="quarter" idx="10"/>
-          </p:nvPr>
-        </p:nvSpPr>
-        <p:spPr/>
-        <p:txBody>
-          <a:bodyPr/>
-          <a:lstStyle/>
-          <a:p>
-            <a:r>
-              <a:rPr lang="en-US" dirty="0"/>
-              <a:t>Assigns an “unexpectedness score” to each event</a:t>
-            </a:r>
-          </a:p>
-          <a:p>
-            <a:r>
-              <a:rPr lang="en-US" dirty="0"/>
-              <a:t>Uses a proprietary algorithm</a:t>
-            </a:r>
-          </a:p>
-        </p:txBody>
-      </p:sp>
-      <p:pic>
-        <p:nvPicPr>
-          <p:cNvPr id="4" name="Picture 3">
-            <a:hlinkClick r:id="rId2"/>
-          </p:cNvPr>
-          <p:cNvPicPr>
-            <a:picLocks noChangeAspect="1"/>
-          </p:cNvPicPr>
-          <p:nvPr/>
-        </p:nvPicPr>
-        <p:blipFill>
-          <a:blip r:embed="rId3"/>
-          <a:stretch>
-            <a:fillRect/>
-          </a:stretch>
-        </p:blipFill>
-        <p:spPr>
-          <a:xfrm>
-            <a:off x="914400" y="4114800"/>
-            <a:ext cx="5429895" cy="1038274"/>
-          </a:xfrm>
-          <a:prstGeom prst="rect">
-            <a:avLst/>
-          </a:prstGeom>
-        </p:spPr>
-      </p:pic>
-    </p:spTree>
-    <p:extLst>
-      <p:ext uri="{BB962C8B-B14F-4D97-AF65-F5344CB8AC3E}">
-        <p14:creationId xmlns:p14="http://schemas.microsoft.com/office/powerpoint/2010/main" val="1909204017"/>
       </p:ext>
     </p:extLst>
   </p:cSld>
@@ -17144,6 +18013,129 @@
               <a:t>The </a:t>
             </a:r>
             <a:r>
+              <a:rPr lang="en-US" dirty="0">
+                <a:latin typeface="Courier"/>
+              </a:rPr>
+              <a:t>anomalies</a:t>
+            </a:r>
+            <a:r>
+              <a:rPr lang="en-US" dirty="0"/>
+              <a:t> command</a:t>
+            </a:r>
+          </a:p>
+        </p:txBody>
+      </p:sp>
+      <p:sp>
+        <p:nvSpPr>
+          <p:cNvPr id="3" name="Text Placeholder 2"/>
+          <p:cNvSpPr>
+            <a:spLocks noGrp="1"/>
+          </p:cNvSpPr>
+          <p:nvPr>
+            <p:ph type="body" sz="quarter" idx="10"/>
+          </p:nvPr>
+        </p:nvSpPr>
+        <p:spPr/>
+        <p:txBody>
+          <a:bodyPr/>
+          <a:lstStyle/>
+          <a:p>
+            <a:r>
+              <a:rPr lang="en-US" dirty="0"/>
+              <a:t>Assigns an “unexpectedness score” to each event</a:t>
+            </a:r>
+          </a:p>
+          <a:p>
+            <a:r>
+              <a:rPr lang="en-US" dirty="0"/>
+              <a:t>Uses a proprietary algorithm</a:t>
+            </a:r>
+          </a:p>
+        </p:txBody>
+      </p:sp>
+      <p:pic>
+        <p:nvPicPr>
+          <p:cNvPr id="4" name="Picture 3">
+            <a:hlinkClick r:id="rId2"/>
+          </p:cNvPr>
+          <p:cNvPicPr>
+            <a:picLocks noChangeAspect="1"/>
+          </p:cNvPicPr>
+          <p:nvPr/>
+        </p:nvPicPr>
+        <p:blipFill>
+          <a:blip r:embed="rId3"/>
+          <a:stretch>
+            <a:fillRect/>
+          </a:stretch>
+        </p:blipFill>
+        <p:spPr>
+          <a:xfrm>
+            <a:off x="914400" y="4114800"/>
+            <a:ext cx="5429895" cy="1038274"/>
+          </a:xfrm>
+          <a:prstGeom prst="rect">
+            <a:avLst/>
+          </a:prstGeom>
+        </p:spPr>
+      </p:pic>
+    </p:spTree>
+    <p:extLst>
+      <p:ext uri="{BB962C8B-B14F-4D97-AF65-F5344CB8AC3E}">
+        <p14:creationId xmlns:p14="http://schemas.microsoft.com/office/powerpoint/2010/main" val="1909204017"/>
+      </p:ext>
+    </p:extLst>
+  </p:cSld>
+  <p:clrMapOvr>
+    <a:masterClrMapping/>
+  </p:clrMapOvr>
+  <p:timing>
+    <p:tnLst>
+      <p:par>
+        <p:cTn id="1" dur="indefinite" restart="never" nodeType="tmRoot"/>
+      </p:par>
+    </p:tnLst>
+  </p:timing>
+</p:sld>
+</file>
+
+<file path=ppt/slides/slide81.xml><?xml version="1.0" encoding="utf-8"?>
+<p:sld xmlns:a="http://schemas.openxmlformats.org/drawingml/2006/main" xmlns:r="http://schemas.openxmlformats.org/officeDocument/2006/relationships" xmlns:p="http://schemas.openxmlformats.org/presentationml/2006/main">
+  <p:cSld>
+    <p:spTree>
+      <p:nvGrpSpPr>
+        <p:cNvPr id="1" name=""/>
+        <p:cNvGrpSpPr/>
+        <p:nvPr/>
+      </p:nvGrpSpPr>
+      <p:grpSpPr>
+        <a:xfrm>
+          <a:off x="0" y="0"/>
+          <a:ext cx="0" cy="0"/>
+          <a:chOff x="0" y="0"/>
+          <a:chExt cx="0" cy="0"/>
+        </a:xfrm>
+      </p:grpSpPr>
+      <p:sp>
+        <p:nvSpPr>
+          <p:cNvPr id="2" name="Title 1"/>
+          <p:cNvSpPr>
+            <a:spLocks noGrp="1"/>
+          </p:cNvSpPr>
+          <p:nvPr>
+            <p:ph type="title"/>
+          </p:nvPr>
+        </p:nvSpPr>
+        <p:spPr/>
+        <p:txBody>
+          <a:bodyPr/>
+          <a:lstStyle/>
+          <a:p>
+            <a:r>
+              <a:rPr lang="en-US" dirty="0"/>
+              <a:t>The </a:t>
+            </a:r>
+            <a:r>
               <a:rPr lang="en-US" dirty="0" err="1">
                 <a:latin typeface="Courier"/>
               </a:rPr>
@@ -17227,7 +18219,7 @@
 </p:sld>
 </file>
 
-<file path=ppt/slides/slide81.xml><?xml version="1.0" encoding="utf-8"?>
+<file path=ppt/slides/slide82.xml><?xml version="1.0" encoding="utf-8"?>
 <p:sld xmlns:a="http://schemas.openxmlformats.org/drawingml/2006/main" xmlns:r="http://schemas.openxmlformats.org/officeDocument/2006/relationships" xmlns:p="http://schemas.openxmlformats.org/presentationml/2006/main">
   <p:cSld>
     <p:spTree>
@@ -17404,7 +18396,7 @@
 </p:sld>
 </file>
 
-<file path=ppt/slides/slide82.xml><?xml version="1.0" encoding="utf-8"?>
+<file path=ppt/slides/slide83.xml><?xml version="1.0" encoding="utf-8"?>
 <p:sld xmlns:a="http://schemas.openxmlformats.org/drawingml/2006/main" xmlns:r="http://schemas.openxmlformats.org/officeDocument/2006/relationships" xmlns:p="http://schemas.openxmlformats.org/presentationml/2006/main">
   <p:cSld>
     <p:spTree>
@@ -17558,7 +18550,7 @@
 </p:sld>
 </file>
 
-<file path=ppt/slides/slide83.xml><?xml version="1.0" encoding="utf-8"?>
+<file path=ppt/slides/slide84.xml><?xml version="1.0" encoding="utf-8"?>
 <p:sld xmlns:a="http://schemas.openxmlformats.org/drawingml/2006/main" xmlns:r="http://schemas.openxmlformats.org/officeDocument/2006/relationships" xmlns:p="http://schemas.openxmlformats.org/presentationml/2006/main">
   <p:cSld>
     <p:spTree>
@@ -17700,7 +18692,7 @@
 </p:sld>
 </file>
 
-<file path=ppt/slides/slide84.xml><?xml version="1.0" encoding="utf-8"?>
+<file path=ppt/slides/slide85.xml><?xml version="1.0" encoding="utf-8"?>
 <p:sld xmlns:a="http://schemas.openxmlformats.org/drawingml/2006/main" xmlns:r="http://schemas.openxmlformats.org/officeDocument/2006/relationships" xmlns:p="http://schemas.openxmlformats.org/presentationml/2006/main">
   <p:cSld>
     <p:spTree>
@@ -17868,7 +18860,7 @@
 </p:sld>
 </file>
 
-<file path=ppt/slides/slide85.xml><?xml version="1.0" encoding="utf-8"?>
+<file path=ppt/slides/slide86.xml><?xml version="1.0" encoding="utf-8"?>
 <p:sld xmlns:a="http://schemas.openxmlformats.org/drawingml/2006/main" xmlns:r="http://schemas.openxmlformats.org/officeDocument/2006/relationships" xmlns:p="http://schemas.openxmlformats.org/presentationml/2006/main">
   <p:cSld>
     <p:spTree>
@@ -18092,7 +19084,7 @@
 </p:sld>
 </file>
 
-<file path=ppt/slides/slide86.xml><?xml version="1.0" encoding="utf-8"?>
+<file path=ppt/slides/slide87.xml><?xml version="1.0" encoding="utf-8"?>
 <p:sld xmlns:a="http://schemas.openxmlformats.org/drawingml/2006/main" xmlns:r="http://schemas.openxmlformats.org/officeDocument/2006/relationships" xmlns:p="http://schemas.openxmlformats.org/presentationml/2006/main">
   <p:cSld>
     <p:spTree>
@@ -18227,7 +19219,7 @@
 </p:sld>
 </file>
 
-<file path=ppt/slides/slide87.xml><?xml version="1.0" encoding="utf-8"?>
+<file path=ppt/slides/slide88.xml><?xml version="1.0" encoding="utf-8"?>
 <p:sld xmlns:a="http://schemas.openxmlformats.org/drawingml/2006/main" xmlns:r="http://schemas.openxmlformats.org/officeDocument/2006/relationships" xmlns:p="http://schemas.openxmlformats.org/presentationml/2006/main">
   <p:cSld>
     <p:spTree>
@@ -18386,141 +19378,6 @@
 </p:sld>
 </file>
 
-<file path=ppt/slides/slide88.xml><?xml version="1.0" encoding="utf-8"?>
-<p:sld xmlns:a="http://schemas.openxmlformats.org/drawingml/2006/main" xmlns:r="http://schemas.openxmlformats.org/officeDocument/2006/relationships" xmlns:p="http://schemas.openxmlformats.org/presentationml/2006/main">
-  <p:cSld>
-    <p:spTree>
-      <p:nvGrpSpPr>
-        <p:cNvPr id="1" name=""/>
-        <p:cNvGrpSpPr/>
-        <p:nvPr/>
-      </p:nvGrpSpPr>
-      <p:grpSpPr>
-        <a:xfrm>
-          <a:off x="0" y="0"/>
-          <a:ext cx="0" cy="0"/>
-          <a:chOff x="0" y="0"/>
-          <a:chExt cx="0" cy="0"/>
-        </a:xfrm>
-      </p:grpSpPr>
-      <p:sp>
-        <p:nvSpPr>
-          <p:cNvPr id="2" name="Title 1"/>
-          <p:cNvSpPr>
-            <a:spLocks noGrp="1"/>
-          </p:cNvSpPr>
-          <p:nvPr>
-            <p:ph type="title"/>
-          </p:nvPr>
-        </p:nvSpPr>
-        <p:spPr/>
-        <p:txBody>
-          <a:bodyPr/>
-          <a:lstStyle/>
-          <a:p>
-            <a:r>
-              <a:rPr lang="en-US" dirty="0"/>
-              <a:t>Lab 5: Analytics and Machine Learning</a:t>
-            </a:r>
-          </a:p>
-        </p:txBody>
-      </p:sp>
-      <p:sp>
-        <p:nvSpPr>
-          <p:cNvPr id="3" name="Content Placeholder 2"/>
-          <p:cNvSpPr>
-            <a:spLocks noGrp="1"/>
-          </p:cNvSpPr>
-          <p:nvPr>
-            <p:ph idx="1"/>
-          </p:nvPr>
-        </p:nvSpPr>
-        <p:spPr/>
-        <p:txBody>
-          <a:bodyPr/>
-          <a:lstStyle/>
-          <a:p>
-            <a:r>
-              <a:rPr lang="en-US" dirty="0"/>
-              <a:t>Predicting website-traffic volumes p 517</a:t>
-            </a:r>
-          </a:p>
-          <a:p>
-            <a:r>
-              <a:rPr lang="en-US" dirty="0"/>
-              <a:t>Finding abnormally sized web requests p 525</a:t>
-            </a:r>
-          </a:p>
-          <a:p>
-            <a:r>
-              <a:rPr lang="en-US" dirty="0"/>
-              <a:t>Identifying potential session spoofing p 532</a:t>
-            </a:r>
-          </a:p>
-          <a:p>
-            <a:r>
-              <a:rPr lang="en-US" dirty="0"/>
-              <a:t>Detecting outliers in server response times p 538</a:t>
-            </a:r>
-          </a:p>
-          <a:p>
-            <a:r>
-              <a:rPr lang="en-US" dirty="0"/>
-              <a:t>Forecasting weekly sales p 547</a:t>
-            </a:r>
-          </a:p>
-        </p:txBody>
-      </p:sp>
-      <p:sp>
-        <p:nvSpPr>
-          <p:cNvPr id="4" name="Text Placeholder 3"/>
-          <p:cNvSpPr>
-            <a:spLocks noGrp="1"/>
-          </p:cNvSpPr>
-          <p:nvPr>
-            <p:ph type="body" sz="quarter" idx="13"/>
-          </p:nvPr>
-        </p:nvSpPr>
-        <p:spPr/>
-        <p:txBody>
-          <a:bodyPr/>
-          <a:lstStyle/>
-          <a:p>
-            <a:r>
-              <a:rPr lang="en-US" dirty="0"/>
-              <a:t>Duration: </a:t>
-            </a:r>
-            <a:r>
-              <a:rPr lang="en-US" dirty="0" smtClean="0"/>
-              <a:t>30 </a:t>
-            </a:r>
-            <a:r>
-              <a:rPr lang="en-US" dirty="0"/>
-              <a:t>minutes</a:t>
-            </a:r>
-          </a:p>
-        </p:txBody>
-      </p:sp>
-    </p:spTree>
-    <p:extLst>
-      <p:ext uri="{BB962C8B-B14F-4D97-AF65-F5344CB8AC3E}">
-        <p14:creationId xmlns:p14="http://schemas.microsoft.com/office/powerpoint/2010/main" val="1585871228"/>
-      </p:ext>
-    </p:extLst>
-  </p:cSld>
-  <p:clrMapOvr>
-    <a:masterClrMapping/>
-  </p:clrMapOvr>
-  <p:timing>
-    <p:tnLst>
-      <p:par>
-        <p:cTn id="1" dur="indefinite" restart="never" nodeType="tmRoot"/>
-      </p:par>
-    </p:tnLst>
-  </p:timing>
-</p:sld>
-</file>
-
 <file path=ppt/slides/slide89.xml><?xml version="1.0" encoding="utf-8"?>
 <p:sld xmlns:a="http://schemas.openxmlformats.org/drawingml/2006/main" xmlns:r="http://schemas.openxmlformats.org/officeDocument/2006/relationships" xmlns:p="http://schemas.openxmlformats.org/presentationml/2006/main">
   <p:cSld>
@@ -18555,7 +19412,83 @@
           <a:p>
             <a:r>
               <a:rPr lang="en-US" dirty="0"/>
-              <a:t>Module 6: Optimizing Search</a:t>
+              <a:t>Lab 5: Analytics and Machine Learning</a:t>
+            </a:r>
+          </a:p>
+        </p:txBody>
+      </p:sp>
+      <p:sp>
+        <p:nvSpPr>
+          <p:cNvPr id="3" name="Content Placeholder 2"/>
+          <p:cNvSpPr>
+            <a:spLocks noGrp="1"/>
+          </p:cNvSpPr>
+          <p:nvPr>
+            <p:ph idx="1"/>
+          </p:nvPr>
+        </p:nvSpPr>
+        <p:spPr/>
+        <p:txBody>
+          <a:bodyPr/>
+          <a:lstStyle/>
+          <a:p>
+            <a:r>
+              <a:rPr lang="en-US" dirty="0"/>
+              <a:t>Predicting website-traffic volumes p 517</a:t>
+            </a:r>
+          </a:p>
+          <a:p>
+            <a:r>
+              <a:rPr lang="en-US" dirty="0"/>
+              <a:t>Finding abnormally sized web requests p 525</a:t>
+            </a:r>
+          </a:p>
+          <a:p>
+            <a:r>
+              <a:rPr lang="en-US" dirty="0"/>
+              <a:t>Identifying potential session spoofing p 532</a:t>
+            </a:r>
+          </a:p>
+          <a:p>
+            <a:r>
+              <a:rPr lang="en-US" dirty="0"/>
+              <a:t>Detecting outliers in server response times p 538</a:t>
+            </a:r>
+          </a:p>
+          <a:p>
+            <a:r>
+              <a:rPr lang="en-US" dirty="0"/>
+              <a:t>Forecasting weekly sales p 547</a:t>
+            </a:r>
+          </a:p>
+        </p:txBody>
+      </p:sp>
+      <p:sp>
+        <p:nvSpPr>
+          <p:cNvPr id="4" name="Text Placeholder 3"/>
+          <p:cNvSpPr>
+            <a:spLocks noGrp="1"/>
+          </p:cNvSpPr>
+          <p:nvPr>
+            <p:ph type="body" sz="quarter" idx="13"/>
+          </p:nvPr>
+        </p:nvSpPr>
+        <p:spPr/>
+        <p:txBody>
+          <a:bodyPr/>
+          <a:lstStyle/>
+          <a:p>
+            <a:r>
+              <a:rPr lang="en-US" dirty="0"/>
+              <a:t>Duration: </a:t>
+            </a:r>
+            <a:r>
+              <a:rPr lang="en-US" dirty="0" smtClean="0"/>
+              <a:t>30 </a:t>
+            </a:r>
+            <a:r>
+              <a:rPr lang="en-US" dirty="0"/>
+              <a:t>minutes</a:t>
             </a:r>
           </a:p>
         </p:txBody>
@@ -18563,7 +19496,7 @@
     </p:spTree>
     <p:extLst>
       <p:ext uri="{BB962C8B-B14F-4D97-AF65-F5344CB8AC3E}">
-        <p14:creationId xmlns:p14="http://schemas.microsoft.com/office/powerpoint/2010/main" val="1408587379"/>
+        <p14:creationId xmlns:p14="http://schemas.microsoft.com/office/powerpoint/2010/main" val="1585871228"/>
       </p:ext>
     </p:extLst>
   </p:cSld>
@@ -18711,6 +19644,65 @@
           <a:p>
             <a:r>
               <a:rPr lang="en-US" dirty="0"/>
+              <a:t>Module 6: Optimizing Search</a:t>
+            </a:r>
+          </a:p>
+        </p:txBody>
+      </p:sp>
+    </p:spTree>
+    <p:extLst>
+      <p:ext uri="{BB962C8B-B14F-4D97-AF65-F5344CB8AC3E}">
+        <p14:creationId xmlns:p14="http://schemas.microsoft.com/office/powerpoint/2010/main" val="1408587379"/>
+      </p:ext>
+    </p:extLst>
+  </p:cSld>
+  <p:clrMapOvr>
+    <a:masterClrMapping/>
+  </p:clrMapOvr>
+  <p:timing>
+    <p:tnLst>
+      <p:par>
+        <p:cTn id="1" dur="indefinite" restart="never" nodeType="tmRoot"/>
+      </p:par>
+    </p:tnLst>
+  </p:timing>
+</p:sld>
+</file>
+
+<file path=ppt/slides/slide91.xml><?xml version="1.0" encoding="utf-8"?>
+<p:sld xmlns:a="http://schemas.openxmlformats.org/drawingml/2006/main" xmlns:r="http://schemas.openxmlformats.org/officeDocument/2006/relationships" xmlns:p="http://schemas.openxmlformats.org/presentationml/2006/main">
+  <p:cSld>
+    <p:spTree>
+      <p:nvGrpSpPr>
+        <p:cNvPr id="1" name=""/>
+        <p:cNvGrpSpPr/>
+        <p:nvPr/>
+      </p:nvGrpSpPr>
+      <p:grpSpPr>
+        <a:xfrm>
+          <a:off x="0" y="0"/>
+          <a:ext cx="0" cy="0"/>
+          <a:chOff x="0" y="0"/>
+          <a:chExt cx="0" cy="0"/>
+        </a:xfrm>
+      </p:grpSpPr>
+      <p:sp>
+        <p:nvSpPr>
+          <p:cNvPr id="2" name="Title 1"/>
+          <p:cNvSpPr>
+            <a:spLocks noGrp="1"/>
+          </p:cNvSpPr>
+          <p:nvPr>
+            <p:ph type="title"/>
+          </p:nvPr>
+        </p:nvSpPr>
+        <p:spPr/>
+        <p:txBody>
+          <a:bodyPr/>
+          <a:lstStyle/>
+          <a:p>
+            <a:r>
+              <a:rPr lang="en-US" dirty="0"/>
               <a:t>Data summarization</a:t>
             </a:r>
           </a:p>
@@ -18770,7 +19762,7 @@
 </p:sld>
 </file>
 
-<file path=ppt/slides/slide91.xml><?xml version="1.0" encoding="utf-8"?>
+<file path=ppt/slides/slide92.xml><?xml version="1.0" encoding="utf-8"?>
 <p:sld xmlns:a="http://schemas.openxmlformats.org/drawingml/2006/main" xmlns:r="http://schemas.openxmlformats.org/officeDocument/2006/relationships" xmlns:p="http://schemas.openxmlformats.org/presentationml/2006/main">
   <p:cSld>
     <p:spTree>
@@ -18956,7 +19948,7 @@
 </p:sld>
 </file>
 
-<file path=ppt/slides/slide92.xml><?xml version="1.0" encoding="utf-8"?>
+<file path=ppt/slides/slide93.xml><?xml version="1.0" encoding="utf-8"?>
 <p:sld xmlns:a="http://schemas.openxmlformats.org/drawingml/2006/main" xmlns:r="http://schemas.openxmlformats.org/officeDocument/2006/relationships" xmlns:p="http://schemas.openxmlformats.org/presentationml/2006/main">
   <p:cSld>
     <p:spTree>
@@ -19076,7 +20068,7 @@
 </p:sld>
 </file>
 
-<file path=ppt/slides/slide93.xml><?xml version="1.0" encoding="utf-8"?>
+<file path=ppt/slides/slide94.xml><?xml version="1.0" encoding="utf-8"?>
 <p:sld xmlns:a="http://schemas.openxmlformats.org/drawingml/2006/main" xmlns:r="http://schemas.openxmlformats.org/officeDocument/2006/relationships" xmlns:p="http://schemas.openxmlformats.org/presentationml/2006/main">
   <p:cSld>
     <p:spTree>
@@ -19231,7 +20223,7 @@
 </p:sld>
 </file>
 
-<file path=ppt/slides/slide94.xml><?xml version="1.0" encoding="utf-8"?>
+<file path=ppt/slides/slide95.xml><?xml version="1.0" encoding="utf-8"?>
 <p:sld xmlns:a="http://schemas.openxmlformats.org/drawingml/2006/main" xmlns:r="http://schemas.openxmlformats.org/officeDocument/2006/relationships" xmlns:p="http://schemas.openxmlformats.org/presentationml/2006/main">
   <p:cSld>
     <p:spTree>
@@ -19426,7 +20418,7 @@
 </p:sld>
 </file>
 
-<file path=ppt/slides/slide95.xml><?xml version="1.0" encoding="utf-8"?>
+<file path=ppt/slides/slide96.xml><?xml version="1.0" encoding="utf-8"?>
 <p:sld xmlns:a="http://schemas.openxmlformats.org/drawingml/2006/main" xmlns:r="http://schemas.openxmlformats.org/officeDocument/2006/relationships" xmlns:p="http://schemas.openxmlformats.org/presentationml/2006/main">
   <p:cSld>
     <p:spTree>
@@ -19560,7 +20552,7 @@
 </p:sld>
 </file>
 
-<file path=ppt/slides/slide96.xml><?xml version="1.0" encoding="utf-8"?>
+<file path=ppt/slides/slide97.xml><?xml version="1.0" encoding="utf-8"?>
 <p:sld xmlns:a="http://schemas.openxmlformats.org/drawingml/2006/main" xmlns:r="http://schemas.openxmlformats.org/officeDocument/2006/relationships" xmlns:p="http://schemas.openxmlformats.org/presentationml/2006/main">
   <p:cSld>
     <p:spTree>
@@ -19619,7 +20611,7 @@
 </p:sld>
 </file>
 
-<file path=ppt/slides/slide97.xml><?xml version="1.0" encoding="utf-8"?>
+<file path=ppt/slides/slide98.xml><?xml version="1.0" encoding="utf-8"?>
 <p:sld xmlns:a="http://schemas.openxmlformats.org/drawingml/2006/main" xmlns:r="http://schemas.openxmlformats.org/officeDocument/2006/relationships" xmlns:p="http://schemas.openxmlformats.org/presentationml/2006/main">
   <p:cSld>
     <p:spTree>
@@ -19857,7 +20849,7 @@
 </p:sld>
 </file>
 
-<file path=ppt/slides/slide98.xml><?xml version="1.0" encoding="utf-8"?>
+<file path=ppt/slides/slide99.xml><?xml version="1.0" encoding="utf-8"?>
 <p:sld xmlns:a="http://schemas.openxmlformats.org/drawingml/2006/main" xmlns:r="http://schemas.openxmlformats.org/officeDocument/2006/relationships" xmlns:p="http://schemas.openxmlformats.org/presentationml/2006/main">
   <p:cSld>
     <p:spTree>
@@ -19975,141 +20967,6 @@
     <p:extLst>
       <p:ext uri="{BB962C8B-B14F-4D97-AF65-F5344CB8AC3E}">
         <p14:creationId xmlns:p14="http://schemas.microsoft.com/office/powerpoint/2010/main" val="72432952"/>
-      </p:ext>
-    </p:extLst>
-  </p:cSld>
-  <p:clrMapOvr>
-    <a:masterClrMapping/>
-  </p:clrMapOvr>
-  <p:timing>
-    <p:tnLst>
-      <p:par>
-        <p:cTn id="1" dur="indefinite" restart="never" nodeType="tmRoot"/>
-      </p:par>
-    </p:tnLst>
-  </p:timing>
-</p:sld>
-</file>
-
-<file path=ppt/slides/slide99.xml><?xml version="1.0" encoding="utf-8"?>
-<p:sld xmlns:a="http://schemas.openxmlformats.org/drawingml/2006/main" xmlns:r="http://schemas.openxmlformats.org/officeDocument/2006/relationships" xmlns:p="http://schemas.openxmlformats.org/presentationml/2006/main">
-  <p:cSld>
-    <p:spTree>
-      <p:nvGrpSpPr>
-        <p:cNvPr id="1" name=""/>
-        <p:cNvGrpSpPr/>
-        <p:nvPr/>
-      </p:nvGrpSpPr>
-      <p:grpSpPr>
-        <a:xfrm>
-          <a:off x="0" y="0"/>
-          <a:ext cx="0" cy="0"/>
-          <a:chOff x="0" y="0"/>
-          <a:chExt cx="0" cy="0"/>
-        </a:xfrm>
-      </p:grpSpPr>
-      <p:sp>
-        <p:nvSpPr>
-          <p:cNvPr id="2" name="Title 1"/>
-          <p:cNvSpPr>
-            <a:spLocks noGrp="1"/>
-          </p:cNvSpPr>
-          <p:nvPr>
-            <p:ph type="title"/>
-          </p:nvPr>
-        </p:nvSpPr>
-        <p:spPr/>
-        <p:txBody>
-          <a:bodyPr/>
-          <a:lstStyle/>
-          <a:p>
-            <a:r>
-              <a:rPr lang="en-US" dirty="0"/>
-              <a:t>Remotely querying </a:t>
-            </a:r>
-            <a:r>
-              <a:rPr lang="en-US" dirty="0" err="1"/>
-              <a:t>Splunk’s</a:t>
-            </a:r>
-            <a:r>
-              <a:rPr lang="en-US"/>
-              <a:t> REST API</a:t>
-            </a:r>
-          </a:p>
-        </p:txBody>
-      </p:sp>
-      <p:sp>
-        <p:nvSpPr>
-          <p:cNvPr id="3" name="Text Placeholder 2"/>
-          <p:cNvSpPr>
-            <a:spLocks noGrp="1"/>
-          </p:cNvSpPr>
-          <p:nvPr>
-            <p:ph type="body" sz="quarter" idx="10"/>
-          </p:nvPr>
-        </p:nvSpPr>
-        <p:spPr/>
-        <p:txBody>
-          <a:bodyPr/>
-          <a:lstStyle/>
-          <a:p>
-            <a:r>
-              <a:rPr lang="en-US" dirty="0" smtClean="0"/>
-              <a:t>Standard RESTful endpoint</a:t>
-            </a:r>
-          </a:p>
-          <a:p>
-            <a:r>
-              <a:rPr lang="en-US" dirty="0" smtClean="0"/>
-              <a:t>Exposes a large amount of </a:t>
-            </a:r>
-            <a:r>
-              <a:rPr lang="en-US" dirty="0" err="1" smtClean="0"/>
-              <a:t>Splunk</a:t>
-            </a:r>
-            <a:r>
-              <a:rPr lang="en-US" dirty="0" smtClean="0"/>
-              <a:t> functionality</a:t>
-            </a:r>
-            <a:endParaRPr lang="en-US" dirty="0"/>
-          </a:p>
-        </p:txBody>
-      </p:sp>
-      <p:pic>
-        <p:nvPicPr>
-          <p:cNvPr id="4" name="Picture 3">
-            <a:hlinkClick r:id="rId2" action="ppaction://hlinkfile"/>
-            <a:extLst>
-              <a:ext uri="{FF2B5EF4-FFF2-40B4-BE49-F238E27FC236}">
-                <a16:creationId xmlns:a16="http://schemas.microsoft.com/office/drawing/2014/main" id="{F828083B-E8B3-4248-8611-B52D7EC66816}"/>
-              </a:ext>
-            </a:extLst>
-          </p:cNvPr>
-          <p:cNvPicPr>
-            <a:picLocks noChangeAspect="1"/>
-          </p:cNvPicPr>
-          <p:nvPr/>
-        </p:nvPicPr>
-        <p:blipFill>
-          <a:blip r:embed="rId3"/>
-          <a:stretch>
-            <a:fillRect/>
-          </a:stretch>
-        </p:blipFill>
-        <p:spPr>
-          <a:xfrm>
-            <a:off x="762000" y="4638557"/>
-            <a:ext cx="10698068" cy="847843"/>
-          </a:xfrm>
-          <a:prstGeom prst="rect">
-            <a:avLst/>
-          </a:prstGeom>
-        </p:spPr>
-      </p:pic>
-    </p:spTree>
-    <p:extLst>
-      <p:ext uri="{BB962C8B-B14F-4D97-AF65-F5344CB8AC3E}">
-        <p14:creationId xmlns:p14="http://schemas.microsoft.com/office/powerpoint/2010/main" val="2025764666"/>
       </p:ext>
     </p:extLst>
   </p:cSld>

--- a/ppt/SplunkFundamentals2v1_3.pptx
+++ b/ppt/SplunkFundamentals2v1_3.pptx
@@ -5,10 +5,10 @@
     <p:sldMasterId id="2147483660" r:id="rId4"/>
   </p:sldMasterIdLst>
   <p:notesMasterIdLst>
-    <p:notesMasterId r:id="rId107"/>
+    <p:notesMasterId r:id="rId105"/>
   </p:notesMasterIdLst>
   <p:handoutMasterIdLst>
-    <p:handoutMasterId r:id="rId108"/>
+    <p:handoutMasterId r:id="rId106"/>
   </p:handoutMasterIdLst>
   <p:sldIdLst>
     <p:sldId id="323" r:id="rId5"/>
@@ -68,51 +68,49 @@
     <p:sldId id="358" r:id="rId59"/>
     <p:sldId id="359" r:id="rId60"/>
     <p:sldId id="439" r:id="rId61"/>
-    <p:sldId id="418" r:id="rId62"/>
-    <p:sldId id="372" r:id="rId63"/>
-    <p:sldId id="380" r:id="rId64"/>
-    <p:sldId id="379" r:id="rId65"/>
-    <p:sldId id="377" r:id="rId66"/>
-    <p:sldId id="378" r:id="rId67"/>
-    <p:sldId id="381" r:id="rId68"/>
-    <p:sldId id="360" r:id="rId69"/>
-    <p:sldId id="362" r:id="rId70"/>
-    <p:sldId id="361" r:id="rId71"/>
-    <p:sldId id="365" r:id="rId72"/>
-    <p:sldId id="366" r:id="rId73"/>
-    <p:sldId id="375" r:id="rId74"/>
-    <p:sldId id="367" r:id="rId75"/>
-    <p:sldId id="374" r:id="rId76"/>
-    <p:sldId id="423" r:id="rId77"/>
-    <p:sldId id="440" r:id="rId78"/>
-    <p:sldId id="415" r:id="rId79"/>
-    <p:sldId id="368" r:id="rId80"/>
-    <p:sldId id="369" r:id="rId81"/>
-    <p:sldId id="370" r:id="rId82"/>
-    <p:sldId id="364" r:id="rId83"/>
-    <p:sldId id="371" r:id="rId84"/>
-    <p:sldId id="373" r:id="rId85"/>
-    <p:sldId id="384" r:id="rId86"/>
-    <p:sldId id="383" r:id="rId87"/>
-    <p:sldId id="386" r:id="rId88"/>
-    <p:sldId id="388" r:id="rId89"/>
-    <p:sldId id="387" r:id="rId90"/>
-    <p:sldId id="389" r:id="rId91"/>
-    <p:sldId id="431" r:id="rId92"/>
-    <p:sldId id="424" r:id="rId93"/>
-    <p:sldId id="385" r:id="rId94"/>
-    <p:sldId id="425" r:id="rId95"/>
-    <p:sldId id="427" r:id="rId96"/>
-    <p:sldId id="428" r:id="rId97"/>
-    <p:sldId id="429" r:id="rId98"/>
-    <p:sldId id="430" r:id="rId99"/>
-    <p:sldId id="426" r:id="rId100"/>
-    <p:sldId id="432" r:id="rId101"/>
-    <p:sldId id="433" r:id="rId102"/>
-    <p:sldId id="434" r:id="rId103"/>
-    <p:sldId id="435" r:id="rId104"/>
-    <p:sldId id="436" r:id="rId105"/>
-    <p:sldId id="340" r:id="rId106"/>
+    <p:sldId id="372" r:id="rId62"/>
+    <p:sldId id="380" r:id="rId63"/>
+    <p:sldId id="379" r:id="rId64"/>
+    <p:sldId id="377" r:id="rId65"/>
+    <p:sldId id="378" r:id="rId66"/>
+    <p:sldId id="381" r:id="rId67"/>
+    <p:sldId id="360" r:id="rId68"/>
+    <p:sldId id="362" r:id="rId69"/>
+    <p:sldId id="361" r:id="rId70"/>
+    <p:sldId id="365" r:id="rId71"/>
+    <p:sldId id="366" r:id="rId72"/>
+    <p:sldId id="375" r:id="rId73"/>
+    <p:sldId id="367" r:id="rId74"/>
+    <p:sldId id="374" r:id="rId75"/>
+    <p:sldId id="423" r:id="rId76"/>
+    <p:sldId id="415" r:id="rId77"/>
+    <p:sldId id="368" r:id="rId78"/>
+    <p:sldId id="369" r:id="rId79"/>
+    <p:sldId id="370" r:id="rId80"/>
+    <p:sldId id="364" r:id="rId81"/>
+    <p:sldId id="371" r:id="rId82"/>
+    <p:sldId id="373" r:id="rId83"/>
+    <p:sldId id="384" r:id="rId84"/>
+    <p:sldId id="383" r:id="rId85"/>
+    <p:sldId id="386" r:id="rId86"/>
+    <p:sldId id="388" r:id="rId87"/>
+    <p:sldId id="387" r:id="rId88"/>
+    <p:sldId id="389" r:id="rId89"/>
+    <p:sldId id="431" r:id="rId90"/>
+    <p:sldId id="440" r:id="rId91"/>
+    <p:sldId id="385" r:id="rId92"/>
+    <p:sldId id="425" r:id="rId93"/>
+    <p:sldId id="427" r:id="rId94"/>
+    <p:sldId id="428" r:id="rId95"/>
+    <p:sldId id="429" r:id="rId96"/>
+    <p:sldId id="430" r:id="rId97"/>
+    <p:sldId id="441" r:id="rId98"/>
+    <p:sldId id="432" r:id="rId99"/>
+    <p:sldId id="433" r:id="rId100"/>
+    <p:sldId id="434" r:id="rId101"/>
+    <p:sldId id="435" r:id="rId102"/>
+    <p:sldId id="436" r:id="rId103"/>
+    <p:sldId id="340" r:id="rId104"/>
   </p:sldIdLst>
   <p:sldSz cx="12192000" cy="6858000"/>
   <p:notesSz cx="9309100" cy="7053263"/>
@@ -315,7 +313,6 @@
             <p14:sldId id="358"/>
             <p14:sldId id="359"/>
             <p14:sldId id="439"/>
-            <p14:sldId id="418"/>
           </p14:sldIdLst>
         </p14:section>
         <p14:section name="Module 4: Next-Level Search" id="{8898DCAF-DB7A-4916-AF94-66F401DCD592}">
@@ -335,7 +332,6 @@
             <p14:sldId id="367"/>
             <p14:sldId id="374"/>
             <p14:sldId id="423"/>
-            <p14:sldId id="440"/>
           </p14:sldIdLst>
         </p14:section>
         <p14:section name="Module 5: Analytics and Machine Learning" id="{27FDB366-F1DF-4EE7-BF00-C18552948619}">
@@ -354,7 +350,7 @@
             <p14:sldId id="387"/>
             <p14:sldId id="389"/>
             <p14:sldId id="431"/>
-            <p14:sldId id="424"/>
+            <p14:sldId id="440"/>
           </p14:sldIdLst>
         </p14:section>
         <p14:section name="Module 6: Optimizing Search" id="{FA72BA3C-7D11-4E9D-9A6B-139EAC8AE3A0}">
@@ -365,7 +361,7 @@
             <p14:sldId id="428"/>
             <p14:sldId id="429"/>
             <p14:sldId id="430"/>
-            <p14:sldId id="426"/>
+            <p14:sldId id="441"/>
           </p14:sldIdLst>
         </p14:section>
         <p14:section name="Appendix: Advanced Techniques" id="{860CF1E5-9751-4499-8A37-8347B142DB06}">
@@ -1717,7 +1713,7 @@
               <a:pPr>
                 <a:defRPr/>
               </a:pPr>
-              <a:t>87</a:t>
+              <a:t>85</a:t>
             </a:fld>
             <a:endParaRPr lang="en-US"/>
           </a:p>
@@ -4845,260 +4841,6 @@
             <a:spLocks noGrp="1"/>
           </p:cNvSpPr>
           <p:nvPr>
-            <p:ph type="title"/>
-          </p:nvPr>
-        </p:nvSpPr>
-        <p:spPr/>
-        <p:txBody>
-          <a:bodyPr/>
-          <a:lstStyle/>
-          <a:p>
-            <a:r>
-              <a:rPr lang="en-US" dirty="0"/>
-              <a:t>Remotely querying </a:t>
-            </a:r>
-            <a:r>
-              <a:rPr lang="en-US" dirty="0" err="1"/>
-              <a:t>Splunk’s</a:t>
-            </a:r>
-            <a:r>
-              <a:rPr lang="en-US"/>
-              <a:t> REST API</a:t>
-            </a:r>
-          </a:p>
-        </p:txBody>
-      </p:sp>
-      <p:sp>
-        <p:nvSpPr>
-          <p:cNvPr id="3" name="Text Placeholder 2"/>
-          <p:cNvSpPr>
-            <a:spLocks noGrp="1"/>
-          </p:cNvSpPr>
-          <p:nvPr>
-            <p:ph type="body" sz="quarter" idx="10"/>
-          </p:nvPr>
-        </p:nvSpPr>
-        <p:spPr/>
-        <p:txBody>
-          <a:bodyPr/>
-          <a:lstStyle/>
-          <a:p>
-            <a:r>
-              <a:rPr lang="en-US" dirty="0" smtClean="0"/>
-              <a:t>Standard RESTful endpoint</a:t>
-            </a:r>
-          </a:p>
-          <a:p>
-            <a:r>
-              <a:rPr lang="en-US" dirty="0" smtClean="0"/>
-              <a:t>Exposes a large amount of </a:t>
-            </a:r>
-            <a:r>
-              <a:rPr lang="en-US" dirty="0" err="1" smtClean="0"/>
-              <a:t>Splunk</a:t>
-            </a:r>
-            <a:r>
-              <a:rPr lang="en-US" dirty="0" smtClean="0"/>
-              <a:t> functionality</a:t>
-            </a:r>
-            <a:endParaRPr lang="en-US" dirty="0"/>
-          </a:p>
-        </p:txBody>
-      </p:sp>
-      <p:pic>
-        <p:nvPicPr>
-          <p:cNvPr id="4" name="Picture 3">
-            <a:hlinkClick r:id="rId2" action="ppaction://hlinkfile"/>
-            <a:extLst>
-              <a:ext uri="{FF2B5EF4-FFF2-40B4-BE49-F238E27FC236}">
-                <a16:creationId xmlns:a16="http://schemas.microsoft.com/office/drawing/2014/main" id="{F828083B-E8B3-4248-8611-B52D7EC66816}"/>
-              </a:ext>
-            </a:extLst>
-          </p:cNvPr>
-          <p:cNvPicPr>
-            <a:picLocks noChangeAspect="1"/>
-          </p:cNvPicPr>
-          <p:nvPr/>
-        </p:nvPicPr>
-        <p:blipFill>
-          <a:blip r:embed="rId3"/>
-          <a:stretch>
-            <a:fillRect/>
-          </a:stretch>
-        </p:blipFill>
-        <p:spPr>
-          <a:xfrm>
-            <a:off x="762000" y="4638557"/>
-            <a:ext cx="10698068" cy="847843"/>
-          </a:xfrm>
-          <a:prstGeom prst="rect">
-            <a:avLst/>
-          </a:prstGeom>
-        </p:spPr>
-      </p:pic>
-    </p:spTree>
-    <p:extLst>
-      <p:ext uri="{BB962C8B-B14F-4D97-AF65-F5344CB8AC3E}">
-        <p14:creationId xmlns:p14="http://schemas.microsoft.com/office/powerpoint/2010/main" val="2025764666"/>
-      </p:ext>
-    </p:extLst>
-  </p:cSld>
-  <p:clrMapOvr>
-    <a:masterClrMapping/>
-  </p:clrMapOvr>
-  <p:timing>
-    <p:tnLst>
-      <p:par>
-        <p:cTn id="1" dur="indefinite" restart="never" nodeType="tmRoot"/>
-      </p:par>
-    </p:tnLst>
-  </p:timing>
-</p:sld>
-</file>
-
-<file path=ppt/slides/slide101.xml><?xml version="1.0" encoding="utf-8"?>
-<p:sld xmlns:a="http://schemas.openxmlformats.org/drawingml/2006/main" xmlns:r="http://schemas.openxmlformats.org/officeDocument/2006/relationships" xmlns:p="http://schemas.openxmlformats.org/presentationml/2006/main">
-  <p:cSld>
-    <p:spTree>
-      <p:nvGrpSpPr>
-        <p:cNvPr id="1" name=""/>
-        <p:cNvGrpSpPr/>
-        <p:nvPr/>
-      </p:nvGrpSpPr>
-      <p:grpSpPr>
-        <a:xfrm>
-          <a:off x="0" y="0"/>
-          <a:ext cx="0" cy="0"/>
-          <a:chOff x="0" y="0"/>
-          <a:chExt cx="0" cy="0"/>
-        </a:xfrm>
-      </p:grpSpPr>
-      <p:sp>
-        <p:nvSpPr>
-          <p:cNvPr id="2" name="Title 1">
-            <a:extLst>
-              <a:ext uri="{FF2B5EF4-FFF2-40B4-BE49-F238E27FC236}">
-                <a16:creationId xmlns:a16="http://schemas.microsoft.com/office/drawing/2014/main" id="{8F6DC836-B50B-4D37-9245-B653C11EA01D}"/>
-              </a:ext>
-            </a:extLst>
-          </p:cNvPr>
-          <p:cNvSpPr>
-            <a:spLocks noGrp="1"/>
-          </p:cNvSpPr>
-          <p:nvPr>
-            <p:ph type="title"/>
-          </p:nvPr>
-        </p:nvSpPr>
-        <p:spPr/>
-        <p:txBody>
-          <a:bodyPr/>
-          <a:lstStyle/>
-          <a:p>
-            <a:r>
-              <a:rPr lang="en-US" dirty="0" smtClean="0"/>
-              <a:t>Supplementary </a:t>
-            </a:r>
-            <a:r>
-              <a:rPr lang="en-US" smtClean="0"/>
-              <a:t>Lab Exercises</a:t>
-            </a:r>
-            <a:endParaRPr lang="en-US"/>
-          </a:p>
-        </p:txBody>
-      </p:sp>
-      <p:sp>
-        <p:nvSpPr>
-          <p:cNvPr id="3" name="Text Placeholder 2">
-            <a:extLst>
-              <a:ext uri="{FF2B5EF4-FFF2-40B4-BE49-F238E27FC236}">
-                <a16:creationId xmlns:a16="http://schemas.microsoft.com/office/drawing/2014/main" id="{CD65E2F7-F9C9-43A6-8111-33A7D49FB867}"/>
-              </a:ext>
-            </a:extLst>
-          </p:cNvPr>
-          <p:cNvSpPr>
-            <a:spLocks noGrp="1"/>
-          </p:cNvSpPr>
-          <p:nvPr>
-            <p:ph type="body" sz="quarter" idx="10"/>
-          </p:nvPr>
-        </p:nvSpPr>
-        <p:spPr/>
-        <p:txBody>
-          <a:bodyPr/>
-          <a:lstStyle/>
-          <a:p>
-            <a:r>
-              <a:rPr lang="en-US" dirty="0" smtClean="0"/>
-              <a:t>Customizing the application navigation p. 598</a:t>
-            </a:r>
-          </a:p>
-          <a:p>
-            <a:r>
-              <a:rPr lang="en-US" dirty="0" smtClean="0"/>
-              <a:t>Adding a Sankey diagram p. 603</a:t>
-            </a:r>
-          </a:p>
-          <a:p>
-            <a:r>
-              <a:rPr lang="en-US" dirty="0" smtClean="0"/>
-              <a:t>Remotely querying </a:t>
-            </a:r>
-            <a:r>
-              <a:rPr lang="en-US" dirty="0" err="1" smtClean="0"/>
-              <a:t>Splunk’s</a:t>
-            </a:r>
-            <a:r>
-              <a:rPr lang="en-US" dirty="0" smtClean="0"/>
-              <a:t> REST API p. 627</a:t>
-            </a:r>
-            <a:endParaRPr lang="en-US" dirty="0"/>
-          </a:p>
-        </p:txBody>
-      </p:sp>
-    </p:spTree>
-    <p:extLst>
-      <p:ext uri="{BB962C8B-B14F-4D97-AF65-F5344CB8AC3E}">
-        <p14:creationId xmlns:p14="http://schemas.microsoft.com/office/powerpoint/2010/main" val="4017342681"/>
-      </p:ext>
-    </p:extLst>
-  </p:cSld>
-  <p:clrMapOvr>
-    <a:masterClrMapping/>
-  </p:clrMapOvr>
-  <p:timing>
-    <p:tnLst>
-      <p:par>
-        <p:cTn id="1" dur="indefinite" restart="never" nodeType="tmRoot"/>
-      </p:par>
-    </p:tnLst>
-  </p:timing>
-</p:sld>
-</file>
-
-<file path=ppt/slides/slide102.xml><?xml version="1.0" encoding="utf-8"?>
-<p:sld xmlns:a="http://schemas.openxmlformats.org/drawingml/2006/main" xmlns:r="http://schemas.openxmlformats.org/officeDocument/2006/relationships" xmlns:p="http://schemas.openxmlformats.org/presentationml/2006/main">
-  <p:cSld>
-    <p:spTree>
-      <p:nvGrpSpPr>
-        <p:cNvPr id="1" name=""/>
-        <p:cNvGrpSpPr/>
-        <p:nvPr/>
-      </p:nvGrpSpPr>
-      <p:grpSpPr>
-        <a:xfrm>
-          <a:off x="0" y="0"/>
-          <a:ext cx="0" cy="0"/>
-          <a:chOff x="0" y="0"/>
-          <a:chExt cx="0" cy="0"/>
-        </a:xfrm>
-      </p:grpSpPr>
-      <p:sp>
-        <p:nvSpPr>
-          <p:cNvPr id="2" name="Title 1"/>
-          <p:cNvSpPr>
-            <a:spLocks noGrp="1"/>
-          </p:cNvSpPr>
-          <p:nvPr>
             <p:ph type="ctrTitle"/>
           </p:nvPr>
         </p:nvSpPr>
@@ -12998,851 +12740,6 @@
             <p:ph type="title"/>
           </p:nvPr>
         </p:nvSpPr>
-        <p:spPr>
-          <a:xfrm>
-            <a:off x="1097280" y="286603"/>
-            <a:ext cx="10058400" cy="1084997"/>
-          </a:xfrm>
-        </p:spPr>
-        <p:txBody>
-          <a:bodyPr/>
-          <a:lstStyle/>
-          <a:p>
-            <a:r>
-              <a:rPr lang="en-US" dirty="0"/>
-              <a:t>Lab 3: Building an Operational Intelligence Application</a:t>
-            </a:r>
-          </a:p>
-        </p:txBody>
-      </p:sp>
-      <p:sp>
-        <p:nvSpPr>
-          <p:cNvPr id="3" name="Content Placeholder 2"/>
-          <p:cNvSpPr>
-            <a:spLocks noGrp="1"/>
-          </p:cNvSpPr>
-          <p:nvPr>
-            <p:ph idx="1"/>
-          </p:nvPr>
-        </p:nvSpPr>
-        <p:spPr/>
-        <p:txBody>
-          <a:bodyPr/>
-          <a:lstStyle/>
-          <a:p>
-            <a:r>
-              <a:rPr lang="en-US" sz="1800" dirty="0"/>
-              <a:t>Creating an Operational Intelligence application p 437</a:t>
-            </a:r>
-          </a:p>
-          <a:p>
-            <a:r>
-              <a:rPr lang="en-US" sz="1800" dirty="0"/>
-              <a:t>Adding dashboards and reports p 441</a:t>
-            </a:r>
-          </a:p>
-          <a:p>
-            <a:r>
-              <a:rPr lang="en-US" sz="1800" dirty="0"/>
-              <a:t>Organizing the dashboards more efficiently p 448</a:t>
-            </a:r>
-          </a:p>
-          <a:p>
-            <a:r>
-              <a:rPr lang="en-US" sz="1800" dirty="0"/>
-              <a:t>Dynamically drilling down on activity reports p 454</a:t>
-            </a:r>
-          </a:p>
-          <a:p>
-            <a:r>
-              <a:rPr lang="en-US" sz="1800" dirty="0"/>
-              <a:t>Creating a form to search web activities p 459</a:t>
-            </a:r>
-          </a:p>
-          <a:p>
-            <a:r>
-              <a:rPr lang="en-US" sz="1800" dirty="0"/>
-              <a:t>Linking web page activity reports to the form p 466</a:t>
-            </a:r>
-          </a:p>
-          <a:p>
-            <a:r>
-              <a:rPr lang="en-US" sz="1800" dirty="0"/>
-              <a:t>Displaying a geographical map of visitors p 471</a:t>
-            </a:r>
-          </a:p>
-          <a:p>
-            <a:r>
-              <a:rPr lang="en-US" sz="1800" dirty="0"/>
-              <a:t>Highlighting Average Product Price p 477</a:t>
-            </a:r>
-          </a:p>
-          <a:p>
-            <a:r>
-              <a:rPr lang="en-US" sz="1800" dirty="0"/>
-              <a:t>Scheduling the PDF delivery of a dashboard p 482</a:t>
-            </a:r>
-          </a:p>
-        </p:txBody>
-      </p:sp>
-      <p:sp>
-        <p:nvSpPr>
-          <p:cNvPr id="5" name="TextBox 4"/>
-          <p:cNvSpPr txBox="1"/>
-          <p:nvPr/>
-        </p:nvSpPr>
-        <p:spPr>
-          <a:xfrm>
-            <a:off x="1097280" y="1308100"/>
-            <a:ext cx="6096000" cy="381000"/>
-          </a:xfrm>
-          <a:prstGeom prst="rect">
-            <a:avLst/>
-          </a:prstGeom>
-          <a:noFill/>
-        </p:spPr>
-        <p:txBody>
-          <a:bodyPr wrap="square" rtlCol="0">
-            <a:spAutoFit/>
-          </a:bodyPr>
-          <a:lstStyle/>
-          <a:p>
-            <a:r>
-              <a:rPr lang="en-US" dirty="0"/>
-              <a:t>Duration: 75 minutes</a:t>
-            </a:r>
-          </a:p>
-        </p:txBody>
-      </p:sp>
-      <p:sp>
-        <p:nvSpPr>
-          <p:cNvPr id="6" name="Rectangle 5"/>
-          <p:cNvSpPr/>
-          <p:nvPr/>
-        </p:nvSpPr>
-        <p:spPr>
-          <a:xfrm>
-            <a:off x="8300258" y="2233943"/>
-            <a:ext cx="3200400" cy="2031325"/>
-          </a:xfrm>
-          <a:prstGeom prst="rect">
-            <a:avLst/>
-          </a:prstGeom>
-          <a:solidFill>
-            <a:schemeClr val="bg1"/>
-          </a:solidFill>
-          <a:ln>
-            <a:solidFill>
-              <a:schemeClr val="accent1"/>
-            </a:solidFill>
-          </a:ln>
-        </p:spPr>
-        <p:txBody>
-          <a:bodyPr wrap="square">
-            <a:spAutoFit/>
-          </a:bodyPr>
-          <a:lstStyle/>
-          <a:p>
-            <a:r>
-              <a:rPr lang="en-US" b="1" dirty="0">
-                <a:latin typeface="Calibri" panose="020F0502020204030204" pitchFamily="34" charset="0"/>
-              </a:rPr>
-              <a:t>NOTE:</a:t>
-            </a:r>
-            <a:r>
-              <a:rPr lang="en-US" dirty="0">
-                <a:latin typeface="Calibri" panose="020F0502020204030204" pitchFamily="34" charset="0"/>
-              </a:rPr>
-              <a:t> The lab instructions assume that the assets you will move into your application are located in the default </a:t>
-            </a:r>
-            <a:r>
-              <a:rPr lang="en-US" i="1" dirty="0">
-                <a:latin typeface="Calibri" panose="020F0502020204030204" pitchFamily="34" charset="0"/>
-              </a:rPr>
-              <a:t>Search</a:t>
-            </a:r>
-            <a:r>
-              <a:rPr lang="en-US" dirty="0">
-                <a:latin typeface="Calibri" panose="020F0502020204030204" pitchFamily="34" charset="0"/>
-              </a:rPr>
-              <a:t> app, but in our environment they are located in the </a:t>
-            </a:r>
-            <a:r>
-              <a:rPr lang="en-US" i="1" dirty="0">
-                <a:latin typeface="Calibri" panose="020F0502020204030204" pitchFamily="34" charset="0"/>
-              </a:rPr>
-              <a:t>ONLC Splunk Fundamentals 2</a:t>
-            </a:r>
-            <a:r>
-              <a:rPr lang="en-US" dirty="0">
-                <a:latin typeface="Calibri" panose="020F0502020204030204" pitchFamily="34" charset="0"/>
-              </a:rPr>
-              <a:t> app.</a:t>
-            </a:r>
-            <a:endParaRPr lang="en-US" dirty="0"/>
-          </a:p>
-        </p:txBody>
-      </p:sp>
-      <p:sp>
-        <p:nvSpPr>
-          <p:cNvPr id="11" name="Rectangle 5"/>
-          <p:cNvSpPr>
-            <a:spLocks noChangeArrowheads="1"/>
-          </p:cNvSpPr>
-          <p:nvPr/>
-        </p:nvSpPr>
-        <p:spPr bwMode="auto">
-          <a:xfrm>
-            <a:off x="0" y="0"/>
-            <a:ext cx="12192000" cy="6858000"/>
-          </a:xfrm>
-          <a:prstGeom prst="rect">
-            <a:avLst/>
-          </a:prstGeom>
-          <a:solidFill>
-            <a:srgbClr val="FFFFFF">
-              <a:alpha val="50195"/>
-            </a:srgbClr>
-          </a:solidFill>
-          <a:ln>
-            <a:noFill/>
-          </a:ln>
-          <a:effectLst>
-            <a:outerShdw dist="53882" dir="2700000" algn="ctr" rotWithShape="0">
-              <a:srgbClr val="919191">
-                <a:alpha val="50000"/>
-              </a:srgbClr>
-            </a:outerShdw>
-          </a:effectLst>
-          <a:extLst>
-            <a:ext uri="{91240B29-F687-4F45-9708-019B960494DF}">
-              <a14:hiddenLine xmlns:a14="http://schemas.microsoft.com/office/drawing/2010/main" w="9525" algn="ctr">
-                <a:solidFill>
-                  <a:srgbClr val="000000"/>
-                </a:solidFill>
-                <a:miter lim="800000"/>
-                <a:headEnd/>
-                <a:tailEnd/>
-              </a14:hiddenLine>
-            </a:ext>
-          </a:extLst>
-        </p:spPr>
-        <p:txBody>
-          <a:bodyPr wrap="none" anchor="ctr"/>
-          <a:lstStyle>
-            <a:lvl1pPr>
-              <a:defRPr b="1">
-                <a:solidFill>
-                  <a:schemeClr val="tx1"/>
-                </a:solidFill>
-                <a:latin typeface="Verdana" panose="020B0604030504040204" pitchFamily="34" charset="0"/>
-              </a:defRPr>
-            </a:lvl1pPr>
-            <a:lvl2pPr marL="742950" indent="-285750">
-              <a:defRPr b="1">
-                <a:solidFill>
-                  <a:schemeClr val="tx1"/>
-                </a:solidFill>
-                <a:latin typeface="Verdana" panose="020B0604030504040204" pitchFamily="34" charset="0"/>
-              </a:defRPr>
-            </a:lvl2pPr>
-            <a:lvl3pPr marL="1143000" indent="-228600">
-              <a:defRPr b="1">
-                <a:solidFill>
-                  <a:schemeClr val="tx1"/>
-                </a:solidFill>
-                <a:latin typeface="Verdana" panose="020B0604030504040204" pitchFamily="34" charset="0"/>
-              </a:defRPr>
-            </a:lvl3pPr>
-            <a:lvl4pPr marL="1600200" indent="-228600">
-              <a:defRPr b="1">
-                <a:solidFill>
-                  <a:schemeClr val="tx1"/>
-                </a:solidFill>
-                <a:latin typeface="Verdana" panose="020B0604030504040204" pitchFamily="34" charset="0"/>
-              </a:defRPr>
-            </a:lvl4pPr>
-            <a:lvl5pPr marL="2057400" indent="-228600">
-              <a:defRPr b="1">
-                <a:solidFill>
-                  <a:schemeClr val="tx1"/>
-                </a:solidFill>
-                <a:latin typeface="Verdana" panose="020B0604030504040204" pitchFamily="34" charset="0"/>
-              </a:defRPr>
-            </a:lvl5pPr>
-            <a:lvl6pPr marL="2514600" indent="-228600" eaLnBrk="0" fontAlgn="base" hangingPunct="0">
-              <a:spcBef>
-                <a:spcPct val="0"/>
-              </a:spcBef>
-              <a:spcAft>
-                <a:spcPct val="0"/>
-              </a:spcAft>
-              <a:defRPr b="1">
-                <a:solidFill>
-                  <a:schemeClr val="tx1"/>
-                </a:solidFill>
-                <a:latin typeface="Verdana" panose="020B0604030504040204" pitchFamily="34" charset="0"/>
-              </a:defRPr>
-            </a:lvl6pPr>
-            <a:lvl7pPr marL="2971800" indent="-228600" eaLnBrk="0" fontAlgn="base" hangingPunct="0">
-              <a:spcBef>
-                <a:spcPct val="0"/>
-              </a:spcBef>
-              <a:spcAft>
-                <a:spcPct val="0"/>
-              </a:spcAft>
-              <a:defRPr b="1">
-                <a:solidFill>
-                  <a:schemeClr val="tx1"/>
-                </a:solidFill>
-                <a:latin typeface="Verdana" panose="020B0604030504040204" pitchFamily="34" charset="0"/>
-              </a:defRPr>
-            </a:lvl7pPr>
-            <a:lvl8pPr marL="3429000" indent="-228600" eaLnBrk="0" fontAlgn="base" hangingPunct="0">
-              <a:spcBef>
-                <a:spcPct val="0"/>
-              </a:spcBef>
-              <a:spcAft>
-                <a:spcPct val="0"/>
-              </a:spcAft>
-              <a:defRPr b="1">
-                <a:solidFill>
-                  <a:schemeClr val="tx1"/>
-                </a:solidFill>
-                <a:latin typeface="Verdana" panose="020B0604030504040204" pitchFamily="34" charset="0"/>
-              </a:defRPr>
-            </a:lvl8pPr>
-            <a:lvl9pPr marL="3886200" indent="-228600" eaLnBrk="0" fontAlgn="base" hangingPunct="0">
-              <a:spcBef>
-                <a:spcPct val="0"/>
-              </a:spcBef>
-              <a:spcAft>
-                <a:spcPct val="0"/>
-              </a:spcAft>
-              <a:defRPr b="1">
-                <a:solidFill>
-                  <a:schemeClr val="tx1"/>
-                </a:solidFill>
-                <a:latin typeface="Verdana" panose="020B0604030504040204" pitchFamily="34" charset="0"/>
-              </a:defRPr>
-            </a:lvl9pPr>
-          </a:lstStyle>
-          <a:p>
-            <a:pPr algn="ctr"/>
-            <a:endParaRPr lang="en-US" altLang="en-US"/>
-          </a:p>
-        </p:txBody>
-      </p:sp>
-      <p:sp>
-        <p:nvSpPr>
-          <p:cNvPr id="12" name="Rectangle 6"/>
-          <p:cNvSpPr>
-            <a:spLocks noChangeArrowheads="1"/>
-          </p:cNvSpPr>
-          <p:nvPr/>
-        </p:nvSpPr>
-        <p:spPr bwMode="auto">
-          <a:xfrm>
-            <a:off x="492125" y="5038725"/>
-            <a:ext cx="4094163" cy="1589088"/>
-          </a:xfrm>
-          <a:prstGeom prst="rect">
-            <a:avLst/>
-          </a:prstGeom>
-          <a:solidFill>
-            <a:srgbClr val="FFFFFF"/>
-          </a:solidFill>
-          <a:ln w="9525" algn="ctr">
-            <a:solidFill>
-              <a:schemeClr val="bg2"/>
-            </a:solidFill>
-            <a:miter lim="800000"/>
-            <a:headEnd/>
-            <a:tailEnd/>
-          </a:ln>
-          <a:effectLst>
-            <a:outerShdw dist="53882" dir="2700000" algn="ctr" rotWithShape="0">
-              <a:srgbClr val="919191">
-                <a:alpha val="50000"/>
-              </a:srgbClr>
-            </a:outerShdw>
-          </a:effectLst>
-        </p:spPr>
-        <p:txBody>
-          <a:bodyPr anchor="ctr"/>
-          <a:lstStyle>
-            <a:lvl1pPr>
-              <a:defRPr b="1">
-                <a:solidFill>
-                  <a:schemeClr val="tx1"/>
-                </a:solidFill>
-                <a:latin typeface="Verdana" panose="020B0604030504040204" pitchFamily="34" charset="0"/>
-              </a:defRPr>
-            </a:lvl1pPr>
-            <a:lvl2pPr marL="742950" indent="-285750">
-              <a:defRPr b="1">
-                <a:solidFill>
-                  <a:schemeClr val="tx1"/>
-                </a:solidFill>
-                <a:latin typeface="Verdana" panose="020B0604030504040204" pitchFamily="34" charset="0"/>
-              </a:defRPr>
-            </a:lvl2pPr>
-            <a:lvl3pPr marL="1143000" indent="-228600">
-              <a:defRPr b="1">
-                <a:solidFill>
-                  <a:schemeClr val="tx1"/>
-                </a:solidFill>
-                <a:latin typeface="Verdana" panose="020B0604030504040204" pitchFamily="34" charset="0"/>
-              </a:defRPr>
-            </a:lvl3pPr>
-            <a:lvl4pPr marL="1600200" indent="-228600">
-              <a:defRPr b="1">
-                <a:solidFill>
-                  <a:schemeClr val="tx1"/>
-                </a:solidFill>
-                <a:latin typeface="Verdana" panose="020B0604030504040204" pitchFamily="34" charset="0"/>
-              </a:defRPr>
-            </a:lvl4pPr>
-            <a:lvl5pPr marL="2057400" indent="-228600">
-              <a:defRPr b="1">
-                <a:solidFill>
-                  <a:schemeClr val="tx1"/>
-                </a:solidFill>
-                <a:latin typeface="Verdana" panose="020B0604030504040204" pitchFamily="34" charset="0"/>
-              </a:defRPr>
-            </a:lvl5pPr>
-            <a:lvl6pPr marL="2514600" indent="-228600" eaLnBrk="0" fontAlgn="base" hangingPunct="0">
-              <a:spcBef>
-                <a:spcPct val="0"/>
-              </a:spcBef>
-              <a:spcAft>
-                <a:spcPct val="0"/>
-              </a:spcAft>
-              <a:defRPr b="1">
-                <a:solidFill>
-                  <a:schemeClr val="tx1"/>
-                </a:solidFill>
-                <a:latin typeface="Verdana" panose="020B0604030504040204" pitchFamily="34" charset="0"/>
-              </a:defRPr>
-            </a:lvl6pPr>
-            <a:lvl7pPr marL="2971800" indent="-228600" eaLnBrk="0" fontAlgn="base" hangingPunct="0">
-              <a:spcBef>
-                <a:spcPct val="0"/>
-              </a:spcBef>
-              <a:spcAft>
-                <a:spcPct val="0"/>
-              </a:spcAft>
-              <a:defRPr b="1">
-                <a:solidFill>
-                  <a:schemeClr val="tx1"/>
-                </a:solidFill>
-                <a:latin typeface="Verdana" panose="020B0604030504040204" pitchFamily="34" charset="0"/>
-              </a:defRPr>
-            </a:lvl7pPr>
-            <a:lvl8pPr marL="3429000" indent="-228600" eaLnBrk="0" fontAlgn="base" hangingPunct="0">
-              <a:spcBef>
-                <a:spcPct val="0"/>
-              </a:spcBef>
-              <a:spcAft>
-                <a:spcPct val="0"/>
-              </a:spcAft>
-              <a:defRPr b="1">
-                <a:solidFill>
-                  <a:schemeClr val="tx1"/>
-                </a:solidFill>
-                <a:latin typeface="Verdana" panose="020B0604030504040204" pitchFamily="34" charset="0"/>
-              </a:defRPr>
-            </a:lvl8pPr>
-            <a:lvl9pPr marL="3886200" indent="-228600" eaLnBrk="0" fontAlgn="base" hangingPunct="0">
-              <a:spcBef>
-                <a:spcPct val="0"/>
-              </a:spcBef>
-              <a:spcAft>
-                <a:spcPct val="0"/>
-              </a:spcAft>
-              <a:defRPr b="1">
-                <a:solidFill>
-                  <a:schemeClr val="tx1"/>
-                </a:solidFill>
-                <a:latin typeface="Verdana" panose="020B0604030504040204" pitchFamily="34" charset="0"/>
-              </a:defRPr>
-            </a:lvl9pPr>
-          </a:lstStyle>
-          <a:p>
-            <a:pPr algn="ctr"/>
-            <a:r>
-              <a:rPr lang="en-US" altLang="en-US">
-                <a:solidFill>
-                  <a:srgbClr val="000000"/>
-                </a:solidFill>
-              </a:rPr>
-              <a:t>Questions? Comments?</a:t>
-            </a:r>
-          </a:p>
-          <a:p>
-            <a:pPr algn="ctr"/>
-            <a:r>
-              <a:rPr lang="en-US" altLang="en-US">
-                <a:solidFill>
-                  <a:srgbClr val="000000"/>
-                </a:solidFill>
-              </a:rPr>
-              <a:t>Dan’s e-mail: </a:t>
-            </a:r>
-            <a:r>
-              <a:rPr lang="en-US" altLang="en-US">
-                <a:solidFill>
-                  <a:srgbClr val="000000"/>
-                </a:solidFill>
-                <a:hlinkClick r:id="rId2"/>
-              </a:rPr>
-              <a:t>danc@onlc.com</a:t>
-            </a:r>
-            <a:endParaRPr lang="en-US" altLang="en-US">
-              <a:solidFill>
-                <a:srgbClr val="000000"/>
-              </a:solidFill>
-            </a:endParaRPr>
-          </a:p>
-          <a:p>
-            <a:pPr algn="ctr"/>
-            <a:r>
-              <a:rPr lang="en-US" altLang="en-US">
-                <a:solidFill>
-                  <a:srgbClr val="000000"/>
-                </a:solidFill>
-              </a:rPr>
-              <a:t>Dan’s cell #: (413) 455-0856</a:t>
-            </a:r>
-          </a:p>
-        </p:txBody>
-      </p:sp>
-      <p:sp>
-        <p:nvSpPr>
-          <p:cNvPr id="18" name="WordArt 4"/>
-          <p:cNvSpPr>
-            <a:spLocks noChangeArrowheads="1" noChangeShapeType="1" noTextEdit="1"/>
-          </p:cNvSpPr>
-          <p:nvPr/>
-        </p:nvSpPr>
-        <p:spPr bwMode="auto">
-          <a:xfrm>
-            <a:off x="1098550" y="909638"/>
-            <a:ext cx="2881313" cy="2905125"/>
-          </a:xfrm>
-          <a:prstGeom prst="rect">
-            <a:avLst/>
-          </a:prstGeom>
-        </p:spPr>
-        <p:txBody>
-          <a:bodyPr wrap="none" fromWordArt="1">
-            <a:prstTxWarp prst="textSlantUp">
-              <a:avLst>
-                <a:gd name="adj" fmla="val 9014"/>
-              </a:avLst>
-            </a:prstTxWarp>
-          </a:bodyPr>
-          <a:lstStyle/>
-          <a:p>
-            <a:pPr algn="ctr"/>
-            <a:r>
-              <a:rPr lang="en-US" sz="3600" kern="10" dirty="0">
-                <a:ln w="9525">
-                  <a:solidFill>
-                    <a:srgbClr val="CC99FF"/>
-                  </a:solidFill>
-                  <a:round/>
-                  <a:headEnd/>
-                  <a:tailEnd/>
-                </a:ln>
-                <a:gradFill rotWithShape="1">
-                  <a:gsLst>
-                    <a:gs pos="0">
-                      <a:srgbClr val="6600CC"/>
-                    </a:gs>
-                    <a:gs pos="100000">
-                      <a:srgbClr val="CC00CC"/>
-                    </a:gs>
-                  </a:gsLst>
-                  <a:lin ang="5400000" scaled="1"/>
-                </a:gradFill>
-                <a:effectLst>
-                  <a:outerShdw dist="53882" dir="2700000" algn="ctr" rotWithShape="0">
-                    <a:srgbClr val="9999FF">
-                      <a:alpha val="79999"/>
-                    </a:srgbClr>
-                  </a:outerShdw>
-                </a:effectLst>
-                <a:latin typeface="Impact" panose="020B0806030902050204" pitchFamily="34" charset="0"/>
-              </a:rPr>
-              <a:t>Lab:</a:t>
-            </a:r>
-          </a:p>
-          <a:p>
-            <a:pPr algn="ctr"/>
-            <a:r>
-              <a:rPr lang="en-US" sz="3600" kern="10" smtClean="0">
-                <a:ln w="9525">
-                  <a:solidFill>
-                    <a:srgbClr val="CC99FF"/>
-                  </a:solidFill>
-                  <a:round/>
-                  <a:headEnd/>
-                  <a:tailEnd/>
-                </a:ln>
-                <a:gradFill rotWithShape="1">
-                  <a:gsLst>
-                    <a:gs pos="0">
-                      <a:srgbClr val="6600CC"/>
-                    </a:gs>
-                    <a:gs pos="100000">
-                      <a:srgbClr val="CC00CC"/>
-                    </a:gs>
-                  </a:gsLst>
-                  <a:lin ang="5400000" scaled="1"/>
-                </a:gradFill>
-                <a:effectLst>
-                  <a:outerShdw dist="53882" dir="2700000" algn="ctr" rotWithShape="0">
-                    <a:srgbClr val="9999FF">
-                      <a:alpha val="79999"/>
-                    </a:srgbClr>
-                  </a:outerShdw>
-                </a:effectLst>
-                <a:latin typeface="Impact" panose="020B0806030902050204" pitchFamily="34" charset="0"/>
-              </a:rPr>
-              <a:t>15:10-Done</a:t>
-            </a:r>
-            <a:endParaRPr lang="en-US" sz="3600" kern="10">
-              <a:ln w="9525">
-                <a:solidFill>
-                  <a:srgbClr val="CC99FF"/>
-                </a:solidFill>
-                <a:round/>
-                <a:headEnd/>
-                <a:tailEnd/>
-              </a:ln>
-              <a:gradFill rotWithShape="1">
-                <a:gsLst>
-                  <a:gs pos="0">
-                    <a:srgbClr val="6600CC"/>
-                  </a:gs>
-                  <a:gs pos="100000">
-                    <a:srgbClr val="CC00CC"/>
-                  </a:gs>
-                </a:gsLst>
-                <a:lin ang="5400000" scaled="1"/>
-              </a:gradFill>
-              <a:effectLst>
-                <a:outerShdw dist="53882" dir="2700000" algn="ctr" rotWithShape="0">
-                  <a:srgbClr val="9999FF">
-                    <a:alpha val="79999"/>
-                  </a:srgbClr>
-                </a:outerShdw>
-              </a:effectLst>
-              <a:latin typeface="Impact" panose="020B0806030902050204" pitchFamily="34" charset="0"/>
-            </a:endParaRPr>
-          </a:p>
-        </p:txBody>
-      </p:sp>
-      <p:pic>
-        <p:nvPicPr>
-          <p:cNvPr id="19" name="Picture 6" descr="j0305257"/>
-          <p:cNvPicPr>
-            <a:picLocks noChangeAspect="1" noChangeArrowheads="1"/>
-          </p:cNvPicPr>
-          <p:nvPr/>
-        </p:nvPicPr>
-        <p:blipFill>
-          <a:blip r:embed="rId3">
-            <a:extLst>
-              <a:ext uri="{28A0092B-C50C-407E-A947-70E740481C1C}">
-                <a14:useLocalDpi xmlns:a14="http://schemas.microsoft.com/office/drawing/2010/main" val="0"/>
-              </a:ext>
-            </a:extLst>
-          </a:blip>
-          <a:srcRect/>
-          <a:stretch>
-            <a:fillRect/>
-          </a:stretch>
-        </p:blipFill>
-        <p:spPr bwMode="auto">
-          <a:xfrm>
-            <a:off x="9188450" y="554038"/>
-            <a:ext cx="1874838" cy="3013075"/>
-          </a:xfrm>
-          <a:prstGeom prst="rect">
-            <a:avLst/>
-          </a:prstGeom>
-          <a:noFill/>
-          <a:ln>
-            <a:noFill/>
-          </a:ln>
-          <a:extLst>
-            <a:ext uri="{909E8E84-426E-40DD-AFC4-6F175D3DCCD1}">
-              <a14:hiddenFill xmlns:a14="http://schemas.microsoft.com/office/drawing/2010/main">
-                <a:solidFill>
-                  <a:srgbClr val="FFFFFF"/>
-                </a:solidFill>
-              </a14:hiddenFill>
-            </a:ext>
-            <a:ext uri="{91240B29-F687-4F45-9708-019B960494DF}">
-              <a14:hiddenLine xmlns:a14="http://schemas.microsoft.com/office/drawing/2010/main" w="9525">
-                <a:solidFill>
-                  <a:srgbClr val="000000"/>
-                </a:solidFill>
-                <a:miter lim="800000"/>
-                <a:headEnd/>
-                <a:tailEnd/>
-              </a14:hiddenLine>
-            </a:ext>
-          </a:extLst>
-        </p:spPr>
-      </p:pic>
-      <p:sp>
-        <p:nvSpPr>
-          <p:cNvPr id="20" name="WordArt 7"/>
-          <p:cNvSpPr>
-            <a:spLocks noChangeArrowheads="1" noChangeShapeType="1" noTextEdit="1"/>
-          </p:cNvSpPr>
-          <p:nvPr/>
-        </p:nvSpPr>
-        <p:spPr bwMode="auto">
-          <a:xfrm>
-            <a:off x="9559925" y="4143375"/>
-            <a:ext cx="2063750" cy="2360613"/>
-          </a:xfrm>
-          <a:prstGeom prst="rect">
-            <a:avLst/>
-          </a:prstGeom>
-        </p:spPr>
-        <p:txBody>
-          <a:bodyPr wrap="none" fromWordArt="1">
-            <a:prstTxWarp prst="textSlantUp">
-              <a:avLst>
-                <a:gd name="adj" fmla="val 9014"/>
-              </a:avLst>
-            </a:prstTxWarp>
-          </a:bodyPr>
-          <a:lstStyle/>
-          <a:p>
-            <a:pPr algn="ctr"/>
-            <a:r>
-              <a:rPr lang="en-US" sz="3600" kern="10">
-                <a:ln w="9525">
-                  <a:solidFill>
-                    <a:srgbClr val="CC99FF"/>
-                  </a:solidFill>
-                  <a:round/>
-                  <a:headEnd/>
-                  <a:tailEnd/>
-                </a:ln>
-                <a:gradFill rotWithShape="1">
-                  <a:gsLst>
-                    <a:gs pos="0">
-                      <a:srgbClr val="6600CC"/>
-                    </a:gs>
-                    <a:gs pos="100000">
-                      <a:srgbClr val="FF0000"/>
-                    </a:gs>
-                  </a:gsLst>
-                  <a:lin ang="5400000" scaled="1"/>
-                </a:gradFill>
-                <a:effectLst>
-                  <a:outerShdw dist="53882" dir="2700000" algn="ctr" rotWithShape="0">
-                    <a:srgbClr val="9999FF">
-                      <a:alpha val="79999"/>
-                    </a:srgbClr>
-                  </a:outerShdw>
-                </a:effectLst>
-                <a:latin typeface="Impact" panose="020B0806030902050204" pitchFamily="34" charset="0"/>
-              </a:rPr>
-              <a:t>Have a</a:t>
-            </a:r>
-          </a:p>
-          <a:p>
-            <a:pPr algn="ctr"/>
-            <a:r>
-              <a:rPr lang="en-US" sz="3600" kern="10">
-                <a:ln w="9525">
-                  <a:solidFill>
-                    <a:srgbClr val="CC99FF"/>
-                  </a:solidFill>
-                  <a:round/>
-                  <a:headEnd/>
-                  <a:tailEnd/>
-                </a:ln>
-                <a:gradFill rotWithShape="1">
-                  <a:gsLst>
-                    <a:gs pos="0">
-                      <a:srgbClr val="6600CC"/>
-                    </a:gs>
-                    <a:gs pos="100000">
-                      <a:srgbClr val="FF0000"/>
-                    </a:gs>
-                  </a:gsLst>
-                  <a:lin ang="5400000" scaled="1"/>
-                </a:gradFill>
-                <a:effectLst>
-                  <a:outerShdw dist="53882" dir="2700000" algn="ctr" rotWithShape="0">
-                    <a:srgbClr val="9999FF">
-                      <a:alpha val="79999"/>
-                    </a:srgbClr>
-                  </a:outerShdw>
-                </a:effectLst>
-                <a:latin typeface="Impact" panose="020B0806030902050204" pitchFamily="34" charset="0"/>
-              </a:rPr>
-              <a:t>great night!</a:t>
-            </a:r>
-          </a:p>
-        </p:txBody>
-      </p:sp>
-    </p:spTree>
-    <p:extLst>
-      <p:ext uri="{BB962C8B-B14F-4D97-AF65-F5344CB8AC3E}">
-        <p14:creationId xmlns:p14="http://schemas.microsoft.com/office/powerpoint/2010/main" val="903356305"/>
-      </p:ext>
-    </p:extLst>
-  </p:cSld>
-  <p:clrMapOvr>
-    <a:masterClrMapping/>
-  </p:clrMapOvr>
-  <p:timing>
-    <p:tnLst>
-      <p:par>
-        <p:cTn id="1" dur="indefinite" restart="never" nodeType="tmRoot"/>
-      </p:par>
-    </p:tnLst>
-  </p:timing>
-</p:sld>
-</file>
-
-<file path=ppt/slides/slide59.xml><?xml version="1.0" encoding="utf-8"?>
-<p:sld xmlns:a="http://schemas.openxmlformats.org/drawingml/2006/main" xmlns:r="http://schemas.openxmlformats.org/officeDocument/2006/relationships" xmlns:p="http://schemas.openxmlformats.org/presentationml/2006/main">
-  <p:cSld>
-    <p:spTree>
-      <p:nvGrpSpPr>
-        <p:cNvPr id="1" name=""/>
-        <p:cNvGrpSpPr/>
-        <p:nvPr/>
-      </p:nvGrpSpPr>
-      <p:grpSpPr>
-        <a:xfrm>
-          <a:off x="0" y="0"/>
-          <a:ext cx="0" cy="0"/>
-          <a:chOff x="0" y="0"/>
-          <a:chExt cx="0" cy="0"/>
-        </a:xfrm>
-      </p:grpSpPr>
-      <p:sp>
-        <p:nvSpPr>
-          <p:cNvPr id="2" name="Title 1"/>
-          <p:cNvSpPr>
-            <a:spLocks noGrp="1"/>
-          </p:cNvSpPr>
-          <p:nvPr>
-            <p:ph type="title"/>
-          </p:nvPr>
-        </p:nvSpPr>
         <p:spPr/>
         <p:txBody>
           <a:bodyPr/>
@@ -13875,192 +12772,7 @@
 </p:sld>
 </file>
 
-<file path=ppt/slides/slide6.xml><?xml version="1.0" encoding="utf-8"?>
-<p:sld xmlns:a="http://schemas.openxmlformats.org/drawingml/2006/main" xmlns:r="http://schemas.openxmlformats.org/officeDocument/2006/relationships" xmlns:p="http://schemas.openxmlformats.org/presentationml/2006/main">
-  <p:cSld>
-    <p:spTree>
-      <p:nvGrpSpPr>
-        <p:cNvPr id="1" name=""/>
-        <p:cNvGrpSpPr/>
-        <p:nvPr/>
-      </p:nvGrpSpPr>
-      <p:grpSpPr>
-        <a:xfrm>
-          <a:off x="0" y="0"/>
-          <a:ext cx="0" cy="0"/>
-          <a:chOff x="0" y="0"/>
-          <a:chExt cx="0" cy="0"/>
-        </a:xfrm>
-      </p:grpSpPr>
-      <p:sp>
-        <p:nvSpPr>
-          <p:cNvPr id="2" name="Title 1"/>
-          <p:cNvSpPr>
-            <a:spLocks noGrp="1"/>
-          </p:cNvSpPr>
-          <p:nvPr>
-            <p:ph type="title"/>
-          </p:nvPr>
-        </p:nvSpPr>
-        <p:spPr/>
-        <p:txBody>
-          <a:bodyPr/>
-          <a:lstStyle/>
-          <a:p>
-            <a:r>
-              <a:rPr lang="en-US" dirty="0"/>
-              <a:t>Classroom Setup</a:t>
-            </a:r>
-          </a:p>
-        </p:txBody>
-      </p:sp>
-      <p:sp>
-        <p:nvSpPr>
-          <p:cNvPr id="3" name="Slide Number Placeholder 2"/>
-          <p:cNvSpPr>
-            <a:spLocks noGrp="1"/>
-          </p:cNvSpPr>
-          <p:nvPr>
-            <p:ph type="sldNum" sz="quarter" idx="12"/>
-          </p:nvPr>
-        </p:nvSpPr>
-        <p:spPr/>
-        <p:txBody>
-          <a:bodyPr/>
-          <a:lstStyle/>
-          <a:p>
-            <a:fld id="{D814DA60-3BEE-4BCE-BEDB-E433FD970963}" type="slidenum">
-              <a:rPr lang="en-US" smtClean="0"/>
-              <a:pPr/>
-              <a:t>6</a:t>
-            </a:fld>
-            <a:endParaRPr lang="en-US" dirty="0"/>
-          </a:p>
-        </p:txBody>
-      </p:sp>
-      <p:sp>
-        <p:nvSpPr>
-          <p:cNvPr id="4" name="Text Placeholder 3"/>
-          <p:cNvSpPr>
-            <a:spLocks noGrp="1"/>
-          </p:cNvSpPr>
-          <p:nvPr>
-            <p:ph type="body" sz="quarter" idx="13"/>
-          </p:nvPr>
-        </p:nvSpPr>
-        <p:spPr/>
-        <p:txBody>
-          <a:bodyPr/>
-          <a:lstStyle/>
-          <a:p>
-            <a:r>
-              <a:rPr lang="en-US" dirty="0"/>
-              <a:t>Windows 10</a:t>
-            </a:r>
-          </a:p>
-          <a:p>
-            <a:pPr lvl="1"/>
-            <a:r>
-              <a:rPr lang="en-US" dirty="0"/>
-              <a:t>Machine username: </a:t>
-            </a:r>
-            <a:r>
-              <a:rPr lang="en-US" dirty="0">
-                <a:latin typeface="Courier"/>
-              </a:rPr>
-              <a:t>student</a:t>
-            </a:r>
-          </a:p>
-          <a:p>
-            <a:pPr lvl="1"/>
-            <a:r>
-              <a:rPr lang="en-US" dirty="0"/>
-              <a:t>Machine password: </a:t>
-            </a:r>
-            <a:r>
-              <a:rPr lang="en-US" dirty="0">
-                <a:latin typeface="Courier"/>
-              </a:rPr>
-              <a:t>Pa55w.rd</a:t>
-            </a:r>
-          </a:p>
-          <a:p>
-            <a:pPr lvl="1"/>
-            <a:r>
-              <a:rPr lang="en-US" dirty="0"/>
-              <a:t>Splunk 8.01, Python 2 (for compatibility w/book files)</a:t>
-            </a:r>
-          </a:p>
-          <a:p>
-            <a:pPr lvl="2"/>
-            <a:r>
-              <a:rPr lang="en-US" dirty="0"/>
-              <a:t>Splunk username: </a:t>
-            </a:r>
-            <a:r>
-              <a:rPr lang="en-US" dirty="0">
-                <a:latin typeface="Courier"/>
-              </a:rPr>
-              <a:t>admin</a:t>
-            </a:r>
-          </a:p>
-          <a:p>
-            <a:pPr lvl="2"/>
-            <a:r>
-              <a:rPr lang="en-US" dirty="0"/>
-              <a:t>Splunk password: </a:t>
-            </a:r>
-            <a:r>
-              <a:rPr lang="en-US" dirty="0">
-                <a:latin typeface="Courier"/>
-              </a:rPr>
-              <a:t>password</a:t>
-            </a:r>
-            <a:endParaRPr lang="en-US" dirty="0"/>
-          </a:p>
-          <a:p>
-            <a:r>
-              <a:rPr lang="en-US" dirty="0"/>
-              <a:t>Course Files:</a:t>
-            </a:r>
-          </a:p>
-          <a:p>
-            <a:pPr lvl="1"/>
-            <a:r>
-              <a:rPr lang="en-US" dirty="0"/>
-              <a:t>C:\Improving-your-Splunk-skills-master</a:t>
-            </a:r>
-          </a:p>
-          <a:p>
-            <a:pPr lvl="1"/>
-            <a:r>
-              <a:rPr lang="en-US" dirty="0"/>
-              <a:t>C:\XSPLK2ClassFiles</a:t>
-            </a:r>
-          </a:p>
-        </p:txBody>
-      </p:sp>
-    </p:spTree>
-    <p:extLst>
-      <p:ext uri="{BB962C8B-B14F-4D97-AF65-F5344CB8AC3E}">
-        <p14:creationId xmlns:p14="http://schemas.microsoft.com/office/powerpoint/2010/main" val="2470414402"/>
-      </p:ext>
-    </p:extLst>
-  </p:cSld>
-  <p:clrMapOvr>
-    <a:masterClrMapping/>
-  </p:clrMapOvr>
-  <p:timing>
-    <p:tnLst>
-      <p:par>
-        <p:cTn id="1" dur="indefinite" restart="never" nodeType="tmRoot"/>
-      </p:par>
-    </p:tnLst>
-  </p:timing>
-</p:sld>
-</file>
-
-<file path=ppt/slides/slide60.xml><?xml version="1.0" encoding="utf-8"?>
+<file path=ppt/slides/slide59.xml><?xml version="1.0" encoding="utf-8"?>
 <p:sld xmlns:a="http://schemas.openxmlformats.org/drawingml/2006/main" xmlns:r="http://schemas.openxmlformats.org/officeDocument/2006/relationships" xmlns:p="http://schemas.openxmlformats.org/presentationml/2006/main">
   <p:cSld>
     <p:spTree>
@@ -14202,7 +12914,192 @@
 </p:sld>
 </file>
 
-<file path=ppt/slides/slide61.xml><?xml version="1.0" encoding="utf-8"?>
+<file path=ppt/slides/slide6.xml><?xml version="1.0" encoding="utf-8"?>
+<p:sld xmlns:a="http://schemas.openxmlformats.org/drawingml/2006/main" xmlns:r="http://schemas.openxmlformats.org/officeDocument/2006/relationships" xmlns:p="http://schemas.openxmlformats.org/presentationml/2006/main">
+  <p:cSld>
+    <p:spTree>
+      <p:nvGrpSpPr>
+        <p:cNvPr id="1" name=""/>
+        <p:cNvGrpSpPr/>
+        <p:nvPr/>
+      </p:nvGrpSpPr>
+      <p:grpSpPr>
+        <a:xfrm>
+          <a:off x="0" y="0"/>
+          <a:ext cx="0" cy="0"/>
+          <a:chOff x="0" y="0"/>
+          <a:chExt cx="0" cy="0"/>
+        </a:xfrm>
+      </p:grpSpPr>
+      <p:sp>
+        <p:nvSpPr>
+          <p:cNvPr id="2" name="Title 1"/>
+          <p:cNvSpPr>
+            <a:spLocks noGrp="1"/>
+          </p:cNvSpPr>
+          <p:nvPr>
+            <p:ph type="title"/>
+          </p:nvPr>
+        </p:nvSpPr>
+        <p:spPr/>
+        <p:txBody>
+          <a:bodyPr/>
+          <a:lstStyle/>
+          <a:p>
+            <a:r>
+              <a:rPr lang="en-US" dirty="0"/>
+              <a:t>Classroom Setup</a:t>
+            </a:r>
+          </a:p>
+        </p:txBody>
+      </p:sp>
+      <p:sp>
+        <p:nvSpPr>
+          <p:cNvPr id="3" name="Slide Number Placeholder 2"/>
+          <p:cNvSpPr>
+            <a:spLocks noGrp="1"/>
+          </p:cNvSpPr>
+          <p:nvPr>
+            <p:ph type="sldNum" sz="quarter" idx="12"/>
+          </p:nvPr>
+        </p:nvSpPr>
+        <p:spPr/>
+        <p:txBody>
+          <a:bodyPr/>
+          <a:lstStyle/>
+          <a:p>
+            <a:fld id="{D814DA60-3BEE-4BCE-BEDB-E433FD970963}" type="slidenum">
+              <a:rPr lang="en-US" smtClean="0"/>
+              <a:pPr/>
+              <a:t>6</a:t>
+            </a:fld>
+            <a:endParaRPr lang="en-US" dirty="0"/>
+          </a:p>
+        </p:txBody>
+      </p:sp>
+      <p:sp>
+        <p:nvSpPr>
+          <p:cNvPr id="4" name="Text Placeholder 3"/>
+          <p:cNvSpPr>
+            <a:spLocks noGrp="1"/>
+          </p:cNvSpPr>
+          <p:nvPr>
+            <p:ph type="body" sz="quarter" idx="13"/>
+          </p:nvPr>
+        </p:nvSpPr>
+        <p:spPr/>
+        <p:txBody>
+          <a:bodyPr/>
+          <a:lstStyle/>
+          <a:p>
+            <a:r>
+              <a:rPr lang="en-US" dirty="0"/>
+              <a:t>Windows 10</a:t>
+            </a:r>
+          </a:p>
+          <a:p>
+            <a:pPr lvl="1"/>
+            <a:r>
+              <a:rPr lang="en-US" dirty="0"/>
+              <a:t>Machine username: </a:t>
+            </a:r>
+            <a:r>
+              <a:rPr lang="en-US" dirty="0">
+                <a:latin typeface="Courier"/>
+              </a:rPr>
+              <a:t>student</a:t>
+            </a:r>
+          </a:p>
+          <a:p>
+            <a:pPr lvl="1"/>
+            <a:r>
+              <a:rPr lang="en-US" dirty="0"/>
+              <a:t>Machine password: </a:t>
+            </a:r>
+            <a:r>
+              <a:rPr lang="en-US" dirty="0">
+                <a:latin typeface="Courier"/>
+              </a:rPr>
+              <a:t>Pa55w.rd</a:t>
+            </a:r>
+          </a:p>
+          <a:p>
+            <a:pPr lvl="1"/>
+            <a:r>
+              <a:rPr lang="en-US" dirty="0"/>
+              <a:t>Splunk 8.01, Python 2 (for compatibility w/book files)</a:t>
+            </a:r>
+          </a:p>
+          <a:p>
+            <a:pPr lvl="2"/>
+            <a:r>
+              <a:rPr lang="en-US" dirty="0"/>
+              <a:t>Splunk username: </a:t>
+            </a:r>
+            <a:r>
+              <a:rPr lang="en-US" dirty="0">
+                <a:latin typeface="Courier"/>
+              </a:rPr>
+              <a:t>admin</a:t>
+            </a:r>
+          </a:p>
+          <a:p>
+            <a:pPr lvl="2"/>
+            <a:r>
+              <a:rPr lang="en-US" dirty="0"/>
+              <a:t>Splunk password: </a:t>
+            </a:r>
+            <a:r>
+              <a:rPr lang="en-US" dirty="0">
+                <a:latin typeface="Courier"/>
+              </a:rPr>
+              <a:t>password</a:t>
+            </a:r>
+            <a:endParaRPr lang="en-US" dirty="0"/>
+          </a:p>
+          <a:p>
+            <a:r>
+              <a:rPr lang="en-US" dirty="0"/>
+              <a:t>Course Files:</a:t>
+            </a:r>
+          </a:p>
+          <a:p>
+            <a:pPr lvl="1"/>
+            <a:r>
+              <a:rPr lang="en-US" dirty="0"/>
+              <a:t>C:\Improving-your-Splunk-skills-master</a:t>
+            </a:r>
+          </a:p>
+          <a:p>
+            <a:pPr lvl="1"/>
+            <a:r>
+              <a:rPr lang="en-US" dirty="0"/>
+              <a:t>C:\XSPLK2ClassFiles</a:t>
+            </a:r>
+          </a:p>
+        </p:txBody>
+      </p:sp>
+    </p:spTree>
+    <p:extLst>
+      <p:ext uri="{BB962C8B-B14F-4D97-AF65-F5344CB8AC3E}">
+        <p14:creationId xmlns:p14="http://schemas.microsoft.com/office/powerpoint/2010/main" val="2470414402"/>
+      </p:ext>
+    </p:extLst>
+  </p:cSld>
+  <p:clrMapOvr>
+    <a:masterClrMapping/>
+  </p:clrMapOvr>
+  <p:timing>
+    <p:tnLst>
+      <p:par>
+        <p:cTn id="1" dur="indefinite" restart="never" nodeType="tmRoot"/>
+      </p:par>
+    </p:tnLst>
+  </p:timing>
+</p:sld>
+</file>
+
+<file path=ppt/slides/slide60.xml><?xml version="1.0" encoding="utf-8"?>
 <p:sld xmlns:a="http://schemas.openxmlformats.org/drawingml/2006/main" xmlns:r="http://schemas.openxmlformats.org/officeDocument/2006/relationships" xmlns:p="http://schemas.openxmlformats.org/presentationml/2006/main">
   <p:cSld>
     <p:spTree>
@@ -14335,7 +13232,7 @@
 </p:sld>
 </file>
 
-<file path=ppt/slides/slide62.xml><?xml version="1.0" encoding="utf-8"?>
+<file path=ppt/slides/slide61.xml><?xml version="1.0" encoding="utf-8"?>
 <p:sld xmlns:a="http://schemas.openxmlformats.org/drawingml/2006/main" xmlns:r="http://schemas.openxmlformats.org/officeDocument/2006/relationships" xmlns:p="http://schemas.openxmlformats.org/presentationml/2006/main">
   <p:cSld>
     <p:spTree>
@@ -14505,7 +13402,7 @@
 </p:sld>
 </file>
 
-<file path=ppt/slides/slide63.xml><?xml version="1.0" encoding="utf-8"?>
+<file path=ppt/slides/slide62.xml><?xml version="1.0" encoding="utf-8"?>
 <p:sld xmlns:a="http://schemas.openxmlformats.org/drawingml/2006/main" xmlns:r="http://schemas.openxmlformats.org/officeDocument/2006/relationships" xmlns:p="http://schemas.openxmlformats.org/presentationml/2006/main">
   <p:cSld>
     <p:spTree>
@@ -14708,7 +13605,7 @@
 </p:sld>
 </file>
 
-<file path=ppt/slides/slide64.xml><?xml version="1.0" encoding="utf-8"?>
+<file path=ppt/slides/slide63.xml><?xml version="1.0" encoding="utf-8"?>
 <p:sld xmlns:a="http://schemas.openxmlformats.org/drawingml/2006/main" xmlns:r="http://schemas.openxmlformats.org/officeDocument/2006/relationships" xmlns:p="http://schemas.openxmlformats.org/presentationml/2006/main">
   <p:cSld>
     <p:spTree>
@@ -14839,7 +13736,7 @@
 </p:sld>
 </file>
 
-<file path=ppt/slides/slide65.xml><?xml version="1.0" encoding="utf-8"?>
+<file path=ppt/slides/slide64.xml><?xml version="1.0" encoding="utf-8"?>
 <p:sld xmlns:a="http://schemas.openxmlformats.org/drawingml/2006/main" xmlns:r="http://schemas.openxmlformats.org/officeDocument/2006/relationships" xmlns:p="http://schemas.openxmlformats.org/presentationml/2006/main">
   <p:cSld>
     <p:spTree>
@@ -14998,7 +13895,7 @@
 </p:sld>
 </file>
 
-<file path=ppt/slides/slide66.xml><?xml version="1.0" encoding="utf-8"?>
+<file path=ppt/slides/slide65.xml><?xml version="1.0" encoding="utf-8"?>
 <p:sld xmlns:a="http://schemas.openxmlformats.org/drawingml/2006/main" xmlns:r="http://schemas.openxmlformats.org/officeDocument/2006/relationships" xmlns:p="http://schemas.openxmlformats.org/presentationml/2006/main">
   <p:cSld>
     <p:spTree>
@@ -15131,7 +14028,7 @@
 </p:sld>
 </file>
 
-<file path=ppt/slides/slide67.xml><?xml version="1.0" encoding="utf-8"?>
+<file path=ppt/slides/slide66.xml><?xml version="1.0" encoding="utf-8"?>
 <p:sld xmlns:a="http://schemas.openxmlformats.org/drawingml/2006/main" xmlns:r="http://schemas.openxmlformats.org/officeDocument/2006/relationships" xmlns:p="http://schemas.openxmlformats.org/presentationml/2006/main">
   <p:cSld>
     <p:spTree>
@@ -15268,7 +14165,7 @@
 </p:sld>
 </file>
 
-<file path=ppt/slides/slide68.xml><?xml version="1.0" encoding="utf-8"?>
+<file path=ppt/slides/slide67.xml><?xml version="1.0" encoding="utf-8"?>
 <p:sld xmlns:a="http://schemas.openxmlformats.org/drawingml/2006/main" xmlns:r="http://schemas.openxmlformats.org/officeDocument/2006/relationships" xmlns:p="http://schemas.openxmlformats.org/presentationml/2006/main">
   <p:cSld>
     <p:spTree>
@@ -15402,7 +14299,7 @@
 </p:sld>
 </file>
 
-<file path=ppt/slides/slide69.xml><?xml version="1.0" encoding="utf-8"?>
+<file path=ppt/slides/slide68.xml><?xml version="1.0" encoding="utf-8"?>
 <p:sld xmlns:a="http://schemas.openxmlformats.org/drawingml/2006/main" xmlns:r="http://schemas.openxmlformats.org/officeDocument/2006/relationships" xmlns:p="http://schemas.openxmlformats.org/presentationml/2006/main">
   <p:cSld>
     <p:spTree>
@@ -15525,147 +14422,7 @@
 </p:sld>
 </file>
 
-<file path=ppt/slides/slide7.xml><?xml version="1.0" encoding="utf-8"?>
-<p:sld xmlns:a="http://schemas.openxmlformats.org/drawingml/2006/main" xmlns:r="http://schemas.openxmlformats.org/officeDocument/2006/relationships" xmlns:p="http://schemas.openxmlformats.org/presentationml/2006/main">
-  <p:cSld>
-    <p:spTree>
-      <p:nvGrpSpPr>
-        <p:cNvPr id="1" name=""/>
-        <p:cNvGrpSpPr/>
-        <p:nvPr/>
-      </p:nvGrpSpPr>
-      <p:grpSpPr>
-        <a:xfrm>
-          <a:off x="0" y="0"/>
-          <a:ext cx="0" cy="0"/>
-          <a:chOff x="0" y="0"/>
-          <a:chExt cx="0" cy="0"/>
-        </a:xfrm>
-      </p:grpSpPr>
-      <p:sp>
-        <p:nvSpPr>
-          <p:cNvPr id="2" name="Title 1"/>
-          <p:cNvSpPr>
-            <a:spLocks noGrp="1"/>
-          </p:cNvSpPr>
-          <p:nvPr>
-            <p:ph type="title"/>
-          </p:nvPr>
-        </p:nvSpPr>
-        <p:spPr/>
-        <p:txBody>
-          <a:bodyPr/>
-          <a:lstStyle/>
-          <a:p>
-            <a:r>
-              <a:rPr lang="en-US" dirty="0"/>
-              <a:t>Course Outline</a:t>
-            </a:r>
-          </a:p>
-        </p:txBody>
-      </p:sp>
-      <p:sp>
-        <p:nvSpPr>
-          <p:cNvPr id="3" name="Slide Number Placeholder 2"/>
-          <p:cNvSpPr>
-            <a:spLocks noGrp="1"/>
-          </p:cNvSpPr>
-          <p:nvPr>
-            <p:ph type="sldNum" sz="quarter" idx="12"/>
-          </p:nvPr>
-        </p:nvSpPr>
-        <p:spPr/>
-        <p:txBody>
-          <a:bodyPr/>
-          <a:lstStyle/>
-          <a:p>
-            <a:fld id="{D814DA60-3BEE-4BCE-BEDB-E433FD970963}" type="slidenum">
-              <a:rPr lang="en-US" smtClean="0"/>
-              <a:pPr/>
-              <a:t>7</a:t>
-            </a:fld>
-            <a:endParaRPr lang="en-US" dirty="0"/>
-          </a:p>
-        </p:txBody>
-      </p:sp>
-      <p:sp>
-        <p:nvSpPr>
-          <p:cNvPr id="5" name="Text Placeholder 4"/>
-          <p:cNvSpPr>
-            <a:spLocks noGrp="1"/>
-          </p:cNvSpPr>
-          <p:nvPr>
-            <p:ph type="body" sz="quarter" idx="13"/>
-          </p:nvPr>
-        </p:nvSpPr>
-        <p:spPr>
-          <a:xfrm>
-            <a:off x="609600" y="1066800"/>
-            <a:ext cx="10972800" cy="4343400"/>
-          </a:xfrm>
-        </p:spPr>
-        <p:txBody>
-          <a:bodyPr numCol="1"/>
-          <a:lstStyle/>
-          <a:p>
-            <a:r>
-              <a:rPr lang="en-US" sz="1800" dirty="0"/>
-              <a:t>Module 1: Introduction and review</a:t>
-            </a:r>
-          </a:p>
-          <a:p>
-            <a:r>
-              <a:rPr lang="en-US" sz="1800" dirty="0"/>
-              <a:t>Module 2: Getting data into Splunk</a:t>
-            </a:r>
-          </a:p>
-          <a:p>
-            <a:r>
-              <a:rPr lang="en-US" sz="1800" dirty="0"/>
-              <a:t>Module 3: Building an Operational Intelligence App</a:t>
-            </a:r>
-          </a:p>
-          <a:p>
-            <a:r>
-              <a:rPr lang="en-US" sz="1800" dirty="0"/>
-              <a:t>Module 4: Advanced Querying</a:t>
-            </a:r>
-          </a:p>
-          <a:p>
-            <a:r>
-              <a:rPr lang="en-US" sz="1800" dirty="0"/>
-              <a:t>Module 5: Analytics and Machine Learning</a:t>
-            </a:r>
-          </a:p>
-          <a:p>
-            <a:r>
-              <a:rPr lang="en-US" sz="1800" dirty="0"/>
-              <a:t>Module 6: Optimization</a:t>
-            </a:r>
-          </a:p>
-        </p:txBody>
-      </p:sp>
-    </p:spTree>
-    <p:extLst>
-      <p:ext uri="{BB962C8B-B14F-4D97-AF65-F5344CB8AC3E}">
-        <p14:creationId xmlns:p14="http://schemas.microsoft.com/office/powerpoint/2010/main" val="2796521234"/>
-      </p:ext>
-    </p:extLst>
-  </p:cSld>
-  <p:clrMapOvr>
-    <a:masterClrMapping/>
-  </p:clrMapOvr>
-  <p:timing>
-    <p:tnLst>
-      <p:par>
-        <p:cTn id="1" dur="indefinite" restart="never" nodeType="tmRoot"/>
-      </p:par>
-    </p:tnLst>
-  </p:timing>
-</p:sld>
-</file>
-
-<file path=ppt/slides/slide70.xml><?xml version="1.0" encoding="utf-8"?>
+<file path=ppt/slides/slide69.xml><?xml version="1.0" encoding="utf-8"?>
 <p:sld xmlns:a="http://schemas.openxmlformats.org/drawingml/2006/main" xmlns:r="http://schemas.openxmlformats.org/officeDocument/2006/relationships" xmlns:p="http://schemas.openxmlformats.org/presentationml/2006/main">
   <p:cSld>
     <p:spTree>
@@ -15852,7 +14609,147 @@
 </p:sld>
 </file>
 
-<file path=ppt/slides/slide71.xml><?xml version="1.0" encoding="utf-8"?>
+<file path=ppt/slides/slide7.xml><?xml version="1.0" encoding="utf-8"?>
+<p:sld xmlns:a="http://schemas.openxmlformats.org/drawingml/2006/main" xmlns:r="http://schemas.openxmlformats.org/officeDocument/2006/relationships" xmlns:p="http://schemas.openxmlformats.org/presentationml/2006/main">
+  <p:cSld>
+    <p:spTree>
+      <p:nvGrpSpPr>
+        <p:cNvPr id="1" name=""/>
+        <p:cNvGrpSpPr/>
+        <p:nvPr/>
+      </p:nvGrpSpPr>
+      <p:grpSpPr>
+        <a:xfrm>
+          <a:off x="0" y="0"/>
+          <a:ext cx="0" cy="0"/>
+          <a:chOff x="0" y="0"/>
+          <a:chExt cx="0" cy="0"/>
+        </a:xfrm>
+      </p:grpSpPr>
+      <p:sp>
+        <p:nvSpPr>
+          <p:cNvPr id="2" name="Title 1"/>
+          <p:cNvSpPr>
+            <a:spLocks noGrp="1"/>
+          </p:cNvSpPr>
+          <p:nvPr>
+            <p:ph type="title"/>
+          </p:nvPr>
+        </p:nvSpPr>
+        <p:spPr/>
+        <p:txBody>
+          <a:bodyPr/>
+          <a:lstStyle/>
+          <a:p>
+            <a:r>
+              <a:rPr lang="en-US" dirty="0"/>
+              <a:t>Course Outline</a:t>
+            </a:r>
+          </a:p>
+        </p:txBody>
+      </p:sp>
+      <p:sp>
+        <p:nvSpPr>
+          <p:cNvPr id="3" name="Slide Number Placeholder 2"/>
+          <p:cNvSpPr>
+            <a:spLocks noGrp="1"/>
+          </p:cNvSpPr>
+          <p:nvPr>
+            <p:ph type="sldNum" sz="quarter" idx="12"/>
+          </p:nvPr>
+        </p:nvSpPr>
+        <p:spPr/>
+        <p:txBody>
+          <a:bodyPr/>
+          <a:lstStyle/>
+          <a:p>
+            <a:fld id="{D814DA60-3BEE-4BCE-BEDB-E433FD970963}" type="slidenum">
+              <a:rPr lang="en-US" smtClean="0"/>
+              <a:pPr/>
+              <a:t>7</a:t>
+            </a:fld>
+            <a:endParaRPr lang="en-US" dirty="0"/>
+          </a:p>
+        </p:txBody>
+      </p:sp>
+      <p:sp>
+        <p:nvSpPr>
+          <p:cNvPr id="5" name="Text Placeholder 4"/>
+          <p:cNvSpPr>
+            <a:spLocks noGrp="1"/>
+          </p:cNvSpPr>
+          <p:nvPr>
+            <p:ph type="body" sz="quarter" idx="13"/>
+          </p:nvPr>
+        </p:nvSpPr>
+        <p:spPr>
+          <a:xfrm>
+            <a:off x="609600" y="1066800"/>
+            <a:ext cx="10972800" cy="4343400"/>
+          </a:xfrm>
+        </p:spPr>
+        <p:txBody>
+          <a:bodyPr numCol="1"/>
+          <a:lstStyle/>
+          <a:p>
+            <a:r>
+              <a:rPr lang="en-US" sz="1800" dirty="0"/>
+              <a:t>Module 1: Introduction and review</a:t>
+            </a:r>
+          </a:p>
+          <a:p>
+            <a:r>
+              <a:rPr lang="en-US" sz="1800" dirty="0"/>
+              <a:t>Module 2: Getting data into Splunk</a:t>
+            </a:r>
+          </a:p>
+          <a:p>
+            <a:r>
+              <a:rPr lang="en-US" sz="1800" dirty="0"/>
+              <a:t>Module 3: Building an Operational Intelligence App</a:t>
+            </a:r>
+          </a:p>
+          <a:p>
+            <a:r>
+              <a:rPr lang="en-US" sz="1800" dirty="0"/>
+              <a:t>Module 4: Advanced Querying</a:t>
+            </a:r>
+          </a:p>
+          <a:p>
+            <a:r>
+              <a:rPr lang="en-US" sz="1800" dirty="0"/>
+              <a:t>Module 5: Analytics and Machine Learning</a:t>
+            </a:r>
+          </a:p>
+          <a:p>
+            <a:r>
+              <a:rPr lang="en-US" sz="1800" dirty="0"/>
+              <a:t>Module 6: Optimization</a:t>
+            </a:r>
+          </a:p>
+        </p:txBody>
+      </p:sp>
+    </p:spTree>
+    <p:extLst>
+      <p:ext uri="{BB962C8B-B14F-4D97-AF65-F5344CB8AC3E}">
+        <p14:creationId xmlns:p14="http://schemas.microsoft.com/office/powerpoint/2010/main" val="2796521234"/>
+      </p:ext>
+    </p:extLst>
+  </p:cSld>
+  <p:clrMapOvr>
+    <a:masterClrMapping/>
+  </p:clrMapOvr>
+  <p:timing>
+    <p:tnLst>
+      <p:par>
+        <p:cTn id="1" dur="indefinite" restart="never" nodeType="tmRoot"/>
+      </p:par>
+    </p:tnLst>
+  </p:timing>
+</p:sld>
+</file>
+
+<file path=ppt/slides/slide70.xml><?xml version="1.0" encoding="utf-8"?>
 <p:sld xmlns:a="http://schemas.openxmlformats.org/drawingml/2006/main" xmlns:r="http://schemas.openxmlformats.org/officeDocument/2006/relationships" xmlns:p="http://schemas.openxmlformats.org/presentationml/2006/main">
   <p:cSld>
     <p:spTree>
@@ -16065,7 +14962,7 @@
 </p:sld>
 </file>
 
-<file path=ppt/slides/slide72.xml><?xml version="1.0" encoding="utf-8"?>
+<file path=ppt/slides/slide71.xml><?xml version="1.0" encoding="utf-8"?>
 <p:sld xmlns:a="http://schemas.openxmlformats.org/drawingml/2006/main" xmlns:r="http://schemas.openxmlformats.org/officeDocument/2006/relationships" xmlns:p="http://schemas.openxmlformats.org/presentationml/2006/main">
   <p:cSld>
     <p:spTree>
@@ -16216,7 +15113,7 @@
 </p:sld>
 </file>
 
-<file path=ppt/slides/slide73.xml><?xml version="1.0" encoding="utf-8"?>
+<file path=ppt/slides/slide72.xml><?xml version="1.0" encoding="utf-8"?>
 <p:sld xmlns:a="http://schemas.openxmlformats.org/drawingml/2006/main" xmlns:r="http://schemas.openxmlformats.org/officeDocument/2006/relationships" xmlns:p="http://schemas.openxmlformats.org/presentationml/2006/main">
   <p:cSld>
     <p:spTree>
@@ -16345,862 +15242,7 @@
 </p:sld>
 </file>
 
-<file path=ppt/slides/slide74.xml><?xml version="1.0" encoding="utf-8"?>
-<p:sld xmlns:a="http://schemas.openxmlformats.org/drawingml/2006/main" xmlns:r="http://schemas.openxmlformats.org/officeDocument/2006/relationships" xmlns:p="http://schemas.openxmlformats.org/presentationml/2006/main">
-  <p:cSld>
-    <p:spTree>
-      <p:nvGrpSpPr>
-        <p:cNvPr id="1" name=""/>
-        <p:cNvGrpSpPr/>
-        <p:nvPr/>
-      </p:nvGrpSpPr>
-      <p:grpSpPr>
-        <a:xfrm>
-          <a:off x="0" y="0"/>
-          <a:ext cx="0" cy="0"/>
-          <a:chOff x="0" y="0"/>
-          <a:chExt cx="0" cy="0"/>
-        </a:xfrm>
-      </p:grpSpPr>
-      <p:sp>
-        <p:nvSpPr>
-          <p:cNvPr id="2" name="Title 1"/>
-          <p:cNvSpPr>
-            <a:spLocks noGrp="1"/>
-          </p:cNvSpPr>
-          <p:nvPr>
-            <p:ph type="title"/>
-          </p:nvPr>
-        </p:nvSpPr>
-        <p:spPr/>
-        <p:txBody>
-          <a:bodyPr/>
-          <a:lstStyle/>
-          <a:p>
-            <a:r>
-              <a:rPr lang="en-US" dirty="0"/>
-              <a:t>Lab 4: Advanced Search</a:t>
-            </a:r>
-          </a:p>
-        </p:txBody>
-      </p:sp>
-      <p:sp>
-        <p:nvSpPr>
-          <p:cNvPr id="3" name="Content Placeholder 2"/>
-          <p:cNvSpPr>
-            <a:spLocks noGrp="1"/>
-          </p:cNvSpPr>
-          <p:nvPr>
-            <p:ph idx="1"/>
-          </p:nvPr>
-        </p:nvSpPr>
-        <p:spPr/>
-        <p:txBody>
-          <a:bodyPr/>
-          <a:lstStyle/>
-          <a:p>
-            <a:r>
-              <a:rPr lang="en-US" dirty="0"/>
-              <a:t>Calculating the average session time on a website p 490</a:t>
-            </a:r>
-          </a:p>
-          <a:p>
-            <a:r>
-              <a:rPr lang="en-US" dirty="0"/>
-              <a:t>Calculating the average execution time for multi-tier web requests p 498</a:t>
-            </a:r>
-          </a:p>
-          <a:p>
-            <a:r>
-              <a:rPr lang="en-US" dirty="0"/>
-              <a:t>Displaying the maximum concurrent checkouts p 506</a:t>
-            </a:r>
-          </a:p>
-          <a:p>
-            <a:r>
-              <a:rPr lang="en-US" dirty="0"/>
-              <a:t>Analyzing the relationship of web requests p 512</a:t>
-            </a:r>
-          </a:p>
-        </p:txBody>
-      </p:sp>
-      <p:sp>
-        <p:nvSpPr>
-          <p:cNvPr id="4" name="Text Placeholder 3"/>
-          <p:cNvSpPr>
-            <a:spLocks noGrp="1"/>
-          </p:cNvSpPr>
-          <p:nvPr>
-            <p:ph type="body" sz="quarter" idx="13"/>
-          </p:nvPr>
-        </p:nvSpPr>
-        <p:spPr/>
-        <p:txBody>
-          <a:bodyPr/>
-          <a:lstStyle/>
-          <a:p>
-            <a:r>
-              <a:rPr lang="en-US" dirty="0"/>
-              <a:t>Duration: </a:t>
-            </a:r>
-            <a:r>
-              <a:rPr lang="en-US" dirty="0" smtClean="0"/>
-              <a:t>30 </a:t>
-            </a:r>
-            <a:r>
-              <a:rPr lang="en-US" dirty="0"/>
-              <a:t>minutes</a:t>
-            </a:r>
-          </a:p>
-        </p:txBody>
-      </p:sp>
-      <p:sp>
-        <p:nvSpPr>
-          <p:cNvPr id="5" name="Rectangle 5"/>
-          <p:cNvSpPr>
-            <a:spLocks noChangeArrowheads="1"/>
-          </p:cNvSpPr>
-          <p:nvPr/>
-        </p:nvSpPr>
-        <p:spPr bwMode="auto">
-          <a:xfrm>
-            <a:off x="0" y="0"/>
-            <a:ext cx="12192000" cy="6858000"/>
-          </a:xfrm>
-          <a:prstGeom prst="rect">
-            <a:avLst/>
-          </a:prstGeom>
-          <a:solidFill>
-            <a:srgbClr val="FFFFFF">
-              <a:alpha val="50195"/>
-            </a:srgbClr>
-          </a:solidFill>
-          <a:ln>
-            <a:noFill/>
-          </a:ln>
-          <a:effectLst>
-            <a:outerShdw dist="53882" dir="2700000" algn="ctr" rotWithShape="0">
-              <a:srgbClr val="919191">
-                <a:alpha val="50000"/>
-              </a:srgbClr>
-            </a:outerShdw>
-          </a:effectLst>
-          <a:extLst>
-            <a:ext uri="{91240B29-F687-4F45-9708-019B960494DF}">
-              <a14:hiddenLine xmlns:a14="http://schemas.microsoft.com/office/drawing/2010/main" w="9525" algn="ctr">
-                <a:solidFill>
-                  <a:srgbClr val="000000"/>
-                </a:solidFill>
-                <a:miter lim="800000"/>
-                <a:headEnd/>
-                <a:tailEnd/>
-              </a14:hiddenLine>
-            </a:ext>
-          </a:extLst>
-        </p:spPr>
-        <p:txBody>
-          <a:bodyPr wrap="none" anchor="ctr"/>
-          <a:lstStyle>
-            <a:lvl1pPr>
-              <a:defRPr b="1">
-                <a:solidFill>
-                  <a:schemeClr val="tx1"/>
-                </a:solidFill>
-                <a:latin typeface="Verdana" panose="020B0604030504040204" pitchFamily="34" charset="0"/>
-              </a:defRPr>
-            </a:lvl1pPr>
-            <a:lvl2pPr marL="742950" indent="-285750">
-              <a:defRPr b="1">
-                <a:solidFill>
-                  <a:schemeClr val="tx1"/>
-                </a:solidFill>
-                <a:latin typeface="Verdana" panose="020B0604030504040204" pitchFamily="34" charset="0"/>
-              </a:defRPr>
-            </a:lvl2pPr>
-            <a:lvl3pPr marL="1143000" indent="-228600">
-              <a:defRPr b="1">
-                <a:solidFill>
-                  <a:schemeClr val="tx1"/>
-                </a:solidFill>
-                <a:latin typeface="Verdana" panose="020B0604030504040204" pitchFamily="34" charset="0"/>
-              </a:defRPr>
-            </a:lvl3pPr>
-            <a:lvl4pPr marL="1600200" indent="-228600">
-              <a:defRPr b="1">
-                <a:solidFill>
-                  <a:schemeClr val="tx1"/>
-                </a:solidFill>
-                <a:latin typeface="Verdana" panose="020B0604030504040204" pitchFamily="34" charset="0"/>
-              </a:defRPr>
-            </a:lvl4pPr>
-            <a:lvl5pPr marL="2057400" indent="-228600">
-              <a:defRPr b="1">
-                <a:solidFill>
-                  <a:schemeClr val="tx1"/>
-                </a:solidFill>
-                <a:latin typeface="Verdana" panose="020B0604030504040204" pitchFamily="34" charset="0"/>
-              </a:defRPr>
-            </a:lvl5pPr>
-            <a:lvl6pPr marL="2514600" indent="-228600" eaLnBrk="0" fontAlgn="base" hangingPunct="0">
-              <a:spcBef>
-                <a:spcPct val="0"/>
-              </a:spcBef>
-              <a:spcAft>
-                <a:spcPct val="0"/>
-              </a:spcAft>
-              <a:defRPr b="1">
-                <a:solidFill>
-                  <a:schemeClr val="tx1"/>
-                </a:solidFill>
-                <a:latin typeface="Verdana" panose="020B0604030504040204" pitchFamily="34" charset="0"/>
-              </a:defRPr>
-            </a:lvl6pPr>
-            <a:lvl7pPr marL="2971800" indent="-228600" eaLnBrk="0" fontAlgn="base" hangingPunct="0">
-              <a:spcBef>
-                <a:spcPct val="0"/>
-              </a:spcBef>
-              <a:spcAft>
-                <a:spcPct val="0"/>
-              </a:spcAft>
-              <a:defRPr b="1">
-                <a:solidFill>
-                  <a:schemeClr val="tx1"/>
-                </a:solidFill>
-                <a:latin typeface="Verdana" panose="020B0604030504040204" pitchFamily="34" charset="0"/>
-              </a:defRPr>
-            </a:lvl7pPr>
-            <a:lvl8pPr marL="3429000" indent="-228600" eaLnBrk="0" fontAlgn="base" hangingPunct="0">
-              <a:spcBef>
-                <a:spcPct val="0"/>
-              </a:spcBef>
-              <a:spcAft>
-                <a:spcPct val="0"/>
-              </a:spcAft>
-              <a:defRPr b="1">
-                <a:solidFill>
-                  <a:schemeClr val="tx1"/>
-                </a:solidFill>
-                <a:latin typeface="Verdana" panose="020B0604030504040204" pitchFamily="34" charset="0"/>
-              </a:defRPr>
-            </a:lvl8pPr>
-            <a:lvl9pPr marL="3886200" indent="-228600" eaLnBrk="0" fontAlgn="base" hangingPunct="0">
-              <a:spcBef>
-                <a:spcPct val="0"/>
-              </a:spcBef>
-              <a:spcAft>
-                <a:spcPct val="0"/>
-              </a:spcAft>
-              <a:defRPr b="1">
-                <a:solidFill>
-                  <a:schemeClr val="tx1"/>
-                </a:solidFill>
-                <a:latin typeface="Verdana" panose="020B0604030504040204" pitchFamily="34" charset="0"/>
-              </a:defRPr>
-            </a:lvl9pPr>
-          </a:lstStyle>
-          <a:p>
-            <a:pPr algn="ctr"/>
-            <a:endParaRPr lang="en-US" altLang="en-US"/>
-          </a:p>
-        </p:txBody>
-      </p:sp>
-      <p:sp>
-        <p:nvSpPr>
-          <p:cNvPr id="6" name="Rectangle 6"/>
-          <p:cNvSpPr>
-            <a:spLocks noChangeArrowheads="1"/>
-          </p:cNvSpPr>
-          <p:nvPr/>
-        </p:nvSpPr>
-        <p:spPr bwMode="auto">
-          <a:xfrm>
-            <a:off x="492125" y="5038725"/>
-            <a:ext cx="4094163" cy="1589088"/>
-          </a:xfrm>
-          <a:prstGeom prst="rect">
-            <a:avLst/>
-          </a:prstGeom>
-          <a:solidFill>
-            <a:srgbClr val="FFFFFF"/>
-          </a:solidFill>
-          <a:ln w="9525" algn="ctr">
-            <a:solidFill>
-              <a:schemeClr val="bg2"/>
-            </a:solidFill>
-            <a:miter lim="800000"/>
-            <a:headEnd/>
-            <a:tailEnd/>
-          </a:ln>
-          <a:effectLst>
-            <a:outerShdw dist="53882" dir="2700000" algn="ctr" rotWithShape="0">
-              <a:srgbClr val="919191">
-                <a:alpha val="50000"/>
-              </a:srgbClr>
-            </a:outerShdw>
-          </a:effectLst>
-        </p:spPr>
-        <p:txBody>
-          <a:bodyPr anchor="ctr"/>
-          <a:lstStyle>
-            <a:lvl1pPr>
-              <a:defRPr b="1">
-                <a:solidFill>
-                  <a:schemeClr val="tx1"/>
-                </a:solidFill>
-                <a:latin typeface="Verdana" panose="020B0604030504040204" pitchFamily="34" charset="0"/>
-              </a:defRPr>
-            </a:lvl1pPr>
-            <a:lvl2pPr marL="742950" indent="-285750">
-              <a:defRPr b="1">
-                <a:solidFill>
-                  <a:schemeClr val="tx1"/>
-                </a:solidFill>
-                <a:latin typeface="Verdana" panose="020B0604030504040204" pitchFamily="34" charset="0"/>
-              </a:defRPr>
-            </a:lvl2pPr>
-            <a:lvl3pPr marL="1143000" indent="-228600">
-              <a:defRPr b="1">
-                <a:solidFill>
-                  <a:schemeClr val="tx1"/>
-                </a:solidFill>
-                <a:latin typeface="Verdana" panose="020B0604030504040204" pitchFamily="34" charset="0"/>
-              </a:defRPr>
-            </a:lvl3pPr>
-            <a:lvl4pPr marL="1600200" indent="-228600">
-              <a:defRPr b="1">
-                <a:solidFill>
-                  <a:schemeClr val="tx1"/>
-                </a:solidFill>
-                <a:latin typeface="Verdana" panose="020B0604030504040204" pitchFamily="34" charset="0"/>
-              </a:defRPr>
-            </a:lvl4pPr>
-            <a:lvl5pPr marL="2057400" indent="-228600">
-              <a:defRPr b="1">
-                <a:solidFill>
-                  <a:schemeClr val="tx1"/>
-                </a:solidFill>
-                <a:latin typeface="Verdana" panose="020B0604030504040204" pitchFamily="34" charset="0"/>
-              </a:defRPr>
-            </a:lvl5pPr>
-            <a:lvl6pPr marL="2514600" indent="-228600" eaLnBrk="0" fontAlgn="base" hangingPunct="0">
-              <a:spcBef>
-                <a:spcPct val="0"/>
-              </a:spcBef>
-              <a:spcAft>
-                <a:spcPct val="0"/>
-              </a:spcAft>
-              <a:defRPr b="1">
-                <a:solidFill>
-                  <a:schemeClr val="tx1"/>
-                </a:solidFill>
-                <a:latin typeface="Verdana" panose="020B0604030504040204" pitchFamily="34" charset="0"/>
-              </a:defRPr>
-            </a:lvl6pPr>
-            <a:lvl7pPr marL="2971800" indent="-228600" eaLnBrk="0" fontAlgn="base" hangingPunct="0">
-              <a:spcBef>
-                <a:spcPct val="0"/>
-              </a:spcBef>
-              <a:spcAft>
-                <a:spcPct val="0"/>
-              </a:spcAft>
-              <a:defRPr b="1">
-                <a:solidFill>
-                  <a:schemeClr val="tx1"/>
-                </a:solidFill>
-                <a:latin typeface="Verdana" panose="020B0604030504040204" pitchFamily="34" charset="0"/>
-              </a:defRPr>
-            </a:lvl7pPr>
-            <a:lvl8pPr marL="3429000" indent="-228600" eaLnBrk="0" fontAlgn="base" hangingPunct="0">
-              <a:spcBef>
-                <a:spcPct val="0"/>
-              </a:spcBef>
-              <a:spcAft>
-                <a:spcPct val="0"/>
-              </a:spcAft>
-              <a:defRPr b="1">
-                <a:solidFill>
-                  <a:schemeClr val="tx1"/>
-                </a:solidFill>
-                <a:latin typeface="Verdana" panose="020B0604030504040204" pitchFamily="34" charset="0"/>
-              </a:defRPr>
-            </a:lvl8pPr>
-            <a:lvl9pPr marL="3886200" indent="-228600" eaLnBrk="0" fontAlgn="base" hangingPunct="0">
-              <a:spcBef>
-                <a:spcPct val="0"/>
-              </a:spcBef>
-              <a:spcAft>
-                <a:spcPct val="0"/>
-              </a:spcAft>
-              <a:defRPr b="1">
-                <a:solidFill>
-                  <a:schemeClr val="tx1"/>
-                </a:solidFill>
-                <a:latin typeface="Verdana" panose="020B0604030504040204" pitchFamily="34" charset="0"/>
-              </a:defRPr>
-            </a:lvl9pPr>
-          </a:lstStyle>
-          <a:p>
-            <a:pPr algn="ctr"/>
-            <a:r>
-              <a:rPr lang="en-US" altLang="en-US">
-                <a:solidFill>
-                  <a:srgbClr val="000000"/>
-                </a:solidFill>
-              </a:rPr>
-              <a:t>Questions? Comments?</a:t>
-            </a:r>
-          </a:p>
-          <a:p>
-            <a:pPr algn="ctr"/>
-            <a:r>
-              <a:rPr lang="en-US" altLang="en-US">
-                <a:solidFill>
-                  <a:srgbClr val="000000"/>
-                </a:solidFill>
-              </a:rPr>
-              <a:t>Dan’s e-mail: </a:t>
-            </a:r>
-            <a:r>
-              <a:rPr lang="en-US" altLang="en-US">
-                <a:solidFill>
-                  <a:srgbClr val="000000"/>
-                </a:solidFill>
-                <a:hlinkClick r:id="rId2"/>
-              </a:rPr>
-              <a:t>danc@onlc.com</a:t>
-            </a:r>
-            <a:endParaRPr lang="en-US" altLang="en-US">
-              <a:solidFill>
-                <a:srgbClr val="000000"/>
-              </a:solidFill>
-            </a:endParaRPr>
-          </a:p>
-          <a:p>
-            <a:pPr algn="ctr"/>
-            <a:r>
-              <a:rPr lang="en-US" altLang="en-US">
-                <a:solidFill>
-                  <a:srgbClr val="000000"/>
-                </a:solidFill>
-              </a:rPr>
-              <a:t>Dan’s cell #: (413) 455-0856</a:t>
-            </a:r>
-          </a:p>
-        </p:txBody>
-      </p:sp>
-      <p:sp>
-        <p:nvSpPr>
-          <p:cNvPr id="7" name="WordArt 3"/>
-          <p:cNvSpPr>
-            <a:spLocks noChangeArrowheads="1" noChangeShapeType="1" noTextEdit="1"/>
-          </p:cNvSpPr>
-          <p:nvPr/>
-        </p:nvSpPr>
-        <p:spPr bwMode="auto">
-          <a:xfrm>
-            <a:off x="955675" y="977900"/>
-            <a:ext cx="3167063" cy="2616200"/>
-          </a:xfrm>
-          <a:prstGeom prst="rect">
-            <a:avLst/>
-          </a:prstGeom>
-        </p:spPr>
-        <p:txBody>
-          <a:bodyPr wrap="none" fromWordArt="1">
-            <a:prstTxWarp prst="textSlantUp">
-              <a:avLst>
-                <a:gd name="adj" fmla="val 9014"/>
-              </a:avLst>
-            </a:prstTxWarp>
-          </a:bodyPr>
-          <a:lstStyle/>
-          <a:p>
-            <a:pPr algn="ctr"/>
-            <a:r>
-              <a:rPr lang="en-US" sz="3600" kern="10" dirty="0">
-                <a:ln w="9525">
-                  <a:solidFill>
-                    <a:srgbClr val="CC99FF"/>
-                  </a:solidFill>
-                  <a:round/>
-                  <a:headEnd/>
-                  <a:tailEnd/>
-                </a:ln>
-                <a:gradFill rotWithShape="1">
-                  <a:gsLst>
-                    <a:gs pos="0">
-                      <a:srgbClr val="6600CC"/>
-                    </a:gs>
-                    <a:gs pos="100000">
-                      <a:srgbClr val="CC00CC"/>
-                    </a:gs>
-                  </a:gsLst>
-                  <a:lin ang="5400000" scaled="1"/>
-                </a:gradFill>
-                <a:effectLst>
-                  <a:outerShdw dist="53882" dir="2700000" algn="ctr" rotWithShape="0">
-                    <a:srgbClr val="9999FF">
-                      <a:alpha val="79999"/>
-                    </a:srgbClr>
-                  </a:outerShdw>
-                </a:effectLst>
-                <a:latin typeface="Impact" panose="020B0806030902050204" pitchFamily="34" charset="0"/>
-              </a:rPr>
-              <a:t>Lab: </a:t>
-            </a:r>
-            <a:r>
-              <a:rPr lang="en-US" sz="3600" kern="10" dirty="0" smtClean="0">
-                <a:ln w="9525">
-                  <a:solidFill>
-                    <a:srgbClr val="CC99FF"/>
-                  </a:solidFill>
-                  <a:round/>
-                  <a:headEnd/>
-                  <a:tailEnd/>
-                </a:ln>
-                <a:gradFill rotWithShape="1">
-                  <a:gsLst>
-                    <a:gs pos="0">
-                      <a:srgbClr val="6600CC"/>
-                    </a:gs>
-                    <a:gs pos="100000">
-                      <a:srgbClr val="CC00CC"/>
-                    </a:gs>
-                  </a:gsLst>
-                  <a:lin ang="5400000" scaled="1"/>
-                </a:gradFill>
-                <a:effectLst>
-                  <a:outerShdw dist="53882" dir="2700000" algn="ctr" rotWithShape="0">
-                    <a:srgbClr val="9999FF">
-                      <a:alpha val="79999"/>
-                    </a:srgbClr>
-                  </a:outerShdw>
-                </a:effectLst>
-                <a:latin typeface="Impact" panose="020B0806030902050204" pitchFamily="34" charset="0"/>
-              </a:rPr>
-              <a:t>11:20-11:50</a:t>
-            </a:r>
-            <a:endParaRPr lang="en-US" sz="3600" kern="10" dirty="0">
-              <a:ln w="9525">
-                <a:solidFill>
-                  <a:srgbClr val="CC99FF"/>
-                </a:solidFill>
-                <a:round/>
-                <a:headEnd/>
-                <a:tailEnd/>
-              </a:ln>
-              <a:gradFill rotWithShape="1">
-                <a:gsLst>
-                  <a:gs pos="0">
-                    <a:srgbClr val="6600CC"/>
-                  </a:gs>
-                  <a:gs pos="100000">
-                    <a:srgbClr val="CC00CC"/>
-                  </a:gs>
-                </a:gsLst>
-                <a:lin ang="5400000" scaled="1"/>
-              </a:gradFill>
-              <a:effectLst>
-                <a:outerShdw dist="53882" dir="2700000" algn="ctr" rotWithShape="0">
-                  <a:srgbClr val="9999FF">
-                    <a:alpha val="79999"/>
-                  </a:srgbClr>
-                </a:outerShdw>
-              </a:effectLst>
-              <a:latin typeface="Impact" panose="020B0806030902050204" pitchFamily="34" charset="0"/>
-            </a:endParaRPr>
-          </a:p>
-          <a:p>
-            <a:pPr algn="ctr"/>
-            <a:r>
-              <a:rPr lang="en-US" sz="3600" kern="10" dirty="0" smtClean="0">
-                <a:ln w="9525">
-                  <a:solidFill>
-                    <a:srgbClr val="CC99FF"/>
-                  </a:solidFill>
-                  <a:round/>
-                  <a:headEnd/>
-                  <a:tailEnd/>
-                </a:ln>
-                <a:gradFill rotWithShape="1">
-                  <a:gsLst>
-                    <a:gs pos="0">
-                      <a:srgbClr val="6600CC"/>
-                    </a:gs>
-                    <a:gs pos="100000">
-                      <a:srgbClr val="CC00CC"/>
-                    </a:gs>
-                  </a:gsLst>
-                  <a:lin ang="5400000" scaled="1"/>
-                </a:gradFill>
-                <a:effectLst>
-                  <a:outerShdw dist="53882" dir="2700000" algn="ctr" rotWithShape="0">
-                    <a:srgbClr val="9999FF">
-                      <a:alpha val="79999"/>
-                    </a:srgbClr>
-                  </a:outerShdw>
-                </a:effectLst>
-                <a:latin typeface="Impact" panose="020B0806030902050204" pitchFamily="34" charset="0"/>
-              </a:rPr>
-              <a:t>A.M</a:t>
-            </a:r>
-            <a:r>
-              <a:rPr lang="en-US" sz="3600" kern="10" dirty="0">
-                <a:ln w="9525">
-                  <a:solidFill>
-                    <a:srgbClr val="CC99FF"/>
-                  </a:solidFill>
-                  <a:round/>
-                  <a:headEnd/>
-                  <a:tailEnd/>
-                </a:ln>
-                <a:gradFill rotWithShape="1">
-                  <a:gsLst>
-                    <a:gs pos="0">
-                      <a:srgbClr val="6600CC"/>
-                    </a:gs>
-                    <a:gs pos="100000">
-                      <a:srgbClr val="CC00CC"/>
-                    </a:gs>
-                  </a:gsLst>
-                  <a:lin ang="5400000" scaled="1"/>
-                </a:gradFill>
-                <a:effectLst>
-                  <a:outerShdw dist="53882" dir="2700000" algn="ctr" rotWithShape="0">
-                    <a:srgbClr val="9999FF">
-                      <a:alpha val="79999"/>
-                    </a:srgbClr>
-                  </a:outerShdw>
-                </a:effectLst>
-                <a:latin typeface="Impact" panose="020B0806030902050204" pitchFamily="34" charset="0"/>
-              </a:rPr>
-              <a:t>. Break</a:t>
-            </a:r>
-            <a:r>
-              <a:rPr lang="en-US" sz="3600" kern="10">
-                <a:ln w="9525">
-                  <a:solidFill>
-                    <a:srgbClr val="CC99FF"/>
-                  </a:solidFill>
-                  <a:round/>
-                  <a:headEnd/>
-                  <a:tailEnd/>
-                </a:ln>
-                <a:gradFill rotWithShape="1">
-                  <a:gsLst>
-                    <a:gs pos="0">
-                      <a:srgbClr val="6600CC"/>
-                    </a:gs>
-                    <a:gs pos="100000">
-                      <a:srgbClr val="CC00CC"/>
-                    </a:gs>
-                  </a:gsLst>
-                  <a:lin ang="5400000" scaled="1"/>
-                </a:gradFill>
-                <a:effectLst>
-                  <a:outerShdw dist="53882" dir="2700000" algn="ctr" rotWithShape="0">
-                    <a:srgbClr val="9999FF">
-                      <a:alpha val="79999"/>
-                    </a:srgbClr>
-                  </a:outerShdw>
-                </a:effectLst>
-                <a:latin typeface="Impact" panose="020B0806030902050204" pitchFamily="34" charset="0"/>
-              </a:rPr>
-              <a:t>: </a:t>
-            </a:r>
-            <a:r>
-              <a:rPr lang="en-US" sz="3600" kern="10" smtClean="0">
-                <a:ln w="9525">
-                  <a:solidFill>
-                    <a:srgbClr val="CC99FF"/>
-                  </a:solidFill>
-                  <a:round/>
-                  <a:headEnd/>
-                  <a:tailEnd/>
-                </a:ln>
-                <a:gradFill rotWithShape="1">
-                  <a:gsLst>
-                    <a:gs pos="0">
-                      <a:srgbClr val="6600CC"/>
-                    </a:gs>
-                    <a:gs pos="100000">
-                      <a:srgbClr val="CC00CC"/>
-                    </a:gs>
-                  </a:gsLst>
-                  <a:lin ang="5400000" scaled="1"/>
-                </a:gradFill>
-                <a:effectLst>
-                  <a:outerShdw dist="53882" dir="2700000" algn="ctr" rotWithShape="0">
-                    <a:srgbClr val="9999FF">
-                      <a:alpha val="79999"/>
-                    </a:srgbClr>
-                  </a:outerShdw>
-                </a:effectLst>
-                <a:latin typeface="Impact" panose="020B0806030902050204" pitchFamily="34" charset="0"/>
-              </a:rPr>
-              <a:t>11:50-12:05</a:t>
-            </a:r>
-            <a:endParaRPr lang="en-US" sz="3600" kern="10" dirty="0">
-              <a:ln w="9525">
-                <a:solidFill>
-                  <a:srgbClr val="CC99FF"/>
-                </a:solidFill>
-                <a:round/>
-                <a:headEnd/>
-                <a:tailEnd/>
-              </a:ln>
-              <a:gradFill rotWithShape="1">
-                <a:gsLst>
-                  <a:gs pos="0">
-                    <a:srgbClr val="6600CC"/>
-                  </a:gs>
-                  <a:gs pos="100000">
-                    <a:srgbClr val="CC00CC"/>
-                  </a:gs>
-                </a:gsLst>
-                <a:lin ang="5400000" scaled="1"/>
-              </a:gradFill>
-              <a:effectLst>
-                <a:outerShdw dist="53882" dir="2700000" algn="ctr" rotWithShape="0">
-                  <a:srgbClr val="9999FF">
-                    <a:alpha val="79999"/>
-                  </a:srgbClr>
-                </a:outerShdw>
-              </a:effectLst>
-              <a:latin typeface="Impact" panose="020B0806030902050204" pitchFamily="34" charset="0"/>
-            </a:endParaRPr>
-          </a:p>
-        </p:txBody>
-      </p:sp>
-      <p:pic>
-        <p:nvPicPr>
-          <p:cNvPr id="8" name="Picture 5" descr="j0305257"/>
-          <p:cNvPicPr>
-            <a:picLocks noChangeAspect="1" noChangeArrowheads="1"/>
-          </p:cNvPicPr>
-          <p:nvPr/>
-        </p:nvPicPr>
-        <p:blipFill>
-          <a:blip r:embed="rId3">
-            <a:extLst>
-              <a:ext uri="{28A0092B-C50C-407E-A947-70E740481C1C}">
-                <a14:useLocalDpi xmlns:a14="http://schemas.microsoft.com/office/drawing/2010/main" val="0"/>
-              </a:ext>
-            </a:extLst>
-          </a:blip>
-          <a:srcRect/>
-          <a:stretch>
-            <a:fillRect/>
-          </a:stretch>
-        </p:blipFill>
-        <p:spPr bwMode="auto">
-          <a:xfrm>
-            <a:off x="9709150" y="606425"/>
-            <a:ext cx="1874838" cy="3013075"/>
-          </a:xfrm>
-          <a:prstGeom prst="rect">
-            <a:avLst/>
-          </a:prstGeom>
-          <a:noFill/>
-          <a:ln>
-            <a:noFill/>
-          </a:ln>
-          <a:extLst>
-            <a:ext uri="{909E8E84-426E-40DD-AFC4-6F175D3DCCD1}">
-              <a14:hiddenFill xmlns:a14="http://schemas.microsoft.com/office/drawing/2010/main">
-                <a:solidFill>
-                  <a:srgbClr val="FFFFFF"/>
-                </a:solidFill>
-              </a14:hiddenFill>
-            </a:ext>
-            <a:ext uri="{91240B29-F687-4F45-9708-019B960494DF}">
-              <a14:hiddenLine xmlns:a14="http://schemas.microsoft.com/office/drawing/2010/main" w="9525">
-                <a:solidFill>
-                  <a:srgbClr val="000000"/>
-                </a:solidFill>
-                <a:miter lim="800000"/>
-                <a:headEnd/>
-                <a:tailEnd/>
-              </a14:hiddenLine>
-            </a:ext>
-          </a:extLst>
-        </p:spPr>
-      </p:pic>
-      <p:pic>
-        <p:nvPicPr>
-          <p:cNvPr id="9" name="Picture 7" descr="MCj04315630000[1]"/>
-          <p:cNvPicPr>
-            <a:picLocks noChangeAspect="1" noChangeArrowheads="1"/>
-          </p:cNvPicPr>
-          <p:nvPr/>
-        </p:nvPicPr>
-        <p:blipFill>
-          <a:blip r:embed="rId4">
-            <a:extLst>
-              <a:ext uri="{28A0092B-C50C-407E-A947-70E740481C1C}">
-                <a14:useLocalDpi xmlns:a14="http://schemas.microsoft.com/office/drawing/2010/main" val="0"/>
-              </a:ext>
-            </a:extLst>
-          </a:blip>
-          <a:srcRect/>
-          <a:stretch>
-            <a:fillRect/>
-          </a:stretch>
-        </p:blipFill>
-        <p:spPr bwMode="auto">
-          <a:xfrm>
-            <a:off x="9328150" y="3713163"/>
-            <a:ext cx="2697163" cy="2714625"/>
-          </a:xfrm>
-          <a:prstGeom prst="rect">
-            <a:avLst/>
-          </a:prstGeom>
-          <a:noFill/>
-          <a:ln>
-            <a:noFill/>
-          </a:ln>
-          <a:extLst>
-            <a:ext uri="{909E8E84-426E-40DD-AFC4-6F175D3DCCD1}">
-              <a14:hiddenFill xmlns:a14="http://schemas.microsoft.com/office/drawing/2010/main">
-                <a:solidFill>
-                  <a:srgbClr val="FFFFFF"/>
-                </a:solidFill>
-              </a14:hiddenFill>
-            </a:ext>
-            <a:ext uri="{91240B29-F687-4F45-9708-019B960494DF}">
-              <a14:hiddenLine xmlns:a14="http://schemas.microsoft.com/office/drawing/2010/main" w="9525">
-                <a:solidFill>
-                  <a:srgbClr val="000000"/>
-                </a:solidFill>
-                <a:miter lim="800000"/>
-                <a:headEnd/>
-                <a:tailEnd/>
-              </a14:hiddenLine>
-            </a:ext>
-          </a:extLst>
-        </p:spPr>
-      </p:pic>
-    </p:spTree>
-    <p:extLst>
-      <p:ext uri="{BB962C8B-B14F-4D97-AF65-F5344CB8AC3E}">
-        <p14:creationId xmlns:p14="http://schemas.microsoft.com/office/powerpoint/2010/main" val="3339245124"/>
-      </p:ext>
-    </p:extLst>
-  </p:cSld>
-  <p:clrMapOvr>
-    <a:masterClrMapping/>
-  </p:clrMapOvr>
-  <p:timing>
-    <p:tnLst>
-      <p:par>
-        <p:cTn id="1" dur="indefinite" restart="never" nodeType="tmRoot"/>
-      </p:par>
-    </p:tnLst>
-  </p:timing>
-</p:sld>
-</file>
-
-<file path=ppt/slides/slide75.xml><?xml version="1.0" encoding="utf-8"?>
+<file path=ppt/slides/slide73.xml><?xml version="1.0" encoding="utf-8"?>
 <p:sld xmlns:a="http://schemas.openxmlformats.org/drawingml/2006/main" xmlns:r="http://schemas.openxmlformats.org/officeDocument/2006/relationships" xmlns:p="http://schemas.openxmlformats.org/presentationml/2006/main">
   <p:cSld>
     <p:spTree>
@@ -17259,7 +15301,7 @@
 </p:sld>
 </file>
 
-<file path=ppt/slides/slide76.xml><?xml version="1.0" encoding="utf-8"?>
+<file path=ppt/slides/slide74.xml><?xml version="1.0" encoding="utf-8"?>
 <p:sld xmlns:a="http://schemas.openxmlformats.org/drawingml/2006/main" xmlns:r="http://schemas.openxmlformats.org/officeDocument/2006/relationships" xmlns:p="http://schemas.openxmlformats.org/presentationml/2006/main">
   <p:cSld>
     <p:spTree>
@@ -17411,7 +15453,7 @@
 </p:sld>
 </file>
 
-<file path=ppt/slides/slide77.xml><?xml version="1.0" encoding="utf-8"?>
+<file path=ppt/slides/slide75.xml><?xml version="1.0" encoding="utf-8"?>
 <p:sld xmlns:a="http://schemas.openxmlformats.org/drawingml/2006/main" xmlns:r="http://schemas.openxmlformats.org/officeDocument/2006/relationships" xmlns:p="http://schemas.openxmlformats.org/presentationml/2006/main">
   <p:cSld>
     <p:spTree>
@@ -17552,7 +15594,7 @@
 </p:sld>
 </file>
 
-<file path=ppt/slides/slide78.xml><?xml version="1.0" encoding="utf-8"?>
+<file path=ppt/slides/slide76.xml><?xml version="1.0" encoding="utf-8"?>
 <p:sld xmlns:a="http://schemas.openxmlformats.org/drawingml/2006/main" xmlns:r="http://schemas.openxmlformats.org/officeDocument/2006/relationships" xmlns:p="http://schemas.openxmlformats.org/presentationml/2006/main">
   <p:cSld>
     <p:spTree>
@@ -17693,7 +15735,7 @@
 </p:sld>
 </file>
 
-<file path=ppt/slides/slide79.xml><?xml version="1.0" encoding="utf-8"?>
+<file path=ppt/slides/slide77.xml><?xml version="1.0" encoding="utf-8"?>
 <p:sld xmlns:a="http://schemas.openxmlformats.org/drawingml/2006/main" xmlns:r="http://schemas.openxmlformats.org/officeDocument/2006/relationships" xmlns:p="http://schemas.openxmlformats.org/presentationml/2006/main">
   <p:cSld>
     <p:spTree>
@@ -17794,6 +15836,249 @@
     <p:extLst>
       <p:ext uri="{BB962C8B-B14F-4D97-AF65-F5344CB8AC3E}">
         <p14:creationId xmlns:p14="http://schemas.microsoft.com/office/powerpoint/2010/main" val="1004562643"/>
+      </p:ext>
+    </p:extLst>
+  </p:cSld>
+  <p:clrMapOvr>
+    <a:masterClrMapping/>
+  </p:clrMapOvr>
+  <p:timing>
+    <p:tnLst>
+      <p:par>
+        <p:cTn id="1" dur="indefinite" restart="never" nodeType="tmRoot"/>
+      </p:par>
+    </p:tnLst>
+  </p:timing>
+</p:sld>
+</file>
+
+<file path=ppt/slides/slide78.xml><?xml version="1.0" encoding="utf-8"?>
+<p:sld xmlns:a="http://schemas.openxmlformats.org/drawingml/2006/main" xmlns:r="http://schemas.openxmlformats.org/officeDocument/2006/relationships" xmlns:p="http://schemas.openxmlformats.org/presentationml/2006/main">
+  <p:cSld>
+    <p:spTree>
+      <p:nvGrpSpPr>
+        <p:cNvPr id="1" name=""/>
+        <p:cNvGrpSpPr/>
+        <p:nvPr/>
+      </p:nvGrpSpPr>
+      <p:grpSpPr>
+        <a:xfrm>
+          <a:off x="0" y="0"/>
+          <a:ext cx="0" cy="0"/>
+          <a:chOff x="0" y="0"/>
+          <a:chExt cx="0" cy="0"/>
+        </a:xfrm>
+      </p:grpSpPr>
+      <p:sp>
+        <p:nvSpPr>
+          <p:cNvPr id="2" name="Title 1"/>
+          <p:cNvSpPr>
+            <a:spLocks noGrp="1"/>
+          </p:cNvSpPr>
+          <p:nvPr>
+            <p:ph type="title"/>
+          </p:nvPr>
+        </p:nvSpPr>
+        <p:spPr/>
+        <p:txBody>
+          <a:bodyPr/>
+          <a:lstStyle/>
+          <a:p>
+            <a:r>
+              <a:rPr lang="en-US" dirty="0"/>
+              <a:t>The </a:t>
+            </a:r>
+            <a:r>
+              <a:rPr lang="en-US" dirty="0">
+                <a:latin typeface="Courier"/>
+              </a:rPr>
+              <a:t>anomalies</a:t>
+            </a:r>
+            <a:r>
+              <a:rPr lang="en-US" dirty="0"/>
+              <a:t> command</a:t>
+            </a:r>
+          </a:p>
+        </p:txBody>
+      </p:sp>
+      <p:sp>
+        <p:nvSpPr>
+          <p:cNvPr id="3" name="Text Placeholder 2"/>
+          <p:cNvSpPr>
+            <a:spLocks noGrp="1"/>
+          </p:cNvSpPr>
+          <p:nvPr>
+            <p:ph type="body" sz="quarter" idx="10"/>
+          </p:nvPr>
+        </p:nvSpPr>
+        <p:spPr/>
+        <p:txBody>
+          <a:bodyPr/>
+          <a:lstStyle/>
+          <a:p>
+            <a:r>
+              <a:rPr lang="en-US" dirty="0"/>
+              <a:t>Assigns an “unexpectedness score” to each event</a:t>
+            </a:r>
+          </a:p>
+          <a:p>
+            <a:r>
+              <a:rPr lang="en-US" dirty="0"/>
+              <a:t>Uses a proprietary algorithm</a:t>
+            </a:r>
+          </a:p>
+        </p:txBody>
+      </p:sp>
+      <p:pic>
+        <p:nvPicPr>
+          <p:cNvPr id="4" name="Picture 3">
+            <a:hlinkClick r:id="rId2"/>
+          </p:cNvPr>
+          <p:cNvPicPr>
+            <a:picLocks noChangeAspect="1"/>
+          </p:cNvPicPr>
+          <p:nvPr/>
+        </p:nvPicPr>
+        <p:blipFill>
+          <a:blip r:embed="rId3"/>
+          <a:stretch>
+            <a:fillRect/>
+          </a:stretch>
+        </p:blipFill>
+        <p:spPr>
+          <a:xfrm>
+            <a:off x="914400" y="4114800"/>
+            <a:ext cx="5429895" cy="1038274"/>
+          </a:xfrm>
+          <a:prstGeom prst="rect">
+            <a:avLst/>
+          </a:prstGeom>
+        </p:spPr>
+      </p:pic>
+    </p:spTree>
+    <p:extLst>
+      <p:ext uri="{BB962C8B-B14F-4D97-AF65-F5344CB8AC3E}">
+        <p14:creationId xmlns:p14="http://schemas.microsoft.com/office/powerpoint/2010/main" val="1909204017"/>
+      </p:ext>
+    </p:extLst>
+  </p:cSld>
+  <p:clrMapOvr>
+    <a:masterClrMapping/>
+  </p:clrMapOvr>
+  <p:timing>
+    <p:tnLst>
+      <p:par>
+        <p:cTn id="1" dur="indefinite" restart="never" nodeType="tmRoot"/>
+      </p:par>
+    </p:tnLst>
+  </p:timing>
+</p:sld>
+</file>
+
+<file path=ppt/slides/slide79.xml><?xml version="1.0" encoding="utf-8"?>
+<p:sld xmlns:a="http://schemas.openxmlformats.org/drawingml/2006/main" xmlns:r="http://schemas.openxmlformats.org/officeDocument/2006/relationships" xmlns:p="http://schemas.openxmlformats.org/presentationml/2006/main">
+  <p:cSld>
+    <p:spTree>
+      <p:nvGrpSpPr>
+        <p:cNvPr id="1" name=""/>
+        <p:cNvGrpSpPr/>
+        <p:nvPr/>
+      </p:nvGrpSpPr>
+      <p:grpSpPr>
+        <a:xfrm>
+          <a:off x="0" y="0"/>
+          <a:ext cx="0" cy="0"/>
+          <a:chOff x="0" y="0"/>
+          <a:chExt cx="0" cy="0"/>
+        </a:xfrm>
+      </p:grpSpPr>
+      <p:sp>
+        <p:nvSpPr>
+          <p:cNvPr id="2" name="Title 1"/>
+          <p:cNvSpPr>
+            <a:spLocks noGrp="1"/>
+          </p:cNvSpPr>
+          <p:nvPr>
+            <p:ph type="title"/>
+          </p:nvPr>
+        </p:nvSpPr>
+        <p:spPr/>
+        <p:txBody>
+          <a:bodyPr/>
+          <a:lstStyle/>
+          <a:p>
+            <a:r>
+              <a:rPr lang="en-US" dirty="0"/>
+              <a:t>The </a:t>
+            </a:r>
+            <a:r>
+              <a:rPr lang="en-US" dirty="0" err="1">
+                <a:latin typeface="Courier"/>
+              </a:rPr>
+              <a:t>anomalousvalues</a:t>
+            </a:r>
+            <a:r>
+              <a:rPr lang="en-US" dirty="0"/>
+              <a:t> command</a:t>
+            </a:r>
+          </a:p>
+        </p:txBody>
+      </p:sp>
+      <p:sp>
+        <p:nvSpPr>
+          <p:cNvPr id="3" name="Text Placeholder 2"/>
+          <p:cNvSpPr>
+            <a:spLocks noGrp="1"/>
+          </p:cNvSpPr>
+          <p:nvPr>
+            <p:ph type="body" sz="quarter" idx="10"/>
+          </p:nvPr>
+        </p:nvSpPr>
+        <p:spPr/>
+        <p:txBody>
+          <a:bodyPr/>
+          <a:lstStyle/>
+          <a:p>
+            <a:r>
+              <a:rPr lang="en-US" dirty="0"/>
+              <a:t>Computes an anomaly score for each field of each event, relative to the values of this field across other events</a:t>
+            </a:r>
+          </a:p>
+          <a:p>
+            <a:endParaRPr lang="en-US" dirty="0"/>
+          </a:p>
+        </p:txBody>
+      </p:sp>
+      <p:pic>
+        <p:nvPicPr>
+          <p:cNvPr id="5" name="Picture 4">
+            <a:hlinkClick r:id="rId2"/>
+          </p:cNvPr>
+          <p:cNvPicPr>
+            <a:picLocks noChangeAspect="1"/>
+          </p:cNvPicPr>
+          <p:nvPr/>
+        </p:nvPicPr>
+        <p:blipFill>
+          <a:blip r:embed="rId3"/>
+          <a:stretch>
+            <a:fillRect/>
+          </a:stretch>
+        </p:blipFill>
+        <p:spPr>
+          <a:xfrm>
+            <a:off x="1066800" y="4495800"/>
+            <a:ext cx="7545294" cy="557237"/>
+          </a:xfrm>
+          <a:prstGeom prst="rect">
+            <a:avLst/>
+          </a:prstGeom>
+        </p:spPr>
+      </p:pic>
+    </p:spTree>
+    <p:extLst>
+      <p:ext uri="{BB962C8B-B14F-4D97-AF65-F5344CB8AC3E}">
+        <p14:creationId xmlns:p14="http://schemas.microsoft.com/office/powerpoint/2010/main" val="783486506"/>
       </p:ext>
     </p:extLst>
   </p:cSld>
@@ -18013,249 +16298,6 @@
               <a:t>The </a:t>
             </a:r>
             <a:r>
-              <a:rPr lang="en-US" dirty="0">
-                <a:latin typeface="Courier"/>
-              </a:rPr>
-              <a:t>anomalies</a:t>
-            </a:r>
-            <a:r>
-              <a:rPr lang="en-US" dirty="0"/>
-              <a:t> command</a:t>
-            </a:r>
-          </a:p>
-        </p:txBody>
-      </p:sp>
-      <p:sp>
-        <p:nvSpPr>
-          <p:cNvPr id="3" name="Text Placeholder 2"/>
-          <p:cNvSpPr>
-            <a:spLocks noGrp="1"/>
-          </p:cNvSpPr>
-          <p:nvPr>
-            <p:ph type="body" sz="quarter" idx="10"/>
-          </p:nvPr>
-        </p:nvSpPr>
-        <p:spPr/>
-        <p:txBody>
-          <a:bodyPr/>
-          <a:lstStyle/>
-          <a:p>
-            <a:r>
-              <a:rPr lang="en-US" dirty="0"/>
-              <a:t>Assigns an “unexpectedness score” to each event</a:t>
-            </a:r>
-          </a:p>
-          <a:p>
-            <a:r>
-              <a:rPr lang="en-US" dirty="0"/>
-              <a:t>Uses a proprietary algorithm</a:t>
-            </a:r>
-          </a:p>
-        </p:txBody>
-      </p:sp>
-      <p:pic>
-        <p:nvPicPr>
-          <p:cNvPr id="4" name="Picture 3">
-            <a:hlinkClick r:id="rId2"/>
-          </p:cNvPr>
-          <p:cNvPicPr>
-            <a:picLocks noChangeAspect="1"/>
-          </p:cNvPicPr>
-          <p:nvPr/>
-        </p:nvPicPr>
-        <p:blipFill>
-          <a:blip r:embed="rId3"/>
-          <a:stretch>
-            <a:fillRect/>
-          </a:stretch>
-        </p:blipFill>
-        <p:spPr>
-          <a:xfrm>
-            <a:off x="914400" y="4114800"/>
-            <a:ext cx="5429895" cy="1038274"/>
-          </a:xfrm>
-          <a:prstGeom prst="rect">
-            <a:avLst/>
-          </a:prstGeom>
-        </p:spPr>
-      </p:pic>
-    </p:spTree>
-    <p:extLst>
-      <p:ext uri="{BB962C8B-B14F-4D97-AF65-F5344CB8AC3E}">
-        <p14:creationId xmlns:p14="http://schemas.microsoft.com/office/powerpoint/2010/main" val="1909204017"/>
-      </p:ext>
-    </p:extLst>
-  </p:cSld>
-  <p:clrMapOvr>
-    <a:masterClrMapping/>
-  </p:clrMapOvr>
-  <p:timing>
-    <p:tnLst>
-      <p:par>
-        <p:cTn id="1" dur="indefinite" restart="never" nodeType="tmRoot"/>
-      </p:par>
-    </p:tnLst>
-  </p:timing>
-</p:sld>
-</file>
-
-<file path=ppt/slides/slide81.xml><?xml version="1.0" encoding="utf-8"?>
-<p:sld xmlns:a="http://schemas.openxmlformats.org/drawingml/2006/main" xmlns:r="http://schemas.openxmlformats.org/officeDocument/2006/relationships" xmlns:p="http://schemas.openxmlformats.org/presentationml/2006/main">
-  <p:cSld>
-    <p:spTree>
-      <p:nvGrpSpPr>
-        <p:cNvPr id="1" name=""/>
-        <p:cNvGrpSpPr/>
-        <p:nvPr/>
-      </p:nvGrpSpPr>
-      <p:grpSpPr>
-        <a:xfrm>
-          <a:off x="0" y="0"/>
-          <a:ext cx="0" cy="0"/>
-          <a:chOff x="0" y="0"/>
-          <a:chExt cx="0" cy="0"/>
-        </a:xfrm>
-      </p:grpSpPr>
-      <p:sp>
-        <p:nvSpPr>
-          <p:cNvPr id="2" name="Title 1"/>
-          <p:cNvSpPr>
-            <a:spLocks noGrp="1"/>
-          </p:cNvSpPr>
-          <p:nvPr>
-            <p:ph type="title"/>
-          </p:nvPr>
-        </p:nvSpPr>
-        <p:spPr/>
-        <p:txBody>
-          <a:bodyPr/>
-          <a:lstStyle/>
-          <a:p>
-            <a:r>
-              <a:rPr lang="en-US" dirty="0"/>
-              <a:t>The </a:t>
-            </a:r>
-            <a:r>
-              <a:rPr lang="en-US" dirty="0" err="1">
-                <a:latin typeface="Courier"/>
-              </a:rPr>
-              <a:t>anomalousvalues</a:t>
-            </a:r>
-            <a:r>
-              <a:rPr lang="en-US" dirty="0"/>
-              <a:t> command</a:t>
-            </a:r>
-          </a:p>
-        </p:txBody>
-      </p:sp>
-      <p:sp>
-        <p:nvSpPr>
-          <p:cNvPr id="3" name="Text Placeholder 2"/>
-          <p:cNvSpPr>
-            <a:spLocks noGrp="1"/>
-          </p:cNvSpPr>
-          <p:nvPr>
-            <p:ph type="body" sz="quarter" idx="10"/>
-          </p:nvPr>
-        </p:nvSpPr>
-        <p:spPr/>
-        <p:txBody>
-          <a:bodyPr/>
-          <a:lstStyle/>
-          <a:p>
-            <a:r>
-              <a:rPr lang="en-US" dirty="0"/>
-              <a:t>Computes an anomaly score for each field of each event, relative to the values of this field across other events</a:t>
-            </a:r>
-          </a:p>
-          <a:p>
-            <a:endParaRPr lang="en-US" dirty="0"/>
-          </a:p>
-        </p:txBody>
-      </p:sp>
-      <p:pic>
-        <p:nvPicPr>
-          <p:cNvPr id="5" name="Picture 4">
-            <a:hlinkClick r:id="rId2"/>
-          </p:cNvPr>
-          <p:cNvPicPr>
-            <a:picLocks noChangeAspect="1"/>
-          </p:cNvPicPr>
-          <p:nvPr/>
-        </p:nvPicPr>
-        <p:blipFill>
-          <a:blip r:embed="rId3"/>
-          <a:stretch>
-            <a:fillRect/>
-          </a:stretch>
-        </p:blipFill>
-        <p:spPr>
-          <a:xfrm>
-            <a:off x="1066800" y="4495800"/>
-            <a:ext cx="7545294" cy="557237"/>
-          </a:xfrm>
-          <a:prstGeom prst="rect">
-            <a:avLst/>
-          </a:prstGeom>
-        </p:spPr>
-      </p:pic>
-    </p:spTree>
-    <p:extLst>
-      <p:ext uri="{BB962C8B-B14F-4D97-AF65-F5344CB8AC3E}">
-        <p14:creationId xmlns:p14="http://schemas.microsoft.com/office/powerpoint/2010/main" val="783486506"/>
-      </p:ext>
-    </p:extLst>
-  </p:cSld>
-  <p:clrMapOvr>
-    <a:masterClrMapping/>
-  </p:clrMapOvr>
-  <p:timing>
-    <p:tnLst>
-      <p:par>
-        <p:cTn id="1" dur="indefinite" restart="never" nodeType="tmRoot"/>
-      </p:par>
-    </p:tnLst>
-  </p:timing>
-</p:sld>
-</file>
-
-<file path=ppt/slides/slide82.xml><?xml version="1.0" encoding="utf-8"?>
-<p:sld xmlns:a="http://schemas.openxmlformats.org/drawingml/2006/main" xmlns:r="http://schemas.openxmlformats.org/officeDocument/2006/relationships" xmlns:p="http://schemas.openxmlformats.org/presentationml/2006/main">
-  <p:cSld>
-    <p:spTree>
-      <p:nvGrpSpPr>
-        <p:cNvPr id="1" name=""/>
-        <p:cNvGrpSpPr/>
-        <p:nvPr/>
-      </p:nvGrpSpPr>
-      <p:grpSpPr>
-        <a:xfrm>
-          <a:off x="0" y="0"/>
-          <a:ext cx="0" cy="0"/>
-          <a:chOff x="0" y="0"/>
-          <a:chExt cx="0" cy="0"/>
-        </a:xfrm>
-      </p:grpSpPr>
-      <p:sp>
-        <p:nvSpPr>
-          <p:cNvPr id="2" name="Title 1"/>
-          <p:cNvSpPr>
-            <a:spLocks noGrp="1"/>
-          </p:cNvSpPr>
-          <p:nvPr>
-            <p:ph type="title"/>
-          </p:nvPr>
-        </p:nvSpPr>
-        <p:spPr/>
-        <p:txBody>
-          <a:bodyPr/>
-          <a:lstStyle/>
-          <a:p>
-            <a:r>
-              <a:rPr lang="en-US" dirty="0"/>
-              <a:t>The </a:t>
-            </a:r>
-            <a:r>
               <a:rPr lang="en-US" dirty="0" err="1">
                 <a:latin typeface="Courier"/>
               </a:rPr>
@@ -18396,7 +16438,7 @@
 </p:sld>
 </file>
 
-<file path=ppt/slides/slide83.xml><?xml version="1.0" encoding="utf-8"?>
+<file path=ppt/slides/slide81.xml><?xml version="1.0" encoding="utf-8"?>
 <p:sld xmlns:a="http://schemas.openxmlformats.org/drawingml/2006/main" xmlns:r="http://schemas.openxmlformats.org/officeDocument/2006/relationships" xmlns:p="http://schemas.openxmlformats.org/presentationml/2006/main">
   <p:cSld>
     <p:spTree>
@@ -18550,7 +16592,7 @@
 </p:sld>
 </file>
 
-<file path=ppt/slides/slide84.xml><?xml version="1.0" encoding="utf-8"?>
+<file path=ppt/slides/slide82.xml><?xml version="1.0" encoding="utf-8"?>
 <p:sld xmlns:a="http://schemas.openxmlformats.org/drawingml/2006/main" xmlns:r="http://schemas.openxmlformats.org/officeDocument/2006/relationships" xmlns:p="http://schemas.openxmlformats.org/presentationml/2006/main">
   <p:cSld>
     <p:spTree>
@@ -18692,7 +16734,7 @@
 </p:sld>
 </file>
 
-<file path=ppt/slides/slide85.xml><?xml version="1.0" encoding="utf-8"?>
+<file path=ppt/slides/slide83.xml><?xml version="1.0" encoding="utf-8"?>
 <p:sld xmlns:a="http://schemas.openxmlformats.org/drawingml/2006/main" xmlns:r="http://schemas.openxmlformats.org/officeDocument/2006/relationships" xmlns:p="http://schemas.openxmlformats.org/presentationml/2006/main">
   <p:cSld>
     <p:spTree>
@@ -18860,7 +16902,7 @@
 </p:sld>
 </file>
 
-<file path=ppt/slides/slide86.xml><?xml version="1.0" encoding="utf-8"?>
+<file path=ppt/slides/slide84.xml><?xml version="1.0" encoding="utf-8"?>
 <p:sld xmlns:a="http://schemas.openxmlformats.org/drawingml/2006/main" xmlns:r="http://schemas.openxmlformats.org/officeDocument/2006/relationships" xmlns:p="http://schemas.openxmlformats.org/presentationml/2006/main">
   <p:cSld>
     <p:spTree>
@@ -19084,7 +17126,7 @@
 </p:sld>
 </file>
 
-<file path=ppt/slides/slide87.xml><?xml version="1.0" encoding="utf-8"?>
+<file path=ppt/slides/slide85.xml><?xml version="1.0" encoding="utf-8"?>
 <p:sld xmlns:a="http://schemas.openxmlformats.org/drawingml/2006/main" xmlns:r="http://schemas.openxmlformats.org/officeDocument/2006/relationships" xmlns:p="http://schemas.openxmlformats.org/presentationml/2006/main">
   <p:cSld>
     <p:spTree>
@@ -19219,7 +17261,7 @@
 </p:sld>
 </file>
 
-<file path=ppt/slides/slide88.xml><?xml version="1.0" encoding="utf-8"?>
+<file path=ppt/slides/slide86.xml><?xml version="1.0" encoding="utf-8"?>
 <p:sld xmlns:a="http://schemas.openxmlformats.org/drawingml/2006/main" xmlns:r="http://schemas.openxmlformats.org/officeDocument/2006/relationships" xmlns:p="http://schemas.openxmlformats.org/presentationml/2006/main">
   <p:cSld>
     <p:spTree>
@@ -19378,6 +17420,200 @@
 </p:sld>
 </file>
 
+<file path=ppt/slides/slide87.xml><?xml version="1.0" encoding="utf-8"?>
+<p:sld xmlns:a="http://schemas.openxmlformats.org/drawingml/2006/main" xmlns:r="http://schemas.openxmlformats.org/officeDocument/2006/relationships" xmlns:p="http://schemas.openxmlformats.org/presentationml/2006/main">
+  <p:cSld>
+    <p:spTree>
+      <p:nvGrpSpPr>
+        <p:cNvPr id="1" name=""/>
+        <p:cNvGrpSpPr/>
+        <p:nvPr/>
+      </p:nvGrpSpPr>
+      <p:grpSpPr>
+        <a:xfrm>
+          <a:off x="0" y="0"/>
+          <a:ext cx="0" cy="0"/>
+          <a:chOff x="0" y="0"/>
+          <a:chExt cx="0" cy="0"/>
+        </a:xfrm>
+      </p:grpSpPr>
+      <p:sp>
+        <p:nvSpPr>
+          <p:cNvPr id="2" name="Title 1"/>
+          <p:cNvSpPr>
+            <a:spLocks noGrp="1"/>
+          </p:cNvSpPr>
+          <p:nvPr>
+            <p:ph type="title"/>
+          </p:nvPr>
+        </p:nvSpPr>
+        <p:spPr/>
+        <p:txBody>
+          <a:bodyPr/>
+          <a:lstStyle/>
+          <a:p>
+            <a:r>
+              <a:rPr lang="en-US" dirty="0"/>
+              <a:t>Lab 5: Analytics and Machine Learning</a:t>
+            </a:r>
+          </a:p>
+        </p:txBody>
+      </p:sp>
+      <p:sp>
+        <p:nvSpPr>
+          <p:cNvPr id="3" name="Content Placeholder 2"/>
+          <p:cNvSpPr>
+            <a:spLocks noGrp="1"/>
+          </p:cNvSpPr>
+          <p:nvPr>
+            <p:ph idx="1"/>
+          </p:nvPr>
+        </p:nvSpPr>
+        <p:spPr/>
+        <p:txBody>
+          <a:bodyPr/>
+          <a:lstStyle/>
+          <a:p>
+            <a:r>
+              <a:rPr lang="en-US" dirty="0"/>
+              <a:t>Predicting website-traffic volumes p 517</a:t>
+            </a:r>
+          </a:p>
+          <a:p>
+            <a:r>
+              <a:rPr lang="en-US" dirty="0"/>
+              <a:t>Finding abnormally sized web requests p 525</a:t>
+            </a:r>
+          </a:p>
+          <a:p>
+            <a:r>
+              <a:rPr lang="en-US" dirty="0"/>
+              <a:t>Identifying potential session spoofing p 532</a:t>
+            </a:r>
+          </a:p>
+          <a:p>
+            <a:r>
+              <a:rPr lang="en-US" dirty="0"/>
+              <a:t>Detecting outliers in server response times p 538</a:t>
+            </a:r>
+          </a:p>
+          <a:p>
+            <a:r>
+              <a:rPr lang="en-US" dirty="0"/>
+              <a:t>Forecasting weekly sales p 547</a:t>
+            </a:r>
+          </a:p>
+        </p:txBody>
+      </p:sp>
+      <p:sp>
+        <p:nvSpPr>
+          <p:cNvPr id="4" name="Text Placeholder 3"/>
+          <p:cNvSpPr>
+            <a:spLocks noGrp="1"/>
+          </p:cNvSpPr>
+          <p:nvPr>
+            <p:ph type="body" sz="quarter" idx="13"/>
+          </p:nvPr>
+        </p:nvSpPr>
+        <p:spPr/>
+        <p:txBody>
+          <a:bodyPr/>
+          <a:lstStyle/>
+          <a:p>
+            <a:r>
+              <a:rPr lang="en-US" dirty="0"/>
+              <a:t>Duration: </a:t>
+            </a:r>
+            <a:r>
+              <a:rPr lang="en-US" dirty="0" smtClean="0"/>
+              <a:t>30 </a:t>
+            </a:r>
+            <a:r>
+              <a:rPr lang="en-US" dirty="0"/>
+              <a:t>minutes</a:t>
+            </a:r>
+          </a:p>
+        </p:txBody>
+      </p:sp>
+    </p:spTree>
+    <p:extLst>
+      <p:ext uri="{BB962C8B-B14F-4D97-AF65-F5344CB8AC3E}">
+        <p14:creationId xmlns:p14="http://schemas.microsoft.com/office/powerpoint/2010/main" val="1439378742"/>
+      </p:ext>
+    </p:extLst>
+  </p:cSld>
+  <p:clrMapOvr>
+    <a:masterClrMapping/>
+  </p:clrMapOvr>
+  <p:timing>
+    <p:tnLst>
+      <p:par>
+        <p:cTn id="1" dur="indefinite" restart="never" nodeType="tmRoot"/>
+      </p:par>
+    </p:tnLst>
+  </p:timing>
+</p:sld>
+</file>
+
+<file path=ppt/slides/slide88.xml><?xml version="1.0" encoding="utf-8"?>
+<p:sld xmlns:a="http://schemas.openxmlformats.org/drawingml/2006/main" xmlns:r="http://schemas.openxmlformats.org/officeDocument/2006/relationships" xmlns:p="http://schemas.openxmlformats.org/presentationml/2006/main">
+  <p:cSld>
+    <p:spTree>
+      <p:nvGrpSpPr>
+        <p:cNvPr id="1" name=""/>
+        <p:cNvGrpSpPr/>
+        <p:nvPr/>
+      </p:nvGrpSpPr>
+      <p:grpSpPr>
+        <a:xfrm>
+          <a:off x="0" y="0"/>
+          <a:ext cx="0" cy="0"/>
+          <a:chOff x="0" y="0"/>
+          <a:chExt cx="0" cy="0"/>
+        </a:xfrm>
+      </p:grpSpPr>
+      <p:sp>
+        <p:nvSpPr>
+          <p:cNvPr id="2" name="Title 1"/>
+          <p:cNvSpPr>
+            <a:spLocks noGrp="1"/>
+          </p:cNvSpPr>
+          <p:nvPr>
+            <p:ph type="title"/>
+          </p:nvPr>
+        </p:nvSpPr>
+        <p:spPr/>
+        <p:txBody>
+          <a:bodyPr/>
+          <a:lstStyle/>
+          <a:p>
+            <a:r>
+              <a:rPr lang="en-US" dirty="0"/>
+              <a:t>Module 6: Optimizing Search</a:t>
+            </a:r>
+          </a:p>
+        </p:txBody>
+      </p:sp>
+    </p:spTree>
+    <p:extLst>
+      <p:ext uri="{BB962C8B-B14F-4D97-AF65-F5344CB8AC3E}">
+        <p14:creationId xmlns:p14="http://schemas.microsoft.com/office/powerpoint/2010/main" val="1408587379"/>
+      </p:ext>
+    </p:extLst>
+  </p:cSld>
+  <p:clrMapOvr>
+    <a:masterClrMapping/>
+  </p:clrMapOvr>
+  <p:timing>
+    <p:tnLst>
+      <p:par>
+        <p:cTn id="1" dur="indefinite" restart="never" nodeType="tmRoot"/>
+      </p:par>
+    </p:tnLst>
+  </p:timing>
+</p:sld>
+</file>
+
 <file path=ppt/slides/slide89.xml><?xml version="1.0" encoding="utf-8"?>
 <p:sld xmlns:a="http://schemas.openxmlformats.org/drawingml/2006/main" xmlns:r="http://schemas.openxmlformats.org/officeDocument/2006/relationships" xmlns:p="http://schemas.openxmlformats.org/presentationml/2006/main">
   <p:cSld>
@@ -19412,19 +17648,19 @@
           <a:p>
             <a:r>
               <a:rPr lang="en-US" dirty="0"/>
-              <a:t>Lab 5: Analytics and Machine Learning</a:t>
-            </a:r>
-          </a:p>
-        </p:txBody>
-      </p:sp>
-      <p:sp>
-        <p:nvSpPr>
-          <p:cNvPr id="3" name="Content Placeholder 2"/>
-          <p:cNvSpPr>
-            <a:spLocks noGrp="1"/>
-          </p:cNvSpPr>
-          <p:nvPr>
-            <p:ph idx="1"/>
+              <a:t>Data summarization</a:t>
+            </a:r>
+          </a:p>
+        </p:txBody>
+      </p:sp>
+      <p:sp>
+        <p:nvSpPr>
+          <p:cNvPr id="3" name="Text Placeholder 2"/>
+          <p:cNvSpPr>
+            <a:spLocks noGrp="1"/>
+          </p:cNvSpPr>
+          <p:nvPr>
+            <p:ph type="body" sz="quarter" idx="10"/>
           </p:nvPr>
         </p:nvSpPr>
         <p:spPr/>
@@ -19434,61 +17670,19 @@
           <a:p>
             <a:r>
               <a:rPr lang="en-US" dirty="0"/>
-              <a:t>Predicting website-traffic volumes p 517</a:t>
-            </a:r>
-          </a:p>
-          <a:p>
-            <a:r>
-              <a:rPr lang="en-US" dirty="0"/>
-              <a:t>Finding abnormally sized web requests p 525</a:t>
-            </a:r>
-          </a:p>
-          <a:p>
-            <a:r>
-              <a:rPr lang="en-US" dirty="0"/>
-              <a:t>Identifying potential session spoofing p 532</a:t>
-            </a:r>
-          </a:p>
-          <a:p>
-            <a:r>
-              <a:rPr lang="en-US" dirty="0"/>
-              <a:t>Detecting outliers in server response times p 538</a:t>
-            </a:r>
-          </a:p>
-          <a:p>
-            <a:r>
-              <a:rPr lang="en-US" dirty="0"/>
-              <a:t>Forecasting weekly sales p 547</a:t>
-            </a:r>
-          </a:p>
-        </p:txBody>
-      </p:sp>
-      <p:sp>
-        <p:nvSpPr>
-          <p:cNvPr id="4" name="Text Placeholder 3"/>
-          <p:cNvSpPr>
-            <a:spLocks noGrp="1"/>
-          </p:cNvSpPr>
-          <p:nvPr>
-            <p:ph type="body" sz="quarter" idx="13"/>
-          </p:nvPr>
-        </p:nvSpPr>
-        <p:spPr/>
-        <p:txBody>
-          <a:bodyPr/>
-          <a:lstStyle/>
-          <a:p>
-            <a:r>
-              <a:rPr lang="en-US" dirty="0"/>
-              <a:t>Duration: </a:t>
-            </a:r>
-            <a:r>
-              <a:rPr lang="en-US" dirty="0" smtClean="0"/>
-              <a:t>30 </a:t>
-            </a:r>
-            <a:r>
-              <a:rPr lang="en-US" dirty="0"/>
-              <a:t>minutes</a:t>
+              <a:t>Summary indexing – creation of separate indexes containing pre-aggregated data</a:t>
+            </a:r>
+          </a:p>
+          <a:p>
+            <a:r>
+              <a:rPr lang="en-US" dirty="0"/>
+              <a:t>Report acceleration – automates creation of summarized data associated with specific reports</a:t>
+            </a:r>
+          </a:p>
+          <a:p>
+            <a:r>
+              <a:rPr lang="en-US" dirty="0"/>
+              <a:t>Data model acceleration – similar to report acceleration but for data models</a:t>
             </a:r>
           </a:p>
         </p:txBody>
@@ -19496,7 +17690,7 @@
     </p:spTree>
     <p:extLst>
       <p:ext uri="{BB962C8B-B14F-4D97-AF65-F5344CB8AC3E}">
-        <p14:creationId xmlns:p14="http://schemas.microsoft.com/office/powerpoint/2010/main" val="1585871228"/>
+        <p14:creationId xmlns:p14="http://schemas.microsoft.com/office/powerpoint/2010/main" val="1077820318"/>
       </p:ext>
     </p:extLst>
   </p:cSld>
@@ -19611,158 +17805,6 @@
 </file>
 
 <file path=ppt/slides/slide90.xml><?xml version="1.0" encoding="utf-8"?>
-<p:sld xmlns:a="http://schemas.openxmlformats.org/drawingml/2006/main" xmlns:r="http://schemas.openxmlformats.org/officeDocument/2006/relationships" xmlns:p="http://schemas.openxmlformats.org/presentationml/2006/main">
-  <p:cSld>
-    <p:spTree>
-      <p:nvGrpSpPr>
-        <p:cNvPr id="1" name=""/>
-        <p:cNvGrpSpPr/>
-        <p:nvPr/>
-      </p:nvGrpSpPr>
-      <p:grpSpPr>
-        <a:xfrm>
-          <a:off x="0" y="0"/>
-          <a:ext cx="0" cy="0"/>
-          <a:chOff x="0" y="0"/>
-          <a:chExt cx="0" cy="0"/>
-        </a:xfrm>
-      </p:grpSpPr>
-      <p:sp>
-        <p:nvSpPr>
-          <p:cNvPr id="2" name="Title 1"/>
-          <p:cNvSpPr>
-            <a:spLocks noGrp="1"/>
-          </p:cNvSpPr>
-          <p:nvPr>
-            <p:ph type="title"/>
-          </p:nvPr>
-        </p:nvSpPr>
-        <p:spPr/>
-        <p:txBody>
-          <a:bodyPr/>
-          <a:lstStyle/>
-          <a:p>
-            <a:r>
-              <a:rPr lang="en-US" dirty="0"/>
-              <a:t>Module 6: Optimizing Search</a:t>
-            </a:r>
-          </a:p>
-        </p:txBody>
-      </p:sp>
-    </p:spTree>
-    <p:extLst>
-      <p:ext uri="{BB962C8B-B14F-4D97-AF65-F5344CB8AC3E}">
-        <p14:creationId xmlns:p14="http://schemas.microsoft.com/office/powerpoint/2010/main" val="1408587379"/>
-      </p:ext>
-    </p:extLst>
-  </p:cSld>
-  <p:clrMapOvr>
-    <a:masterClrMapping/>
-  </p:clrMapOvr>
-  <p:timing>
-    <p:tnLst>
-      <p:par>
-        <p:cTn id="1" dur="indefinite" restart="never" nodeType="tmRoot"/>
-      </p:par>
-    </p:tnLst>
-  </p:timing>
-</p:sld>
-</file>
-
-<file path=ppt/slides/slide91.xml><?xml version="1.0" encoding="utf-8"?>
-<p:sld xmlns:a="http://schemas.openxmlformats.org/drawingml/2006/main" xmlns:r="http://schemas.openxmlformats.org/officeDocument/2006/relationships" xmlns:p="http://schemas.openxmlformats.org/presentationml/2006/main">
-  <p:cSld>
-    <p:spTree>
-      <p:nvGrpSpPr>
-        <p:cNvPr id="1" name=""/>
-        <p:cNvGrpSpPr/>
-        <p:nvPr/>
-      </p:nvGrpSpPr>
-      <p:grpSpPr>
-        <a:xfrm>
-          <a:off x="0" y="0"/>
-          <a:ext cx="0" cy="0"/>
-          <a:chOff x="0" y="0"/>
-          <a:chExt cx="0" cy="0"/>
-        </a:xfrm>
-      </p:grpSpPr>
-      <p:sp>
-        <p:nvSpPr>
-          <p:cNvPr id="2" name="Title 1"/>
-          <p:cNvSpPr>
-            <a:spLocks noGrp="1"/>
-          </p:cNvSpPr>
-          <p:nvPr>
-            <p:ph type="title"/>
-          </p:nvPr>
-        </p:nvSpPr>
-        <p:spPr/>
-        <p:txBody>
-          <a:bodyPr/>
-          <a:lstStyle/>
-          <a:p>
-            <a:r>
-              <a:rPr lang="en-US" dirty="0"/>
-              <a:t>Data summarization</a:t>
-            </a:r>
-          </a:p>
-        </p:txBody>
-      </p:sp>
-      <p:sp>
-        <p:nvSpPr>
-          <p:cNvPr id="3" name="Text Placeholder 2"/>
-          <p:cNvSpPr>
-            <a:spLocks noGrp="1"/>
-          </p:cNvSpPr>
-          <p:nvPr>
-            <p:ph type="body" sz="quarter" idx="10"/>
-          </p:nvPr>
-        </p:nvSpPr>
-        <p:spPr/>
-        <p:txBody>
-          <a:bodyPr/>
-          <a:lstStyle/>
-          <a:p>
-            <a:r>
-              <a:rPr lang="en-US" dirty="0"/>
-              <a:t>Summary indexing – creation of separate indexes containing pre-aggregated data</a:t>
-            </a:r>
-          </a:p>
-          <a:p>
-            <a:r>
-              <a:rPr lang="en-US" dirty="0"/>
-              <a:t>Report acceleration – automates creation of summarized data associated with specific reports</a:t>
-            </a:r>
-          </a:p>
-          <a:p>
-            <a:r>
-              <a:rPr lang="en-US" dirty="0"/>
-              <a:t>Data model acceleration – similar to report acceleration but for data models</a:t>
-            </a:r>
-          </a:p>
-        </p:txBody>
-      </p:sp>
-    </p:spTree>
-    <p:extLst>
-      <p:ext uri="{BB962C8B-B14F-4D97-AF65-F5344CB8AC3E}">
-        <p14:creationId xmlns:p14="http://schemas.microsoft.com/office/powerpoint/2010/main" val="1077820318"/>
-      </p:ext>
-    </p:extLst>
-  </p:cSld>
-  <p:clrMapOvr>
-    <a:masterClrMapping/>
-  </p:clrMapOvr>
-  <p:timing>
-    <p:tnLst>
-      <p:par>
-        <p:cTn id="1" dur="indefinite" restart="never" nodeType="tmRoot"/>
-      </p:par>
-    </p:tnLst>
-  </p:timing>
-</p:sld>
-</file>
-
-<file path=ppt/slides/slide92.xml><?xml version="1.0" encoding="utf-8"?>
 <p:sld xmlns:a="http://schemas.openxmlformats.org/drawingml/2006/main" xmlns:r="http://schemas.openxmlformats.org/officeDocument/2006/relationships" xmlns:p="http://schemas.openxmlformats.org/presentationml/2006/main">
   <p:cSld>
     <p:spTree>
@@ -19948,7 +17990,7 @@
 </p:sld>
 </file>
 
-<file path=ppt/slides/slide93.xml><?xml version="1.0" encoding="utf-8"?>
+<file path=ppt/slides/slide91.xml><?xml version="1.0" encoding="utf-8"?>
 <p:sld xmlns:a="http://schemas.openxmlformats.org/drawingml/2006/main" xmlns:r="http://schemas.openxmlformats.org/officeDocument/2006/relationships" xmlns:p="http://schemas.openxmlformats.org/presentationml/2006/main">
   <p:cSld>
     <p:spTree>
@@ -20068,7 +18110,7 @@
 </p:sld>
 </file>
 
-<file path=ppt/slides/slide94.xml><?xml version="1.0" encoding="utf-8"?>
+<file path=ppt/slides/slide92.xml><?xml version="1.0" encoding="utf-8"?>
 <p:sld xmlns:a="http://schemas.openxmlformats.org/drawingml/2006/main" xmlns:r="http://schemas.openxmlformats.org/officeDocument/2006/relationships" xmlns:p="http://schemas.openxmlformats.org/presentationml/2006/main">
   <p:cSld>
     <p:spTree>
@@ -20223,7 +18265,7 @@
 </p:sld>
 </file>
 
-<file path=ppt/slides/slide95.xml><?xml version="1.0" encoding="utf-8"?>
+<file path=ppt/slides/slide93.xml><?xml version="1.0" encoding="utf-8"?>
 <p:sld xmlns:a="http://schemas.openxmlformats.org/drawingml/2006/main" xmlns:r="http://schemas.openxmlformats.org/officeDocument/2006/relationships" xmlns:p="http://schemas.openxmlformats.org/presentationml/2006/main">
   <p:cSld>
     <p:spTree>
@@ -20418,7 +18460,7 @@
 </p:sld>
 </file>
 
-<file path=ppt/slides/slide96.xml><?xml version="1.0" encoding="utf-8"?>
+<file path=ppt/slides/slide94.xml><?xml version="1.0" encoding="utf-8"?>
 <p:sld xmlns:a="http://schemas.openxmlformats.org/drawingml/2006/main" xmlns:r="http://schemas.openxmlformats.org/officeDocument/2006/relationships" xmlns:p="http://schemas.openxmlformats.org/presentationml/2006/main">
   <p:cSld>
     <p:spTree>
@@ -20535,7 +18577,7 @@
     </p:spTree>
     <p:extLst>
       <p:ext uri="{BB962C8B-B14F-4D97-AF65-F5344CB8AC3E}">
-        <p14:creationId xmlns:p14="http://schemas.microsoft.com/office/powerpoint/2010/main" val="2862619153"/>
+        <p14:creationId xmlns:p14="http://schemas.microsoft.com/office/powerpoint/2010/main" val="2946357738"/>
       </p:ext>
     </p:extLst>
   </p:cSld>
@@ -20552,7 +18594,7 @@
 </p:sld>
 </file>
 
-<file path=ppt/slides/slide97.xml><?xml version="1.0" encoding="utf-8"?>
+<file path=ppt/slides/slide95.xml><?xml version="1.0" encoding="utf-8"?>
 <p:sld xmlns:a="http://schemas.openxmlformats.org/drawingml/2006/main" xmlns:r="http://schemas.openxmlformats.org/officeDocument/2006/relationships" xmlns:p="http://schemas.openxmlformats.org/presentationml/2006/main">
   <p:cSld>
     <p:spTree>
@@ -20611,7 +18653,7 @@
 </p:sld>
 </file>
 
-<file path=ppt/slides/slide98.xml><?xml version="1.0" encoding="utf-8"?>
+<file path=ppt/slides/slide96.xml><?xml version="1.0" encoding="utf-8"?>
 <p:sld xmlns:a="http://schemas.openxmlformats.org/drawingml/2006/main" xmlns:r="http://schemas.openxmlformats.org/officeDocument/2006/relationships" xmlns:p="http://schemas.openxmlformats.org/presentationml/2006/main">
   <p:cSld>
     <p:spTree>
@@ -20849,7 +18891,7 @@
 </p:sld>
 </file>
 
-<file path=ppt/slides/slide99.xml><?xml version="1.0" encoding="utf-8"?>
+<file path=ppt/slides/slide97.xml><?xml version="1.0" encoding="utf-8"?>
 <p:sld xmlns:a="http://schemas.openxmlformats.org/drawingml/2006/main" xmlns:r="http://schemas.openxmlformats.org/officeDocument/2006/relationships" xmlns:p="http://schemas.openxmlformats.org/presentationml/2006/main">
   <p:cSld>
     <p:spTree>
@@ -20967,6 +19009,260 @@
     <p:extLst>
       <p:ext uri="{BB962C8B-B14F-4D97-AF65-F5344CB8AC3E}">
         <p14:creationId xmlns:p14="http://schemas.microsoft.com/office/powerpoint/2010/main" val="72432952"/>
+      </p:ext>
+    </p:extLst>
+  </p:cSld>
+  <p:clrMapOvr>
+    <a:masterClrMapping/>
+  </p:clrMapOvr>
+  <p:timing>
+    <p:tnLst>
+      <p:par>
+        <p:cTn id="1" dur="indefinite" restart="never" nodeType="tmRoot"/>
+      </p:par>
+    </p:tnLst>
+  </p:timing>
+</p:sld>
+</file>
+
+<file path=ppt/slides/slide98.xml><?xml version="1.0" encoding="utf-8"?>
+<p:sld xmlns:a="http://schemas.openxmlformats.org/drawingml/2006/main" xmlns:r="http://schemas.openxmlformats.org/officeDocument/2006/relationships" xmlns:p="http://schemas.openxmlformats.org/presentationml/2006/main">
+  <p:cSld>
+    <p:spTree>
+      <p:nvGrpSpPr>
+        <p:cNvPr id="1" name=""/>
+        <p:cNvGrpSpPr/>
+        <p:nvPr/>
+      </p:nvGrpSpPr>
+      <p:grpSpPr>
+        <a:xfrm>
+          <a:off x="0" y="0"/>
+          <a:ext cx="0" cy="0"/>
+          <a:chOff x="0" y="0"/>
+          <a:chExt cx="0" cy="0"/>
+        </a:xfrm>
+      </p:grpSpPr>
+      <p:sp>
+        <p:nvSpPr>
+          <p:cNvPr id="2" name="Title 1"/>
+          <p:cNvSpPr>
+            <a:spLocks noGrp="1"/>
+          </p:cNvSpPr>
+          <p:nvPr>
+            <p:ph type="title"/>
+          </p:nvPr>
+        </p:nvSpPr>
+        <p:spPr/>
+        <p:txBody>
+          <a:bodyPr/>
+          <a:lstStyle/>
+          <a:p>
+            <a:r>
+              <a:rPr lang="en-US" dirty="0"/>
+              <a:t>Remotely querying </a:t>
+            </a:r>
+            <a:r>
+              <a:rPr lang="en-US" dirty="0" err="1"/>
+              <a:t>Splunk’s</a:t>
+            </a:r>
+            <a:r>
+              <a:rPr lang="en-US"/>
+              <a:t> REST API</a:t>
+            </a:r>
+          </a:p>
+        </p:txBody>
+      </p:sp>
+      <p:sp>
+        <p:nvSpPr>
+          <p:cNvPr id="3" name="Text Placeholder 2"/>
+          <p:cNvSpPr>
+            <a:spLocks noGrp="1"/>
+          </p:cNvSpPr>
+          <p:nvPr>
+            <p:ph type="body" sz="quarter" idx="10"/>
+          </p:nvPr>
+        </p:nvSpPr>
+        <p:spPr/>
+        <p:txBody>
+          <a:bodyPr/>
+          <a:lstStyle/>
+          <a:p>
+            <a:r>
+              <a:rPr lang="en-US" dirty="0" smtClean="0"/>
+              <a:t>Standard RESTful endpoint</a:t>
+            </a:r>
+          </a:p>
+          <a:p>
+            <a:r>
+              <a:rPr lang="en-US" dirty="0" smtClean="0"/>
+              <a:t>Exposes a large amount of </a:t>
+            </a:r>
+            <a:r>
+              <a:rPr lang="en-US" dirty="0" err="1" smtClean="0"/>
+              <a:t>Splunk</a:t>
+            </a:r>
+            <a:r>
+              <a:rPr lang="en-US" dirty="0" smtClean="0"/>
+              <a:t> functionality</a:t>
+            </a:r>
+            <a:endParaRPr lang="en-US" dirty="0"/>
+          </a:p>
+        </p:txBody>
+      </p:sp>
+      <p:pic>
+        <p:nvPicPr>
+          <p:cNvPr id="4" name="Picture 3">
+            <a:hlinkClick r:id="rId2" action="ppaction://hlinkfile"/>
+            <a:extLst>
+              <a:ext uri="{FF2B5EF4-FFF2-40B4-BE49-F238E27FC236}">
+                <a16:creationId xmlns:a16="http://schemas.microsoft.com/office/drawing/2014/main" id="{F828083B-E8B3-4248-8611-B52D7EC66816}"/>
+              </a:ext>
+            </a:extLst>
+          </p:cNvPr>
+          <p:cNvPicPr>
+            <a:picLocks noChangeAspect="1"/>
+          </p:cNvPicPr>
+          <p:nvPr/>
+        </p:nvPicPr>
+        <p:blipFill>
+          <a:blip r:embed="rId3"/>
+          <a:stretch>
+            <a:fillRect/>
+          </a:stretch>
+        </p:blipFill>
+        <p:spPr>
+          <a:xfrm>
+            <a:off x="762000" y="4638557"/>
+            <a:ext cx="10698068" cy="847843"/>
+          </a:xfrm>
+          <a:prstGeom prst="rect">
+            <a:avLst/>
+          </a:prstGeom>
+        </p:spPr>
+      </p:pic>
+    </p:spTree>
+    <p:extLst>
+      <p:ext uri="{BB962C8B-B14F-4D97-AF65-F5344CB8AC3E}">
+        <p14:creationId xmlns:p14="http://schemas.microsoft.com/office/powerpoint/2010/main" val="2025764666"/>
+      </p:ext>
+    </p:extLst>
+  </p:cSld>
+  <p:clrMapOvr>
+    <a:masterClrMapping/>
+  </p:clrMapOvr>
+  <p:timing>
+    <p:tnLst>
+      <p:par>
+        <p:cTn id="1" dur="indefinite" restart="never" nodeType="tmRoot"/>
+      </p:par>
+    </p:tnLst>
+  </p:timing>
+</p:sld>
+</file>
+
+<file path=ppt/slides/slide99.xml><?xml version="1.0" encoding="utf-8"?>
+<p:sld xmlns:a="http://schemas.openxmlformats.org/drawingml/2006/main" xmlns:r="http://schemas.openxmlformats.org/officeDocument/2006/relationships" xmlns:p="http://schemas.openxmlformats.org/presentationml/2006/main">
+  <p:cSld>
+    <p:spTree>
+      <p:nvGrpSpPr>
+        <p:cNvPr id="1" name=""/>
+        <p:cNvGrpSpPr/>
+        <p:nvPr/>
+      </p:nvGrpSpPr>
+      <p:grpSpPr>
+        <a:xfrm>
+          <a:off x="0" y="0"/>
+          <a:ext cx="0" cy="0"/>
+          <a:chOff x="0" y="0"/>
+          <a:chExt cx="0" cy="0"/>
+        </a:xfrm>
+      </p:grpSpPr>
+      <p:sp>
+        <p:nvSpPr>
+          <p:cNvPr id="2" name="Title 1">
+            <a:extLst>
+              <a:ext uri="{FF2B5EF4-FFF2-40B4-BE49-F238E27FC236}">
+                <a16:creationId xmlns:a16="http://schemas.microsoft.com/office/drawing/2014/main" id="{8F6DC836-B50B-4D37-9245-B653C11EA01D}"/>
+              </a:ext>
+            </a:extLst>
+          </p:cNvPr>
+          <p:cNvSpPr>
+            <a:spLocks noGrp="1"/>
+          </p:cNvSpPr>
+          <p:nvPr>
+            <p:ph type="title"/>
+          </p:nvPr>
+        </p:nvSpPr>
+        <p:spPr/>
+        <p:txBody>
+          <a:bodyPr/>
+          <a:lstStyle/>
+          <a:p>
+            <a:r>
+              <a:rPr lang="en-US" dirty="0" smtClean="0"/>
+              <a:t>Supplementary </a:t>
+            </a:r>
+            <a:r>
+              <a:rPr lang="en-US" smtClean="0"/>
+              <a:t>Lab Exercises</a:t>
+            </a:r>
+            <a:endParaRPr lang="en-US"/>
+          </a:p>
+        </p:txBody>
+      </p:sp>
+      <p:sp>
+        <p:nvSpPr>
+          <p:cNvPr id="3" name="Text Placeholder 2">
+            <a:extLst>
+              <a:ext uri="{FF2B5EF4-FFF2-40B4-BE49-F238E27FC236}">
+                <a16:creationId xmlns:a16="http://schemas.microsoft.com/office/drawing/2014/main" id="{CD65E2F7-F9C9-43A6-8111-33A7D49FB867}"/>
+              </a:ext>
+            </a:extLst>
+          </p:cNvPr>
+          <p:cNvSpPr>
+            <a:spLocks noGrp="1"/>
+          </p:cNvSpPr>
+          <p:nvPr>
+            <p:ph type="body" sz="quarter" idx="10"/>
+          </p:nvPr>
+        </p:nvSpPr>
+        <p:spPr/>
+        <p:txBody>
+          <a:bodyPr/>
+          <a:lstStyle/>
+          <a:p>
+            <a:r>
+              <a:rPr lang="en-US" dirty="0" smtClean="0"/>
+              <a:t>Customizing the application navigation p. 598</a:t>
+            </a:r>
+          </a:p>
+          <a:p>
+            <a:r>
+              <a:rPr lang="en-US" dirty="0" smtClean="0"/>
+              <a:t>Adding a Sankey diagram p. 603</a:t>
+            </a:r>
+          </a:p>
+          <a:p>
+            <a:r>
+              <a:rPr lang="en-US" dirty="0" smtClean="0"/>
+              <a:t>Remotely querying </a:t>
+            </a:r>
+            <a:r>
+              <a:rPr lang="en-US" dirty="0" err="1" smtClean="0"/>
+              <a:t>Splunk’s</a:t>
+            </a:r>
+            <a:r>
+              <a:rPr lang="en-US" dirty="0" smtClean="0"/>
+              <a:t> REST API p. 627</a:t>
+            </a:r>
+            <a:endParaRPr lang="en-US" dirty="0"/>
+          </a:p>
+        </p:txBody>
+      </p:sp>
+    </p:spTree>
+    <p:extLst>
+      <p:ext uri="{BB962C8B-B14F-4D97-AF65-F5344CB8AC3E}">
+        <p14:creationId xmlns:p14="http://schemas.microsoft.com/office/powerpoint/2010/main" val="4017342681"/>
       </p:ext>
     </p:extLst>
   </p:cSld>
